--- a/assets/content-files/Schemas.pptx
+++ b/assets/content-files/Schemas.pptx
@@ -6,11 +6,12 @@
   </p:sldMasterIdLst>
   <p:sldIdLst>
     <p:sldId id="260" r:id="rId2"/>
-    <p:sldId id="262" r:id="rId3"/>
-    <p:sldId id="258" r:id="rId4"/>
-    <p:sldId id="257" r:id="rId5"/>
-    <p:sldId id="259" r:id="rId6"/>
-    <p:sldId id="261" r:id="rId7"/>
+    <p:sldId id="263" r:id="rId3"/>
+    <p:sldId id="262" r:id="rId4"/>
+    <p:sldId id="258" r:id="rId5"/>
+    <p:sldId id="257" r:id="rId6"/>
+    <p:sldId id="259" r:id="rId7"/>
+    <p:sldId id="261" r:id="rId8"/>
   </p:sldIdLst>
   <p:sldSz cx="12192000" cy="6858000"/>
   <p:notesSz cx="6858000" cy="9144000"/>
@@ -109,6 +110,11 @@
       </a:defRPr>
     </a:lvl9pPr>
   </p:defaultTextStyle>
+  <p:extLst>
+    <p:ext uri="{EFAFB233-063F-42B5-8137-9DF3F51BA10A}">
+      <p15:sldGuideLst xmlns:p15="http://schemas.microsoft.com/office/powerpoint/2012/main"/>
+    </p:ext>
+  </p:extLst>
 </p:presentation>
 </file>
 
@@ -243,7 +249,7 @@
           <a:p>
             <a:fld id="{B253B49A-4094-4AD2-84B0-9BA0802B708A}" type="datetimeFigureOut">
               <a:rPr lang="de-CH" smtClean="0"/>
-              <a:t>30.06.2016</a:t>
+              <a:t>01.07.2016</a:t>
             </a:fld>
             <a:endParaRPr lang="de-CH"/>
           </a:p>
@@ -413,7 +419,7 @@
           <a:p>
             <a:fld id="{B253B49A-4094-4AD2-84B0-9BA0802B708A}" type="datetimeFigureOut">
               <a:rPr lang="de-CH" smtClean="0"/>
-              <a:t>30.06.2016</a:t>
+              <a:t>01.07.2016</a:t>
             </a:fld>
             <a:endParaRPr lang="de-CH"/>
           </a:p>
@@ -593,7 +599,7 @@
           <a:p>
             <a:fld id="{B253B49A-4094-4AD2-84B0-9BA0802B708A}" type="datetimeFigureOut">
               <a:rPr lang="de-CH" smtClean="0"/>
-              <a:t>30.06.2016</a:t>
+              <a:t>01.07.2016</a:t>
             </a:fld>
             <a:endParaRPr lang="de-CH"/>
           </a:p>
@@ -763,7 +769,7 @@
           <a:p>
             <a:fld id="{B253B49A-4094-4AD2-84B0-9BA0802B708A}" type="datetimeFigureOut">
               <a:rPr lang="de-CH" smtClean="0"/>
-              <a:t>30.06.2016</a:t>
+              <a:t>01.07.2016</a:t>
             </a:fld>
             <a:endParaRPr lang="de-CH"/>
           </a:p>
@@ -1009,7 +1015,7 @@
           <a:p>
             <a:fld id="{B253B49A-4094-4AD2-84B0-9BA0802B708A}" type="datetimeFigureOut">
               <a:rPr lang="de-CH" smtClean="0"/>
-              <a:t>30.06.2016</a:t>
+              <a:t>01.07.2016</a:t>
             </a:fld>
             <a:endParaRPr lang="de-CH"/>
           </a:p>
@@ -1241,7 +1247,7 @@
           <a:p>
             <a:fld id="{B253B49A-4094-4AD2-84B0-9BA0802B708A}" type="datetimeFigureOut">
               <a:rPr lang="de-CH" smtClean="0"/>
-              <a:t>30.06.2016</a:t>
+              <a:t>01.07.2016</a:t>
             </a:fld>
             <a:endParaRPr lang="de-CH"/>
           </a:p>
@@ -1608,7 +1614,7 @@
           <a:p>
             <a:fld id="{B253B49A-4094-4AD2-84B0-9BA0802B708A}" type="datetimeFigureOut">
               <a:rPr lang="de-CH" smtClean="0"/>
-              <a:t>30.06.2016</a:t>
+              <a:t>01.07.2016</a:t>
             </a:fld>
             <a:endParaRPr lang="de-CH"/>
           </a:p>
@@ -1726,7 +1732,7 @@
           <a:p>
             <a:fld id="{B253B49A-4094-4AD2-84B0-9BA0802B708A}" type="datetimeFigureOut">
               <a:rPr lang="de-CH" smtClean="0"/>
-              <a:t>30.06.2016</a:t>
+              <a:t>01.07.2016</a:t>
             </a:fld>
             <a:endParaRPr lang="de-CH"/>
           </a:p>
@@ -1821,7 +1827,7 @@
           <a:p>
             <a:fld id="{B253B49A-4094-4AD2-84B0-9BA0802B708A}" type="datetimeFigureOut">
               <a:rPr lang="de-CH" smtClean="0"/>
-              <a:t>30.06.2016</a:t>
+              <a:t>01.07.2016</a:t>
             </a:fld>
             <a:endParaRPr lang="de-CH"/>
           </a:p>
@@ -2098,7 +2104,7 @@
           <a:p>
             <a:fld id="{B253B49A-4094-4AD2-84B0-9BA0802B708A}" type="datetimeFigureOut">
               <a:rPr lang="de-CH" smtClean="0"/>
-              <a:t>30.06.2016</a:t>
+              <a:t>01.07.2016</a:t>
             </a:fld>
             <a:endParaRPr lang="de-CH"/>
           </a:p>
@@ -2351,7 +2357,7 @@
           <a:p>
             <a:fld id="{B253B49A-4094-4AD2-84B0-9BA0802B708A}" type="datetimeFigureOut">
               <a:rPr lang="de-CH" smtClean="0"/>
-              <a:t>30.06.2016</a:t>
+              <a:t>01.07.2016</a:t>
             </a:fld>
             <a:endParaRPr lang="de-CH"/>
           </a:p>
@@ -2564,7 +2570,7 @@
           <a:p>
             <a:fld id="{B253B49A-4094-4AD2-84B0-9BA0802B708A}" type="datetimeFigureOut">
               <a:rPr lang="de-CH" smtClean="0"/>
-              <a:t>30.06.2016</a:t>
+              <a:t>01.07.2016</a:t>
             </a:fld>
             <a:endParaRPr lang="de-CH"/>
           </a:p>
@@ -3022,37 +3028,525 @@
           <a:chExt cx="0" cy="0"/>
         </a:xfrm>
       </p:grpSpPr>
-      <p:sp>
-        <p:nvSpPr>
-          <p:cNvPr id="2" name="Titel 1"/>
-          <p:cNvSpPr>
-            <a:spLocks noGrp="1"/>
-          </p:cNvSpPr>
-          <p:nvPr>
-            <p:ph type="title"/>
-          </p:nvPr>
-        </p:nvSpPr>
-        <p:spPr/>
-        <p:txBody>
-          <a:bodyPr/>
-          <a:lstStyle/>
-          <a:p>
-            <a:r>
-              <a:rPr lang="de-CH" dirty="0" err="1" smtClean="0"/>
-              <a:t>Install</a:t>
-            </a:r>
-            <a:r>
-              <a:rPr lang="de-CH" dirty="0" smtClean="0"/>
-              <a:t> Options</a:t>
-            </a:r>
-            <a:endParaRPr lang="de-CH" dirty="0"/>
+      <p:pic>
+        <p:nvPicPr>
+          <p:cNvPr id="12" name="Picture 2" descr="OneOffixx"/>
+          <p:cNvPicPr>
+            <a:picLocks noChangeAspect="1" noChangeArrowheads="1"/>
+          </p:cNvPicPr>
+          <p:nvPr/>
+        </p:nvPicPr>
+        <p:blipFill>
+          <a:blip r:embed="rId2">
+            <a:extLst>
+              <a:ext uri="{28A0092B-C50C-407E-A947-70E740481C1C}">
+                <a14:useLocalDpi xmlns:a14="http://schemas.microsoft.com/office/drawing/2010/main" val="0"/>
+              </a:ext>
+            </a:extLst>
+          </a:blip>
+          <a:srcRect/>
+          <a:stretch>
+            <a:fillRect/>
+          </a:stretch>
+        </p:blipFill>
+        <p:spPr bwMode="auto">
+          <a:xfrm>
+            <a:off x="4724284" y="1099751"/>
+            <a:ext cx="1724643" cy="264446"/>
+          </a:xfrm>
+          <a:prstGeom prst="rect">
+            <a:avLst/>
+          </a:prstGeom>
+          <a:noFill/>
+          <a:extLst>
+            <a:ext uri="{909E8E84-426E-40DD-AFC4-6F175D3DCCD1}">
+              <a14:hiddenFill xmlns:a14="http://schemas.microsoft.com/office/drawing/2010/main">
+                <a:solidFill>
+                  <a:srgbClr val="FFFFFF"/>
+                </a:solidFill>
+              </a14:hiddenFill>
+            </a:ext>
+          </a:extLst>
+        </p:spPr>
+      </p:pic>
+      <p:pic>
+        <p:nvPicPr>
+          <p:cNvPr id="13" name="Grafik 12"/>
+          <p:cNvPicPr>
+            <a:picLocks noChangeAspect="1"/>
+          </p:cNvPicPr>
+          <p:nvPr/>
+        </p:nvPicPr>
+        <p:blipFill>
+          <a:blip r:embed="rId3" cstate="print">
+            <a:extLst>
+              <a:ext uri="{28A0092B-C50C-407E-A947-70E740481C1C}">
+                <a14:useLocalDpi xmlns:a14="http://schemas.microsoft.com/office/drawing/2010/main" val="0"/>
+              </a:ext>
+            </a:extLst>
+          </a:blip>
+          <a:stretch>
+            <a:fillRect/>
+          </a:stretch>
+        </p:blipFill>
+        <p:spPr>
+          <a:xfrm>
+            <a:off x="3469074" y="1780578"/>
+            <a:ext cx="1202035" cy="1202035"/>
+          </a:xfrm>
+          <a:prstGeom prst="rect">
+            <a:avLst/>
+          </a:prstGeom>
+        </p:spPr>
+      </p:pic>
+      <p:pic>
+        <p:nvPicPr>
+          <p:cNvPr id="14" name="Grafik 13"/>
+          <p:cNvPicPr>
+            <a:picLocks noChangeAspect="1"/>
+          </p:cNvPicPr>
+          <p:nvPr/>
+        </p:nvPicPr>
+        <p:blipFill>
+          <a:blip r:embed="rId4" cstate="print">
+            <a:extLst>
+              <a:ext uri="{28A0092B-C50C-407E-A947-70E740481C1C}">
+                <a14:useLocalDpi xmlns:a14="http://schemas.microsoft.com/office/drawing/2010/main" val="0"/>
+              </a:ext>
+            </a:extLst>
+          </a:blip>
+          <a:stretch>
+            <a:fillRect/>
+          </a:stretch>
+        </p:blipFill>
+        <p:spPr>
+          <a:xfrm>
+            <a:off x="7553201" y="2117766"/>
+            <a:ext cx="780290" cy="780290"/>
+          </a:xfrm>
+          <a:prstGeom prst="rect">
+            <a:avLst/>
+          </a:prstGeom>
+        </p:spPr>
+      </p:pic>
+      <p:sp>
+        <p:nvSpPr>
+          <p:cNvPr id="15" name="Textfeld 14"/>
+          <p:cNvSpPr txBox="1"/>
+          <p:nvPr/>
+        </p:nvSpPr>
+        <p:spPr>
+          <a:xfrm>
+            <a:off x="7182482" y="3211212"/>
+            <a:ext cx="1848274" cy="646331"/>
+          </a:xfrm>
+          <a:prstGeom prst="rect">
+            <a:avLst/>
+          </a:prstGeom>
+          <a:noFill/>
+        </p:spPr>
+        <p:txBody>
+          <a:bodyPr wrap="square" rtlCol="0">
+            <a:spAutoFit/>
+          </a:bodyPr>
+          <a:lstStyle/>
+          <a:p>
+            <a:r>
+              <a:rPr lang="de-CH" b="1" dirty="0" smtClean="0"/>
+              <a:t>Windows Client</a:t>
+            </a:r>
+          </a:p>
+          <a:p>
+            <a:r>
+              <a:rPr lang="de-CH" b="1" dirty="0" smtClean="0"/>
+              <a:t>&amp; Office Addins</a:t>
+            </a:r>
+            <a:endParaRPr lang="de-CH" b="1" dirty="0"/>
+          </a:p>
+        </p:txBody>
+      </p:sp>
+      <p:pic>
+        <p:nvPicPr>
+          <p:cNvPr id="16" name="Grafik 15"/>
+          <p:cNvPicPr>
+            <a:picLocks noChangeAspect="1"/>
+          </p:cNvPicPr>
+          <p:nvPr/>
+        </p:nvPicPr>
+        <p:blipFill>
+          <a:blip r:embed="rId5" cstate="print">
+            <a:extLst>
+              <a:ext uri="{28A0092B-C50C-407E-A947-70E740481C1C}">
+                <a14:useLocalDpi xmlns:a14="http://schemas.microsoft.com/office/drawing/2010/main" val="0"/>
+              </a:ext>
+            </a:extLst>
+          </a:blip>
+          <a:stretch>
+            <a:fillRect/>
+          </a:stretch>
+        </p:blipFill>
+        <p:spPr>
+          <a:xfrm>
+            <a:off x="2429568" y="2067063"/>
+            <a:ext cx="830992" cy="830992"/>
+          </a:xfrm>
+          <a:prstGeom prst="rect">
+            <a:avLst/>
+          </a:prstGeom>
+        </p:spPr>
+      </p:pic>
+      <p:sp>
+        <p:nvSpPr>
+          <p:cNvPr id="17" name="Textfeld 16"/>
+          <p:cNvSpPr txBox="1"/>
+          <p:nvPr/>
+        </p:nvSpPr>
+        <p:spPr>
+          <a:xfrm>
+            <a:off x="2710522" y="3211212"/>
+            <a:ext cx="1848274" cy="646331"/>
+          </a:xfrm>
+          <a:prstGeom prst="rect">
+            <a:avLst/>
+          </a:prstGeom>
+          <a:noFill/>
+        </p:spPr>
+        <p:txBody>
+          <a:bodyPr wrap="square" rtlCol="0">
+            <a:spAutoFit/>
+          </a:bodyPr>
+          <a:lstStyle/>
+          <a:p>
+            <a:r>
+              <a:rPr lang="de-CH" b="1" dirty="0" smtClean="0"/>
+              <a:t>Server Apps &amp; SQL Database</a:t>
+            </a:r>
+            <a:endParaRPr lang="de-CH" b="1" dirty="0"/>
+          </a:p>
+        </p:txBody>
+      </p:sp>
+      <p:pic>
+        <p:nvPicPr>
+          <p:cNvPr id="18" name="Grafik 17"/>
+          <p:cNvPicPr>
+            <a:picLocks noChangeAspect="1"/>
+          </p:cNvPicPr>
+          <p:nvPr/>
+        </p:nvPicPr>
+        <p:blipFill>
+          <a:blip r:embed="rId6" cstate="print">
+            <a:extLst>
+              <a:ext uri="{28A0092B-C50C-407E-A947-70E740481C1C}">
+                <a14:useLocalDpi xmlns:a14="http://schemas.microsoft.com/office/drawing/2010/main" val="0"/>
+              </a:ext>
+            </a:extLst>
+          </a:blip>
+          <a:stretch>
+            <a:fillRect/>
+          </a:stretch>
+        </p:blipFill>
+        <p:spPr>
+          <a:xfrm>
+            <a:off x="5375031" y="2226991"/>
+            <a:ext cx="561838" cy="561838"/>
+          </a:xfrm>
+          <a:prstGeom prst="rect">
+            <a:avLst/>
+          </a:prstGeom>
+        </p:spPr>
+      </p:pic>
+      <p:sp>
+        <p:nvSpPr>
+          <p:cNvPr id="19" name="Textfeld 18"/>
+          <p:cNvSpPr txBox="1"/>
+          <p:nvPr/>
+        </p:nvSpPr>
+        <p:spPr>
+          <a:xfrm>
+            <a:off x="5197048" y="3203975"/>
+            <a:ext cx="1848274" cy="646331"/>
+          </a:xfrm>
+          <a:prstGeom prst="rect">
+            <a:avLst/>
+          </a:prstGeom>
+          <a:noFill/>
+        </p:spPr>
+        <p:txBody>
+          <a:bodyPr wrap="square" rtlCol="0">
+            <a:spAutoFit/>
+          </a:bodyPr>
+          <a:lstStyle/>
+          <a:p>
+            <a:r>
+              <a:rPr lang="de-CH" b="1" dirty="0" smtClean="0"/>
+              <a:t>SOAP </a:t>
+            </a:r>
+          </a:p>
+          <a:p>
+            <a:r>
+              <a:rPr lang="de-CH" b="1" dirty="0" smtClean="0"/>
+              <a:t>&amp; REST APIs</a:t>
+            </a:r>
+            <a:endParaRPr lang="de-CH" b="1" dirty="0"/>
+          </a:p>
+        </p:txBody>
+      </p:sp>
+      <p:pic>
+        <p:nvPicPr>
+          <p:cNvPr id="21" name="Grafik 20"/>
+          <p:cNvPicPr>
+            <a:picLocks noChangeAspect="1"/>
+          </p:cNvPicPr>
+          <p:nvPr/>
+        </p:nvPicPr>
+        <p:blipFill>
+          <a:blip r:embed="rId7" cstate="print">
+            <a:extLst>
+              <a:ext uri="{28A0092B-C50C-407E-A947-70E740481C1C}">
+                <a14:useLocalDpi xmlns:a14="http://schemas.microsoft.com/office/drawing/2010/main" val="0"/>
+              </a:ext>
+            </a:extLst>
+          </a:blip>
+          <a:stretch>
+            <a:fillRect/>
+          </a:stretch>
+        </p:blipFill>
+        <p:spPr>
+          <a:xfrm>
+            <a:off x="2429568" y="3979463"/>
+            <a:ext cx="666663" cy="666663"/>
+          </a:xfrm>
+          <a:prstGeom prst="rect">
+            <a:avLst/>
+          </a:prstGeom>
+        </p:spPr>
+      </p:pic>
+      <p:pic>
+        <p:nvPicPr>
+          <p:cNvPr id="22" name="Grafik 21"/>
+          <p:cNvPicPr>
+            <a:picLocks noChangeAspect="1"/>
+          </p:cNvPicPr>
+          <p:nvPr/>
+        </p:nvPicPr>
+        <p:blipFill>
+          <a:blip r:embed="rId8" cstate="print">
+            <a:extLst>
+              <a:ext uri="{28A0092B-C50C-407E-A947-70E740481C1C}">
+                <a14:useLocalDpi xmlns:a14="http://schemas.microsoft.com/office/drawing/2010/main" val="0"/>
+              </a:ext>
+            </a:extLst>
+          </a:blip>
+          <a:stretch>
+            <a:fillRect/>
+          </a:stretch>
+        </p:blipFill>
+        <p:spPr>
+          <a:xfrm>
+            <a:off x="3690324" y="3979463"/>
+            <a:ext cx="637836" cy="637836"/>
+          </a:xfrm>
+          <a:prstGeom prst="rect">
+            <a:avLst/>
+          </a:prstGeom>
+        </p:spPr>
+      </p:pic>
+      <p:sp>
+        <p:nvSpPr>
+          <p:cNvPr id="23" name="Textfeld 22"/>
+          <p:cNvSpPr txBox="1"/>
+          <p:nvPr/>
+        </p:nvSpPr>
+        <p:spPr>
+          <a:xfrm>
+            <a:off x="2238082" y="4614157"/>
+            <a:ext cx="944880" cy="307777"/>
+          </a:xfrm>
+          <a:prstGeom prst="rect">
+            <a:avLst/>
+          </a:prstGeom>
+          <a:noFill/>
+        </p:spPr>
+        <p:txBody>
+          <a:bodyPr wrap="square" rtlCol="0">
+            <a:spAutoFit/>
+          </a:bodyPr>
+          <a:lstStyle/>
+          <a:p>
+            <a:r>
+              <a:rPr lang="de-CH" sz="1400" dirty="0" err="1" smtClean="0"/>
+              <a:t>Statistics</a:t>
+            </a:r>
+            <a:endParaRPr lang="de-CH" sz="1400" dirty="0"/>
+          </a:p>
+        </p:txBody>
+      </p:sp>
+      <p:sp>
+        <p:nvSpPr>
+          <p:cNvPr id="24" name="Textfeld 23"/>
+          <p:cNvSpPr txBox="1"/>
+          <p:nvPr/>
+        </p:nvSpPr>
+        <p:spPr>
+          <a:xfrm>
+            <a:off x="3536802" y="4617299"/>
+            <a:ext cx="1187482" cy="307777"/>
+          </a:xfrm>
+          <a:prstGeom prst="rect">
+            <a:avLst/>
+          </a:prstGeom>
+          <a:noFill/>
+        </p:spPr>
+        <p:txBody>
+          <a:bodyPr wrap="square" rtlCol="0">
+            <a:spAutoFit/>
+          </a:bodyPr>
+          <a:lstStyle/>
+          <a:p>
+            <a:r>
+              <a:rPr lang="de-CH" sz="1400" dirty="0" smtClean="0"/>
+              <a:t>API Services</a:t>
+            </a:r>
+            <a:endParaRPr lang="de-CH" sz="1400" dirty="0"/>
+          </a:p>
+        </p:txBody>
+      </p:sp>
+      <p:pic>
+        <p:nvPicPr>
+          <p:cNvPr id="25" name="Grafik 24"/>
+          <p:cNvPicPr>
+            <a:picLocks noChangeAspect="1"/>
+          </p:cNvPicPr>
+          <p:nvPr/>
+        </p:nvPicPr>
+        <p:blipFill>
+          <a:blip r:embed="rId9" cstate="print">
+            <a:extLst>
+              <a:ext uri="{28A0092B-C50C-407E-A947-70E740481C1C}">
+                <a14:useLocalDpi xmlns:a14="http://schemas.microsoft.com/office/drawing/2010/main" val="0"/>
+              </a:ext>
+            </a:extLst>
+          </a:blip>
+          <a:stretch>
+            <a:fillRect/>
+          </a:stretch>
+        </p:blipFill>
+        <p:spPr>
+          <a:xfrm>
+            <a:off x="3695297" y="5060623"/>
+            <a:ext cx="632863" cy="632863"/>
+          </a:xfrm>
+          <a:prstGeom prst="rect">
+            <a:avLst/>
+          </a:prstGeom>
+        </p:spPr>
+      </p:pic>
+      <p:pic>
+        <p:nvPicPr>
+          <p:cNvPr id="26" name="Grafik 25"/>
+          <p:cNvPicPr>
+            <a:picLocks noChangeAspect="1"/>
+          </p:cNvPicPr>
+          <p:nvPr/>
+        </p:nvPicPr>
+        <p:blipFill>
+          <a:blip r:embed="rId10" cstate="print">
+            <a:extLst>
+              <a:ext uri="{28A0092B-C50C-407E-A947-70E740481C1C}">
+                <a14:useLocalDpi xmlns:a14="http://schemas.microsoft.com/office/drawing/2010/main" val="0"/>
+              </a:ext>
+            </a:extLst>
+          </a:blip>
+          <a:stretch>
+            <a:fillRect/>
+          </a:stretch>
+        </p:blipFill>
+        <p:spPr>
+          <a:xfrm>
+            <a:off x="2484006" y="5098161"/>
+            <a:ext cx="557785" cy="557785"/>
+          </a:xfrm>
+          <a:prstGeom prst="rect">
+            <a:avLst/>
+          </a:prstGeom>
+        </p:spPr>
+      </p:pic>
+      <p:sp>
+        <p:nvSpPr>
+          <p:cNvPr id="27" name="Textfeld 26"/>
+          <p:cNvSpPr txBox="1"/>
+          <p:nvPr/>
+        </p:nvSpPr>
+        <p:spPr>
+          <a:xfrm>
+            <a:off x="2238082" y="5829033"/>
+            <a:ext cx="1230992" cy="523220"/>
+          </a:xfrm>
+          <a:prstGeom prst="rect">
+            <a:avLst/>
+          </a:prstGeom>
+          <a:noFill/>
+        </p:spPr>
+        <p:txBody>
+          <a:bodyPr wrap="square" rtlCol="0">
+            <a:spAutoFit/>
+          </a:bodyPr>
+          <a:lstStyle/>
+          <a:p>
+            <a:r>
+              <a:rPr lang="de-CH" sz="1400" dirty="0" smtClean="0"/>
+              <a:t>User </a:t>
+            </a:r>
+            <a:r>
+              <a:rPr lang="de-CH" sz="1400" dirty="0" err="1" smtClean="0"/>
+              <a:t>Sync</a:t>
+            </a:r>
+            <a:r>
+              <a:rPr lang="de-CH" sz="1400" dirty="0" smtClean="0"/>
+              <a:t> </a:t>
+            </a:r>
+            <a:r>
+              <a:rPr lang="de-CH" sz="1400" dirty="0" smtClean="0"/>
+              <a:t>Worker</a:t>
+            </a:r>
+            <a:endParaRPr lang="de-CH" sz="1400" dirty="0"/>
+          </a:p>
+        </p:txBody>
+      </p:sp>
+      <p:sp>
+        <p:nvSpPr>
+          <p:cNvPr id="28" name="Textfeld 27"/>
+          <p:cNvSpPr txBox="1"/>
+          <p:nvPr/>
+        </p:nvSpPr>
+        <p:spPr>
+          <a:xfrm>
+            <a:off x="3536802" y="5829033"/>
+            <a:ext cx="1230992" cy="307777"/>
+          </a:xfrm>
+          <a:prstGeom prst="rect">
+            <a:avLst/>
+          </a:prstGeom>
+          <a:noFill/>
+        </p:spPr>
+        <p:txBody>
+          <a:bodyPr wrap="square" rtlCol="0">
+            <a:spAutoFit/>
+          </a:bodyPr>
+          <a:lstStyle/>
+          <a:p>
+            <a:r>
+              <a:rPr lang="de-CH" sz="1400" dirty="0" smtClean="0"/>
+              <a:t>Web App</a:t>
+            </a:r>
+            <a:endParaRPr lang="de-CH" sz="1400" dirty="0"/>
           </a:p>
         </p:txBody>
       </p:sp>
     </p:spTree>
     <p:extLst>
       <p:ext uri="{BB962C8B-B14F-4D97-AF65-F5344CB8AC3E}">
-        <p14:creationId xmlns:p14="http://schemas.microsoft.com/office/powerpoint/2010/main" val="747594647"/>
+        <p14:creationId xmlns:p14="http://schemas.microsoft.com/office/powerpoint/2010/main" val="1337554345"/>
       </p:ext>
     </p:extLst>
   </p:cSld>
@@ -3081,711 +3575,35 @@
       </p:grpSpPr>
       <p:sp>
         <p:nvSpPr>
-          <p:cNvPr id="25" name="Rechteck 24"/>
-          <p:cNvSpPr/>
-          <p:nvPr/>
-        </p:nvSpPr>
-        <p:spPr>
-          <a:xfrm>
-            <a:off x="2780335" y="1043177"/>
-            <a:ext cx="2217810" cy="2176225"/>
-          </a:xfrm>
-          <a:prstGeom prst="rect">
-            <a:avLst/>
-          </a:prstGeom>
-          <a:pattFill prst="wdUpDiag">
-            <a:fgClr>
-              <a:schemeClr val="accent4">
-                <a:lumMod val="20000"/>
-                <a:lumOff val="80000"/>
-              </a:schemeClr>
-            </a:fgClr>
-            <a:bgClr>
-              <a:schemeClr val="bg1"/>
-            </a:bgClr>
-          </a:pattFill>
-          <a:ln w="9525" cap="flat" cmpd="sng" algn="ctr">
-            <a:solidFill>
-              <a:schemeClr val="accent3"/>
-            </a:solidFill>
-            <a:prstDash val="solid"/>
-            <a:round/>
-            <a:headEnd type="none" w="med" len="med"/>
-            <a:tailEnd type="none" w="med" len="med"/>
-          </a:ln>
-        </p:spPr>
-        <p:style>
-          <a:lnRef idx="0">
-            <a:scrgbClr r="0" g="0" b="0"/>
-          </a:lnRef>
-          <a:fillRef idx="0">
-            <a:scrgbClr r="0" g="0" b="0"/>
-          </a:fillRef>
-          <a:effectRef idx="0">
-            <a:scrgbClr r="0" g="0" b="0"/>
-          </a:effectRef>
-          <a:fontRef idx="minor">
-            <a:schemeClr val="accent3"/>
-          </a:fontRef>
-        </p:style>
-        <p:txBody>
-          <a:bodyPr rtlCol="0" anchor="ctr"/>
-          <a:lstStyle/>
-          <a:p>
-            <a:pPr algn="ctr"/>
-            <a:endParaRPr lang="de-CH"/>
-          </a:p>
-        </p:txBody>
-      </p:sp>
-      <p:pic>
-        <p:nvPicPr>
-          <p:cNvPr id="7" name="Grafik 6"/>
-          <p:cNvPicPr>
-            <a:picLocks noChangeAspect="1"/>
-          </p:cNvPicPr>
-          <p:nvPr/>
-        </p:nvPicPr>
-        <p:blipFill>
-          <a:blip r:embed="rId2" cstate="print">
-            <a:extLst>
-              <a:ext uri="{28A0092B-C50C-407E-A947-70E740481C1C}">
-                <a14:useLocalDpi xmlns:a14="http://schemas.microsoft.com/office/drawing/2010/main" val="0"/>
-              </a:ext>
-            </a:extLst>
-          </a:blip>
-          <a:stretch>
-            <a:fillRect/>
-          </a:stretch>
-        </p:blipFill>
-        <p:spPr>
-          <a:xfrm>
-            <a:off x="4486150" y="2346609"/>
-            <a:ext cx="390145" cy="390145"/>
-          </a:xfrm>
-          <a:prstGeom prst="rect">
-            <a:avLst/>
-          </a:prstGeom>
-        </p:spPr>
-      </p:pic>
-      <p:pic>
-        <p:nvPicPr>
-          <p:cNvPr id="1026" name="Picture 2" descr="OneOffixx"/>
-          <p:cNvPicPr>
-            <a:picLocks noChangeAspect="1" noChangeArrowheads="1"/>
-          </p:cNvPicPr>
-          <p:nvPr/>
-        </p:nvPicPr>
-        <p:blipFill>
-          <a:blip r:embed="rId3">
-            <a:extLst>
-              <a:ext uri="{28A0092B-C50C-407E-A947-70E740481C1C}">
-                <a14:useLocalDpi xmlns:a14="http://schemas.microsoft.com/office/drawing/2010/main" val="0"/>
-              </a:ext>
-            </a:extLst>
-          </a:blip>
-          <a:srcRect/>
-          <a:stretch>
-            <a:fillRect/>
-          </a:stretch>
-        </p:blipFill>
-        <p:spPr bwMode="auto">
-          <a:xfrm>
-            <a:off x="2895483" y="2084494"/>
-            <a:ext cx="1257638" cy="192838"/>
-          </a:xfrm>
-          <a:prstGeom prst="rect">
-            <a:avLst/>
-          </a:prstGeom>
-          <a:noFill/>
-          <a:extLst>
-            <a:ext uri="{909E8E84-426E-40DD-AFC4-6F175D3DCCD1}">
-              <a14:hiddenFill xmlns:a14="http://schemas.microsoft.com/office/drawing/2010/main">
-                <a:solidFill>
-                  <a:srgbClr val="FFFFFF"/>
-                </a:solidFill>
-              </a14:hiddenFill>
-            </a:ext>
-          </a:extLst>
-        </p:spPr>
-      </p:pic>
-      <p:sp>
-        <p:nvSpPr>
-          <p:cNvPr id="14" name="Rechteck 13"/>
-          <p:cNvSpPr/>
-          <p:nvPr/>
-        </p:nvSpPr>
-        <p:spPr>
-          <a:xfrm>
-            <a:off x="2505338" y="968995"/>
-            <a:ext cx="6412085" cy="3392611"/>
-          </a:xfrm>
-          <a:prstGeom prst="rect">
-            <a:avLst/>
-          </a:prstGeom>
-          <a:noFill/>
-          <a:ln w="9525" cap="flat" cmpd="sng" algn="ctr">
-            <a:solidFill>
-              <a:schemeClr val="accent3"/>
-            </a:solidFill>
-            <a:prstDash val="solid"/>
-            <a:round/>
-            <a:headEnd type="none" w="med" len="med"/>
-            <a:tailEnd type="none" w="med" len="med"/>
-          </a:ln>
-        </p:spPr>
-        <p:style>
-          <a:lnRef idx="0">
-            <a:scrgbClr r="0" g="0" b="0"/>
-          </a:lnRef>
-          <a:fillRef idx="0">
-            <a:scrgbClr r="0" g="0" b="0"/>
-          </a:fillRef>
-          <a:effectRef idx="0">
-            <a:scrgbClr r="0" g="0" b="0"/>
-          </a:effectRef>
-          <a:fontRef idx="minor">
-            <a:schemeClr val="accent3"/>
-          </a:fontRef>
-        </p:style>
-        <p:txBody>
-          <a:bodyPr rtlCol="0" anchor="ctr"/>
-          <a:lstStyle/>
-          <a:p>
-            <a:pPr algn="ctr"/>
-            <a:endParaRPr lang="de-CH"/>
-          </a:p>
-        </p:txBody>
-      </p:sp>
-      <p:pic>
-        <p:nvPicPr>
-          <p:cNvPr id="15" name="Grafik 14"/>
-          <p:cNvPicPr>
-            <a:picLocks noChangeAspect="1"/>
-          </p:cNvPicPr>
-          <p:nvPr/>
-        </p:nvPicPr>
-        <p:blipFill>
-          <a:blip r:embed="rId4" cstate="print">
-            <a:extLst>
-              <a:ext uri="{28A0092B-C50C-407E-A947-70E740481C1C}">
-                <a14:useLocalDpi xmlns:a14="http://schemas.microsoft.com/office/drawing/2010/main" val="0"/>
-              </a:ext>
-            </a:extLst>
-          </a:blip>
-          <a:stretch>
-            <a:fillRect/>
-          </a:stretch>
-        </p:blipFill>
-        <p:spPr>
-          <a:xfrm>
-            <a:off x="7728863" y="968996"/>
-            <a:ext cx="780290" cy="780290"/>
-          </a:xfrm>
-          <a:prstGeom prst="rect">
-            <a:avLst/>
-          </a:prstGeom>
-        </p:spPr>
-      </p:pic>
-      <p:pic>
-        <p:nvPicPr>
-          <p:cNvPr id="17" name="Grafik 16"/>
-          <p:cNvPicPr>
-            <a:picLocks noChangeAspect="1"/>
-          </p:cNvPicPr>
-          <p:nvPr/>
-        </p:nvPicPr>
-        <p:blipFill>
-          <a:blip r:embed="rId5" cstate="print">
-            <a:extLst>
-              <a:ext uri="{28A0092B-C50C-407E-A947-70E740481C1C}">
-                <a14:useLocalDpi xmlns:a14="http://schemas.microsoft.com/office/drawing/2010/main" val="0"/>
-              </a:ext>
-            </a:extLst>
-          </a:blip>
-          <a:stretch>
-            <a:fillRect/>
-          </a:stretch>
-        </p:blipFill>
-        <p:spPr>
-          <a:xfrm>
-            <a:off x="3108949" y="1063989"/>
-            <a:ext cx="780290" cy="780290"/>
-          </a:xfrm>
-          <a:prstGeom prst="rect">
-            <a:avLst/>
-          </a:prstGeom>
-        </p:spPr>
-      </p:pic>
-      <p:pic>
-        <p:nvPicPr>
-          <p:cNvPr id="19" name="Grafik 18"/>
-          <p:cNvPicPr>
-            <a:picLocks noChangeAspect="1"/>
-          </p:cNvPicPr>
-          <p:nvPr/>
-        </p:nvPicPr>
-        <p:blipFill>
-          <a:blip r:embed="rId4" cstate="print">
-            <a:extLst>
-              <a:ext uri="{28A0092B-C50C-407E-A947-70E740481C1C}">
-                <a14:useLocalDpi xmlns:a14="http://schemas.microsoft.com/office/drawing/2010/main" val="0"/>
-              </a:ext>
-            </a:extLst>
-          </a:blip>
-          <a:stretch>
-            <a:fillRect/>
-          </a:stretch>
-        </p:blipFill>
-        <p:spPr>
-          <a:xfrm>
-            <a:off x="7728863" y="1585568"/>
-            <a:ext cx="780290" cy="780290"/>
-          </a:xfrm>
-          <a:prstGeom prst="rect">
-            <a:avLst/>
-          </a:prstGeom>
-        </p:spPr>
-      </p:pic>
-      <p:pic>
-        <p:nvPicPr>
-          <p:cNvPr id="20" name="Grafik 19"/>
-          <p:cNvPicPr>
-            <a:picLocks noChangeAspect="1"/>
-          </p:cNvPicPr>
-          <p:nvPr/>
-        </p:nvPicPr>
-        <p:blipFill>
-          <a:blip r:embed="rId4" cstate="print">
-            <a:extLst>
-              <a:ext uri="{28A0092B-C50C-407E-A947-70E740481C1C}">
-                <a14:useLocalDpi xmlns:a14="http://schemas.microsoft.com/office/drawing/2010/main" val="0"/>
-              </a:ext>
-            </a:extLst>
-          </a:blip>
-          <a:stretch>
-            <a:fillRect/>
-          </a:stretch>
-        </p:blipFill>
-        <p:spPr>
-          <a:xfrm>
-            <a:off x="7728863" y="2180913"/>
-            <a:ext cx="780290" cy="780290"/>
-          </a:xfrm>
-          <a:prstGeom prst="rect">
-            <a:avLst/>
-          </a:prstGeom>
-        </p:spPr>
-      </p:pic>
-      <p:pic>
-        <p:nvPicPr>
-          <p:cNvPr id="18" name="Grafik 17"/>
-          <p:cNvPicPr>
-            <a:picLocks noChangeAspect="1"/>
-          </p:cNvPicPr>
-          <p:nvPr/>
-        </p:nvPicPr>
-        <p:blipFill>
-          <a:blip r:embed="rId6" cstate="print">
-            <a:extLst>
-              <a:ext uri="{28A0092B-C50C-407E-A947-70E740481C1C}">
-                <a14:useLocalDpi xmlns:a14="http://schemas.microsoft.com/office/drawing/2010/main" val="0"/>
-              </a:ext>
-            </a:extLst>
-          </a:blip>
-          <a:stretch>
-            <a:fillRect/>
-          </a:stretch>
-        </p:blipFill>
-        <p:spPr>
-          <a:xfrm>
-            <a:off x="2505338" y="3463150"/>
-            <a:ext cx="780290" cy="780290"/>
-          </a:xfrm>
-          <a:prstGeom prst="rect">
-            <a:avLst/>
-          </a:prstGeom>
-        </p:spPr>
-      </p:pic>
-      <p:sp>
-        <p:nvSpPr>
-          <p:cNvPr id="21" name="Textfeld 20"/>
-          <p:cNvSpPr txBox="1"/>
-          <p:nvPr/>
-        </p:nvSpPr>
-        <p:spPr>
-          <a:xfrm>
-            <a:off x="2780334" y="2367422"/>
-            <a:ext cx="1873165" cy="646331"/>
-          </a:xfrm>
-          <a:prstGeom prst="rect">
-            <a:avLst/>
-          </a:prstGeom>
-          <a:noFill/>
-        </p:spPr>
-        <p:txBody>
-          <a:bodyPr wrap="square" rtlCol="0">
-            <a:spAutoFit/>
-          </a:bodyPr>
-          <a:lstStyle/>
-          <a:p>
-            <a:r>
-              <a:rPr lang="de-CH" b="1" dirty="0" smtClean="0"/>
-              <a:t>Windows Server</a:t>
-            </a:r>
-          </a:p>
-          <a:p>
-            <a:r>
-              <a:rPr lang="de-CH" b="1" dirty="0" smtClean="0"/>
-              <a:t>&amp; IIS, SQL Server</a:t>
-            </a:r>
-            <a:endParaRPr lang="de-CH" b="1" dirty="0"/>
-          </a:p>
-        </p:txBody>
-      </p:sp>
-      <p:sp>
-        <p:nvSpPr>
-          <p:cNvPr id="23" name="Textfeld 22"/>
-          <p:cNvSpPr txBox="1"/>
-          <p:nvPr/>
-        </p:nvSpPr>
-        <p:spPr>
-          <a:xfrm>
-            <a:off x="3204452" y="3748526"/>
-            <a:ext cx="1793693" cy="369332"/>
-          </a:xfrm>
-          <a:prstGeom prst="rect">
-            <a:avLst/>
-          </a:prstGeom>
-          <a:noFill/>
-        </p:spPr>
-        <p:txBody>
-          <a:bodyPr wrap="square" rtlCol="0">
-            <a:spAutoFit/>
-          </a:bodyPr>
-          <a:lstStyle/>
-          <a:p>
-            <a:r>
-              <a:rPr lang="de-CH" b="1" dirty="0" err="1" smtClean="0"/>
-              <a:t>Active</a:t>
-            </a:r>
-            <a:r>
-              <a:rPr lang="de-CH" b="1" dirty="0" smtClean="0"/>
-              <a:t> Directory</a:t>
-            </a:r>
-            <a:endParaRPr lang="de-CH" b="1" dirty="0"/>
-          </a:p>
-        </p:txBody>
-      </p:sp>
-      <p:sp>
-        <p:nvSpPr>
-          <p:cNvPr id="24" name="Textfeld 23"/>
-          <p:cNvSpPr txBox="1"/>
-          <p:nvPr/>
-        </p:nvSpPr>
-        <p:spPr>
-          <a:xfrm>
-            <a:off x="7619335" y="3023498"/>
-            <a:ext cx="999345" cy="369332"/>
-          </a:xfrm>
-          <a:prstGeom prst="rect">
-            <a:avLst/>
-          </a:prstGeom>
-          <a:noFill/>
-        </p:spPr>
-        <p:txBody>
-          <a:bodyPr wrap="square" rtlCol="0">
-            <a:spAutoFit/>
-          </a:bodyPr>
-          <a:lstStyle/>
-          <a:p>
-            <a:r>
-              <a:rPr lang="de-CH" b="1" dirty="0" smtClean="0"/>
-              <a:t>Clients</a:t>
-            </a:r>
-            <a:endParaRPr lang="de-CH" b="1" dirty="0"/>
-          </a:p>
-        </p:txBody>
-      </p:sp>
-      <p:sp>
-        <p:nvSpPr>
-          <p:cNvPr id="26" name="Rechteck 25"/>
-          <p:cNvSpPr/>
-          <p:nvPr/>
-        </p:nvSpPr>
-        <p:spPr>
-          <a:xfrm>
-            <a:off x="1555919" y="968995"/>
-            <a:ext cx="895799" cy="414743"/>
-          </a:xfrm>
-          <a:prstGeom prst="rect">
-            <a:avLst/>
-          </a:prstGeom>
-          <a:pattFill prst="wdUpDiag">
-            <a:fgClr>
-              <a:schemeClr val="accent4">
-                <a:lumMod val="20000"/>
-                <a:lumOff val="80000"/>
-              </a:schemeClr>
-            </a:fgClr>
-            <a:bgClr>
-              <a:schemeClr val="bg1"/>
-            </a:bgClr>
-          </a:pattFill>
-          <a:ln w="9525" cap="flat" cmpd="sng" algn="ctr">
-            <a:solidFill>
-              <a:schemeClr val="bg1"/>
-            </a:solidFill>
-            <a:prstDash val="solid"/>
-            <a:round/>
-            <a:headEnd type="none" w="med" len="med"/>
-            <a:tailEnd type="none" w="med" len="med"/>
-          </a:ln>
-        </p:spPr>
-        <p:style>
-          <a:lnRef idx="0">
-            <a:scrgbClr r="0" g="0" b="0"/>
-          </a:lnRef>
-          <a:fillRef idx="0">
-            <a:scrgbClr r="0" g="0" b="0"/>
-          </a:fillRef>
-          <a:effectRef idx="0">
-            <a:scrgbClr r="0" g="0" b="0"/>
-          </a:effectRef>
-          <a:fontRef idx="minor">
-            <a:schemeClr val="accent3"/>
-          </a:fontRef>
-        </p:style>
-        <p:txBody>
-          <a:bodyPr rtlCol="0" anchor="ctr"/>
-          <a:lstStyle/>
-          <a:p>
-            <a:pPr algn="ctr"/>
-            <a:r>
-              <a:rPr lang="de-CH" b="1" dirty="0" smtClean="0">
-                <a:solidFill>
-                  <a:schemeClr val="tx1"/>
-                </a:solidFill>
-              </a:rPr>
-              <a:t>NEW</a:t>
-            </a:r>
-            <a:endParaRPr lang="de-CH" b="1" dirty="0">
-              <a:solidFill>
-                <a:schemeClr val="tx1"/>
-              </a:solidFill>
-            </a:endParaRPr>
-          </a:p>
-        </p:txBody>
-      </p:sp>
-      <p:pic>
-        <p:nvPicPr>
-          <p:cNvPr id="16" name="Grafik 15"/>
-          <p:cNvPicPr>
-            <a:picLocks noChangeAspect="1"/>
-          </p:cNvPicPr>
-          <p:nvPr/>
-        </p:nvPicPr>
-        <p:blipFill>
-          <a:blip r:embed="rId7" cstate="print">
-            <a:extLst>
-              <a:ext uri="{28A0092B-C50C-407E-A947-70E740481C1C}">
-                <a14:useLocalDpi xmlns:a14="http://schemas.microsoft.com/office/drawing/2010/main" val="0"/>
-              </a:ext>
-            </a:extLst>
-          </a:blip>
-          <a:stretch>
-            <a:fillRect/>
-          </a:stretch>
-        </p:blipFill>
-        <p:spPr>
-          <a:xfrm>
-            <a:off x="4041471" y="1147121"/>
-            <a:ext cx="780290" cy="780290"/>
-          </a:xfrm>
-          <a:prstGeom prst="rect">
-            <a:avLst/>
-          </a:prstGeom>
-        </p:spPr>
-      </p:pic>
-      <p:pic>
-        <p:nvPicPr>
-          <p:cNvPr id="30" name="Grafik 29"/>
-          <p:cNvPicPr>
-            <a:picLocks noChangeAspect="1"/>
-          </p:cNvPicPr>
-          <p:nvPr/>
-        </p:nvPicPr>
-        <p:blipFill>
-          <a:blip r:embed="rId5" cstate="print">
-            <a:extLst>
-              <a:ext uri="{28A0092B-C50C-407E-A947-70E740481C1C}">
-                <a14:useLocalDpi xmlns:a14="http://schemas.microsoft.com/office/drawing/2010/main" val="0"/>
-              </a:ext>
-            </a:extLst>
-          </a:blip>
-          <a:stretch>
-            <a:fillRect/>
-          </a:stretch>
-        </p:blipFill>
-        <p:spPr>
-          <a:xfrm>
-            <a:off x="1752732" y="1954838"/>
-            <a:ext cx="570747" cy="570747"/>
-          </a:xfrm>
-          <a:prstGeom prst="rect">
-            <a:avLst/>
-          </a:prstGeom>
-        </p:spPr>
-      </p:pic>
-      <p:pic>
-        <p:nvPicPr>
-          <p:cNvPr id="31" name="Grafik 30"/>
-          <p:cNvPicPr>
-            <a:picLocks noChangeAspect="1"/>
-          </p:cNvPicPr>
-          <p:nvPr/>
-        </p:nvPicPr>
-        <p:blipFill>
-          <a:blip r:embed="rId7" cstate="print">
-            <a:extLst>
-              <a:ext uri="{28A0092B-C50C-407E-A947-70E740481C1C}">
-                <a14:useLocalDpi xmlns:a14="http://schemas.microsoft.com/office/drawing/2010/main" val="0"/>
-              </a:ext>
-            </a:extLst>
-          </a:blip>
-          <a:stretch>
-            <a:fillRect/>
-          </a:stretch>
-        </p:blipFill>
-        <p:spPr>
-          <a:xfrm>
-            <a:off x="1647482" y="3450366"/>
-            <a:ext cx="585702" cy="585702"/>
-          </a:xfrm>
-          <a:prstGeom prst="rect">
-            <a:avLst/>
-          </a:prstGeom>
-        </p:spPr>
-      </p:pic>
-      <p:sp>
-        <p:nvSpPr>
-          <p:cNvPr id="32" name="Rechteck 31"/>
-          <p:cNvSpPr/>
-          <p:nvPr/>
-        </p:nvSpPr>
-        <p:spPr>
-          <a:xfrm>
-            <a:off x="1407696" y="2546460"/>
-            <a:ext cx="1065275" cy="414743"/>
-          </a:xfrm>
-          <a:prstGeom prst="rect">
-            <a:avLst/>
-          </a:prstGeom>
-          <a:noFill/>
-          <a:ln w="9525" cap="flat" cmpd="sng" algn="ctr">
-            <a:noFill/>
-            <a:prstDash val="solid"/>
-            <a:round/>
-            <a:headEnd type="none" w="med" len="med"/>
-            <a:tailEnd type="none" w="med" len="med"/>
-          </a:ln>
-        </p:spPr>
-        <p:style>
-          <a:lnRef idx="0">
-            <a:scrgbClr r="0" g="0" b="0"/>
-          </a:lnRef>
-          <a:fillRef idx="0">
-            <a:scrgbClr r="0" g="0" b="0"/>
-          </a:fillRef>
-          <a:effectRef idx="0">
-            <a:scrgbClr r="0" g="0" b="0"/>
-          </a:effectRef>
-          <a:fontRef idx="minor">
-            <a:schemeClr val="accent3"/>
-          </a:fontRef>
-        </p:style>
-        <p:txBody>
-          <a:bodyPr rtlCol="0" anchor="ctr"/>
-          <a:lstStyle/>
-          <a:p>
-            <a:pPr algn="ctr"/>
-            <a:r>
-              <a:rPr lang="de-CH" sz="1400" dirty="0" smtClean="0">
-                <a:solidFill>
-                  <a:schemeClr val="tx1"/>
-                </a:solidFill>
-              </a:rPr>
-              <a:t>Server Apps</a:t>
-            </a:r>
-            <a:endParaRPr lang="de-CH" sz="1400" dirty="0">
-              <a:solidFill>
-                <a:schemeClr val="tx1"/>
-              </a:solidFill>
-            </a:endParaRPr>
-          </a:p>
-        </p:txBody>
-      </p:sp>
-      <p:sp>
-        <p:nvSpPr>
-          <p:cNvPr id="33" name="Rechteck 32"/>
-          <p:cNvSpPr/>
-          <p:nvPr/>
-        </p:nvSpPr>
-        <p:spPr>
-          <a:xfrm>
-            <a:off x="1407696" y="4036068"/>
-            <a:ext cx="1065275" cy="414743"/>
-          </a:xfrm>
-          <a:prstGeom prst="rect">
-            <a:avLst/>
-          </a:prstGeom>
-          <a:noFill/>
-          <a:ln w="9525" cap="flat" cmpd="sng" algn="ctr">
-            <a:noFill/>
-            <a:prstDash val="solid"/>
-            <a:round/>
-            <a:headEnd type="none" w="med" len="med"/>
-            <a:tailEnd type="none" w="med" len="med"/>
-          </a:ln>
-        </p:spPr>
-        <p:style>
-          <a:lnRef idx="0">
-            <a:scrgbClr r="0" g="0" b="0"/>
-          </a:lnRef>
-          <a:fillRef idx="0">
-            <a:scrgbClr r="0" g="0" b="0"/>
-          </a:fillRef>
-          <a:effectRef idx="0">
-            <a:scrgbClr r="0" g="0" b="0"/>
-          </a:effectRef>
-          <a:fontRef idx="minor">
-            <a:schemeClr val="accent3"/>
-          </a:fontRef>
-        </p:style>
-        <p:txBody>
-          <a:bodyPr rtlCol="0" anchor="ctr"/>
-          <a:lstStyle/>
-          <a:p>
-            <a:pPr algn="ctr"/>
-            <a:r>
-              <a:rPr lang="de-CH" sz="1400" dirty="0" smtClean="0">
-                <a:solidFill>
-                  <a:schemeClr val="tx1"/>
-                </a:solidFill>
-              </a:rPr>
-              <a:t>Database</a:t>
-            </a:r>
-            <a:endParaRPr lang="de-CH" sz="1400" dirty="0">
-              <a:solidFill>
-                <a:schemeClr val="tx1"/>
-              </a:solidFill>
-            </a:endParaRPr>
+          <p:cNvPr id="2" name="Titel 1"/>
+          <p:cNvSpPr>
+            <a:spLocks noGrp="1"/>
+          </p:cNvSpPr>
+          <p:nvPr>
+            <p:ph type="title"/>
+          </p:nvPr>
+        </p:nvSpPr>
+        <p:spPr/>
+        <p:txBody>
+          <a:bodyPr/>
+          <a:lstStyle/>
+          <a:p>
+            <a:r>
+              <a:rPr lang="de-CH" dirty="0" err="1" smtClean="0"/>
+              <a:t>Install</a:t>
+            </a:r>
+            <a:r>
+              <a:rPr lang="de-CH" dirty="0" smtClean="0"/>
+              <a:t> Options</a:t>
+            </a:r>
+            <a:endParaRPr lang="de-CH" dirty="0"/>
           </a:p>
         </p:txBody>
       </p:sp>
     </p:spTree>
     <p:extLst>
       <p:ext uri="{BB962C8B-B14F-4D97-AF65-F5344CB8AC3E}">
-        <p14:creationId xmlns:p14="http://schemas.microsoft.com/office/powerpoint/2010/main" val="867134356"/>
+        <p14:creationId xmlns:p14="http://schemas.microsoft.com/office/powerpoint/2010/main" val="747594647"/>
       </p:ext>
     </p:extLst>
   </p:cSld>
@@ -3814,56 +3632,6 @@
       </p:grpSpPr>
       <p:sp>
         <p:nvSpPr>
-          <p:cNvPr id="22" name="Rechteck 21"/>
-          <p:cNvSpPr/>
-          <p:nvPr/>
-        </p:nvSpPr>
-        <p:spPr>
-          <a:xfrm>
-            <a:off x="5166407" y="1043176"/>
-            <a:ext cx="2217810" cy="2176226"/>
-          </a:xfrm>
-          <a:prstGeom prst="rect">
-            <a:avLst/>
-          </a:prstGeom>
-          <a:solidFill>
-            <a:schemeClr val="bg1"/>
-          </a:solidFill>
-          <a:ln w="9525" cap="flat" cmpd="sng" algn="ctr">
-            <a:solidFill>
-              <a:schemeClr val="accent3"/>
-            </a:solidFill>
-            <a:prstDash val="solid"/>
-            <a:round/>
-            <a:headEnd type="none" w="med" len="med"/>
-            <a:tailEnd type="none" w="med" len="med"/>
-          </a:ln>
-        </p:spPr>
-        <p:style>
-          <a:lnRef idx="0">
-            <a:scrgbClr r="0" g="0" b="0"/>
-          </a:lnRef>
-          <a:fillRef idx="0">
-            <a:scrgbClr r="0" g="0" b="0"/>
-          </a:fillRef>
-          <a:effectRef idx="0">
-            <a:scrgbClr r="0" g="0" b="0"/>
-          </a:effectRef>
-          <a:fontRef idx="minor">
-            <a:schemeClr val="accent3"/>
-          </a:fontRef>
-        </p:style>
-        <p:txBody>
-          <a:bodyPr rtlCol="0" anchor="ctr"/>
-          <a:lstStyle/>
-          <a:p>
-            <a:pPr algn="ctr"/>
-            <a:endParaRPr lang="de-CH"/>
-          </a:p>
-        </p:txBody>
-      </p:sp>
-      <p:sp>
-        <p:nvSpPr>
           <p:cNvPr id="25" name="Rechteck 24"/>
           <p:cNvSpPr/>
           <p:nvPr/>
@@ -4219,7 +3987,7 @@
           <a:p>
             <a:r>
               <a:rPr lang="de-CH" b="1" dirty="0" smtClean="0"/>
-              <a:t>&amp; IIS</a:t>
+              <a:t>&amp; IIS, SQL Server</a:t>
             </a:r>
             <a:endParaRPr lang="de-CH" b="1" dirty="0"/>
           </a:p>
@@ -4289,198 +4057,9 @@
           </a:p>
         </p:txBody>
       </p:sp>
-      <p:pic>
-        <p:nvPicPr>
-          <p:cNvPr id="27" name="Grafik 26"/>
-          <p:cNvPicPr>
-            <a:picLocks noChangeAspect="1"/>
-          </p:cNvPicPr>
-          <p:nvPr/>
-        </p:nvPicPr>
-        <p:blipFill>
-          <a:blip r:embed="rId2" cstate="print">
-            <a:extLst>
-              <a:ext uri="{28A0092B-C50C-407E-A947-70E740481C1C}">
-                <a14:useLocalDpi xmlns:a14="http://schemas.microsoft.com/office/drawing/2010/main" val="0"/>
-              </a:ext>
-            </a:extLst>
-          </a:blip>
-          <a:stretch>
-            <a:fillRect/>
-          </a:stretch>
-        </p:blipFill>
-        <p:spPr>
-          <a:xfrm>
-            <a:off x="6905037" y="2349634"/>
-            <a:ext cx="390145" cy="390145"/>
-          </a:xfrm>
-          <a:prstGeom prst="rect">
-            <a:avLst/>
-          </a:prstGeom>
-        </p:spPr>
-      </p:pic>
-      <p:sp>
-        <p:nvSpPr>
-          <p:cNvPr id="28" name="Textfeld 27"/>
-          <p:cNvSpPr txBox="1"/>
-          <p:nvPr/>
-        </p:nvSpPr>
-        <p:spPr>
-          <a:xfrm>
-            <a:off x="5199221" y="2370447"/>
-            <a:ext cx="1873165" cy="369332"/>
-          </a:xfrm>
-          <a:prstGeom prst="rect">
-            <a:avLst/>
-          </a:prstGeom>
-          <a:noFill/>
-        </p:spPr>
-        <p:txBody>
-          <a:bodyPr wrap="square" rtlCol="0">
-            <a:spAutoFit/>
-          </a:bodyPr>
-          <a:lstStyle/>
-          <a:p>
-            <a:r>
-              <a:rPr lang="de-CH" b="1" dirty="0" smtClean="0"/>
-              <a:t>SQL Server</a:t>
-            </a:r>
-            <a:endParaRPr lang="de-CH" b="1" dirty="0"/>
-          </a:p>
-        </p:txBody>
-      </p:sp>
-      <p:sp>
-        <p:nvSpPr>
-          <p:cNvPr id="30" name="Rechteck 29"/>
-          <p:cNvSpPr/>
-          <p:nvPr/>
-        </p:nvSpPr>
-        <p:spPr>
-          <a:xfrm>
-            <a:off x="5287611" y="1088681"/>
-            <a:ext cx="1367421" cy="1277177"/>
-          </a:xfrm>
-          <a:prstGeom prst="rect">
-            <a:avLst/>
-          </a:prstGeom>
-          <a:pattFill prst="wdUpDiag">
-            <a:fgClr>
-              <a:schemeClr val="accent4">
-                <a:lumMod val="20000"/>
-                <a:lumOff val="80000"/>
-              </a:schemeClr>
-            </a:fgClr>
-            <a:bgClr>
-              <a:schemeClr val="bg1"/>
-            </a:bgClr>
-          </a:pattFill>
-          <a:ln w="9525" cap="flat" cmpd="sng" algn="ctr">
-            <a:solidFill>
-              <a:schemeClr val="accent3"/>
-            </a:solidFill>
-            <a:prstDash val="solid"/>
-            <a:round/>
-            <a:headEnd type="none" w="med" len="med"/>
-            <a:tailEnd type="none" w="med" len="med"/>
-          </a:ln>
-        </p:spPr>
-        <p:style>
-          <a:lnRef idx="0">
-            <a:scrgbClr r="0" g="0" b="0"/>
-          </a:lnRef>
-          <a:fillRef idx="0">
-            <a:scrgbClr r="0" g="0" b="0"/>
-          </a:fillRef>
-          <a:effectRef idx="0">
-            <a:scrgbClr r="0" g="0" b="0"/>
-          </a:effectRef>
-          <a:fontRef idx="minor">
-            <a:schemeClr val="accent3"/>
-          </a:fontRef>
-        </p:style>
-        <p:txBody>
-          <a:bodyPr rtlCol="0" anchor="ctr"/>
-          <a:lstStyle/>
-          <a:p>
-            <a:pPr algn="ctr"/>
-            <a:endParaRPr lang="de-CH"/>
-          </a:p>
-        </p:txBody>
-      </p:sp>
-      <p:pic>
-        <p:nvPicPr>
-          <p:cNvPr id="31" name="Grafik 30"/>
-          <p:cNvPicPr>
-            <a:picLocks noChangeAspect="1"/>
-          </p:cNvPicPr>
-          <p:nvPr/>
-        </p:nvPicPr>
-        <p:blipFill>
-          <a:blip r:embed="rId7" cstate="print">
-            <a:extLst>
-              <a:ext uri="{28A0092B-C50C-407E-A947-70E740481C1C}">
-                <a14:useLocalDpi xmlns:a14="http://schemas.microsoft.com/office/drawing/2010/main" val="0"/>
-              </a:ext>
-            </a:extLst>
-          </a:blip>
-          <a:stretch>
-            <a:fillRect/>
-          </a:stretch>
-        </p:blipFill>
-        <p:spPr>
-          <a:xfrm>
-            <a:off x="5374603" y="1126013"/>
-            <a:ext cx="780290" cy="780290"/>
-          </a:xfrm>
-          <a:prstGeom prst="rect">
-            <a:avLst/>
-          </a:prstGeom>
-        </p:spPr>
-      </p:pic>
-      <p:pic>
-        <p:nvPicPr>
-          <p:cNvPr id="32" name="Picture 2" descr="OneOffixx"/>
-          <p:cNvPicPr>
-            <a:picLocks noChangeAspect="1" noChangeArrowheads="1"/>
-          </p:cNvPicPr>
-          <p:nvPr/>
-        </p:nvPicPr>
-        <p:blipFill>
-          <a:blip r:embed="rId3">
-            <a:extLst>
-              <a:ext uri="{28A0092B-C50C-407E-A947-70E740481C1C}">
-                <a14:useLocalDpi xmlns:a14="http://schemas.microsoft.com/office/drawing/2010/main" val="0"/>
-              </a:ext>
-            </a:extLst>
-          </a:blip>
-          <a:srcRect/>
-          <a:stretch>
-            <a:fillRect/>
-          </a:stretch>
-        </p:blipFill>
-        <p:spPr bwMode="auto">
-          <a:xfrm>
-            <a:off x="5318903" y="2078896"/>
-            <a:ext cx="1257638" cy="192838"/>
-          </a:xfrm>
-          <a:prstGeom prst="rect">
-            <a:avLst/>
-          </a:prstGeom>
-          <a:noFill/>
-          <a:extLst>
-            <a:ext uri="{909E8E84-426E-40DD-AFC4-6F175D3DCCD1}">
-              <a14:hiddenFill xmlns:a14="http://schemas.microsoft.com/office/drawing/2010/main">
-                <a:solidFill>
-                  <a:srgbClr val="FFFFFF"/>
-                </a:solidFill>
-              </a14:hiddenFill>
-            </a:ext>
-          </a:extLst>
-        </p:spPr>
-      </p:pic>
-      <p:sp>
-        <p:nvSpPr>
-          <p:cNvPr id="33" name="Rechteck 32"/>
+      <p:sp>
+        <p:nvSpPr>
+          <p:cNvPr id="26" name="Rechteck 25"/>
           <p:cNvSpPr/>
           <p:nvPr/>
         </p:nvSpPr>
@@ -4550,7 +4129,37 @@
       </p:sp>
       <p:pic>
         <p:nvPicPr>
-          <p:cNvPr id="34" name="Grafik 33"/>
+          <p:cNvPr id="16" name="Grafik 15"/>
+          <p:cNvPicPr>
+            <a:picLocks noChangeAspect="1"/>
+          </p:cNvPicPr>
+          <p:nvPr/>
+        </p:nvPicPr>
+        <p:blipFill>
+          <a:blip r:embed="rId7" cstate="print">
+            <a:extLst>
+              <a:ext uri="{28A0092B-C50C-407E-A947-70E740481C1C}">
+                <a14:useLocalDpi xmlns:a14="http://schemas.microsoft.com/office/drawing/2010/main" val="0"/>
+              </a:ext>
+            </a:extLst>
+          </a:blip>
+          <a:stretch>
+            <a:fillRect/>
+          </a:stretch>
+        </p:blipFill>
+        <p:spPr>
+          <a:xfrm>
+            <a:off x="4041471" y="1147121"/>
+            <a:ext cx="780290" cy="780290"/>
+          </a:xfrm>
+          <a:prstGeom prst="rect">
+            <a:avLst/>
+          </a:prstGeom>
+        </p:spPr>
+      </p:pic>
+      <p:pic>
+        <p:nvPicPr>
+          <p:cNvPr id="30" name="Grafik 29"/>
           <p:cNvPicPr>
             <a:picLocks noChangeAspect="1"/>
           </p:cNvPicPr>
@@ -4580,7 +4189,7 @@
       </p:pic>
       <p:pic>
         <p:nvPicPr>
-          <p:cNvPr id="35" name="Grafik 34"/>
+          <p:cNvPr id="31" name="Grafik 30"/>
           <p:cNvPicPr>
             <a:picLocks noChangeAspect="1"/>
           </p:cNvPicPr>
@@ -4610,7 +4219,7 @@
       </p:pic>
       <p:sp>
         <p:nvSpPr>
-          <p:cNvPr id="36" name="Rechteck 35"/>
+          <p:cNvPr id="32" name="Rechteck 31"/>
           <p:cNvSpPr/>
           <p:nvPr/>
         </p:nvSpPr>
@@ -4668,7 +4277,7 @@
       </p:sp>
       <p:sp>
         <p:nvSpPr>
-          <p:cNvPr id="37" name="Rechteck 36"/>
+          <p:cNvPr id="33" name="Rechteck 32"/>
           <p:cNvSpPr/>
           <p:nvPr/>
         </p:nvSpPr>
@@ -4727,7 +4336,7 @@
     </p:spTree>
     <p:extLst>
       <p:ext uri="{BB962C8B-B14F-4D97-AF65-F5344CB8AC3E}">
-        <p14:creationId xmlns:p14="http://schemas.microsoft.com/office/powerpoint/2010/main" val="3128518889"/>
+        <p14:creationId xmlns:p14="http://schemas.microsoft.com/office/powerpoint/2010/main" val="867134356"/>
       </p:ext>
     </p:extLst>
   </p:cSld>
@@ -4818,288 +4427,6 @@
           <a:prstGeom prst="rect">
             <a:avLst/>
           </a:prstGeom>
-          <a:noFill/>
-          <a:ln w="9525" cap="flat" cmpd="sng" algn="ctr">
-            <a:solidFill>
-              <a:schemeClr val="accent3"/>
-            </a:solidFill>
-            <a:prstDash val="solid"/>
-            <a:round/>
-            <a:headEnd type="none" w="med" len="med"/>
-            <a:tailEnd type="none" w="med" len="med"/>
-          </a:ln>
-        </p:spPr>
-        <p:style>
-          <a:lnRef idx="0">
-            <a:scrgbClr r="0" g="0" b="0"/>
-          </a:lnRef>
-          <a:fillRef idx="0">
-            <a:scrgbClr r="0" g="0" b="0"/>
-          </a:fillRef>
-          <a:effectRef idx="0">
-            <a:scrgbClr r="0" g="0" b="0"/>
-          </a:effectRef>
-          <a:fontRef idx="minor">
-            <a:schemeClr val="accent3"/>
-          </a:fontRef>
-        </p:style>
-        <p:txBody>
-          <a:bodyPr rtlCol="0" anchor="ctr"/>
-          <a:lstStyle/>
-          <a:p>
-            <a:pPr algn="ctr"/>
-            <a:endParaRPr lang="de-CH"/>
-          </a:p>
-        </p:txBody>
-      </p:sp>
-      <p:pic>
-        <p:nvPicPr>
-          <p:cNvPr id="7" name="Grafik 6"/>
-          <p:cNvPicPr>
-            <a:picLocks noChangeAspect="1"/>
-          </p:cNvPicPr>
-          <p:nvPr/>
-        </p:nvPicPr>
-        <p:blipFill>
-          <a:blip r:embed="rId2" cstate="print">
-            <a:extLst>
-              <a:ext uri="{28A0092B-C50C-407E-A947-70E740481C1C}">
-                <a14:useLocalDpi xmlns:a14="http://schemas.microsoft.com/office/drawing/2010/main" val="0"/>
-              </a:ext>
-            </a:extLst>
-          </a:blip>
-          <a:stretch>
-            <a:fillRect/>
-          </a:stretch>
-        </p:blipFill>
-        <p:spPr>
-          <a:xfrm>
-            <a:off x="4486150" y="2346609"/>
-            <a:ext cx="390145" cy="390145"/>
-          </a:xfrm>
-          <a:prstGeom prst="rect">
-            <a:avLst/>
-          </a:prstGeom>
-        </p:spPr>
-      </p:pic>
-      <p:sp>
-        <p:nvSpPr>
-          <p:cNvPr id="14" name="Rechteck 13"/>
-          <p:cNvSpPr/>
-          <p:nvPr/>
-        </p:nvSpPr>
-        <p:spPr>
-          <a:xfrm>
-            <a:off x="2505338" y="968995"/>
-            <a:ext cx="6412085" cy="3392611"/>
-          </a:xfrm>
-          <a:prstGeom prst="rect">
-            <a:avLst/>
-          </a:prstGeom>
-          <a:noFill/>
-          <a:ln w="9525" cap="flat" cmpd="sng" algn="ctr">
-            <a:solidFill>
-              <a:schemeClr val="accent3"/>
-            </a:solidFill>
-            <a:prstDash val="solid"/>
-            <a:round/>
-            <a:headEnd type="none" w="med" len="med"/>
-            <a:tailEnd type="none" w="med" len="med"/>
-          </a:ln>
-        </p:spPr>
-        <p:style>
-          <a:lnRef idx="0">
-            <a:scrgbClr r="0" g="0" b="0"/>
-          </a:lnRef>
-          <a:fillRef idx="0">
-            <a:scrgbClr r="0" g="0" b="0"/>
-          </a:fillRef>
-          <a:effectRef idx="0">
-            <a:scrgbClr r="0" g="0" b="0"/>
-          </a:effectRef>
-          <a:fontRef idx="minor">
-            <a:schemeClr val="accent3"/>
-          </a:fontRef>
-        </p:style>
-        <p:txBody>
-          <a:bodyPr rtlCol="0" anchor="ctr"/>
-          <a:lstStyle/>
-          <a:p>
-            <a:pPr algn="ctr"/>
-            <a:endParaRPr lang="de-CH"/>
-          </a:p>
-        </p:txBody>
-      </p:sp>
-      <p:pic>
-        <p:nvPicPr>
-          <p:cNvPr id="15" name="Grafik 14"/>
-          <p:cNvPicPr>
-            <a:picLocks noChangeAspect="1"/>
-          </p:cNvPicPr>
-          <p:nvPr/>
-        </p:nvPicPr>
-        <p:blipFill>
-          <a:blip r:embed="rId3" cstate="print">
-            <a:extLst>
-              <a:ext uri="{28A0092B-C50C-407E-A947-70E740481C1C}">
-                <a14:useLocalDpi xmlns:a14="http://schemas.microsoft.com/office/drawing/2010/main" val="0"/>
-              </a:ext>
-            </a:extLst>
-          </a:blip>
-          <a:stretch>
-            <a:fillRect/>
-          </a:stretch>
-        </p:blipFill>
-        <p:spPr>
-          <a:xfrm>
-            <a:off x="7728863" y="968996"/>
-            <a:ext cx="780290" cy="780290"/>
-          </a:xfrm>
-          <a:prstGeom prst="rect">
-            <a:avLst/>
-          </a:prstGeom>
-        </p:spPr>
-      </p:pic>
-      <p:pic>
-        <p:nvPicPr>
-          <p:cNvPr id="19" name="Grafik 18"/>
-          <p:cNvPicPr>
-            <a:picLocks noChangeAspect="1"/>
-          </p:cNvPicPr>
-          <p:nvPr/>
-        </p:nvPicPr>
-        <p:blipFill>
-          <a:blip r:embed="rId3" cstate="print">
-            <a:extLst>
-              <a:ext uri="{28A0092B-C50C-407E-A947-70E740481C1C}">
-                <a14:useLocalDpi xmlns:a14="http://schemas.microsoft.com/office/drawing/2010/main" val="0"/>
-              </a:ext>
-            </a:extLst>
-          </a:blip>
-          <a:stretch>
-            <a:fillRect/>
-          </a:stretch>
-        </p:blipFill>
-        <p:spPr>
-          <a:xfrm>
-            <a:off x="7728863" y="1585568"/>
-            <a:ext cx="780290" cy="780290"/>
-          </a:xfrm>
-          <a:prstGeom prst="rect">
-            <a:avLst/>
-          </a:prstGeom>
-        </p:spPr>
-      </p:pic>
-      <p:pic>
-        <p:nvPicPr>
-          <p:cNvPr id="20" name="Grafik 19"/>
-          <p:cNvPicPr>
-            <a:picLocks noChangeAspect="1"/>
-          </p:cNvPicPr>
-          <p:nvPr/>
-        </p:nvPicPr>
-        <p:blipFill>
-          <a:blip r:embed="rId3" cstate="print">
-            <a:extLst>
-              <a:ext uri="{28A0092B-C50C-407E-A947-70E740481C1C}">
-                <a14:useLocalDpi xmlns:a14="http://schemas.microsoft.com/office/drawing/2010/main" val="0"/>
-              </a:ext>
-            </a:extLst>
-          </a:blip>
-          <a:stretch>
-            <a:fillRect/>
-          </a:stretch>
-        </p:blipFill>
-        <p:spPr>
-          <a:xfrm>
-            <a:off x="7728863" y="2180913"/>
-            <a:ext cx="780290" cy="780290"/>
-          </a:xfrm>
-          <a:prstGeom prst="rect">
-            <a:avLst/>
-          </a:prstGeom>
-        </p:spPr>
-      </p:pic>
-      <p:pic>
-        <p:nvPicPr>
-          <p:cNvPr id="18" name="Grafik 17"/>
-          <p:cNvPicPr>
-            <a:picLocks noChangeAspect="1"/>
-          </p:cNvPicPr>
-          <p:nvPr/>
-        </p:nvPicPr>
-        <p:blipFill>
-          <a:blip r:embed="rId4" cstate="print">
-            <a:extLst>
-              <a:ext uri="{28A0092B-C50C-407E-A947-70E740481C1C}">
-                <a14:useLocalDpi xmlns:a14="http://schemas.microsoft.com/office/drawing/2010/main" val="0"/>
-              </a:ext>
-            </a:extLst>
-          </a:blip>
-          <a:stretch>
-            <a:fillRect/>
-          </a:stretch>
-        </p:blipFill>
-        <p:spPr>
-          <a:xfrm>
-            <a:off x="2505338" y="3463150"/>
-            <a:ext cx="780290" cy="780290"/>
-          </a:xfrm>
-          <a:prstGeom prst="rect">
-            <a:avLst/>
-          </a:prstGeom>
-        </p:spPr>
-      </p:pic>
-      <p:sp>
-        <p:nvSpPr>
-          <p:cNvPr id="21" name="Textfeld 20"/>
-          <p:cNvSpPr txBox="1"/>
-          <p:nvPr/>
-        </p:nvSpPr>
-        <p:spPr>
-          <a:xfrm>
-            <a:off x="2780334" y="2367422"/>
-            <a:ext cx="1873165" cy="646331"/>
-          </a:xfrm>
-          <a:prstGeom prst="rect">
-            <a:avLst/>
-          </a:prstGeom>
-          <a:noFill/>
-        </p:spPr>
-        <p:txBody>
-          <a:bodyPr wrap="square" rtlCol="0">
-            <a:spAutoFit/>
-          </a:bodyPr>
-          <a:lstStyle/>
-          <a:p>
-            <a:r>
-              <a:rPr lang="de-CH" b="1" dirty="0" smtClean="0"/>
-              <a:t>Windows Server</a:t>
-            </a:r>
-          </a:p>
-          <a:p>
-            <a:r>
-              <a:rPr lang="de-CH" b="1" dirty="0" smtClean="0"/>
-              <a:t>&amp; IIS</a:t>
-            </a:r>
-            <a:endParaRPr lang="de-CH" b="1" dirty="0"/>
-          </a:p>
-        </p:txBody>
-      </p:sp>
-      <p:sp>
-        <p:nvSpPr>
-          <p:cNvPr id="29" name="Rechteck 28"/>
-          <p:cNvSpPr/>
-          <p:nvPr/>
-        </p:nvSpPr>
-        <p:spPr>
-          <a:xfrm>
-            <a:off x="5287611" y="1088681"/>
-            <a:ext cx="1367421" cy="1277177"/>
-          </a:xfrm>
-          <a:prstGeom prst="rect">
-            <a:avLst/>
-          </a:prstGeom>
           <a:pattFill prst="wdUpDiag">
             <a:fgClr>
               <a:schemeClr val="accent4">
@@ -5144,73 +4471,9 @@
           </a:p>
         </p:txBody>
       </p:sp>
-      <p:sp>
-        <p:nvSpPr>
-          <p:cNvPr id="23" name="Textfeld 22"/>
-          <p:cNvSpPr txBox="1"/>
-          <p:nvPr/>
-        </p:nvSpPr>
-        <p:spPr>
-          <a:xfrm>
-            <a:off x="3204452" y="3748526"/>
-            <a:ext cx="1793693" cy="369332"/>
-          </a:xfrm>
-          <a:prstGeom prst="rect">
-            <a:avLst/>
-          </a:prstGeom>
-          <a:noFill/>
-        </p:spPr>
-        <p:txBody>
-          <a:bodyPr wrap="square" rtlCol="0">
-            <a:spAutoFit/>
-          </a:bodyPr>
-          <a:lstStyle/>
-          <a:p>
-            <a:r>
-              <a:rPr lang="de-CH" b="1" dirty="0" err="1" smtClean="0"/>
-              <a:t>Active</a:t>
-            </a:r>
-            <a:r>
-              <a:rPr lang="de-CH" b="1" dirty="0" smtClean="0"/>
-              <a:t> Directory</a:t>
-            </a:r>
-            <a:endParaRPr lang="de-CH" b="1" dirty="0"/>
-          </a:p>
-        </p:txBody>
-      </p:sp>
-      <p:sp>
-        <p:nvSpPr>
-          <p:cNvPr id="24" name="Textfeld 23"/>
-          <p:cNvSpPr txBox="1"/>
-          <p:nvPr/>
-        </p:nvSpPr>
-        <p:spPr>
-          <a:xfrm>
-            <a:off x="7619335" y="3023498"/>
-            <a:ext cx="999345" cy="369332"/>
-          </a:xfrm>
-          <a:prstGeom prst="rect">
-            <a:avLst/>
-          </a:prstGeom>
-          <a:noFill/>
-        </p:spPr>
-        <p:txBody>
-          <a:bodyPr wrap="square" rtlCol="0">
-            <a:spAutoFit/>
-          </a:bodyPr>
-          <a:lstStyle/>
-          <a:p>
-            <a:r>
-              <a:rPr lang="de-CH" b="1" dirty="0" smtClean="0"/>
-              <a:t>Clients</a:t>
-            </a:r>
-            <a:endParaRPr lang="de-CH" b="1" dirty="0"/>
-          </a:p>
-        </p:txBody>
-      </p:sp>
       <p:pic>
         <p:nvPicPr>
-          <p:cNvPr id="27" name="Grafik 26"/>
+          <p:cNvPr id="7" name="Grafik 6"/>
           <p:cNvPicPr>
             <a:picLocks noChangeAspect="1"/>
           </p:cNvPicPr>
@@ -5230,7 +4493,7 @@
         </p:blipFill>
         <p:spPr>
           <a:xfrm>
-            <a:off x="6905037" y="2349634"/>
+            <a:off x="4486150" y="2346609"/>
             <a:ext cx="390145" cy="390145"/>
           </a:xfrm>
           <a:prstGeom prst="rect">
@@ -5238,16 +4501,255 @@
           </a:prstGeom>
         </p:spPr>
       </p:pic>
-      <p:sp>
-        <p:nvSpPr>
-          <p:cNvPr id="28" name="Textfeld 27"/>
+      <p:pic>
+        <p:nvPicPr>
+          <p:cNvPr id="1026" name="Picture 2" descr="OneOffixx"/>
+          <p:cNvPicPr>
+            <a:picLocks noChangeAspect="1" noChangeArrowheads="1"/>
+          </p:cNvPicPr>
+          <p:nvPr/>
+        </p:nvPicPr>
+        <p:blipFill>
+          <a:blip r:embed="rId3">
+            <a:extLst>
+              <a:ext uri="{28A0092B-C50C-407E-A947-70E740481C1C}">
+                <a14:useLocalDpi xmlns:a14="http://schemas.microsoft.com/office/drawing/2010/main" val="0"/>
+              </a:ext>
+            </a:extLst>
+          </a:blip>
+          <a:srcRect/>
+          <a:stretch>
+            <a:fillRect/>
+          </a:stretch>
+        </p:blipFill>
+        <p:spPr bwMode="auto">
+          <a:xfrm>
+            <a:off x="2895483" y="2084494"/>
+            <a:ext cx="1257638" cy="192838"/>
+          </a:xfrm>
+          <a:prstGeom prst="rect">
+            <a:avLst/>
+          </a:prstGeom>
+          <a:noFill/>
+          <a:extLst>
+            <a:ext uri="{909E8E84-426E-40DD-AFC4-6F175D3DCCD1}">
+              <a14:hiddenFill xmlns:a14="http://schemas.microsoft.com/office/drawing/2010/main">
+                <a:solidFill>
+                  <a:srgbClr val="FFFFFF"/>
+                </a:solidFill>
+              </a14:hiddenFill>
+            </a:ext>
+          </a:extLst>
+        </p:spPr>
+      </p:pic>
+      <p:sp>
+        <p:nvSpPr>
+          <p:cNvPr id="14" name="Rechteck 13"/>
+          <p:cNvSpPr/>
+          <p:nvPr/>
+        </p:nvSpPr>
+        <p:spPr>
+          <a:xfrm>
+            <a:off x="2505338" y="968995"/>
+            <a:ext cx="6412085" cy="3392611"/>
+          </a:xfrm>
+          <a:prstGeom prst="rect">
+            <a:avLst/>
+          </a:prstGeom>
+          <a:noFill/>
+          <a:ln w="9525" cap="flat" cmpd="sng" algn="ctr">
+            <a:solidFill>
+              <a:schemeClr val="accent3"/>
+            </a:solidFill>
+            <a:prstDash val="solid"/>
+            <a:round/>
+            <a:headEnd type="none" w="med" len="med"/>
+            <a:tailEnd type="none" w="med" len="med"/>
+          </a:ln>
+        </p:spPr>
+        <p:style>
+          <a:lnRef idx="0">
+            <a:scrgbClr r="0" g="0" b="0"/>
+          </a:lnRef>
+          <a:fillRef idx="0">
+            <a:scrgbClr r="0" g="0" b="0"/>
+          </a:fillRef>
+          <a:effectRef idx="0">
+            <a:scrgbClr r="0" g="0" b="0"/>
+          </a:effectRef>
+          <a:fontRef idx="minor">
+            <a:schemeClr val="accent3"/>
+          </a:fontRef>
+        </p:style>
+        <p:txBody>
+          <a:bodyPr rtlCol="0" anchor="ctr"/>
+          <a:lstStyle/>
+          <a:p>
+            <a:pPr algn="ctr"/>
+            <a:endParaRPr lang="de-CH"/>
+          </a:p>
+        </p:txBody>
+      </p:sp>
+      <p:pic>
+        <p:nvPicPr>
+          <p:cNvPr id="15" name="Grafik 14"/>
+          <p:cNvPicPr>
+            <a:picLocks noChangeAspect="1"/>
+          </p:cNvPicPr>
+          <p:nvPr/>
+        </p:nvPicPr>
+        <p:blipFill>
+          <a:blip r:embed="rId4" cstate="print">
+            <a:extLst>
+              <a:ext uri="{28A0092B-C50C-407E-A947-70E740481C1C}">
+                <a14:useLocalDpi xmlns:a14="http://schemas.microsoft.com/office/drawing/2010/main" val="0"/>
+              </a:ext>
+            </a:extLst>
+          </a:blip>
+          <a:stretch>
+            <a:fillRect/>
+          </a:stretch>
+        </p:blipFill>
+        <p:spPr>
+          <a:xfrm>
+            <a:off x="7728863" y="968996"/>
+            <a:ext cx="780290" cy="780290"/>
+          </a:xfrm>
+          <a:prstGeom prst="rect">
+            <a:avLst/>
+          </a:prstGeom>
+        </p:spPr>
+      </p:pic>
+      <p:pic>
+        <p:nvPicPr>
+          <p:cNvPr id="17" name="Grafik 16"/>
+          <p:cNvPicPr>
+            <a:picLocks noChangeAspect="1"/>
+          </p:cNvPicPr>
+          <p:nvPr/>
+        </p:nvPicPr>
+        <p:blipFill>
+          <a:blip r:embed="rId5" cstate="print">
+            <a:extLst>
+              <a:ext uri="{28A0092B-C50C-407E-A947-70E740481C1C}">
+                <a14:useLocalDpi xmlns:a14="http://schemas.microsoft.com/office/drawing/2010/main" val="0"/>
+              </a:ext>
+            </a:extLst>
+          </a:blip>
+          <a:stretch>
+            <a:fillRect/>
+          </a:stretch>
+        </p:blipFill>
+        <p:spPr>
+          <a:xfrm>
+            <a:off x="3108949" y="1063989"/>
+            <a:ext cx="780290" cy="780290"/>
+          </a:xfrm>
+          <a:prstGeom prst="rect">
+            <a:avLst/>
+          </a:prstGeom>
+        </p:spPr>
+      </p:pic>
+      <p:pic>
+        <p:nvPicPr>
+          <p:cNvPr id="19" name="Grafik 18"/>
+          <p:cNvPicPr>
+            <a:picLocks noChangeAspect="1"/>
+          </p:cNvPicPr>
+          <p:nvPr/>
+        </p:nvPicPr>
+        <p:blipFill>
+          <a:blip r:embed="rId4" cstate="print">
+            <a:extLst>
+              <a:ext uri="{28A0092B-C50C-407E-A947-70E740481C1C}">
+                <a14:useLocalDpi xmlns:a14="http://schemas.microsoft.com/office/drawing/2010/main" val="0"/>
+              </a:ext>
+            </a:extLst>
+          </a:blip>
+          <a:stretch>
+            <a:fillRect/>
+          </a:stretch>
+        </p:blipFill>
+        <p:spPr>
+          <a:xfrm>
+            <a:off x="7728863" y="1585568"/>
+            <a:ext cx="780290" cy="780290"/>
+          </a:xfrm>
+          <a:prstGeom prst="rect">
+            <a:avLst/>
+          </a:prstGeom>
+        </p:spPr>
+      </p:pic>
+      <p:pic>
+        <p:nvPicPr>
+          <p:cNvPr id="20" name="Grafik 19"/>
+          <p:cNvPicPr>
+            <a:picLocks noChangeAspect="1"/>
+          </p:cNvPicPr>
+          <p:nvPr/>
+        </p:nvPicPr>
+        <p:blipFill>
+          <a:blip r:embed="rId4" cstate="print">
+            <a:extLst>
+              <a:ext uri="{28A0092B-C50C-407E-A947-70E740481C1C}">
+                <a14:useLocalDpi xmlns:a14="http://schemas.microsoft.com/office/drawing/2010/main" val="0"/>
+              </a:ext>
+            </a:extLst>
+          </a:blip>
+          <a:stretch>
+            <a:fillRect/>
+          </a:stretch>
+        </p:blipFill>
+        <p:spPr>
+          <a:xfrm>
+            <a:off x="7728863" y="2180913"/>
+            <a:ext cx="780290" cy="780290"/>
+          </a:xfrm>
+          <a:prstGeom prst="rect">
+            <a:avLst/>
+          </a:prstGeom>
+        </p:spPr>
+      </p:pic>
+      <p:pic>
+        <p:nvPicPr>
+          <p:cNvPr id="18" name="Grafik 17"/>
+          <p:cNvPicPr>
+            <a:picLocks noChangeAspect="1"/>
+          </p:cNvPicPr>
+          <p:nvPr/>
+        </p:nvPicPr>
+        <p:blipFill>
+          <a:blip r:embed="rId6" cstate="print">
+            <a:extLst>
+              <a:ext uri="{28A0092B-C50C-407E-A947-70E740481C1C}">
+                <a14:useLocalDpi xmlns:a14="http://schemas.microsoft.com/office/drawing/2010/main" val="0"/>
+              </a:ext>
+            </a:extLst>
+          </a:blip>
+          <a:stretch>
+            <a:fillRect/>
+          </a:stretch>
+        </p:blipFill>
+        <p:spPr>
+          <a:xfrm>
+            <a:off x="2505338" y="3463150"/>
+            <a:ext cx="780290" cy="780290"/>
+          </a:xfrm>
+          <a:prstGeom prst="rect">
+            <a:avLst/>
+          </a:prstGeom>
+        </p:spPr>
+      </p:pic>
+      <p:sp>
+        <p:nvSpPr>
+          <p:cNvPr id="21" name="Textfeld 20"/>
           <p:cNvSpPr txBox="1"/>
           <p:nvPr/>
         </p:nvSpPr>
         <p:spPr>
           <a:xfrm>
-            <a:off x="5199221" y="2370447"/>
-            <a:ext cx="1873165" cy="369332"/>
+            <a:off x="2780334" y="2367422"/>
+            <a:ext cx="1873165" cy="646331"/>
           </a:xfrm>
           <a:prstGeom prst="rect">
             <a:avLst/>
@@ -5262,6 +4764,136 @@
           <a:p>
             <a:r>
               <a:rPr lang="de-CH" b="1" dirty="0" smtClean="0"/>
+              <a:t>Windows Server</a:t>
+            </a:r>
+          </a:p>
+          <a:p>
+            <a:r>
+              <a:rPr lang="de-CH" b="1" dirty="0" smtClean="0"/>
+              <a:t>&amp; IIS</a:t>
+            </a:r>
+            <a:endParaRPr lang="de-CH" b="1" dirty="0"/>
+          </a:p>
+        </p:txBody>
+      </p:sp>
+      <p:sp>
+        <p:nvSpPr>
+          <p:cNvPr id="23" name="Textfeld 22"/>
+          <p:cNvSpPr txBox="1"/>
+          <p:nvPr/>
+        </p:nvSpPr>
+        <p:spPr>
+          <a:xfrm>
+            <a:off x="3204452" y="3748526"/>
+            <a:ext cx="1793693" cy="369332"/>
+          </a:xfrm>
+          <a:prstGeom prst="rect">
+            <a:avLst/>
+          </a:prstGeom>
+          <a:noFill/>
+        </p:spPr>
+        <p:txBody>
+          <a:bodyPr wrap="square" rtlCol="0">
+            <a:spAutoFit/>
+          </a:bodyPr>
+          <a:lstStyle/>
+          <a:p>
+            <a:r>
+              <a:rPr lang="de-CH" b="1" dirty="0" err="1" smtClean="0"/>
+              <a:t>Active</a:t>
+            </a:r>
+            <a:r>
+              <a:rPr lang="de-CH" b="1" dirty="0" smtClean="0"/>
+              <a:t> Directory</a:t>
+            </a:r>
+            <a:endParaRPr lang="de-CH" b="1" dirty="0"/>
+          </a:p>
+        </p:txBody>
+      </p:sp>
+      <p:sp>
+        <p:nvSpPr>
+          <p:cNvPr id="24" name="Textfeld 23"/>
+          <p:cNvSpPr txBox="1"/>
+          <p:nvPr/>
+        </p:nvSpPr>
+        <p:spPr>
+          <a:xfrm>
+            <a:off x="7619335" y="3023498"/>
+            <a:ext cx="999345" cy="369332"/>
+          </a:xfrm>
+          <a:prstGeom prst="rect">
+            <a:avLst/>
+          </a:prstGeom>
+          <a:noFill/>
+        </p:spPr>
+        <p:txBody>
+          <a:bodyPr wrap="square" rtlCol="0">
+            <a:spAutoFit/>
+          </a:bodyPr>
+          <a:lstStyle/>
+          <a:p>
+            <a:r>
+              <a:rPr lang="de-CH" b="1" dirty="0" smtClean="0"/>
+              <a:t>Clients</a:t>
+            </a:r>
+            <a:endParaRPr lang="de-CH" b="1" dirty="0"/>
+          </a:p>
+        </p:txBody>
+      </p:sp>
+      <p:pic>
+        <p:nvPicPr>
+          <p:cNvPr id="27" name="Grafik 26"/>
+          <p:cNvPicPr>
+            <a:picLocks noChangeAspect="1"/>
+          </p:cNvPicPr>
+          <p:nvPr/>
+        </p:nvPicPr>
+        <p:blipFill>
+          <a:blip r:embed="rId2" cstate="print">
+            <a:extLst>
+              <a:ext uri="{28A0092B-C50C-407E-A947-70E740481C1C}">
+                <a14:useLocalDpi xmlns:a14="http://schemas.microsoft.com/office/drawing/2010/main" val="0"/>
+              </a:ext>
+            </a:extLst>
+          </a:blip>
+          <a:stretch>
+            <a:fillRect/>
+          </a:stretch>
+        </p:blipFill>
+        <p:spPr>
+          <a:xfrm>
+            <a:off x="6905037" y="2349634"/>
+            <a:ext cx="390145" cy="390145"/>
+          </a:xfrm>
+          <a:prstGeom prst="rect">
+            <a:avLst/>
+          </a:prstGeom>
+        </p:spPr>
+      </p:pic>
+      <p:sp>
+        <p:nvSpPr>
+          <p:cNvPr id="28" name="Textfeld 27"/>
+          <p:cNvSpPr txBox="1"/>
+          <p:nvPr/>
+        </p:nvSpPr>
+        <p:spPr>
+          <a:xfrm>
+            <a:off x="5199221" y="2370447"/>
+            <a:ext cx="1873165" cy="369332"/>
+          </a:xfrm>
+          <a:prstGeom prst="rect">
+            <a:avLst/>
+          </a:prstGeom>
+          <a:noFill/>
+        </p:spPr>
+        <p:txBody>
+          <a:bodyPr wrap="square" rtlCol="0">
+            <a:spAutoFit/>
+          </a:bodyPr>
+          <a:lstStyle/>
+          <a:p>
+            <a:r>
+              <a:rPr lang="de-CH" b="1" dirty="0" smtClean="0"/>
               <a:t>SQL Server</a:t>
             </a:r>
             <a:endParaRPr lang="de-CH" b="1" dirty="0"/>
@@ -5276,8 +4908,8 @@
         </p:nvSpPr>
         <p:spPr>
           <a:xfrm>
-            <a:off x="2857168" y="1104267"/>
-            <a:ext cx="1393313" cy="1242341"/>
+            <a:off x="5287611" y="1088681"/>
+            <a:ext cx="1367421" cy="1277177"/>
           </a:xfrm>
           <a:prstGeom prst="rect">
             <a:avLst/>
@@ -5328,14 +4960,14 @@
       </p:sp>
       <p:pic>
         <p:nvPicPr>
-          <p:cNvPr id="16" name="Grafik 15"/>
+          <p:cNvPr id="31" name="Grafik 30"/>
           <p:cNvPicPr>
             <a:picLocks noChangeAspect="1"/>
           </p:cNvPicPr>
           <p:nvPr/>
         </p:nvPicPr>
         <p:blipFill>
-          <a:blip r:embed="rId5" cstate="print">
+          <a:blip r:embed="rId7" cstate="print">
             <a:extLst>
               <a:ext uri="{28A0092B-C50C-407E-A947-70E740481C1C}">
                 <a14:useLocalDpi xmlns:a14="http://schemas.microsoft.com/office/drawing/2010/main" val="0"/>
@@ -5358,44 +4990,14 @@
       </p:pic>
       <p:pic>
         <p:nvPicPr>
-          <p:cNvPr id="17" name="Grafik 16"/>
-          <p:cNvPicPr>
-            <a:picLocks noChangeAspect="1"/>
-          </p:cNvPicPr>
-          <p:nvPr/>
-        </p:nvPicPr>
-        <p:blipFill>
-          <a:blip r:embed="rId6" cstate="print">
-            <a:extLst>
-              <a:ext uri="{28A0092B-C50C-407E-A947-70E740481C1C}">
-                <a14:useLocalDpi xmlns:a14="http://schemas.microsoft.com/office/drawing/2010/main" val="0"/>
-              </a:ext>
-            </a:extLst>
-          </a:blip>
-          <a:stretch>
-            <a:fillRect/>
-          </a:stretch>
-        </p:blipFill>
-        <p:spPr>
-          <a:xfrm>
-            <a:off x="3108949" y="1063989"/>
-            <a:ext cx="780290" cy="780290"/>
-          </a:xfrm>
-          <a:prstGeom prst="rect">
-            <a:avLst/>
-          </a:prstGeom>
-        </p:spPr>
-      </p:pic>
-      <p:pic>
-        <p:nvPicPr>
-          <p:cNvPr id="1026" name="Picture 2" descr="OneOffixx"/>
+          <p:cNvPr id="32" name="Picture 2" descr="OneOffixx"/>
           <p:cNvPicPr>
             <a:picLocks noChangeAspect="1" noChangeArrowheads="1"/>
           </p:cNvPicPr>
           <p:nvPr/>
         </p:nvPicPr>
         <p:blipFill>
-          <a:blip r:embed="rId7">
+          <a:blip r:embed="rId3">
             <a:extLst>
               <a:ext uri="{28A0092B-C50C-407E-A947-70E740481C1C}">
                 <a14:useLocalDpi xmlns:a14="http://schemas.microsoft.com/office/drawing/2010/main" val="0"/>
@@ -5409,7 +5011,7 @@
         </p:blipFill>
         <p:spPr bwMode="auto">
           <a:xfrm>
-            <a:off x="2895483" y="2084494"/>
+            <a:off x="5318903" y="2078896"/>
             <a:ext cx="1257638" cy="192838"/>
           </a:xfrm>
           <a:prstGeom prst="rect">
@@ -5427,50 +5029,9 @@
           </a:extLst>
         </p:spPr>
       </p:pic>
-      <p:pic>
-        <p:nvPicPr>
-          <p:cNvPr id="31" name="Picture 2" descr="OneOffixx"/>
-          <p:cNvPicPr>
-            <a:picLocks noChangeAspect="1" noChangeArrowheads="1"/>
-          </p:cNvPicPr>
-          <p:nvPr/>
-        </p:nvPicPr>
-        <p:blipFill>
-          <a:blip r:embed="rId7">
-            <a:extLst>
-              <a:ext uri="{28A0092B-C50C-407E-A947-70E740481C1C}">
-                <a14:useLocalDpi xmlns:a14="http://schemas.microsoft.com/office/drawing/2010/main" val="0"/>
-              </a:ext>
-            </a:extLst>
-          </a:blip>
-          <a:srcRect/>
-          <a:stretch>
-            <a:fillRect/>
-          </a:stretch>
-        </p:blipFill>
-        <p:spPr bwMode="auto">
-          <a:xfrm>
-            <a:off x="5318903" y="2078896"/>
-            <a:ext cx="1257638" cy="192838"/>
-          </a:xfrm>
-          <a:prstGeom prst="rect">
-            <a:avLst/>
-          </a:prstGeom>
-          <a:noFill/>
-          <a:extLst>
-            <a:ext uri="{909E8E84-426E-40DD-AFC4-6F175D3DCCD1}">
-              <a14:hiddenFill xmlns:a14="http://schemas.microsoft.com/office/drawing/2010/main">
-                <a:solidFill>
-                  <a:srgbClr val="FFFFFF"/>
-                </a:solidFill>
-              </a14:hiddenFill>
-            </a:ext>
-          </a:extLst>
-        </p:spPr>
-      </p:pic>
-      <p:sp>
-        <p:nvSpPr>
-          <p:cNvPr id="32" name="Rechteck 31"/>
+      <p:sp>
+        <p:nvSpPr>
+          <p:cNvPr id="33" name="Rechteck 32"/>
           <p:cNvSpPr/>
           <p:nvPr/>
         </p:nvSpPr>
@@ -5540,36 +5101,6 @@
       </p:sp>
       <p:pic>
         <p:nvPicPr>
-          <p:cNvPr id="33" name="Grafik 32"/>
-          <p:cNvPicPr>
-            <a:picLocks noChangeAspect="1"/>
-          </p:cNvPicPr>
-          <p:nvPr/>
-        </p:nvPicPr>
-        <p:blipFill>
-          <a:blip r:embed="rId6" cstate="print">
-            <a:extLst>
-              <a:ext uri="{28A0092B-C50C-407E-A947-70E740481C1C}">
-                <a14:useLocalDpi xmlns:a14="http://schemas.microsoft.com/office/drawing/2010/main" val="0"/>
-              </a:ext>
-            </a:extLst>
-          </a:blip>
-          <a:stretch>
-            <a:fillRect/>
-          </a:stretch>
-        </p:blipFill>
-        <p:spPr>
-          <a:xfrm>
-            <a:off x="1752732" y="1954838"/>
-            <a:ext cx="570747" cy="570747"/>
-          </a:xfrm>
-          <a:prstGeom prst="rect">
-            <a:avLst/>
-          </a:prstGeom>
-        </p:spPr>
-      </p:pic>
-      <p:pic>
-        <p:nvPicPr>
           <p:cNvPr id="34" name="Grafik 33"/>
           <p:cNvPicPr>
             <a:picLocks noChangeAspect="1"/>
@@ -5590,6 +5121,36 @@
         </p:blipFill>
         <p:spPr>
           <a:xfrm>
+            <a:off x="1752732" y="1954838"/>
+            <a:ext cx="570747" cy="570747"/>
+          </a:xfrm>
+          <a:prstGeom prst="rect">
+            <a:avLst/>
+          </a:prstGeom>
+        </p:spPr>
+      </p:pic>
+      <p:pic>
+        <p:nvPicPr>
+          <p:cNvPr id="35" name="Grafik 34"/>
+          <p:cNvPicPr>
+            <a:picLocks noChangeAspect="1"/>
+          </p:cNvPicPr>
+          <p:nvPr/>
+        </p:nvPicPr>
+        <p:blipFill>
+          <a:blip r:embed="rId7" cstate="print">
+            <a:extLst>
+              <a:ext uri="{28A0092B-C50C-407E-A947-70E740481C1C}">
+                <a14:useLocalDpi xmlns:a14="http://schemas.microsoft.com/office/drawing/2010/main" val="0"/>
+              </a:ext>
+            </a:extLst>
+          </a:blip>
+          <a:stretch>
+            <a:fillRect/>
+          </a:stretch>
+        </p:blipFill>
+        <p:spPr>
+          <a:xfrm>
             <a:off x="1647482" y="3450366"/>
             <a:ext cx="585702" cy="585702"/>
           </a:xfrm>
@@ -5600,7 +5161,7 @@
       </p:pic>
       <p:sp>
         <p:nvSpPr>
-          <p:cNvPr id="35" name="Rechteck 34"/>
+          <p:cNvPr id="36" name="Rechteck 35"/>
           <p:cNvSpPr/>
           <p:nvPr/>
         </p:nvSpPr>
@@ -5658,7 +5219,7 @@
       </p:sp>
       <p:sp>
         <p:nvSpPr>
-          <p:cNvPr id="36" name="Rechteck 35"/>
+          <p:cNvPr id="37" name="Rechteck 36"/>
           <p:cNvSpPr/>
           <p:nvPr/>
         </p:nvSpPr>
@@ -5717,6 +5278,996 @@
     </p:spTree>
     <p:extLst>
       <p:ext uri="{BB962C8B-B14F-4D97-AF65-F5344CB8AC3E}">
+        <p14:creationId xmlns:p14="http://schemas.microsoft.com/office/powerpoint/2010/main" val="3128518889"/>
+      </p:ext>
+    </p:extLst>
+  </p:cSld>
+  <p:clrMapOvr>
+    <a:masterClrMapping/>
+  </p:clrMapOvr>
+</p:sld>
+</file>
+
+<file path=ppt/slides/slide6.xml><?xml version="1.0" encoding="utf-8"?>
+<p:sld xmlns:a="http://schemas.openxmlformats.org/drawingml/2006/main" xmlns:r="http://schemas.openxmlformats.org/officeDocument/2006/relationships" xmlns:p="http://schemas.openxmlformats.org/presentationml/2006/main">
+  <p:cSld>
+    <p:spTree>
+      <p:nvGrpSpPr>
+        <p:cNvPr id="1" name=""/>
+        <p:cNvGrpSpPr/>
+        <p:nvPr/>
+      </p:nvGrpSpPr>
+      <p:grpSpPr>
+        <a:xfrm>
+          <a:off x="0" y="0"/>
+          <a:ext cx="0" cy="0"/>
+          <a:chOff x="0" y="0"/>
+          <a:chExt cx="0" cy="0"/>
+        </a:xfrm>
+      </p:grpSpPr>
+      <p:sp>
+        <p:nvSpPr>
+          <p:cNvPr id="22" name="Rechteck 21"/>
+          <p:cNvSpPr/>
+          <p:nvPr/>
+        </p:nvSpPr>
+        <p:spPr>
+          <a:xfrm>
+            <a:off x="5166407" y="1043176"/>
+            <a:ext cx="2217810" cy="2176226"/>
+          </a:xfrm>
+          <a:prstGeom prst="rect">
+            <a:avLst/>
+          </a:prstGeom>
+          <a:solidFill>
+            <a:schemeClr val="bg1"/>
+          </a:solidFill>
+          <a:ln w="9525" cap="flat" cmpd="sng" algn="ctr">
+            <a:solidFill>
+              <a:schemeClr val="accent3"/>
+            </a:solidFill>
+            <a:prstDash val="solid"/>
+            <a:round/>
+            <a:headEnd type="none" w="med" len="med"/>
+            <a:tailEnd type="none" w="med" len="med"/>
+          </a:ln>
+        </p:spPr>
+        <p:style>
+          <a:lnRef idx="0">
+            <a:scrgbClr r="0" g="0" b="0"/>
+          </a:lnRef>
+          <a:fillRef idx="0">
+            <a:scrgbClr r="0" g="0" b="0"/>
+          </a:fillRef>
+          <a:effectRef idx="0">
+            <a:scrgbClr r="0" g="0" b="0"/>
+          </a:effectRef>
+          <a:fontRef idx="minor">
+            <a:schemeClr val="accent3"/>
+          </a:fontRef>
+        </p:style>
+        <p:txBody>
+          <a:bodyPr rtlCol="0" anchor="ctr"/>
+          <a:lstStyle/>
+          <a:p>
+            <a:pPr algn="ctr"/>
+            <a:endParaRPr lang="de-CH"/>
+          </a:p>
+        </p:txBody>
+      </p:sp>
+      <p:sp>
+        <p:nvSpPr>
+          <p:cNvPr id="25" name="Rechteck 24"/>
+          <p:cNvSpPr/>
+          <p:nvPr/>
+        </p:nvSpPr>
+        <p:spPr>
+          <a:xfrm>
+            <a:off x="2780335" y="1043177"/>
+            <a:ext cx="2217810" cy="2176225"/>
+          </a:xfrm>
+          <a:prstGeom prst="rect">
+            <a:avLst/>
+          </a:prstGeom>
+          <a:noFill/>
+          <a:ln w="9525" cap="flat" cmpd="sng" algn="ctr">
+            <a:solidFill>
+              <a:schemeClr val="accent3"/>
+            </a:solidFill>
+            <a:prstDash val="solid"/>
+            <a:round/>
+            <a:headEnd type="none" w="med" len="med"/>
+            <a:tailEnd type="none" w="med" len="med"/>
+          </a:ln>
+        </p:spPr>
+        <p:style>
+          <a:lnRef idx="0">
+            <a:scrgbClr r="0" g="0" b="0"/>
+          </a:lnRef>
+          <a:fillRef idx="0">
+            <a:scrgbClr r="0" g="0" b="0"/>
+          </a:fillRef>
+          <a:effectRef idx="0">
+            <a:scrgbClr r="0" g="0" b="0"/>
+          </a:effectRef>
+          <a:fontRef idx="minor">
+            <a:schemeClr val="accent3"/>
+          </a:fontRef>
+        </p:style>
+        <p:txBody>
+          <a:bodyPr rtlCol="0" anchor="ctr"/>
+          <a:lstStyle/>
+          <a:p>
+            <a:pPr algn="ctr"/>
+            <a:endParaRPr lang="de-CH"/>
+          </a:p>
+        </p:txBody>
+      </p:sp>
+      <p:pic>
+        <p:nvPicPr>
+          <p:cNvPr id="7" name="Grafik 6"/>
+          <p:cNvPicPr>
+            <a:picLocks noChangeAspect="1"/>
+          </p:cNvPicPr>
+          <p:nvPr/>
+        </p:nvPicPr>
+        <p:blipFill>
+          <a:blip r:embed="rId2" cstate="print">
+            <a:extLst>
+              <a:ext uri="{28A0092B-C50C-407E-A947-70E740481C1C}">
+                <a14:useLocalDpi xmlns:a14="http://schemas.microsoft.com/office/drawing/2010/main" val="0"/>
+              </a:ext>
+            </a:extLst>
+          </a:blip>
+          <a:stretch>
+            <a:fillRect/>
+          </a:stretch>
+        </p:blipFill>
+        <p:spPr>
+          <a:xfrm>
+            <a:off x="4486150" y="2346609"/>
+            <a:ext cx="390145" cy="390145"/>
+          </a:xfrm>
+          <a:prstGeom prst="rect">
+            <a:avLst/>
+          </a:prstGeom>
+        </p:spPr>
+      </p:pic>
+      <p:sp>
+        <p:nvSpPr>
+          <p:cNvPr id="14" name="Rechteck 13"/>
+          <p:cNvSpPr/>
+          <p:nvPr/>
+        </p:nvSpPr>
+        <p:spPr>
+          <a:xfrm>
+            <a:off x="2505338" y="968995"/>
+            <a:ext cx="6412085" cy="3392611"/>
+          </a:xfrm>
+          <a:prstGeom prst="rect">
+            <a:avLst/>
+          </a:prstGeom>
+          <a:noFill/>
+          <a:ln w="9525" cap="flat" cmpd="sng" algn="ctr">
+            <a:solidFill>
+              <a:schemeClr val="accent3"/>
+            </a:solidFill>
+            <a:prstDash val="solid"/>
+            <a:round/>
+            <a:headEnd type="none" w="med" len="med"/>
+            <a:tailEnd type="none" w="med" len="med"/>
+          </a:ln>
+        </p:spPr>
+        <p:style>
+          <a:lnRef idx="0">
+            <a:scrgbClr r="0" g="0" b="0"/>
+          </a:lnRef>
+          <a:fillRef idx="0">
+            <a:scrgbClr r="0" g="0" b="0"/>
+          </a:fillRef>
+          <a:effectRef idx="0">
+            <a:scrgbClr r="0" g="0" b="0"/>
+          </a:effectRef>
+          <a:fontRef idx="minor">
+            <a:schemeClr val="accent3"/>
+          </a:fontRef>
+        </p:style>
+        <p:txBody>
+          <a:bodyPr rtlCol="0" anchor="ctr"/>
+          <a:lstStyle/>
+          <a:p>
+            <a:pPr algn="ctr"/>
+            <a:endParaRPr lang="de-CH"/>
+          </a:p>
+        </p:txBody>
+      </p:sp>
+      <p:pic>
+        <p:nvPicPr>
+          <p:cNvPr id="15" name="Grafik 14"/>
+          <p:cNvPicPr>
+            <a:picLocks noChangeAspect="1"/>
+          </p:cNvPicPr>
+          <p:nvPr/>
+        </p:nvPicPr>
+        <p:blipFill>
+          <a:blip r:embed="rId3" cstate="print">
+            <a:extLst>
+              <a:ext uri="{28A0092B-C50C-407E-A947-70E740481C1C}">
+                <a14:useLocalDpi xmlns:a14="http://schemas.microsoft.com/office/drawing/2010/main" val="0"/>
+              </a:ext>
+            </a:extLst>
+          </a:blip>
+          <a:stretch>
+            <a:fillRect/>
+          </a:stretch>
+        </p:blipFill>
+        <p:spPr>
+          <a:xfrm>
+            <a:off x="7728863" y="968996"/>
+            <a:ext cx="780290" cy="780290"/>
+          </a:xfrm>
+          <a:prstGeom prst="rect">
+            <a:avLst/>
+          </a:prstGeom>
+        </p:spPr>
+      </p:pic>
+      <p:pic>
+        <p:nvPicPr>
+          <p:cNvPr id="19" name="Grafik 18"/>
+          <p:cNvPicPr>
+            <a:picLocks noChangeAspect="1"/>
+          </p:cNvPicPr>
+          <p:nvPr/>
+        </p:nvPicPr>
+        <p:blipFill>
+          <a:blip r:embed="rId3" cstate="print">
+            <a:extLst>
+              <a:ext uri="{28A0092B-C50C-407E-A947-70E740481C1C}">
+                <a14:useLocalDpi xmlns:a14="http://schemas.microsoft.com/office/drawing/2010/main" val="0"/>
+              </a:ext>
+            </a:extLst>
+          </a:blip>
+          <a:stretch>
+            <a:fillRect/>
+          </a:stretch>
+        </p:blipFill>
+        <p:spPr>
+          <a:xfrm>
+            <a:off x="7728863" y="1585568"/>
+            <a:ext cx="780290" cy="780290"/>
+          </a:xfrm>
+          <a:prstGeom prst="rect">
+            <a:avLst/>
+          </a:prstGeom>
+        </p:spPr>
+      </p:pic>
+      <p:pic>
+        <p:nvPicPr>
+          <p:cNvPr id="20" name="Grafik 19"/>
+          <p:cNvPicPr>
+            <a:picLocks noChangeAspect="1"/>
+          </p:cNvPicPr>
+          <p:nvPr/>
+        </p:nvPicPr>
+        <p:blipFill>
+          <a:blip r:embed="rId3" cstate="print">
+            <a:extLst>
+              <a:ext uri="{28A0092B-C50C-407E-A947-70E740481C1C}">
+                <a14:useLocalDpi xmlns:a14="http://schemas.microsoft.com/office/drawing/2010/main" val="0"/>
+              </a:ext>
+            </a:extLst>
+          </a:blip>
+          <a:stretch>
+            <a:fillRect/>
+          </a:stretch>
+        </p:blipFill>
+        <p:spPr>
+          <a:xfrm>
+            <a:off x="7728863" y="2180913"/>
+            <a:ext cx="780290" cy="780290"/>
+          </a:xfrm>
+          <a:prstGeom prst="rect">
+            <a:avLst/>
+          </a:prstGeom>
+        </p:spPr>
+      </p:pic>
+      <p:pic>
+        <p:nvPicPr>
+          <p:cNvPr id="18" name="Grafik 17"/>
+          <p:cNvPicPr>
+            <a:picLocks noChangeAspect="1"/>
+          </p:cNvPicPr>
+          <p:nvPr/>
+        </p:nvPicPr>
+        <p:blipFill>
+          <a:blip r:embed="rId4" cstate="print">
+            <a:extLst>
+              <a:ext uri="{28A0092B-C50C-407E-A947-70E740481C1C}">
+                <a14:useLocalDpi xmlns:a14="http://schemas.microsoft.com/office/drawing/2010/main" val="0"/>
+              </a:ext>
+            </a:extLst>
+          </a:blip>
+          <a:stretch>
+            <a:fillRect/>
+          </a:stretch>
+        </p:blipFill>
+        <p:spPr>
+          <a:xfrm>
+            <a:off x="2505338" y="3463150"/>
+            <a:ext cx="780290" cy="780290"/>
+          </a:xfrm>
+          <a:prstGeom prst="rect">
+            <a:avLst/>
+          </a:prstGeom>
+        </p:spPr>
+      </p:pic>
+      <p:sp>
+        <p:nvSpPr>
+          <p:cNvPr id="21" name="Textfeld 20"/>
+          <p:cNvSpPr txBox="1"/>
+          <p:nvPr/>
+        </p:nvSpPr>
+        <p:spPr>
+          <a:xfrm>
+            <a:off x="2780334" y="2367422"/>
+            <a:ext cx="1873165" cy="646331"/>
+          </a:xfrm>
+          <a:prstGeom prst="rect">
+            <a:avLst/>
+          </a:prstGeom>
+          <a:noFill/>
+        </p:spPr>
+        <p:txBody>
+          <a:bodyPr wrap="square" rtlCol="0">
+            <a:spAutoFit/>
+          </a:bodyPr>
+          <a:lstStyle/>
+          <a:p>
+            <a:r>
+              <a:rPr lang="de-CH" b="1" dirty="0" smtClean="0"/>
+              <a:t>Windows Server</a:t>
+            </a:r>
+          </a:p>
+          <a:p>
+            <a:r>
+              <a:rPr lang="de-CH" b="1" dirty="0" smtClean="0"/>
+              <a:t>&amp; IIS</a:t>
+            </a:r>
+            <a:endParaRPr lang="de-CH" b="1" dirty="0"/>
+          </a:p>
+        </p:txBody>
+      </p:sp>
+      <p:sp>
+        <p:nvSpPr>
+          <p:cNvPr id="29" name="Rechteck 28"/>
+          <p:cNvSpPr/>
+          <p:nvPr/>
+        </p:nvSpPr>
+        <p:spPr>
+          <a:xfrm>
+            <a:off x="5287611" y="1088681"/>
+            <a:ext cx="1367421" cy="1277177"/>
+          </a:xfrm>
+          <a:prstGeom prst="rect">
+            <a:avLst/>
+          </a:prstGeom>
+          <a:pattFill prst="wdUpDiag">
+            <a:fgClr>
+              <a:schemeClr val="accent4">
+                <a:lumMod val="20000"/>
+                <a:lumOff val="80000"/>
+              </a:schemeClr>
+            </a:fgClr>
+            <a:bgClr>
+              <a:schemeClr val="bg1"/>
+            </a:bgClr>
+          </a:pattFill>
+          <a:ln w="9525" cap="flat" cmpd="sng" algn="ctr">
+            <a:solidFill>
+              <a:schemeClr val="accent3"/>
+            </a:solidFill>
+            <a:prstDash val="solid"/>
+            <a:round/>
+            <a:headEnd type="none" w="med" len="med"/>
+            <a:tailEnd type="none" w="med" len="med"/>
+          </a:ln>
+        </p:spPr>
+        <p:style>
+          <a:lnRef idx="0">
+            <a:scrgbClr r="0" g="0" b="0"/>
+          </a:lnRef>
+          <a:fillRef idx="0">
+            <a:scrgbClr r="0" g="0" b="0"/>
+          </a:fillRef>
+          <a:effectRef idx="0">
+            <a:scrgbClr r="0" g="0" b="0"/>
+          </a:effectRef>
+          <a:fontRef idx="minor">
+            <a:schemeClr val="accent3"/>
+          </a:fontRef>
+        </p:style>
+        <p:txBody>
+          <a:bodyPr rtlCol="0" anchor="ctr"/>
+          <a:lstStyle/>
+          <a:p>
+            <a:pPr algn="ctr"/>
+            <a:endParaRPr lang="de-CH"/>
+          </a:p>
+        </p:txBody>
+      </p:sp>
+      <p:sp>
+        <p:nvSpPr>
+          <p:cNvPr id="23" name="Textfeld 22"/>
+          <p:cNvSpPr txBox="1"/>
+          <p:nvPr/>
+        </p:nvSpPr>
+        <p:spPr>
+          <a:xfrm>
+            <a:off x="3204452" y="3748526"/>
+            <a:ext cx="1793693" cy="369332"/>
+          </a:xfrm>
+          <a:prstGeom prst="rect">
+            <a:avLst/>
+          </a:prstGeom>
+          <a:noFill/>
+        </p:spPr>
+        <p:txBody>
+          <a:bodyPr wrap="square" rtlCol="0">
+            <a:spAutoFit/>
+          </a:bodyPr>
+          <a:lstStyle/>
+          <a:p>
+            <a:r>
+              <a:rPr lang="de-CH" b="1" dirty="0" err="1" smtClean="0"/>
+              <a:t>Active</a:t>
+            </a:r>
+            <a:r>
+              <a:rPr lang="de-CH" b="1" dirty="0" smtClean="0"/>
+              <a:t> Directory</a:t>
+            </a:r>
+            <a:endParaRPr lang="de-CH" b="1" dirty="0"/>
+          </a:p>
+        </p:txBody>
+      </p:sp>
+      <p:sp>
+        <p:nvSpPr>
+          <p:cNvPr id="24" name="Textfeld 23"/>
+          <p:cNvSpPr txBox="1"/>
+          <p:nvPr/>
+        </p:nvSpPr>
+        <p:spPr>
+          <a:xfrm>
+            <a:off x="7619335" y="3023498"/>
+            <a:ext cx="999345" cy="369332"/>
+          </a:xfrm>
+          <a:prstGeom prst="rect">
+            <a:avLst/>
+          </a:prstGeom>
+          <a:noFill/>
+        </p:spPr>
+        <p:txBody>
+          <a:bodyPr wrap="square" rtlCol="0">
+            <a:spAutoFit/>
+          </a:bodyPr>
+          <a:lstStyle/>
+          <a:p>
+            <a:r>
+              <a:rPr lang="de-CH" b="1" dirty="0" smtClean="0"/>
+              <a:t>Clients</a:t>
+            </a:r>
+            <a:endParaRPr lang="de-CH" b="1" dirty="0"/>
+          </a:p>
+        </p:txBody>
+      </p:sp>
+      <p:pic>
+        <p:nvPicPr>
+          <p:cNvPr id="27" name="Grafik 26"/>
+          <p:cNvPicPr>
+            <a:picLocks noChangeAspect="1"/>
+          </p:cNvPicPr>
+          <p:nvPr/>
+        </p:nvPicPr>
+        <p:blipFill>
+          <a:blip r:embed="rId2" cstate="print">
+            <a:extLst>
+              <a:ext uri="{28A0092B-C50C-407E-A947-70E740481C1C}">
+                <a14:useLocalDpi xmlns:a14="http://schemas.microsoft.com/office/drawing/2010/main" val="0"/>
+              </a:ext>
+            </a:extLst>
+          </a:blip>
+          <a:stretch>
+            <a:fillRect/>
+          </a:stretch>
+        </p:blipFill>
+        <p:spPr>
+          <a:xfrm>
+            <a:off x="6905037" y="2349634"/>
+            <a:ext cx="390145" cy="390145"/>
+          </a:xfrm>
+          <a:prstGeom prst="rect">
+            <a:avLst/>
+          </a:prstGeom>
+        </p:spPr>
+      </p:pic>
+      <p:sp>
+        <p:nvSpPr>
+          <p:cNvPr id="28" name="Textfeld 27"/>
+          <p:cNvSpPr txBox="1"/>
+          <p:nvPr/>
+        </p:nvSpPr>
+        <p:spPr>
+          <a:xfrm>
+            <a:off x="5199221" y="2370447"/>
+            <a:ext cx="1873165" cy="369332"/>
+          </a:xfrm>
+          <a:prstGeom prst="rect">
+            <a:avLst/>
+          </a:prstGeom>
+          <a:noFill/>
+        </p:spPr>
+        <p:txBody>
+          <a:bodyPr wrap="square" rtlCol="0">
+            <a:spAutoFit/>
+          </a:bodyPr>
+          <a:lstStyle/>
+          <a:p>
+            <a:r>
+              <a:rPr lang="de-CH" b="1" dirty="0" smtClean="0"/>
+              <a:t>SQL Server</a:t>
+            </a:r>
+            <a:endParaRPr lang="de-CH" b="1" dirty="0"/>
+          </a:p>
+        </p:txBody>
+      </p:sp>
+      <p:sp>
+        <p:nvSpPr>
+          <p:cNvPr id="30" name="Rechteck 29"/>
+          <p:cNvSpPr/>
+          <p:nvPr/>
+        </p:nvSpPr>
+        <p:spPr>
+          <a:xfrm>
+            <a:off x="2857168" y="1104267"/>
+            <a:ext cx="1393313" cy="1242341"/>
+          </a:xfrm>
+          <a:prstGeom prst="rect">
+            <a:avLst/>
+          </a:prstGeom>
+          <a:pattFill prst="wdUpDiag">
+            <a:fgClr>
+              <a:schemeClr val="accent4">
+                <a:lumMod val="20000"/>
+                <a:lumOff val="80000"/>
+              </a:schemeClr>
+            </a:fgClr>
+            <a:bgClr>
+              <a:schemeClr val="bg1"/>
+            </a:bgClr>
+          </a:pattFill>
+          <a:ln w="9525" cap="flat" cmpd="sng" algn="ctr">
+            <a:solidFill>
+              <a:schemeClr val="accent3"/>
+            </a:solidFill>
+            <a:prstDash val="solid"/>
+            <a:round/>
+            <a:headEnd type="none" w="med" len="med"/>
+            <a:tailEnd type="none" w="med" len="med"/>
+          </a:ln>
+        </p:spPr>
+        <p:style>
+          <a:lnRef idx="0">
+            <a:scrgbClr r="0" g="0" b="0"/>
+          </a:lnRef>
+          <a:fillRef idx="0">
+            <a:scrgbClr r="0" g="0" b="0"/>
+          </a:fillRef>
+          <a:effectRef idx="0">
+            <a:scrgbClr r="0" g="0" b="0"/>
+          </a:effectRef>
+          <a:fontRef idx="minor">
+            <a:schemeClr val="accent3"/>
+          </a:fontRef>
+        </p:style>
+        <p:txBody>
+          <a:bodyPr rtlCol="0" anchor="ctr"/>
+          <a:lstStyle/>
+          <a:p>
+            <a:pPr algn="ctr"/>
+            <a:endParaRPr lang="de-CH"/>
+          </a:p>
+        </p:txBody>
+      </p:sp>
+      <p:pic>
+        <p:nvPicPr>
+          <p:cNvPr id="16" name="Grafik 15"/>
+          <p:cNvPicPr>
+            <a:picLocks noChangeAspect="1"/>
+          </p:cNvPicPr>
+          <p:nvPr/>
+        </p:nvPicPr>
+        <p:blipFill>
+          <a:blip r:embed="rId5" cstate="print">
+            <a:extLst>
+              <a:ext uri="{28A0092B-C50C-407E-A947-70E740481C1C}">
+                <a14:useLocalDpi xmlns:a14="http://schemas.microsoft.com/office/drawing/2010/main" val="0"/>
+              </a:ext>
+            </a:extLst>
+          </a:blip>
+          <a:stretch>
+            <a:fillRect/>
+          </a:stretch>
+        </p:blipFill>
+        <p:spPr>
+          <a:xfrm>
+            <a:off x="5374603" y="1126013"/>
+            <a:ext cx="780290" cy="780290"/>
+          </a:xfrm>
+          <a:prstGeom prst="rect">
+            <a:avLst/>
+          </a:prstGeom>
+        </p:spPr>
+      </p:pic>
+      <p:pic>
+        <p:nvPicPr>
+          <p:cNvPr id="17" name="Grafik 16"/>
+          <p:cNvPicPr>
+            <a:picLocks noChangeAspect="1"/>
+          </p:cNvPicPr>
+          <p:nvPr/>
+        </p:nvPicPr>
+        <p:blipFill>
+          <a:blip r:embed="rId6" cstate="print">
+            <a:extLst>
+              <a:ext uri="{28A0092B-C50C-407E-A947-70E740481C1C}">
+                <a14:useLocalDpi xmlns:a14="http://schemas.microsoft.com/office/drawing/2010/main" val="0"/>
+              </a:ext>
+            </a:extLst>
+          </a:blip>
+          <a:stretch>
+            <a:fillRect/>
+          </a:stretch>
+        </p:blipFill>
+        <p:spPr>
+          <a:xfrm>
+            <a:off x="3108949" y="1063989"/>
+            <a:ext cx="780290" cy="780290"/>
+          </a:xfrm>
+          <a:prstGeom prst="rect">
+            <a:avLst/>
+          </a:prstGeom>
+        </p:spPr>
+      </p:pic>
+      <p:pic>
+        <p:nvPicPr>
+          <p:cNvPr id="1026" name="Picture 2" descr="OneOffixx"/>
+          <p:cNvPicPr>
+            <a:picLocks noChangeAspect="1" noChangeArrowheads="1"/>
+          </p:cNvPicPr>
+          <p:nvPr/>
+        </p:nvPicPr>
+        <p:blipFill>
+          <a:blip r:embed="rId7">
+            <a:extLst>
+              <a:ext uri="{28A0092B-C50C-407E-A947-70E740481C1C}">
+                <a14:useLocalDpi xmlns:a14="http://schemas.microsoft.com/office/drawing/2010/main" val="0"/>
+              </a:ext>
+            </a:extLst>
+          </a:blip>
+          <a:srcRect/>
+          <a:stretch>
+            <a:fillRect/>
+          </a:stretch>
+        </p:blipFill>
+        <p:spPr bwMode="auto">
+          <a:xfrm>
+            <a:off x="2895483" y="2084494"/>
+            <a:ext cx="1257638" cy="192838"/>
+          </a:xfrm>
+          <a:prstGeom prst="rect">
+            <a:avLst/>
+          </a:prstGeom>
+          <a:noFill/>
+          <a:extLst>
+            <a:ext uri="{909E8E84-426E-40DD-AFC4-6F175D3DCCD1}">
+              <a14:hiddenFill xmlns:a14="http://schemas.microsoft.com/office/drawing/2010/main">
+                <a:solidFill>
+                  <a:srgbClr val="FFFFFF"/>
+                </a:solidFill>
+              </a14:hiddenFill>
+            </a:ext>
+          </a:extLst>
+        </p:spPr>
+      </p:pic>
+      <p:pic>
+        <p:nvPicPr>
+          <p:cNvPr id="31" name="Picture 2" descr="OneOffixx"/>
+          <p:cNvPicPr>
+            <a:picLocks noChangeAspect="1" noChangeArrowheads="1"/>
+          </p:cNvPicPr>
+          <p:nvPr/>
+        </p:nvPicPr>
+        <p:blipFill>
+          <a:blip r:embed="rId7">
+            <a:extLst>
+              <a:ext uri="{28A0092B-C50C-407E-A947-70E740481C1C}">
+                <a14:useLocalDpi xmlns:a14="http://schemas.microsoft.com/office/drawing/2010/main" val="0"/>
+              </a:ext>
+            </a:extLst>
+          </a:blip>
+          <a:srcRect/>
+          <a:stretch>
+            <a:fillRect/>
+          </a:stretch>
+        </p:blipFill>
+        <p:spPr bwMode="auto">
+          <a:xfrm>
+            <a:off x="5318903" y="2078896"/>
+            <a:ext cx="1257638" cy="192838"/>
+          </a:xfrm>
+          <a:prstGeom prst="rect">
+            <a:avLst/>
+          </a:prstGeom>
+          <a:noFill/>
+          <a:extLst>
+            <a:ext uri="{909E8E84-426E-40DD-AFC4-6F175D3DCCD1}">
+              <a14:hiddenFill xmlns:a14="http://schemas.microsoft.com/office/drawing/2010/main">
+                <a:solidFill>
+                  <a:srgbClr val="FFFFFF"/>
+                </a:solidFill>
+              </a14:hiddenFill>
+            </a:ext>
+          </a:extLst>
+        </p:spPr>
+      </p:pic>
+      <p:sp>
+        <p:nvSpPr>
+          <p:cNvPr id="32" name="Rechteck 31"/>
+          <p:cNvSpPr/>
+          <p:nvPr/>
+        </p:nvSpPr>
+        <p:spPr>
+          <a:xfrm>
+            <a:off x="1555919" y="968995"/>
+            <a:ext cx="895799" cy="414743"/>
+          </a:xfrm>
+          <a:prstGeom prst="rect">
+            <a:avLst/>
+          </a:prstGeom>
+          <a:pattFill prst="wdUpDiag">
+            <a:fgClr>
+              <a:schemeClr val="accent4">
+                <a:lumMod val="20000"/>
+                <a:lumOff val="80000"/>
+              </a:schemeClr>
+            </a:fgClr>
+            <a:bgClr>
+              <a:schemeClr val="bg1"/>
+            </a:bgClr>
+          </a:pattFill>
+          <a:ln w="9525" cap="flat" cmpd="sng" algn="ctr">
+            <a:solidFill>
+              <a:schemeClr val="bg1"/>
+            </a:solidFill>
+            <a:prstDash val="solid"/>
+            <a:round/>
+            <a:headEnd type="none" w="med" len="med"/>
+            <a:tailEnd type="none" w="med" len="med"/>
+          </a:ln>
+        </p:spPr>
+        <p:style>
+          <a:lnRef idx="0">
+            <a:scrgbClr r="0" g="0" b="0"/>
+          </a:lnRef>
+          <a:fillRef idx="0">
+            <a:scrgbClr r="0" g="0" b="0"/>
+          </a:fillRef>
+          <a:effectRef idx="0">
+            <a:scrgbClr r="0" g="0" b="0"/>
+          </a:effectRef>
+          <a:fontRef idx="minor">
+            <a:schemeClr val="accent3"/>
+          </a:fontRef>
+        </p:style>
+        <p:txBody>
+          <a:bodyPr rtlCol="0" anchor="ctr"/>
+          <a:lstStyle/>
+          <a:p>
+            <a:pPr algn="ctr"/>
+            <a:r>
+              <a:rPr lang="de-CH" b="1" dirty="0" smtClean="0">
+                <a:solidFill>
+                  <a:schemeClr val="tx1"/>
+                </a:solidFill>
+              </a:rPr>
+              <a:t>NEW</a:t>
+            </a:r>
+            <a:endParaRPr lang="de-CH" b="1" dirty="0">
+              <a:solidFill>
+                <a:schemeClr val="tx1"/>
+              </a:solidFill>
+            </a:endParaRPr>
+          </a:p>
+        </p:txBody>
+      </p:sp>
+      <p:pic>
+        <p:nvPicPr>
+          <p:cNvPr id="33" name="Grafik 32"/>
+          <p:cNvPicPr>
+            <a:picLocks noChangeAspect="1"/>
+          </p:cNvPicPr>
+          <p:nvPr/>
+        </p:nvPicPr>
+        <p:blipFill>
+          <a:blip r:embed="rId6" cstate="print">
+            <a:extLst>
+              <a:ext uri="{28A0092B-C50C-407E-A947-70E740481C1C}">
+                <a14:useLocalDpi xmlns:a14="http://schemas.microsoft.com/office/drawing/2010/main" val="0"/>
+              </a:ext>
+            </a:extLst>
+          </a:blip>
+          <a:stretch>
+            <a:fillRect/>
+          </a:stretch>
+        </p:blipFill>
+        <p:spPr>
+          <a:xfrm>
+            <a:off x="1752732" y="1954838"/>
+            <a:ext cx="570747" cy="570747"/>
+          </a:xfrm>
+          <a:prstGeom prst="rect">
+            <a:avLst/>
+          </a:prstGeom>
+        </p:spPr>
+      </p:pic>
+      <p:pic>
+        <p:nvPicPr>
+          <p:cNvPr id="34" name="Grafik 33"/>
+          <p:cNvPicPr>
+            <a:picLocks noChangeAspect="1"/>
+          </p:cNvPicPr>
+          <p:nvPr/>
+        </p:nvPicPr>
+        <p:blipFill>
+          <a:blip r:embed="rId5" cstate="print">
+            <a:extLst>
+              <a:ext uri="{28A0092B-C50C-407E-A947-70E740481C1C}">
+                <a14:useLocalDpi xmlns:a14="http://schemas.microsoft.com/office/drawing/2010/main" val="0"/>
+              </a:ext>
+            </a:extLst>
+          </a:blip>
+          <a:stretch>
+            <a:fillRect/>
+          </a:stretch>
+        </p:blipFill>
+        <p:spPr>
+          <a:xfrm>
+            <a:off x="1647482" y="3450366"/>
+            <a:ext cx="585702" cy="585702"/>
+          </a:xfrm>
+          <a:prstGeom prst="rect">
+            <a:avLst/>
+          </a:prstGeom>
+        </p:spPr>
+      </p:pic>
+      <p:sp>
+        <p:nvSpPr>
+          <p:cNvPr id="35" name="Rechteck 34"/>
+          <p:cNvSpPr/>
+          <p:nvPr/>
+        </p:nvSpPr>
+        <p:spPr>
+          <a:xfrm>
+            <a:off x="1407696" y="2546460"/>
+            <a:ext cx="1065275" cy="414743"/>
+          </a:xfrm>
+          <a:prstGeom prst="rect">
+            <a:avLst/>
+          </a:prstGeom>
+          <a:noFill/>
+          <a:ln w="9525" cap="flat" cmpd="sng" algn="ctr">
+            <a:noFill/>
+            <a:prstDash val="solid"/>
+            <a:round/>
+            <a:headEnd type="none" w="med" len="med"/>
+            <a:tailEnd type="none" w="med" len="med"/>
+          </a:ln>
+        </p:spPr>
+        <p:style>
+          <a:lnRef idx="0">
+            <a:scrgbClr r="0" g="0" b="0"/>
+          </a:lnRef>
+          <a:fillRef idx="0">
+            <a:scrgbClr r="0" g="0" b="0"/>
+          </a:fillRef>
+          <a:effectRef idx="0">
+            <a:scrgbClr r="0" g="0" b="0"/>
+          </a:effectRef>
+          <a:fontRef idx="minor">
+            <a:schemeClr val="accent3"/>
+          </a:fontRef>
+        </p:style>
+        <p:txBody>
+          <a:bodyPr rtlCol="0" anchor="ctr"/>
+          <a:lstStyle/>
+          <a:p>
+            <a:pPr algn="ctr"/>
+            <a:r>
+              <a:rPr lang="de-CH" sz="1400" dirty="0" smtClean="0">
+                <a:solidFill>
+                  <a:schemeClr val="tx1"/>
+                </a:solidFill>
+              </a:rPr>
+              <a:t>Server Apps</a:t>
+            </a:r>
+            <a:endParaRPr lang="de-CH" sz="1400" dirty="0">
+              <a:solidFill>
+                <a:schemeClr val="tx1"/>
+              </a:solidFill>
+            </a:endParaRPr>
+          </a:p>
+        </p:txBody>
+      </p:sp>
+      <p:sp>
+        <p:nvSpPr>
+          <p:cNvPr id="36" name="Rechteck 35"/>
+          <p:cNvSpPr/>
+          <p:nvPr/>
+        </p:nvSpPr>
+        <p:spPr>
+          <a:xfrm>
+            <a:off x="1407696" y="4036068"/>
+            <a:ext cx="1065275" cy="414743"/>
+          </a:xfrm>
+          <a:prstGeom prst="rect">
+            <a:avLst/>
+          </a:prstGeom>
+          <a:noFill/>
+          <a:ln w="9525" cap="flat" cmpd="sng" algn="ctr">
+            <a:noFill/>
+            <a:prstDash val="solid"/>
+            <a:round/>
+            <a:headEnd type="none" w="med" len="med"/>
+            <a:tailEnd type="none" w="med" len="med"/>
+          </a:ln>
+        </p:spPr>
+        <p:style>
+          <a:lnRef idx="0">
+            <a:scrgbClr r="0" g="0" b="0"/>
+          </a:lnRef>
+          <a:fillRef idx="0">
+            <a:scrgbClr r="0" g="0" b="0"/>
+          </a:fillRef>
+          <a:effectRef idx="0">
+            <a:scrgbClr r="0" g="0" b="0"/>
+          </a:effectRef>
+          <a:fontRef idx="minor">
+            <a:schemeClr val="accent3"/>
+          </a:fontRef>
+        </p:style>
+        <p:txBody>
+          <a:bodyPr rtlCol="0" anchor="ctr"/>
+          <a:lstStyle/>
+          <a:p>
+            <a:pPr algn="ctr"/>
+            <a:r>
+              <a:rPr lang="de-CH" sz="1400" dirty="0" smtClean="0">
+                <a:solidFill>
+                  <a:schemeClr val="tx1"/>
+                </a:solidFill>
+              </a:rPr>
+              <a:t>Database</a:t>
+            </a:r>
+            <a:endParaRPr lang="de-CH" sz="1400" dirty="0">
+              <a:solidFill>
+                <a:schemeClr val="tx1"/>
+              </a:solidFill>
+            </a:endParaRPr>
+          </a:p>
+        </p:txBody>
+      </p:sp>
+    </p:spTree>
+    <p:extLst>
+      <p:ext uri="{BB962C8B-B14F-4D97-AF65-F5344CB8AC3E}">
         <p14:creationId xmlns:p14="http://schemas.microsoft.com/office/powerpoint/2010/main" val="275010343"/>
       </p:ext>
     </p:extLst>
@@ -5727,7 +6278,7 @@
 </p:sld>
 </file>
 
-<file path=ppt/slides/slide6.xml><?xml version="1.0" encoding="utf-8"?>
+<file path=ppt/slides/slide7.xml><?xml version="1.0" encoding="utf-8"?>
 <p:sld xmlns:a="http://schemas.openxmlformats.org/drawingml/2006/main" xmlns:r="http://schemas.openxmlformats.org/officeDocument/2006/relationships" xmlns:p="http://schemas.openxmlformats.org/presentationml/2006/main">
   <p:cSld>
     <p:spTree>

--- a/assets/content-files/Schemas.pptx
+++ b/assets/content-files/Schemas.pptx
@@ -4,6 +4,9 @@
   <p:sldMasterIdLst>
     <p:sldMasterId id="2147483648" r:id="rId1"/>
   </p:sldMasterIdLst>
+  <p:notesMasterIdLst>
+    <p:notesMasterId r:id="rId17"/>
+  </p:notesMasterIdLst>
   <p:sldIdLst>
     <p:sldId id="260" r:id="rId2"/>
     <p:sldId id="263" r:id="rId3"/>
@@ -11,7 +14,15 @@
     <p:sldId id="258" r:id="rId5"/>
     <p:sldId id="257" r:id="rId6"/>
     <p:sldId id="259" r:id="rId7"/>
-    <p:sldId id="261" r:id="rId8"/>
+    <p:sldId id="264" r:id="rId8"/>
+    <p:sldId id="271" r:id="rId9"/>
+    <p:sldId id="266" r:id="rId10"/>
+    <p:sldId id="267" r:id="rId11"/>
+    <p:sldId id="268" r:id="rId12"/>
+    <p:sldId id="273" r:id="rId13"/>
+    <p:sldId id="261" r:id="rId14"/>
+    <p:sldId id="272" r:id="rId15"/>
+    <p:sldId id="265" r:id="rId16"/>
   </p:sldIdLst>
   <p:sldSz cx="12192000" cy="6858000"/>
   <p:notesSz cx="6858000" cy="9144000"/>
@@ -118,6 +129,524 @@
 </p:presentation>
 </file>
 
+<file path=ppt/notesMasters/notesMaster1.xml><?xml version="1.0" encoding="utf-8"?>
+<p:notesMaster xmlns:a="http://schemas.openxmlformats.org/drawingml/2006/main" xmlns:r="http://schemas.openxmlformats.org/officeDocument/2006/relationships" xmlns:p="http://schemas.openxmlformats.org/presentationml/2006/main">
+  <p:cSld>
+    <p:bg>
+      <p:bgRef idx="1001">
+        <a:schemeClr val="bg1"/>
+      </p:bgRef>
+    </p:bg>
+    <p:spTree>
+      <p:nvGrpSpPr>
+        <p:cNvPr id="1" name=""/>
+        <p:cNvGrpSpPr/>
+        <p:nvPr/>
+      </p:nvGrpSpPr>
+      <p:grpSpPr>
+        <a:xfrm>
+          <a:off x="0" y="0"/>
+          <a:ext cx="0" cy="0"/>
+          <a:chOff x="0" y="0"/>
+          <a:chExt cx="0" cy="0"/>
+        </a:xfrm>
+      </p:grpSpPr>
+      <p:sp>
+        <p:nvSpPr>
+          <p:cNvPr id="2" name="Kopfzeilenplatzhalter 1"/>
+          <p:cNvSpPr>
+            <a:spLocks noGrp="1"/>
+          </p:cNvSpPr>
+          <p:nvPr>
+            <p:ph type="hdr" sz="quarter"/>
+          </p:nvPr>
+        </p:nvSpPr>
+        <p:spPr>
+          <a:xfrm>
+            <a:off x="0" y="0"/>
+            <a:ext cx="2971800" cy="458788"/>
+          </a:xfrm>
+          <a:prstGeom prst="rect">
+            <a:avLst/>
+          </a:prstGeom>
+        </p:spPr>
+        <p:txBody>
+          <a:bodyPr vert="horz" lIns="91440" tIns="45720" rIns="91440" bIns="45720" rtlCol="0"/>
+          <a:lstStyle>
+            <a:lvl1pPr algn="l">
+              <a:defRPr sz="1200"/>
+            </a:lvl1pPr>
+          </a:lstStyle>
+          <a:p>
+            <a:endParaRPr lang="de-CH"/>
+          </a:p>
+        </p:txBody>
+      </p:sp>
+      <p:sp>
+        <p:nvSpPr>
+          <p:cNvPr id="3" name="Datumsplatzhalter 2"/>
+          <p:cNvSpPr>
+            <a:spLocks noGrp="1"/>
+          </p:cNvSpPr>
+          <p:nvPr>
+            <p:ph type="dt" idx="1"/>
+          </p:nvPr>
+        </p:nvSpPr>
+        <p:spPr>
+          <a:xfrm>
+            <a:off x="3884613" y="0"/>
+            <a:ext cx="2971800" cy="458788"/>
+          </a:xfrm>
+          <a:prstGeom prst="rect">
+            <a:avLst/>
+          </a:prstGeom>
+        </p:spPr>
+        <p:txBody>
+          <a:bodyPr vert="horz" lIns="91440" tIns="45720" rIns="91440" bIns="45720" rtlCol="0"/>
+          <a:lstStyle>
+            <a:lvl1pPr algn="r">
+              <a:defRPr sz="1200"/>
+            </a:lvl1pPr>
+          </a:lstStyle>
+          <a:p>
+            <a:fld id="{45752155-64EA-4997-A5BE-36CFB3A43898}" type="datetimeFigureOut">
+              <a:rPr lang="de-CH" smtClean="0"/>
+              <a:t>05.12.2016</a:t>
+            </a:fld>
+            <a:endParaRPr lang="de-CH"/>
+          </a:p>
+        </p:txBody>
+      </p:sp>
+      <p:sp>
+        <p:nvSpPr>
+          <p:cNvPr id="4" name="Folienbildplatzhalter 3"/>
+          <p:cNvSpPr>
+            <a:spLocks noGrp="1" noRot="1" noChangeAspect="1"/>
+          </p:cNvSpPr>
+          <p:nvPr>
+            <p:ph type="sldImg" idx="2"/>
+          </p:nvPr>
+        </p:nvSpPr>
+        <p:spPr>
+          <a:xfrm>
+            <a:off x="685800" y="1143000"/>
+            <a:ext cx="5486400" cy="3086100"/>
+          </a:xfrm>
+          <a:prstGeom prst="rect">
+            <a:avLst/>
+          </a:prstGeom>
+          <a:noFill/>
+          <a:ln w="12700">
+            <a:solidFill>
+              <a:prstClr val="black"/>
+            </a:solidFill>
+          </a:ln>
+        </p:spPr>
+        <p:txBody>
+          <a:bodyPr vert="horz" lIns="91440" tIns="45720" rIns="91440" bIns="45720" rtlCol="0" anchor="ctr"/>
+          <a:lstStyle/>
+          <a:p>
+            <a:endParaRPr lang="de-CH"/>
+          </a:p>
+        </p:txBody>
+      </p:sp>
+      <p:sp>
+        <p:nvSpPr>
+          <p:cNvPr id="5" name="Notizenplatzhalter 4"/>
+          <p:cNvSpPr>
+            <a:spLocks noGrp="1"/>
+          </p:cNvSpPr>
+          <p:nvPr>
+            <p:ph type="body" sz="quarter" idx="3"/>
+          </p:nvPr>
+        </p:nvSpPr>
+        <p:spPr>
+          <a:xfrm>
+            <a:off x="685800" y="4400550"/>
+            <a:ext cx="5486400" cy="3600450"/>
+          </a:xfrm>
+          <a:prstGeom prst="rect">
+            <a:avLst/>
+          </a:prstGeom>
+        </p:spPr>
+        <p:txBody>
+          <a:bodyPr vert="horz" lIns="91440" tIns="45720" rIns="91440" bIns="45720" rtlCol="0"/>
+          <a:lstStyle/>
+          <a:p>
+            <a:pPr lvl="0"/>
+            <a:r>
+              <a:rPr lang="de-DE" smtClean="0"/>
+              <a:t>Formatvorlagen des Textmasters bearbeiten</a:t>
+            </a:r>
+          </a:p>
+          <a:p>
+            <a:pPr lvl="1"/>
+            <a:r>
+              <a:rPr lang="de-DE" smtClean="0"/>
+              <a:t>Zweite Ebene</a:t>
+            </a:r>
+          </a:p>
+          <a:p>
+            <a:pPr lvl="2"/>
+            <a:r>
+              <a:rPr lang="de-DE" smtClean="0"/>
+              <a:t>Dritte Ebene</a:t>
+            </a:r>
+          </a:p>
+          <a:p>
+            <a:pPr lvl="3"/>
+            <a:r>
+              <a:rPr lang="de-DE" smtClean="0"/>
+              <a:t>Vierte Ebene</a:t>
+            </a:r>
+          </a:p>
+          <a:p>
+            <a:pPr lvl="4"/>
+            <a:r>
+              <a:rPr lang="de-DE" smtClean="0"/>
+              <a:t>Fünfte Ebene</a:t>
+            </a:r>
+            <a:endParaRPr lang="de-CH"/>
+          </a:p>
+        </p:txBody>
+      </p:sp>
+      <p:sp>
+        <p:nvSpPr>
+          <p:cNvPr id="6" name="Fußzeilenplatzhalter 5"/>
+          <p:cNvSpPr>
+            <a:spLocks noGrp="1"/>
+          </p:cNvSpPr>
+          <p:nvPr>
+            <p:ph type="ftr" sz="quarter" idx="4"/>
+          </p:nvPr>
+        </p:nvSpPr>
+        <p:spPr>
+          <a:xfrm>
+            <a:off x="0" y="8685213"/>
+            <a:ext cx="2971800" cy="458787"/>
+          </a:xfrm>
+          <a:prstGeom prst="rect">
+            <a:avLst/>
+          </a:prstGeom>
+        </p:spPr>
+        <p:txBody>
+          <a:bodyPr vert="horz" lIns="91440" tIns="45720" rIns="91440" bIns="45720" rtlCol="0" anchor="b"/>
+          <a:lstStyle>
+            <a:lvl1pPr algn="l">
+              <a:defRPr sz="1200"/>
+            </a:lvl1pPr>
+          </a:lstStyle>
+          <a:p>
+            <a:endParaRPr lang="de-CH"/>
+          </a:p>
+        </p:txBody>
+      </p:sp>
+      <p:sp>
+        <p:nvSpPr>
+          <p:cNvPr id="7" name="Foliennummernplatzhalter 6"/>
+          <p:cNvSpPr>
+            <a:spLocks noGrp="1"/>
+          </p:cNvSpPr>
+          <p:nvPr>
+            <p:ph type="sldNum" sz="quarter" idx="5"/>
+          </p:nvPr>
+        </p:nvSpPr>
+        <p:spPr>
+          <a:xfrm>
+            <a:off x="3884613" y="8685213"/>
+            <a:ext cx="2971800" cy="458787"/>
+          </a:xfrm>
+          <a:prstGeom prst="rect">
+            <a:avLst/>
+          </a:prstGeom>
+        </p:spPr>
+        <p:txBody>
+          <a:bodyPr vert="horz" lIns="91440" tIns="45720" rIns="91440" bIns="45720" rtlCol="0" anchor="b"/>
+          <a:lstStyle>
+            <a:lvl1pPr algn="r">
+              <a:defRPr sz="1200"/>
+            </a:lvl1pPr>
+          </a:lstStyle>
+          <a:p>
+            <a:fld id="{6FE0543D-7D95-4BE3-B4CB-D591902CD515}" type="slidenum">
+              <a:rPr lang="de-CH" smtClean="0"/>
+              <a:t>‹Nr.›</a:t>
+            </a:fld>
+            <a:endParaRPr lang="de-CH"/>
+          </a:p>
+        </p:txBody>
+      </p:sp>
+    </p:spTree>
+    <p:extLst>
+      <p:ext uri="{BB962C8B-B14F-4D97-AF65-F5344CB8AC3E}">
+        <p14:creationId xmlns:p14="http://schemas.microsoft.com/office/powerpoint/2010/main" val="2063050652"/>
+      </p:ext>
+    </p:extLst>
+  </p:cSld>
+  <p:clrMap bg1="lt1" tx1="dk1" bg2="lt2" tx2="dk2" accent1="accent1" accent2="accent2" accent3="accent3" accent4="accent4" accent5="accent5" accent6="accent6" hlink="hlink" folHlink="folHlink"/>
+  <p:notesStyle>
+    <a:lvl1pPr marL="0" algn="l" defTabSz="914400" rtl="0" eaLnBrk="1" latinLnBrk="0" hangingPunct="1">
+      <a:defRPr sz="1200" kern="1200">
+        <a:solidFill>
+          <a:schemeClr val="tx1"/>
+        </a:solidFill>
+        <a:latin typeface="+mn-lt"/>
+        <a:ea typeface="+mn-ea"/>
+        <a:cs typeface="+mn-cs"/>
+      </a:defRPr>
+    </a:lvl1pPr>
+    <a:lvl2pPr marL="457200" algn="l" defTabSz="914400" rtl="0" eaLnBrk="1" latinLnBrk="0" hangingPunct="1">
+      <a:defRPr sz="1200" kern="1200">
+        <a:solidFill>
+          <a:schemeClr val="tx1"/>
+        </a:solidFill>
+        <a:latin typeface="+mn-lt"/>
+        <a:ea typeface="+mn-ea"/>
+        <a:cs typeface="+mn-cs"/>
+      </a:defRPr>
+    </a:lvl2pPr>
+    <a:lvl3pPr marL="914400" algn="l" defTabSz="914400" rtl="0" eaLnBrk="1" latinLnBrk="0" hangingPunct="1">
+      <a:defRPr sz="1200" kern="1200">
+        <a:solidFill>
+          <a:schemeClr val="tx1"/>
+        </a:solidFill>
+        <a:latin typeface="+mn-lt"/>
+        <a:ea typeface="+mn-ea"/>
+        <a:cs typeface="+mn-cs"/>
+      </a:defRPr>
+    </a:lvl3pPr>
+    <a:lvl4pPr marL="1371600" algn="l" defTabSz="914400" rtl="0" eaLnBrk="1" latinLnBrk="0" hangingPunct="1">
+      <a:defRPr sz="1200" kern="1200">
+        <a:solidFill>
+          <a:schemeClr val="tx1"/>
+        </a:solidFill>
+        <a:latin typeface="+mn-lt"/>
+        <a:ea typeface="+mn-ea"/>
+        <a:cs typeface="+mn-cs"/>
+      </a:defRPr>
+    </a:lvl4pPr>
+    <a:lvl5pPr marL="1828800" algn="l" defTabSz="914400" rtl="0" eaLnBrk="1" latinLnBrk="0" hangingPunct="1">
+      <a:defRPr sz="1200" kern="1200">
+        <a:solidFill>
+          <a:schemeClr val="tx1"/>
+        </a:solidFill>
+        <a:latin typeface="+mn-lt"/>
+        <a:ea typeface="+mn-ea"/>
+        <a:cs typeface="+mn-cs"/>
+      </a:defRPr>
+    </a:lvl5pPr>
+    <a:lvl6pPr marL="2286000" algn="l" defTabSz="914400" rtl="0" eaLnBrk="1" latinLnBrk="0" hangingPunct="1">
+      <a:defRPr sz="1200" kern="1200">
+        <a:solidFill>
+          <a:schemeClr val="tx1"/>
+        </a:solidFill>
+        <a:latin typeface="+mn-lt"/>
+        <a:ea typeface="+mn-ea"/>
+        <a:cs typeface="+mn-cs"/>
+      </a:defRPr>
+    </a:lvl6pPr>
+    <a:lvl7pPr marL="2743200" algn="l" defTabSz="914400" rtl="0" eaLnBrk="1" latinLnBrk="0" hangingPunct="1">
+      <a:defRPr sz="1200" kern="1200">
+        <a:solidFill>
+          <a:schemeClr val="tx1"/>
+        </a:solidFill>
+        <a:latin typeface="+mn-lt"/>
+        <a:ea typeface="+mn-ea"/>
+        <a:cs typeface="+mn-cs"/>
+      </a:defRPr>
+    </a:lvl7pPr>
+    <a:lvl8pPr marL="3200400" algn="l" defTabSz="914400" rtl="0" eaLnBrk="1" latinLnBrk="0" hangingPunct="1">
+      <a:defRPr sz="1200" kern="1200">
+        <a:solidFill>
+          <a:schemeClr val="tx1"/>
+        </a:solidFill>
+        <a:latin typeface="+mn-lt"/>
+        <a:ea typeface="+mn-ea"/>
+        <a:cs typeface="+mn-cs"/>
+      </a:defRPr>
+    </a:lvl8pPr>
+    <a:lvl9pPr marL="3657600" algn="l" defTabSz="914400" rtl="0" eaLnBrk="1" latinLnBrk="0" hangingPunct="1">
+      <a:defRPr sz="1200" kern="1200">
+        <a:solidFill>
+          <a:schemeClr val="tx1"/>
+        </a:solidFill>
+        <a:latin typeface="+mn-lt"/>
+        <a:ea typeface="+mn-ea"/>
+        <a:cs typeface="+mn-cs"/>
+      </a:defRPr>
+    </a:lvl9pPr>
+  </p:notesStyle>
+</p:notesMaster>
+</file>
+
+<file path=ppt/notesSlides/notesSlide1.xml><?xml version="1.0" encoding="utf-8"?>
+<p:notes xmlns:a="http://schemas.openxmlformats.org/drawingml/2006/main" xmlns:r="http://schemas.openxmlformats.org/officeDocument/2006/relationships" xmlns:p="http://schemas.openxmlformats.org/presentationml/2006/main">
+  <p:cSld>
+    <p:spTree>
+      <p:nvGrpSpPr>
+        <p:cNvPr id="1" name=""/>
+        <p:cNvGrpSpPr/>
+        <p:nvPr/>
+      </p:nvGrpSpPr>
+      <p:grpSpPr>
+        <a:xfrm>
+          <a:off x="0" y="0"/>
+          <a:ext cx="0" cy="0"/>
+          <a:chOff x="0" y="0"/>
+          <a:chExt cx="0" cy="0"/>
+        </a:xfrm>
+      </p:grpSpPr>
+      <p:sp>
+        <p:nvSpPr>
+          <p:cNvPr id="2" name="Folienbildplatzhalter 1"/>
+          <p:cNvSpPr>
+            <a:spLocks noGrp="1" noRot="1" noChangeAspect="1"/>
+          </p:cNvSpPr>
+          <p:nvPr>
+            <p:ph type="sldImg"/>
+          </p:nvPr>
+        </p:nvSpPr>
+        <p:spPr/>
+      </p:sp>
+      <p:sp>
+        <p:nvSpPr>
+          <p:cNvPr id="3" name="Notizenplatzhalter 2"/>
+          <p:cNvSpPr>
+            <a:spLocks noGrp="1"/>
+          </p:cNvSpPr>
+          <p:nvPr>
+            <p:ph type="body" idx="1"/>
+          </p:nvPr>
+        </p:nvSpPr>
+        <p:spPr/>
+        <p:txBody>
+          <a:bodyPr/>
+          <a:lstStyle/>
+          <a:p>
+            <a:endParaRPr lang="de-CH" dirty="0"/>
+          </a:p>
+        </p:txBody>
+      </p:sp>
+      <p:sp>
+        <p:nvSpPr>
+          <p:cNvPr id="4" name="Foliennummernplatzhalter 3"/>
+          <p:cNvSpPr>
+            <a:spLocks noGrp="1"/>
+          </p:cNvSpPr>
+          <p:nvPr>
+            <p:ph type="sldNum" sz="quarter" idx="10"/>
+          </p:nvPr>
+        </p:nvSpPr>
+        <p:spPr/>
+        <p:txBody>
+          <a:bodyPr/>
+          <a:lstStyle/>
+          <a:p>
+            <a:fld id="{6FE0543D-7D95-4BE3-B4CB-D591902CD515}" type="slidenum">
+              <a:rPr lang="de-CH" smtClean="0"/>
+              <a:t>8</a:t>
+            </a:fld>
+            <a:endParaRPr lang="de-CH"/>
+          </a:p>
+        </p:txBody>
+      </p:sp>
+    </p:spTree>
+    <p:extLst>
+      <p:ext uri="{BB962C8B-B14F-4D97-AF65-F5344CB8AC3E}">
+        <p14:creationId xmlns:p14="http://schemas.microsoft.com/office/powerpoint/2010/main" val="2193979476"/>
+      </p:ext>
+    </p:extLst>
+  </p:cSld>
+  <p:clrMapOvr>
+    <a:masterClrMapping/>
+  </p:clrMapOvr>
+</p:notes>
+</file>
+
+<file path=ppt/notesSlides/notesSlide2.xml><?xml version="1.0" encoding="utf-8"?>
+<p:notes xmlns:a="http://schemas.openxmlformats.org/drawingml/2006/main" xmlns:r="http://schemas.openxmlformats.org/officeDocument/2006/relationships" xmlns:p="http://schemas.openxmlformats.org/presentationml/2006/main">
+  <p:cSld>
+    <p:spTree>
+      <p:nvGrpSpPr>
+        <p:cNvPr id="1" name=""/>
+        <p:cNvGrpSpPr/>
+        <p:nvPr/>
+      </p:nvGrpSpPr>
+      <p:grpSpPr>
+        <a:xfrm>
+          <a:off x="0" y="0"/>
+          <a:ext cx="0" cy="0"/>
+          <a:chOff x="0" y="0"/>
+          <a:chExt cx="0" cy="0"/>
+        </a:xfrm>
+      </p:grpSpPr>
+      <p:sp>
+        <p:nvSpPr>
+          <p:cNvPr id="2" name="Folienbildplatzhalter 1"/>
+          <p:cNvSpPr>
+            <a:spLocks noGrp="1" noRot="1" noChangeAspect="1"/>
+          </p:cNvSpPr>
+          <p:nvPr>
+            <p:ph type="sldImg"/>
+          </p:nvPr>
+        </p:nvSpPr>
+        <p:spPr/>
+      </p:sp>
+      <p:sp>
+        <p:nvSpPr>
+          <p:cNvPr id="3" name="Notizenplatzhalter 2"/>
+          <p:cNvSpPr>
+            <a:spLocks noGrp="1"/>
+          </p:cNvSpPr>
+          <p:nvPr>
+            <p:ph type="body" idx="1"/>
+          </p:nvPr>
+        </p:nvSpPr>
+        <p:spPr/>
+        <p:txBody>
+          <a:bodyPr/>
+          <a:lstStyle/>
+          <a:p>
+            <a:endParaRPr lang="de-CH" dirty="0"/>
+          </a:p>
+        </p:txBody>
+      </p:sp>
+      <p:sp>
+        <p:nvSpPr>
+          <p:cNvPr id="4" name="Foliennummernplatzhalter 3"/>
+          <p:cNvSpPr>
+            <a:spLocks noGrp="1"/>
+          </p:cNvSpPr>
+          <p:nvPr>
+            <p:ph type="sldNum" sz="quarter" idx="10"/>
+          </p:nvPr>
+        </p:nvSpPr>
+        <p:spPr/>
+        <p:txBody>
+          <a:bodyPr/>
+          <a:lstStyle/>
+          <a:p>
+            <a:fld id="{6FE0543D-7D95-4BE3-B4CB-D591902CD515}" type="slidenum">
+              <a:rPr lang="de-CH" smtClean="0"/>
+              <a:t>15</a:t>
+            </a:fld>
+            <a:endParaRPr lang="de-CH"/>
+          </a:p>
+        </p:txBody>
+      </p:sp>
+    </p:spTree>
+    <p:extLst>
+      <p:ext uri="{BB962C8B-B14F-4D97-AF65-F5344CB8AC3E}">
+        <p14:creationId xmlns:p14="http://schemas.microsoft.com/office/powerpoint/2010/main" val="519016049"/>
+      </p:ext>
+    </p:extLst>
+  </p:cSld>
+  <p:clrMapOvr>
+    <a:masterClrMapping/>
+  </p:clrMapOvr>
+</p:notes>
+</file>
+
 <file path=ppt/slideLayouts/slideLayout1.xml><?xml version="1.0" encoding="utf-8"?>
 <p:sldLayout xmlns:a="http://schemas.openxmlformats.org/drawingml/2006/main" xmlns:r="http://schemas.openxmlformats.org/officeDocument/2006/relationships" xmlns:p="http://schemas.openxmlformats.org/presentationml/2006/main" type="title" preserve="1">
   <p:cSld name="Titelfolie">
@@ -249,7 +778,7 @@
           <a:p>
             <a:fld id="{B253B49A-4094-4AD2-84B0-9BA0802B708A}" type="datetimeFigureOut">
               <a:rPr lang="de-CH" smtClean="0"/>
-              <a:t>01.07.2016</a:t>
+              <a:t>05.12.2016</a:t>
             </a:fld>
             <a:endParaRPr lang="de-CH"/>
           </a:p>
@@ -419,7 +948,7 @@
           <a:p>
             <a:fld id="{B253B49A-4094-4AD2-84B0-9BA0802B708A}" type="datetimeFigureOut">
               <a:rPr lang="de-CH" smtClean="0"/>
-              <a:t>01.07.2016</a:t>
+              <a:t>05.12.2016</a:t>
             </a:fld>
             <a:endParaRPr lang="de-CH"/>
           </a:p>
@@ -599,7 +1128,7 @@
           <a:p>
             <a:fld id="{B253B49A-4094-4AD2-84B0-9BA0802B708A}" type="datetimeFigureOut">
               <a:rPr lang="de-CH" smtClean="0"/>
-              <a:t>01.07.2016</a:t>
+              <a:t>05.12.2016</a:t>
             </a:fld>
             <a:endParaRPr lang="de-CH"/>
           </a:p>
@@ -769,7 +1298,7 @@
           <a:p>
             <a:fld id="{B253B49A-4094-4AD2-84B0-9BA0802B708A}" type="datetimeFigureOut">
               <a:rPr lang="de-CH" smtClean="0"/>
-              <a:t>01.07.2016</a:t>
+              <a:t>05.12.2016</a:t>
             </a:fld>
             <a:endParaRPr lang="de-CH"/>
           </a:p>
@@ -1015,7 +1544,7 @@
           <a:p>
             <a:fld id="{B253B49A-4094-4AD2-84B0-9BA0802B708A}" type="datetimeFigureOut">
               <a:rPr lang="de-CH" smtClean="0"/>
-              <a:t>01.07.2016</a:t>
+              <a:t>05.12.2016</a:t>
             </a:fld>
             <a:endParaRPr lang="de-CH"/>
           </a:p>
@@ -1247,7 +1776,7 @@
           <a:p>
             <a:fld id="{B253B49A-4094-4AD2-84B0-9BA0802B708A}" type="datetimeFigureOut">
               <a:rPr lang="de-CH" smtClean="0"/>
-              <a:t>01.07.2016</a:t>
+              <a:t>05.12.2016</a:t>
             </a:fld>
             <a:endParaRPr lang="de-CH"/>
           </a:p>
@@ -1614,7 +2143,7 @@
           <a:p>
             <a:fld id="{B253B49A-4094-4AD2-84B0-9BA0802B708A}" type="datetimeFigureOut">
               <a:rPr lang="de-CH" smtClean="0"/>
-              <a:t>01.07.2016</a:t>
+              <a:t>05.12.2016</a:t>
             </a:fld>
             <a:endParaRPr lang="de-CH"/>
           </a:p>
@@ -1732,7 +2261,7 @@
           <a:p>
             <a:fld id="{B253B49A-4094-4AD2-84B0-9BA0802B708A}" type="datetimeFigureOut">
               <a:rPr lang="de-CH" smtClean="0"/>
-              <a:t>01.07.2016</a:t>
+              <a:t>05.12.2016</a:t>
             </a:fld>
             <a:endParaRPr lang="de-CH"/>
           </a:p>
@@ -1827,7 +2356,7 @@
           <a:p>
             <a:fld id="{B253B49A-4094-4AD2-84B0-9BA0802B708A}" type="datetimeFigureOut">
               <a:rPr lang="de-CH" smtClean="0"/>
-              <a:t>01.07.2016</a:t>
+              <a:t>05.12.2016</a:t>
             </a:fld>
             <a:endParaRPr lang="de-CH"/>
           </a:p>
@@ -2104,7 +2633,7 @@
           <a:p>
             <a:fld id="{B253B49A-4094-4AD2-84B0-9BA0802B708A}" type="datetimeFigureOut">
               <a:rPr lang="de-CH" smtClean="0"/>
-              <a:t>01.07.2016</a:t>
+              <a:t>05.12.2016</a:t>
             </a:fld>
             <a:endParaRPr lang="de-CH"/>
           </a:p>
@@ -2357,7 +2886,7 @@
           <a:p>
             <a:fld id="{B253B49A-4094-4AD2-84B0-9BA0802B708A}" type="datetimeFigureOut">
               <a:rPr lang="de-CH" smtClean="0"/>
-              <a:t>01.07.2016</a:t>
+              <a:t>05.12.2016</a:t>
             </a:fld>
             <a:endParaRPr lang="de-CH"/>
           </a:p>
@@ -2570,7 +3099,7 @@
           <a:p>
             <a:fld id="{B253B49A-4094-4AD2-84B0-9BA0802B708A}" type="datetimeFigureOut">
               <a:rPr lang="de-CH" smtClean="0"/>
-              <a:t>01.07.2016</a:t>
+              <a:t>05.12.2016</a:t>
             </a:fld>
             <a:endParaRPr lang="de-CH"/>
           </a:p>
@@ -2998,6 +3527,30 @@
           </a:p>
         </p:txBody>
       </p:sp>
+      <p:pic>
+        <p:nvPicPr>
+          <p:cNvPr id="3" name="Grafik 2"/>
+          <p:cNvPicPr>
+            <a:picLocks noChangeAspect="1"/>
+          </p:cNvPicPr>
+          <p:nvPr/>
+        </p:nvPicPr>
+        <p:blipFill>
+          <a:blip r:embed="rId2"/>
+          <a:stretch>
+            <a:fillRect/>
+          </a:stretch>
+        </p:blipFill>
+        <p:spPr>
+          <a:xfrm>
+            <a:off x="3778271" y="4117534"/>
+            <a:ext cx="4239217" cy="1762371"/>
+          </a:xfrm>
+          <a:prstGeom prst="rect">
+            <a:avLst/>
+          </a:prstGeom>
+        </p:spPr>
+      </p:pic>
     </p:spTree>
     <p:extLst>
       <p:ext uri="{BB962C8B-B14F-4D97-AF65-F5344CB8AC3E}">
@@ -3008,6 +3561,5130 @@
   <p:clrMapOvr>
     <a:masterClrMapping/>
   </p:clrMapOvr>
+</p:sld>
+</file>
+
+<file path=ppt/slides/slide10.xml><?xml version="1.0" encoding="utf-8"?>
+<p:sld xmlns:a="http://schemas.openxmlformats.org/drawingml/2006/main" xmlns:r="http://schemas.openxmlformats.org/officeDocument/2006/relationships" xmlns:p="http://schemas.openxmlformats.org/presentationml/2006/main">
+  <p:cSld>
+    <p:spTree>
+      <p:nvGrpSpPr>
+        <p:cNvPr id="1" name=""/>
+        <p:cNvGrpSpPr/>
+        <p:nvPr/>
+      </p:nvGrpSpPr>
+      <p:grpSpPr>
+        <a:xfrm>
+          <a:off x="0" y="0"/>
+          <a:ext cx="0" cy="0"/>
+          <a:chOff x="0" y="0"/>
+          <a:chExt cx="0" cy="0"/>
+        </a:xfrm>
+      </p:grpSpPr>
+      <p:pic>
+        <p:nvPicPr>
+          <p:cNvPr id="4" name="Grafik 3"/>
+          <p:cNvPicPr>
+            <a:picLocks noChangeAspect="1"/>
+          </p:cNvPicPr>
+          <p:nvPr/>
+        </p:nvPicPr>
+        <p:blipFill>
+          <a:blip r:embed="rId2" cstate="print">
+            <a:extLst>
+              <a:ext uri="{28A0092B-C50C-407E-A947-70E740481C1C}">
+                <a14:useLocalDpi xmlns:a14="http://schemas.microsoft.com/office/drawing/2010/main" val="0"/>
+              </a:ext>
+            </a:extLst>
+          </a:blip>
+          <a:stretch>
+            <a:fillRect/>
+          </a:stretch>
+        </p:blipFill>
+        <p:spPr>
+          <a:xfrm>
+            <a:off x="145520" y="2049039"/>
+            <a:ext cx="718839" cy="718839"/>
+          </a:xfrm>
+          <a:prstGeom prst="rect">
+            <a:avLst/>
+          </a:prstGeom>
+        </p:spPr>
+      </p:pic>
+      <p:pic>
+        <p:nvPicPr>
+          <p:cNvPr id="5" name="Grafik 4"/>
+          <p:cNvPicPr>
+            <a:picLocks noChangeAspect="1"/>
+          </p:cNvPicPr>
+          <p:nvPr/>
+        </p:nvPicPr>
+        <p:blipFill>
+          <a:blip r:embed="rId3" cstate="print">
+            <a:extLst>
+              <a:ext uri="{28A0092B-C50C-407E-A947-70E740481C1C}">
+                <a14:useLocalDpi xmlns:a14="http://schemas.microsoft.com/office/drawing/2010/main" val="0"/>
+              </a:ext>
+            </a:extLst>
+          </a:blip>
+          <a:stretch>
+            <a:fillRect/>
+          </a:stretch>
+        </p:blipFill>
+        <p:spPr>
+          <a:xfrm>
+            <a:off x="6272637" y="2595927"/>
+            <a:ext cx="1073076" cy="1073076"/>
+          </a:xfrm>
+          <a:prstGeom prst="rect">
+            <a:avLst/>
+          </a:prstGeom>
+        </p:spPr>
+      </p:pic>
+      <p:sp>
+        <p:nvSpPr>
+          <p:cNvPr id="6" name="Textfeld 5"/>
+          <p:cNvSpPr txBox="1"/>
+          <p:nvPr/>
+        </p:nvSpPr>
+        <p:spPr>
+          <a:xfrm>
+            <a:off x="763542" y="2224827"/>
+            <a:ext cx="1402815" cy="461665"/>
+          </a:xfrm>
+          <a:prstGeom prst="rect">
+            <a:avLst/>
+          </a:prstGeom>
+          <a:noFill/>
+        </p:spPr>
+        <p:txBody>
+          <a:bodyPr wrap="square" rtlCol="0">
+            <a:spAutoFit/>
+          </a:bodyPr>
+          <a:lstStyle/>
+          <a:p>
+            <a:pPr algn="ctr"/>
+            <a:r>
+              <a:rPr lang="de-CH" sz="2400" b="1" dirty="0" smtClean="0"/>
+              <a:t>Template</a:t>
+            </a:r>
+            <a:endParaRPr lang="de-CH" b="1" dirty="0"/>
+          </a:p>
+        </p:txBody>
+      </p:sp>
+      <p:sp>
+        <p:nvSpPr>
+          <p:cNvPr id="7" name="Textfeld 6"/>
+          <p:cNvSpPr txBox="1"/>
+          <p:nvPr/>
+        </p:nvSpPr>
+        <p:spPr>
+          <a:xfrm>
+            <a:off x="5936581" y="2091534"/>
+            <a:ext cx="1745188" cy="461665"/>
+          </a:xfrm>
+          <a:prstGeom prst="rect">
+            <a:avLst/>
+          </a:prstGeom>
+          <a:noFill/>
+        </p:spPr>
+        <p:txBody>
+          <a:bodyPr wrap="square" rtlCol="0">
+            <a:spAutoFit/>
+          </a:bodyPr>
+          <a:lstStyle/>
+          <a:p>
+            <a:pPr algn="ctr"/>
+            <a:r>
+              <a:rPr lang="de-CH" sz="2400" b="1" dirty="0" err="1" smtClean="0"/>
+              <a:t>Document</a:t>
+            </a:r>
+            <a:endParaRPr lang="de-CH" sz="2400" b="1" dirty="0"/>
+          </a:p>
+        </p:txBody>
+      </p:sp>
+      <p:sp>
+        <p:nvSpPr>
+          <p:cNvPr id="8" name="Textfeld 7"/>
+          <p:cNvSpPr txBox="1"/>
+          <p:nvPr/>
+        </p:nvSpPr>
+        <p:spPr>
+          <a:xfrm>
+            <a:off x="932088" y="2408458"/>
+            <a:ext cx="594134" cy="1323439"/>
+          </a:xfrm>
+          <a:prstGeom prst="rect">
+            <a:avLst/>
+          </a:prstGeom>
+          <a:noFill/>
+        </p:spPr>
+        <p:txBody>
+          <a:bodyPr wrap="square" rtlCol="0">
+            <a:spAutoFit/>
+          </a:bodyPr>
+          <a:lstStyle/>
+          <a:p>
+            <a:pPr algn="ctr"/>
+            <a:r>
+              <a:rPr lang="de-CH" sz="8000" b="1" dirty="0" smtClean="0"/>
+              <a:t>+</a:t>
+            </a:r>
+            <a:endParaRPr lang="de-CH" sz="8000" b="1" dirty="0"/>
+          </a:p>
+        </p:txBody>
+      </p:sp>
+      <p:sp>
+        <p:nvSpPr>
+          <p:cNvPr id="9" name="Textfeld 8"/>
+          <p:cNvSpPr txBox="1"/>
+          <p:nvPr/>
+        </p:nvSpPr>
+        <p:spPr>
+          <a:xfrm>
+            <a:off x="620567" y="3628988"/>
+            <a:ext cx="1889940" cy="646331"/>
+          </a:xfrm>
+          <a:prstGeom prst="rect">
+            <a:avLst/>
+          </a:prstGeom>
+          <a:noFill/>
+        </p:spPr>
+        <p:txBody>
+          <a:bodyPr wrap="square" rtlCol="0">
+            <a:spAutoFit/>
+          </a:bodyPr>
+          <a:lstStyle/>
+          <a:p>
+            <a:pPr algn="ctr"/>
+            <a:r>
+              <a:rPr lang="de-CH" sz="2400" b="1" dirty="0" smtClean="0"/>
+              <a:t>&lt;Connect /&gt; </a:t>
+            </a:r>
+            <a:r>
+              <a:rPr lang="de-CH" sz="1200" b="1" dirty="0" smtClean="0"/>
+              <a:t>Arguments &amp; Settings</a:t>
+            </a:r>
+            <a:endParaRPr lang="de-CH" sz="1200" b="1" dirty="0"/>
+          </a:p>
+        </p:txBody>
+      </p:sp>
+      <p:sp>
+        <p:nvSpPr>
+          <p:cNvPr id="22" name="Pfeil nach rechts 21"/>
+          <p:cNvSpPr/>
+          <p:nvPr/>
+        </p:nvSpPr>
+        <p:spPr>
+          <a:xfrm>
+            <a:off x="2103633" y="2897905"/>
+            <a:ext cx="864169" cy="455248"/>
+          </a:xfrm>
+          <a:prstGeom prst="rightArrow">
+            <a:avLst>
+              <a:gd name="adj1" fmla="val 56542"/>
+              <a:gd name="adj2" fmla="val 63739"/>
+            </a:avLst>
+          </a:prstGeom>
+          <a:solidFill>
+            <a:srgbClr val="00A864"/>
+          </a:solidFill>
+          <a:ln>
+            <a:noFill/>
+          </a:ln>
+        </p:spPr>
+        <p:style>
+          <a:lnRef idx="2">
+            <a:schemeClr val="accent1">
+              <a:shade val="50000"/>
+            </a:schemeClr>
+          </a:lnRef>
+          <a:fillRef idx="1">
+            <a:schemeClr val="accent1"/>
+          </a:fillRef>
+          <a:effectRef idx="0">
+            <a:schemeClr val="accent1"/>
+          </a:effectRef>
+          <a:fontRef idx="minor">
+            <a:schemeClr val="lt1"/>
+          </a:fontRef>
+        </p:style>
+        <p:txBody>
+          <a:bodyPr rtlCol="0" anchor="ctr"/>
+          <a:lstStyle/>
+          <a:p>
+            <a:pPr algn="ctr"/>
+            <a:endParaRPr lang="de-CH"/>
+          </a:p>
+        </p:txBody>
+      </p:sp>
+      <p:sp>
+        <p:nvSpPr>
+          <p:cNvPr id="24" name="Pfeil nach rechts 23"/>
+          <p:cNvSpPr/>
+          <p:nvPr/>
+        </p:nvSpPr>
+        <p:spPr>
+          <a:xfrm>
+            <a:off x="5381007" y="2859202"/>
+            <a:ext cx="931080" cy="457200"/>
+          </a:xfrm>
+          <a:prstGeom prst="rightArrow">
+            <a:avLst>
+              <a:gd name="adj1" fmla="val 56542"/>
+              <a:gd name="adj2" fmla="val 63739"/>
+            </a:avLst>
+          </a:prstGeom>
+          <a:solidFill>
+            <a:srgbClr val="00A864"/>
+          </a:solidFill>
+          <a:ln>
+            <a:noFill/>
+          </a:ln>
+        </p:spPr>
+        <p:style>
+          <a:lnRef idx="2">
+            <a:schemeClr val="accent1">
+              <a:shade val="50000"/>
+            </a:schemeClr>
+          </a:lnRef>
+          <a:fillRef idx="1">
+            <a:schemeClr val="accent1"/>
+          </a:fillRef>
+          <a:effectRef idx="0">
+            <a:schemeClr val="accent1"/>
+          </a:effectRef>
+          <a:fontRef idx="minor">
+            <a:schemeClr val="lt1"/>
+          </a:fontRef>
+        </p:style>
+        <p:txBody>
+          <a:bodyPr rtlCol="0" anchor="ctr"/>
+          <a:lstStyle/>
+          <a:p>
+            <a:pPr algn="ctr"/>
+            <a:endParaRPr lang="de-CH"/>
+          </a:p>
+        </p:txBody>
+      </p:sp>
+      <p:sp>
+        <p:nvSpPr>
+          <p:cNvPr id="45" name="Pfeil nach rechts 44"/>
+          <p:cNvSpPr/>
+          <p:nvPr/>
+        </p:nvSpPr>
+        <p:spPr>
+          <a:xfrm>
+            <a:off x="9674894" y="2841577"/>
+            <a:ext cx="606491" cy="457200"/>
+          </a:xfrm>
+          <a:prstGeom prst="rightArrow">
+            <a:avLst>
+              <a:gd name="adj1" fmla="val 56542"/>
+              <a:gd name="adj2" fmla="val 63739"/>
+            </a:avLst>
+          </a:prstGeom>
+          <a:solidFill>
+            <a:srgbClr val="00A864"/>
+          </a:solidFill>
+          <a:ln>
+            <a:noFill/>
+          </a:ln>
+        </p:spPr>
+        <p:style>
+          <a:lnRef idx="2">
+            <a:schemeClr val="accent1">
+              <a:shade val="50000"/>
+            </a:schemeClr>
+          </a:lnRef>
+          <a:fillRef idx="1">
+            <a:schemeClr val="accent1"/>
+          </a:fillRef>
+          <a:effectRef idx="0">
+            <a:schemeClr val="accent1"/>
+          </a:effectRef>
+          <a:fontRef idx="minor">
+            <a:schemeClr val="lt1"/>
+          </a:fontRef>
+        </p:style>
+        <p:txBody>
+          <a:bodyPr rtlCol="0" anchor="ctr"/>
+          <a:lstStyle/>
+          <a:p>
+            <a:pPr algn="ctr"/>
+            <a:endParaRPr lang="de-CH"/>
+          </a:p>
+        </p:txBody>
+      </p:sp>
+      <p:sp>
+        <p:nvSpPr>
+          <p:cNvPr id="46" name="Pfeil nach rechts 45"/>
+          <p:cNvSpPr/>
+          <p:nvPr/>
+        </p:nvSpPr>
+        <p:spPr>
+          <a:xfrm>
+            <a:off x="7318918" y="2841577"/>
+            <a:ext cx="606491" cy="457200"/>
+          </a:xfrm>
+          <a:prstGeom prst="rightArrow">
+            <a:avLst>
+              <a:gd name="adj1" fmla="val 56542"/>
+              <a:gd name="adj2" fmla="val 63739"/>
+            </a:avLst>
+          </a:prstGeom>
+          <a:solidFill>
+            <a:srgbClr val="00A864"/>
+          </a:solidFill>
+          <a:ln>
+            <a:noFill/>
+          </a:ln>
+        </p:spPr>
+        <p:style>
+          <a:lnRef idx="2">
+            <a:schemeClr val="accent1">
+              <a:shade val="50000"/>
+            </a:schemeClr>
+          </a:lnRef>
+          <a:fillRef idx="1">
+            <a:schemeClr val="accent1"/>
+          </a:fillRef>
+          <a:effectRef idx="0">
+            <a:schemeClr val="accent1"/>
+          </a:effectRef>
+          <a:fontRef idx="minor">
+            <a:schemeClr val="lt1"/>
+          </a:fontRef>
+        </p:style>
+        <p:txBody>
+          <a:bodyPr rtlCol="0" anchor="ctr"/>
+          <a:lstStyle/>
+          <a:p>
+            <a:pPr algn="ctr"/>
+            <a:endParaRPr lang="de-CH"/>
+          </a:p>
+        </p:txBody>
+      </p:sp>
+      <p:grpSp>
+        <p:nvGrpSpPr>
+          <p:cNvPr id="47" name="Gruppieren 46"/>
+          <p:cNvGrpSpPr/>
+          <p:nvPr/>
+        </p:nvGrpSpPr>
+        <p:grpSpPr>
+          <a:xfrm>
+            <a:off x="8013910" y="2638097"/>
+            <a:ext cx="1558260" cy="869116"/>
+            <a:chOff x="3229505" y="2723912"/>
+            <a:chExt cx="4708385" cy="1296597"/>
+          </a:xfrm>
+        </p:grpSpPr>
+        <p:sp>
+          <p:nvSpPr>
+            <p:cNvPr id="48" name="Flussdiagramm: Gespeicherte Daten 47"/>
+            <p:cNvSpPr/>
+            <p:nvPr/>
+          </p:nvSpPr>
+          <p:spPr>
+            <a:xfrm>
+              <a:off x="3229505" y="2730811"/>
+              <a:ext cx="1089660" cy="1289698"/>
+            </a:xfrm>
+            <a:prstGeom prst="flowChartOnlineStorage">
+              <a:avLst/>
+            </a:prstGeom>
+            <a:solidFill>
+              <a:schemeClr val="bg2">
+                <a:lumMod val="75000"/>
+              </a:schemeClr>
+            </a:solidFill>
+            <a:ln>
+              <a:noFill/>
+            </a:ln>
+          </p:spPr>
+          <p:style>
+            <a:lnRef idx="2">
+              <a:schemeClr val="accent1">
+                <a:shade val="50000"/>
+              </a:schemeClr>
+            </a:lnRef>
+            <a:fillRef idx="1">
+              <a:schemeClr val="accent1"/>
+            </a:fillRef>
+            <a:effectRef idx="0">
+              <a:schemeClr val="accent1"/>
+            </a:effectRef>
+            <a:fontRef idx="minor">
+              <a:schemeClr val="lt1"/>
+            </a:fontRef>
+          </p:style>
+          <p:txBody>
+            <a:bodyPr rtlCol="0" anchor="ctr"/>
+            <a:lstStyle/>
+            <a:p>
+              <a:pPr algn="ctr"/>
+              <a:endParaRPr lang="de-CH"/>
+            </a:p>
+          </p:txBody>
+        </p:sp>
+        <p:sp>
+          <p:nvSpPr>
+            <p:cNvPr id="49" name="Flussdiagramm: Gespeicherte Daten 48"/>
+            <p:cNvSpPr/>
+            <p:nvPr/>
+          </p:nvSpPr>
+          <p:spPr>
+            <a:xfrm>
+              <a:off x="4304559" y="2730811"/>
+              <a:ext cx="1089660" cy="1289698"/>
+            </a:xfrm>
+            <a:prstGeom prst="flowChartOnlineStorage">
+              <a:avLst/>
+            </a:prstGeom>
+            <a:solidFill>
+              <a:schemeClr val="bg2">
+                <a:lumMod val="75000"/>
+              </a:schemeClr>
+            </a:solidFill>
+            <a:ln>
+              <a:noFill/>
+            </a:ln>
+          </p:spPr>
+          <p:style>
+            <a:lnRef idx="2">
+              <a:schemeClr val="accent1">
+                <a:shade val="50000"/>
+              </a:schemeClr>
+            </a:lnRef>
+            <a:fillRef idx="1">
+              <a:schemeClr val="accent1"/>
+            </a:fillRef>
+            <a:effectRef idx="0">
+              <a:schemeClr val="accent1"/>
+            </a:effectRef>
+            <a:fontRef idx="minor">
+              <a:schemeClr val="lt1"/>
+            </a:fontRef>
+          </p:style>
+          <p:txBody>
+            <a:bodyPr rtlCol="0" anchor="ctr"/>
+            <a:lstStyle/>
+            <a:p>
+              <a:pPr algn="ctr"/>
+              <a:endParaRPr lang="de-CH"/>
+            </a:p>
+          </p:txBody>
+        </p:sp>
+        <p:sp>
+          <p:nvSpPr>
+            <p:cNvPr id="50" name="Flussdiagramm: Gespeicherte Daten 49"/>
+            <p:cNvSpPr/>
+            <p:nvPr/>
+          </p:nvSpPr>
+          <p:spPr>
+            <a:xfrm>
+              <a:off x="5379612" y="2730811"/>
+              <a:ext cx="1089660" cy="1289698"/>
+            </a:xfrm>
+            <a:prstGeom prst="flowChartOnlineStorage">
+              <a:avLst/>
+            </a:prstGeom>
+            <a:solidFill>
+              <a:schemeClr val="bg2">
+                <a:lumMod val="75000"/>
+              </a:schemeClr>
+            </a:solidFill>
+            <a:ln>
+              <a:noFill/>
+            </a:ln>
+          </p:spPr>
+          <p:style>
+            <a:lnRef idx="2">
+              <a:schemeClr val="accent1">
+                <a:shade val="50000"/>
+              </a:schemeClr>
+            </a:lnRef>
+            <a:fillRef idx="1">
+              <a:schemeClr val="accent1"/>
+            </a:fillRef>
+            <a:effectRef idx="0">
+              <a:schemeClr val="accent1"/>
+            </a:effectRef>
+            <a:fontRef idx="minor">
+              <a:schemeClr val="lt1"/>
+            </a:fontRef>
+          </p:style>
+          <p:txBody>
+            <a:bodyPr rtlCol="0" anchor="ctr"/>
+            <a:lstStyle/>
+            <a:p>
+              <a:pPr algn="ctr"/>
+              <a:endParaRPr lang="de-CH"/>
+            </a:p>
+          </p:txBody>
+        </p:sp>
+        <p:sp>
+          <p:nvSpPr>
+            <p:cNvPr id="51" name="Flussdiagramm: Gespeicherte Daten 50"/>
+            <p:cNvSpPr/>
+            <p:nvPr/>
+          </p:nvSpPr>
+          <p:spPr>
+            <a:xfrm>
+              <a:off x="6469272" y="2723912"/>
+              <a:ext cx="1089660" cy="1289698"/>
+            </a:xfrm>
+            <a:prstGeom prst="flowChartOnlineStorage">
+              <a:avLst/>
+            </a:prstGeom>
+            <a:solidFill>
+              <a:schemeClr val="bg2">
+                <a:lumMod val="75000"/>
+              </a:schemeClr>
+            </a:solidFill>
+            <a:ln>
+              <a:noFill/>
+            </a:ln>
+          </p:spPr>
+          <p:style>
+            <a:lnRef idx="2">
+              <a:schemeClr val="accent1">
+                <a:shade val="50000"/>
+              </a:schemeClr>
+            </a:lnRef>
+            <a:fillRef idx="1">
+              <a:schemeClr val="accent1"/>
+            </a:fillRef>
+            <a:effectRef idx="0">
+              <a:schemeClr val="accent1"/>
+            </a:effectRef>
+            <a:fontRef idx="minor">
+              <a:schemeClr val="lt1"/>
+            </a:fontRef>
+          </p:style>
+          <p:txBody>
+            <a:bodyPr rtlCol="0" anchor="ctr"/>
+            <a:lstStyle/>
+            <a:p>
+              <a:pPr algn="ctr"/>
+              <a:endParaRPr lang="de-CH"/>
+            </a:p>
+          </p:txBody>
+        </p:sp>
+        <p:sp>
+          <p:nvSpPr>
+            <p:cNvPr id="52" name="Ellipse 51"/>
+            <p:cNvSpPr/>
+            <p:nvPr/>
+          </p:nvSpPr>
+          <p:spPr>
+            <a:xfrm>
+              <a:off x="7495025" y="2723912"/>
+              <a:ext cx="442865" cy="1289698"/>
+            </a:xfrm>
+            <a:prstGeom prst="ellipse">
+              <a:avLst/>
+            </a:prstGeom>
+            <a:solidFill>
+              <a:schemeClr val="bg2">
+                <a:lumMod val="75000"/>
+              </a:schemeClr>
+            </a:solidFill>
+            <a:ln>
+              <a:noFill/>
+            </a:ln>
+          </p:spPr>
+          <p:style>
+            <a:lnRef idx="2">
+              <a:schemeClr val="accent1">
+                <a:shade val="50000"/>
+              </a:schemeClr>
+            </a:lnRef>
+            <a:fillRef idx="1">
+              <a:schemeClr val="accent1"/>
+            </a:fillRef>
+            <a:effectRef idx="0">
+              <a:schemeClr val="accent1"/>
+            </a:effectRef>
+            <a:fontRef idx="minor">
+              <a:schemeClr val="lt1"/>
+            </a:fontRef>
+          </p:style>
+          <p:txBody>
+            <a:bodyPr rtlCol="0" anchor="ctr"/>
+            <a:lstStyle/>
+            <a:p>
+              <a:pPr algn="ctr"/>
+              <a:endParaRPr lang="de-CH"/>
+            </a:p>
+          </p:txBody>
+        </p:sp>
+      </p:grpSp>
+      <p:sp>
+        <p:nvSpPr>
+          <p:cNvPr id="53" name="Textfeld 52"/>
+          <p:cNvSpPr txBox="1"/>
+          <p:nvPr/>
+        </p:nvSpPr>
+        <p:spPr>
+          <a:xfrm>
+            <a:off x="7843804" y="2115162"/>
+            <a:ext cx="2124014" cy="400110"/>
+          </a:xfrm>
+          <a:prstGeom prst="rect">
+            <a:avLst/>
+          </a:prstGeom>
+          <a:noFill/>
+        </p:spPr>
+        <p:txBody>
+          <a:bodyPr wrap="square" rtlCol="0">
+            <a:spAutoFit/>
+          </a:bodyPr>
+          <a:lstStyle/>
+          <a:p>
+            <a:pPr algn="ctr"/>
+            <a:r>
+              <a:rPr lang="de-CH" sz="2000" b="1" dirty="0" err="1" smtClean="0"/>
+              <a:t>Commands</a:t>
+            </a:r>
+            <a:endParaRPr lang="de-CH" sz="2000" b="1" dirty="0"/>
+          </a:p>
+        </p:txBody>
+      </p:sp>
+      <p:sp>
+        <p:nvSpPr>
+          <p:cNvPr id="54" name="Geschweifte Klammer links 53"/>
+          <p:cNvSpPr/>
+          <p:nvPr/>
+        </p:nvSpPr>
+        <p:spPr>
+          <a:xfrm rot="16200000">
+            <a:off x="4039150" y="3808975"/>
+            <a:ext cx="270508" cy="2413204"/>
+          </a:xfrm>
+          <a:prstGeom prst="leftBrace">
+            <a:avLst>
+              <a:gd name="adj1" fmla="val 88836"/>
+              <a:gd name="adj2" fmla="val 50000"/>
+            </a:avLst>
+          </a:prstGeom>
+          <a:ln/>
+        </p:spPr>
+        <p:style>
+          <a:lnRef idx="1">
+            <a:schemeClr val="dk1"/>
+          </a:lnRef>
+          <a:fillRef idx="0">
+            <a:schemeClr val="dk1"/>
+          </a:fillRef>
+          <a:effectRef idx="0">
+            <a:schemeClr val="dk1"/>
+          </a:effectRef>
+          <a:fontRef idx="minor">
+            <a:schemeClr val="tx1"/>
+          </a:fontRef>
+        </p:style>
+        <p:txBody>
+          <a:bodyPr rtlCol="0" anchor="ctr"/>
+          <a:lstStyle/>
+          <a:p>
+            <a:pPr algn="ctr"/>
+            <a:endParaRPr lang="de-CH"/>
+          </a:p>
+        </p:txBody>
+      </p:sp>
+      <p:sp>
+        <p:nvSpPr>
+          <p:cNvPr id="55" name="Geschweifte Klammer links 54"/>
+          <p:cNvSpPr/>
+          <p:nvPr/>
+        </p:nvSpPr>
+        <p:spPr>
+          <a:xfrm rot="16200000">
+            <a:off x="8664898" y="4140833"/>
+            <a:ext cx="270508" cy="1749486"/>
+          </a:xfrm>
+          <a:prstGeom prst="leftBrace">
+            <a:avLst>
+              <a:gd name="adj1" fmla="val 88836"/>
+              <a:gd name="adj2" fmla="val 50000"/>
+            </a:avLst>
+          </a:prstGeom>
+          <a:ln>
+            <a:solidFill>
+              <a:schemeClr val="tx1"/>
+            </a:solidFill>
+          </a:ln>
+        </p:spPr>
+        <p:style>
+          <a:lnRef idx="1">
+            <a:schemeClr val="accent1"/>
+          </a:lnRef>
+          <a:fillRef idx="0">
+            <a:schemeClr val="accent1"/>
+          </a:fillRef>
+          <a:effectRef idx="0">
+            <a:schemeClr val="accent1"/>
+          </a:effectRef>
+          <a:fontRef idx="minor">
+            <a:schemeClr val="tx1"/>
+          </a:fontRef>
+        </p:style>
+        <p:txBody>
+          <a:bodyPr rtlCol="0" anchor="ctr"/>
+          <a:lstStyle/>
+          <a:p>
+            <a:pPr algn="ctr"/>
+            <a:endParaRPr lang="de-CH"/>
+          </a:p>
+        </p:txBody>
+      </p:sp>
+      <p:sp>
+        <p:nvSpPr>
+          <p:cNvPr id="56" name="Textfeld 55"/>
+          <p:cNvSpPr txBox="1"/>
+          <p:nvPr/>
+        </p:nvSpPr>
+        <p:spPr>
+          <a:xfrm>
+            <a:off x="2524867" y="5087859"/>
+            <a:ext cx="3321680" cy="523220"/>
+          </a:xfrm>
+          <a:prstGeom prst="rect">
+            <a:avLst/>
+          </a:prstGeom>
+          <a:noFill/>
+        </p:spPr>
+        <p:txBody>
+          <a:bodyPr wrap="square" rtlCol="0">
+            <a:spAutoFit/>
+          </a:bodyPr>
+          <a:lstStyle/>
+          <a:p>
+            <a:pPr algn="ctr"/>
+            <a:r>
+              <a:rPr lang="de-CH" sz="2800" b="1" dirty="0" smtClean="0"/>
+              <a:t>Processing</a:t>
+            </a:r>
+            <a:endParaRPr lang="de-CH" sz="2800" b="1" dirty="0"/>
+          </a:p>
+        </p:txBody>
+      </p:sp>
+      <p:sp>
+        <p:nvSpPr>
+          <p:cNvPr id="57" name="Textfeld 56"/>
+          <p:cNvSpPr txBox="1"/>
+          <p:nvPr/>
+        </p:nvSpPr>
+        <p:spPr>
+          <a:xfrm>
+            <a:off x="7337432" y="5084133"/>
+            <a:ext cx="2925440" cy="523220"/>
+          </a:xfrm>
+          <a:prstGeom prst="rect">
+            <a:avLst/>
+          </a:prstGeom>
+          <a:noFill/>
+        </p:spPr>
+        <p:txBody>
+          <a:bodyPr wrap="square" rtlCol="0">
+            <a:spAutoFit/>
+          </a:bodyPr>
+          <a:lstStyle/>
+          <a:p>
+            <a:pPr algn="ctr"/>
+            <a:r>
+              <a:rPr lang="de-CH" sz="2800" b="1" dirty="0" smtClean="0"/>
+              <a:t>Output</a:t>
+            </a:r>
+            <a:endParaRPr lang="de-CH" sz="2800" b="1" dirty="0"/>
+          </a:p>
+        </p:txBody>
+      </p:sp>
+      <p:grpSp>
+        <p:nvGrpSpPr>
+          <p:cNvPr id="23" name="Gruppieren 22"/>
+          <p:cNvGrpSpPr/>
+          <p:nvPr/>
+        </p:nvGrpSpPr>
+        <p:grpSpPr>
+          <a:xfrm>
+            <a:off x="3064839" y="2695595"/>
+            <a:ext cx="2218604" cy="869116"/>
+            <a:chOff x="3229505" y="2723912"/>
+            <a:chExt cx="4708385" cy="1296597"/>
+          </a:xfrm>
+        </p:grpSpPr>
+        <p:sp>
+          <p:nvSpPr>
+            <p:cNvPr id="15" name="Flussdiagramm: Gespeicherte Daten 14"/>
+            <p:cNvSpPr/>
+            <p:nvPr/>
+          </p:nvSpPr>
+          <p:spPr>
+            <a:xfrm>
+              <a:off x="3229505" y="2730811"/>
+              <a:ext cx="1089660" cy="1289698"/>
+            </a:xfrm>
+            <a:prstGeom prst="flowChartOnlineStorage">
+              <a:avLst/>
+            </a:prstGeom>
+            <a:solidFill>
+              <a:schemeClr val="bg2">
+                <a:lumMod val="75000"/>
+              </a:schemeClr>
+            </a:solidFill>
+            <a:ln>
+              <a:noFill/>
+            </a:ln>
+          </p:spPr>
+          <p:style>
+            <a:lnRef idx="2">
+              <a:schemeClr val="accent1">
+                <a:shade val="50000"/>
+              </a:schemeClr>
+            </a:lnRef>
+            <a:fillRef idx="1">
+              <a:schemeClr val="accent1"/>
+            </a:fillRef>
+            <a:effectRef idx="0">
+              <a:schemeClr val="accent1"/>
+            </a:effectRef>
+            <a:fontRef idx="minor">
+              <a:schemeClr val="lt1"/>
+            </a:fontRef>
+          </p:style>
+          <p:txBody>
+            <a:bodyPr rtlCol="0" anchor="ctr"/>
+            <a:lstStyle/>
+            <a:p>
+              <a:pPr algn="ctr"/>
+              <a:endParaRPr lang="de-CH"/>
+            </a:p>
+          </p:txBody>
+        </p:sp>
+        <p:sp>
+          <p:nvSpPr>
+            <p:cNvPr id="17" name="Flussdiagramm: Gespeicherte Daten 16"/>
+            <p:cNvSpPr/>
+            <p:nvPr/>
+          </p:nvSpPr>
+          <p:spPr>
+            <a:xfrm>
+              <a:off x="4304559" y="2730811"/>
+              <a:ext cx="1089660" cy="1289698"/>
+            </a:xfrm>
+            <a:prstGeom prst="flowChartOnlineStorage">
+              <a:avLst/>
+            </a:prstGeom>
+            <a:solidFill>
+              <a:schemeClr val="bg2">
+                <a:lumMod val="75000"/>
+              </a:schemeClr>
+            </a:solidFill>
+            <a:ln>
+              <a:noFill/>
+            </a:ln>
+          </p:spPr>
+          <p:style>
+            <a:lnRef idx="2">
+              <a:schemeClr val="accent1">
+                <a:shade val="50000"/>
+              </a:schemeClr>
+            </a:lnRef>
+            <a:fillRef idx="1">
+              <a:schemeClr val="accent1"/>
+            </a:fillRef>
+            <a:effectRef idx="0">
+              <a:schemeClr val="accent1"/>
+            </a:effectRef>
+            <a:fontRef idx="minor">
+              <a:schemeClr val="lt1"/>
+            </a:fontRef>
+          </p:style>
+          <p:txBody>
+            <a:bodyPr rtlCol="0" anchor="ctr"/>
+            <a:lstStyle/>
+            <a:p>
+              <a:pPr algn="ctr"/>
+              <a:endParaRPr lang="de-CH"/>
+            </a:p>
+          </p:txBody>
+        </p:sp>
+        <p:sp>
+          <p:nvSpPr>
+            <p:cNvPr id="18" name="Flussdiagramm: Gespeicherte Daten 17"/>
+            <p:cNvSpPr/>
+            <p:nvPr/>
+          </p:nvSpPr>
+          <p:spPr>
+            <a:xfrm>
+              <a:off x="5379612" y="2730811"/>
+              <a:ext cx="1089660" cy="1289698"/>
+            </a:xfrm>
+            <a:prstGeom prst="flowChartOnlineStorage">
+              <a:avLst/>
+            </a:prstGeom>
+            <a:solidFill>
+              <a:schemeClr val="bg2">
+                <a:lumMod val="75000"/>
+              </a:schemeClr>
+            </a:solidFill>
+            <a:ln>
+              <a:noFill/>
+            </a:ln>
+          </p:spPr>
+          <p:style>
+            <a:lnRef idx="2">
+              <a:schemeClr val="accent1">
+                <a:shade val="50000"/>
+              </a:schemeClr>
+            </a:lnRef>
+            <a:fillRef idx="1">
+              <a:schemeClr val="accent1"/>
+            </a:fillRef>
+            <a:effectRef idx="0">
+              <a:schemeClr val="accent1"/>
+            </a:effectRef>
+            <a:fontRef idx="minor">
+              <a:schemeClr val="lt1"/>
+            </a:fontRef>
+          </p:style>
+          <p:txBody>
+            <a:bodyPr rtlCol="0" anchor="ctr"/>
+            <a:lstStyle/>
+            <a:p>
+              <a:pPr algn="ctr"/>
+              <a:endParaRPr lang="de-CH"/>
+            </a:p>
+          </p:txBody>
+        </p:sp>
+        <p:sp>
+          <p:nvSpPr>
+            <p:cNvPr id="19" name="Flussdiagramm: Gespeicherte Daten 18"/>
+            <p:cNvSpPr/>
+            <p:nvPr/>
+          </p:nvSpPr>
+          <p:spPr>
+            <a:xfrm>
+              <a:off x="6469272" y="2723912"/>
+              <a:ext cx="1089660" cy="1289698"/>
+            </a:xfrm>
+            <a:prstGeom prst="flowChartOnlineStorage">
+              <a:avLst/>
+            </a:prstGeom>
+            <a:solidFill>
+              <a:schemeClr val="bg2">
+                <a:lumMod val="75000"/>
+              </a:schemeClr>
+            </a:solidFill>
+            <a:ln>
+              <a:noFill/>
+            </a:ln>
+          </p:spPr>
+          <p:style>
+            <a:lnRef idx="2">
+              <a:schemeClr val="accent1">
+                <a:shade val="50000"/>
+              </a:schemeClr>
+            </a:lnRef>
+            <a:fillRef idx="1">
+              <a:schemeClr val="accent1"/>
+            </a:fillRef>
+            <a:effectRef idx="0">
+              <a:schemeClr val="accent1"/>
+            </a:effectRef>
+            <a:fontRef idx="minor">
+              <a:schemeClr val="lt1"/>
+            </a:fontRef>
+          </p:style>
+          <p:txBody>
+            <a:bodyPr rtlCol="0" anchor="ctr"/>
+            <a:lstStyle/>
+            <a:p>
+              <a:pPr algn="ctr"/>
+              <a:endParaRPr lang="de-CH"/>
+            </a:p>
+          </p:txBody>
+        </p:sp>
+        <p:sp>
+          <p:nvSpPr>
+            <p:cNvPr id="20" name="Ellipse 19"/>
+            <p:cNvSpPr/>
+            <p:nvPr/>
+          </p:nvSpPr>
+          <p:spPr>
+            <a:xfrm>
+              <a:off x="7495025" y="2723912"/>
+              <a:ext cx="442865" cy="1289698"/>
+            </a:xfrm>
+            <a:prstGeom prst="ellipse">
+              <a:avLst/>
+            </a:prstGeom>
+            <a:solidFill>
+              <a:schemeClr val="bg2">
+                <a:lumMod val="75000"/>
+              </a:schemeClr>
+            </a:solidFill>
+            <a:ln>
+              <a:noFill/>
+            </a:ln>
+          </p:spPr>
+          <p:style>
+            <a:lnRef idx="2">
+              <a:schemeClr val="accent1">
+                <a:shade val="50000"/>
+              </a:schemeClr>
+            </a:lnRef>
+            <a:fillRef idx="1">
+              <a:schemeClr val="accent1"/>
+            </a:fillRef>
+            <a:effectRef idx="0">
+              <a:schemeClr val="accent1"/>
+            </a:effectRef>
+            <a:fontRef idx="minor">
+              <a:schemeClr val="lt1"/>
+            </a:fontRef>
+          </p:style>
+          <p:txBody>
+            <a:bodyPr rtlCol="0" anchor="ctr"/>
+            <a:lstStyle/>
+            <a:p>
+              <a:pPr algn="ctr"/>
+              <a:endParaRPr lang="de-CH"/>
+            </a:p>
+          </p:txBody>
+        </p:sp>
+      </p:grpSp>
+      <p:cxnSp>
+        <p:nvCxnSpPr>
+          <p:cNvPr id="40" name="Gerader Verbinder 39"/>
+          <p:cNvCxnSpPr/>
+          <p:nvPr/>
+        </p:nvCxnSpPr>
+        <p:spPr>
+          <a:xfrm>
+            <a:off x="3837377" y="3633631"/>
+            <a:ext cx="3800" cy="422239"/>
+          </a:xfrm>
+          <a:prstGeom prst="line">
+            <a:avLst/>
+          </a:prstGeom>
+          <a:ln>
+            <a:solidFill>
+              <a:schemeClr val="tx1"/>
+            </a:solidFill>
+          </a:ln>
+        </p:spPr>
+        <p:style>
+          <a:lnRef idx="1">
+            <a:schemeClr val="accent1"/>
+          </a:lnRef>
+          <a:fillRef idx="0">
+            <a:schemeClr val="accent1"/>
+          </a:fillRef>
+          <a:effectRef idx="0">
+            <a:schemeClr val="accent1"/>
+          </a:effectRef>
+          <a:fontRef idx="minor">
+            <a:schemeClr val="tx1"/>
+          </a:fontRef>
+        </p:style>
+      </p:cxnSp>
+      <p:cxnSp>
+        <p:nvCxnSpPr>
+          <p:cNvPr id="41" name="Gerader Verbinder 40"/>
+          <p:cNvCxnSpPr/>
+          <p:nvPr/>
+        </p:nvCxnSpPr>
+        <p:spPr>
+          <a:xfrm>
+            <a:off x="4843886" y="3633631"/>
+            <a:ext cx="3800" cy="422239"/>
+          </a:xfrm>
+          <a:prstGeom prst="line">
+            <a:avLst/>
+          </a:prstGeom>
+          <a:ln>
+            <a:solidFill>
+              <a:schemeClr val="tx1"/>
+            </a:solidFill>
+          </a:ln>
+        </p:spPr>
+        <p:style>
+          <a:lnRef idx="1">
+            <a:schemeClr val="accent1"/>
+          </a:lnRef>
+          <a:fillRef idx="0">
+            <a:schemeClr val="accent1"/>
+          </a:fillRef>
+          <a:effectRef idx="0">
+            <a:schemeClr val="accent1"/>
+          </a:effectRef>
+          <a:fontRef idx="minor">
+            <a:schemeClr val="tx1"/>
+          </a:fontRef>
+        </p:style>
+      </p:cxnSp>
+      <p:sp>
+        <p:nvSpPr>
+          <p:cNvPr id="44" name="Textfeld 43"/>
+          <p:cNvSpPr txBox="1"/>
+          <p:nvPr/>
+        </p:nvSpPr>
+        <p:spPr>
+          <a:xfrm>
+            <a:off x="3184796" y="4048813"/>
+            <a:ext cx="1312140" cy="261610"/>
+          </a:xfrm>
+          <a:prstGeom prst="rect">
+            <a:avLst/>
+          </a:prstGeom>
+          <a:noFill/>
+        </p:spPr>
+        <p:txBody>
+          <a:bodyPr wrap="square" rtlCol="0">
+            <a:spAutoFit/>
+          </a:bodyPr>
+          <a:lstStyle/>
+          <a:p>
+            <a:pPr algn="ctr"/>
+            <a:r>
+              <a:rPr lang="de-CH" sz="1100" dirty="0" err="1" smtClean="0"/>
+              <a:t>Snippets</a:t>
+            </a:r>
+            <a:endParaRPr lang="de-CH" sz="1200" dirty="0"/>
+          </a:p>
+        </p:txBody>
+      </p:sp>
+      <p:cxnSp>
+        <p:nvCxnSpPr>
+          <p:cNvPr id="58" name="Gerader Verbinder 57"/>
+          <p:cNvCxnSpPr/>
+          <p:nvPr/>
+        </p:nvCxnSpPr>
+        <p:spPr>
+          <a:xfrm>
+            <a:off x="3332142" y="3626825"/>
+            <a:ext cx="4823" cy="867117"/>
+          </a:xfrm>
+          <a:prstGeom prst="line">
+            <a:avLst/>
+          </a:prstGeom>
+          <a:ln>
+            <a:solidFill>
+              <a:schemeClr val="tx1"/>
+            </a:solidFill>
+          </a:ln>
+        </p:spPr>
+        <p:style>
+          <a:lnRef idx="1">
+            <a:schemeClr val="accent1"/>
+          </a:lnRef>
+          <a:fillRef idx="0">
+            <a:schemeClr val="accent1"/>
+          </a:fillRef>
+          <a:effectRef idx="0">
+            <a:schemeClr val="accent1"/>
+          </a:effectRef>
+          <a:fontRef idx="minor">
+            <a:schemeClr val="tx1"/>
+          </a:fontRef>
+        </p:style>
+      </p:cxnSp>
+      <p:sp>
+        <p:nvSpPr>
+          <p:cNvPr id="65" name="Textfeld 64"/>
+          <p:cNvSpPr txBox="1"/>
+          <p:nvPr/>
+        </p:nvSpPr>
+        <p:spPr>
+          <a:xfrm>
+            <a:off x="2615690" y="4488936"/>
+            <a:ext cx="1432904" cy="261610"/>
+          </a:xfrm>
+          <a:prstGeom prst="rect">
+            <a:avLst/>
+          </a:prstGeom>
+          <a:noFill/>
+        </p:spPr>
+        <p:txBody>
+          <a:bodyPr wrap="square" rtlCol="0">
+            <a:spAutoFit/>
+          </a:bodyPr>
+          <a:lstStyle/>
+          <a:p>
+            <a:pPr algn="ctr"/>
+            <a:r>
+              <a:rPr lang="de-CH" sz="1100" dirty="0" err="1" smtClean="0"/>
+              <a:t>DocumentParameter</a:t>
+            </a:r>
+            <a:endParaRPr lang="de-CH" sz="1100" dirty="0"/>
+          </a:p>
+        </p:txBody>
+      </p:sp>
+      <p:cxnSp>
+        <p:nvCxnSpPr>
+          <p:cNvPr id="68" name="Gerader Verbinder 67"/>
+          <p:cNvCxnSpPr/>
+          <p:nvPr/>
+        </p:nvCxnSpPr>
+        <p:spPr>
+          <a:xfrm>
+            <a:off x="4329671" y="3659944"/>
+            <a:ext cx="4823" cy="867117"/>
+          </a:xfrm>
+          <a:prstGeom prst="line">
+            <a:avLst/>
+          </a:prstGeom>
+          <a:ln>
+            <a:solidFill>
+              <a:schemeClr val="tx1"/>
+            </a:solidFill>
+          </a:ln>
+        </p:spPr>
+        <p:style>
+          <a:lnRef idx="1">
+            <a:schemeClr val="accent1"/>
+          </a:lnRef>
+          <a:fillRef idx="0">
+            <a:schemeClr val="accent1"/>
+          </a:fillRef>
+          <a:effectRef idx="0">
+            <a:schemeClr val="accent1"/>
+          </a:effectRef>
+          <a:fontRef idx="minor">
+            <a:schemeClr val="tx1"/>
+          </a:fontRef>
+        </p:style>
+      </p:cxnSp>
+      <p:sp>
+        <p:nvSpPr>
+          <p:cNvPr id="69" name="Textfeld 68"/>
+          <p:cNvSpPr txBox="1"/>
+          <p:nvPr/>
+        </p:nvSpPr>
+        <p:spPr>
+          <a:xfrm>
+            <a:off x="4545961" y="4009871"/>
+            <a:ext cx="595850" cy="261610"/>
+          </a:xfrm>
+          <a:prstGeom prst="rect">
+            <a:avLst/>
+          </a:prstGeom>
+          <a:noFill/>
+        </p:spPr>
+        <p:txBody>
+          <a:bodyPr wrap="square" rtlCol="0">
+            <a:spAutoFit/>
+          </a:bodyPr>
+          <a:lstStyle/>
+          <a:p>
+            <a:pPr algn="ctr"/>
+            <a:r>
+              <a:rPr lang="de-CH" sz="1100" dirty="0" smtClean="0"/>
+              <a:t>etc.</a:t>
+            </a:r>
+            <a:endParaRPr lang="de-CH" sz="1100" dirty="0"/>
+          </a:p>
+        </p:txBody>
+      </p:sp>
+      <p:sp>
+        <p:nvSpPr>
+          <p:cNvPr id="70" name="Textfeld 69"/>
+          <p:cNvSpPr txBox="1"/>
+          <p:nvPr/>
+        </p:nvSpPr>
+        <p:spPr>
+          <a:xfrm>
+            <a:off x="3673601" y="4488936"/>
+            <a:ext cx="1312140" cy="261610"/>
+          </a:xfrm>
+          <a:prstGeom prst="rect">
+            <a:avLst/>
+          </a:prstGeom>
+          <a:noFill/>
+        </p:spPr>
+        <p:txBody>
+          <a:bodyPr wrap="square" rtlCol="0">
+            <a:spAutoFit/>
+          </a:bodyPr>
+          <a:lstStyle/>
+          <a:p>
+            <a:pPr algn="ctr"/>
+            <a:r>
+              <a:rPr lang="de-CH" sz="1100" dirty="0" err="1" smtClean="0"/>
+              <a:t>Recipient</a:t>
+            </a:r>
+            <a:endParaRPr lang="de-CH" sz="1200" dirty="0" smtClean="0"/>
+          </a:p>
+        </p:txBody>
+      </p:sp>
+      <p:sp>
+        <p:nvSpPr>
+          <p:cNvPr id="60" name="Textfeld 59"/>
+          <p:cNvSpPr txBox="1"/>
+          <p:nvPr/>
+        </p:nvSpPr>
+        <p:spPr>
+          <a:xfrm>
+            <a:off x="2916189" y="2116972"/>
+            <a:ext cx="2606615" cy="400110"/>
+          </a:xfrm>
+          <a:prstGeom prst="rect">
+            <a:avLst/>
+          </a:prstGeom>
+          <a:noFill/>
+        </p:spPr>
+        <p:txBody>
+          <a:bodyPr wrap="square" rtlCol="0">
+            <a:spAutoFit/>
+          </a:bodyPr>
+          <a:lstStyle/>
+          <a:p>
+            <a:pPr algn="ctr"/>
+            <a:r>
+              <a:rPr lang="de-CH" sz="2000" b="1" dirty="0" err="1" smtClean="0"/>
+              <a:t>Document</a:t>
+            </a:r>
+            <a:r>
+              <a:rPr lang="de-CH" sz="2000" b="1" dirty="0" smtClean="0"/>
+              <a:t> </a:t>
+            </a:r>
+            <a:r>
+              <a:rPr lang="de-CH" sz="2000" b="1" dirty="0" err="1" smtClean="0"/>
+              <a:t>Functions</a:t>
+            </a:r>
+            <a:endParaRPr lang="de-CH" sz="2000" b="1" dirty="0"/>
+          </a:p>
+        </p:txBody>
+      </p:sp>
+      <p:pic>
+        <p:nvPicPr>
+          <p:cNvPr id="2" name="Grafik 1"/>
+          <p:cNvPicPr>
+            <a:picLocks noChangeAspect="1"/>
+          </p:cNvPicPr>
+          <p:nvPr/>
+        </p:nvPicPr>
+        <p:blipFill>
+          <a:blip r:embed="rId4" cstate="print">
+            <a:extLst>
+              <a:ext uri="{28A0092B-C50C-407E-A947-70E740481C1C}">
+                <a14:useLocalDpi xmlns:a14="http://schemas.microsoft.com/office/drawing/2010/main" val="0"/>
+              </a:ext>
+            </a:extLst>
+          </a:blip>
+          <a:stretch>
+            <a:fillRect/>
+          </a:stretch>
+        </p:blipFill>
+        <p:spPr>
+          <a:xfrm>
+            <a:off x="143351" y="3659944"/>
+            <a:ext cx="584421" cy="584421"/>
+          </a:xfrm>
+          <a:prstGeom prst="rect">
+            <a:avLst/>
+          </a:prstGeom>
+        </p:spPr>
+      </p:pic>
+      <p:sp>
+        <p:nvSpPr>
+          <p:cNvPr id="42" name="Textfeld 41"/>
+          <p:cNvSpPr txBox="1"/>
+          <p:nvPr/>
+        </p:nvSpPr>
+        <p:spPr>
+          <a:xfrm>
+            <a:off x="10129853" y="1684275"/>
+            <a:ext cx="1745188" cy="830997"/>
+          </a:xfrm>
+          <a:prstGeom prst="rect">
+            <a:avLst/>
+          </a:prstGeom>
+          <a:noFill/>
+        </p:spPr>
+        <p:txBody>
+          <a:bodyPr wrap="square" rtlCol="0">
+            <a:spAutoFit/>
+          </a:bodyPr>
+          <a:lstStyle/>
+          <a:p>
+            <a:pPr algn="ctr"/>
+            <a:r>
+              <a:rPr lang="de-CH" sz="2400" b="1" dirty="0" smtClean="0"/>
+              <a:t>Final </a:t>
+            </a:r>
+            <a:r>
+              <a:rPr lang="de-CH" sz="2400" b="1" dirty="0" err="1" smtClean="0"/>
+              <a:t>Document</a:t>
+            </a:r>
+            <a:endParaRPr lang="de-CH" sz="2400" b="1" dirty="0"/>
+          </a:p>
+        </p:txBody>
+      </p:sp>
+      <p:cxnSp>
+        <p:nvCxnSpPr>
+          <p:cNvPr id="43" name="Gerader Verbinder 42"/>
+          <p:cNvCxnSpPr/>
+          <p:nvPr/>
+        </p:nvCxnSpPr>
+        <p:spPr>
+          <a:xfrm>
+            <a:off x="8640286" y="3592734"/>
+            <a:ext cx="3800" cy="422239"/>
+          </a:xfrm>
+          <a:prstGeom prst="line">
+            <a:avLst/>
+          </a:prstGeom>
+          <a:ln>
+            <a:solidFill>
+              <a:schemeClr val="tx1"/>
+            </a:solidFill>
+          </a:ln>
+        </p:spPr>
+        <p:style>
+          <a:lnRef idx="1">
+            <a:schemeClr val="accent1"/>
+          </a:lnRef>
+          <a:fillRef idx="0">
+            <a:schemeClr val="accent1"/>
+          </a:fillRef>
+          <a:effectRef idx="0">
+            <a:schemeClr val="accent1"/>
+          </a:effectRef>
+          <a:fontRef idx="minor">
+            <a:schemeClr val="tx1"/>
+          </a:fontRef>
+        </p:style>
+      </p:cxnSp>
+      <p:sp>
+        <p:nvSpPr>
+          <p:cNvPr id="61" name="Textfeld 60"/>
+          <p:cNvSpPr txBox="1"/>
+          <p:nvPr/>
+        </p:nvSpPr>
+        <p:spPr>
+          <a:xfrm>
+            <a:off x="8013910" y="4009871"/>
+            <a:ext cx="1312140" cy="261610"/>
+          </a:xfrm>
+          <a:prstGeom prst="rect">
+            <a:avLst/>
+          </a:prstGeom>
+          <a:noFill/>
+        </p:spPr>
+        <p:txBody>
+          <a:bodyPr wrap="square" rtlCol="0">
+            <a:spAutoFit/>
+          </a:bodyPr>
+          <a:lstStyle/>
+          <a:p>
+            <a:pPr algn="ctr"/>
+            <a:r>
+              <a:rPr lang="de-CH" sz="1100" dirty="0" err="1" smtClean="0"/>
+              <a:t>SaveAs</a:t>
+            </a:r>
+            <a:endParaRPr lang="de-CH" sz="1200" dirty="0"/>
+          </a:p>
+        </p:txBody>
+      </p:sp>
+      <p:cxnSp>
+        <p:nvCxnSpPr>
+          <p:cNvPr id="62" name="Gerader Verbinder 61"/>
+          <p:cNvCxnSpPr/>
+          <p:nvPr/>
+        </p:nvCxnSpPr>
+        <p:spPr>
+          <a:xfrm>
+            <a:off x="8223690" y="3583056"/>
+            <a:ext cx="4823" cy="867117"/>
+          </a:xfrm>
+          <a:prstGeom prst="line">
+            <a:avLst/>
+          </a:prstGeom>
+          <a:ln>
+            <a:solidFill>
+              <a:schemeClr val="tx1"/>
+            </a:solidFill>
+          </a:ln>
+        </p:spPr>
+        <p:style>
+          <a:lnRef idx="1">
+            <a:schemeClr val="accent1"/>
+          </a:lnRef>
+          <a:fillRef idx="0">
+            <a:schemeClr val="accent1"/>
+          </a:fillRef>
+          <a:effectRef idx="0">
+            <a:schemeClr val="accent1"/>
+          </a:effectRef>
+          <a:fontRef idx="minor">
+            <a:schemeClr val="tx1"/>
+          </a:fontRef>
+        </p:style>
+      </p:cxnSp>
+      <p:sp>
+        <p:nvSpPr>
+          <p:cNvPr id="63" name="Textfeld 62"/>
+          <p:cNvSpPr txBox="1"/>
+          <p:nvPr/>
+        </p:nvSpPr>
+        <p:spPr>
+          <a:xfrm>
+            <a:off x="7507238" y="4445167"/>
+            <a:ext cx="1432904" cy="261610"/>
+          </a:xfrm>
+          <a:prstGeom prst="rect">
+            <a:avLst/>
+          </a:prstGeom>
+          <a:noFill/>
+        </p:spPr>
+        <p:txBody>
+          <a:bodyPr wrap="square" rtlCol="0">
+            <a:spAutoFit/>
+          </a:bodyPr>
+          <a:lstStyle/>
+          <a:p>
+            <a:pPr algn="ctr"/>
+            <a:r>
+              <a:rPr lang="de-CH" sz="1100" dirty="0" err="1" smtClean="0"/>
+              <a:t>ConvertToPdf</a:t>
+            </a:r>
+            <a:endParaRPr lang="de-CH" sz="1100" dirty="0"/>
+          </a:p>
+        </p:txBody>
+      </p:sp>
+      <p:cxnSp>
+        <p:nvCxnSpPr>
+          <p:cNvPr id="64" name="Gerader Verbinder 63"/>
+          <p:cNvCxnSpPr/>
+          <p:nvPr/>
+        </p:nvCxnSpPr>
+        <p:spPr>
+          <a:xfrm>
+            <a:off x="9221219" y="3616175"/>
+            <a:ext cx="4823" cy="867117"/>
+          </a:xfrm>
+          <a:prstGeom prst="line">
+            <a:avLst/>
+          </a:prstGeom>
+          <a:ln>
+            <a:solidFill>
+              <a:schemeClr val="tx1"/>
+            </a:solidFill>
+          </a:ln>
+        </p:spPr>
+        <p:style>
+          <a:lnRef idx="1">
+            <a:schemeClr val="accent1"/>
+          </a:lnRef>
+          <a:fillRef idx="0">
+            <a:schemeClr val="accent1"/>
+          </a:fillRef>
+          <a:effectRef idx="0">
+            <a:schemeClr val="accent1"/>
+          </a:effectRef>
+          <a:fontRef idx="minor">
+            <a:schemeClr val="tx1"/>
+          </a:fontRef>
+        </p:style>
+      </p:cxnSp>
+      <p:sp>
+        <p:nvSpPr>
+          <p:cNvPr id="67" name="Textfeld 66"/>
+          <p:cNvSpPr txBox="1"/>
+          <p:nvPr/>
+        </p:nvSpPr>
+        <p:spPr>
+          <a:xfrm>
+            <a:off x="8565149" y="4445167"/>
+            <a:ext cx="1312140" cy="261610"/>
+          </a:xfrm>
+          <a:prstGeom prst="rect">
+            <a:avLst/>
+          </a:prstGeom>
+          <a:noFill/>
+        </p:spPr>
+        <p:txBody>
+          <a:bodyPr wrap="square" rtlCol="0">
+            <a:spAutoFit/>
+          </a:bodyPr>
+          <a:lstStyle/>
+          <a:p>
+            <a:pPr algn="ctr"/>
+            <a:r>
+              <a:rPr lang="de-CH" sz="1100" dirty="0" smtClean="0"/>
+              <a:t>etc.</a:t>
+            </a:r>
+            <a:endParaRPr lang="de-CH" sz="1200" dirty="0" smtClean="0"/>
+          </a:p>
+        </p:txBody>
+      </p:sp>
+      <p:pic>
+        <p:nvPicPr>
+          <p:cNvPr id="71" name="Grafik 70"/>
+          <p:cNvPicPr>
+            <a:picLocks noChangeAspect="1"/>
+          </p:cNvPicPr>
+          <p:nvPr/>
+        </p:nvPicPr>
+        <p:blipFill>
+          <a:blip r:embed="rId3" cstate="print">
+            <a:extLst>
+              <a:ext uri="{28A0092B-C50C-407E-A947-70E740481C1C}">
+                <a14:useLocalDpi xmlns:a14="http://schemas.microsoft.com/office/drawing/2010/main" val="0"/>
+              </a:ext>
+            </a:extLst>
+          </a:blip>
+          <a:stretch>
+            <a:fillRect/>
+          </a:stretch>
+        </p:blipFill>
+        <p:spPr>
+          <a:xfrm>
+            <a:off x="10355665" y="2558208"/>
+            <a:ext cx="1073076" cy="1073076"/>
+          </a:xfrm>
+          <a:prstGeom prst="rect">
+            <a:avLst/>
+          </a:prstGeom>
+        </p:spPr>
+      </p:pic>
+    </p:spTree>
+    <p:extLst>
+      <p:ext uri="{BB962C8B-B14F-4D97-AF65-F5344CB8AC3E}">
+        <p14:creationId xmlns:p14="http://schemas.microsoft.com/office/powerpoint/2010/main" val="3146049768"/>
+      </p:ext>
+    </p:extLst>
+  </p:cSld>
+  <p:clrMapOvr>
+    <a:masterClrMapping/>
+  </p:clrMapOvr>
+  <p:timing>
+    <p:tnLst>
+      <p:par>
+        <p:cTn id="1" dur="indefinite" restart="never" nodeType="tmRoot"/>
+      </p:par>
+    </p:tnLst>
+  </p:timing>
+</p:sld>
+</file>
+
+<file path=ppt/slides/slide11.xml><?xml version="1.0" encoding="utf-8"?>
+<p:sld xmlns:a="http://schemas.openxmlformats.org/drawingml/2006/main" xmlns:r="http://schemas.openxmlformats.org/officeDocument/2006/relationships" xmlns:p="http://schemas.openxmlformats.org/presentationml/2006/main">
+  <p:cSld>
+    <p:spTree>
+      <p:nvGrpSpPr>
+        <p:cNvPr id="1" name=""/>
+        <p:cNvGrpSpPr/>
+        <p:nvPr/>
+      </p:nvGrpSpPr>
+      <p:grpSpPr>
+        <a:xfrm>
+          <a:off x="0" y="0"/>
+          <a:ext cx="0" cy="0"/>
+          <a:chOff x="0" y="0"/>
+          <a:chExt cx="0" cy="0"/>
+        </a:xfrm>
+      </p:grpSpPr>
+      <p:sp>
+        <p:nvSpPr>
+          <p:cNvPr id="2" name="Titel 1"/>
+          <p:cNvSpPr>
+            <a:spLocks noGrp="1"/>
+          </p:cNvSpPr>
+          <p:nvPr>
+            <p:ph type="title"/>
+          </p:nvPr>
+        </p:nvSpPr>
+        <p:spPr/>
+        <p:txBody>
+          <a:bodyPr/>
+          <a:lstStyle/>
+          <a:p>
+            <a:r>
+              <a:rPr lang="de-CH" dirty="0" smtClean="0"/>
+              <a:t>Engine - </a:t>
+            </a:r>
+            <a:r>
+              <a:rPr lang="de-CH" dirty="0" err="1" smtClean="0"/>
+              <a:t>Layouting</a:t>
+            </a:r>
+            <a:endParaRPr lang="de-CH" dirty="0"/>
+          </a:p>
+        </p:txBody>
+      </p:sp>
+      <p:sp>
+        <p:nvSpPr>
+          <p:cNvPr id="3" name="Inhaltsplatzhalter 2"/>
+          <p:cNvSpPr>
+            <a:spLocks noGrp="1"/>
+          </p:cNvSpPr>
+          <p:nvPr>
+            <p:ph idx="1"/>
+          </p:nvPr>
+        </p:nvSpPr>
+        <p:spPr/>
+        <p:txBody>
+          <a:bodyPr/>
+          <a:lstStyle/>
+          <a:p>
+            <a:endParaRPr lang="de-CH"/>
+          </a:p>
+        </p:txBody>
+      </p:sp>
+    </p:spTree>
+    <p:extLst>
+      <p:ext uri="{BB962C8B-B14F-4D97-AF65-F5344CB8AC3E}">
+        <p14:creationId xmlns:p14="http://schemas.microsoft.com/office/powerpoint/2010/main" val="1950756667"/>
+      </p:ext>
+    </p:extLst>
+  </p:cSld>
+  <p:clrMapOvr>
+    <a:masterClrMapping/>
+  </p:clrMapOvr>
+  <p:timing>
+    <p:tnLst>
+      <p:par>
+        <p:cTn id="1" dur="indefinite" restart="never" nodeType="tmRoot"/>
+      </p:par>
+    </p:tnLst>
+  </p:timing>
+</p:sld>
+</file>
+
+<file path=ppt/slides/slide12.xml><?xml version="1.0" encoding="utf-8"?>
+<p:sld xmlns:a="http://schemas.openxmlformats.org/drawingml/2006/main" xmlns:r="http://schemas.openxmlformats.org/officeDocument/2006/relationships" xmlns:p="http://schemas.openxmlformats.org/presentationml/2006/main">
+  <p:cSld>
+    <p:spTree>
+      <p:nvGrpSpPr>
+        <p:cNvPr id="1" name=""/>
+        <p:cNvGrpSpPr/>
+        <p:nvPr/>
+      </p:nvGrpSpPr>
+      <p:grpSpPr>
+        <a:xfrm>
+          <a:off x="0" y="0"/>
+          <a:ext cx="0" cy="0"/>
+          <a:chOff x="0" y="0"/>
+          <a:chExt cx="0" cy="0"/>
+        </a:xfrm>
+      </p:grpSpPr>
+      <p:sp>
+        <p:nvSpPr>
+          <p:cNvPr id="34" name="Textfeld 33"/>
+          <p:cNvSpPr txBox="1"/>
+          <p:nvPr/>
+        </p:nvSpPr>
+        <p:spPr>
+          <a:xfrm>
+            <a:off x="4334185" y="93104"/>
+            <a:ext cx="7769762" cy="400110"/>
+          </a:xfrm>
+          <a:prstGeom prst="rect">
+            <a:avLst/>
+          </a:prstGeom>
+          <a:solidFill>
+            <a:schemeClr val="bg2">
+              <a:lumMod val="75000"/>
+              <a:alpha val="38000"/>
+            </a:schemeClr>
+          </a:solidFill>
+        </p:spPr>
+        <p:txBody>
+          <a:bodyPr wrap="square" rtlCol="0">
+            <a:spAutoFit/>
+          </a:bodyPr>
+          <a:lstStyle/>
+          <a:p>
+            <a:pPr algn="ctr"/>
+            <a:r>
+              <a:rPr lang="de-CH" sz="2000" dirty="0" smtClean="0"/>
+              <a:t>Global </a:t>
+            </a:r>
+            <a:r>
+              <a:rPr lang="de-CH" sz="2000" dirty="0" err="1" smtClean="0"/>
+              <a:t>Configuration</a:t>
+            </a:r>
+            <a:endParaRPr lang="de-CH" sz="2000" dirty="0"/>
+          </a:p>
+        </p:txBody>
+      </p:sp>
+      <p:grpSp>
+        <p:nvGrpSpPr>
+          <p:cNvPr id="51" name="Gruppieren 50"/>
+          <p:cNvGrpSpPr/>
+          <p:nvPr/>
+        </p:nvGrpSpPr>
+        <p:grpSpPr>
+          <a:xfrm>
+            <a:off x="796529" y="93104"/>
+            <a:ext cx="11307418" cy="6163850"/>
+            <a:chOff x="1002929" y="108992"/>
+            <a:chExt cx="12428634" cy="6775048"/>
+          </a:xfrm>
+        </p:grpSpPr>
+        <p:sp>
+          <p:nvSpPr>
+            <p:cNvPr id="21" name="Textfeld 20"/>
+            <p:cNvSpPr txBox="1"/>
+            <p:nvPr/>
+          </p:nvSpPr>
+          <p:spPr>
+            <a:xfrm>
+              <a:off x="2306358" y="471137"/>
+              <a:ext cx="2691601" cy="778079"/>
+            </a:xfrm>
+            <a:prstGeom prst="rect">
+              <a:avLst/>
+            </a:prstGeom>
+            <a:noFill/>
+          </p:spPr>
+          <p:txBody>
+            <a:bodyPr wrap="square" rtlCol="0">
+              <a:spAutoFit/>
+            </a:bodyPr>
+            <a:lstStyle/>
+            <a:p>
+              <a:r>
+                <a:rPr lang="de-CH" sz="2400" b="1" dirty="0" smtClean="0"/>
+                <a:t>Style</a:t>
+              </a:r>
+            </a:p>
+            <a:p>
+              <a:r>
+                <a:rPr lang="de-CH" sz="1600" dirty="0" smtClean="0"/>
+                <a:t>Fonts &amp; </a:t>
+              </a:r>
+              <a:r>
+                <a:rPr lang="de-CH" sz="1600" dirty="0" err="1" smtClean="0"/>
+                <a:t>Formatting</a:t>
+              </a:r>
+              <a:endParaRPr lang="de-CH" sz="1600" dirty="0"/>
+            </a:p>
+          </p:txBody>
+        </p:sp>
+        <p:sp>
+          <p:nvSpPr>
+            <p:cNvPr id="22" name="Textfeld 21"/>
+            <p:cNvSpPr txBox="1"/>
+            <p:nvPr/>
+          </p:nvSpPr>
+          <p:spPr>
+            <a:xfrm>
+              <a:off x="3802705" y="1671205"/>
+              <a:ext cx="2390507" cy="778079"/>
+            </a:xfrm>
+            <a:prstGeom prst="rect">
+              <a:avLst/>
+            </a:prstGeom>
+            <a:noFill/>
+          </p:spPr>
+          <p:txBody>
+            <a:bodyPr wrap="square" rtlCol="0">
+              <a:spAutoFit/>
+            </a:bodyPr>
+            <a:lstStyle/>
+            <a:p>
+              <a:r>
+                <a:rPr lang="de-CH" sz="2400" b="1" dirty="0" smtClean="0"/>
+                <a:t>Format</a:t>
+              </a:r>
+            </a:p>
+            <a:p>
+              <a:r>
+                <a:rPr lang="de-CH" sz="1600" dirty="0" smtClean="0"/>
+                <a:t>Header &amp; </a:t>
+              </a:r>
+              <a:r>
+                <a:rPr lang="de-CH" sz="1600" dirty="0" err="1" smtClean="0"/>
+                <a:t>Footer</a:t>
+              </a:r>
+              <a:endParaRPr lang="de-CH" sz="1600" dirty="0"/>
+            </a:p>
+          </p:txBody>
+        </p:sp>
+        <p:sp>
+          <p:nvSpPr>
+            <p:cNvPr id="23" name="Textfeld 22"/>
+            <p:cNvSpPr txBox="1"/>
+            <p:nvPr/>
+          </p:nvSpPr>
+          <p:spPr>
+            <a:xfrm>
+              <a:off x="5586631" y="3162327"/>
+              <a:ext cx="2319270" cy="778078"/>
+            </a:xfrm>
+            <a:prstGeom prst="rect">
+              <a:avLst/>
+            </a:prstGeom>
+            <a:noFill/>
+          </p:spPr>
+          <p:txBody>
+            <a:bodyPr wrap="square" rtlCol="0">
+              <a:spAutoFit/>
+            </a:bodyPr>
+            <a:lstStyle/>
+            <a:p>
+              <a:r>
+                <a:rPr lang="de-CH" sz="2400" b="1" dirty="0" smtClean="0"/>
+                <a:t>Template</a:t>
+              </a:r>
+            </a:p>
+            <a:p>
+              <a:r>
+                <a:rPr lang="de-CH" sz="1600" dirty="0" smtClean="0"/>
+                <a:t>Main </a:t>
+              </a:r>
+              <a:r>
+                <a:rPr lang="de-CH" sz="1600" dirty="0" err="1" smtClean="0"/>
+                <a:t>content</a:t>
+              </a:r>
+              <a:endParaRPr lang="de-CH" sz="1600" dirty="0"/>
+            </a:p>
+          </p:txBody>
+        </p:sp>
+        <p:sp>
+          <p:nvSpPr>
+            <p:cNvPr id="24" name="Textfeld 23"/>
+            <p:cNvSpPr txBox="1"/>
+            <p:nvPr/>
+          </p:nvSpPr>
+          <p:spPr>
+            <a:xfrm>
+              <a:off x="8494917" y="6105962"/>
+              <a:ext cx="2822829" cy="778078"/>
+            </a:xfrm>
+            <a:prstGeom prst="rect">
+              <a:avLst/>
+            </a:prstGeom>
+            <a:noFill/>
+          </p:spPr>
+          <p:txBody>
+            <a:bodyPr wrap="square" rtlCol="0">
+              <a:spAutoFit/>
+            </a:bodyPr>
+            <a:lstStyle/>
+            <a:p>
+              <a:r>
+                <a:rPr lang="de-CH" sz="4000" b="1" dirty="0" err="1" smtClean="0"/>
+                <a:t>Document</a:t>
+              </a:r>
+              <a:endParaRPr lang="de-CH" sz="4000" b="1" dirty="0"/>
+            </a:p>
+          </p:txBody>
+        </p:sp>
+        <p:sp>
+          <p:nvSpPr>
+            <p:cNvPr id="25" name="Nach oben gebogener Pfeil 24"/>
+            <p:cNvSpPr/>
+            <p:nvPr/>
+          </p:nvSpPr>
+          <p:spPr>
+            <a:xfrm rot="5400000">
+              <a:off x="1580431" y="1506654"/>
+              <a:ext cx="708879" cy="910492"/>
+            </a:xfrm>
+            <a:prstGeom prst="bentUpArrow">
+              <a:avLst>
+                <a:gd name="adj1" fmla="val 18327"/>
+                <a:gd name="adj2" fmla="val 18693"/>
+                <a:gd name="adj3" fmla="val 33011"/>
+              </a:avLst>
+            </a:prstGeom>
+            <a:solidFill>
+              <a:srgbClr val="00A864"/>
+            </a:solidFill>
+            <a:ln>
+              <a:noFill/>
+            </a:ln>
+          </p:spPr>
+          <p:style>
+            <a:lnRef idx="2">
+              <a:schemeClr val="accent1">
+                <a:shade val="50000"/>
+              </a:schemeClr>
+            </a:lnRef>
+            <a:fillRef idx="1">
+              <a:schemeClr val="accent1"/>
+            </a:fillRef>
+            <a:effectRef idx="0">
+              <a:schemeClr val="accent1"/>
+            </a:effectRef>
+            <a:fontRef idx="minor">
+              <a:schemeClr val="lt1"/>
+            </a:fontRef>
+          </p:style>
+          <p:txBody>
+            <a:bodyPr rtlCol="0" anchor="ctr"/>
+            <a:lstStyle/>
+            <a:p>
+              <a:pPr algn="ctr"/>
+              <a:endParaRPr lang="de-CH"/>
+            </a:p>
+          </p:txBody>
+        </p:sp>
+        <p:sp>
+          <p:nvSpPr>
+            <p:cNvPr id="36" name="Textfeld 35"/>
+            <p:cNvSpPr txBox="1"/>
+            <p:nvPr/>
+          </p:nvSpPr>
+          <p:spPr>
+            <a:xfrm>
+              <a:off x="4906659" y="588412"/>
+              <a:ext cx="1684246" cy="507442"/>
+            </a:xfrm>
+            <a:prstGeom prst="rect">
+              <a:avLst/>
+            </a:prstGeom>
+            <a:solidFill>
+              <a:srgbClr val="00ADEA">
+                <a:alpha val="13000"/>
+              </a:srgbClr>
+            </a:solidFill>
+          </p:spPr>
+          <p:txBody>
+            <a:bodyPr wrap="square" lIns="0" rIns="0" rtlCol="0">
+              <a:spAutoFit/>
+            </a:bodyPr>
+            <a:lstStyle/>
+            <a:p>
+              <a:pPr algn="ctr"/>
+              <a:r>
+                <a:rPr lang="de-CH" sz="2400" dirty="0" smtClean="0">
+                  <a:solidFill>
+                    <a:srgbClr val="3381C7"/>
+                  </a:solidFill>
+                </a:rPr>
+                <a:t>Doc </a:t>
+              </a:r>
+              <a:r>
+                <a:rPr lang="de-CH" sz="2400" dirty="0" err="1" smtClean="0">
+                  <a:solidFill>
+                    <a:srgbClr val="3381C7"/>
+                  </a:solidFill>
+                </a:rPr>
+                <a:t>Func</a:t>
+              </a:r>
+              <a:r>
+                <a:rPr lang="de-CH" sz="2400" dirty="0" smtClean="0">
+                  <a:solidFill>
+                    <a:srgbClr val="3381C7"/>
+                  </a:solidFill>
+                </a:rPr>
+                <a:t> A</a:t>
+              </a:r>
+              <a:endParaRPr lang="de-CH" sz="2400" dirty="0">
+                <a:solidFill>
+                  <a:srgbClr val="3381C7"/>
+                </a:solidFill>
+              </a:endParaRPr>
+            </a:p>
+          </p:txBody>
+        </p:sp>
+        <p:sp>
+          <p:nvSpPr>
+            <p:cNvPr id="37" name="Textfeld 36"/>
+            <p:cNvSpPr txBox="1"/>
+            <p:nvPr/>
+          </p:nvSpPr>
+          <p:spPr>
+            <a:xfrm>
+              <a:off x="8199613" y="3237205"/>
+              <a:ext cx="1706718" cy="507442"/>
+            </a:xfrm>
+            <a:prstGeom prst="rect">
+              <a:avLst/>
+            </a:prstGeom>
+            <a:solidFill>
+              <a:srgbClr val="00ADEA">
+                <a:alpha val="13000"/>
+              </a:srgbClr>
+            </a:solidFill>
+          </p:spPr>
+          <p:txBody>
+            <a:bodyPr wrap="square" lIns="0" rIns="0" rtlCol="0">
+              <a:spAutoFit/>
+            </a:bodyPr>
+            <a:lstStyle/>
+            <a:p>
+              <a:pPr algn="ctr"/>
+              <a:r>
+                <a:rPr lang="de-CH" sz="2400" dirty="0" smtClean="0">
+                  <a:solidFill>
+                    <a:srgbClr val="3381C7"/>
+                  </a:solidFill>
+                </a:rPr>
+                <a:t>Doc </a:t>
+              </a:r>
+              <a:r>
+                <a:rPr lang="de-CH" sz="2400" dirty="0" err="1" smtClean="0">
+                  <a:solidFill>
+                    <a:srgbClr val="3381C7"/>
+                  </a:solidFill>
+                </a:rPr>
+                <a:t>Func</a:t>
+              </a:r>
+              <a:r>
+                <a:rPr lang="de-CH" sz="2400" dirty="0" smtClean="0">
+                  <a:solidFill>
+                    <a:srgbClr val="3381C7"/>
+                  </a:solidFill>
+                </a:rPr>
+                <a:t> D</a:t>
+              </a:r>
+              <a:endParaRPr lang="de-CH" sz="2400" dirty="0">
+                <a:solidFill>
+                  <a:srgbClr val="3381C7"/>
+                </a:solidFill>
+              </a:endParaRPr>
+            </a:p>
+          </p:txBody>
+        </p:sp>
+        <p:sp>
+          <p:nvSpPr>
+            <p:cNvPr id="38" name="Textfeld 37"/>
+            <p:cNvSpPr txBox="1"/>
+            <p:nvPr/>
+          </p:nvSpPr>
+          <p:spPr>
+            <a:xfrm>
+              <a:off x="6291019" y="1808898"/>
+              <a:ext cx="2047895" cy="507442"/>
+            </a:xfrm>
+            <a:prstGeom prst="rect">
+              <a:avLst/>
+            </a:prstGeom>
+            <a:solidFill>
+              <a:srgbClr val="00ADEA">
+                <a:alpha val="13000"/>
+              </a:srgbClr>
+            </a:solidFill>
+          </p:spPr>
+          <p:txBody>
+            <a:bodyPr wrap="square" lIns="0" rIns="0" rtlCol="0">
+              <a:spAutoFit/>
+            </a:bodyPr>
+            <a:lstStyle/>
+            <a:p>
+              <a:pPr algn="ctr"/>
+              <a:r>
+                <a:rPr lang="de-CH" sz="2400" dirty="0" smtClean="0">
+                  <a:solidFill>
+                    <a:srgbClr val="3381C7"/>
+                  </a:solidFill>
+                </a:rPr>
+                <a:t>Doc </a:t>
+              </a:r>
+              <a:r>
+                <a:rPr lang="de-CH" sz="2400" dirty="0" err="1" smtClean="0">
+                  <a:solidFill>
+                    <a:srgbClr val="3381C7"/>
+                  </a:solidFill>
+                </a:rPr>
+                <a:t>Func</a:t>
+              </a:r>
+              <a:r>
+                <a:rPr lang="de-CH" sz="2400" dirty="0" smtClean="0">
+                  <a:solidFill>
+                    <a:srgbClr val="3381C7"/>
+                  </a:solidFill>
+                </a:rPr>
+                <a:t> B, C</a:t>
+              </a:r>
+              <a:endParaRPr lang="de-CH" sz="2400" dirty="0">
+                <a:solidFill>
+                  <a:srgbClr val="3381C7"/>
+                </a:solidFill>
+              </a:endParaRPr>
+            </a:p>
+          </p:txBody>
+        </p:sp>
+        <p:sp>
+          <p:nvSpPr>
+            <p:cNvPr id="39" name="Textfeld 38"/>
+            <p:cNvSpPr txBox="1"/>
+            <p:nvPr/>
+          </p:nvSpPr>
+          <p:spPr>
+            <a:xfrm>
+              <a:off x="11717847" y="6249688"/>
+              <a:ext cx="1713716" cy="507443"/>
+            </a:xfrm>
+            <a:prstGeom prst="rect">
+              <a:avLst/>
+            </a:prstGeom>
+            <a:solidFill>
+              <a:srgbClr val="00ADEA">
+                <a:alpha val="13000"/>
+              </a:srgbClr>
+            </a:solidFill>
+          </p:spPr>
+          <p:txBody>
+            <a:bodyPr wrap="square" lIns="0" rIns="0" rtlCol="0">
+              <a:spAutoFit/>
+            </a:bodyPr>
+            <a:lstStyle/>
+            <a:p>
+              <a:pPr algn="ctr"/>
+              <a:r>
+                <a:rPr lang="de-CH" sz="2400" dirty="0" smtClean="0">
+                  <a:solidFill>
+                    <a:srgbClr val="3381C7"/>
+                  </a:solidFill>
+                </a:rPr>
+                <a:t>A, B, C, D, E</a:t>
+              </a:r>
+            </a:p>
+          </p:txBody>
+        </p:sp>
+        <p:sp>
+          <p:nvSpPr>
+            <p:cNvPr id="29" name="Textfeld 28"/>
+            <p:cNvSpPr txBox="1"/>
+            <p:nvPr/>
+          </p:nvSpPr>
+          <p:spPr>
+            <a:xfrm>
+              <a:off x="11181823" y="6249688"/>
+              <a:ext cx="536024" cy="507443"/>
+            </a:xfrm>
+            <a:prstGeom prst="rect">
+              <a:avLst/>
+            </a:prstGeom>
+            <a:solidFill>
+              <a:schemeClr val="bg2">
+                <a:lumMod val="75000"/>
+                <a:alpha val="38000"/>
+              </a:schemeClr>
+            </a:solidFill>
+          </p:spPr>
+          <p:txBody>
+            <a:bodyPr wrap="square" lIns="0" rIns="0" rtlCol="0">
+              <a:spAutoFit/>
+            </a:bodyPr>
+            <a:lstStyle/>
+            <a:p>
+              <a:pPr algn="ctr"/>
+              <a:r>
+                <a:rPr lang="de-CH" sz="2400" dirty="0" smtClean="0"/>
+                <a:t>GC</a:t>
+              </a:r>
+              <a:endParaRPr lang="de-CH" sz="2400" dirty="0"/>
+            </a:p>
+          </p:txBody>
+        </p:sp>
+        <p:pic>
+          <p:nvPicPr>
+            <p:cNvPr id="30" name="Grafik 29"/>
+            <p:cNvPicPr>
+              <a:picLocks noChangeAspect="1"/>
+            </p:cNvPicPr>
+            <p:nvPr/>
+          </p:nvPicPr>
+          <p:blipFill rotWithShape="1">
+            <a:blip r:embed="rId2"/>
+            <a:srcRect r="25566"/>
+            <a:stretch/>
+          </p:blipFill>
+          <p:spPr>
+            <a:xfrm>
+              <a:off x="1002929" y="108992"/>
+              <a:ext cx="1041785" cy="1466282"/>
+            </a:xfrm>
+            <a:prstGeom prst="rect">
+              <a:avLst/>
+            </a:prstGeom>
+          </p:spPr>
+        </p:pic>
+        <p:sp>
+          <p:nvSpPr>
+            <p:cNvPr id="46" name="Nach oben gebogener Pfeil 45"/>
+            <p:cNvSpPr/>
+            <p:nvPr/>
+          </p:nvSpPr>
+          <p:spPr>
+            <a:xfrm rot="5400000">
+              <a:off x="6274048" y="5751872"/>
+              <a:ext cx="944437" cy="910493"/>
+            </a:xfrm>
+            <a:prstGeom prst="bentUpArrow">
+              <a:avLst>
+                <a:gd name="adj1" fmla="val 19120"/>
+                <a:gd name="adj2" fmla="val 17247"/>
+                <a:gd name="adj3" fmla="val 28827"/>
+              </a:avLst>
+            </a:prstGeom>
+            <a:solidFill>
+              <a:srgbClr val="00A864"/>
+            </a:solidFill>
+            <a:ln>
+              <a:noFill/>
+            </a:ln>
+          </p:spPr>
+          <p:style>
+            <a:lnRef idx="2">
+              <a:schemeClr val="accent1">
+                <a:shade val="50000"/>
+              </a:schemeClr>
+            </a:lnRef>
+            <a:fillRef idx="1">
+              <a:schemeClr val="accent1"/>
+            </a:fillRef>
+            <a:effectRef idx="0">
+              <a:schemeClr val="accent1"/>
+            </a:effectRef>
+            <a:fontRef idx="minor">
+              <a:schemeClr val="lt1"/>
+            </a:fontRef>
+          </p:style>
+          <p:txBody>
+            <a:bodyPr rtlCol="0" anchor="ctr"/>
+            <a:lstStyle/>
+            <a:p>
+              <a:pPr algn="ctr"/>
+              <a:endParaRPr lang="de-CH"/>
+            </a:p>
+          </p:txBody>
+        </p:sp>
+        <p:sp>
+          <p:nvSpPr>
+            <p:cNvPr id="47" name="Nach oben gebogener Pfeil 46"/>
+            <p:cNvSpPr/>
+            <p:nvPr/>
+          </p:nvSpPr>
+          <p:spPr>
+            <a:xfrm rot="5400000">
+              <a:off x="3415345" y="2793393"/>
+              <a:ext cx="708879" cy="1193629"/>
+            </a:xfrm>
+            <a:prstGeom prst="bentUpArrow">
+              <a:avLst>
+                <a:gd name="adj1" fmla="val 18327"/>
+                <a:gd name="adj2" fmla="val 18693"/>
+                <a:gd name="adj3" fmla="val 33011"/>
+              </a:avLst>
+            </a:prstGeom>
+            <a:solidFill>
+              <a:srgbClr val="00A864"/>
+            </a:solidFill>
+            <a:ln>
+              <a:noFill/>
+            </a:ln>
+          </p:spPr>
+          <p:style>
+            <a:lnRef idx="2">
+              <a:schemeClr val="accent1">
+                <a:shade val="50000"/>
+              </a:schemeClr>
+            </a:lnRef>
+            <a:fillRef idx="1">
+              <a:schemeClr val="accent1"/>
+            </a:fillRef>
+            <a:effectRef idx="0">
+              <a:schemeClr val="accent1"/>
+            </a:effectRef>
+            <a:fontRef idx="minor">
+              <a:schemeClr val="lt1"/>
+            </a:fontRef>
+          </p:style>
+          <p:txBody>
+            <a:bodyPr rtlCol="0" anchor="ctr"/>
+            <a:lstStyle/>
+            <a:p>
+              <a:pPr algn="ctr"/>
+              <a:endParaRPr lang="de-CH"/>
+            </a:p>
+          </p:txBody>
+        </p:sp>
+      </p:grpSp>
+      <p:sp>
+        <p:nvSpPr>
+          <p:cNvPr id="52" name="Nach oben gebogener Pfeil 51"/>
+          <p:cNvSpPr/>
+          <p:nvPr/>
+        </p:nvSpPr>
+        <p:spPr>
+          <a:xfrm rot="5400000">
+            <a:off x="4339538" y="3979045"/>
+            <a:ext cx="644929" cy="905844"/>
+          </a:xfrm>
+          <a:prstGeom prst="bentUpArrow">
+            <a:avLst>
+              <a:gd name="adj1" fmla="val 18327"/>
+              <a:gd name="adj2" fmla="val 18693"/>
+              <a:gd name="adj3" fmla="val 33011"/>
+            </a:avLst>
+          </a:prstGeom>
+          <a:solidFill>
+            <a:srgbClr val="00A864"/>
+          </a:solidFill>
+          <a:ln>
+            <a:noFill/>
+          </a:ln>
+        </p:spPr>
+        <p:style>
+          <a:lnRef idx="2">
+            <a:schemeClr val="accent1">
+              <a:shade val="50000"/>
+            </a:schemeClr>
+          </a:lnRef>
+          <a:fillRef idx="1">
+            <a:schemeClr val="accent1"/>
+          </a:fillRef>
+          <a:effectRef idx="0">
+            <a:schemeClr val="accent1"/>
+          </a:effectRef>
+          <a:fontRef idx="minor">
+            <a:schemeClr val="lt1"/>
+          </a:fontRef>
+        </p:style>
+        <p:txBody>
+          <a:bodyPr rtlCol="0" anchor="ctr"/>
+          <a:lstStyle/>
+          <a:p>
+            <a:pPr algn="ctr"/>
+            <a:endParaRPr lang="de-CH"/>
+          </a:p>
+        </p:txBody>
+      </p:sp>
+      <p:sp>
+        <p:nvSpPr>
+          <p:cNvPr id="53" name="Textfeld 52"/>
+          <p:cNvSpPr txBox="1"/>
+          <p:nvPr/>
+        </p:nvSpPr>
+        <p:spPr>
+          <a:xfrm>
+            <a:off x="6539143" y="3994598"/>
+            <a:ext cx="2598084" cy="707886"/>
+          </a:xfrm>
+          <a:prstGeom prst="rect">
+            <a:avLst/>
+          </a:prstGeom>
+          <a:noFill/>
+        </p:spPr>
+        <p:txBody>
+          <a:bodyPr wrap="square" rtlCol="0">
+            <a:spAutoFit/>
+          </a:bodyPr>
+          <a:lstStyle/>
+          <a:p>
+            <a:r>
+              <a:rPr lang="de-CH" sz="2400" b="1" dirty="0" smtClean="0"/>
+              <a:t>Virtual Template</a:t>
+            </a:r>
+          </a:p>
+          <a:p>
+            <a:r>
+              <a:rPr lang="de-CH" sz="1600" dirty="0" err="1" smtClean="0"/>
+              <a:t>Configuration</a:t>
+            </a:r>
+            <a:r>
+              <a:rPr lang="de-CH" sz="1600" dirty="0" smtClean="0"/>
+              <a:t> </a:t>
+            </a:r>
+            <a:r>
+              <a:rPr lang="de-CH" sz="1600" dirty="0" err="1" smtClean="0"/>
+              <a:t>container</a:t>
+            </a:r>
+            <a:endParaRPr lang="de-CH" sz="1600" dirty="0"/>
+          </a:p>
+        </p:txBody>
+      </p:sp>
+      <p:sp>
+        <p:nvSpPr>
+          <p:cNvPr id="54" name="Textfeld 53"/>
+          <p:cNvSpPr txBox="1"/>
+          <p:nvPr/>
+        </p:nvSpPr>
+        <p:spPr>
+          <a:xfrm>
+            <a:off x="8992078" y="3994121"/>
+            <a:ext cx="1552751" cy="461664"/>
+          </a:xfrm>
+          <a:prstGeom prst="rect">
+            <a:avLst/>
+          </a:prstGeom>
+          <a:solidFill>
+            <a:srgbClr val="00ADEA">
+              <a:alpha val="13000"/>
+            </a:srgbClr>
+          </a:solidFill>
+        </p:spPr>
+        <p:txBody>
+          <a:bodyPr wrap="square" lIns="0" rIns="0" rtlCol="0">
+            <a:spAutoFit/>
+          </a:bodyPr>
+          <a:lstStyle/>
+          <a:p>
+            <a:pPr algn="ctr"/>
+            <a:r>
+              <a:rPr lang="de-CH" sz="2400" dirty="0" smtClean="0">
+                <a:solidFill>
+                  <a:srgbClr val="3381C7"/>
+                </a:solidFill>
+              </a:rPr>
+              <a:t>Doc </a:t>
+            </a:r>
+            <a:r>
+              <a:rPr lang="de-CH" sz="2400" dirty="0" err="1" smtClean="0">
+                <a:solidFill>
+                  <a:srgbClr val="3381C7"/>
+                </a:solidFill>
+              </a:rPr>
+              <a:t>Func</a:t>
+            </a:r>
+            <a:r>
+              <a:rPr lang="de-CH" sz="2400" dirty="0" smtClean="0">
+                <a:solidFill>
+                  <a:srgbClr val="3381C7"/>
+                </a:solidFill>
+              </a:rPr>
+              <a:t> E</a:t>
+            </a:r>
+            <a:endParaRPr lang="de-CH" sz="2400" dirty="0">
+              <a:solidFill>
+                <a:srgbClr val="3381C7"/>
+              </a:solidFill>
+            </a:endParaRPr>
+          </a:p>
+        </p:txBody>
+      </p:sp>
+      <p:grpSp>
+        <p:nvGrpSpPr>
+          <p:cNvPr id="3" name="Gruppieren 2"/>
+          <p:cNvGrpSpPr/>
+          <p:nvPr/>
+        </p:nvGrpSpPr>
+        <p:grpSpPr>
+          <a:xfrm>
+            <a:off x="2236731" y="1293105"/>
+            <a:ext cx="928844" cy="1309670"/>
+            <a:chOff x="4864466" y="2671780"/>
+            <a:chExt cx="928844" cy="1309670"/>
+          </a:xfrm>
+        </p:grpSpPr>
+        <p:pic>
+          <p:nvPicPr>
+            <p:cNvPr id="2" name="Grafik 1"/>
+            <p:cNvPicPr>
+              <a:picLocks noChangeAspect="1"/>
+            </p:cNvPicPr>
+            <p:nvPr/>
+          </p:nvPicPr>
+          <p:blipFill>
+            <a:blip r:embed="rId3" cstate="print">
+              <a:extLst>
+                <a:ext uri="{28A0092B-C50C-407E-A947-70E740481C1C}">
+                  <a14:useLocalDpi xmlns:a14="http://schemas.microsoft.com/office/drawing/2010/main" val="0"/>
+                </a:ext>
+              </a:extLst>
+            </a:blip>
+            <a:stretch>
+              <a:fillRect/>
+            </a:stretch>
+          </p:blipFill>
+          <p:spPr>
+            <a:xfrm>
+              <a:off x="4864466" y="2671780"/>
+              <a:ext cx="928844" cy="1309670"/>
+            </a:xfrm>
+            <a:prstGeom prst="rect">
+              <a:avLst/>
+            </a:prstGeom>
+          </p:spPr>
+        </p:pic>
+        <p:sp>
+          <p:nvSpPr>
+            <p:cNvPr id="32" name="Rechteck 31"/>
+            <p:cNvSpPr/>
+            <p:nvPr/>
+          </p:nvSpPr>
+          <p:spPr>
+            <a:xfrm>
+              <a:off x="4887151" y="2692098"/>
+              <a:ext cx="888236" cy="153027"/>
+            </a:xfrm>
+            <a:prstGeom prst="rect">
+              <a:avLst/>
+            </a:prstGeom>
+            <a:noFill/>
+            <a:ln>
+              <a:solidFill>
+                <a:srgbClr val="FF0000"/>
+              </a:solidFill>
+            </a:ln>
+          </p:spPr>
+          <p:style>
+            <a:lnRef idx="2">
+              <a:schemeClr val="accent1">
+                <a:shade val="50000"/>
+              </a:schemeClr>
+            </a:lnRef>
+            <a:fillRef idx="1">
+              <a:schemeClr val="accent1"/>
+            </a:fillRef>
+            <a:effectRef idx="0">
+              <a:schemeClr val="accent1"/>
+            </a:effectRef>
+            <a:fontRef idx="minor">
+              <a:schemeClr val="lt1"/>
+            </a:fontRef>
+          </p:style>
+          <p:txBody>
+            <a:bodyPr rtlCol="0" anchor="ctr"/>
+            <a:lstStyle/>
+            <a:p>
+              <a:pPr algn="ctr"/>
+              <a:endParaRPr lang="de-CH"/>
+            </a:p>
+          </p:txBody>
+        </p:sp>
+      </p:grpSp>
+      <p:grpSp>
+        <p:nvGrpSpPr>
+          <p:cNvPr id="9" name="Gruppieren 8"/>
+          <p:cNvGrpSpPr/>
+          <p:nvPr/>
+        </p:nvGrpSpPr>
+        <p:grpSpPr>
+          <a:xfrm>
+            <a:off x="3946044" y="2658356"/>
+            <a:ext cx="931392" cy="1311400"/>
+            <a:chOff x="3200077" y="1293106"/>
+            <a:chExt cx="931392" cy="1311400"/>
+          </a:xfrm>
+        </p:grpSpPr>
+        <p:pic>
+          <p:nvPicPr>
+            <p:cNvPr id="8" name="Grafik 7"/>
+            <p:cNvPicPr>
+              <a:picLocks noChangeAspect="1"/>
+            </p:cNvPicPr>
+            <p:nvPr/>
+          </p:nvPicPr>
+          <p:blipFill>
+            <a:blip r:embed="rId4" cstate="print">
+              <a:extLst>
+                <a:ext uri="{28A0092B-C50C-407E-A947-70E740481C1C}">
+                  <a14:useLocalDpi xmlns:a14="http://schemas.microsoft.com/office/drawing/2010/main" val="0"/>
+                </a:ext>
+              </a:extLst>
+            </a:blip>
+            <a:stretch>
+              <a:fillRect/>
+            </a:stretch>
+          </p:blipFill>
+          <p:spPr>
+            <a:xfrm>
+              <a:off x="3200077" y="1293106"/>
+              <a:ext cx="931392" cy="1311400"/>
+            </a:xfrm>
+            <a:prstGeom prst="rect">
+              <a:avLst/>
+            </a:prstGeom>
+          </p:spPr>
+        </p:pic>
+        <p:sp>
+          <p:nvSpPr>
+            <p:cNvPr id="44" name="Rechteck 43"/>
+            <p:cNvSpPr/>
+            <p:nvPr/>
+          </p:nvSpPr>
+          <p:spPr>
+            <a:xfrm>
+              <a:off x="3217106" y="1447822"/>
+              <a:ext cx="892570" cy="864371"/>
+            </a:xfrm>
+            <a:prstGeom prst="rect">
+              <a:avLst/>
+            </a:prstGeom>
+            <a:noFill/>
+            <a:ln>
+              <a:solidFill>
+                <a:srgbClr val="FF0000"/>
+              </a:solidFill>
+            </a:ln>
+          </p:spPr>
+          <p:style>
+            <a:lnRef idx="2">
+              <a:schemeClr val="accent1">
+                <a:shade val="50000"/>
+              </a:schemeClr>
+            </a:lnRef>
+            <a:fillRef idx="1">
+              <a:schemeClr val="accent1"/>
+            </a:fillRef>
+            <a:effectRef idx="0">
+              <a:schemeClr val="accent1"/>
+            </a:effectRef>
+            <a:fontRef idx="minor">
+              <a:schemeClr val="lt1"/>
+            </a:fontRef>
+          </p:style>
+          <p:txBody>
+            <a:bodyPr rtlCol="0" anchor="ctr"/>
+            <a:lstStyle/>
+            <a:p>
+              <a:pPr algn="ctr"/>
+              <a:endParaRPr lang="de-CH"/>
+            </a:p>
+          </p:txBody>
+        </p:sp>
+      </p:grpSp>
+      <p:pic>
+        <p:nvPicPr>
+          <p:cNvPr id="45" name="Grafik 44"/>
+          <p:cNvPicPr>
+            <a:picLocks noChangeAspect="1"/>
+          </p:cNvPicPr>
+          <p:nvPr/>
+        </p:nvPicPr>
+        <p:blipFill>
+          <a:blip r:embed="rId4" cstate="print">
+            <a:extLst>
+              <a:ext uri="{28A0092B-C50C-407E-A947-70E740481C1C}">
+                <a14:useLocalDpi xmlns:a14="http://schemas.microsoft.com/office/drawing/2010/main" val="0"/>
+              </a:ext>
+            </a:extLst>
+          </a:blip>
+          <a:stretch>
+            <a:fillRect/>
+          </a:stretch>
+        </p:blipFill>
+        <p:spPr>
+          <a:xfrm>
+            <a:off x="6558589" y="5254961"/>
+            <a:ext cx="931392" cy="1311400"/>
+          </a:xfrm>
+          <a:prstGeom prst="rect">
+            <a:avLst/>
+          </a:prstGeom>
+        </p:spPr>
+      </p:pic>
+      <p:pic>
+        <p:nvPicPr>
+          <p:cNvPr id="48" name="Grafik 47"/>
+          <p:cNvPicPr>
+            <a:picLocks noChangeAspect="1"/>
+          </p:cNvPicPr>
+          <p:nvPr/>
+        </p:nvPicPr>
+        <p:blipFill>
+          <a:blip r:embed="rId4" cstate="print">
+            <a:extLst>
+              <a:ext uri="{28A0092B-C50C-407E-A947-70E740481C1C}">
+                <a14:useLocalDpi xmlns:a14="http://schemas.microsoft.com/office/drawing/2010/main" val="0"/>
+              </a:ext>
+            </a:extLst>
+          </a:blip>
+          <a:stretch>
+            <a:fillRect/>
+          </a:stretch>
+        </p:blipFill>
+        <p:spPr>
+          <a:xfrm>
+            <a:off x="5300746" y="3776267"/>
+            <a:ext cx="931392" cy="1311400"/>
+          </a:xfrm>
+          <a:prstGeom prst="rect">
+            <a:avLst/>
+          </a:prstGeom>
+        </p:spPr>
+      </p:pic>
+      <p:sp>
+        <p:nvSpPr>
+          <p:cNvPr id="49" name="Rechteck 48"/>
+          <p:cNvSpPr/>
+          <p:nvPr/>
+        </p:nvSpPr>
+        <p:spPr>
+          <a:xfrm>
+            <a:off x="2259416" y="2427848"/>
+            <a:ext cx="888236" cy="153027"/>
+          </a:xfrm>
+          <a:prstGeom prst="rect">
+            <a:avLst/>
+          </a:prstGeom>
+          <a:noFill/>
+          <a:ln>
+            <a:solidFill>
+              <a:srgbClr val="FF0000"/>
+            </a:solidFill>
+          </a:ln>
+        </p:spPr>
+        <p:style>
+          <a:lnRef idx="2">
+            <a:schemeClr val="accent1">
+              <a:shade val="50000"/>
+            </a:schemeClr>
+          </a:lnRef>
+          <a:fillRef idx="1">
+            <a:schemeClr val="accent1"/>
+          </a:fillRef>
+          <a:effectRef idx="0">
+            <a:schemeClr val="accent1"/>
+          </a:effectRef>
+          <a:fontRef idx="minor">
+            <a:schemeClr val="lt1"/>
+          </a:fontRef>
+        </p:style>
+        <p:txBody>
+          <a:bodyPr rtlCol="0" anchor="ctr"/>
+          <a:lstStyle/>
+          <a:p>
+            <a:pPr algn="ctr"/>
+            <a:endParaRPr lang="de-CH"/>
+          </a:p>
+        </p:txBody>
+      </p:sp>
+    </p:spTree>
+    <p:extLst>
+      <p:ext uri="{BB962C8B-B14F-4D97-AF65-F5344CB8AC3E}">
+        <p14:creationId xmlns:p14="http://schemas.microsoft.com/office/powerpoint/2010/main" val="671534286"/>
+      </p:ext>
+    </p:extLst>
+  </p:cSld>
+  <p:clrMapOvr>
+    <a:masterClrMapping/>
+  </p:clrMapOvr>
+  <p:timing>
+    <p:tnLst>
+      <p:par>
+        <p:cTn id="1" dur="indefinite" restart="never" nodeType="tmRoot"/>
+      </p:par>
+    </p:tnLst>
+  </p:timing>
+</p:sld>
+</file>
+
+<file path=ppt/slides/slide13.xml><?xml version="1.0" encoding="utf-8"?>
+<p:sld xmlns:a="http://schemas.openxmlformats.org/drawingml/2006/main" xmlns:r="http://schemas.openxmlformats.org/officeDocument/2006/relationships" xmlns:p="http://schemas.openxmlformats.org/presentationml/2006/main">
+  <p:cSld>
+    <p:spTree>
+      <p:nvGrpSpPr>
+        <p:cNvPr id="1" name=""/>
+        <p:cNvGrpSpPr/>
+        <p:nvPr/>
+      </p:nvGrpSpPr>
+      <p:grpSpPr>
+        <a:xfrm>
+          <a:off x="0" y="0"/>
+          <a:ext cx="0" cy="0"/>
+          <a:chOff x="0" y="0"/>
+          <a:chExt cx="0" cy="0"/>
+        </a:xfrm>
+      </p:grpSpPr>
+      <p:sp>
+        <p:nvSpPr>
+          <p:cNvPr id="2" name="Titel 1"/>
+          <p:cNvSpPr>
+            <a:spLocks noGrp="1"/>
+          </p:cNvSpPr>
+          <p:nvPr>
+            <p:ph type="title"/>
+          </p:nvPr>
+        </p:nvSpPr>
+        <p:spPr/>
+        <p:txBody>
+          <a:bodyPr/>
+          <a:lstStyle/>
+          <a:p>
+            <a:r>
+              <a:rPr lang="de-CH" dirty="0" smtClean="0"/>
+              <a:t>Resources</a:t>
+            </a:r>
+            <a:endParaRPr lang="de-CH" dirty="0"/>
+          </a:p>
+        </p:txBody>
+      </p:sp>
+      <p:sp>
+        <p:nvSpPr>
+          <p:cNvPr id="3" name="Inhaltsplatzhalter 2"/>
+          <p:cNvSpPr>
+            <a:spLocks noGrp="1"/>
+          </p:cNvSpPr>
+          <p:nvPr>
+            <p:ph idx="1"/>
+          </p:nvPr>
+        </p:nvSpPr>
+        <p:spPr/>
+        <p:txBody>
+          <a:bodyPr/>
+          <a:lstStyle/>
+          <a:p>
+            <a:r>
+              <a:rPr lang="de-CH" dirty="0" smtClean="0"/>
+              <a:t>Icon Set:</a:t>
+            </a:r>
+          </a:p>
+          <a:p>
+            <a:pPr lvl="1"/>
+            <a:r>
+              <a:rPr lang="de-CH" dirty="0" smtClean="0"/>
+              <a:t>https://www.microsoft.com/en-us/download/details.aspx?id=41937</a:t>
+            </a:r>
+            <a:endParaRPr lang="de-CH" dirty="0"/>
+          </a:p>
+        </p:txBody>
+      </p:sp>
+    </p:spTree>
+    <p:extLst>
+      <p:ext uri="{BB962C8B-B14F-4D97-AF65-F5344CB8AC3E}">
+        <p14:creationId xmlns:p14="http://schemas.microsoft.com/office/powerpoint/2010/main" val="2424686417"/>
+      </p:ext>
+    </p:extLst>
+  </p:cSld>
+  <p:clrMapOvr>
+    <a:masterClrMapping/>
+  </p:clrMapOvr>
+  <p:timing>
+    <p:tnLst>
+      <p:par>
+        <p:cTn id="1" dur="indefinite" restart="never" nodeType="tmRoot"/>
+      </p:par>
+    </p:tnLst>
+  </p:timing>
+</p:sld>
+</file>
+
+<file path=ppt/slides/slide14.xml><?xml version="1.0" encoding="utf-8"?>
+<p:sld xmlns:a="http://schemas.openxmlformats.org/drawingml/2006/main" xmlns:r="http://schemas.openxmlformats.org/officeDocument/2006/relationships" xmlns:p="http://schemas.openxmlformats.org/presentationml/2006/main">
+  <p:cSld>
+    <p:spTree>
+      <p:nvGrpSpPr>
+        <p:cNvPr id="1" name=""/>
+        <p:cNvGrpSpPr/>
+        <p:nvPr/>
+      </p:nvGrpSpPr>
+      <p:grpSpPr>
+        <a:xfrm>
+          <a:off x="0" y="0"/>
+          <a:ext cx="0" cy="0"/>
+          <a:chOff x="0" y="0"/>
+          <a:chExt cx="0" cy="0"/>
+        </a:xfrm>
+      </p:grpSpPr>
+      <p:sp>
+        <p:nvSpPr>
+          <p:cNvPr id="2" name="Titel 1"/>
+          <p:cNvSpPr>
+            <a:spLocks noGrp="1"/>
+          </p:cNvSpPr>
+          <p:nvPr>
+            <p:ph type="title"/>
+          </p:nvPr>
+        </p:nvSpPr>
+        <p:spPr/>
+        <p:txBody>
+          <a:bodyPr/>
+          <a:lstStyle/>
+          <a:p>
+            <a:r>
+              <a:rPr lang="de-CH" dirty="0" err="1" smtClean="0"/>
+              <a:t>Deprecated</a:t>
+            </a:r>
+            <a:r>
+              <a:rPr lang="de-CH" dirty="0" smtClean="0"/>
+              <a:t> / </a:t>
+            </a:r>
+            <a:r>
+              <a:rPr lang="de-CH" dirty="0" err="1" smtClean="0"/>
+              <a:t>Older</a:t>
+            </a:r>
+            <a:r>
+              <a:rPr lang="de-CH" dirty="0" smtClean="0"/>
+              <a:t> Versions</a:t>
+            </a:r>
+            <a:endParaRPr lang="de-CH" dirty="0"/>
+          </a:p>
+        </p:txBody>
+      </p:sp>
+    </p:spTree>
+    <p:extLst>
+      <p:ext uri="{BB962C8B-B14F-4D97-AF65-F5344CB8AC3E}">
+        <p14:creationId xmlns:p14="http://schemas.microsoft.com/office/powerpoint/2010/main" val="1515433706"/>
+      </p:ext>
+    </p:extLst>
+  </p:cSld>
+  <p:clrMapOvr>
+    <a:masterClrMapping/>
+  </p:clrMapOvr>
+  <p:timing>
+    <p:tnLst>
+      <p:par>
+        <p:cTn id="1" dur="indefinite" restart="never" nodeType="tmRoot"/>
+      </p:par>
+    </p:tnLst>
+  </p:timing>
+</p:sld>
+</file>
+
+<file path=ppt/slides/slide15.xml><?xml version="1.0" encoding="utf-8"?>
+<p:sld xmlns:a="http://schemas.openxmlformats.org/drawingml/2006/main" xmlns:r="http://schemas.openxmlformats.org/officeDocument/2006/relationships" xmlns:p="http://schemas.openxmlformats.org/presentationml/2006/main">
+  <p:cSld>
+    <p:spTree>
+      <p:nvGrpSpPr>
+        <p:cNvPr id="1" name=""/>
+        <p:cNvGrpSpPr/>
+        <p:nvPr/>
+      </p:nvGrpSpPr>
+      <p:grpSpPr>
+        <a:xfrm>
+          <a:off x="0" y="0"/>
+          <a:ext cx="0" cy="0"/>
+          <a:chOff x="0" y="0"/>
+          <a:chExt cx="0" cy="0"/>
+        </a:xfrm>
+      </p:grpSpPr>
+      <p:sp>
+        <p:nvSpPr>
+          <p:cNvPr id="67" name="Rechteck 66"/>
+          <p:cNvSpPr/>
+          <p:nvPr/>
+        </p:nvSpPr>
+        <p:spPr>
+          <a:xfrm>
+            <a:off x="6720855" y="221057"/>
+            <a:ext cx="5139251" cy="2453640"/>
+          </a:xfrm>
+          <a:prstGeom prst="rect">
+            <a:avLst/>
+          </a:prstGeom>
+          <a:solidFill>
+            <a:srgbClr val="9BC2E5">
+              <a:alpha val="35294"/>
+            </a:srgbClr>
+          </a:solidFill>
+          <a:ln>
+            <a:noFill/>
+          </a:ln>
+        </p:spPr>
+        <p:style>
+          <a:lnRef idx="2">
+            <a:schemeClr val="accent1">
+              <a:shade val="50000"/>
+            </a:schemeClr>
+          </a:lnRef>
+          <a:fillRef idx="1">
+            <a:schemeClr val="accent1"/>
+          </a:fillRef>
+          <a:effectRef idx="0">
+            <a:schemeClr val="accent1"/>
+          </a:effectRef>
+          <a:fontRef idx="minor">
+            <a:schemeClr val="lt1"/>
+          </a:fontRef>
+        </p:style>
+        <p:txBody>
+          <a:bodyPr rtlCol="0" anchor="ctr"/>
+          <a:lstStyle/>
+          <a:p>
+            <a:pPr algn="ctr"/>
+            <a:endParaRPr lang="de-CH"/>
+          </a:p>
+        </p:txBody>
+      </p:sp>
+      <p:sp>
+        <p:nvSpPr>
+          <p:cNvPr id="23" name="Rechteck 22"/>
+          <p:cNvSpPr/>
+          <p:nvPr/>
+        </p:nvSpPr>
+        <p:spPr>
+          <a:xfrm>
+            <a:off x="275589" y="2781300"/>
+            <a:ext cx="11584517" cy="4003759"/>
+          </a:xfrm>
+          <a:prstGeom prst="rect">
+            <a:avLst/>
+          </a:prstGeom>
+          <a:solidFill>
+            <a:schemeClr val="bg2">
+              <a:lumMod val="90000"/>
+              <a:alpha val="36000"/>
+            </a:schemeClr>
+          </a:solidFill>
+          <a:ln>
+            <a:noFill/>
+          </a:ln>
+        </p:spPr>
+        <p:style>
+          <a:lnRef idx="2">
+            <a:schemeClr val="accent1">
+              <a:shade val="50000"/>
+            </a:schemeClr>
+          </a:lnRef>
+          <a:fillRef idx="1">
+            <a:schemeClr val="accent1"/>
+          </a:fillRef>
+          <a:effectRef idx="0">
+            <a:schemeClr val="accent1"/>
+          </a:effectRef>
+          <a:fontRef idx="minor">
+            <a:schemeClr val="lt1"/>
+          </a:fontRef>
+        </p:style>
+        <p:txBody>
+          <a:bodyPr rtlCol="0" anchor="ctr"/>
+          <a:lstStyle/>
+          <a:p>
+            <a:pPr algn="ctr"/>
+            <a:endParaRPr lang="de-CH"/>
+          </a:p>
+        </p:txBody>
+      </p:sp>
+      <p:pic>
+        <p:nvPicPr>
+          <p:cNvPr id="15" name="Grafik 14"/>
+          <p:cNvPicPr>
+            <a:picLocks noChangeAspect="1"/>
+          </p:cNvPicPr>
+          <p:nvPr/>
+        </p:nvPicPr>
+        <p:blipFill>
+          <a:blip r:embed="rId3">
+            <a:extLst>
+              <a:ext uri="{28A0092B-C50C-407E-A947-70E740481C1C}">
+                <a14:useLocalDpi xmlns:a14="http://schemas.microsoft.com/office/drawing/2010/main" val="0"/>
+              </a:ext>
+            </a:extLst>
+          </a:blip>
+          <a:stretch>
+            <a:fillRect/>
+          </a:stretch>
+        </p:blipFill>
+        <p:spPr>
+          <a:xfrm>
+            <a:off x="7296322" y="1039977"/>
+            <a:ext cx="1100550" cy="1100550"/>
+          </a:xfrm>
+          <a:prstGeom prst="rect">
+            <a:avLst/>
+          </a:prstGeom>
+        </p:spPr>
+      </p:pic>
+      <p:pic>
+        <p:nvPicPr>
+          <p:cNvPr id="19" name="Grafik 18"/>
+          <p:cNvPicPr>
+            <a:picLocks noChangeAspect="1"/>
+          </p:cNvPicPr>
+          <p:nvPr/>
+        </p:nvPicPr>
+        <p:blipFill>
+          <a:blip r:embed="rId4" cstate="print">
+            <a:extLst>
+              <a:ext uri="{28A0092B-C50C-407E-A947-70E740481C1C}">
+                <a14:useLocalDpi xmlns:a14="http://schemas.microsoft.com/office/drawing/2010/main" val="0"/>
+              </a:ext>
+            </a:extLst>
+          </a:blip>
+          <a:stretch>
+            <a:fillRect/>
+          </a:stretch>
+        </p:blipFill>
+        <p:spPr>
+          <a:xfrm>
+            <a:off x="8079545" y="1993345"/>
+            <a:ext cx="312238" cy="312238"/>
+          </a:xfrm>
+          <a:prstGeom prst="rect">
+            <a:avLst/>
+          </a:prstGeom>
+        </p:spPr>
+      </p:pic>
+      <p:grpSp>
+        <p:nvGrpSpPr>
+          <p:cNvPr id="24" name="Gruppieren 23"/>
+          <p:cNvGrpSpPr/>
+          <p:nvPr/>
+        </p:nvGrpSpPr>
+        <p:grpSpPr>
+          <a:xfrm>
+            <a:off x="1040754" y="3256746"/>
+            <a:ext cx="8028787" cy="2855321"/>
+            <a:chOff x="1842496" y="3491802"/>
+            <a:chExt cx="8399320" cy="3034636"/>
+          </a:xfrm>
+        </p:grpSpPr>
+        <p:pic>
+          <p:nvPicPr>
+            <p:cNvPr id="7" name="Grafik 6"/>
+            <p:cNvPicPr>
+              <a:picLocks noChangeAspect="1"/>
+            </p:cNvPicPr>
+            <p:nvPr/>
+          </p:nvPicPr>
+          <p:blipFill>
+            <a:blip r:embed="rId5" cstate="print">
+              <a:extLst>
+                <a:ext uri="{28A0092B-C50C-407E-A947-70E740481C1C}">
+                  <a14:useLocalDpi xmlns:a14="http://schemas.microsoft.com/office/drawing/2010/main" val="0"/>
+                </a:ext>
+              </a:extLst>
+            </a:blip>
+            <a:stretch>
+              <a:fillRect/>
+            </a:stretch>
+          </p:blipFill>
+          <p:spPr>
+            <a:xfrm>
+              <a:off x="2439146" y="3491802"/>
+              <a:ext cx="1080000" cy="1080000"/>
+            </a:xfrm>
+            <a:prstGeom prst="rect">
+              <a:avLst/>
+            </a:prstGeom>
+          </p:spPr>
+        </p:pic>
+        <p:pic>
+          <p:nvPicPr>
+            <p:cNvPr id="8" name="Grafik 7"/>
+            <p:cNvPicPr>
+              <a:picLocks noChangeAspect="1"/>
+            </p:cNvPicPr>
+            <p:nvPr/>
+          </p:nvPicPr>
+          <p:blipFill>
+            <a:blip r:embed="rId5" cstate="print">
+              <a:extLst>
+                <a:ext uri="{28A0092B-C50C-407E-A947-70E740481C1C}">
+                  <a14:useLocalDpi xmlns:a14="http://schemas.microsoft.com/office/drawing/2010/main" val="0"/>
+                </a:ext>
+              </a:extLst>
+            </a:blip>
+            <a:stretch>
+              <a:fillRect/>
+            </a:stretch>
+          </p:blipFill>
+          <p:spPr>
+            <a:xfrm>
+              <a:off x="8232163" y="3491802"/>
+              <a:ext cx="1080000" cy="1080000"/>
+            </a:xfrm>
+            <a:prstGeom prst="rect">
+              <a:avLst/>
+            </a:prstGeom>
+          </p:spPr>
+        </p:pic>
+        <p:sp>
+          <p:nvSpPr>
+            <p:cNvPr id="9" name="Textfeld 8"/>
+            <p:cNvSpPr txBox="1"/>
+            <p:nvPr/>
+          </p:nvSpPr>
+          <p:spPr>
+            <a:xfrm>
+              <a:off x="5361613" y="6157106"/>
+              <a:ext cx="1777789" cy="369332"/>
+            </a:xfrm>
+            <a:prstGeom prst="rect">
+              <a:avLst/>
+            </a:prstGeom>
+            <a:noFill/>
+          </p:spPr>
+          <p:txBody>
+            <a:bodyPr wrap="square" rtlCol="0">
+              <a:spAutoFit/>
+            </a:bodyPr>
+            <a:lstStyle/>
+            <a:p>
+              <a:pPr algn="ctr"/>
+              <a:r>
+                <a:rPr lang="de-CH" dirty="0" err="1" smtClean="0"/>
+                <a:t>Active</a:t>
+              </a:r>
+              <a:r>
+                <a:rPr lang="de-CH" dirty="0" smtClean="0"/>
+                <a:t> Directory</a:t>
+              </a:r>
+              <a:endParaRPr lang="de-CH" dirty="0"/>
+            </a:p>
+          </p:txBody>
+        </p:sp>
+        <p:sp>
+          <p:nvSpPr>
+            <p:cNvPr id="10" name="Textfeld 9"/>
+            <p:cNvSpPr txBox="1"/>
+            <p:nvPr/>
+          </p:nvSpPr>
+          <p:spPr>
+            <a:xfrm>
+              <a:off x="7870345" y="4571285"/>
+              <a:ext cx="1974850" cy="369332"/>
+            </a:xfrm>
+            <a:prstGeom prst="rect">
+              <a:avLst/>
+            </a:prstGeom>
+            <a:noFill/>
+          </p:spPr>
+          <p:txBody>
+            <a:bodyPr wrap="square" rtlCol="0">
+              <a:spAutoFit/>
+            </a:bodyPr>
+            <a:lstStyle/>
+            <a:p>
+              <a:pPr algn="ctr"/>
+              <a:r>
+                <a:rPr lang="de-CH" dirty="0" err="1" smtClean="0"/>
+                <a:t>OneOffixx</a:t>
+              </a:r>
+              <a:r>
+                <a:rPr lang="de-CH" dirty="0" smtClean="0"/>
+                <a:t> Server</a:t>
+              </a:r>
+              <a:endParaRPr lang="de-CH" dirty="0"/>
+            </a:p>
+          </p:txBody>
+        </p:sp>
+        <p:sp>
+          <p:nvSpPr>
+            <p:cNvPr id="11" name="Textfeld 10"/>
+            <p:cNvSpPr txBox="1"/>
+            <p:nvPr/>
+          </p:nvSpPr>
+          <p:spPr>
+            <a:xfrm>
+              <a:off x="1842496" y="4617968"/>
+              <a:ext cx="2273300" cy="646331"/>
+            </a:xfrm>
+            <a:prstGeom prst="rect">
+              <a:avLst/>
+            </a:prstGeom>
+            <a:noFill/>
+          </p:spPr>
+          <p:txBody>
+            <a:bodyPr wrap="square" rtlCol="0">
+              <a:spAutoFit/>
+            </a:bodyPr>
+            <a:lstStyle/>
+            <a:p>
+              <a:pPr algn="ctr"/>
+              <a:r>
+                <a:rPr lang="de-CH" dirty="0" err="1" smtClean="0"/>
+                <a:t>OneOffixx</a:t>
+              </a:r>
+              <a:r>
+                <a:rPr lang="de-CH" dirty="0" smtClean="0"/>
+                <a:t> </a:t>
+              </a:r>
+              <a:r>
+                <a:rPr lang="de-CH" dirty="0" err="1" smtClean="0"/>
+                <a:t>Document</a:t>
+              </a:r>
+              <a:r>
+                <a:rPr lang="de-CH" dirty="0" smtClean="0"/>
+                <a:t> </a:t>
+              </a:r>
+            </a:p>
+            <a:p>
+              <a:pPr algn="ctr"/>
+              <a:r>
+                <a:rPr lang="de-CH" dirty="0" err="1" smtClean="0"/>
+                <a:t>Creation</a:t>
+              </a:r>
+              <a:r>
+                <a:rPr lang="de-CH" dirty="0" smtClean="0"/>
+                <a:t> Server</a:t>
+              </a:r>
+              <a:endParaRPr lang="de-CH" dirty="0"/>
+            </a:p>
+          </p:txBody>
+        </p:sp>
+        <p:pic>
+          <p:nvPicPr>
+            <p:cNvPr id="12" name="Grafik 11"/>
+            <p:cNvPicPr>
+              <a:picLocks noChangeAspect="1"/>
+            </p:cNvPicPr>
+            <p:nvPr/>
+          </p:nvPicPr>
+          <p:blipFill>
+            <a:blip r:embed="rId3" cstate="print">
+              <a:extLst>
+                <a:ext uri="{28A0092B-C50C-407E-A947-70E740481C1C}">
+                  <a14:useLocalDpi xmlns:a14="http://schemas.microsoft.com/office/drawing/2010/main" val="0"/>
+                </a:ext>
+              </a:extLst>
+            </a:blip>
+            <a:stretch>
+              <a:fillRect/>
+            </a:stretch>
+          </p:blipFill>
+          <p:spPr>
+            <a:xfrm>
+              <a:off x="9042162" y="3491802"/>
+              <a:ext cx="540000" cy="540000"/>
+            </a:xfrm>
+            <a:prstGeom prst="rect">
+              <a:avLst/>
+            </a:prstGeom>
+          </p:spPr>
+        </p:pic>
+        <p:pic>
+          <p:nvPicPr>
+            <p:cNvPr id="13" name="Grafik 12"/>
+            <p:cNvPicPr>
+              <a:picLocks noChangeAspect="1"/>
+            </p:cNvPicPr>
+            <p:nvPr/>
+          </p:nvPicPr>
+          <p:blipFill>
+            <a:blip r:embed="rId3" cstate="print">
+              <a:extLst>
+                <a:ext uri="{28A0092B-C50C-407E-A947-70E740481C1C}">
+                  <a14:useLocalDpi xmlns:a14="http://schemas.microsoft.com/office/drawing/2010/main" val="0"/>
+                </a:ext>
+              </a:extLst>
+            </a:blip>
+            <a:stretch>
+              <a:fillRect/>
+            </a:stretch>
+          </p:blipFill>
+          <p:spPr>
+            <a:xfrm>
+              <a:off x="3249146" y="3491802"/>
+              <a:ext cx="540000" cy="540000"/>
+            </a:xfrm>
+            <a:prstGeom prst="rect">
+              <a:avLst/>
+            </a:prstGeom>
+          </p:spPr>
+        </p:pic>
+        <p:sp>
+          <p:nvSpPr>
+            <p:cNvPr id="16" name="Pfeil nach links und rechts 15"/>
+            <p:cNvSpPr/>
+            <p:nvPr/>
+          </p:nvSpPr>
+          <p:spPr>
+            <a:xfrm>
+              <a:off x="4236572" y="3896802"/>
+              <a:ext cx="3633774" cy="270000"/>
+            </a:xfrm>
+            <a:prstGeom prst="leftRightArrow">
+              <a:avLst>
+                <a:gd name="adj1" fmla="val 40593"/>
+                <a:gd name="adj2" fmla="val 73519"/>
+              </a:avLst>
+            </a:prstGeom>
+            <a:solidFill>
+              <a:srgbClr val="00A864"/>
+            </a:solidFill>
+            <a:ln>
+              <a:noFill/>
+            </a:ln>
+          </p:spPr>
+          <p:style>
+            <a:lnRef idx="2">
+              <a:schemeClr val="accent1">
+                <a:shade val="50000"/>
+              </a:schemeClr>
+            </a:lnRef>
+            <a:fillRef idx="1">
+              <a:schemeClr val="accent1"/>
+            </a:fillRef>
+            <a:effectRef idx="0">
+              <a:schemeClr val="accent1"/>
+            </a:effectRef>
+            <a:fontRef idx="minor">
+              <a:schemeClr val="lt1"/>
+            </a:fontRef>
+          </p:style>
+          <p:txBody>
+            <a:bodyPr rtlCol="0" anchor="ctr"/>
+            <a:lstStyle/>
+            <a:p>
+              <a:pPr algn="ctr"/>
+              <a:endParaRPr lang="de-CH"/>
+            </a:p>
+          </p:txBody>
+        </p:sp>
+        <p:sp>
+          <p:nvSpPr>
+            <p:cNvPr id="17" name="Pfeil nach links und rechts 16"/>
+            <p:cNvSpPr/>
+            <p:nvPr/>
+          </p:nvSpPr>
+          <p:spPr>
+            <a:xfrm rot="20273113">
+              <a:off x="6694256" y="4845764"/>
+              <a:ext cx="1176483" cy="270000"/>
+            </a:xfrm>
+            <a:prstGeom prst="leftRightArrow">
+              <a:avLst>
+                <a:gd name="adj1" fmla="val 40593"/>
+                <a:gd name="adj2" fmla="val 73519"/>
+              </a:avLst>
+            </a:prstGeom>
+            <a:solidFill>
+              <a:srgbClr val="00A864"/>
+            </a:solidFill>
+            <a:ln>
+              <a:noFill/>
+            </a:ln>
+          </p:spPr>
+          <p:style>
+            <a:lnRef idx="2">
+              <a:schemeClr val="accent1">
+                <a:shade val="50000"/>
+              </a:schemeClr>
+            </a:lnRef>
+            <a:fillRef idx="1">
+              <a:schemeClr val="accent1"/>
+            </a:fillRef>
+            <a:effectRef idx="0">
+              <a:schemeClr val="accent1"/>
+            </a:effectRef>
+            <a:fontRef idx="minor">
+              <a:schemeClr val="lt1"/>
+            </a:fontRef>
+          </p:style>
+          <p:txBody>
+            <a:bodyPr rtlCol="0" anchor="ctr"/>
+            <a:lstStyle/>
+            <a:p>
+              <a:pPr algn="ctr"/>
+              <a:endParaRPr lang="de-CH"/>
+            </a:p>
+          </p:txBody>
+        </p:sp>
+        <p:sp>
+          <p:nvSpPr>
+            <p:cNvPr id="20" name="Textfeld 19"/>
+            <p:cNvSpPr txBox="1"/>
+            <p:nvPr/>
+          </p:nvSpPr>
+          <p:spPr>
+            <a:xfrm>
+              <a:off x="9225816" y="5863940"/>
+              <a:ext cx="1016000" cy="646331"/>
+            </a:xfrm>
+            <a:prstGeom prst="rect">
+              <a:avLst/>
+            </a:prstGeom>
+            <a:noFill/>
+          </p:spPr>
+          <p:txBody>
+            <a:bodyPr wrap="square" rtlCol="0">
+              <a:spAutoFit/>
+            </a:bodyPr>
+            <a:lstStyle/>
+            <a:p>
+              <a:r>
+                <a:rPr lang="de-CH" dirty="0" smtClean="0"/>
+                <a:t>MS SQL Server</a:t>
+              </a:r>
+              <a:endParaRPr lang="de-CH" dirty="0"/>
+            </a:p>
+          </p:txBody>
+        </p:sp>
+        <p:sp>
+          <p:nvSpPr>
+            <p:cNvPr id="21" name="Pfeil nach links und rechts 20"/>
+            <p:cNvSpPr/>
+            <p:nvPr/>
+          </p:nvSpPr>
+          <p:spPr>
+            <a:xfrm rot="16200000">
+              <a:off x="8496749" y="5218925"/>
+              <a:ext cx="685517" cy="270000"/>
+            </a:xfrm>
+            <a:prstGeom prst="leftRightArrow">
+              <a:avLst>
+                <a:gd name="adj1" fmla="val 40593"/>
+                <a:gd name="adj2" fmla="val 73519"/>
+              </a:avLst>
+            </a:prstGeom>
+            <a:solidFill>
+              <a:srgbClr val="00A864"/>
+            </a:solidFill>
+            <a:ln>
+              <a:noFill/>
+            </a:ln>
+          </p:spPr>
+          <p:style>
+            <a:lnRef idx="2">
+              <a:schemeClr val="accent1">
+                <a:shade val="50000"/>
+              </a:schemeClr>
+            </a:lnRef>
+            <a:fillRef idx="1">
+              <a:schemeClr val="accent1"/>
+            </a:fillRef>
+            <a:effectRef idx="0">
+              <a:schemeClr val="accent1"/>
+            </a:effectRef>
+            <a:fontRef idx="minor">
+              <a:schemeClr val="lt1"/>
+            </a:fontRef>
+          </p:style>
+          <p:txBody>
+            <a:bodyPr rtlCol="0" anchor="ctr"/>
+            <a:lstStyle/>
+            <a:p>
+              <a:pPr algn="ctr"/>
+              <a:endParaRPr lang="de-CH"/>
+            </a:p>
+          </p:txBody>
+        </p:sp>
+      </p:grpSp>
+      <p:sp>
+        <p:nvSpPr>
+          <p:cNvPr id="22" name="Textfeld 21"/>
+          <p:cNvSpPr txBox="1"/>
+          <p:nvPr/>
+        </p:nvSpPr>
+        <p:spPr>
+          <a:xfrm>
+            <a:off x="8327445" y="1941715"/>
+            <a:ext cx="584200" cy="415498"/>
+          </a:xfrm>
+          <a:prstGeom prst="rect">
+            <a:avLst/>
+          </a:prstGeom>
+          <a:noFill/>
+        </p:spPr>
+        <p:txBody>
+          <a:bodyPr wrap="square" rtlCol="0">
+            <a:spAutoFit/>
+          </a:bodyPr>
+          <a:lstStyle/>
+          <a:p>
+            <a:r>
+              <a:rPr lang="de-CH" sz="1050" dirty="0" smtClean="0"/>
+              <a:t>Offline Cache</a:t>
+            </a:r>
+            <a:endParaRPr lang="de-CH" sz="1050" dirty="0"/>
+          </a:p>
+        </p:txBody>
+      </p:sp>
+      <p:sp>
+        <p:nvSpPr>
+          <p:cNvPr id="25" name="Textfeld 24"/>
+          <p:cNvSpPr txBox="1"/>
+          <p:nvPr/>
+        </p:nvSpPr>
+        <p:spPr>
+          <a:xfrm>
+            <a:off x="2980501" y="6212564"/>
+            <a:ext cx="5869048" cy="461665"/>
+          </a:xfrm>
+          <a:prstGeom prst="rect">
+            <a:avLst/>
+          </a:prstGeom>
+          <a:noFill/>
+        </p:spPr>
+        <p:txBody>
+          <a:bodyPr wrap="square" rtlCol="0">
+            <a:spAutoFit/>
+          </a:bodyPr>
+          <a:lstStyle/>
+          <a:p>
+            <a:pPr algn="ctr"/>
+            <a:r>
+              <a:rPr lang="de-CH" sz="2400" b="1" dirty="0" smtClean="0"/>
+              <a:t>Windows Server</a:t>
+            </a:r>
+            <a:endParaRPr lang="de-CH" sz="2400" b="1" dirty="0"/>
+          </a:p>
+        </p:txBody>
+      </p:sp>
+      <p:cxnSp>
+        <p:nvCxnSpPr>
+          <p:cNvPr id="27" name="Gerader Verbinder 26"/>
+          <p:cNvCxnSpPr/>
+          <p:nvPr/>
+        </p:nvCxnSpPr>
+        <p:spPr>
+          <a:xfrm flipV="1">
+            <a:off x="8706521" y="3617895"/>
+            <a:ext cx="1019223" cy="284798"/>
+          </a:xfrm>
+          <a:prstGeom prst="line">
+            <a:avLst/>
+          </a:prstGeom>
+          <a:ln w="34925">
+            <a:solidFill>
+              <a:srgbClr val="00A864"/>
+            </a:solidFill>
+          </a:ln>
+        </p:spPr>
+        <p:style>
+          <a:lnRef idx="1">
+            <a:schemeClr val="accent1"/>
+          </a:lnRef>
+          <a:fillRef idx="0">
+            <a:schemeClr val="accent1"/>
+          </a:fillRef>
+          <a:effectRef idx="0">
+            <a:schemeClr val="accent1"/>
+          </a:effectRef>
+          <a:fontRef idx="minor">
+            <a:schemeClr val="tx1"/>
+          </a:fontRef>
+        </p:style>
+      </p:cxnSp>
+      <p:cxnSp>
+        <p:nvCxnSpPr>
+          <p:cNvPr id="28" name="Gerader Verbinder 27"/>
+          <p:cNvCxnSpPr/>
+          <p:nvPr/>
+        </p:nvCxnSpPr>
+        <p:spPr>
+          <a:xfrm flipH="1" flipV="1">
+            <a:off x="8716534" y="4381956"/>
+            <a:ext cx="1036396" cy="762144"/>
+          </a:xfrm>
+          <a:prstGeom prst="line">
+            <a:avLst/>
+          </a:prstGeom>
+          <a:ln w="34925">
+            <a:solidFill>
+              <a:srgbClr val="00A864"/>
+            </a:solidFill>
+          </a:ln>
+        </p:spPr>
+        <p:style>
+          <a:lnRef idx="1">
+            <a:schemeClr val="accent1"/>
+          </a:lnRef>
+          <a:fillRef idx="0">
+            <a:schemeClr val="accent1"/>
+          </a:fillRef>
+          <a:effectRef idx="0">
+            <a:schemeClr val="accent1"/>
+          </a:effectRef>
+          <a:fontRef idx="minor">
+            <a:schemeClr val="tx1"/>
+          </a:fontRef>
+        </p:style>
+      </p:cxnSp>
+      <p:grpSp>
+        <p:nvGrpSpPr>
+          <p:cNvPr id="33" name="Gruppieren 32"/>
+          <p:cNvGrpSpPr/>
+          <p:nvPr/>
+        </p:nvGrpSpPr>
+        <p:grpSpPr>
+          <a:xfrm>
+            <a:off x="9882003" y="3066246"/>
+            <a:ext cx="1313667" cy="950130"/>
+            <a:chOff x="9568241" y="3390791"/>
+            <a:chExt cx="1128334" cy="816085"/>
+          </a:xfrm>
+        </p:grpSpPr>
+        <p:pic>
+          <p:nvPicPr>
+            <p:cNvPr id="30" name="Grafik 29"/>
+            <p:cNvPicPr>
+              <a:picLocks noChangeAspect="1"/>
+            </p:cNvPicPr>
+            <p:nvPr/>
+          </p:nvPicPr>
+          <p:blipFill rotWithShape="1">
+            <a:blip r:embed="rId6" cstate="print">
+              <a:extLst>
+                <a:ext uri="{28A0092B-C50C-407E-A947-70E740481C1C}">
+                  <a14:useLocalDpi xmlns:a14="http://schemas.microsoft.com/office/drawing/2010/main" val="0"/>
+                </a:ext>
+              </a:extLst>
+            </a:blip>
+            <a:srcRect t="14070" b="13603"/>
+            <a:stretch/>
+          </p:blipFill>
+          <p:spPr>
+            <a:xfrm>
+              <a:off x="9568241" y="3390791"/>
+              <a:ext cx="1128334" cy="816085"/>
+            </a:xfrm>
+            <a:prstGeom prst="rect">
+              <a:avLst/>
+            </a:prstGeom>
+          </p:spPr>
+        </p:pic>
+        <p:pic>
+          <p:nvPicPr>
+            <p:cNvPr id="31" name="Grafik 30"/>
+            <p:cNvPicPr>
+              <a:picLocks noChangeAspect="1"/>
+            </p:cNvPicPr>
+            <p:nvPr/>
+          </p:nvPicPr>
+          <p:blipFill>
+            <a:blip r:embed="rId7" cstate="print">
+              <a:extLst>
+                <a:ext uri="{28A0092B-C50C-407E-A947-70E740481C1C}">
+                  <a14:useLocalDpi xmlns:a14="http://schemas.microsoft.com/office/drawing/2010/main" val="0"/>
+                </a:ext>
+              </a:extLst>
+            </a:blip>
+            <a:stretch>
+              <a:fillRect/>
+            </a:stretch>
+          </p:blipFill>
+          <p:spPr>
+            <a:xfrm>
+              <a:off x="9984681" y="3596407"/>
+              <a:ext cx="295454" cy="295454"/>
+            </a:xfrm>
+            <a:prstGeom prst="rect">
+              <a:avLst/>
+            </a:prstGeom>
+          </p:spPr>
+        </p:pic>
+      </p:grpSp>
+      <p:sp>
+        <p:nvSpPr>
+          <p:cNvPr id="32" name="Textfeld 31"/>
+          <p:cNvSpPr txBox="1"/>
+          <p:nvPr/>
+        </p:nvSpPr>
+        <p:spPr>
+          <a:xfrm>
+            <a:off x="9991148" y="3920253"/>
+            <a:ext cx="1095375" cy="369332"/>
+          </a:xfrm>
+          <a:prstGeom prst="rect">
+            <a:avLst/>
+          </a:prstGeom>
+          <a:noFill/>
+        </p:spPr>
+        <p:txBody>
+          <a:bodyPr wrap="square" rtlCol="0">
+            <a:spAutoFit/>
+          </a:bodyPr>
+          <a:lstStyle/>
+          <a:p>
+            <a:pPr algn="ctr"/>
+            <a:r>
+              <a:rPr lang="de-CH" dirty="0" smtClean="0"/>
+              <a:t>Web</a:t>
+            </a:r>
+          </a:p>
+        </p:txBody>
+      </p:sp>
+      <p:pic>
+        <p:nvPicPr>
+          <p:cNvPr id="35" name="Grafik 34"/>
+          <p:cNvPicPr>
+            <a:picLocks noChangeAspect="1"/>
+          </p:cNvPicPr>
+          <p:nvPr/>
+        </p:nvPicPr>
+        <p:blipFill>
+          <a:blip r:embed="rId8" cstate="print">
+            <a:extLst>
+              <a:ext uri="{28A0092B-C50C-407E-A947-70E740481C1C}">
+                <a14:useLocalDpi xmlns:a14="http://schemas.microsoft.com/office/drawing/2010/main" val="0"/>
+              </a:ext>
+            </a:extLst>
+          </a:blip>
+          <a:stretch>
+            <a:fillRect/>
+          </a:stretch>
+        </p:blipFill>
+        <p:spPr>
+          <a:xfrm>
+            <a:off x="11253205" y="3680411"/>
+            <a:ext cx="261045" cy="261045"/>
+          </a:xfrm>
+          <a:prstGeom prst="rect">
+            <a:avLst/>
+          </a:prstGeom>
+        </p:spPr>
+      </p:pic>
+      <p:pic>
+        <p:nvPicPr>
+          <p:cNvPr id="36" name="Grafik 35"/>
+          <p:cNvPicPr>
+            <a:picLocks noChangeAspect="1"/>
+          </p:cNvPicPr>
+          <p:nvPr/>
+        </p:nvPicPr>
+        <p:blipFill>
+          <a:blip r:embed="rId9" cstate="print">
+            <a:extLst>
+              <a:ext uri="{28A0092B-C50C-407E-A947-70E740481C1C}">
+                <a14:useLocalDpi xmlns:a14="http://schemas.microsoft.com/office/drawing/2010/main" val="0"/>
+              </a:ext>
+            </a:extLst>
+          </a:blip>
+          <a:stretch>
+            <a:fillRect/>
+          </a:stretch>
+        </p:blipFill>
+        <p:spPr>
+          <a:xfrm>
+            <a:off x="11196092" y="3353676"/>
+            <a:ext cx="375270" cy="375270"/>
+          </a:xfrm>
+          <a:prstGeom prst="rect">
+            <a:avLst/>
+          </a:prstGeom>
+        </p:spPr>
+      </p:pic>
+      <p:pic>
+        <p:nvPicPr>
+          <p:cNvPr id="37" name="Grafik 36"/>
+          <p:cNvPicPr>
+            <a:picLocks noChangeAspect="1"/>
+          </p:cNvPicPr>
+          <p:nvPr/>
+        </p:nvPicPr>
+        <p:blipFill>
+          <a:blip r:embed="rId10" cstate="print">
+            <a:extLst>
+              <a:ext uri="{28A0092B-C50C-407E-A947-70E740481C1C}">
+                <a14:useLocalDpi xmlns:a14="http://schemas.microsoft.com/office/drawing/2010/main" val="0"/>
+              </a:ext>
+            </a:extLst>
+          </a:blip>
+          <a:stretch>
+            <a:fillRect/>
+          </a:stretch>
+        </p:blipFill>
+        <p:spPr>
+          <a:xfrm>
+            <a:off x="11286968" y="3160158"/>
+            <a:ext cx="193518" cy="193518"/>
+          </a:xfrm>
+          <a:prstGeom prst="rect">
+            <a:avLst/>
+          </a:prstGeom>
+        </p:spPr>
+      </p:pic>
+      <p:pic>
+        <p:nvPicPr>
+          <p:cNvPr id="39" name="Grafik 38"/>
+          <p:cNvPicPr>
+            <a:picLocks noChangeAspect="1"/>
+          </p:cNvPicPr>
+          <p:nvPr/>
+        </p:nvPicPr>
+        <p:blipFill rotWithShape="1">
+          <a:blip r:embed="rId11" cstate="print">
+            <a:extLst>
+              <a:ext uri="{28A0092B-C50C-407E-A947-70E740481C1C}">
+                <a14:useLocalDpi xmlns:a14="http://schemas.microsoft.com/office/drawing/2010/main" val="0"/>
+              </a:ext>
+            </a:extLst>
+          </a:blip>
+          <a:srcRect t="8838" b="11085"/>
+          <a:stretch/>
+        </p:blipFill>
+        <p:spPr>
+          <a:xfrm>
+            <a:off x="9882003" y="4787162"/>
+            <a:ext cx="1313667" cy="1051957"/>
+          </a:xfrm>
+          <a:prstGeom prst="rect">
+            <a:avLst/>
+          </a:prstGeom>
+        </p:spPr>
+      </p:pic>
+      <p:sp>
+        <p:nvSpPr>
+          <p:cNvPr id="40" name="Textfeld 39"/>
+          <p:cNvSpPr txBox="1"/>
+          <p:nvPr/>
+        </p:nvSpPr>
+        <p:spPr>
+          <a:xfrm>
+            <a:off x="9921616" y="5738942"/>
+            <a:ext cx="1234440" cy="369332"/>
+          </a:xfrm>
+          <a:prstGeom prst="rect">
+            <a:avLst/>
+          </a:prstGeom>
+          <a:noFill/>
+        </p:spPr>
+        <p:txBody>
+          <a:bodyPr wrap="square" rtlCol="0">
+            <a:spAutoFit/>
+          </a:bodyPr>
+          <a:lstStyle/>
+          <a:p>
+            <a:pPr algn="ctr"/>
+            <a:r>
+              <a:rPr lang="de-CH" dirty="0" smtClean="0"/>
+              <a:t>Dashboard</a:t>
+            </a:r>
+            <a:endParaRPr lang="de-CH" dirty="0"/>
+          </a:p>
+        </p:txBody>
+      </p:sp>
+      <p:sp>
+        <p:nvSpPr>
+          <p:cNvPr id="41" name="Pfeil nach links und rechts 40"/>
+          <p:cNvSpPr/>
+          <p:nvPr/>
+        </p:nvSpPr>
+        <p:spPr>
+          <a:xfrm rot="16200000">
+            <a:off x="7493207" y="2603103"/>
+            <a:ext cx="727187" cy="254046"/>
+          </a:xfrm>
+          <a:prstGeom prst="leftRightArrow">
+            <a:avLst>
+              <a:gd name="adj1" fmla="val 40593"/>
+              <a:gd name="adj2" fmla="val 73519"/>
+            </a:avLst>
+          </a:prstGeom>
+          <a:solidFill>
+            <a:srgbClr val="00A864"/>
+          </a:solidFill>
+          <a:ln>
+            <a:noFill/>
+          </a:ln>
+        </p:spPr>
+        <p:style>
+          <a:lnRef idx="2">
+            <a:schemeClr val="accent1">
+              <a:shade val="50000"/>
+            </a:schemeClr>
+          </a:lnRef>
+          <a:fillRef idx="1">
+            <a:schemeClr val="accent1"/>
+          </a:fillRef>
+          <a:effectRef idx="0">
+            <a:schemeClr val="accent1"/>
+          </a:effectRef>
+          <a:fontRef idx="minor">
+            <a:schemeClr val="lt1"/>
+          </a:fontRef>
+        </p:style>
+        <p:txBody>
+          <a:bodyPr rtlCol="0" anchor="ctr"/>
+          <a:lstStyle/>
+          <a:p>
+            <a:pPr algn="ctr"/>
+            <a:endParaRPr lang="de-CH"/>
+          </a:p>
+        </p:txBody>
+      </p:sp>
+      <p:sp>
+        <p:nvSpPr>
+          <p:cNvPr id="47" name="Textfeld 46"/>
+          <p:cNvSpPr txBox="1"/>
+          <p:nvPr/>
+        </p:nvSpPr>
+        <p:spPr>
+          <a:xfrm>
+            <a:off x="5862762" y="4292308"/>
+            <a:ext cx="579120" cy="307777"/>
+          </a:xfrm>
+          <a:prstGeom prst="rect">
+            <a:avLst/>
+          </a:prstGeom>
+          <a:noFill/>
+        </p:spPr>
+        <p:txBody>
+          <a:bodyPr wrap="square" rtlCol="0">
+            <a:spAutoFit/>
+          </a:bodyPr>
+          <a:lstStyle/>
+          <a:p>
+            <a:pPr algn="ctr"/>
+            <a:r>
+              <a:rPr lang="de-CH" sz="1400" dirty="0" smtClean="0"/>
+              <a:t>LDAP</a:t>
+            </a:r>
+            <a:endParaRPr lang="de-CH" sz="1400" dirty="0"/>
+          </a:p>
+        </p:txBody>
+      </p:sp>
+      <p:pic>
+        <p:nvPicPr>
+          <p:cNvPr id="49" name="Grafik 48"/>
+          <p:cNvPicPr>
+            <a:picLocks noChangeAspect="1"/>
+          </p:cNvPicPr>
+          <p:nvPr/>
+        </p:nvPicPr>
+        <p:blipFill>
+          <a:blip r:embed="rId3" cstate="print">
+            <a:extLst>
+              <a:ext uri="{28A0092B-C50C-407E-A947-70E740481C1C}">
+                <a14:useLocalDpi xmlns:a14="http://schemas.microsoft.com/office/drawing/2010/main" val="0"/>
+              </a:ext>
+            </a:extLst>
+          </a:blip>
+          <a:stretch>
+            <a:fillRect/>
+          </a:stretch>
+        </p:blipFill>
+        <p:spPr>
+          <a:xfrm>
+            <a:off x="10681400" y="653831"/>
+            <a:ext cx="432000" cy="432000"/>
+          </a:xfrm>
+          <a:prstGeom prst="rect">
+            <a:avLst/>
+          </a:prstGeom>
+        </p:spPr>
+      </p:pic>
+      <p:sp>
+        <p:nvSpPr>
+          <p:cNvPr id="50" name="Rechteck 49"/>
+          <p:cNvSpPr/>
+          <p:nvPr/>
+        </p:nvSpPr>
+        <p:spPr>
+          <a:xfrm>
+            <a:off x="10681400" y="1085831"/>
+            <a:ext cx="432000" cy="1142007"/>
+          </a:xfrm>
+          <a:prstGeom prst="rect">
+            <a:avLst/>
+          </a:prstGeom>
+          <a:solidFill>
+            <a:srgbClr val="E21A00"/>
+          </a:solidFill>
+          <a:ln>
+            <a:noFill/>
+          </a:ln>
+        </p:spPr>
+        <p:style>
+          <a:lnRef idx="2">
+            <a:schemeClr val="accent1">
+              <a:shade val="50000"/>
+            </a:schemeClr>
+          </a:lnRef>
+          <a:fillRef idx="1">
+            <a:schemeClr val="accent1"/>
+          </a:fillRef>
+          <a:effectRef idx="0">
+            <a:schemeClr val="accent1"/>
+          </a:effectRef>
+          <a:fontRef idx="minor">
+            <a:schemeClr val="lt1"/>
+          </a:fontRef>
+        </p:style>
+        <p:txBody>
+          <a:bodyPr vert="vert270" rtlCol="0" anchor="ctr"/>
+          <a:lstStyle/>
+          <a:p>
+            <a:pPr algn="ctr"/>
+            <a:r>
+              <a:rPr lang="de-CH" sz="2000" dirty="0" err="1" smtClean="0"/>
+              <a:t>AddIn</a:t>
+            </a:r>
+            <a:endParaRPr lang="de-CH" sz="2000" dirty="0"/>
+          </a:p>
+        </p:txBody>
+      </p:sp>
+      <p:pic>
+        <p:nvPicPr>
+          <p:cNvPr id="51" name="Grafik 50"/>
+          <p:cNvPicPr>
+            <a:picLocks noChangeAspect="1"/>
+          </p:cNvPicPr>
+          <p:nvPr/>
+        </p:nvPicPr>
+        <p:blipFill>
+          <a:blip r:embed="rId12" cstate="print">
+            <a:extLst>
+              <a:ext uri="{28A0092B-C50C-407E-A947-70E740481C1C}">
+                <a14:useLocalDpi xmlns:a14="http://schemas.microsoft.com/office/drawing/2010/main" val="0"/>
+              </a:ext>
+            </a:extLst>
+          </a:blip>
+          <a:stretch>
+            <a:fillRect/>
+          </a:stretch>
+        </p:blipFill>
+        <p:spPr>
+          <a:xfrm>
+            <a:off x="11152511" y="1461506"/>
+            <a:ext cx="360000" cy="360000"/>
+          </a:xfrm>
+          <a:prstGeom prst="rect">
+            <a:avLst/>
+          </a:prstGeom>
+        </p:spPr>
+      </p:pic>
+      <p:pic>
+        <p:nvPicPr>
+          <p:cNvPr id="52" name="Grafik 51"/>
+          <p:cNvPicPr>
+            <a:picLocks noChangeAspect="1"/>
+          </p:cNvPicPr>
+          <p:nvPr/>
+        </p:nvPicPr>
+        <p:blipFill>
+          <a:blip r:embed="rId13" cstate="print">
+            <a:extLst>
+              <a:ext uri="{28A0092B-C50C-407E-A947-70E740481C1C}">
+                <a14:useLocalDpi xmlns:a14="http://schemas.microsoft.com/office/drawing/2010/main" val="0"/>
+              </a:ext>
+            </a:extLst>
+          </a:blip>
+          <a:stretch>
+            <a:fillRect/>
+          </a:stretch>
+        </p:blipFill>
+        <p:spPr>
+          <a:xfrm>
+            <a:off x="11152511" y="653831"/>
+            <a:ext cx="360000" cy="360000"/>
+          </a:xfrm>
+          <a:prstGeom prst="rect">
+            <a:avLst/>
+          </a:prstGeom>
+        </p:spPr>
+      </p:pic>
+      <p:pic>
+        <p:nvPicPr>
+          <p:cNvPr id="53" name="Grafik 52"/>
+          <p:cNvPicPr>
+            <a:picLocks noChangeAspect="1"/>
+          </p:cNvPicPr>
+          <p:nvPr/>
+        </p:nvPicPr>
+        <p:blipFill>
+          <a:blip r:embed="rId14" cstate="print">
+            <a:extLst>
+              <a:ext uri="{28A0092B-C50C-407E-A947-70E740481C1C}">
+                <a14:useLocalDpi xmlns:a14="http://schemas.microsoft.com/office/drawing/2010/main" val="0"/>
+              </a:ext>
+            </a:extLst>
+          </a:blip>
+          <a:stretch>
+            <a:fillRect/>
+          </a:stretch>
+        </p:blipFill>
+        <p:spPr>
+          <a:xfrm>
+            <a:off x="11152511" y="1867838"/>
+            <a:ext cx="360000" cy="360000"/>
+          </a:xfrm>
+          <a:prstGeom prst="rect">
+            <a:avLst/>
+          </a:prstGeom>
+        </p:spPr>
+      </p:pic>
+      <p:pic>
+        <p:nvPicPr>
+          <p:cNvPr id="54" name="Grafik 53"/>
+          <p:cNvPicPr>
+            <a:picLocks noChangeAspect="1"/>
+          </p:cNvPicPr>
+          <p:nvPr/>
+        </p:nvPicPr>
+        <p:blipFill>
+          <a:blip r:embed="rId15" cstate="print">
+            <a:extLst>
+              <a:ext uri="{28A0092B-C50C-407E-A947-70E740481C1C}">
+                <a14:useLocalDpi xmlns:a14="http://schemas.microsoft.com/office/drawing/2010/main" val="0"/>
+              </a:ext>
+            </a:extLst>
+          </a:blip>
+          <a:stretch>
+            <a:fillRect/>
+          </a:stretch>
+        </p:blipFill>
+        <p:spPr>
+          <a:xfrm>
+            <a:off x="11152511" y="1054169"/>
+            <a:ext cx="360000" cy="360000"/>
+          </a:xfrm>
+          <a:prstGeom prst="rect">
+            <a:avLst/>
+          </a:prstGeom>
+        </p:spPr>
+      </p:pic>
+      <p:sp>
+        <p:nvSpPr>
+          <p:cNvPr id="55" name="Textfeld 54"/>
+          <p:cNvSpPr txBox="1"/>
+          <p:nvPr/>
+        </p:nvSpPr>
+        <p:spPr>
+          <a:xfrm>
+            <a:off x="9075765" y="1279411"/>
+            <a:ext cx="858929" cy="369332"/>
+          </a:xfrm>
+          <a:prstGeom prst="rect">
+            <a:avLst/>
+          </a:prstGeom>
+          <a:noFill/>
+        </p:spPr>
+        <p:txBody>
+          <a:bodyPr wrap="square" rtlCol="0">
+            <a:spAutoFit/>
+          </a:bodyPr>
+          <a:lstStyle/>
+          <a:p>
+            <a:pPr algn="ctr"/>
+            <a:r>
+              <a:rPr lang="de-CH" dirty="0" smtClean="0"/>
+              <a:t>WS NP</a:t>
+            </a:r>
+            <a:endParaRPr lang="de-CH" dirty="0"/>
+          </a:p>
+        </p:txBody>
+      </p:sp>
+      <p:sp>
+        <p:nvSpPr>
+          <p:cNvPr id="56" name="Pfeil nach links und rechts 55"/>
+          <p:cNvSpPr/>
+          <p:nvPr/>
+        </p:nvSpPr>
+        <p:spPr>
+          <a:xfrm rot="5400000">
+            <a:off x="1559045" y="2443860"/>
+            <a:ext cx="1136431" cy="254046"/>
+          </a:xfrm>
+          <a:prstGeom prst="leftRightArrow">
+            <a:avLst>
+              <a:gd name="adj1" fmla="val 40593"/>
+              <a:gd name="adj2" fmla="val 73519"/>
+            </a:avLst>
+          </a:prstGeom>
+          <a:solidFill>
+            <a:srgbClr val="00A864"/>
+          </a:solidFill>
+          <a:ln>
+            <a:noFill/>
+          </a:ln>
+        </p:spPr>
+        <p:style>
+          <a:lnRef idx="2">
+            <a:schemeClr val="accent1">
+              <a:shade val="50000"/>
+            </a:schemeClr>
+          </a:lnRef>
+          <a:fillRef idx="1">
+            <a:schemeClr val="accent1"/>
+          </a:fillRef>
+          <a:effectRef idx="0">
+            <a:schemeClr val="accent1"/>
+          </a:effectRef>
+          <a:fontRef idx="minor">
+            <a:schemeClr val="lt1"/>
+          </a:fontRef>
+        </p:style>
+        <p:txBody>
+          <a:bodyPr rtlCol="0" anchor="ctr"/>
+          <a:lstStyle/>
+          <a:p>
+            <a:pPr algn="ctr"/>
+            <a:endParaRPr lang="de-CH"/>
+          </a:p>
+        </p:txBody>
+      </p:sp>
+      <p:sp>
+        <p:nvSpPr>
+          <p:cNvPr id="57" name="Textfeld 56"/>
+          <p:cNvSpPr txBox="1"/>
+          <p:nvPr/>
+        </p:nvSpPr>
+        <p:spPr>
+          <a:xfrm>
+            <a:off x="2181522" y="2390249"/>
+            <a:ext cx="641630" cy="369332"/>
+          </a:xfrm>
+          <a:prstGeom prst="rect">
+            <a:avLst/>
+          </a:prstGeom>
+          <a:noFill/>
+        </p:spPr>
+        <p:txBody>
+          <a:bodyPr wrap="square" rtlCol="0">
+            <a:spAutoFit/>
+          </a:bodyPr>
+          <a:lstStyle/>
+          <a:p>
+            <a:r>
+              <a:rPr lang="de-CH" dirty="0" smtClean="0"/>
+              <a:t>REST</a:t>
+            </a:r>
+          </a:p>
+        </p:txBody>
+      </p:sp>
+      <p:sp>
+        <p:nvSpPr>
+          <p:cNvPr id="60" name="Rechteck 59"/>
+          <p:cNvSpPr/>
+          <p:nvPr/>
+        </p:nvSpPr>
+        <p:spPr>
+          <a:xfrm>
+            <a:off x="788049" y="1139339"/>
+            <a:ext cx="2680601" cy="717169"/>
+          </a:xfrm>
+          <a:prstGeom prst="rect">
+            <a:avLst/>
+          </a:prstGeom>
+          <a:solidFill>
+            <a:srgbClr val="00ADEA"/>
+          </a:solidFill>
+          <a:ln>
+            <a:noFill/>
+          </a:ln>
+        </p:spPr>
+        <p:style>
+          <a:lnRef idx="2">
+            <a:schemeClr val="accent1">
+              <a:shade val="50000"/>
+            </a:schemeClr>
+          </a:lnRef>
+          <a:fillRef idx="1">
+            <a:schemeClr val="accent1"/>
+          </a:fillRef>
+          <a:effectRef idx="0">
+            <a:schemeClr val="accent1"/>
+          </a:effectRef>
+          <a:fontRef idx="minor">
+            <a:schemeClr val="lt1"/>
+          </a:fontRef>
+        </p:style>
+        <p:txBody>
+          <a:bodyPr lIns="180000" rIns="0" rtlCol="0" anchor="ctr"/>
+          <a:lstStyle/>
+          <a:p>
+            <a:r>
+              <a:rPr lang="de-CH" b="1" dirty="0" smtClean="0"/>
+              <a:t>Fachapplikationen</a:t>
+            </a:r>
+            <a:endParaRPr lang="de-CH" b="1" dirty="0"/>
+          </a:p>
+        </p:txBody>
+      </p:sp>
+      <p:pic>
+        <p:nvPicPr>
+          <p:cNvPr id="61" name="Grafik 60"/>
+          <p:cNvPicPr>
+            <a:picLocks noChangeAspect="1"/>
+          </p:cNvPicPr>
+          <p:nvPr/>
+        </p:nvPicPr>
+        <p:blipFill>
+          <a:blip r:embed="rId16" cstate="print">
+            <a:extLst>
+              <a:ext uri="{28A0092B-C50C-407E-A947-70E740481C1C}">
+                <a14:useLocalDpi xmlns:a14="http://schemas.microsoft.com/office/drawing/2010/main" val="0"/>
+              </a:ext>
+            </a:extLst>
+          </a:blip>
+          <a:stretch>
+            <a:fillRect/>
+          </a:stretch>
+        </p:blipFill>
+        <p:spPr>
+          <a:xfrm>
+            <a:off x="788049" y="437744"/>
+            <a:ext cx="591166" cy="591166"/>
+          </a:xfrm>
+          <a:prstGeom prst="rect">
+            <a:avLst/>
+          </a:prstGeom>
+        </p:spPr>
+      </p:pic>
+      <p:pic>
+        <p:nvPicPr>
+          <p:cNvPr id="62" name="Grafik 61"/>
+          <p:cNvPicPr>
+            <a:picLocks noChangeAspect="1"/>
+          </p:cNvPicPr>
+          <p:nvPr/>
+        </p:nvPicPr>
+        <p:blipFill>
+          <a:blip r:embed="rId17" cstate="print">
+            <a:extLst>
+              <a:ext uri="{28A0092B-C50C-407E-A947-70E740481C1C}">
+                <a14:useLocalDpi xmlns:a14="http://schemas.microsoft.com/office/drawing/2010/main" val="0"/>
+              </a:ext>
+            </a:extLst>
+          </a:blip>
+          <a:stretch>
+            <a:fillRect/>
+          </a:stretch>
+        </p:blipFill>
+        <p:spPr>
+          <a:xfrm>
+            <a:off x="1735659" y="415689"/>
+            <a:ext cx="596256" cy="596256"/>
+          </a:xfrm>
+          <a:prstGeom prst="rect">
+            <a:avLst/>
+          </a:prstGeom>
+        </p:spPr>
+      </p:pic>
+      <p:pic>
+        <p:nvPicPr>
+          <p:cNvPr id="63" name="Grafik 62"/>
+          <p:cNvPicPr>
+            <a:picLocks noChangeAspect="1"/>
+          </p:cNvPicPr>
+          <p:nvPr/>
+        </p:nvPicPr>
+        <p:blipFill>
+          <a:blip r:embed="rId18" cstate="print">
+            <a:extLst>
+              <a:ext uri="{28A0092B-C50C-407E-A947-70E740481C1C}">
+                <a14:useLocalDpi xmlns:a14="http://schemas.microsoft.com/office/drawing/2010/main" val="0"/>
+              </a:ext>
+            </a:extLst>
+          </a:blip>
+          <a:stretch>
+            <a:fillRect/>
+          </a:stretch>
+        </p:blipFill>
+        <p:spPr>
+          <a:xfrm>
+            <a:off x="2688360" y="351554"/>
+            <a:ext cx="780290" cy="780290"/>
+          </a:xfrm>
+          <a:prstGeom prst="rect">
+            <a:avLst/>
+          </a:prstGeom>
+        </p:spPr>
+      </p:pic>
+      <p:pic>
+        <p:nvPicPr>
+          <p:cNvPr id="64" name="Grafik 63"/>
+          <p:cNvPicPr>
+            <a:picLocks noChangeAspect="1"/>
+          </p:cNvPicPr>
+          <p:nvPr/>
+        </p:nvPicPr>
+        <p:blipFill>
+          <a:blip r:embed="rId3" cstate="print">
+            <a:extLst>
+              <a:ext uri="{28A0092B-C50C-407E-A947-70E740481C1C}">
+                <a14:useLocalDpi xmlns:a14="http://schemas.microsoft.com/office/drawing/2010/main" val="0"/>
+              </a:ext>
+            </a:extLst>
+          </a:blip>
+          <a:stretch>
+            <a:fillRect/>
+          </a:stretch>
+        </p:blipFill>
+        <p:spPr>
+          <a:xfrm>
+            <a:off x="337281" y="489530"/>
+            <a:ext cx="188646" cy="188646"/>
+          </a:xfrm>
+          <a:prstGeom prst="rect">
+            <a:avLst/>
+          </a:prstGeom>
+        </p:spPr>
+      </p:pic>
+      <p:sp>
+        <p:nvSpPr>
+          <p:cNvPr id="65" name="Textfeld 64"/>
+          <p:cNvSpPr txBox="1"/>
+          <p:nvPr/>
+        </p:nvSpPr>
+        <p:spPr>
+          <a:xfrm>
+            <a:off x="233031" y="655931"/>
+            <a:ext cx="585791" cy="415498"/>
+          </a:xfrm>
+          <a:prstGeom prst="rect">
+            <a:avLst/>
+          </a:prstGeom>
+          <a:noFill/>
+        </p:spPr>
+        <p:txBody>
+          <a:bodyPr wrap="square" rtlCol="0">
+            <a:spAutoFit/>
+          </a:bodyPr>
+          <a:lstStyle/>
+          <a:p>
+            <a:r>
+              <a:rPr lang="de-CH" sz="700" dirty="0" err="1" smtClean="0"/>
+              <a:t>OneOffixx</a:t>
+            </a:r>
+            <a:r>
+              <a:rPr lang="de-CH" sz="700" dirty="0" smtClean="0"/>
+              <a:t> SharePoint Connector</a:t>
+            </a:r>
+            <a:endParaRPr lang="de-CH" sz="700" dirty="0"/>
+          </a:p>
+        </p:txBody>
+      </p:sp>
+      <p:pic>
+        <p:nvPicPr>
+          <p:cNvPr id="66" name="Grafik 65"/>
+          <p:cNvPicPr>
+            <a:picLocks noChangeAspect="1"/>
+          </p:cNvPicPr>
+          <p:nvPr/>
+        </p:nvPicPr>
+        <p:blipFill>
+          <a:blip r:embed="rId19" cstate="print">
+            <a:extLst>
+              <a:ext uri="{28A0092B-C50C-407E-A947-70E740481C1C}">
+                <a14:useLocalDpi xmlns:a14="http://schemas.microsoft.com/office/drawing/2010/main" val="0"/>
+              </a:ext>
+            </a:extLst>
+          </a:blip>
+          <a:stretch>
+            <a:fillRect/>
+          </a:stretch>
+        </p:blipFill>
+        <p:spPr>
+          <a:xfrm>
+            <a:off x="2768513" y="1239352"/>
+            <a:ext cx="516933" cy="516933"/>
+          </a:xfrm>
+          <a:prstGeom prst="rect">
+            <a:avLst/>
+          </a:prstGeom>
+        </p:spPr>
+      </p:pic>
+      <p:sp>
+        <p:nvSpPr>
+          <p:cNvPr id="68" name="Pfeil nach links und rechts 67"/>
+          <p:cNvSpPr/>
+          <p:nvPr/>
+        </p:nvSpPr>
+        <p:spPr>
+          <a:xfrm>
+            <a:off x="3739954" y="1710855"/>
+            <a:ext cx="3395262" cy="254046"/>
+          </a:xfrm>
+          <a:prstGeom prst="leftRightArrow">
+            <a:avLst>
+              <a:gd name="adj1" fmla="val 40593"/>
+              <a:gd name="adj2" fmla="val 73519"/>
+            </a:avLst>
+          </a:prstGeom>
+          <a:solidFill>
+            <a:srgbClr val="00A864"/>
+          </a:solidFill>
+          <a:ln>
+            <a:noFill/>
+          </a:ln>
+        </p:spPr>
+        <p:style>
+          <a:lnRef idx="2">
+            <a:schemeClr val="accent1">
+              <a:shade val="50000"/>
+            </a:schemeClr>
+          </a:lnRef>
+          <a:fillRef idx="1">
+            <a:schemeClr val="accent1"/>
+          </a:fillRef>
+          <a:effectRef idx="0">
+            <a:schemeClr val="accent1"/>
+          </a:effectRef>
+          <a:fontRef idx="minor">
+            <a:schemeClr val="lt1"/>
+          </a:fontRef>
+        </p:style>
+        <p:txBody>
+          <a:bodyPr rtlCol="0" anchor="ctr"/>
+          <a:lstStyle/>
+          <a:p>
+            <a:pPr algn="ctr"/>
+            <a:endParaRPr lang="de-CH"/>
+          </a:p>
+        </p:txBody>
+      </p:sp>
+      <p:sp>
+        <p:nvSpPr>
+          <p:cNvPr id="69" name="Pfeil nach links 68"/>
+          <p:cNvSpPr/>
+          <p:nvPr/>
+        </p:nvSpPr>
+        <p:spPr>
+          <a:xfrm>
+            <a:off x="3764962" y="670492"/>
+            <a:ext cx="6704918" cy="259363"/>
+          </a:xfrm>
+          <a:prstGeom prst="leftArrow">
+            <a:avLst>
+              <a:gd name="adj1" fmla="val 37260"/>
+              <a:gd name="adj2" fmla="val 79727"/>
+            </a:avLst>
+          </a:prstGeom>
+          <a:solidFill>
+            <a:srgbClr val="00A864"/>
+          </a:solidFill>
+          <a:ln>
+            <a:noFill/>
+          </a:ln>
+        </p:spPr>
+        <p:style>
+          <a:lnRef idx="2">
+            <a:schemeClr val="accent1">
+              <a:shade val="50000"/>
+            </a:schemeClr>
+          </a:lnRef>
+          <a:fillRef idx="1">
+            <a:schemeClr val="accent1"/>
+          </a:fillRef>
+          <a:effectRef idx="0">
+            <a:schemeClr val="accent1"/>
+          </a:effectRef>
+          <a:fontRef idx="minor">
+            <a:schemeClr val="lt1"/>
+          </a:fontRef>
+        </p:style>
+        <p:txBody>
+          <a:bodyPr rtlCol="0" anchor="ctr"/>
+          <a:lstStyle/>
+          <a:p>
+            <a:pPr algn="ctr"/>
+            <a:endParaRPr lang="de-CH"/>
+          </a:p>
+        </p:txBody>
+      </p:sp>
+      <p:sp>
+        <p:nvSpPr>
+          <p:cNvPr id="70" name="Pfeil nach links 69"/>
+          <p:cNvSpPr/>
+          <p:nvPr/>
+        </p:nvSpPr>
+        <p:spPr>
+          <a:xfrm rot="10800000">
+            <a:off x="3755428" y="1106510"/>
+            <a:ext cx="3379788" cy="259363"/>
+          </a:xfrm>
+          <a:prstGeom prst="leftArrow">
+            <a:avLst>
+              <a:gd name="adj1" fmla="val 37260"/>
+              <a:gd name="adj2" fmla="val 79727"/>
+            </a:avLst>
+          </a:prstGeom>
+          <a:solidFill>
+            <a:srgbClr val="00A864"/>
+          </a:solidFill>
+          <a:ln>
+            <a:noFill/>
+          </a:ln>
+        </p:spPr>
+        <p:style>
+          <a:lnRef idx="2">
+            <a:schemeClr val="accent1">
+              <a:shade val="50000"/>
+            </a:schemeClr>
+          </a:lnRef>
+          <a:fillRef idx="1">
+            <a:schemeClr val="accent1"/>
+          </a:fillRef>
+          <a:effectRef idx="0">
+            <a:schemeClr val="accent1"/>
+          </a:effectRef>
+          <a:fontRef idx="minor">
+            <a:schemeClr val="lt1"/>
+          </a:fontRef>
+        </p:style>
+        <p:txBody>
+          <a:bodyPr rtlCol="0" anchor="ctr"/>
+          <a:lstStyle/>
+          <a:p>
+            <a:pPr algn="ctr"/>
+            <a:endParaRPr lang="de-CH"/>
+          </a:p>
+        </p:txBody>
+      </p:sp>
+      <p:sp>
+        <p:nvSpPr>
+          <p:cNvPr id="71" name="Textfeld 70"/>
+          <p:cNvSpPr txBox="1"/>
+          <p:nvPr/>
+        </p:nvSpPr>
+        <p:spPr>
+          <a:xfrm>
+            <a:off x="4033651" y="1231946"/>
+            <a:ext cx="2705115" cy="369332"/>
+          </a:xfrm>
+          <a:prstGeom prst="rect">
+            <a:avLst/>
+          </a:prstGeom>
+          <a:noFill/>
+        </p:spPr>
+        <p:txBody>
+          <a:bodyPr wrap="square" rtlCol="0">
+            <a:spAutoFit/>
+          </a:bodyPr>
+          <a:lstStyle/>
+          <a:p>
+            <a:pPr algn="ctr"/>
+            <a:r>
+              <a:rPr lang="de-CH" dirty="0" smtClean="0"/>
+              <a:t>WS/WML/Protocol/</a:t>
+            </a:r>
+            <a:r>
+              <a:rPr lang="de-CH" dirty="0" err="1"/>
+              <a:t>I</a:t>
+            </a:r>
+            <a:r>
+              <a:rPr lang="de-CH" dirty="0" err="1" smtClean="0"/>
+              <a:t>nProc</a:t>
+            </a:r>
+            <a:endParaRPr lang="de-CH" dirty="0"/>
+          </a:p>
+        </p:txBody>
+      </p:sp>
+      <p:sp>
+        <p:nvSpPr>
+          <p:cNvPr id="72" name="Textfeld 71"/>
+          <p:cNvSpPr txBox="1"/>
+          <p:nvPr/>
+        </p:nvSpPr>
+        <p:spPr>
+          <a:xfrm>
+            <a:off x="4033651" y="1830482"/>
+            <a:ext cx="2705115" cy="369332"/>
+          </a:xfrm>
+          <a:prstGeom prst="rect">
+            <a:avLst/>
+          </a:prstGeom>
+          <a:noFill/>
+        </p:spPr>
+        <p:txBody>
+          <a:bodyPr wrap="square" rtlCol="0">
+            <a:spAutoFit/>
+          </a:bodyPr>
+          <a:lstStyle/>
+          <a:p>
+            <a:pPr algn="ctr"/>
+            <a:r>
+              <a:rPr lang="de-CH" dirty="0" smtClean="0"/>
+              <a:t>Adressen/Daten/Doc</a:t>
+            </a:r>
+            <a:endParaRPr lang="de-CH" dirty="0"/>
+          </a:p>
+        </p:txBody>
+      </p:sp>
+      <p:sp>
+        <p:nvSpPr>
+          <p:cNvPr id="73" name="Textfeld 72"/>
+          <p:cNvSpPr txBox="1"/>
+          <p:nvPr/>
+        </p:nvSpPr>
+        <p:spPr>
+          <a:xfrm>
+            <a:off x="7320568" y="212120"/>
+            <a:ext cx="3286816" cy="461665"/>
+          </a:xfrm>
+          <a:prstGeom prst="rect">
+            <a:avLst/>
+          </a:prstGeom>
+          <a:noFill/>
+        </p:spPr>
+        <p:txBody>
+          <a:bodyPr wrap="square" rtlCol="0">
+            <a:spAutoFit/>
+          </a:bodyPr>
+          <a:lstStyle>
+            <a:defPPr>
+              <a:defRPr lang="en-US"/>
+            </a:defPPr>
+            <a:lvl1pPr algn="ctr">
+              <a:defRPr sz="2400" b="1"/>
+            </a:lvl1pPr>
+          </a:lstStyle>
+          <a:p>
+            <a:r>
+              <a:rPr lang="de-CH" dirty="0"/>
+              <a:t>Windows </a:t>
+            </a:r>
+            <a:r>
+              <a:rPr lang="de-CH" dirty="0" smtClean="0"/>
+              <a:t>Client</a:t>
+            </a:r>
+            <a:endParaRPr lang="de-CH" dirty="0"/>
+          </a:p>
+        </p:txBody>
+      </p:sp>
+      <p:sp>
+        <p:nvSpPr>
+          <p:cNvPr id="78" name="Pfeil nach links 77"/>
+          <p:cNvSpPr/>
+          <p:nvPr/>
+        </p:nvSpPr>
+        <p:spPr>
+          <a:xfrm rot="10800000" flipH="1">
+            <a:off x="8508521" y="1598576"/>
+            <a:ext cx="1961359" cy="259363"/>
+          </a:xfrm>
+          <a:prstGeom prst="leftArrow">
+            <a:avLst>
+              <a:gd name="adj1" fmla="val 37260"/>
+              <a:gd name="adj2" fmla="val 79727"/>
+            </a:avLst>
+          </a:prstGeom>
+          <a:solidFill>
+            <a:srgbClr val="00A864"/>
+          </a:solidFill>
+          <a:ln>
+            <a:noFill/>
+          </a:ln>
+        </p:spPr>
+        <p:style>
+          <a:lnRef idx="2">
+            <a:schemeClr val="accent1">
+              <a:shade val="50000"/>
+            </a:schemeClr>
+          </a:lnRef>
+          <a:fillRef idx="1">
+            <a:schemeClr val="accent1"/>
+          </a:fillRef>
+          <a:effectRef idx="0">
+            <a:schemeClr val="accent1"/>
+          </a:effectRef>
+          <a:fontRef idx="minor">
+            <a:schemeClr val="lt1"/>
+          </a:fontRef>
+        </p:style>
+        <p:txBody>
+          <a:bodyPr rtlCol="0" anchor="ctr"/>
+          <a:lstStyle/>
+          <a:p>
+            <a:pPr algn="ctr"/>
+            <a:endParaRPr lang="de-CH"/>
+          </a:p>
+        </p:txBody>
+      </p:sp>
+      <p:sp>
+        <p:nvSpPr>
+          <p:cNvPr id="79" name="Textfeld 78"/>
+          <p:cNvSpPr txBox="1"/>
+          <p:nvPr/>
+        </p:nvSpPr>
+        <p:spPr>
+          <a:xfrm>
+            <a:off x="7794330" y="4737489"/>
+            <a:ext cx="1092546" cy="523220"/>
+          </a:xfrm>
+          <a:prstGeom prst="rect">
+            <a:avLst/>
+          </a:prstGeom>
+          <a:noFill/>
+        </p:spPr>
+        <p:txBody>
+          <a:bodyPr wrap="square" rtlCol="0">
+            <a:spAutoFit/>
+          </a:bodyPr>
+          <a:lstStyle/>
+          <a:p>
+            <a:r>
+              <a:rPr lang="de-CH" sz="1400" dirty="0" smtClean="0"/>
+              <a:t>Entity Framework</a:t>
+            </a:r>
+            <a:endParaRPr lang="de-CH" sz="1400" dirty="0"/>
+          </a:p>
+        </p:txBody>
+      </p:sp>
+      <p:pic>
+        <p:nvPicPr>
+          <p:cNvPr id="2" name="Grafik 1"/>
+          <p:cNvPicPr>
+            <a:picLocks noChangeAspect="1"/>
+          </p:cNvPicPr>
+          <p:nvPr/>
+        </p:nvPicPr>
+        <p:blipFill>
+          <a:blip r:embed="rId20" cstate="print">
+            <a:extLst>
+              <a:ext uri="{28A0092B-C50C-407E-A947-70E740481C1C}">
+                <a14:useLocalDpi xmlns:a14="http://schemas.microsoft.com/office/drawing/2010/main" val="0"/>
+              </a:ext>
+            </a:extLst>
+          </a:blip>
+          <a:stretch>
+            <a:fillRect/>
+          </a:stretch>
+        </p:blipFill>
+        <p:spPr>
+          <a:xfrm>
+            <a:off x="4722766" y="4805540"/>
+            <a:ext cx="1015200" cy="1015200"/>
+          </a:xfrm>
+          <a:prstGeom prst="rect">
+            <a:avLst/>
+          </a:prstGeom>
+        </p:spPr>
+      </p:pic>
+      <p:sp>
+        <p:nvSpPr>
+          <p:cNvPr id="3" name="Textfeld 2"/>
+          <p:cNvSpPr txBox="1"/>
+          <p:nvPr/>
+        </p:nvSpPr>
+        <p:spPr>
+          <a:xfrm>
+            <a:off x="7135217" y="2739118"/>
+            <a:ext cx="659323" cy="369332"/>
+          </a:xfrm>
+          <a:prstGeom prst="rect">
+            <a:avLst/>
+          </a:prstGeom>
+          <a:noFill/>
+        </p:spPr>
+        <p:txBody>
+          <a:bodyPr wrap="square" rtlCol="0">
+            <a:spAutoFit/>
+          </a:bodyPr>
+          <a:lstStyle/>
+          <a:p>
+            <a:r>
+              <a:rPr lang="de-CH" dirty="0" smtClean="0"/>
+              <a:t>WCF</a:t>
+            </a:r>
+            <a:endParaRPr lang="de-CH" dirty="0"/>
+          </a:p>
+        </p:txBody>
+      </p:sp>
+      <p:pic>
+        <p:nvPicPr>
+          <p:cNvPr id="74" name="Grafik 73"/>
+          <p:cNvPicPr>
+            <a:picLocks noChangeAspect="1"/>
+          </p:cNvPicPr>
+          <p:nvPr/>
+        </p:nvPicPr>
+        <p:blipFill>
+          <a:blip r:embed="rId4" cstate="print">
+            <a:extLst>
+              <a:ext uri="{28A0092B-C50C-407E-A947-70E740481C1C}">
+                <a14:useLocalDpi xmlns:a14="http://schemas.microsoft.com/office/drawing/2010/main" val="0"/>
+              </a:ext>
+            </a:extLst>
+          </a:blip>
+          <a:stretch>
+            <a:fillRect/>
+          </a:stretch>
+        </p:blipFill>
+        <p:spPr>
+          <a:xfrm>
+            <a:off x="7501479" y="5497563"/>
+            <a:ext cx="585702" cy="585702"/>
+          </a:xfrm>
+          <a:prstGeom prst="rect">
+            <a:avLst/>
+          </a:prstGeom>
+        </p:spPr>
+      </p:pic>
+    </p:spTree>
+    <p:extLst>
+      <p:ext uri="{BB962C8B-B14F-4D97-AF65-F5344CB8AC3E}">
+        <p14:creationId xmlns:p14="http://schemas.microsoft.com/office/powerpoint/2010/main" val="3049251864"/>
+      </p:ext>
+    </p:extLst>
+  </p:cSld>
+  <p:clrMapOvr>
+    <a:masterClrMapping/>
+  </p:clrMapOvr>
+  <p:timing>
+    <p:tnLst>
+      <p:par>
+        <p:cTn id="1" dur="indefinite" restart="never" nodeType="tmRoot"/>
+      </p:par>
+    </p:tnLst>
+  </p:timing>
 </p:sld>
 </file>
 
@@ -3503,11 +9180,7 @@
             </a:r>
             <a:r>
               <a:rPr lang="de-CH" sz="1400" dirty="0" smtClean="0"/>
-              <a:t> </a:t>
-            </a:r>
-            <a:r>
-              <a:rPr lang="de-CH" sz="1400" dirty="0" smtClean="0"/>
-              <a:t>Worker</a:t>
+              <a:t> Worker</a:t>
             </a:r>
             <a:endParaRPr lang="de-CH" sz="1400" dirty="0"/>
           </a:p>
@@ -6312,7 +11985,7 @@
           <a:p>
             <a:r>
               <a:rPr lang="de-CH" dirty="0" smtClean="0"/>
-              <a:t>Resources</a:t>
+              <a:t>Systemübersicht</a:t>
             </a:r>
             <a:endParaRPr lang="de-CH" dirty="0"/>
           </a:p>
@@ -6333,31 +12006,2137 @@
           <a:bodyPr/>
           <a:lstStyle/>
           <a:p>
-            <a:r>
-              <a:rPr lang="de-CH" dirty="0" smtClean="0"/>
-              <a:t>Icon Set:</a:t>
-            </a:r>
-          </a:p>
-          <a:p>
-            <a:pPr lvl="1"/>
-            <a:r>
-              <a:rPr lang="de-CH" dirty="0" smtClean="0"/>
-              <a:t>https://www.microsoft.com/en-us/download/details.aspx?id=41937</a:t>
-            </a:r>
-            <a:endParaRPr lang="de-CH" dirty="0"/>
+            <a:endParaRPr lang="de-CH"/>
           </a:p>
         </p:txBody>
       </p:sp>
     </p:spTree>
     <p:extLst>
       <p:ext uri="{BB962C8B-B14F-4D97-AF65-F5344CB8AC3E}">
-        <p14:creationId xmlns:p14="http://schemas.microsoft.com/office/powerpoint/2010/main" val="2424686417"/>
+        <p14:creationId xmlns:p14="http://schemas.microsoft.com/office/powerpoint/2010/main" val="130335980"/>
       </p:ext>
     </p:extLst>
   </p:cSld>
   <p:clrMapOvr>
     <a:masterClrMapping/>
   </p:clrMapOvr>
+</p:sld>
+</file>
+
+<file path=ppt/slides/slide8.xml><?xml version="1.0" encoding="utf-8"?>
+<p:sld xmlns:a="http://schemas.openxmlformats.org/drawingml/2006/main" xmlns:r="http://schemas.openxmlformats.org/officeDocument/2006/relationships" xmlns:p="http://schemas.openxmlformats.org/presentationml/2006/main">
+  <p:cSld>
+    <p:spTree>
+      <p:nvGrpSpPr>
+        <p:cNvPr id="1" name=""/>
+        <p:cNvGrpSpPr/>
+        <p:nvPr/>
+      </p:nvGrpSpPr>
+      <p:grpSpPr>
+        <a:xfrm>
+          <a:off x="0" y="0"/>
+          <a:ext cx="0" cy="0"/>
+          <a:chOff x="0" y="0"/>
+          <a:chExt cx="0" cy="0"/>
+        </a:xfrm>
+      </p:grpSpPr>
+      <p:sp>
+        <p:nvSpPr>
+          <p:cNvPr id="29" name="Rechteck 28"/>
+          <p:cNvSpPr/>
+          <p:nvPr/>
+        </p:nvSpPr>
+        <p:spPr>
+          <a:xfrm>
+            <a:off x="1740968" y="2781300"/>
+            <a:ext cx="6698019" cy="4003759"/>
+          </a:xfrm>
+          <a:prstGeom prst="rect">
+            <a:avLst/>
+          </a:prstGeom>
+          <a:solidFill>
+            <a:schemeClr val="bg2">
+              <a:lumMod val="90000"/>
+              <a:alpha val="36000"/>
+            </a:schemeClr>
+          </a:solidFill>
+          <a:ln>
+            <a:noFill/>
+          </a:ln>
+        </p:spPr>
+        <p:style>
+          <a:lnRef idx="2">
+            <a:schemeClr val="accent1">
+              <a:shade val="50000"/>
+            </a:schemeClr>
+          </a:lnRef>
+          <a:fillRef idx="1">
+            <a:schemeClr val="accent1"/>
+          </a:fillRef>
+          <a:effectRef idx="0">
+            <a:schemeClr val="accent1"/>
+          </a:effectRef>
+          <a:fontRef idx="minor">
+            <a:schemeClr val="lt1"/>
+          </a:fontRef>
+        </p:style>
+        <p:txBody>
+          <a:bodyPr rtlCol="0" anchor="ctr"/>
+          <a:lstStyle/>
+          <a:p>
+            <a:pPr algn="ctr"/>
+            <a:endParaRPr lang="de-CH"/>
+          </a:p>
+        </p:txBody>
+      </p:sp>
+      <p:sp>
+        <p:nvSpPr>
+          <p:cNvPr id="78" name="Rechteck 77"/>
+          <p:cNvSpPr/>
+          <p:nvPr/>
+        </p:nvSpPr>
+        <p:spPr>
+          <a:xfrm>
+            <a:off x="8878043" y="146550"/>
+            <a:ext cx="3188146" cy="6638509"/>
+          </a:xfrm>
+          <a:prstGeom prst="rect">
+            <a:avLst/>
+          </a:prstGeom>
+          <a:solidFill>
+            <a:schemeClr val="bg2">
+              <a:lumMod val="90000"/>
+              <a:alpha val="36000"/>
+            </a:schemeClr>
+          </a:solidFill>
+          <a:ln>
+            <a:noFill/>
+          </a:ln>
+        </p:spPr>
+        <p:style>
+          <a:lnRef idx="2">
+            <a:schemeClr val="accent1">
+              <a:shade val="50000"/>
+            </a:schemeClr>
+          </a:lnRef>
+          <a:fillRef idx="1">
+            <a:schemeClr val="accent1"/>
+          </a:fillRef>
+          <a:effectRef idx="0">
+            <a:schemeClr val="accent1"/>
+          </a:effectRef>
+          <a:fontRef idx="minor">
+            <a:schemeClr val="lt1"/>
+          </a:fontRef>
+        </p:style>
+        <p:txBody>
+          <a:bodyPr rtlCol="0" anchor="ctr"/>
+          <a:lstStyle/>
+          <a:p>
+            <a:pPr algn="ctr"/>
+            <a:endParaRPr lang="de-CH"/>
+          </a:p>
+        </p:txBody>
+      </p:sp>
+      <p:sp>
+        <p:nvSpPr>
+          <p:cNvPr id="68" name="Rechteck 67"/>
+          <p:cNvSpPr/>
+          <p:nvPr/>
+        </p:nvSpPr>
+        <p:spPr>
+          <a:xfrm flipH="1">
+            <a:off x="143750" y="2778952"/>
+            <a:ext cx="1175114" cy="3990893"/>
+          </a:xfrm>
+          <a:prstGeom prst="rect">
+            <a:avLst/>
+          </a:prstGeom>
+          <a:solidFill>
+            <a:schemeClr val="bg2">
+              <a:lumMod val="90000"/>
+              <a:alpha val="36000"/>
+            </a:schemeClr>
+          </a:solidFill>
+          <a:ln>
+            <a:noFill/>
+          </a:ln>
+        </p:spPr>
+        <p:style>
+          <a:lnRef idx="2">
+            <a:schemeClr val="accent1">
+              <a:shade val="50000"/>
+            </a:schemeClr>
+          </a:lnRef>
+          <a:fillRef idx="1">
+            <a:schemeClr val="accent1"/>
+          </a:fillRef>
+          <a:effectRef idx="0">
+            <a:schemeClr val="accent1"/>
+          </a:effectRef>
+          <a:fontRef idx="minor">
+            <a:schemeClr val="lt1"/>
+          </a:fontRef>
+        </p:style>
+        <p:txBody>
+          <a:bodyPr rtlCol="0" anchor="ctr"/>
+          <a:lstStyle/>
+          <a:p>
+            <a:pPr algn="ctr"/>
+            <a:endParaRPr lang="de-CH"/>
+          </a:p>
+        </p:txBody>
+      </p:sp>
+      <p:sp>
+        <p:nvSpPr>
+          <p:cNvPr id="30" name="Rechteck 29"/>
+          <p:cNvSpPr/>
+          <p:nvPr/>
+        </p:nvSpPr>
+        <p:spPr>
+          <a:xfrm>
+            <a:off x="143750" y="148987"/>
+            <a:ext cx="8261109" cy="2136093"/>
+          </a:xfrm>
+          <a:prstGeom prst="rect">
+            <a:avLst/>
+          </a:prstGeom>
+          <a:solidFill>
+            <a:schemeClr val="bg2">
+              <a:lumMod val="90000"/>
+              <a:alpha val="36000"/>
+            </a:schemeClr>
+          </a:solidFill>
+          <a:ln>
+            <a:noFill/>
+          </a:ln>
+        </p:spPr>
+        <p:style>
+          <a:lnRef idx="2">
+            <a:schemeClr val="accent1">
+              <a:shade val="50000"/>
+            </a:schemeClr>
+          </a:lnRef>
+          <a:fillRef idx="1">
+            <a:schemeClr val="accent1"/>
+          </a:fillRef>
+          <a:effectRef idx="0">
+            <a:schemeClr val="accent1"/>
+          </a:effectRef>
+          <a:fontRef idx="minor">
+            <a:schemeClr val="lt1"/>
+          </a:fontRef>
+        </p:style>
+        <p:txBody>
+          <a:bodyPr rtlCol="0" anchor="ctr"/>
+          <a:lstStyle/>
+          <a:p>
+            <a:pPr algn="ctr"/>
+            <a:endParaRPr lang="de-CH"/>
+          </a:p>
+        </p:txBody>
+      </p:sp>
+      <p:pic>
+        <p:nvPicPr>
+          <p:cNvPr id="5" name="Grafik 4"/>
+          <p:cNvPicPr>
+            <a:picLocks noChangeAspect="1"/>
+          </p:cNvPicPr>
+          <p:nvPr/>
+        </p:nvPicPr>
+        <p:blipFill>
+          <a:blip r:embed="rId3" cstate="print">
+            <a:extLst>
+              <a:ext uri="{28A0092B-C50C-407E-A947-70E740481C1C}">
+                <a14:useLocalDpi xmlns:a14="http://schemas.microsoft.com/office/drawing/2010/main" val="0"/>
+              </a:ext>
+            </a:extLst>
+          </a:blip>
+          <a:stretch>
+            <a:fillRect/>
+          </a:stretch>
+        </p:blipFill>
+        <p:spPr>
+          <a:xfrm>
+            <a:off x="767780" y="288071"/>
+            <a:ext cx="432000" cy="432000"/>
+          </a:xfrm>
+          <a:prstGeom prst="rect">
+            <a:avLst/>
+          </a:prstGeom>
+        </p:spPr>
+      </p:pic>
+      <p:sp>
+        <p:nvSpPr>
+          <p:cNvPr id="6" name="Rechteck 5"/>
+          <p:cNvSpPr/>
+          <p:nvPr/>
+        </p:nvSpPr>
+        <p:spPr>
+          <a:xfrm>
+            <a:off x="767780" y="720071"/>
+            <a:ext cx="432000" cy="1142007"/>
+          </a:xfrm>
+          <a:prstGeom prst="rect">
+            <a:avLst/>
+          </a:prstGeom>
+          <a:solidFill>
+            <a:srgbClr val="E21A00"/>
+          </a:solidFill>
+          <a:ln>
+            <a:noFill/>
+          </a:ln>
+        </p:spPr>
+        <p:style>
+          <a:lnRef idx="2">
+            <a:schemeClr val="accent1">
+              <a:shade val="50000"/>
+            </a:schemeClr>
+          </a:lnRef>
+          <a:fillRef idx="1">
+            <a:schemeClr val="accent1"/>
+          </a:fillRef>
+          <a:effectRef idx="0">
+            <a:schemeClr val="accent1"/>
+          </a:effectRef>
+          <a:fontRef idx="minor">
+            <a:schemeClr val="lt1"/>
+          </a:fontRef>
+        </p:style>
+        <p:txBody>
+          <a:bodyPr vert="vert270" rtlCol="0" anchor="ctr"/>
+          <a:lstStyle/>
+          <a:p>
+            <a:pPr algn="ctr"/>
+            <a:r>
+              <a:rPr lang="de-CH" sz="2000" dirty="0" err="1" smtClean="0"/>
+              <a:t>AddIn</a:t>
+            </a:r>
+            <a:endParaRPr lang="de-CH" sz="2000" dirty="0"/>
+          </a:p>
+        </p:txBody>
+      </p:sp>
+      <p:pic>
+        <p:nvPicPr>
+          <p:cNvPr id="7" name="Grafik 6"/>
+          <p:cNvPicPr>
+            <a:picLocks noChangeAspect="1"/>
+          </p:cNvPicPr>
+          <p:nvPr/>
+        </p:nvPicPr>
+        <p:blipFill>
+          <a:blip r:embed="rId4" cstate="print">
+            <a:extLst>
+              <a:ext uri="{28A0092B-C50C-407E-A947-70E740481C1C}">
+                <a14:useLocalDpi xmlns:a14="http://schemas.microsoft.com/office/drawing/2010/main" val="0"/>
+              </a:ext>
+            </a:extLst>
+          </a:blip>
+          <a:stretch>
+            <a:fillRect/>
+          </a:stretch>
+        </p:blipFill>
+        <p:spPr>
+          <a:xfrm>
+            <a:off x="347351" y="1095746"/>
+            <a:ext cx="360000" cy="360000"/>
+          </a:xfrm>
+          <a:prstGeom prst="rect">
+            <a:avLst/>
+          </a:prstGeom>
+        </p:spPr>
+      </p:pic>
+      <p:pic>
+        <p:nvPicPr>
+          <p:cNvPr id="8" name="Grafik 7"/>
+          <p:cNvPicPr>
+            <a:picLocks noChangeAspect="1"/>
+          </p:cNvPicPr>
+          <p:nvPr/>
+        </p:nvPicPr>
+        <p:blipFill>
+          <a:blip r:embed="rId5" cstate="print">
+            <a:extLst>
+              <a:ext uri="{28A0092B-C50C-407E-A947-70E740481C1C}">
+                <a14:useLocalDpi xmlns:a14="http://schemas.microsoft.com/office/drawing/2010/main" val="0"/>
+              </a:ext>
+            </a:extLst>
+          </a:blip>
+          <a:stretch>
+            <a:fillRect/>
+          </a:stretch>
+        </p:blipFill>
+        <p:spPr>
+          <a:xfrm>
+            <a:off x="347351" y="288071"/>
+            <a:ext cx="360000" cy="360000"/>
+          </a:xfrm>
+          <a:prstGeom prst="rect">
+            <a:avLst/>
+          </a:prstGeom>
+        </p:spPr>
+      </p:pic>
+      <p:pic>
+        <p:nvPicPr>
+          <p:cNvPr id="9" name="Grafik 8"/>
+          <p:cNvPicPr>
+            <a:picLocks noChangeAspect="1"/>
+          </p:cNvPicPr>
+          <p:nvPr/>
+        </p:nvPicPr>
+        <p:blipFill>
+          <a:blip r:embed="rId6" cstate="print">
+            <a:extLst>
+              <a:ext uri="{28A0092B-C50C-407E-A947-70E740481C1C}">
+                <a14:useLocalDpi xmlns:a14="http://schemas.microsoft.com/office/drawing/2010/main" val="0"/>
+              </a:ext>
+            </a:extLst>
+          </a:blip>
+          <a:stretch>
+            <a:fillRect/>
+          </a:stretch>
+        </p:blipFill>
+        <p:spPr>
+          <a:xfrm>
+            <a:off x="347351" y="1502078"/>
+            <a:ext cx="360000" cy="360000"/>
+          </a:xfrm>
+          <a:prstGeom prst="rect">
+            <a:avLst/>
+          </a:prstGeom>
+        </p:spPr>
+      </p:pic>
+      <p:pic>
+        <p:nvPicPr>
+          <p:cNvPr id="10" name="Grafik 9"/>
+          <p:cNvPicPr>
+            <a:picLocks noChangeAspect="1"/>
+          </p:cNvPicPr>
+          <p:nvPr/>
+        </p:nvPicPr>
+        <p:blipFill>
+          <a:blip r:embed="rId7" cstate="print">
+            <a:extLst>
+              <a:ext uri="{28A0092B-C50C-407E-A947-70E740481C1C}">
+                <a14:useLocalDpi xmlns:a14="http://schemas.microsoft.com/office/drawing/2010/main" val="0"/>
+              </a:ext>
+            </a:extLst>
+          </a:blip>
+          <a:stretch>
+            <a:fillRect/>
+          </a:stretch>
+        </p:blipFill>
+        <p:spPr>
+          <a:xfrm>
+            <a:off x="347351" y="688409"/>
+            <a:ext cx="360000" cy="360000"/>
+          </a:xfrm>
+          <a:prstGeom prst="rect">
+            <a:avLst/>
+          </a:prstGeom>
+        </p:spPr>
+      </p:pic>
+      <p:pic>
+        <p:nvPicPr>
+          <p:cNvPr id="16" name="Grafik 15"/>
+          <p:cNvPicPr>
+            <a:picLocks noChangeAspect="1"/>
+          </p:cNvPicPr>
+          <p:nvPr/>
+        </p:nvPicPr>
+        <p:blipFill>
+          <a:blip r:embed="rId3">
+            <a:extLst>
+              <a:ext uri="{28A0092B-C50C-407E-A947-70E740481C1C}">
+                <a14:useLocalDpi xmlns:a14="http://schemas.microsoft.com/office/drawing/2010/main" val="0"/>
+              </a:ext>
+            </a:extLst>
+          </a:blip>
+          <a:stretch>
+            <a:fillRect/>
+          </a:stretch>
+        </p:blipFill>
+        <p:spPr>
+          <a:xfrm>
+            <a:off x="3428015" y="643935"/>
+            <a:ext cx="1100550" cy="1100550"/>
+          </a:xfrm>
+          <a:prstGeom prst="rect">
+            <a:avLst/>
+          </a:prstGeom>
+        </p:spPr>
+      </p:pic>
+      <p:pic>
+        <p:nvPicPr>
+          <p:cNvPr id="17" name="Grafik 16"/>
+          <p:cNvPicPr>
+            <a:picLocks noChangeAspect="1"/>
+          </p:cNvPicPr>
+          <p:nvPr/>
+        </p:nvPicPr>
+        <p:blipFill>
+          <a:blip r:embed="rId8" cstate="print">
+            <a:extLst>
+              <a:ext uri="{28A0092B-C50C-407E-A947-70E740481C1C}">
+                <a14:useLocalDpi xmlns:a14="http://schemas.microsoft.com/office/drawing/2010/main" val="0"/>
+              </a:ext>
+            </a:extLst>
+          </a:blip>
+          <a:stretch>
+            <a:fillRect/>
+          </a:stretch>
+        </p:blipFill>
+        <p:spPr>
+          <a:xfrm>
+            <a:off x="4287438" y="1460143"/>
+            <a:ext cx="312238" cy="312238"/>
+          </a:xfrm>
+          <a:prstGeom prst="rect">
+            <a:avLst/>
+          </a:prstGeom>
+        </p:spPr>
+      </p:pic>
+      <p:sp>
+        <p:nvSpPr>
+          <p:cNvPr id="18" name="Textfeld 17"/>
+          <p:cNvSpPr txBox="1"/>
+          <p:nvPr/>
+        </p:nvSpPr>
+        <p:spPr>
+          <a:xfrm>
+            <a:off x="4535338" y="1408513"/>
+            <a:ext cx="584200" cy="415498"/>
+          </a:xfrm>
+          <a:prstGeom prst="rect">
+            <a:avLst/>
+          </a:prstGeom>
+          <a:noFill/>
+        </p:spPr>
+        <p:txBody>
+          <a:bodyPr wrap="square" rtlCol="0">
+            <a:spAutoFit/>
+          </a:bodyPr>
+          <a:lstStyle/>
+          <a:p>
+            <a:r>
+              <a:rPr lang="de-CH" sz="1050" dirty="0" smtClean="0"/>
+              <a:t>Offline Cache</a:t>
+            </a:r>
+            <a:endParaRPr lang="de-CH" sz="1050" dirty="0"/>
+          </a:p>
+        </p:txBody>
+      </p:sp>
+      <p:sp>
+        <p:nvSpPr>
+          <p:cNvPr id="20" name="Pfeil nach links und rechts 19"/>
+          <p:cNvSpPr/>
+          <p:nvPr/>
+        </p:nvSpPr>
+        <p:spPr>
+          <a:xfrm>
+            <a:off x="1318864" y="967781"/>
+            <a:ext cx="1898157" cy="164592"/>
+          </a:xfrm>
+          <a:prstGeom prst="leftRightArrow">
+            <a:avLst>
+              <a:gd name="adj1" fmla="val 40593"/>
+              <a:gd name="adj2" fmla="val 73519"/>
+            </a:avLst>
+          </a:prstGeom>
+          <a:solidFill>
+            <a:srgbClr val="00A864"/>
+          </a:solidFill>
+          <a:ln>
+            <a:noFill/>
+          </a:ln>
+        </p:spPr>
+        <p:style>
+          <a:lnRef idx="2">
+            <a:schemeClr val="accent1">
+              <a:shade val="50000"/>
+            </a:schemeClr>
+          </a:lnRef>
+          <a:fillRef idx="1">
+            <a:schemeClr val="accent1"/>
+          </a:fillRef>
+          <a:effectRef idx="0">
+            <a:schemeClr val="accent1"/>
+          </a:effectRef>
+          <a:fontRef idx="minor">
+            <a:schemeClr val="lt1"/>
+          </a:fontRef>
+        </p:style>
+        <p:txBody>
+          <a:bodyPr rtlCol="0" anchor="ctr"/>
+          <a:lstStyle/>
+          <a:p>
+            <a:pPr algn="ctr"/>
+            <a:endParaRPr lang="de-CH" dirty="0"/>
+          </a:p>
+        </p:txBody>
+      </p:sp>
+      <p:pic>
+        <p:nvPicPr>
+          <p:cNvPr id="22" name="Grafik 21"/>
+          <p:cNvPicPr>
+            <a:picLocks noChangeAspect="1"/>
+          </p:cNvPicPr>
+          <p:nvPr/>
+        </p:nvPicPr>
+        <p:blipFill>
+          <a:blip r:embed="rId8" cstate="print">
+            <a:extLst>
+              <a:ext uri="{28A0092B-C50C-407E-A947-70E740481C1C}">
+                <a14:useLocalDpi xmlns:a14="http://schemas.microsoft.com/office/drawing/2010/main" val="0"/>
+              </a:ext>
+            </a:extLst>
+          </a:blip>
+          <a:stretch>
+            <a:fillRect/>
+          </a:stretch>
+        </p:blipFill>
+        <p:spPr>
+          <a:xfrm>
+            <a:off x="3584371" y="5404448"/>
+            <a:ext cx="573168" cy="573168"/>
+          </a:xfrm>
+          <a:prstGeom prst="rect">
+            <a:avLst/>
+          </a:prstGeom>
+        </p:spPr>
+      </p:pic>
+      <p:pic>
+        <p:nvPicPr>
+          <p:cNvPr id="26" name="Grafik 25"/>
+          <p:cNvPicPr>
+            <a:picLocks noChangeAspect="1"/>
+          </p:cNvPicPr>
+          <p:nvPr/>
+        </p:nvPicPr>
+        <p:blipFill>
+          <a:blip r:embed="rId9" cstate="print">
+            <a:extLst>
+              <a:ext uri="{28A0092B-C50C-407E-A947-70E740481C1C}">
+                <a14:useLocalDpi xmlns:a14="http://schemas.microsoft.com/office/drawing/2010/main" val="0"/>
+              </a:ext>
+            </a:extLst>
+          </a:blip>
+          <a:stretch>
+            <a:fillRect/>
+          </a:stretch>
+        </p:blipFill>
+        <p:spPr>
+          <a:xfrm>
+            <a:off x="248680" y="3795392"/>
+            <a:ext cx="1015200" cy="1015200"/>
+          </a:xfrm>
+          <a:prstGeom prst="rect">
+            <a:avLst/>
+          </a:prstGeom>
+        </p:spPr>
+      </p:pic>
+      <p:pic>
+        <p:nvPicPr>
+          <p:cNvPr id="31" name="Grafik 30"/>
+          <p:cNvPicPr>
+            <a:picLocks noChangeAspect="1"/>
+          </p:cNvPicPr>
+          <p:nvPr/>
+        </p:nvPicPr>
+        <p:blipFill>
+          <a:blip r:embed="rId10" cstate="print">
+            <a:extLst>
+              <a:ext uri="{28A0092B-C50C-407E-A947-70E740481C1C}">
+                <a14:useLocalDpi xmlns:a14="http://schemas.microsoft.com/office/drawing/2010/main" val="0"/>
+              </a:ext>
+            </a:extLst>
+          </a:blip>
+          <a:stretch>
+            <a:fillRect/>
+          </a:stretch>
+        </p:blipFill>
+        <p:spPr>
+          <a:xfrm>
+            <a:off x="3450263" y="3480462"/>
+            <a:ext cx="1016183" cy="1016183"/>
+          </a:xfrm>
+          <a:prstGeom prst="rect">
+            <a:avLst/>
+          </a:prstGeom>
+        </p:spPr>
+      </p:pic>
+      <p:sp>
+        <p:nvSpPr>
+          <p:cNvPr id="32" name="Pfeil nach links und rechts 31"/>
+          <p:cNvSpPr/>
+          <p:nvPr/>
+        </p:nvSpPr>
+        <p:spPr>
+          <a:xfrm rot="16200000">
+            <a:off x="3252465" y="2630175"/>
+            <a:ext cx="1236980" cy="167630"/>
+          </a:xfrm>
+          <a:prstGeom prst="leftRightArrow">
+            <a:avLst>
+              <a:gd name="adj1" fmla="val 40593"/>
+              <a:gd name="adj2" fmla="val 73519"/>
+            </a:avLst>
+          </a:prstGeom>
+          <a:solidFill>
+            <a:srgbClr val="00A864"/>
+          </a:solidFill>
+          <a:ln>
+            <a:noFill/>
+          </a:ln>
+        </p:spPr>
+        <p:style>
+          <a:lnRef idx="2">
+            <a:schemeClr val="accent1">
+              <a:shade val="50000"/>
+            </a:schemeClr>
+          </a:lnRef>
+          <a:fillRef idx="1">
+            <a:schemeClr val="accent1"/>
+          </a:fillRef>
+          <a:effectRef idx="0">
+            <a:schemeClr val="accent1"/>
+          </a:effectRef>
+          <a:fontRef idx="minor">
+            <a:schemeClr val="lt1"/>
+          </a:fontRef>
+        </p:style>
+        <p:txBody>
+          <a:bodyPr rtlCol="0" anchor="ctr"/>
+          <a:lstStyle/>
+          <a:p>
+            <a:pPr algn="ctr"/>
+            <a:endParaRPr lang="de-CH"/>
+          </a:p>
+        </p:txBody>
+      </p:sp>
+      <p:sp>
+        <p:nvSpPr>
+          <p:cNvPr id="36" name="Pfeil nach links 35"/>
+          <p:cNvSpPr/>
+          <p:nvPr/>
+        </p:nvSpPr>
+        <p:spPr>
+          <a:xfrm>
+            <a:off x="1318863" y="417213"/>
+            <a:ext cx="8096887" cy="168045"/>
+          </a:xfrm>
+          <a:prstGeom prst="leftArrow">
+            <a:avLst>
+              <a:gd name="adj1" fmla="val 37260"/>
+              <a:gd name="adj2" fmla="val 79727"/>
+            </a:avLst>
+          </a:prstGeom>
+          <a:solidFill>
+            <a:srgbClr val="00A864"/>
+          </a:solidFill>
+          <a:ln>
+            <a:noFill/>
+          </a:ln>
+        </p:spPr>
+        <p:style>
+          <a:lnRef idx="2">
+            <a:schemeClr val="accent1">
+              <a:shade val="50000"/>
+            </a:schemeClr>
+          </a:lnRef>
+          <a:fillRef idx="1">
+            <a:schemeClr val="accent1"/>
+          </a:fillRef>
+          <a:effectRef idx="0">
+            <a:schemeClr val="accent1"/>
+          </a:effectRef>
+          <a:fontRef idx="minor">
+            <a:schemeClr val="lt1"/>
+          </a:fontRef>
+        </p:style>
+        <p:txBody>
+          <a:bodyPr rtlCol="0" anchor="ctr"/>
+          <a:lstStyle/>
+          <a:p>
+            <a:pPr algn="ctr"/>
+            <a:endParaRPr lang="de-CH"/>
+          </a:p>
+        </p:txBody>
+      </p:sp>
+      <p:sp>
+        <p:nvSpPr>
+          <p:cNvPr id="40" name="Textfeld 39"/>
+          <p:cNvSpPr txBox="1"/>
+          <p:nvPr/>
+        </p:nvSpPr>
+        <p:spPr>
+          <a:xfrm>
+            <a:off x="3267658" y="4532127"/>
+            <a:ext cx="1234440" cy="369332"/>
+          </a:xfrm>
+          <a:prstGeom prst="rect">
+            <a:avLst/>
+          </a:prstGeom>
+          <a:noFill/>
+        </p:spPr>
+        <p:txBody>
+          <a:bodyPr wrap="square" rtlCol="0">
+            <a:spAutoFit/>
+          </a:bodyPr>
+          <a:lstStyle/>
+          <a:p>
+            <a:pPr algn="ctr"/>
+            <a:r>
+              <a:rPr lang="de-CH" dirty="0" smtClean="0"/>
+              <a:t>Service</a:t>
+            </a:r>
+            <a:endParaRPr lang="de-CH" dirty="0"/>
+          </a:p>
+        </p:txBody>
+      </p:sp>
+      <p:sp>
+        <p:nvSpPr>
+          <p:cNvPr id="42" name="Pfeil nach links und rechts 41"/>
+          <p:cNvSpPr/>
+          <p:nvPr/>
+        </p:nvSpPr>
+        <p:spPr>
+          <a:xfrm>
+            <a:off x="7922809" y="5909826"/>
+            <a:ext cx="1492942" cy="164592"/>
+          </a:xfrm>
+          <a:prstGeom prst="leftRightArrow">
+            <a:avLst>
+              <a:gd name="adj1" fmla="val 40593"/>
+              <a:gd name="adj2" fmla="val 73519"/>
+            </a:avLst>
+          </a:prstGeom>
+          <a:solidFill>
+            <a:srgbClr val="00A864"/>
+          </a:solidFill>
+          <a:ln>
+            <a:noFill/>
+          </a:ln>
+        </p:spPr>
+        <p:style>
+          <a:lnRef idx="2">
+            <a:schemeClr val="accent1">
+              <a:shade val="50000"/>
+            </a:schemeClr>
+          </a:lnRef>
+          <a:fillRef idx="1">
+            <a:schemeClr val="accent1"/>
+          </a:fillRef>
+          <a:effectRef idx="0">
+            <a:schemeClr val="accent1"/>
+          </a:effectRef>
+          <a:fontRef idx="minor">
+            <a:schemeClr val="lt1"/>
+          </a:fontRef>
+        </p:style>
+        <p:txBody>
+          <a:bodyPr rtlCol="0" anchor="ctr"/>
+          <a:lstStyle/>
+          <a:p>
+            <a:pPr algn="ctr"/>
+            <a:endParaRPr lang="de-CH" dirty="0"/>
+          </a:p>
+        </p:txBody>
+      </p:sp>
+      <p:sp>
+        <p:nvSpPr>
+          <p:cNvPr id="43" name="Textfeld 42"/>
+          <p:cNvSpPr txBox="1"/>
+          <p:nvPr/>
+        </p:nvSpPr>
+        <p:spPr>
+          <a:xfrm>
+            <a:off x="5834557" y="5972791"/>
+            <a:ext cx="1234440" cy="369332"/>
+          </a:xfrm>
+          <a:prstGeom prst="rect">
+            <a:avLst/>
+          </a:prstGeom>
+          <a:noFill/>
+        </p:spPr>
+        <p:txBody>
+          <a:bodyPr wrap="square" rtlCol="0">
+            <a:spAutoFit/>
+          </a:bodyPr>
+          <a:lstStyle/>
+          <a:p>
+            <a:pPr algn="ctr"/>
+            <a:r>
+              <a:rPr lang="de-CH" dirty="0" smtClean="0"/>
+              <a:t>Web</a:t>
+            </a:r>
+            <a:endParaRPr lang="de-CH" dirty="0"/>
+          </a:p>
+        </p:txBody>
+      </p:sp>
+      <p:sp>
+        <p:nvSpPr>
+          <p:cNvPr id="45" name="Textfeld 44"/>
+          <p:cNvSpPr txBox="1"/>
+          <p:nvPr/>
+        </p:nvSpPr>
+        <p:spPr>
+          <a:xfrm>
+            <a:off x="3334904" y="6018957"/>
+            <a:ext cx="1212799" cy="646331"/>
+          </a:xfrm>
+          <a:prstGeom prst="rect">
+            <a:avLst/>
+          </a:prstGeom>
+          <a:noFill/>
+        </p:spPr>
+        <p:txBody>
+          <a:bodyPr wrap="square" rtlCol="0">
+            <a:spAutoFit/>
+          </a:bodyPr>
+          <a:lstStyle/>
+          <a:p>
+            <a:pPr algn="ctr"/>
+            <a:r>
+              <a:rPr lang="de-CH" dirty="0" smtClean="0"/>
+              <a:t>SQL </a:t>
+            </a:r>
+            <a:r>
+              <a:rPr lang="de-CH" dirty="0"/>
+              <a:t>Server</a:t>
+            </a:r>
+          </a:p>
+          <a:p>
+            <a:pPr algn="ctr"/>
+            <a:endParaRPr lang="de-CH" dirty="0"/>
+          </a:p>
+        </p:txBody>
+      </p:sp>
+      <p:sp>
+        <p:nvSpPr>
+          <p:cNvPr id="49" name="Textfeld 48"/>
+          <p:cNvSpPr txBox="1"/>
+          <p:nvPr/>
+        </p:nvSpPr>
+        <p:spPr>
+          <a:xfrm>
+            <a:off x="6571414" y="5974600"/>
+            <a:ext cx="1234440" cy="369332"/>
+          </a:xfrm>
+          <a:prstGeom prst="rect">
+            <a:avLst/>
+          </a:prstGeom>
+          <a:noFill/>
+        </p:spPr>
+        <p:txBody>
+          <a:bodyPr wrap="square" rtlCol="0">
+            <a:spAutoFit/>
+          </a:bodyPr>
+          <a:lstStyle/>
+          <a:p>
+            <a:pPr algn="ctr"/>
+            <a:r>
+              <a:rPr lang="de-CH" dirty="0" smtClean="0"/>
+              <a:t>Admin</a:t>
+            </a:r>
+            <a:endParaRPr lang="de-CH" dirty="0"/>
+          </a:p>
+        </p:txBody>
+      </p:sp>
+      <p:sp>
+        <p:nvSpPr>
+          <p:cNvPr id="54" name="Textfeld 53"/>
+          <p:cNvSpPr txBox="1"/>
+          <p:nvPr/>
+        </p:nvSpPr>
+        <p:spPr>
+          <a:xfrm>
+            <a:off x="1921394" y="1217033"/>
+            <a:ext cx="858929" cy="338554"/>
+          </a:xfrm>
+          <a:prstGeom prst="rect">
+            <a:avLst/>
+          </a:prstGeom>
+          <a:noFill/>
+        </p:spPr>
+        <p:txBody>
+          <a:bodyPr wrap="square" rtlCol="0">
+            <a:spAutoFit/>
+          </a:bodyPr>
+          <a:lstStyle/>
+          <a:p>
+            <a:pPr algn="ctr"/>
+            <a:r>
+              <a:rPr lang="de-CH" sz="1600" dirty="0" smtClean="0"/>
+              <a:t>NP</a:t>
+            </a:r>
+            <a:endParaRPr lang="de-CH" sz="1400" dirty="0"/>
+          </a:p>
+        </p:txBody>
+      </p:sp>
+      <p:sp>
+        <p:nvSpPr>
+          <p:cNvPr id="59" name="Textfeld 58"/>
+          <p:cNvSpPr txBox="1"/>
+          <p:nvPr/>
+        </p:nvSpPr>
+        <p:spPr>
+          <a:xfrm>
+            <a:off x="8042446" y="5282552"/>
+            <a:ext cx="1296500" cy="584775"/>
+          </a:xfrm>
+          <a:prstGeom prst="rect">
+            <a:avLst/>
+          </a:prstGeom>
+          <a:noFill/>
+        </p:spPr>
+        <p:txBody>
+          <a:bodyPr wrap="square" rtlCol="0">
+            <a:spAutoFit/>
+          </a:bodyPr>
+          <a:lstStyle/>
+          <a:p>
+            <a:pPr algn="ctr"/>
+            <a:r>
+              <a:rPr lang="de-CH" sz="1600" dirty="0" smtClean="0"/>
+              <a:t>HTTP API /</a:t>
+            </a:r>
+          </a:p>
+          <a:p>
+            <a:pPr algn="ctr"/>
+            <a:r>
+              <a:rPr lang="de-CH" sz="1600" dirty="0" smtClean="0"/>
+              <a:t>Via Browser</a:t>
+            </a:r>
+            <a:endParaRPr lang="de-CH" sz="1600" dirty="0"/>
+          </a:p>
+        </p:txBody>
+      </p:sp>
+      <p:sp>
+        <p:nvSpPr>
+          <p:cNvPr id="61" name="Textfeld 60"/>
+          <p:cNvSpPr txBox="1"/>
+          <p:nvPr/>
+        </p:nvSpPr>
+        <p:spPr>
+          <a:xfrm>
+            <a:off x="154672" y="1908584"/>
+            <a:ext cx="1766722" cy="369332"/>
+          </a:xfrm>
+          <a:prstGeom prst="rect">
+            <a:avLst/>
+          </a:prstGeom>
+          <a:noFill/>
+        </p:spPr>
+        <p:txBody>
+          <a:bodyPr wrap="square" rtlCol="0">
+            <a:spAutoFit/>
+          </a:bodyPr>
+          <a:lstStyle>
+            <a:defPPr>
+              <a:defRPr lang="en-US"/>
+            </a:defPPr>
+            <a:lvl1pPr algn="ctr">
+              <a:defRPr sz="2400" b="1"/>
+            </a:lvl1pPr>
+          </a:lstStyle>
+          <a:p>
+            <a:r>
+              <a:rPr lang="de-CH" sz="1800" dirty="0" smtClean="0"/>
+              <a:t>Windows Client</a:t>
+            </a:r>
+            <a:endParaRPr lang="de-CH" sz="1800" dirty="0"/>
+          </a:p>
+        </p:txBody>
+      </p:sp>
+      <p:sp>
+        <p:nvSpPr>
+          <p:cNvPr id="62" name="Textfeld 61"/>
+          <p:cNvSpPr txBox="1"/>
+          <p:nvPr/>
+        </p:nvSpPr>
+        <p:spPr>
+          <a:xfrm>
+            <a:off x="1748990" y="6414678"/>
+            <a:ext cx="1844152" cy="369332"/>
+          </a:xfrm>
+          <a:prstGeom prst="rect">
+            <a:avLst/>
+          </a:prstGeom>
+          <a:noFill/>
+        </p:spPr>
+        <p:txBody>
+          <a:bodyPr wrap="square" rtlCol="0">
+            <a:spAutoFit/>
+          </a:bodyPr>
+          <a:lstStyle>
+            <a:defPPr>
+              <a:defRPr lang="en-US"/>
+            </a:defPPr>
+            <a:lvl1pPr algn="ctr">
+              <a:defRPr sz="2400" b="1"/>
+            </a:lvl1pPr>
+          </a:lstStyle>
+          <a:p>
+            <a:r>
+              <a:rPr lang="de-CH" sz="1800" dirty="0" smtClean="0"/>
+              <a:t>Windows Server</a:t>
+            </a:r>
+            <a:endParaRPr lang="de-CH" sz="1800" dirty="0"/>
+          </a:p>
+        </p:txBody>
+      </p:sp>
+      <p:pic>
+        <p:nvPicPr>
+          <p:cNvPr id="64" name="Grafik 63"/>
+          <p:cNvPicPr>
+            <a:picLocks noChangeAspect="1"/>
+          </p:cNvPicPr>
+          <p:nvPr/>
+        </p:nvPicPr>
+        <p:blipFill>
+          <a:blip r:embed="rId11" cstate="print">
+            <a:extLst>
+              <a:ext uri="{28A0092B-C50C-407E-A947-70E740481C1C}">
+                <a14:useLocalDpi xmlns:a14="http://schemas.microsoft.com/office/drawing/2010/main" val="0"/>
+              </a:ext>
+            </a:extLst>
+          </a:blip>
+          <a:stretch>
+            <a:fillRect/>
+          </a:stretch>
+        </p:blipFill>
+        <p:spPr>
+          <a:xfrm>
+            <a:off x="6224452" y="5470287"/>
+            <a:ext cx="489774" cy="489774"/>
+          </a:xfrm>
+          <a:prstGeom prst="rect">
+            <a:avLst/>
+          </a:prstGeom>
+        </p:spPr>
+      </p:pic>
+      <p:pic>
+        <p:nvPicPr>
+          <p:cNvPr id="65" name="Grafik 64"/>
+          <p:cNvPicPr>
+            <a:picLocks noChangeAspect="1"/>
+          </p:cNvPicPr>
+          <p:nvPr/>
+        </p:nvPicPr>
+        <p:blipFill>
+          <a:blip r:embed="rId12" cstate="print">
+            <a:extLst>
+              <a:ext uri="{28A0092B-C50C-407E-A947-70E740481C1C}">
+                <a14:useLocalDpi xmlns:a14="http://schemas.microsoft.com/office/drawing/2010/main" val="0"/>
+              </a:ext>
+            </a:extLst>
+          </a:blip>
+          <a:stretch>
+            <a:fillRect/>
+          </a:stretch>
+        </p:blipFill>
+        <p:spPr>
+          <a:xfrm>
+            <a:off x="6948961" y="5502800"/>
+            <a:ext cx="424748" cy="424748"/>
+          </a:xfrm>
+          <a:prstGeom prst="rect">
+            <a:avLst/>
+          </a:prstGeom>
+        </p:spPr>
+      </p:pic>
+      <p:sp>
+        <p:nvSpPr>
+          <p:cNvPr id="66" name="Textfeld 65"/>
+          <p:cNvSpPr txBox="1"/>
+          <p:nvPr/>
+        </p:nvSpPr>
+        <p:spPr>
+          <a:xfrm>
+            <a:off x="5229706" y="4515163"/>
+            <a:ext cx="2824025" cy="369332"/>
+          </a:xfrm>
+          <a:prstGeom prst="rect">
+            <a:avLst/>
+          </a:prstGeom>
+          <a:noFill/>
+        </p:spPr>
+        <p:txBody>
+          <a:bodyPr wrap="square" rtlCol="0">
+            <a:spAutoFit/>
+          </a:bodyPr>
+          <a:lstStyle/>
+          <a:p>
+            <a:pPr algn="ctr"/>
+            <a:r>
+              <a:rPr lang="de-CH" dirty="0" err="1" smtClean="0"/>
+              <a:t>Document</a:t>
+            </a:r>
+            <a:r>
+              <a:rPr lang="de-CH" dirty="0" smtClean="0"/>
+              <a:t> </a:t>
+            </a:r>
+            <a:r>
+              <a:rPr lang="de-CH" dirty="0" err="1" smtClean="0"/>
+              <a:t>Creation</a:t>
+            </a:r>
+            <a:r>
+              <a:rPr lang="de-CH" dirty="0" smtClean="0"/>
+              <a:t> Server</a:t>
+            </a:r>
+            <a:endParaRPr lang="de-CH" dirty="0"/>
+          </a:p>
+        </p:txBody>
+      </p:sp>
+      <p:sp>
+        <p:nvSpPr>
+          <p:cNvPr id="69" name="Textfeld 68"/>
+          <p:cNvSpPr txBox="1"/>
+          <p:nvPr/>
+        </p:nvSpPr>
+        <p:spPr>
+          <a:xfrm>
+            <a:off x="154672" y="6392844"/>
+            <a:ext cx="733006" cy="369332"/>
+          </a:xfrm>
+          <a:prstGeom prst="rect">
+            <a:avLst/>
+          </a:prstGeom>
+          <a:noFill/>
+        </p:spPr>
+        <p:txBody>
+          <a:bodyPr wrap="square" rtlCol="0">
+            <a:spAutoFit/>
+          </a:bodyPr>
+          <a:lstStyle>
+            <a:defPPr>
+              <a:defRPr lang="en-US"/>
+            </a:defPPr>
+            <a:lvl1pPr algn="ctr">
+              <a:defRPr sz="2400" b="1"/>
+            </a:lvl1pPr>
+          </a:lstStyle>
+          <a:p>
+            <a:r>
+              <a:rPr lang="de-CH" sz="1800" dirty="0" err="1" smtClean="0"/>
+              <a:t>Auth</a:t>
+            </a:r>
+            <a:endParaRPr lang="de-CH" sz="1800" dirty="0"/>
+          </a:p>
+        </p:txBody>
+      </p:sp>
+      <p:sp>
+        <p:nvSpPr>
+          <p:cNvPr id="70" name="Textfeld 69"/>
+          <p:cNvSpPr txBox="1"/>
+          <p:nvPr/>
+        </p:nvSpPr>
+        <p:spPr>
+          <a:xfrm>
+            <a:off x="154672" y="4970019"/>
+            <a:ext cx="1059483" cy="646331"/>
+          </a:xfrm>
+          <a:prstGeom prst="rect">
+            <a:avLst/>
+          </a:prstGeom>
+          <a:noFill/>
+        </p:spPr>
+        <p:txBody>
+          <a:bodyPr wrap="square" rtlCol="0">
+            <a:spAutoFit/>
+          </a:bodyPr>
+          <a:lstStyle/>
+          <a:p>
+            <a:pPr algn="ctr"/>
+            <a:r>
+              <a:rPr lang="de-CH" dirty="0" err="1" smtClean="0"/>
+              <a:t>Active</a:t>
+            </a:r>
+            <a:r>
+              <a:rPr lang="de-CH" dirty="0" smtClean="0"/>
+              <a:t> Directory</a:t>
+            </a:r>
+            <a:endParaRPr lang="de-CH" dirty="0"/>
+          </a:p>
+        </p:txBody>
+      </p:sp>
+      <p:sp>
+        <p:nvSpPr>
+          <p:cNvPr id="76" name="Textfeld 75"/>
+          <p:cNvSpPr txBox="1"/>
+          <p:nvPr/>
+        </p:nvSpPr>
+        <p:spPr>
+          <a:xfrm>
+            <a:off x="3990759" y="2375449"/>
+            <a:ext cx="1459369" cy="338554"/>
+          </a:xfrm>
+          <a:prstGeom prst="rect">
+            <a:avLst/>
+          </a:prstGeom>
+          <a:noFill/>
+        </p:spPr>
+        <p:txBody>
+          <a:bodyPr wrap="square" rtlCol="0">
+            <a:spAutoFit/>
+          </a:bodyPr>
+          <a:lstStyle/>
+          <a:p>
+            <a:r>
+              <a:rPr lang="de-CH" sz="1600" dirty="0" smtClean="0"/>
+              <a:t>WS</a:t>
+            </a:r>
+            <a:endParaRPr lang="de-CH" dirty="0"/>
+          </a:p>
+        </p:txBody>
+      </p:sp>
+      <p:sp>
+        <p:nvSpPr>
+          <p:cNvPr id="81" name="Textfeld 80"/>
+          <p:cNvSpPr txBox="1"/>
+          <p:nvPr/>
+        </p:nvSpPr>
+        <p:spPr>
+          <a:xfrm>
+            <a:off x="1926705" y="4756191"/>
+            <a:ext cx="837263" cy="338554"/>
+          </a:xfrm>
+          <a:prstGeom prst="rect">
+            <a:avLst/>
+          </a:prstGeom>
+          <a:noFill/>
+        </p:spPr>
+        <p:txBody>
+          <a:bodyPr wrap="square" rtlCol="0">
+            <a:spAutoFit/>
+          </a:bodyPr>
+          <a:lstStyle/>
+          <a:p>
+            <a:pPr algn="ctr"/>
+            <a:r>
+              <a:rPr lang="de-CH" sz="1600" dirty="0" smtClean="0"/>
+              <a:t>LDAP</a:t>
+            </a:r>
+            <a:endParaRPr lang="de-CH" sz="1400" dirty="0"/>
+          </a:p>
+        </p:txBody>
+      </p:sp>
+      <p:sp>
+        <p:nvSpPr>
+          <p:cNvPr id="83" name="Pfeil nach links 82"/>
+          <p:cNvSpPr/>
+          <p:nvPr/>
+        </p:nvSpPr>
+        <p:spPr>
+          <a:xfrm>
+            <a:off x="1299872" y="4524302"/>
+            <a:ext cx="1913932" cy="164592"/>
+          </a:xfrm>
+          <a:prstGeom prst="leftArrow">
+            <a:avLst>
+              <a:gd name="adj1" fmla="val 37260"/>
+              <a:gd name="adj2" fmla="val 79727"/>
+            </a:avLst>
+          </a:prstGeom>
+          <a:solidFill>
+            <a:srgbClr val="00A864"/>
+          </a:solidFill>
+          <a:ln>
+            <a:noFill/>
+          </a:ln>
+        </p:spPr>
+        <p:style>
+          <a:lnRef idx="2">
+            <a:schemeClr val="accent1">
+              <a:shade val="50000"/>
+            </a:schemeClr>
+          </a:lnRef>
+          <a:fillRef idx="1">
+            <a:schemeClr val="accent1"/>
+          </a:fillRef>
+          <a:effectRef idx="0">
+            <a:schemeClr val="accent1"/>
+          </a:effectRef>
+          <a:fontRef idx="minor">
+            <a:schemeClr val="lt1"/>
+          </a:fontRef>
+        </p:style>
+        <p:txBody>
+          <a:bodyPr rtlCol="0" anchor="ctr"/>
+          <a:lstStyle/>
+          <a:p>
+            <a:pPr algn="ctr"/>
+            <a:endParaRPr lang="de-CH"/>
+          </a:p>
+        </p:txBody>
+      </p:sp>
+      <p:pic>
+        <p:nvPicPr>
+          <p:cNvPr id="82" name="Grafik 81"/>
+          <p:cNvPicPr>
+            <a:picLocks noChangeAspect="1"/>
+          </p:cNvPicPr>
+          <p:nvPr/>
+        </p:nvPicPr>
+        <p:blipFill>
+          <a:blip r:embed="rId13" cstate="print">
+            <a:extLst>
+              <a:ext uri="{28A0092B-C50C-407E-A947-70E740481C1C}">
+                <a14:useLocalDpi xmlns:a14="http://schemas.microsoft.com/office/drawing/2010/main" val="0"/>
+              </a:ext>
+            </a:extLst>
+          </a:blip>
+          <a:stretch>
+            <a:fillRect/>
+          </a:stretch>
+        </p:blipFill>
+        <p:spPr>
+          <a:xfrm>
+            <a:off x="10612444" y="4370243"/>
+            <a:ext cx="825871" cy="825871"/>
+          </a:xfrm>
+          <a:prstGeom prst="rect">
+            <a:avLst/>
+          </a:prstGeom>
+        </p:spPr>
+      </p:pic>
+      <p:pic>
+        <p:nvPicPr>
+          <p:cNvPr id="92" name="Grafik 91"/>
+          <p:cNvPicPr>
+            <a:picLocks noChangeAspect="1"/>
+          </p:cNvPicPr>
+          <p:nvPr/>
+        </p:nvPicPr>
+        <p:blipFill>
+          <a:blip r:embed="rId3" cstate="print">
+            <a:extLst>
+              <a:ext uri="{28A0092B-C50C-407E-A947-70E740481C1C}">
+                <a14:useLocalDpi xmlns:a14="http://schemas.microsoft.com/office/drawing/2010/main" val="0"/>
+              </a:ext>
+            </a:extLst>
+          </a:blip>
+          <a:stretch>
+            <a:fillRect/>
+          </a:stretch>
+        </p:blipFill>
+        <p:spPr>
+          <a:xfrm>
+            <a:off x="9851377" y="4435615"/>
+            <a:ext cx="476810" cy="528429"/>
+          </a:xfrm>
+          <a:prstGeom prst="rect">
+            <a:avLst/>
+          </a:prstGeom>
+        </p:spPr>
+      </p:pic>
+      <p:sp>
+        <p:nvSpPr>
+          <p:cNvPr id="93" name="Textfeld 92"/>
+          <p:cNvSpPr txBox="1"/>
+          <p:nvPr/>
+        </p:nvSpPr>
+        <p:spPr>
+          <a:xfrm>
+            <a:off x="9747289" y="4964044"/>
+            <a:ext cx="822026" cy="577081"/>
+          </a:xfrm>
+          <a:prstGeom prst="rect">
+            <a:avLst/>
+          </a:prstGeom>
+          <a:noFill/>
+        </p:spPr>
+        <p:txBody>
+          <a:bodyPr wrap="square" rtlCol="0">
+            <a:spAutoFit/>
+          </a:bodyPr>
+          <a:lstStyle/>
+          <a:p>
+            <a:r>
+              <a:rPr lang="de-CH" sz="1050" dirty="0" err="1" smtClean="0"/>
+              <a:t>OneOffixx</a:t>
+            </a:r>
+            <a:r>
+              <a:rPr lang="de-CH" sz="1050" dirty="0" smtClean="0"/>
+              <a:t> SharePoint Connector</a:t>
+            </a:r>
+            <a:endParaRPr lang="de-CH" sz="1050" dirty="0"/>
+          </a:p>
+        </p:txBody>
+      </p:sp>
+      <p:sp>
+        <p:nvSpPr>
+          <p:cNvPr id="94" name="Textfeld 93"/>
+          <p:cNvSpPr txBox="1"/>
+          <p:nvPr/>
+        </p:nvSpPr>
+        <p:spPr>
+          <a:xfrm>
+            <a:off x="9543433" y="615199"/>
+            <a:ext cx="1972292" cy="923330"/>
+          </a:xfrm>
+          <a:prstGeom prst="rect">
+            <a:avLst/>
+          </a:prstGeom>
+          <a:noFill/>
+        </p:spPr>
+        <p:txBody>
+          <a:bodyPr wrap="square" rtlCol="0">
+            <a:spAutoFit/>
+          </a:bodyPr>
+          <a:lstStyle/>
+          <a:p>
+            <a:pPr algn="ctr"/>
+            <a:r>
+              <a:rPr lang="de-CH" dirty="0" smtClean="0"/>
+              <a:t>Win32 App</a:t>
+            </a:r>
+          </a:p>
+          <a:p>
+            <a:pPr algn="ctr"/>
+            <a:r>
+              <a:rPr lang="de-CH" dirty="0" smtClean="0"/>
+              <a:t>Office Addin</a:t>
+            </a:r>
+          </a:p>
+          <a:p>
+            <a:pPr algn="ctr"/>
+            <a:r>
+              <a:rPr lang="de-CH" dirty="0" err="1" smtClean="0"/>
+              <a:t>Any</a:t>
+            </a:r>
+            <a:r>
+              <a:rPr lang="de-CH" dirty="0" smtClean="0"/>
+              <a:t> App </a:t>
+            </a:r>
+            <a:r>
+              <a:rPr lang="de-CH" dirty="0" err="1" smtClean="0"/>
+              <a:t>or</a:t>
+            </a:r>
+            <a:r>
+              <a:rPr lang="de-CH" dirty="0" smtClean="0"/>
+              <a:t> Service</a:t>
+            </a:r>
+            <a:endParaRPr lang="de-CH" dirty="0"/>
+          </a:p>
+        </p:txBody>
+      </p:sp>
+      <p:pic>
+        <p:nvPicPr>
+          <p:cNvPr id="97" name="Grafik 96"/>
+          <p:cNvPicPr>
+            <a:picLocks noChangeAspect="1"/>
+          </p:cNvPicPr>
+          <p:nvPr/>
+        </p:nvPicPr>
+        <p:blipFill>
+          <a:blip r:embed="rId14"/>
+          <a:stretch>
+            <a:fillRect/>
+          </a:stretch>
+        </p:blipFill>
+        <p:spPr>
+          <a:xfrm>
+            <a:off x="11088124" y="5815050"/>
+            <a:ext cx="565714" cy="577794"/>
+          </a:xfrm>
+          <a:prstGeom prst="rect">
+            <a:avLst/>
+          </a:prstGeom>
+        </p:spPr>
+      </p:pic>
+      <p:pic>
+        <p:nvPicPr>
+          <p:cNvPr id="98" name="Grafik 97"/>
+          <p:cNvPicPr>
+            <a:picLocks noChangeAspect="1"/>
+          </p:cNvPicPr>
+          <p:nvPr/>
+        </p:nvPicPr>
+        <p:blipFill>
+          <a:blip r:embed="rId15"/>
+          <a:stretch>
+            <a:fillRect/>
+          </a:stretch>
+        </p:blipFill>
+        <p:spPr>
+          <a:xfrm>
+            <a:off x="10351138" y="5737333"/>
+            <a:ext cx="552200" cy="622071"/>
+          </a:xfrm>
+          <a:prstGeom prst="rect">
+            <a:avLst/>
+          </a:prstGeom>
+        </p:spPr>
+      </p:pic>
+      <p:pic>
+        <p:nvPicPr>
+          <p:cNvPr id="99" name="Grafik 98"/>
+          <p:cNvPicPr>
+            <a:picLocks noChangeAspect="1"/>
+          </p:cNvPicPr>
+          <p:nvPr/>
+        </p:nvPicPr>
+        <p:blipFill>
+          <a:blip r:embed="rId16"/>
+          <a:stretch>
+            <a:fillRect/>
+          </a:stretch>
+        </p:blipFill>
+        <p:spPr>
+          <a:xfrm>
+            <a:off x="9649555" y="5773205"/>
+            <a:ext cx="504499" cy="580173"/>
+          </a:xfrm>
+          <a:prstGeom prst="rect">
+            <a:avLst/>
+          </a:prstGeom>
+        </p:spPr>
+      </p:pic>
+      <p:sp>
+        <p:nvSpPr>
+          <p:cNvPr id="100" name="Textfeld 99"/>
+          <p:cNvSpPr txBox="1"/>
+          <p:nvPr/>
+        </p:nvSpPr>
+        <p:spPr>
+          <a:xfrm>
+            <a:off x="8693257" y="109432"/>
+            <a:ext cx="3286816" cy="461665"/>
+          </a:xfrm>
+          <a:prstGeom prst="rect">
+            <a:avLst/>
+          </a:prstGeom>
+          <a:noFill/>
+        </p:spPr>
+        <p:txBody>
+          <a:bodyPr wrap="square" rtlCol="0">
+            <a:spAutoFit/>
+          </a:bodyPr>
+          <a:lstStyle>
+            <a:defPPr>
+              <a:defRPr lang="en-US"/>
+            </a:defPPr>
+            <a:lvl1pPr algn="ctr">
+              <a:defRPr sz="2400" b="1"/>
+            </a:lvl1pPr>
+          </a:lstStyle>
+          <a:p>
+            <a:r>
+              <a:rPr lang="de-CH" dirty="0" smtClean="0"/>
+              <a:t>LOB-Apps</a:t>
+            </a:r>
+            <a:endParaRPr lang="de-CH" dirty="0"/>
+          </a:p>
+        </p:txBody>
+      </p:sp>
+      <p:sp>
+        <p:nvSpPr>
+          <p:cNvPr id="55" name="Pfeil nach links 54"/>
+          <p:cNvSpPr/>
+          <p:nvPr/>
+        </p:nvSpPr>
+        <p:spPr>
+          <a:xfrm>
+            <a:off x="5387989" y="945063"/>
+            <a:ext cx="4027762" cy="164592"/>
+          </a:xfrm>
+          <a:prstGeom prst="leftArrow">
+            <a:avLst>
+              <a:gd name="adj1" fmla="val 37260"/>
+              <a:gd name="adj2" fmla="val 79727"/>
+            </a:avLst>
+          </a:prstGeom>
+          <a:solidFill>
+            <a:srgbClr val="00A864"/>
+          </a:solidFill>
+          <a:ln>
+            <a:noFill/>
+          </a:ln>
+        </p:spPr>
+        <p:style>
+          <a:lnRef idx="2">
+            <a:schemeClr val="accent1">
+              <a:shade val="50000"/>
+            </a:schemeClr>
+          </a:lnRef>
+          <a:fillRef idx="1">
+            <a:schemeClr val="accent1"/>
+          </a:fillRef>
+          <a:effectRef idx="0">
+            <a:schemeClr val="accent1"/>
+          </a:effectRef>
+          <a:fontRef idx="minor">
+            <a:schemeClr val="lt1"/>
+          </a:fontRef>
+        </p:style>
+        <p:txBody>
+          <a:bodyPr rtlCol="0" anchor="ctr"/>
+          <a:lstStyle/>
+          <a:p>
+            <a:pPr algn="ctr"/>
+            <a:endParaRPr lang="de-CH"/>
+          </a:p>
+        </p:txBody>
+      </p:sp>
+      <p:sp>
+        <p:nvSpPr>
+          <p:cNvPr id="56" name="Textfeld 55"/>
+          <p:cNvSpPr txBox="1"/>
+          <p:nvPr/>
+        </p:nvSpPr>
+        <p:spPr>
+          <a:xfrm>
+            <a:off x="5612005" y="1436598"/>
+            <a:ext cx="3138356" cy="338554"/>
+          </a:xfrm>
+          <a:prstGeom prst="rect">
+            <a:avLst/>
+          </a:prstGeom>
+          <a:noFill/>
+        </p:spPr>
+        <p:txBody>
+          <a:bodyPr wrap="square" rtlCol="0">
+            <a:spAutoFit/>
+          </a:bodyPr>
+          <a:lstStyle/>
+          <a:p>
+            <a:pPr algn="ctr"/>
+            <a:r>
+              <a:rPr lang="de-CH" sz="1600" b="1" dirty="0" smtClean="0"/>
+              <a:t>&lt;Connect /&gt;</a:t>
+            </a:r>
+            <a:endParaRPr lang="de-CH" sz="1600" b="1" dirty="0"/>
+          </a:p>
+        </p:txBody>
+      </p:sp>
+      <p:sp>
+        <p:nvSpPr>
+          <p:cNvPr id="57" name="Pfeil nach links und rechts 56"/>
+          <p:cNvSpPr/>
+          <p:nvPr/>
+        </p:nvSpPr>
+        <p:spPr>
+          <a:xfrm>
+            <a:off x="5387989" y="1271885"/>
+            <a:ext cx="4027762" cy="164592"/>
+          </a:xfrm>
+          <a:prstGeom prst="leftRightArrow">
+            <a:avLst>
+              <a:gd name="adj1" fmla="val 40593"/>
+              <a:gd name="adj2" fmla="val 73519"/>
+            </a:avLst>
+          </a:prstGeom>
+          <a:solidFill>
+            <a:srgbClr val="E21A00"/>
+          </a:solidFill>
+          <a:ln>
+            <a:noFill/>
+          </a:ln>
+        </p:spPr>
+        <p:style>
+          <a:lnRef idx="2">
+            <a:schemeClr val="accent1">
+              <a:shade val="50000"/>
+            </a:schemeClr>
+          </a:lnRef>
+          <a:fillRef idx="1">
+            <a:schemeClr val="accent1"/>
+          </a:fillRef>
+          <a:effectRef idx="0">
+            <a:schemeClr val="accent1"/>
+          </a:effectRef>
+          <a:fontRef idx="minor">
+            <a:schemeClr val="lt1"/>
+          </a:fontRef>
+        </p:style>
+        <p:txBody>
+          <a:bodyPr rtlCol="0" anchor="ctr"/>
+          <a:lstStyle/>
+          <a:p>
+            <a:pPr algn="ctr"/>
+            <a:endParaRPr lang="de-CH" dirty="0"/>
+          </a:p>
+        </p:txBody>
+      </p:sp>
+      <p:sp>
+        <p:nvSpPr>
+          <p:cNvPr id="58" name="Textfeld 57"/>
+          <p:cNvSpPr txBox="1"/>
+          <p:nvPr/>
+        </p:nvSpPr>
+        <p:spPr>
+          <a:xfrm>
+            <a:off x="5878116" y="593297"/>
+            <a:ext cx="2705115" cy="338554"/>
+          </a:xfrm>
+          <a:prstGeom prst="rect">
+            <a:avLst/>
+          </a:prstGeom>
+          <a:noFill/>
+        </p:spPr>
+        <p:txBody>
+          <a:bodyPr wrap="square" rtlCol="0">
+            <a:spAutoFit/>
+          </a:bodyPr>
+          <a:lstStyle/>
+          <a:p>
+            <a:pPr algn="ctr"/>
+            <a:r>
+              <a:rPr lang="de-CH" sz="1600" dirty="0" smtClean="0"/>
+              <a:t>WS/WML/Protocol/</a:t>
+            </a:r>
+            <a:r>
+              <a:rPr lang="de-CH" sz="1600" dirty="0" err="1"/>
+              <a:t>I</a:t>
+            </a:r>
+            <a:r>
+              <a:rPr lang="de-CH" sz="1600" dirty="0" err="1" smtClean="0"/>
+              <a:t>nProc</a:t>
+            </a:r>
+            <a:endParaRPr lang="de-CH" sz="1600" dirty="0"/>
+          </a:p>
+        </p:txBody>
+      </p:sp>
+      <p:pic>
+        <p:nvPicPr>
+          <p:cNvPr id="67" name="Grafik 66"/>
+          <p:cNvPicPr>
+            <a:picLocks noChangeAspect="1"/>
+          </p:cNvPicPr>
+          <p:nvPr/>
+        </p:nvPicPr>
+        <p:blipFill>
+          <a:blip r:embed="rId17" cstate="print">
+            <a:extLst>
+              <a:ext uri="{28A0092B-C50C-407E-A947-70E740481C1C}">
+                <a14:useLocalDpi xmlns:a14="http://schemas.microsoft.com/office/drawing/2010/main" val="0"/>
+              </a:ext>
+            </a:extLst>
+          </a:blip>
+          <a:stretch>
+            <a:fillRect/>
+          </a:stretch>
+        </p:blipFill>
+        <p:spPr>
+          <a:xfrm>
+            <a:off x="6289843" y="3465804"/>
+            <a:ext cx="1032356" cy="1016183"/>
+          </a:xfrm>
+          <a:prstGeom prst="rect">
+            <a:avLst/>
+          </a:prstGeom>
+        </p:spPr>
+      </p:pic>
+      <p:sp>
+        <p:nvSpPr>
+          <p:cNvPr id="75" name="Textfeld 74"/>
+          <p:cNvSpPr txBox="1"/>
+          <p:nvPr/>
+        </p:nvSpPr>
+        <p:spPr>
+          <a:xfrm>
+            <a:off x="7849012" y="3852568"/>
+            <a:ext cx="1704401" cy="338554"/>
+          </a:xfrm>
+          <a:prstGeom prst="rect">
+            <a:avLst/>
+          </a:prstGeom>
+          <a:noFill/>
+        </p:spPr>
+        <p:txBody>
+          <a:bodyPr wrap="square" rtlCol="0">
+            <a:spAutoFit/>
+          </a:bodyPr>
+          <a:lstStyle/>
+          <a:p>
+            <a:pPr algn="ctr"/>
+            <a:r>
+              <a:rPr lang="de-CH" sz="1600" b="1" dirty="0" smtClean="0"/>
+              <a:t>&lt;Connect /&gt;</a:t>
+            </a:r>
+            <a:endParaRPr lang="de-CH" sz="1600" b="1" dirty="0"/>
+          </a:p>
+        </p:txBody>
+      </p:sp>
+      <p:sp>
+        <p:nvSpPr>
+          <p:cNvPr id="77" name="Pfeil nach links und rechts 76"/>
+          <p:cNvSpPr/>
+          <p:nvPr/>
+        </p:nvSpPr>
+        <p:spPr>
+          <a:xfrm>
+            <a:off x="7822410" y="3649358"/>
+            <a:ext cx="1593341" cy="164592"/>
+          </a:xfrm>
+          <a:prstGeom prst="leftRightArrow">
+            <a:avLst>
+              <a:gd name="adj1" fmla="val 40593"/>
+              <a:gd name="adj2" fmla="val 73519"/>
+            </a:avLst>
+          </a:prstGeom>
+          <a:solidFill>
+            <a:srgbClr val="E21A00"/>
+          </a:solidFill>
+          <a:ln>
+            <a:noFill/>
+          </a:ln>
+        </p:spPr>
+        <p:style>
+          <a:lnRef idx="2">
+            <a:schemeClr val="accent1">
+              <a:shade val="50000"/>
+            </a:schemeClr>
+          </a:lnRef>
+          <a:fillRef idx="1">
+            <a:schemeClr val="accent1"/>
+          </a:fillRef>
+          <a:effectRef idx="0">
+            <a:schemeClr val="accent1"/>
+          </a:effectRef>
+          <a:fontRef idx="minor">
+            <a:schemeClr val="lt1"/>
+          </a:fontRef>
+        </p:style>
+        <p:txBody>
+          <a:bodyPr rtlCol="0" anchor="ctr"/>
+          <a:lstStyle/>
+          <a:p>
+            <a:pPr algn="ctr"/>
+            <a:endParaRPr lang="de-CH" dirty="0"/>
+          </a:p>
+        </p:txBody>
+      </p:sp>
+      <p:pic>
+        <p:nvPicPr>
+          <p:cNvPr id="4" name="Grafik 3"/>
+          <p:cNvPicPr>
+            <a:picLocks noChangeAspect="1"/>
+          </p:cNvPicPr>
+          <p:nvPr/>
+        </p:nvPicPr>
+        <p:blipFill>
+          <a:blip r:embed="rId18"/>
+          <a:stretch>
+            <a:fillRect/>
+          </a:stretch>
+        </p:blipFill>
+        <p:spPr>
+          <a:xfrm>
+            <a:off x="10076822" y="1851596"/>
+            <a:ext cx="1095168" cy="965878"/>
+          </a:xfrm>
+          <a:prstGeom prst="rect">
+            <a:avLst/>
+          </a:prstGeom>
+        </p:spPr>
+      </p:pic>
+      <p:pic>
+        <p:nvPicPr>
+          <p:cNvPr id="11" name="Grafik 10"/>
+          <p:cNvPicPr>
+            <a:picLocks noChangeAspect="1"/>
+          </p:cNvPicPr>
+          <p:nvPr/>
+        </p:nvPicPr>
+        <p:blipFill>
+          <a:blip r:embed="rId19"/>
+          <a:stretch>
+            <a:fillRect/>
+          </a:stretch>
+        </p:blipFill>
+        <p:spPr>
+          <a:xfrm>
+            <a:off x="9983539" y="3201394"/>
+            <a:ext cx="1057461" cy="741691"/>
+          </a:xfrm>
+          <a:prstGeom prst="rect">
+            <a:avLst/>
+          </a:prstGeom>
+        </p:spPr>
+      </p:pic>
+      <p:pic>
+        <p:nvPicPr>
+          <p:cNvPr id="13" name="Grafik 12"/>
+          <p:cNvPicPr>
+            <a:picLocks noChangeAspect="1"/>
+          </p:cNvPicPr>
+          <p:nvPr/>
+        </p:nvPicPr>
+        <p:blipFill>
+          <a:blip r:embed="rId20"/>
+          <a:stretch>
+            <a:fillRect/>
+          </a:stretch>
+        </p:blipFill>
+        <p:spPr>
+          <a:xfrm>
+            <a:off x="4134591" y="3467011"/>
+            <a:ext cx="351527" cy="333696"/>
+          </a:xfrm>
+          <a:prstGeom prst="rect">
+            <a:avLst/>
+          </a:prstGeom>
+        </p:spPr>
+      </p:pic>
+      <p:pic>
+        <p:nvPicPr>
+          <p:cNvPr id="90" name="Grafik 89"/>
+          <p:cNvPicPr>
+            <a:picLocks noChangeAspect="1"/>
+          </p:cNvPicPr>
+          <p:nvPr/>
+        </p:nvPicPr>
+        <p:blipFill>
+          <a:blip r:embed="rId20"/>
+          <a:stretch>
+            <a:fillRect/>
+          </a:stretch>
+        </p:blipFill>
+        <p:spPr>
+          <a:xfrm>
+            <a:off x="6976970" y="3467675"/>
+            <a:ext cx="345229" cy="327717"/>
+          </a:xfrm>
+          <a:prstGeom prst="rect">
+            <a:avLst/>
+          </a:prstGeom>
+        </p:spPr>
+      </p:pic>
+      <p:pic>
+        <p:nvPicPr>
+          <p:cNvPr id="91" name="Grafik 90"/>
+          <p:cNvPicPr>
+            <a:picLocks noChangeAspect="1"/>
+          </p:cNvPicPr>
+          <p:nvPr/>
+        </p:nvPicPr>
+        <p:blipFill>
+          <a:blip r:embed="rId20"/>
+          <a:stretch>
+            <a:fillRect/>
+          </a:stretch>
+        </p:blipFill>
+        <p:spPr>
+          <a:xfrm>
+            <a:off x="6602459" y="6353378"/>
+            <a:ext cx="345229" cy="327717"/>
+          </a:xfrm>
+          <a:prstGeom prst="rect">
+            <a:avLst/>
+          </a:prstGeom>
+        </p:spPr>
+      </p:pic>
+      <p:sp>
+        <p:nvSpPr>
+          <p:cNvPr id="95" name="Textfeld 94"/>
+          <p:cNvSpPr txBox="1"/>
+          <p:nvPr/>
+        </p:nvSpPr>
+        <p:spPr>
+          <a:xfrm>
+            <a:off x="3324084" y="1742424"/>
+            <a:ext cx="1234440" cy="369332"/>
+          </a:xfrm>
+          <a:prstGeom prst="rect">
+            <a:avLst/>
+          </a:prstGeom>
+          <a:noFill/>
+        </p:spPr>
+        <p:txBody>
+          <a:bodyPr wrap="square" rtlCol="0">
+            <a:spAutoFit/>
+          </a:bodyPr>
+          <a:lstStyle/>
+          <a:p>
+            <a:pPr algn="ctr"/>
+            <a:r>
+              <a:rPr lang="de-CH" dirty="0" smtClean="0"/>
+              <a:t>Client</a:t>
+            </a:r>
+            <a:endParaRPr lang="de-CH" dirty="0"/>
+          </a:p>
+        </p:txBody>
+      </p:sp>
+    </p:spTree>
+    <p:extLst>
+      <p:ext uri="{BB962C8B-B14F-4D97-AF65-F5344CB8AC3E}">
+        <p14:creationId xmlns:p14="http://schemas.microsoft.com/office/powerpoint/2010/main" val="4131358691"/>
+      </p:ext>
+    </p:extLst>
+  </p:cSld>
+  <p:clrMapOvr>
+    <a:masterClrMapping/>
+  </p:clrMapOvr>
+  <p:timing>
+    <p:tnLst>
+      <p:par>
+        <p:cTn id="1" dur="indefinite" restart="never" nodeType="tmRoot"/>
+      </p:par>
+    </p:tnLst>
+  </p:timing>
+</p:sld>
+</file>
+
+<file path=ppt/slides/slide9.xml><?xml version="1.0" encoding="utf-8"?>
+<p:sld xmlns:a="http://schemas.openxmlformats.org/drawingml/2006/main" xmlns:r="http://schemas.openxmlformats.org/officeDocument/2006/relationships" xmlns:p="http://schemas.openxmlformats.org/presentationml/2006/main">
+  <p:cSld>
+    <p:spTree>
+      <p:nvGrpSpPr>
+        <p:cNvPr id="1" name=""/>
+        <p:cNvGrpSpPr/>
+        <p:nvPr/>
+      </p:nvGrpSpPr>
+      <p:grpSpPr>
+        <a:xfrm>
+          <a:off x="0" y="0"/>
+          <a:ext cx="0" cy="0"/>
+          <a:chOff x="0" y="0"/>
+          <a:chExt cx="0" cy="0"/>
+        </a:xfrm>
+      </p:grpSpPr>
+      <p:sp>
+        <p:nvSpPr>
+          <p:cNvPr id="2" name="Titel 1"/>
+          <p:cNvSpPr>
+            <a:spLocks noGrp="1"/>
+          </p:cNvSpPr>
+          <p:nvPr>
+            <p:ph type="title"/>
+          </p:nvPr>
+        </p:nvSpPr>
+        <p:spPr/>
+        <p:txBody>
+          <a:bodyPr/>
+          <a:lstStyle/>
+          <a:p>
+            <a:r>
+              <a:rPr lang="de-CH" dirty="0" smtClean="0"/>
+              <a:t>Engine – Dokument Erzeugung</a:t>
+            </a:r>
+            <a:endParaRPr lang="de-CH" dirty="0"/>
+          </a:p>
+        </p:txBody>
+      </p:sp>
+    </p:spTree>
+    <p:extLst>
+      <p:ext uri="{BB962C8B-B14F-4D97-AF65-F5344CB8AC3E}">
+        <p14:creationId xmlns:p14="http://schemas.microsoft.com/office/powerpoint/2010/main" val="2082900746"/>
+      </p:ext>
+    </p:extLst>
+  </p:cSld>
+  <p:clrMapOvr>
+    <a:masterClrMapping/>
+  </p:clrMapOvr>
+  <p:timing>
+    <p:tnLst>
+      <p:par>
+        <p:cTn id="1" dur="indefinite" restart="never" nodeType="tmRoot"/>
+      </p:par>
+    </p:tnLst>
+  </p:timing>
 </p:sld>
 </file>
 
@@ -6620,4 +14399,265 @@
     </a:ext>
   </a:extLst>
 </a:theme>
+</file>
+
+<file path=ppt/theme/theme2.xml><?xml version="1.0" encoding="utf-8"?>
+<a:theme xmlns:a="http://schemas.openxmlformats.org/drawingml/2006/main" name="Office">
+  <a:themeElements>
+    <a:clrScheme name="Office">
+      <a:dk1>
+        <a:sysClr val="windowText" lastClr="000000"/>
+      </a:dk1>
+      <a:lt1>
+        <a:sysClr val="window" lastClr="FFFFFF"/>
+      </a:lt1>
+      <a:dk2>
+        <a:srgbClr val="44546A"/>
+      </a:dk2>
+      <a:lt2>
+        <a:srgbClr val="E7E6E6"/>
+      </a:lt2>
+      <a:accent1>
+        <a:srgbClr val="5B9BD5"/>
+      </a:accent1>
+      <a:accent2>
+        <a:srgbClr val="ED7D31"/>
+      </a:accent2>
+      <a:accent3>
+        <a:srgbClr val="A5A5A5"/>
+      </a:accent3>
+      <a:accent4>
+        <a:srgbClr val="FFC000"/>
+      </a:accent4>
+      <a:accent5>
+        <a:srgbClr val="4472C4"/>
+      </a:accent5>
+      <a:accent6>
+        <a:srgbClr val="70AD47"/>
+      </a:accent6>
+      <a:hlink>
+        <a:srgbClr val="0563C1"/>
+      </a:hlink>
+      <a:folHlink>
+        <a:srgbClr val="954F72"/>
+      </a:folHlink>
+    </a:clrScheme>
+    <a:fontScheme name="Office">
+      <a:majorFont>
+        <a:latin typeface="Calibri Light" panose="020F0302020204030204"/>
+        <a:ea typeface=""/>
+        <a:cs typeface=""/>
+        <a:font script="Jpan" typeface="游ゴシック Light"/>
+        <a:font script="Hang" typeface="맑은 고딕"/>
+        <a:font script="Hans" typeface="等线 Light"/>
+        <a:font script="Hant" typeface="新細明體"/>
+        <a:font script="Arab" typeface="Times New Roman"/>
+        <a:font script="Hebr" typeface="Times New Roman"/>
+        <a:font script="Thai" typeface="Angsana New"/>
+        <a:font script="Ethi" typeface="Nyala"/>
+        <a:font script="Beng" typeface="Vrinda"/>
+        <a:font script="Gujr" typeface="Shruti"/>
+        <a:font script="Khmr" typeface="MoolBoran"/>
+        <a:font script="Knda" typeface="Tunga"/>
+        <a:font script="Guru" typeface="Raavi"/>
+        <a:font script="Cans" typeface="Euphemia"/>
+        <a:font script="Cher" typeface="Plantagenet Cherokee"/>
+        <a:font script="Yiii" typeface="Microsoft Yi Baiti"/>
+        <a:font script="Tibt" typeface="Microsoft Himalaya"/>
+        <a:font script="Thaa" typeface="MV Boli"/>
+        <a:font script="Deva" typeface="Mangal"/>
+        <a:font script="Telu" typeface="Gautami"/>
+        <a:font script="Taml" typeface="Latha"/>
+        <a:font script="Syrc" typeface="Estrangelo Edessa"/>
+        <a:font script="Orya" typeface="Kalinga"/>
+        <a:font script="Mlym" typeface="Kartika"/>
+        <a:font script="Laoo" typeface="DokChampa"/>
+        <a:font script="Sinh" typeface="Iskoola Pota"/>
+        <a:font script="Mong" typeface="Mongolian Baiti"/>
+        <a:font script="Viet" typeface="Times New Roman"/>
+        <a:font script="Uigh" typeface="Microsoft Uighur"/>
+        <a:font script="Geor" typeface="Sylfaen"/>
+      </a:majorFont>
+      <a:minorFont>
+        <a:latin typeface="Calibri" panose="020F0502020204030204"/>
+        <a:ea typeface=""/>
+        <a:cs typeface=""/>
+        <a:font script="Jpan" typeface="游ゴシック"/>
+        <a:font script="Hang" typeface="맑은 고딕"/>
+        <a:font script="Hans" typeface="等线"/>
+        <a:font script="Hant" typeface="新細明體"/>
+        <a:font script="Arab" typeface="Arial"/>
+        <a:font script="Hebr" typeface="Arial"/>
+        <a:font script="Thai" typeface="Cordia New"/>
+        <a:font script="Ethi" typeface="Nyala"/>
+        <a:font script="Beng" typeface="Vrinda"/>
+        <a:font script="Gujr" typeface="Shruti"/>
+        <a:font script="Khmr" typeface="DaunPenh"/>
+        <a:font script="Knda" typeface="Tunga"/>
+        <a:font script="Guru" typeface="Raavi"/>
+        <a:font script="Cans" typeface="Euphemia"/>
+        <a:font script="Cher" typeface="Plantagenet Cherokee"/>
+        <a:font script="Yiii" typeface="Microsoft Yi Baiti"/>
+        <a:font script="Tibt" typeface="Microsoft Himalaya"/>
+        <a:font script="Thaa" typeface="MV Boli"/>
+        <a:font script="Deva" typeface="Mangal"/>
+        <a:font script="Telu" typeface="Gautami"/>
+        <a:font script="Taml" typeface="Latha"/>
+        <a:font script="Syrc" typeface="Estrangelo Edessa"/>
+        <a:font script="Orya" typeface="Kalinga"/>
+        <a:font script="Mlym" typeface="Kartika"/>
+        <a:font script="Laoo" typeface="DokChampa"/>
+        <a:font script="Sinh" typeface="Iskoola Pota"/>
+        <a:font script="Mong" typeface="Mongolian Baiti"/>
+        <a:font script="Viet" typeface="Arial"/>
+        <a:font script="Uigh" typeface="Microsoft Uighur"/>
+        <a:font script="Geor" typeface="Sylfaen"/>
+      </a:minorFont>
+    </a:fontScheme>
+    <a:fmtScheme name="Office">
+      <a:fillStyleLst>
+        <a:solidFill>
+          <a:schemeClr val="phClr"/>
+        </a:solidFill>
+        <a:gradFill rotWithShape="1">
+          <a:gsLst>
+            <a:gs pos="0">
+              <a:schemeClr val="phClr">
+                <a:lumMod val="110000"/>
+                <a:satMod val="105000"/>
+                <a:tint val="67000"/>
+              </a:schemeClr>
+            </a:gs>
+            <a:gs pos="50000">
+              <a:schemeClr val="phClr">
+                <a:lumMod val="105000"/>
+                <a:satMod val="103000"/>
+                <a:tint val="73000"/>
+              </a:schemeClr>
+            </a:gs>
+            <a:gs pos="100000">
+              <a:schemeClr val="phClr">
+                <a:lumMod val="105000"/>
+                <a:satMod val="109000"/>
+                <a:tint val="81000"/>
+              </a:schemeClr>
+            </a:gs>
+          </a:gsLst>
+          <a:lin ang="5400000" scaled="0"/>
+        </a:gradFill>
+        <a:gradFill rotWithShape="1">
+          <a:gsLst>
+            <a:gs pos="0">
+              <a:schemeClr val="phClr">
+                <a:satMod val="103000"/>
+                <a:lumMod val="102000"/>
+                <a:tint val="94000"/>
+              </a:schemeClr>
+            </a:gs>
+            <a:gs pos="50000">
+              <a:schemeClr val="phClr">
+                <a:satMod val="110000"/>
+                <a:lumMod val="100000"/>
+                <a:shade val="100000"/>
+              </a:schemeClr>
+            </a:gs>
+            <a:gs pos="100000">
+              <a:schemeClr val="phClr">
+                <a:lumMod val="99000"/>
+                <a:satMod val="120000"/>
+                <a:shade val="78000"/>
+              </a:schemeClr>
+            </a:gs>
+          </a:gsLst>
+          <a:lin ang="5400000" scaled="0"/>
+        </a:gradFill>
+      </a:fillStyleLst>
+      <a:lnStyleLst>
+        <a:ln w="6350" cap="flat" cmpd="sng" algn="ctr">
+          <a:solidFill>
+            <a:schemeClr val="phClr"/>
+          </a:solidFill>
+          <a:prstDash val="solid"/>
+          <a:miter lim="800000"/>
+        </a:ln>
+        <a:ln w="12700" cap="flat" cmpd="sng" algn="ctr">
+          <a:solidFill>
+            <a:schemeClr val="phClr"/>
+          </a:solidFill>
+          <a:prstDash val="solid"/>
+          <a:miter lim="800000"/>
+        </a:ln>
+        <a:ln w="19050" cap="flat" cmpd="sng" algn="ctr">
+          <a:solidFill>
+            <a:schemeClr val="phClr"/>
+          </a:solidFill>
+          <a:prstDash val="solid"/>
+          <a:miter lim="800000"/>
+        </a:ln>
+      </a:lnStyleLst>
+      <a:effectStyleLst>
+        <a:effectStyle>
+          <a:effectLst/>
+        </a:effectStyle>
+        <a:effectStyle>
+          <a:effectLst/>
+        </a:effectStyle>
+        <a:effectStyle>
+          <a:effectLst>
+            <a:outerShdw blurRad="57150" dist="19050" dir="5400000" algn="ctr" rotWithShape="0">
+              <a:srgbClr val="000000">
+                <a:alpha val="63000"/>
+              </a:srgbClr>
+            </a:outerShdw>
+          </a:effectLst>
+        </a:effectStyle>
+      </a:effectStyleLst>
+      <a:bgFillStyleLst>
+        <a:solidFill>
+          <a:schemeClr val="phClr"/>
+        </a:solidFill>
+        <a:solidFill>
+          <a:schemeClr val="phClr">
+            <a:tint val="95000"/>
+            <a:satMod val="170000"/>
+          </a:schemeClr>
+        </a:solidFill>
+        <a:gradFill rotWithShape="1">
+          <a:gsLst>
+            <a:gs pos="0">
+              <a:schemeClr val="phClr">
+                <a:tint val="93000"/>
+                <a:satMod val="150000"/>
+                <a:shade val="98000"/>
+                <a:lumMod val="102000"/>
+              </a:schemeClr>
+            </a:gs>
+            <a:gs pos="50000">
+              <a:schemeClr val="phClr">
+                <a:tint val="98000"/>
+                <a:satMod val="130000"/>
+                <a:shade val="90000"/>
+                <a:lumMod val="103000"/>
+              </a:schemeClr>
+            </a:gs>
+            <a:gs pos="100000">
+              <a:schemeClr val="phClr">
+                <a:shade val="63000"/>
+                <a:satMod val="120000"/>
+              </a:schemeClr>
+            </a:gs>
+          </a:gsLst>
+          <a:lin ang="5400000" scaled="0"/>
+        </a:gradFill>
+      </a:bgFillStyleLst>
+    </a:fmtScheme>
+  </a:themeElements>
+  <a:objectDefaults/>
+  <a:extraClrSchemeLst/>
+  <a:extLst>
+    <a:ext uri="{05A4C25C-085E-4340-85A3-A5531E510DB2}">
+      <thm15:themeFamily xmlns:thm15="http://schemas.microsoft.com/office/thememl/2012/main" name="Office Theme" id="{62F939B6-93AF-4DB8-9C6B-D6C7DFDC589F}" vid="{4A3C46E8-61CC-4603-A589-7422A47A8E4A}"/>
+    </a:ext>
+  </a:extLst>
+</a:theme>
 </file>
--- a/assets/content-files/Schemas.pptx
+++ b/assets/content-files/Schemas.pptx
@@ -5,7 +5,7 @@
     <p:sldMasterId id="2147483648" r:id="rId1"/>
   </p:sldMasterIdLst>
   <p:notesMasterIdLst>
-    <p:notesMasterId r:id="rId17"/>
+    <p:notesMasterId r:id="rId19"/>
   </p:notesMasterIdLst>
   <p:sldIdLst>
     <p:sldId id="260" r:id="rId2"/>
@@ -18,11 +18,13 @@
     <p:sldId id="271" r:id="rId9"/>
     <p:sldId id="266" r:id="rId10"/>
     <p:sldId id="267" r:id="rId11"/>
-    <p:sldId id="268" r:id="rId12"/>
-    <p:sldId id="273" r:id="rId13"/>
-    <p:sldId id="261" r:id="rId14"/>
-    <p:sldId id="272" r:id="rId15"/>
-    <p:sldId id="265" r:id="rId16"/>
+    <p:sldId id="274" r:id="rId12"/>
+    <p:sldId id="275" r:id="rId13"/>
+    <p:sldId id="268" r:id="rId14"/>
+    <p:sldId id="273" r:id="rId15"/>
+    <p:sldId id="261" r:id="rId16"/>
+    <p:sldId id="272" r:id="rId17"/>
+    <p:sldId id="265" r:id="rId18"/>
   </p:sldIdLst>
   <p:sldSz cx="12192000" cy="6858000"/>
   <p:notesSz cx="6858000" cy="9144000"/>
@@ -211,7 +213,7 @@
           <a:p>
             <a:fld id="{45752155-64EA-4997-A5BE-36CFB3A43898}" type="datetimeFigureOut">
               <a:rPr lang="de-CH" smtClean="0"/>
-              <a:t>05.12.2016</a:t>
+              <a:t>03.04.2018</a:t>
             </a:fld>
             <a:endParaRPr lang="de-CH"/>
           </a:p>
@@ -628,7 +630,7 @@
           <a:p>
             <a:fld id="{6FE0543D-7D95-4BE3-B4CB-D591902CD515}" type="slidenum">
               <a:rPr lang="de-CH" smtClean="0"/>
-              <a:t>15</a:t>
+              <a:t>17</a:t>
             </a:fld>
             <a:endParaRPr lang="de-CH"/>
           </a:p>
@@ -778,7 +780,7 @@
           <a:p>
             <a:fld id="{B253B49A-4094-4AD2-84B0-9BA0802B708A}" type="datetimeFigureOut">
               <a:rPr lang="de-CH" smtClean="0"/>
-              <a:t>05.12.2016</a:t>
+              <a:t>03.04.2018</a:t>
             </a:fld>
             <a:endParaRPr lang="de-CH"/>
           </a:p>
@@ -948,7 +950,7 @@
           <a:p>
             <a:fld id="{B253B49A-4094-4AD2-84B0-9BA0802B708A}" type="datetimeFigureOut">
               <a:rPr lang="de-CH" smtClean="0"/>
-              <a:t>05.12.2016</a:t>
+              <a:t>03.04.2018</a:t>
             </a:fld>
             <a:endParaRPr lang="de-CH"/>
           </a:p>
@@ -1128,7 +1130,7 @@
           <a:p>
             <a:fld id="{B253B49A-4094-4AD2-84B0-9BA0802B708A}" type="datetimeFigureOut">
               <a:rPr lang="de-CH" smtClean="0"/>
-              <a:t>05.12.2016</a:t>
+              <a:t>03.04.2018</a:t>
             </a:fld>
             <a:endParaRPr lang="de-CH"/>
           </a:p>
@@ -1298,7 +1300,7 @@
           <a:p>
             <a:fld id="{B253B49A-4094-4AD2-84B0-9BA0802B708A}" type="datetimeFigureOut">
               <a:rPr lang="de-CH" smtClean="0"/>
-              <a:t>05.12.2016</a:t>
+              <a:t>03.04.2018</a:t>
             </a:fld>
             <a:endParaRPr lang="de-CH"/>
           </a:p>
@@ -1544,7 +1546,7 @@
           <a:p>
             <a:fld id="{B253B49A-4094-4AD2-84B0-9BA0802B708A}" type="datetimeFigureOut">
               <a:rPr lang="de-CH" smtClean="0"/>
-              <a:t>05.12.2016</a:t>
+              <a:t>03.04.2018</a:t>
             </a:fld>
             <a:endParaRPr lang="de-CH"/>
           </a:p>
@@ -1776,7 +1778,7 @@
           <a:p>
             <a:fld id="{B253B49A-4094-4AD2-84B0-9BA0802B708A}" type="datetimeFigureOut">
               <a:rPr lang="de-CH" smtClean="0"/>
-              <a:t>05.12.2016</a:t>
+              <a:t>03.04.2018</a:t>
             </a:fld>
             <a:endParaRPr lang="de-CH"/>
           </a:p>
@@ -2143,7 +2145,7 @@
           <a:p>
             <a:fld id="{B253B49A-4094-4AD2-84B0-9BA0802B708A}" type="datetimeFigureOut">
               <a:rPr lang="de-CH" smtClean="0"/>
-              <a:t>05.12.2016</a:t>
+              <a:t>03.04.2018</a:t>
             </a:fld>
             <a:endParaRPr lang="de-CH"/>
           </a:p>
@@ -2261,7 +2263,7 @@
           <a:p>
             <a:fld id="{B253B49A-4094-4AD2-84B0-9BA0802B708A}" type="datetimeFigureOut">
               <a:rPr lang="de-CH" smtClean="0"/>
-              <a:t>05.12.2016</a:t>
+              <a:t>03.04.2018</a:t>
             </a:fld>
             <a:endParaRPr lang="de-CH"/>
           </a:p>
@@ -2356,7 +2358,7 @@
           <a:p>
             <a:fld id="{B253B49A-4094-4AD2-84B0-9BA0802B708A}" type="datetimeFigureOut">
               <a:rPr lang="de-CH" smtClean="0"/>
-              <a:t>05.12.2016</a:t>
+              <a:t>03.04.2018</a:t>
             </a:fld>
             <a:endParaRPr lang="de-CH"/>
           </a:p>
@@ -2633,7 +2635,7 @@
           <a:p>
             <a:fld id="{B253B49A-4094-4AD2-84B0-9BA0802B708A}" type="datetimeFigureOut">
               <a:rPr lang="de-CH" smtClean="0"/>
-              <a:t>05.12.2016</a:t>
+              <a:t>03.04.2018</a:t>
             </a:fld>
             <a:endParaRPr lang="de-CH"/>
           </a:p>
@@ -2886,7 +2888,7 @@
           <a:p>
             <a:fld id="{B253B49A-4094-4AD2-84B0-9BA0802B708A}" type="datetimeFigureOut">
               <a:rPr lang="de-CH" smtClean="0"/>
-              <a:t>05.12.2016</a:t>
+              <a:t>03.04.2018</a:t>
             </a:fld>
             <a:endParaRPr lang="de-CH"/>
           </a:p>
@@ -3099,7 +3101,7 @@
           <a:p>
             <a:fld id="{B253B49A-4094-4AD2-84B0-9BA0802B708A}" type="datetimeFigureOut">
               <a:rPr lang="de-CH" smtClean="0"/>
-              <a:t>05.12.2016</a:t>
+              <a:t>03.04.2018</a:t>
             </a:fld>
             <a:endParaRPr lang="de-CH"/>
           </a:p>
@@ -5306,6 +5308,1477 @@
           <a:p>
             <a:r>
               <a:rPr lang="de-CH" dirty="0" smtClean="0"/>
+              <a:t>Engine – </a:t>
+            </a:r>
+            <a:r>
+              <a:rPr lang="de-CH" dirty="0" smtClean="0"/>
+              <a:t>Untervorlagen</a:t>
+            </a:r>
+            <a:endParaRPr lang="de-CH" dirty="0"/>
+          </a:p>
+        </p:txBody>
+      </p:sp>
+    </p:spTree>
+    <p:extLst>
+      <p:ext uri="{BB962C8B-B14F-4D97-AF65-F5344CB8AC3E}">
+        <p14:creationId xmlns:p14="http://schemas.microsoft.com/office/powerpoint/2010/main" val="3580034616"/>
+      </p:ext>
+    </p:extLst>
+  </p:cSld>
+  <p:clrMapOvr>
+    <a:masterClrMapping/>
+  </p:clrMapOvr>
+  <p:timing>
+    <p:tnLst>
+      <p:par>
+        <p:cTn id="1" dur="indefinite" restart="never" nodeType="tmRoot"/>
+      </p:par>
+    </p:tnLst>
+  </p:timing>
+</p:sld>
+</file>
+
+<file path=ppt/slides/slide12.xml><?xml version="1.0" encoding="utf-8"?>
+<p:sld xmlns:a="http://schemas.openxmlformats.org/drawingml/2006/main" xmlns:r="http://schemas.openxmlformats.org/officeDocument/2006/relationships" xmlns:p="http://schemas.openxmlformats.org/presentationml/2006/main">
+  <p:cSld>
+    <p:spTree>
+      <p:nvGrpSpPr>
+        <p:cNvPr id="1" name=""/>
+        <p:cNvGrpSpPr/>
+        <p:nvPr/>
+      </p:nvGrpSpPr>
+      <p:grpSpPr>
+        <a:xfrm>
+          <a:off x="0" y="0"/>
+          <a:ext cx="0" cy="0"/>
+          <a:chOff x="0" y="0"/>
+          <a:chExt cx="0" cy="0"/>
+        </a:xfrm>
+      </p:grpSpPr>
+      <p:pic>
+        <p:nvPicPr>
+          <p:cNvPr id="4" name="Grafik 3"/>
+          <p:cNvPicPr>
+            <a:picLocks noChangeAspect="1"/>
+          </p:cNvPicPr>
+          <p:nvPr/>
+        </p:nvPicPr>
+        <p:blipFill>
+          <a:blip r:embed="rId2" cstate="print">
+            <a:extLst>
+              <a:ext uri="{28A0092B-C50C-407E-A947-70E740481C1C}">
+                <a14:useLocalDpi xmlns:a14="http://schemas.microsoft.com/office/drawing/2010/main" val="0"/>
+              </a:ext>
+            </a:extLst>
+          </a:blip>
+          <a:stretch>
+            <a:fillRect/>
+          </a:stretch>
+        </p:blipFill>
+        <p:spPr>
+          <a:xfrm>
+            <a:off x="45126" y="1166299"/>
+            <a:ext cx="718839" cy="718839"/>
+          </a:xfrm>
+          <a:prstGeom prst="rect">
+            <a:avLst/>
+          </a:prstGeom>
+        </p:spPr>
+      </p:pic>
+      <p:pic>
+        <p:nvPicPr>
+          <p:cNvPr id="5" name="Grafik 4"/>
+          <p:cNvPicPr>
+            <a:picLocks noChangeAspect="1"/>
+          </p:cNvPicPr>
+          <p:nvPr/>
+        </p:nvPicPr>
+        <p:blipFill>
+          <a:blip r:embed="rId3" cstate="print">
+            <a:extLst>
+              <a:ext uri="{28A0092B-C50C-407E-A947-70E740481C1C}">
+                <a14:useLocalDpi xmlns:a14="http://schemas.microsoft.com/office/drawing/2010/main" val="0"/>
+              </a:ext>
+            </a:extLst>
+          </a:blip>
+          <a:stretch>
+            <a:fillRect/>
+          </a:stretch>
+        </p:blipFill>
+        <p:spPr>
+          <a:xfrm>
+            <a:off x="9136018" y="1071965"/>
+            <a:ext cx="1073076" cy="1073076"/>
+          </a:xfrm>
+          <a:prstGeom prst="rect">
+            <a:avLst/>
+          </a:prstGeom>
+        </p:spPr>
+      </p:pic>
+      <p:sp>
+        <p:nvSpPr>
+          <p:cNvPr id="6" name="Textfeld 5"/>
+          <p:cNvSpPr txBox="1"/>
+          <p:nvPr/>
+        </p:nvSpPr>
+        <p:spPr>
+          <a:xfrm>
+            <a:off x="665317" y="1342088"/>
+            <a:ext cx="1402815" cy="461665"/>
+          </a:xfrm>
+          <a:prstGeom prst="rect">
+            <a:avLst/>
+          </a:prstGeom>
+          <a:noFill/>
+        </p:spPr>
+        <p:txBody>
+          <a:bodyPr wrap="square" rtlCol="0">
+            <a:spAutoFit/>
+          </a:bodyPr>
+          <a:lstStyle/>
+          <a:p>
+            <a:pPr algn="ctr"/>
+            <a:r>
+              <a:rPr lang="de-CH" sz="2400" b="1" dirty="0" smtClean="0"/>
+              <a:t>Template</a:t>
+            </a:r>
+            <a:endParaRPr lang="de-CH" b="1" dirty="0"/>
+          </a:p>
+        </p:txBody>
+      </p:sp>
+      <p:sp>
+        <p:nvSpPr>
+          <p:cNvPr id="7" name="Textfeld 6"/>
+          <p:cNvSpPr txBox="1"/>
+          <p:nvPr/>
+        </p:nvSpPr>
+        <p:spPr>
+          <a:xfrm>
+            <a:off x="8799962" y="567572"/>
+            <a:ext cx="1745188" cy="461665"/>
+          </a:xfrm>
+          <a:prstGeom prst="rect">
+            <a:avLst/>
+          </a:prstGeom>
+          <a:noFill/>
+        </p:spPr>
+        <p:txBody>
+          <a:bodyPr wrap="square" rtlCol="0">
+            <a:spAutoFit/>
+          </a:bodyPr>
+          <a:lstStyle/>
+          <a:p>
+            <a:pPr algn="ctr"/>
+            <a:r>
+              <a:rPr lang="de-CH" sz="2400" b="1" dirty="0" err="1" smtClean="0"/>
+              <a:t>Document</a:t>
+            </a:r>
+            <a:endParaRPr lang="de-CH" sz="2400" b="1" dirty="0"/>
+          </a:p>
+        </p:txBody>
+      </p:sp>
+      <p:sp>
+        <p:nvSpPr>
+          <p:cNvPr id="22" name="Pfeil nach rechts 21"/>
+          <p:cNvSpPr/>
+          <p:nvPr/>
+        </p:nvSpPr>
+        <p:spPr>
+          <a:xfrm>
+            <a:off x="2090933" y="1348505"/>
+            <a:ext cx="864169" cy="455248"/>
+          </a:xfrm>
+          <a:prstGeom prst="rightArrow">
+            <a:avLst>
+              <a:gd name="adj1" fmla="val 56542"/>
+              <a:gd name="adj2" fmla="val 63739"/>
+            </a:avLst>
+          </a:prstGeom>
+          <a:solidFill>
+            <a:srgbClr val="00A864"/>
+          </a:solidFill>
+          <a:ln>
+            <a:noFill/>
+          </a:ln>
+        </p:spPr>
+        <p:style>
+          <a:lnRef idx="2">
+            <a:schemeClr val="accent1">
+              <a:shade val="50000"/>
+            </a:schemeClr>
+          </a:lnRef>
+          <a:fillRef idx="1">
+            <a:schemeClr val="accent1"/>
+          </a:fillRef>
+          <a:effectRef idx="0">
+            <a:schemeClr val="accent1"/>
+          </a:effectRef>
+          <a:fontRef idx="minor">
+            <a:schemeClr val="lt1"/>
+          </a:fontRef>
+        </p:style>
+        <p:txBody>
+          <a:bodyPr rtlCol="0" anchor="ctr"/>
+          <a:lstStyle/>
+          <a:p>
+            <a:pPr algn="ctr"/>
+            <a:endParaRPr lang="de-CH"/>
+          </a:p>
+        </p:txBody>
+      </p:sp>
+      <p:sp>
+        <p:nvSpPr>
+          <p:cNvPr id="46" name="Pfeil nach rechts 45"/>
+          <p:cNvSpPr/>
+          <p:nvPr/>
+        </p:nvSpPr>
+        <p:spPr>
+          <a:xfrm>
+            <a:off x="10359359" y="1346553"/>
+            <a:ext cx="606491" cy="457200"/>
+          </a:xfrm>
+          <a:prstGeom prst="rightArrow">
+            <a:avLst>
+              <a:gd name="adj1" fmla="val 56542"/>
+              <a:gd name="adj2" fmla="val 63739"/>
+            </a:avLst>
+          </a:prstGeom>
+          <a:solidFill>
+            <a:srgbClr val="00A864"/>
+          </a:solidFill>
+          <a:ln>
+            <a:noFill/>
+          </a:ln>
+        </p:spPr>
+        <p:style>
+          <a:lnRef idx="2">
+            <a:schemeClr val="accent1">
+              <a:shade val="50000"/>
+            </a:schemeClr>
+          </a:lnRef>
+          <a:fillRef idx="1">
+            <a:schemeClr val="accent1"/>
+          </a:fillRef>
+          <a:effectRef idx="0">
+            <a:schemeClr val="accent1"/>
+          </a:effectRef>
+          <a:fontRef idx="minor">
+            <a:schemeClr val="lt1"/>
+          </a:fontRef>
+        </p:style>
+        <p:txBody>
+          <a:bodyPr rtlCol="0" anchor="ctr"/>
+          <a:lstStyle/>
+          <a:p>
+            <a:pPr algn="ctr"/>
+            <a:endParaRPr lang="de-CH"/>
+          </a:p>
+        </p:txBody>
+      </p:sp>
+      <p:sp>
+        <p:nvSpPr>
+          <p:cNvPr id="54" name="Geschweifte Klammer links 53"/>
+          <p:cNvSpPr/>
+          <p:nvPr/>
+        </p:nvSpPr>
+        <p:spPr>
+          <a:xfrm rot="16200000">
+            <a:off x="4026450" y="2259575"/>
+            <a:ext cx="270508" cy="2413204"/>
+          </a:xfrm>
+          <a:prstGeom prst="leftBrace">
+            <a:avLst>
+              <a:gd name="adj1" fmla="val 88836"/>
+              <a:gd name="adj2" fmla="val 50000"/>
+            </a:avLst>
+          </a:prstGeom>
+          <a:ln/>
+        </p:spPr>
+        <p:style>
+          <a:lnRef idx="1">
+            <a:schemeClr val="dk1"/>
+          </a:lnRef>
+          <a:fillRef idx="0">
+            <a:schemeClr val="dk1"/>
+          </a:fillRef>
+          <a:effectRef idx="0">
+            <a:schemeClr val="dk1"/>
+          </a:effectRef>
+          <a:fontRef idx="minor">
+            <a:schemeClr val="tx1"/>
+          </a:fontRef>
+        </p:style>
+        <p:txBody>
+          <a:bodyPr rtlCol="0" anchor="ctr"/>
+          <a:lstStyle/>
+          <a:p>
+            <a:pPr algn="ctr"/>
+            <a:endParaRPr lang="de-CH"/>
+          </a:p>
+        </p:txBody>
+      </p:sp>
+      <p:sp>
+        <p:nvSpPr>
+          <p:cNvPr id="56" name="Textfeld 55"/>
+          <p:cNvSpPr txBox="1"/>
+          <p:nvPr/>
+        </p:nvSpPr>
+        <p:spPr>
+          <a:xfrm>
+            <a:off x="2512167" y="3538459"/>
+            <a:ext cx="3321680" cy="400110"/>
+          </a:xfrm>
+          <a:prstGeom prst="rect">
+            <a:avLst/>
+          </a:prstGeom>
+          <a:noFill/>
+        </p:spPr>
+        <p:txBody>
+          <a:bodyPr wrap="square" rtlCol="0">
+            <a:spAutoFit/>
+          </a:bodyPr>
+          <a:lstStyle/>
+          <a:p>
+            <a:pPr algn="ctr"/>
+            <a:r>
+              <a:rPr lang="de-CH" sz="2000" b="1" dirty="0" smtClean="0"/>
+              <a:t>Processing</a:t>
+            </a:r>
+            <a:endParaRPr lang="de-CH" sz="2800" b="1" dirty="0"/>
+          </a:p>
+        </p:txBody>
+      </p:sp>
+      <p:grpSp>
+        <p:nvGrpSpPr>
+          <p:cNvPr id="23" name="Gruppieren 22"/>
+          <p:cNvGrpSpPr/>
+          <p:nvPr/>
+        </p:nvGrpSpPr>
+        <p:grpSpPr>
+          <a:xfrm>
+            <a:off x="3052139" y="1146195"/>
+            <a:ext cx="2218604" cy="869116"/>
+            <a:chOff x="3229505" y="2723912"/>
+            <a:chExt cx="4708385" cy="1296597"/>
+          </a:xfrm>
+        </p:grpSpPr>
+        <p:sp>
+          <p:nvSpPr>
+            <p:cNvPr id="15" name="Flussdiagramm: Gespeicherte Daten 14"/>
+            <p:cNvSpPr/>
+            <p:nvPr/>
+          </p:nvSpPr>
+          <p:spPr>
+            <a:xfrm>
+              <a:off x="3229505" y="2730811"/>
+              <a:ext cx="1089660" cy="1289698"/>
+            </a:xfrm>
+            <a:prstGeom prst="flowChartOnlineStorage">
+              <a:avLst/>
+            </a:prstGeom>
+            <a:solidFill>
+              <a:schemeClr val="bg2">
+                <a:lumMod val="75000"/>
+              </a:schemeClr>
+            </a:solidFill>
+            <a:ln>
+              <a:noFill/>
+            </a:ln>
+          </p:spPr>
+          <p:style>
+            <a:lnRef idx="2">
+              <a:schemeClr val="accent1">
+                <a:shade val="50000"/>
+              </a:schemeClr>
+            </a:lnRef>
+            <a:fillRef idx="1">
+              <a:schemeClr val="accent1"/>
+            </a:fillRef>
+            <a:effectRef idx="0">
+              <a:schemeClr val="accent1"/>
+            </a:effectRef>
+            <a:fontRef idx="minor">
+              <a:schemeClr val="lt1"/>
+            </a:fontRef>
+          </p:style>
+          <p:txBody>
+            <a:bodyPr rtlCol="0" anchor="ctr"/>
+            <a:lstStyle/>
+            <a:p>
+              <a:pPr algn="ctr"/>
+              <a:endParaRPr lang="de-CH"/>
+            </a:p>
+          </p:txBody>
+        </p:sp>
+        <p:sp>
+          <p:nvSpPr>
+            <p:cNvPr id="17" name="Flussdiagramm: Gespeicherte Daten 16"/>
+            <p:cNvSpPr/>
+            <p:nvPr/>
+          </p:nvSpPr>
+          <p:spPr>
+            <a:xfrm>
+              <a:off x="4304559" y="2730811"/>
+              <a:ext cx="1089660" cy="1289698"/>
+            </a:xfrm>
+            <a:prstGeom prst="flowChartOnlineStorage">
+              <a:avLst/>
+            </a:prstGeom>
+            <a:solidFill>
+              <a:schemeClr val="bg2">
+                <a:lumMod val="75000"/>
+              </a:schemeClr>
+            </a:solidFill>
+            <a:ln>
+              <a:noFill/>
+            </a:ln>
+          </p:spPr>
+          <p:style>
+            <a:lnRef idx="2">
+              <a:schemeClr val="accent1">
+                <a:shade val="50000"/>
+              </a:schemeClr>
+            </a:lnRef>
+            <a:fillRef idx="1">
+              <a:schemeClr val="accent1"/>
+            </a:fillRef>
+            <a:effectRef idx="0">
+              <a:schemeClr val="accent1"/>
+            </a:effectRef>
+            <a:fontRef idx="minor">
+              <a:schemeClr val="lt1"/>
+            </a:fontRef>
+          </p:style>
+          <p:txBody>
+            <a:bodyPr rtlCol="0" anchor="ctr"/>
+            <a:lstStyle/>
+            <a:p>
+              <a:pPr algn="ctr"/>
+              <a:endParaRPr lang="de-CH"/>
+            </a:p>
+          </p:txBody>
+        </p:sp>
+        <p:sp>
+          <p:nvSpPr>
+            <p:cNvPr id="18" name="Flussdiagramm: Gespeicherte Daten 17"/>
+            <p:cNvSpPr/>
+            <p:nvPr/>
+          </p:nvSpPr>
+          <p:spPr>
+            <a:xfrm>
+              <a:off x="5379612" y="2730811"/>
+              <a:ext cx="1089660" cy="1289698"/>
+            </a:xfrm>
+            <a:prstGeom prst="flowChartOnlineStorage">
+              <a:avLst/>
+            </a:prstGeom>
+            <a:solidFill>
+              <a:schemeClr val="bg2">
+                <a:lumMod val="75000"/>
+              </a:schemeClr>
+            </a:solidFill>
+            <a:ln>
+              <a:noFill/>
+            </a:ln>
+          </p:spPr>
+          <p:style>
+            <a:lnRef idx="2">
+              <a:schemeClr val="accent1">
+                <a:shade val="50000"/>
+              </a:schemeClr>
+            </a:lnRef>
+            <a:fillRef idx="1">
+              <a:schemeClr val="accent1"/>
+            </a:fillRef>
+            <a:effectRef idx="0">
+              <a:schemeClr val="accent1"/>
+            </a:effectRef>
+            <a:fontRef idx="minor">
+              <a:schemeClr val="lt1"/>
+            </a:fontRef>
+          </p:style>
+          <p:txBody>
+            <a:bodyPr rtlCol="0" anchor="ctr"/>
+            <a:lstStyle/>
+            <a:p>
+              <a:pPr algn="ctr"/>
+              <a:endParaRPr lang="de-CH"/>
+            </a:p>
+          </p:txBody>
+        </p:sp>
+        <p:sp>
+          <p:nvSpPr>
+            <p:cNvPr id="19" name="Flussdiagramm: Gespeicherte Daten 18"/>
+            <p:cNvSpPr/>
+            <p:nvPr/>
+          </p:nvSpPr>
+          <p:spPr>
+            <a:xfrm>
+              <a:off x="6469272" y="2723912"/>
+              <a:ext cx="1089660" cy="1289698"/>
+            </a:xfrm>
+            <a:prstGeom prst="flowChartOnlineStorage">
+              <a:avLst/>
+            </a:prstGeom>
+            <a:solidFill>
+              <a:schemeClr val="bg2">
+                <a:lumMod val="75000"/>
+              </a:schemeClr>
+            </a:solidFill>
+            <a:ln>
+              <a:noFill/>
+            </a:ln>
+          </p:spPr>
+          <p:style>
+            <a:lnRef idx="2">
+              <a:schemeClr val="accent1">
+                <a:shade val="50000"/>
+              </a:schemeClr>
+            </a:lnRef>
+            <a:fillRef idx="1">
+              <a:schemeClr val="accent1"/>
+            </a:fillRef>
+            <a:effectRef idx="0">
+              <a:schemeClr val="accent1"/>
+            </a:effectRef>
+            <a:fontRef idx="minor">
+              <a:schemeClr val="lt1"/>
+            </a:fontRef>
+          </p:style>
+          <p:txBody>
+            <a:bodyPr rtlCol="0" anchor="ctr"/>
+            <a:lstStyle/>
+            <a:p>
+              <a:pPr algn="ctr"/>
+              <a:endParaRPr lang="de-CH"/>
+            </a:p>
+          </p:txBody>
+        </p:sp>
+        <p:sp>
+          <p:nvSpPr>
+            <p:cNvPr id="20" name="Ellipse 19"/>
+            <p:cNvSpPr/>
+            <p:nvPr/>
+          </p:nvSpPr>
+          <p:spPr>
+            <a:xfrm>
+              <a:off x="7495025" y="2723912"/>
+              <a:ext cx="442865" cy="1289698"/>
+            </a:xfrm>
+            <a:prstGeom prst="ellipse">
+              <a:avLst/>
+            </a:prstGeom>
+            <a:solidFill>
+              <a:schemeClr val="bg2">
+                <a:lumMod val="75000"/>
+              </a:schemeClr>
+            </a:solidFill>
+            <a:ln>
+              <a:noFill/>
+            </a:ln>
+          </p:spPr>
+          <p:style>
+            <a:lnRef idx="2">
+              <a:schemeClr val="accent1">
+                <a:shade val="50000"/>
+              </a:schemeClr>
+            </a:lnRef>
+            <a:fillRef idx="1">
+              <a:schemeClr val="accent1"/>
+            </a:fillRef>
+            <a:effectRef idx="0">
+              <a:schemeClr val="accent1"/>
+            </a:effectRef>
+            <a:fontRef idx="minor">
+              <a:schemeClr val="lt1"/>
+            </a:fontRef>
+          </p:style>
+          <p:txBody>
+            <a:bodyPr rtlCol="0" anchor="ctr"/>
+            <a:lstStyle/>
+            <a:p>
+              <a:pPr algn="ctr"/>
+              <a:endParaRPr lang="de-CH"/>
+            </a:p>
+          </p:txBody>
+        </p:sp>
+      </p:grpSp>
+      <p:cxnSp>
+        <p:nvCxnSpPr>
+          <p:cNvPr id="40" name="Gerader Verbinder 39"/>
+          <p:cNvCxnSpPr/>
+          <p:nvPr/>
+        </p:nvCxnSpPr>
+        <p:spPr>
+          <a:xfrm>
+            <a:off x="3824677" y="2084231"/>
+            <a:ext cx="3800" cy="422239"/>
+          </a:xfrm>
+          <a:prstGeom prst="line">
+            <a:avLst/>
+          </a:prstGeom>
+          <a:ln>
+            <a:solidFill>
+              <a:schemeClr val="tx1"/>
+            </a:solidFill>
+          </a:ln>
+        </p:spPr>
+        <p:style>
+          <a:lnRef idx="1">
+            <a:schemeClr val="accent1"/>
+          </a:lnRef>
+          <a:fillRef idx="0">
+            <a:schemeClr val="accent1"/>
+          </a:fillRef>
+          <a:effectRef idx="0">
+            <a:schemeClr val="accent1"/>
+          </a:effectRef>
+          <a:fontRef idx="minor">
+            <a:schemeClr val="tx1"/>
+          </a:fontRef>
+        </p:style>
+      </p:cxnSp>
+      <p:cxnSp>
+        <p:nvCxnSpPr>
+          <p:cNvPr id="41" name="Gerader Verbinder 40"/>
+          <p:cNvCxnSpPr/>
+          <p:nvPr/>
+        </p:nvCxnSpPr>
+        <p:spPr>
+          <a:xfrm>
+            <a:off x="4831186" y="2084231"/>
+            <a:ext cx="3800" cy="422239"/>
+          </a:xfrm>
+          <a:prstGeom prst="line">
+            <a:avLst/>
+          </a:prstGeom>
+          <a:ln>
+            <a:solidFill>
+              <a:schemeClr val="tx1"/>
+            </a:solidFill>
+          </a:ln>
+        </p:spPr>
+        <p:style>
+          <a:lnRef idx="1">
+            <a:schemeClr val="accent1"/>
+          </a:lnRef>
+          <a:fillRef idx="0">
+            <a:schemeClr val="accent1"/>
+          </a:fillRef>
+          <a:effectRef idx="0">
+            <a:schemeClr val="accent1"/>
+          </a:effectRef>
+          <a:fontRef idx="minor">
+            <a:schemeClr val="tx1"/>
+          </a:fontRef>
+        </p:style>
+      </p:cxnSp>
+      <p:sp>
+        <p:nvSpPr>
+          <p:cNvPr id="44" name="Textfeld 43"/>
+          <p:cNvSpPr txBox="1"/>
+          <p:nvPr/>
+        </p:nvSpPr>
+        <p:spPr>
+          <a:xfrm>
+            <a:off x="3172096" y="2499413"/>
+            <a:ext cx="1312140" cy="261610"/>
+          </a:xfrm>
+          <a:prstGeom prst="rect">
+            <a:avLst/>
+          </a:prstGeom>
+          <a:noFill/>
+        </p:spPr>
+        <p:txBody>
+          <a:bodyPr wrap="square" rtlCol="0">
+            <a:spAutoFit/>
+          </a:bodyPr>
+          <a:lstStyle/>
+          <a:p>
+            <a:pPr algn="ctr"/>
+            <a:r>
+              <a:rPr lang="de-CH" sz="1100" dirty="0" err="1" smtClean="0"/>
+              <a:t>Snippets</a:t>
+            </a:r>
+            <a:endParaRPr lang="de-CH" sz="1200" dirty="0"/>
+          </a:p>
+        </p:txBody>
+      </p:sp>
+      <p:cxnSp>
+        <p:nvCxnSpPr>
+          <p:cNvPr id="58" name="Gerader Verbinder 57"/>
+          <p:cNvCxnSpPr/>
+          <p:nvPr/>
+        </p:nvCxnSpPr>
+        <p:spPr>
+          <a:xfrm>
+            <a:off x="3319442" y="2077425"/>
+            <a:ext cx="4823" cy="867117"/>
+          </a:xfrm>
+          <a:prstGeom prst="line">
+            <a:avLst/>
+          </a:prstGeom>
+          <a:ln>
+            <a:solidFill>
+              <a:schemeClr val="tx1"/>
+            </a:solidFill>
+          </a:ln>
+        </p:spPr>
+        <p:style>
+          <a:lnRef idx="1">
+            <a:schemeClr val="accent1"/>
+          </a:lnRef>
+          <a:fillRef idx="0">
+            <a:schemeClr val="accent1"/>
+          </a:fillRef>
+          <a:effectRef idx="0">
+            <a:schemeClr val="accent1"/>
+          </a:effectRef>
+          <a:fontRef idx="minor">
+            <a:schemeClr val="tx1"/>
+          </a:fontRef>
+        </p:style>
+      </p:cxnSp>
+      <p:sp>
+        <p:nvSpPr>
+          <p:cNvPr id="65" name="Textfeld 64"/>
+          <p:cNvSpPr txBox="1"/>
+          <p:nvPr/>
+        </p:nvSpPr>
+        <p:spPr>
+          <a:xfrm>
+            <a:off x="2602990" y="2939536"/>
+            <a:ext cx="1432904" cy="261610"/>
+          </a:xfrm>
+          <a:prstGeom prst="rect">
+            <a:avLst/>
+          </a:prstGeom>
+          <a:noFill/>
+        </p:spPr>
+        <p:txBody>
+          <a:bodyPr wrap="square" rtlCol="0">
+            <a:spAutoFit/>
+          </a:bodyPr>
+          <a:lstStyle/>
+          <a:p>
+            <a:pPr algn="ctr"/>
+            <a:r>
+              <a:rPr lang="de-CH" sz="1100" dirty="0" err="1" smtClean="0"/>
+              <a:t>DocumentParameter</a:t>
+            </a:r>
+            <a:endParaRPr lang="de-CH" sz="1100" dirty="0"/>
+          </a:p>
+        </p:txBody>
+      </p:sp>
+      <p:cxnSp>
+        <p:nvCxnSpPr>
+          <p:cNvPr id="68" name="Gerader Verbinder 67"/>
+          <p:cNvCxnSpPr/>
+          <p:nvPr/>
+        </p:nvCxnSpPr>
+        <p:spPr>
+          <a:xfrm>
+            <a:off x="4316971" y="2110544"/>
+            <a:ext cx="4823" cy="867117"/>
+          </a:xfrm>
+          <a:prstGeom prst="line">
+            <a:avLst/>
+          </a:prstGeom>
+          <a:ln>
+            <a:solidFill>
+              <a:schemeClr val="tx1"/>
+            </a:solidFill>
+          </a:ln>
+        </p:spPr>
+        <p:style>
+          <a:lnRef idx="1">
+            <a:schemeClr val="accent1"/>
+          </a:lnRef>
+          <a:fillRef idx="0">
+            <a:schemeClr val="accent1"/>
+          </a:fillRef>
+          <a:effectRef idx="0">
+            <a:schemeClr val="accent1"/>
+          </a:effectRef>
+          <a:fontRef idx="minor">
+            <a:schemeClr val="tx1"/>
+          </a:fontRef>
+        </p:style>
+      </p:cxnSp>
+      <p:sp>
+        <p:nvSpPr>
+          <p:cNvPr id="69" name="Textfeld 68"/>
+          <p:cNvSpPr txBox="1"/>
+          <p:nvPr/>
+        </p:nvSpPr>
+        <p:spPr>
+          <a:xfrm>
+            <a:off x="4533261" y="2460471"/>
+            <a:ext cx="595850" cy="261610"/>
+          </a:xfrm>
+          <a:prstGeom prst="rect">
+            <a:avLst/>
+          </a:prstGeom>
+          <a:noFill/>
+        </p:spPr>
+        <p:txBody>
+          <a:bodyPr wrap="square" rtlCol="0">
+            <a:spAutoFit/>
+          </a:bodyPr>
+          <a:lstStyle/>
+          <a:p>
+            <a:pPr algn="ctr"/>
+            <a:r>
+              <a:rPr lang="de-CH" sz="1100" dirty="0" smtClean="0"/>
+              <a:t>etc.</a:t>
+            </a:r>
+            <a:endParaRPr lang="de-CH" sz="1100" dirty="0"/>
+          </a:p>
+        </p:txBody>
+      </p:sp>
+      <p:sp>
+        <p:nvSpPr>
+          <p:cNvPr id="70" name="Textfeld 69"/>
+          <p:cNvSpPr txBox="1"/>
+          <p:nvPr/>
+        </p:nvSpPr>
+        <p:spPr>
+          <a:xfrm>
+            <a:off x="3660901" y="2939536"/>
+            <a:ext cx="1312140" cy="261610"/>
+          </a:xfrm>
+          <a:prstGeom prst="rect">
+            <a:avLst/>
+          </a:prstGeom>
+          <a:noFill/>
+        </p:spPr>
+        <p:txBody>
+          <a:bodyPr wrap="square" rtlCol="0">
+            <a:spAutoFit/>
+          </a:bodyPr>
+          <a:lstStyle/>
+          <a:p>
+            <a:pPr algn="ctr"/>
+            <a:r>
+              <a:rPr lang="de-CH" sz="1100" dirty="0" err="1" smtClean="0"/>
+              <a:t>Recipient</a:t>
+            </a:r>
+            <a:endParaRPr lang="de-CH" sz="1200" dirty="0" smtClean="0"/>
+          </a:p>
+        </p:txBody>
+      </p:sp>
+      <p:sp>
+        <p:nvSpPr>
+          <p:cNvPr id="60" name="Textfeld 59"/>
+          <p:cNvSpPr txBox="1"/>
+          <p:nvPr/>
+        </p:nvSpPr>
+        <p:spPr>
+          <a:xfrm>
+            <a:off x="2903489" y="567572"/>
+            <a:ext cx="2606615" cy="400110"/>
+          </a:xfrm>
+          <a:prstGeom prst="rect">
+            <a:avLst/>
+          </a:prstGeom>
+          <a:noFill/>
+        </p:spPr>
+        <p:txBody>
+          <a:bodyPr wrap="square" rtlCol="0">
+            <a:spAutoFit/>
+          </a:bodyPr>
+          <a:lstStyle/>
+          <a:p>
+            <a:pPr algn="ctr"/>
+            <a:r>
+              <a:rPr lang="de-CH" sz="2000" b="1" dirty="0" err="1" smtClean="0"/>
+              <a:t>Document</a:t>
+            </a:r>
+            <a:r>
+              <a:rPr lang="de-CH" sz="2000" b="1" dirty="0" smtClean="0"/>
+              <a:t> </a:t>
+            </a:r>
+            <a:r>
+              <a:rPr lang="de-CH" sz="2000" b="1" dirty="0" err="1" smtClean="0"/>
+              <a:t>Functions</a:t>
+            </a:r>
+            <a:endParaRPr lang="de-CH" sz="2000" b="1" dirty="0"/>
+          </a:p>
+        </p:txBody>
+      </p:sp>
+      <p:sp>
+        <p:nvSpPr>
+          <p:cNvPr id="42" name="Textfeld 41"/>
+          <p:cNvSpPr txBox="1"/>
+          <p:nvPr/>
+        </p:nvSpPr>
+        <p:spPr>
+          <a:xfrm>
+            <a:off x="10744231" y="1288673"/>
+            <a:ext cx="1391746" cy="461665"/>
+          </a:xfrm>
+          <a:prstGeom prst="rect">
+            <a:avLst/>
+          </a:prstGeom>
+          <a:noFill/>
+        </p:spPr>
+        <p:txBody>
+          <a:bodyPr wrap="square" rtlCol="0">
+            <a:spAutoFit/>
+          </a:bodyPr>
+          <a:lstStyle/>
+          <a:p>
+            <a:pPr algn="ctr"/>
+            <a:r>
+              <a:rPr lang="de-CH" sz="2400" b="1" dirty="0" smtClean="0"/>
+              <a:t>…</a:t>
+            </a:r>
+            <a:endParaRPr lang="de-CH" sz="2400" b="1" dirty="0"/>
+          </a:p>
+        </p:txBody>
+      </p:sp>
+      <p:pic>
+        <p:nvPicPr>
+          <p:cNvPr id="73" name="Grafik 72"/>
+          <p:cNvPicPr>
+            <a:picLocks noChangeAspect="1"/>
+          </p:cNvPicPr>
+          <p:nvPr/>
+        </p:nvPicPr>
+        <p:blipFill>
+          <a:blip r:embed="rId2" cstate="print">
+            <a:extLst>
+              <a:ext uri="{28A0092B-C50C-407E-A947-70E740481C1C}">
+                <a14:useLocalDpi xmlns:a14="http://schemas.microsoft.com/office/drawing/2010/main" val="0"/>
+              </a:ext>
+            </a:extLst>
+          </a:blip>
+          <a:stretch>
+            <a:fillRect/>
+          </a:stretch>
+        </p:blipFill>
+        <p:spPr>
+          <a:xfrm>
+            <a:off x="6580575" y="2227595"/>
+            <a:ext cx="718839" cy="718839"/>
+          </a:xfrm>
+          <a:prstGeom prst="rect">
+            <a:avLst/>
+          </a:prstGeom>
+        </p:spPr>
+      </p:pic>
+      <p:pic>
+        <p:nvPicPr>
+          <p:cNvPr id="74" name="Grafik 73"/>
+          <p:cNvPicPr>
+            <a:picLocks noChangeAspect="1"/>
+          </p:cNvPicPr>
+          <p:nvPr/>
+        </p:nvPicPr>
+        <p:blipFill>
+          <a:blip r:embed="rId2" cstate="print">
+            <a:extLst>
+              <a:ext uri="{28A0092B-C50C-407E-A947-70E740481C1C}">
+                <a14:useLocalDpi xmlns:a14="http://schemas.microsoft.com/office/drawing/2010/main" val="0"/>
+              </a:ext>
+            </a:extLst>
+          </a:blip>
+          <a:stretch>
+            <a:fillRect/>
+          </a:stretch>
+        </p:blipFill>
+        <p:spPr>
+          <a:xfrm>
+            <a:off x="6580576" y="3771727"/>
+            <a:ext cx="718839" cy="718839"/>
+          </a:xfrm>
+          <a:prstGeom prst="rect">
+            <a:avLst/>
+          </a:prstGeom>
+        </p:spPr>
+      </p:pic>
+      <p:pic>
+        <p:nvPicPr>
+          <p:cNvPr id="75" name="Grafik 74"/>
+          <p:cNvPicPr>
+            <a:picLocks noChangeAspect="1"/>
+          </p:cNvPicPr>
+          <p:nvPr/>
+        </p:nvPicPr>
+        <p:blipFill>
+          <a:blip r:embed="rId3" cstate="print">
+            <a:extLst>
+              <a:ext uri="{28A0092B-C50C-407E-A947-70E740481C1C}">
+                <a14:useLocalDpi xmlns:a14="http://schemas.microsoft.com/office/drawing/2010/main" val="0"/>
+              </a:ext>
+            </a:extLst>
+          </a:blip>
+          <a:stretch>
+            <a:fillRect/>
+          </a:stretch>
+        </p:blipFill>
+        <p:spPr>
+          <a:xfrm>
+            <a:off x="6580575" y="2999661"/>
+            <a:ext cx="718839" cy="718839"/>
+          </a:xfrm>
+          <a:prstGeom prst="rect">
+            <a:avLst/>
+          </a:prstGeom>
+        </p:spPr>
+      </p:pic>
+      <p:pic>
+        <p:nvPicPr>
+          <p:cNvPr id="76" name="Grafik 75"/>
+          <p:cNvPicPr>
+            <a:picLocks noChangeAspect="1"/>
+          </p:cNvPicPr>
+          <p:nvPr/>
+        </p:nvPicPr>
+        <p:blipFill>
+          <a:blip r:embed="rId2" cstate="print">
+            <a:extLst>
+              <a:ext uri="{28A0092B-C50C-407E-A947-70E740481C1C}">
+                <a14:useLocalDpi xmlns:a14="http://schemas.microsoft.com/office/drawing/2010/main" val="0"/>
+              </a:ext>
+            </a:extLst>
+          </a:blip>
+          <a:stretch>
+            <a:fillRect/>
+          </a:stretch>
+        </p:blipFill>
+        <p:spPr>
+          <a:xfrm>
+            <a:off x="6580575" y="4542083"/>
+            <a:ext cx="718839" cy="718839"/>
+          </a:xfrm>
+          <a:prstGeom prst="rect">
+            <a:avLst/>
+          </a:prstGeom>
+        </p:spPr>
+      </p:pic>
+      <p:sp>
+        <p:nvSpPr>
+          <p:cNvPr id="77" name="Textfeld 76"/>
+          <p:cNvSpPr txBox="1"/>
+          <p:nvPr/>
+        </p:nvSpPr>
+        <p:spPr>
+          <a:xfrm>
+            <a:off x="6222761" y="491374"/>
+            <a:ext cx="2047941" cy="707886"/>
+          </a:xfrm>
+          <a:prstGeom prst="rect">
+            <a:avLst/>
+          </a:prstGeom>
+          <a:noFill/>
+        </p:spPr>
+        <p:txBody>
+          <a:bodyPr wrap="square" rtlCol="0">
+            <a:spAutoFit/>
+          </a:bodyPr>
+          <a:lstStyle/>
+          <a:p>
+            <a:pPr algn="ctr"/>
+            <a:r>
+              <a:rPr lang="de-CH" sz="2000" b="1" dirty="0" smtClean="0"/>
+              <a:t>Sub-Template Evaluation</a:t>
+            </a:r>
+            <a:endParaRPr lang="de-CH" sz="1600" b="1" dirty="0"/>
+          </a:p>
+        </p:txBody>
+      </p:sp>
+      <p:sp>
+        <p:nvSpPr>
+          <p:cNvPr id="79" name="Textfeld 78"/>
+          <p:cNvSpPr txBox="1"/>
+          <p:nvPr/>
+        </p:nvSpPr>
+        <p:spPr>
+          <a:xfrm>
+            <a:off x="7418859" y="3222972"/>
+            <a:ext cx="1511539" cy="307777"/>
+          </a:xfrm>
+          <a:prstGeom prst="rect">
+            <a:avLst/>
+          </a:prstGeom>
+          <a:noFill/>
+        </p:spPr>
+        <p:txBody>
+          <a:bodyPr wrap="square" rtlCol="0">
+            <a:spAutoFit/>
+          </a:bodyPr>
+          <a:lstStyle/>
+          <a:p>
+            <a:pPr algn="ctr"/>
+            <a:r>
+              <a:rPr lang="de-CH" sz="1400" b="1" dirty="0" smtClean="0"/>
+              <a:t>«Main»-Template</a:t>
+            </a:r>
+            <a:endParaRPr lang="de-CH" sz="1100" b="1" dirty="0"/>
+          </a:p>
+        </p:txBody>
+      </p:sp>
+      <p:sp>
+        <p:nvSpPr>
+          <p:cNvPr id="80" name="Textfeld 79"/>
+          <p:cNvSpPr txBox="1"/>
+          <p:nvPr/>
+        </p:nvSpPr>
+        <p:spPr>
+          <a:xfrm>
+            <a:off x="7417302" y="2499184"/>
+            <a:ext cx="1511539" cy="307777"/>
+          </a:xfrm>
+          <a:prstGeom prst="rect">
+            <a:avLst/>
+          </a:prstGeom>
+          <a:noFill/>
+        </p:spPr>
+        <p:txBody>
+          <a:bodyPr wrap="square" rtlCol="0">
+            <a:spAutoFit/>
+          </a:bodyPr>
+          <a:lstStyle/>
+          <a:p>
+            <a:pPr algn="ctr"/>
+            <a:r>
+              <a:rPr lang="de-CH" sz="1400" b="1" dirty="0" smtClean="0"/>
+              <a:t>Sub-Template A</a:t>
+            </a:r>
+            <a:endParaRPr lang="de-CH" sz="1100" b="1" dirty="0"/>
+          </a:p>
+        </p:txBody>
+      </p:sp>
+      <p:sp>
+        <p:nvSpPr>
+          <p:cNvPr id="81" name="Textfeld 80"/>
+          <p:cNvSpPr txBox="1"/>
+          <p:nvPr/>
+        </p:nvSpPr>
+        <p:spPr>
+          <a:xfrm>
+            <a:off x="7417302" y="4747613"/>
+            <a:ext cx="1511539" cy="307777"/>
+          </a:xfrm>
+          <a:prstGeom prst="rect">
+            <a:avLst/>
+          </a:prstGeom>
+          <a:noFill/>
+        </p:spPr>
+        <p:txBody>
+          <a:bodyPr wrap="square" rtlCol="0">
+            <a:spAutoFit/>
+          </a:bodyPr>
+          <a:lstStyle/>
+          <a:p>
+            <a:pPr algn="ctr"/>
+            <a:r>
+              <a:rPr lang="de-CH" sz="1400" b="1" dirty="0" smtClean="0"/>
+              <a:t>Sub-Template C</a:t>
+            </a:r>
+            <a:endParaRPr lang="de-CH" sz="1100" b="1" dirty="0"/>
+          </a:p>
+        </p:txBody>
+      </p:sp>
+      <p:sp>
+        <p:nvSpPr>
+          <p:cNvPr id="82" name="Textfeld 81"/>
+          <p:cNvSpPr txBox="1"/>
+          <p:nvPr/>
+        </p:nvSpPr>
+        <p:spPr>
+          <a:xfrm>
+            <a:off x="7224068" y="3848100"/>
+            <a:ext cx="2266449" cy="738664"/>
+          </a:xfrm>
+          <a:prstGeom prst="rect">
+            <a:avLst/>
+          </a:prstGeom>
+          <a:noFill/>
+        </p:spPr>
+        <p:txBody>
+          <a:bodyPr wrap="square" rtlCol="0">
+            <a:spAutoFit/>
+          </a:bodyPr>
+          <a:lstStyle/>
+          <a:p>
+            <a:pPr algn="ctr"/>
+            <a:r>
+              <a:rPr lang="de-CH" sz="1400" b="1" dirty="0" smtClean="0"/>
+              <a:t>Sub-Template B </a:t>
+            </a:r>
+          </a:p>
+          <a:p>
+            <a:pPr algn="ctr"/>
+            <a:r>
+              <a:rPr lang="de-CH" sz="1400" b="1" dirty="0" smtClean="0"/>
+              <a:t>(Not </a:t>
+            </a:r>
+            <a:r>
+              <a:rPr lang="de-CH" sz="1400" b="1" dirty="0" err="1" smtClean="0"/>
+              <a:t>included</a:t>
+            </a:r>
+            <a:r>
+              <a:rPr lang="de-CH" sz="1400" b="1" dirty="0" smtClean="0"/>
+              <a:t> </a:t>
+            </a:r>
+            <a:r>
+              <a:rPr lang="de-CH" sz="1400" b="1" dirty="0" err="1" smtClean="0"/>
+              <a:t>because</a:t>
+            </a:r>
+            <a:r>
+              <a:rPr lang="de-CH" sz="1400" b="1" dirty="0" smtClean="0"/>
+              <a:t> </a:t>
+            </a:r>
+            <a:r>
+              <a:rPr lang="de-CH" sz="1400" b="1" dirty="0" err="1" smtClean="0"/>
+              <a:t>of</a:t>
+            </a:r>
+            <a:r>
+              <a:rPr lang="de-CH" sz="1400" b="1" dirty="0" smtClean="0"/>
+              <a:t> </a:t>
+            </a:r>
+            <a:r>
+              <a:rPr lang="de-CH" sz="1400" b="1" dirty="0" err="1" smtClean="0"/>
+              <a:t>conditions</a:t>
+            </a:r>
+            <a:r>
+              <a:rPr lang="de-CH" sz="1400" b="1" dirty="0" smtClean="0"/>
+              <a:t>)</a:t>
+            </a:r>
+            <a:endParaRPr lang="de-CH" sz="1100" b="1" dirty="0"/>
+          </a:p>
+        </p:txBody>
+      </p:sp>
+      <p:sp>
+        <p:nvSpPr>
+          <p:cNvPr id="10" name="Verbotsymbol 9"/>
+          <p:cNvSpPr/>
+          <p:nvPr/>
+        </p:nvSpPr>
+        <p:spPr>
+          <a:xfrm flipH="1">
+            <a:off x="6554845" y="3829088"/>
+            <a:ext cx="770297" cy="648195"/>
+          </a:xfrm>
+          <a:prstGeom prst="noSmoking">
+            <a:avLst/>
+          </a:prstGeom>
+          <a:solidFill>
+            <a:schemeClr val="accent4"/>
+          </a:solidFill>
+          <a:ln>
+            <a:noFill/>
+          </a:ln>
+        </p:spPr>
+        <p:style>
+          <a:lnRef idx="2">
+            <a:schemeClr val="accent1">
+              <a:shade val="50000"/>
+            </a:schemeClr>
+          </a:lnRef>
+          <a:fillRef idx="1">
+            <a:schemeClr val="accent1"/>
+          </a:fillRef>
+          <a:effectRef idx="0">
+            <a:schemeClr val="accent1"/>
+          </a:effectRef>
+          <a:fontRef idx="minor">
+            <a:schemeClr val="lt1"/>
+          </a:fontRef>
+        </p:style>
+        <p:txBody>
+          <a:bodyPr rtlCol="0" anchor="ctr"/>
+          <a:lstStyle/>
+          <a:p>
+            <a:pPr algn="ctr"/>
+            <a:endParaRPr lang="de-DE"/>
+          </a:p>
+        </p:txBody>
+      </p:sp>
+      <p:sp>
+        <p:nvSpPr>
+          <p:cNvPr id="83" name="Pfeil nach rechts 82"/>
+          <p:cNvSpPr/>
+          <p:nvPr/>
+        </p:nvSpPr>
+        <p:spPr>
+          <a:xfrm>
+            <a:off x="5526287" y="1348505"/>
+            <a:ext cx="916497" cy="455248"/>
+          </a:xfrm>
+          <a:prstGeom prst="rightArrow">
+            <a:avLst>
+              <a:gd name="adj1" fmla="val 56542"/>
+              <a:gd name="adj2" fmla="val 63739"/>
+            </a:avLst>
+          </a:prstGeom>
+          <a:solidFill>
+            <a:srgbClr val="00A864"/>
+          </a:solidFill>
+          <a:ln>
+            <a:noFill/>
+          </a:ln>
+        </p:spPr>
+        <p:style>
+          <a:lnRef idx="2">
+            <a:schemeClr val="accent1">
+              <a:shade val="50000"/>
+            </a:schemeClr>
+          </a:lnRef>
+          <a:fillRef idx="1">
+            <a:schemeClr val="accent1"/>
+          </a:fillRef>
+          <a:effectRef idx="0">
+            <a:schemeClr val="accent1"/>
+          </a:effectRef>
+          <a:fontRef idx="minor">
+            <a:schemeClr val="lt1"/>
+          </a:fontRef>
+        </p:style>
+        <p:txBody>
+          <a:bodyPr rtlCol="0" anchor="ctr"/>
+          <a:lstStyle/>
+          <a:p>
+            <a:pPr algn="ctr"/>
+            <a:endParaRPr lang="de-CH"/>
+          </a:p>
+        </p:txBody>
+      </p:sp>
+      <p:pic>
+        <p:nvPicPr>
+          <p:cNvPr id="84" name="Grafik 83"/>
+          <p:cNvPicPr>
+            <a:picLocks noChangeAspect="1"/>
+          </p:cNvPicPr>
+          <p:nvPr/>
+        </p:nvPicPr>
+        <p:blipFill>
+          <a:blip r:embed="rId4" cstate="print">
+            <a:extLst>
+              <a:ext uri="{28A0092B-C50C-407E-A947-70E740481C1C}">
+                <a14:useLocalDpi xmlns:a14="http://schemas.microsoft.com/office/drawing/2010/main" val="0"/>
+              </a:ext>
+            </a:extLst>
+          </a:blip>
+          <a:stretch>
+            <a:fillRect/>
+          </a:stretch>
+        </p:blipFill>
+        <p:spPr>
+          <a:xfrm>
+            <a:off x="6635963" y="1198498"/>
+            <a:ext cx="798779" cy="798779"/>
+          </a:xfrm>
+          <a:prstGeom prst="rect">
+            <a:avLst/>
+          </a:prstGeom>
+        </p:spPr>
+      </p:pic>
+      <p:sp>
+        <p:nvSpPr>
+          <p:cNvPr id="85" name="Pfeil nach rechts 84"/>
+          <p:cNvSpPr/>
+          <p:nvPr/>
+        </p:nvSpPr>
+        <p:spPr>
+          <a:xfrm>
+            <a:off x="7764819" y="1360109"/>
+            <a:ext cx="916497" cy="455248"/>
+          </a:xfrm>
+          <a:prstGeom prst="rightArrow">
+            <a:avLst>
+              <a:gd name="adj1" fmla="val 56542"/>
+              <a:gd name="adj2" fmla="val 63739"/>
+            </a:avLst>
+          </a:prstGeom>
+          <a:solidFill>
+            <a:srgbClr val="00A864"/>
+          </a:solidFill>
+          <a:ln>
+            <a:noFill/>
+          </a:ln>
+        </p:spPr>
+        <p:style>
+          <a:lnRef idx="2">
+            <a:schemeClr val="accent1">
+              <a:shade val="50000"/>
+            </a:schemeClr>
+          </a:lnRef>
+          <a:fillRef idx="1">
+            <a:schemeClr val="accent1"/>
+          </a:fillRef>
+          <a:effectRef idx="0">
+            <a:schemeClr val="accent1"/>
+          </a:effectRef>
+          <a:fontRef idx="minor">
+            <a:schemeClr val="lt1"/>
+          </a:fontRef>
+        </p:style>
+        <p:txBody>
+          <a:bodyPr rtlCol="0" anchor="ctr"/>
+          <a:lstStyle/>
+          <a:p>
+            <a:pPr algn="ctr"/>
+            <a:endParaRPr lang="de-CH"/>
+          </a:p>
+        </p:txBody>
+      </p:sp>
+    </p:spTree>
+    <p:extLst>
+      <p:ext uri="{BB962C8B-B14F-4D97-AF65-F5344CB8AC3E}">
+        <p14:creationId xmlns:p14="http://schemas.microsoft.com/office/powerpoint/2010/main" val="3189210435"/>
+      </p:ext>
+    </p:extLst>
+  </p:cSld>
+  <p:clrMapOvr>
+    <a:masterClrMapping/>
+  </p:clrMapOvr>
+  <p:timing>
+    <p:tnLst>
+      <p:par>
+        <p:cTn id="1" dur="indefinite" restart="never" nodeType="tmRoot"/>
+      </p:par>
+    </p:tnLst>
+  </p:timing>
+</p:sld>
+</file>
+
+<file path=ppt/slides/slide13.xml><?xml version="1.0" encoding="utf-8"?>
+<p:sld xmlns:a="http://schemas.openxmlformats.org/drawingml/2006/main" xmlns:r="http://schemas.openxmlformats.org/officeDocument/2006/relationships" xmlns:p="http://schemas.openxmlformats.org/presentationml/2006/main">
+  <p:cSld>
+    <p:spTree>
+      <p:nvGrpSpPr>
+        <p:cNvPr id="1" name=""/>
+        <p:cNvGrpSpPr/>
+        <p:nvPr/>
+      </p:nvGrpSpPr>
+      <p:grpSpPr>
+        <a:xfrm>
+          <a:off x="0" y="0"/>
+          <a:ext cx="0" cy="0"/>
+          <a:chOff x="0" y="0"/>
+          <a:chExt cx="0" cy="0"/>
+        </a:xfrm>
+      </p:grpSpPr>
+      <p:sp>
+        <p:nvSpPr>
+          <p:cNvPr id="2" name="Titel 1"/>
+          <p:cNvSpPr>
+            <a:spLocks noGrp="1"/>
+          </p:cNvSpPr>
+          <p:nvPr>
+            <p:ph type="title"/>
+          </p:nvPr>
+        </p:nvSpPr>
+        <p:spPr/>
+        <p:txBody>
+          <a:bodyPr/>
+          <a:lstStyle/>
+          <a:p>
+            <a:r>
+              <a:rPr lang="de-CH" dirty="0" smtClean="0"/>
               <a:t>Engine - </a:t>
             </a:r>
             <a:r>
@@ -5355,7 +6828,7 @@
 </p:sld>
 </file>
 
-<file path=ppt/slides/slide12.xml><?xml version="1.0" encoding="utf-8"?>
+<file path=ppt/slides/slide14.xml><?xml version="1.0" encoding="utf-8"?>
 <p:sld xmlns:a="http://schemas.openxmlformats.org/drawingml/2006/main" xmlns:r="http://schemas.openxmlformats.org/officeDocument/2006/relationships" xmlns:p="http://schemas.openxmlformats.org/presentationml/2006/main">
   <p:cSld>
     <p:spTree>
@@ -6462,7 +7935,7 @@
 </p:sld>
 </file>
 
-<file path=ppt/slides/slide13.xml><?xml version="1.0" encoding="utf-8"?>
+<file path=ppt/slides/slide15.xml><?xml version="1.0" encoding="utf-8"?>
 <p:sld xmlns:a="http://schemas.openxmlformats.org/drawingml/2006/main" xmlns:r="http://schemas.openxmlformats.org/officeDocument/2006/relationships" xmlns:p="http://schemas.openxmlformats.org/presentationml/2006/main">
   <p:cSld>
     <p:spTree>
@@ -6552,7 +8025,7 @@
 </p:sld>
 </file>
 
-<file path=ppt/slides/slide14.xml><?xml version="1.0" encoding="utf-8"?>
+<file path=ppt/slides/slide16.xml><?xml version="1.0" encoding="utf-8"?>
 <p:sld xmlns:a="http://schemas.openxmlformats.org/drawingml/2006/main" xmlns:r="http://schemas.openxmlformats.org/officeDocument/2006/relationships" xmlns:p="http://schemas.openxmlformats.org/presentationml/2006/main">
   <p:cSld>
     <p:spTree>
@@ -6624,7 +8097,7 @@
 </p:sld>
 </file>
 
-<file path=ppt/slides/slide15.xml><?xml version="1.0" encoding="utf-8"?>
+<file path=ppt/slides/slide17.xml><?xml version="1.0" encoding="utf-8"?>
 <p:sld xmlns:a="http://schemas.openxmlformats.org/drawingml/2006/main" xmlns:r="http://schemas.openxmlformats.org/officeDocument/2006/relationships" xmlns:p="http://schemas.openxmlformats.org/presentationml/2006/main">
   <p:cSld>
     <p:spTree>

--- a/assets/content-files/Schemas.pptx
+++ b/assets/content-files/Schemas.pptx
@@ -566,6 +566,90 @@
 </file>
 
 <file path=ppt/notesSlides/notesSlide2.xml><?xml version="1.0" encoding="utf-8"?>
+<p:notes xmlns:a="http://schemas.openxmlformats.org/drawingml/2006/main" xmlns:r="http://schemas.openxmlformats.org/officeDocument/2006/relationships" xmlns:p="http://schemas.openxmlformats.org/presentationml/2006/main">
+  <p:cSld>
+    <p:spTree>
+      <p:nvGrpSpPr>
+        <p:cNvPr id="1" name=""/>
+        <p:cNvGrpSpPr/>
+        <p:nvPr/>
+      </p:nvGrpSpPr>
+      <p:grpSpPr>
+        <a:xfrm>
+          <a:off x="0" y="0"/>
+          <a:ext cx="0" cy="0"/>
+          <a:chOff x="0" y="0"/>
+          <a:chExt cx="0" cy="0"/>
+        </a:xfrm>
+      </p:grpSpPr>
+      <p:sp>
+        <p:nvSpPr>
+          <p:cNvPr id="2" name="Folienbildplatzhalter 1"/>
+          <p:cNvSpPr>
+            <a:spLocks noGrp="1" noRot="1" noChangeAspect="1"/>
+          </p:cNvSpPr>
+          <p:nvPr>
+            <p:ph type="sldImg"/>
+          </p:nvPr>
+        </p:nvSpPr>
+        <p:spPr/>
+      </p:sp>
+      <p:sp>
+        <p:nvSpPr>
+          <p:cNvPr id="3" name="Notizenplatzhalter 2"/>
+          <p:cNvSpPr>
+            <a:spLocks noGrp="1"/>
+          </p:cNvSpPr>
+          <p:nvPr>
+            <p:ph type="body" idx="1"/>
+          </p:nvPr>
+        </p:nvSpPr>
+        <p:spPr/>
+        <p:txBody>
+          <a:bodyPr/>
+          <a:lstStyle/>
+          <a:p>
+            <a:endParaRPr lang="de-DE" dirty="0"/>
+          </a:p>
+        </p:txBody>
+      </p:sp>
+      <p:sp>
+        <p:nvSpPr>
+          <p:cNvPr id="4" name="Foliennummernplatzhalter 3"/>
+          <p:cNvSpPr>
+            <a:spLocks noGrp="1"/>
+          </p:cNvSpPr>
+          <p:nvPr>
+            <p:ph type="sldNum" sz="quarter" idx="10"/>
+          </p:nvPr>
+        </p:nvSpPr>
+        <p:spPr/>
+        <p:txBody>
+          <a:bodyPr/>
+          <a:lstStyle/>
+          <a:p>
+            <a:fld id="{6FE0543D-7D95-4BE3-B4CB-D591902CD515}" type="slidenum">
+              <a:rPr lang="de-CH" smtClean="0"/>
+              <a:t>10</a:t>
+            </a:fld>
+            <a:endParaRPr lang="de-CH"/>
+          </a:p>
+        </p:txBody>
+      </p:sp>
+    </p:spTree>
+    <p:extLst>
+      <p:ext uri="{BB962C8B-B14F-4D97-AF65-F5344CB8AC3E}">
+        <p14:creationId xmlns:p14="http://schemas.microsoft.com/office/powerpoint/2010/main" val="3678701197"/>
+      </p:ext>
+    </p:extLst>
+  </p:cSld>
+  <p:clrMapOvr>
+    <a:masterClrMapping/>
+  </p:clrMapOvr>
+</p:notes>
+</file>
+
+<file path=ppt/notesSlides/notesSlide3.xml><?xml version="1.0" encoding="utf-8"?>
 <p:notes xmlns:a="http://schemas.openxmlformats.org/drawingml/2006/main" xmlns:r="http://schemas.openxmlformats.org/officeDocument/2006/relationships" xmlns:p="http://schemas.openxmlformats.org/presentationml/2006/main">
   <p:cSld>
     <p:spTree>
@@ -3592,7 +3676,7 @@
           <p:nvPr/>
         </p:nvPicPr>
         <p:blipFill>
-          <a:blip r:embed="rId2" cstate="print">
+          <a:blip r:embed="rId3" cstate="print">
             <a:extLst>
               <a:ext uri="{28A0092B-C50C-407E-A947-70E740481C1C}">
                 <a14:useLocalDpi xmlns:a14="http://schemas.microsoft.com/office/drawing/2010/main" val="0"/>
@@ -3622,7 +3706,7 @@
           <p:nvPr/>
         </p:nvPicPr>
         <p:blipFill>
-          <a:blip r:embed="rId3" cstate="print">
+          <a:blip r:embed="rId4" cstate="print">
             <a:extLst>
               <a:ext uri="{28A0092B-C50C-407E-A947-70E740481C1C}">
                 <a14:useLocalDpi xmlns:a14="http://schemas.microsoft.com/office/drawing/2010/main" val="0"/>
@@ -4970,7 +5054,7 @@
           <p:nvPr/>
         </p:nvPicPr>
         <p:blipFill>
-          <a:blip r:embed="rId4" cstate="print">
+          <a:blip r:embed="rId5" cstate="print">
             <a:extLst>
               <a:ext uri="{28A0092B-C50C-407E-A947-70E740481C1C}">
                 <a14:useLocalDpi xmlns:a14="http://schemas.microsoft.com/office/drawing/2010/main" val="0"/>
@@ -5233,6 +5317,67 @@
           <p:nvPr/>
         </p:nvPicPr>
         <p:blipFill>
+          <a:blip r:embed="rId4" cstate="print">
+            <a:extLst>
+              <a:ext uri="{28A0092B-C50C-407E-A947-70E740481C1C}">
+                <a14:useLocalDpi xmlns:a14="http://schemas.microsoft.com/office/drawing/2010/main" val="0"/>
+              </a:ext>
+            </a:extLst>
+          </a:blip>
+          <a:stretch>
+            <a:fillRect/>
+          </a:stretch>
+        </p:blipFill>
+        <p:spPr>
+          <a:xfrm>
+            <a:off x="10355665" y="2558208"/>
+            <a:ext cx="1073076" cy="1073076"/>
+          </a:xfrm>
+          <a:prstGeom prst="rect">
+            <a:avLst/>
+          </a:prstGeom>
+        </p:spPr>
+      </p:pic>
+      <p:sp>
+        <p:nvSpPr>
+          <p:cNvPr id="73" name="Textfeld 72"/>
+          <p:cNvSpPr txBox="1"/>
+          <p:nvPr/>
+        </p:nvSpPr>
+        <p:spPr>
+          <a:xfrm>
+            <a:off x="5991970" y="4065711"/>
+            <a:ext cx="1733374" cy="261610"/>
+          </a:xfrm>
+          <a:prstGeom prst="rect">
+            <a:avLst/>
+          </a:prstGeom>
+          <a:noFill/>
+        </p:spPr>
+        <p:txBody>
+          <a:bodyPr wrap="square" rtlCol="0">
+            <a:spAutoFit/>
+          </a:bodyPr>
+          <a:lstStyle/>
+          <a:p>
+            <a:pPr algn="ctr"/>
+            <a:r>
+              <a:rPr lang="de-CH" sz="1100" dirty="0" smtClean="0"/>
+              <a:t>Template + Sub-Templates</a:t>
+            </a:r>
+            <a:endParaRPr lang="de-CH" sz="1200" dirty="0" smtClean="0"/>
+          </a:p>
+        </p:txBody>
+      </p:sp>
+      <p:pic>
+        <p:nvPicPr>
+          <p:cNvPr id="74" name="Grafik 73"/>
+          <p:cNvPicPr>
+            <a:picLocks noChangeAspect="1"/>
+          </p:cNvPicPr>
+          <p:nvPr/>
+        </p:nvPicPr>
+        <p:blipFill>
           <a:blip r:embed="rId3" cstate="print">
             <a:extLst>
               <a:ext uri="{28A0092B-C50C-407E-A947-70E740481C1C}">
@@ -5246,14 +5391,209 @@
         </p:blipFill>
         <p:spPr>
           <a:xfrm>
-            <a:off x="10355665" y="2558208"/>
-            <a:ext cx="1073076" cy="1073076"/>
+            <a:off x="6298307" y="4375449"/>
+            <a:ext cx="439110" cy="439110"/>
           </a:xfrm>
           <a:prstGeom prst="rect">
             <a:avLst/>
           </a:prstGeom>
         </p:spPr>
       </p:pic>
+      <p:pic>
+        <p:nvPicPr>
+          <p:cNvPr id="75" name="Grafik 74"/>
+          <p:cNvPicPr>
+            <a:picLocks noChangeAspect="1"/>
+          </p:cNvPicPr>
+          <p:nvPr/>
+        </p:nvPicPr>
+        <p:blipFill>
+          <a:blip r:embed="rId3" cstate="print">
+            <a:extLst>
+              <a:ext uri="{28A0092B-C50C-407E-A947-70E740481C1C}">
+                <a14:useLocalDpi xmlns:a14="http://schemas.microsoft.com/office/drawing/2010/main" val="0"/>
+              </a:ext>
+            </a:extLst>
+          </a:blip>
+          <a:stretch>
+            <a:fillRect/>
+          </a:stretch>
+        </p:blipFill>
+        <p:spPr>
+          <a:xfrm>
+            <a:off x="6298307" y="5372035"/>
+            <a:ext cx="439110" cy="439110"/>
+          </a:xfrm>
+          <a:prstGeom prst="rect">
+            <a:avLst/>
+          </a:prstGeom>
+        </p:spPr>
+      </p:pic>
+      <p:pic>
+        <p:nvPicPr>
+          <p:cNvPr id="77" name="Grafik 76"/>
+          <p:cNvPicPr>
+            <a:picLocks noChangeAspect="1"/>
+          </p:cNvPicPr>
+          <p:nvPr/>
+        </p:nvPicPr>
+        <p:blipFill>
+          <a:blip r:embed="rId4" cstate="print">
+            <a:extLst>
+              <a:ext uri="{28A0092B-C50C-407E-A947-70E740481C1C}">
+                <a14:useLocalDpi xmlns:a14="http://schemas.microsoft.com/office/drawing/2010/main" val="0"/>
+              </a:ext>
+            </a:extLst>
+          </a:blip>
+          <a:stretch>
+            <a:fillRect/>
+          </a:stretch>
+        </p:blipFill>
+        <p:spPr>
+          <a:xfrm>
+            <a:off x="6296451" y="4870940"/>
+            <a:ext cx="440966" cy="440966"/>
+          </a:xfrm>
+          <a:prstGeom prst="rect">
+            <a:avLst/>
+          </a:prstGeom>
+        </p:spPr>
+      </p:pic>
+      <p:sp>
+        <p:nvSpPr>
+          <p:cNvPr id="78" name="Textfeld 77"/>
+          <p:cNvSpPr txBox="1"/>
+          <p:nvPr/>
+        </p:nvSpPr>
+        <p:spPr>
+          <a:xfrm>
+            <a:off x="6630994" y="4503200"/>
+            <a:ext cx="1027792" cy="246221"/>
+          </a:xfrm>
+          <a:prstGeom prst="rect">
+            <a:avLst/>
+          </a:prstGeom>
+          <a:noFill/>
+        </p:spPr>
+        <p:txBody>
+          <a:bodyPr wrap="square" rtlCol="0">
+            <a:spAutoFit/>
+          </a:bodyPr>
+          <a:lstStyle/>
+          <a:p>
+            <a:pPr algn="ctr"/>
+            <a:r>
+              <a:rPr lang="de-CH" sz="1000" dirty="0" smtClean="0"/>
+              <a:t>Sub-Template</a:t>
+            </a:r>
+            <a:endParaRPr lang="de-CH" sz="1100" dirty="0" smtClean="0"/>
+          </a:p>
+        </p:txBody>
+      </p:sp>
+      <p:sp>
+        <p:nvSpPr>
+          <p:cNvPr id="79" name="Textfeld 78"/>
+          <p:cNvSpPr txBox="1"/>
+          <p:nvPr/>
+        </p:nvSpPr>
+        <p:spPr>
+          <a:xfrm>
+            <a:off x="6618176" y="4994528"/>
+            <a:ext cx="1110886" cy="246221"/>
+          </a:xfrm>
+          <a:prstGeom prst="rect">
+            <a:avLst/>
+          </a:prstGeom>
+          <a:noFill/>
+        </p:spPr>
+        <p:txBody>
+          <a:bodyPr wrap="square" rtlCol="0">
+            <a:spAutoFit/>
+          </a:bodyPr>
+          <a:lstStyle/>
+          <a:p>
+            <a:pPr algn="ctr"/>
+            <a:r>
+              <a:rPr lang="de-CH" sz="1000" dirty="0" smtClean="0"/>
+              <a:t>Main-Template</a:t>
+            </a:r>
+            <a:endParaRPr lang="de-CH" sz="1100" dirty="0" smtClean="0"/>
+          </a:p>
+        </p:txBody>
+      </p:sp>
+      <p:sp>
+        <p:nvSpPr>
+          <p:cNvPr id="80" name="Textfeld 79"/>
+          <p:cNvSpPr txBox="1"/>
+          <p:nvPr/>
+        </p:nvSpPr>
+        <p:spPr>
+          <a:xfrm>
+            <a:off x="6631386" y="5448980"/>
+            <a:ext cx="1027792" cy="246221"/>
+          </a:xfrm>
+          <a:prstGeom prst="rect">
+            <a:avLst/>
+          </a:prstGeom>
+          <a:noFill/>
+        </p:spPr>
+        <p:txBody>
+          <a:bodyPr wrap="square" rtlCol="0">
+            <a:spAutoFit/>
+          </a:bodyPr>
+          <a:lstStyle/>
+          <a:p>
+            <a:pPr algn="ctr"/>
+            <a:r>
+              <a:rPr lang="de-CH" sz="1000" dirty="0" smtClean="0"/>
+              <a:t>Sub-Template</a:t>
+            </a:r>
+            <a:endParaRPr lang="de-CH" sz="1200" dirty="0" smtClean="0"/>
+          </a:p>
+        </p:txBody>
+      </p:sp>
+      <p:sp>
+        <p:nvSpPr>
+          <p:cNvPr id="81" name="Geschweifte Klammer links 80"/>
+          <p:cNvSpPr/>
+          <p:nvPr/>
+        </p:nvSpPr>
+        <p:spPr>
+          <a:xfrm rot="16200000">
+            <a:off x="6650559" y="3268261"/>
+            <a:ext cx="270508" cy="1323470"/>
+          </a:xfrm>
+          <a:prstGeom prst="leftBrace">
+            <a:avLst>
+              <a:gd name="adj1" fmla="val 88836"/>
+              <a:gd name="adj2" fmla="val 50000"/>
+            </a:avLst>
+          </a:prstGeom>
+          <a:ln/>
+        </p:spPr>
+        <p:style>
+          <a:lnRef idx="1">
+            <a:schemeClr val="dk1"/>
+          </a:lnRef>
+          <a:fillRef idx="0">
+            <a:schemeClr val="dk1"/>
+          </a:fillRef>
+          <a:effectRef idx="0">
+            <a:schemeClr val="dk1"/>
+          </a:effectRef>
+          <a:fontRef idx="minor">
+            <a:schemeClr val="tx1"/>
+          </a:fontRef>
+        </p:style>
+        <p:txBody>
+          <a:bodyPr rtlCol="0" anchor="ctr"/>
+          <a:lstStyle/>
+          <a:p>
+            <a:pPr algn="ctr"/>
+            <a:endParaRPr lang="de-CH"/>
+          </a:p>
+        </p:txBody>
+      </p:sp>
     </p:spTree>
     <p:extLst>
       <p:ext uri="{BB962C8B-B14F-4D97-AF65-F5344CB8AC3E}">
@@ -5308,11 +5648,7 @@
           <a:p>
             <a:r>
               <a:rPr lang="de-CH" dirty="0" smtClean="0"/>
-              <a:t>Engine – </a:t>
-            </a:r>
-            <a:r>
-              <a:rPr lang="de-CH" dirty="0" smtClean="0"/>
-              <a:t>Untervorlagen</a:t>
+              <a:t>Engine – Untervorlagen</a:t>
             </a:r>
             <a:endParaRPr lang="de-CH" dirty="0"/>
           </a:p>

--- a/assets/content-files/Schemas.pptx
+++ b/assets/content-files/Schemas.pptx
@@ -5,7 +5,7 @@
     <p:sldMasterId id="2147483648" r:id="rId1"/>
   </p:sldMasterIdLst>
   <p:notesMasterIdLst>
-    <p:notesMasterId r:id="rId19"/>
+    <p:notesMasterId r:id="rId21"/>
   </p:notesMasterIdLst>
   <p:sldIdLst>
     <p:sldId id="260" r:id="rId2"/>
@@ -15,16 +15,18 @@
     <p:sldId id="257" r:id="rId6"/>
     <p:sldId id="259" r:id="rId7"/>
     <p:sldId id="264" r:id="rId8"/>
-    <p:sldId id="271" r:id="rId9"/>
-    <p:sldId id="266" r:id="rId10"/>
-    <p:sldId id="267" r:id="rId11"/>
-    <p:sldId id="274" r:id="rId12"/>
-    <p:sldId id="275" r:id="rId13"/>
-    <p:sldId id="268" r:id="rId14"/>
-    <p:sldId id="273" r:id="rId15"/>
-    <p:sldId id="261" r:id="rId16"/>
-    <p:sldId id="272" r:id="rId17"/>
-    <p:sldId id="265" r:id="rId18"/>
+    <p:sldId id="278" r:id="rId9"/>
+    <p:sldId id="276" r:id="rId10"/>
+    <p:sldId id="266" r:id="rId11"/>
+    <p:sldId id="267" r:id="rId12"/>
+    <p:sldId id="274" r:id="rId13"/>
+    <p:sldId id="275" r:id="rId14"/>
+    <p:sldId id="268" r:id="rId15"/>
+    <p:sldId id="273" r:id="rId16"/>
+    <p:sldId id="261" r:id="rId17"/>
+    <p:sldId id="272" r:id="rId18"/>
+    <p:sldId id="265" r:id="rId19"/>
+    <p:sldId id="271" r:id="rId20"/>
   </p:sldIdLst>
   <p:sldSz cx="12192000" cy="6858000"/>
   <p:notesSz cx="6858000" cy="9144000"/>
@@ -213,7 +215,7 @@
           <a:p>
             <a:fld id="{45752155-64EA-4997-A5BE-36CFB3A43898}" type="datetimeFigureOut">
               <a:rPr lang="de-CH" smtClean="0"/>
-              <a:t>03.04.2018</a:t>
+              <a:t>10.04.2018</a:t>
             </a:fld>
             <a:endParaRPr lang="de-CH"/>
           </a:p>
@@ -555,7 +557,7 @@
     </p:spTree>
     <p:extLst>
       <p:ext uri="{BB962C8B-B14F-4D97-AF65-F5344CB8AC3E}">
-        <p14:creationId xmlns:p14="http://schemas.microsoft.com/office/powerpoint/2010/main" val="2193979476"/>
+        <p14:creationId xmlns:p14="http://schemas.microsoft.com/office/powerpoint/2010/main" val="2461697659"/>
       </p:ext>
     </p:extLst>
   </p:cSld>
@@ -609,7 +611,7 @@
           <a:bodyPr/>
           <a:lstStyle/>
           <a:p>
-            <a:endParaRPr lang="de-DE" dirty="0"/>
+            <a:endParaRPr lang="de-CH" dirty="0"/>
           </a:p>
         </p:txBody>
       </p:sp>
@@ -630,7 +632,7 @@
           <a:p>
             <a:fld id="{6FE0543D-7D95-4BE3-B4CB-D591902CD515}" type="slidenum">
               <a:rPr lang="de-CH" smtClean="0"/>
-              <a:t>10</a:t>
+              <a:t>9</a:t>
             </a:fld>
             <a:endParaRPr lang="de-CH"/>
           </a:p>
@@ -639,7 +641,7 @@
     </p:spTree>
     <p:extLst>
       <p:ext uri="{BB962C8B-B14F-4D97-AF65-F5344CB8AC3E}">
-        <p14:creationId xmlns:p14="http://schemas.microsoft.com/office/powerpoint/2010/main" val="3678701197"/>
+        <p14:creationId xmlns:p14="http://schemas.microsoft.com/office/powerpoint/2010/main" val="1975076837"/>
       </p:ext>
     </p:extLst>
   </p:cSld>
@@ -693,7 +695,7 @@
           <a:bodyPr/>
           <a:lstStyle/>
           <a:p>
-            <a:endParaRPr lang="de-CH" dirty="0"/>
+            <a:endParaRPr lang="de-DE" dirty="0"/>
           </a:p>
         </p:txBody>
       </p:sp>
@@ -714,7 +716,91 @@
           <a:p>
             <a:fld id="{6FE0543D-7D95-4BE3-B4CB-D591902CD515}" type="slidenum">
               <a:rPr lang="de-CH" smtClean="0"/>
-              <a:t>17</a:t>
+              <a:t>11</a:t>
+            </a:fld>
+            <a:endParaRPr lang="de-CH"/>
+          </a:p>
+        </p:txBody>
+      </p:sp>
+    </p:spTree>
+    <p:extLst>
+      <p:ext uri="{BB962C8B-B14F-4D97-AF65-F5344CB8AC3E}">
+        <p14:creationId xmlns:p14="http://schemas.microsoft.com/office/powerpoint/2010/main" val="3678701197"/>
+      </p:ext>
+    </p:extLst>
+  </p:cSld>
+  <p:clrMapOvr>
+    <a:masterClrMapping/>
+  </p:clrMapOvr>
+</p:notes>
+</file>
+
+<file path=ppt/notesSlides/notesSlide4.xml><?xml version="1.0" encoding="utf-8"?>
+<p:notes xmlns:a="http://schemas.openxmlformats.org/drawingml/2006/main" xmlns:r="http://schemas.openxmlformats.org/officeDocument/2006/relationships" xmlns:p="http://schemas.openxmlformats.org/presentationml/2006/main">
+  <p:cSld>
+    <p:spTree>
+      <p:nvGrpSpPr>
+        <p:cNvPr id="1" name=""/>
+        <p:cNvGrpSpPr/>
+        <p:nvPr/>
+      </p:nvGrpSpPr>
+      <p:grpSpPr>
+        <a:xfrm>
+          <a:off x="0" y="0"/>
+          <a:ext cx="0" cy="0"/>
+          <a:chOff x="0" y="0"/>
+          <a:chExt cx="0" cy="0"/>
+        </a:xfrm>
+      </p:grpSpPr>
+      <p:sp>
+        <p:nvSpPr>
+          <p:cNvPr id="2" name="Folienbildplatzhalter 1"/>
+          <p:cNvSpPr>
+            <a:spLocks noGrp="1" noRot="1" noChangeAspect="1"/>
+          </p:cNvSpPr>
+          <p:nvPr>
+            <p:ph type="sldImg"/>
+          </p:nvPr>
+        </p:nvSpPr>
+        <p:spPr/>
+      </p:sp>
+      <p:sp>
+        <p:nvSpPr>
+          <p:cNvPr id="3" name="Notizenplatzhalter 2"/>
+          <p:cNvSpPr>
+            <a:spLocks noGrp="1"/>
+          </p:cNvSpPr>
+          <p:nvPr>
+            <p:ph type="body" idx="1"/>
+          </p:nvPr>
+        </p:nvSpPr>
+        <p:spPr/>
+        <p:txBody>
+          <a:bodyPr/>
+          <a:lstStyle/>
+          <a:p>
+            <a:endParaRPr lang="de-CH" dirty="0"/>
+          </a:p>
+        </p:txBody>
+      </p:sp>
+      <p:sp>
+        <p:nvSpPr>
+          <p:cNvPr id="4" name="Foliennummernplatzhalter 3"/>
+          <p:cNvSpPr>
+            <a:spLocks noGrp="1"/>
+          </p:cNvSpPr>
+          <p:nvPr>
+            <p:ph type="sldNum" sz="quarter" idx="10"/>
+          </p:nvPr>
+        </p:nvSpPr>
+        <p:spPr/>
+        <p:txBody>
+          <a:bodyPr/>
+          <a:lstStyle/>
+          <a:p>
+            <a:fld id="{6FE0543D-7D95-4BE3-B4CB-D591902CD515}" type="slidenum">
+              <a:rPr lang="de-CH" smtClean="0"/>
+              <a:t>18</a:t>
             </a:fld>
             <a:endParaRPr lang="de-CH"/>
           </a:p>
@@ -724,6 +810,90 @@
     <p:extLst>
       <p:ext uri="{BB962C8B-B14F-4D97-AF65-F5344CB8AC3E}">
         <p14:creationId xmlns:p14="http://schemas.microsoft.com/office/powerpoint/2010/main" val="519016049"/>
+      </p:ext>
+    </p:extLst>
+  </p:cSld>
+  <p:clrMapOvr>
+    <a:masterClrMapping/>
+  </p:clrMapOvr>
+</p:notes>
+</file>
+
+<file path=ppt/notesSlides/notesSlide5.xml><?xml version="1.0" encoding="utf-8"?>
+<p:notes xmlns:a="http://schemas.openxmlformats.org/drawingml/2006/main" xmlns:r="http://schemas.openxmlformats.org/officeDocument/2006/relationships" xmlns:p="http://schemas.openxmlformats.org/presentationml/2006/main">
+  <p:cSld>
+    <p:spTree>
+      <p:nvGrpSpPr>
+        <p:cNvPr id="1" name=""/>
+        <p:cNvGrpSpPr/>
+        <p:nvPr/>
+      </p:nvGrpSpPr>
+      <p:grpSpPr>
+        <a:xfrm>
+          <a:off x="0" y="0"/>
+          <a:ext cx="0" cy="0"/>
+          <a:chOff x="0" y="0"/>
+          <a:chExt cx="0" cy="0"/>
+        </a:xfrm>
+      </p:grpSpPr>
+      <p:sp>
+        <p:nvSpPr>
+          <p:cNvPr id="2" name="Folienbildplatzhalter 1"/>
+          <p:cNvSpPr>
+            <a:spLocks noGrp="1" noRot="1" noChangeAspect="1"/>
+          </p:cNvSpPr>
+          <p:nvPr>
+            <p:ph type="sldImg"/>
+          </p:nvPr>
+        </p:nvSpPr>
+        <p:spPr/>
+      </p:sp>
+      <p:sp>
+        <p:nvSpPr>
+          <p:cNvPr id="3" name="Notizenplatzhalter 2"/>
+          <p:cNvSpPr>
+            <a:spLocks noGrp="1"/>
+          </p:cNvSpPr>
+          <p:nvPr>
+            <p:ph type="body" idx="1"/>
+          </p:nvPr>
+        </p:nvSpPr>
+        <p:spPr/>
+        <p:txBody>
+          <a:bodyPr/>
+          <a:lstStyle/>
+          <a:p>
+            <a:endParaRPr lang="de-CH" dirty="0"/>
+          </a:p>
+        </p:txBody>
+      </p:sp>
+      <p:sp>
+        <p:nvSpPr>
+          <p:cNvPr id="4" name="Foliennummernplatzhalter 3"/>
+          <p:cNvSpPr>
+            <a:spLocks noGrp="1"/>
+          </p:cNvSpPr>
+          <p:nvPr>
+            <p:ph type="sldNum" sz="quarter" idx="10"/>
+          </p:nvPr>
+        </p:nvSpPr>
+        <p:spPr/>
+        <p:txBody>
+          <a:bodyPr/>
+          <a:lstStyle/>
+          <a:p>
+            <a:fld id="{6FE0543D-7D95-4BE3-B4CB-D591902CD515}" type="slidenum">
+              <a:rPr lang="de-CH" smtClean="0"/>
+              <a:t>19</a:t>
+            </a:fld>
+            <a:endParaRPr lang="de-CH"/>
+          </a:p>
+        </p:txBody>
+      </p:sp>
+    </p:spTree>
+    <p:extLst>
+      <p:ext uri="{BB962C8B-B14F-4D97-AF65-F5344CB8AC3E}">
+        <p14:creationId xmlns:p14="http://schemas.microsoft.com/office/powerpoint/2010/main" val="2193979476"/>
       </p:ext>
     </p:extLst>
   </p:cSld>
@@ -864,7 +1034,7 @@
           <a:p>
             <a:fld id="{B253B49A-4094-4AD2-84B0-9BA0802B708A}" type="datetimeFigureOut">
               <a:rPr lang="de-CH" smtClean="0"/>
-              <a:t>03.04.2018</a:t>
+              <a:t>10.04.2018</a:t>
             </a:fld>
             <a:endParaRPr lang="de-CH"/>
           </a:p>
@@ -1034,7 +1204,7 @@
           <a:p>
             <a:fld id="{B253B49A-4094-4AD2-84B0-9BA0802B708A}" type="datetimeFigureOut">
               <a:rPr lang="de-CH" smtClean="0"/>
-              <a:t>03.04.2018</a:t>
+              <a:t>10.04.2018</a:t>
             </a:fld>
             <a:endParaRPr lang="de-CH"/>
           </a:p>
@@ -1214,7 +1384,7 @@
           <a:p>
             <a:fld id="{B253B49A-4094-4AD2-84B0-9BA0802B708A}" type="datetimeFigureOut">
               <a:rPr lang="de-CH" smtClean="0"/>
-              <a:t>03.04.2018</a:t>
+              <a:t>10.04.2018</a:t>
             </a:fld>
             <a:endParaRPr lang="de-CH"/>
           </a:p>
@@ -1384,7 +1554,7 @@
           <a:p>
             <a:fld id="{B253B49A-4094-4AD2-84B0-9BA0802B708A}" type="datetimeFigureOut">
               <a:rPr lang="de-CH" smtClean="0"/>
-              <a:t>03.04.2018</a:t>
+              <a:t>10.04.2018</a:t>
             </a:fld>
             <a:endParaRPr lang="de-CH"/>
           </a:p>
@@ -1630,7 +1800,7 @@
           <a:p>
             <a:fld id="{B253B49A-4094-4AD2-84B0-9BA0802B708A}" type="datetimeFigureOut">
               <a:rPr lang="de-CH" smtClean="0"/>
-              <a:t>03.04.2018</a:t>
+              <a:t>10.04.2018</a:t>
             </a:fld>
             <a:endParaRPr lang="de-CH"/>
           </a:p>
@@ -1862,7 +2032,7 @@
           <a:p>
             <a:fld id="{B253B49A-4094-4AD2-84B0-9BA0802B708A}" type="datetimeFigureOut">
               <a:rPr lang="de-CH" smtClean="0"/>
-              <a:t>03.04.2018</a:t>
+              <a:t>10.04.2018</a:t>
             </a:fld>
             <a:endParaRPr lang="de-CH"/>
           </a:p>
@@ -2229,7 +2399,7 @@
           <a:p>
             <a:fld id="{B253B49A-4094-4AD2-84B0-9BA0802B708A}" type="datetimeFigureOut">
               <a:rPr lang="de-CH" smtClean="0"/>
-              <a:t>03.04.2018</a:t>
+              <a:t>10.04.2018</a:t>
             </a:fld>
             <a:endParaRPr lang="de-CH"/>
           </a:p>
@@ -2347,7 +2517,7 @@
           <a:p>
             <a:fld id="{B253B49A-4094-4AD2-84B0-9BA0802B708A}" type="datetimeFigureOut">
               <a:rPr lang="de-CH" smtClean="0"/>
-              <a:t>03.04.2018</a:t>
+              <a:t>10.04.2018</a:t>
             </a:fld>
             <a:endParaRPr lang="de-CH"/>
           </a:p>
@@ -2442,7 +2612,7 @@
           <a:p>
             <a:fld id="{B253B49A-4094-4AD2-84B0-9BA0802B708A}" type="datetimeFigureOut">
               <a:rPr lang="de-CH" smtClean="0"/>
-              <a:t>03.04.2018</a:t>
+              <a:t>10.04.2018</a:t>
             </a:fld>
             <a:endParaRPr lang="de-CH"/>
           </a:p>
@@ -2719,7 +2889,7 @@
           <a:p>
             <a:fld id="{B253B49A-4094-4AD2-84B0-9BA0802B708A}" type="datetimeFigureOut">
               <a:rPr lang="de-CH" smtClean="0"/>
-              <a:t>03.04.2018</a:t>
+              <a:t>10.04.2018</a:t>
             </a:fld>
             <a:endParaRPr lang="de-CH"/>
           </a:p>
@@ -2972,7 +3142,7 @@
           <a:p>
             <a:fld id="{B253B49A-4094-4AD2-84B0-9BA0802B708A}" type="datetimeFigureOut">
               <a:rPr lang="de-CH" smtClean="0"/>
-              <a:t>03.04.2018</a:t>
+              <a:t>10.04.2018</a:t>
             </a:fld>
             <a:endParaRPr lang="de-CH"/>
           </a:p>
@@ -3185,7 +3355,7 @@
           <a:p>
             <a:fld id="{B253B49A-4094-4AD2-84B0-9BA0802B708A}" type="datetimeFigureOut">
               <a:rPr lang="de-CH" smtClean="0"/>
-              <a:t>03.04.2018</a:t>
+              <a:t>10.04.2018</a:t>
             </a:fld>
             <a:endParaRPr lang="de-CH"/>
           </a:p>
@@ -3667,6 +3837,66 @@
           <a:chExt cx="0" cy="0"/>
         </a:xfrm>
       </p:grpSpPr>
+      <p:sp>
+        <p:nvSpPr>
+          <p:cNvPr id="2" name="Titel 1"/>
+          <p:cNvSpPr>
+            <a:spLocks noGrp="1"/>
+          </p:cNvSpPr>
+          <p:nvPr>
+            <p:ph type="title"/>
+          </p:nvPr>
+        </p:nvSpPr>
+        <p:spPr/>
+        <p:txBody>
+          <a:bodyPr/>
+          <a:lstStyle/>
+          <a:p>
+            <a:r>
+              <a:rPr lang="de-CH" dirty="0" smtClean="0"/>
+              <a:t>Engine – Dokument Erzeugung</a:t>
+            </a:r>
+            <a:endParaRPr lang="de-CH" dirty="0"/>
+          </a:p>
+        </p:txBody>
+      </p:sp>
+    </p:spTree>
+    <p:extLst>
+      <p:ext uri="{BB962C8B-B14F-4D97-AF65-F5344CB8AC3E}">
+        <p14:creationId xmlns:p14="http://schemas.microsoft.com/office/powerpoint/2010/main" val="2082900746"/>
+      </p:ext>
+    </p:extLst>
+  </p:cSld>
+  <p:clrMapOvr>
+    <a:masterClrMapping/>
+  </p:clrMapOvr>
+  <p:timing>
+    <p:tnLst>
+      <p:par>
+        <p:cTn id="1" dur="indefinite" restart="never" nodeType="tmRoot"/>
+      </p:par>
+    </p:tnLst>
+  </p:timing>
+</p:sld>
+</file>
+
+<file path=ppt/slides/slide11.xml><?xml version="1.0" encoding="utf-8"?>
+<p:sld xmlns:a="http://schemas.openxmlformats.org/drawingml/2006/main" xmlns:r="http://schemas.openxmlformats.org/officeDocument/2006/relationships" xmlns:p="http://schemas.openxmlformats.org/presentationml/2006/main">
+  <p:cSld>
+    <p:spTree>
+      <p:nvGrpSpPr>
+        <p:cNvPr id="1" name=""/>
+        <p:cNvGrpSpPr/>
+        <p:nvPr/>
+      </p:nvGrpSpPr>
+      <p:grpSpPr>
+        <a:xfrm>
+          <a:off x="0" y="0"/>
+          <a:ext cx="0" cy="0"/>
+          <a:chOff x="0" y="0"/>
+          <a:chExt cx="0" cy="0"/>
+        </a:xfrm>
+      </p:grpSpPr>
       <p:pic>
         <p:nvPicPr>
           <p:cNvPr id="4" name="Grafik 3"/>
@@ -5614,7 +5844,7 @@
 </p:sld>
 </file>
 
-<file path=ppt/slides/slide11.xml><?xml version="1.0" encoding="utf-8"?>
+<file path=ppt/slides/slide12.xml><?xml version="1.0" encoding="utf-8"?>
 <p:sld xmlns:a="http://schemas.openxmlformats.org/drawingml/2006/main" xmlns:r="http://schemas.openxmlformats.org/officeDocument/2006/relationships" xmlns:p="http://schemas.openxmlformats.org/presentationml/2006/main">
   <p:cSld>
     <p:spTree>
@@ -5674,7 +5904,7 @@
 </p:sld>
 </file>
 
-<file path=ppt/slides/slide12.xml><?xml version="1.0" encoding="utf-8"?>
+<file path=ppt/slides/slide13.xml><?xml version="1.0" encoding="utf-8"?>
 <p:sld xmlns:a="http://schemas.openxmlformats.org/drawingml/2006/main" xmlns:r="http://schemas.openxmlformats.org/officeDocument/2006/relationships" xmlns:p="http://schemas.openxmlformats.org/presentationml/2006/main">
   <p:cSld>
     <p:spTree>
@@ -7081,7 +7311,7 @@
 </p:sld>
 </file>
 
-<file path=ppt/slides/slide13.xml><?xml version="1.0" encoding="utf-8"?>
+<file path=ppt/slides/slide14.xml><?xml version="1.0" encoding="utf-8"?>
 <p:sld xmlns:a="http://schemas.openxmlformats.org/drawingml/2006/main" xmlns:r="http://schemas.openxmlformats.org/officeDocument/2006/relationships" xmlns:p="http://schemas.openxmlformats.org/presentationml/2006/main">
   <p:cSld>
     <p:spTree>
@@ -7164,7 +7394,7 @@
 </p:sld>
 </file>
 
-<file path=ppt/slides/slide14.xml><?xml version="1.0" encoding="utf-8"?>
+<file path=ppt/slides/slide15.xml><?xml version="1.0" encoding="utf-8"?>
 <p:sld xmlns:a="http://schemas.openxmlformats.org/drawingml/2006/main" xmlns:r="http://schemas.openxmlformats.org/officeDocument/2006/relationships" xmlns:p="http://schemas.openxmlformats.org/presentationml/2006/main">
   <p:cSld>
     <p:spTree>
@@ -8271,7 +8501,7 @@
 </p:sld>
 </file>
 
-<file path=ppt/slides/slide15.xml><?xml version="1.0" encoding="utf-8"?>
+<file path=ppt/slides/slide16.xml><?xml version="1.0" encoding="utf-8"?>
 <p:sld xmlns:a="http://schemas.openxmlformats.org/drawingml/2006/main" xmlns:r="http://schemas.openxmlformats.org/officeDocument/2006/relationships" xmlns:p="http://schemas.openxmlformats.org/presentationml/2006/main">
   <p:cSld>
     <p:spTree>
@@ -8361,7 +8591,7 @@
 </p:sld>
 </file>
 
-<file path=ppt/slides/slide16.xml><?xml version="1.0" encoding="utf-8"?>
+<file path=ppt/slides/slide17.xml><?xml version="1.0" encoding="utf-8"?>
 <p:sld xmlns:a="http://schemas.openxmlformats.org/drawingml/2006/main" xmlns:r="http://schemas.openxmlformats.org/officeDocument/2006/relationships" xmlns:p="http://schemas.openxmlformats.org/presentationml/2006/main">
   <p:cSld>
     <p:spTree>
@@ -8433,7 +8663,7 @@
 </p:sld>
 </file>
 
-<file path=ppt/slides/slide17.xml><?xml version="1.0" encoding="utf-8"?>
+<file path=ppt/slides/slide18.xml><?xml version="1.0" encoding="utf-8"?>
 <p:sld xmlns:a="http://schemas.openxmlformats.org/drawingml/2006/main" xmlns:r="http://schemas.openxmlformats.org/officeDocument/2006/relationships" xmlns:p="http://schemas.openxmlformats.org/presentationml/2006/main">
   <p:cSld>
     <p:spTree>
@@ -10497,6 +10727,2063 @@
 </p:sld>
 </file>
 
+<file path=ppt/slides/slide19.xml><?xml version="1.0" encoding="utf-8"?>
+<p:sld xmlns:a="http://schemas.openxmlformats.org/drawingml/2006/main" xmlns:r="http://schemas.openxmlformats.org/officeDocument/2006/relationships" xmlns:p="http://schemas.openxmlformats.org/presentationml/2006/main">
+  <p:cSld>
+    <p:spTree>
+      <p:nvGrpSpPr>
+        <p:cNvPr id="1" name=""/>
+        <p:cNvGrpSpPr/>
+        <p:nvPr/>
+      </p:nvGrpSpPr>
+      <p:grpSpPr>
+        <a:xfrm>
+          <a:off x="0" y="0"/>
+          <a:ext cx="0" cy="0"/>
+          <a:chOff x="0" y="0"/>
+          <a:chExt cx="0" cy="0"/>
+        </a:xfrm>
+      </p:grpSpPr>
+      <p:sp>
+        <p:nvSpPr>
+          <p:cNvPr id="29" name="Rechteck 28"/>
+          <p:cNvSpPr/>
+          <p:nvPr/>
+        </p:nvSpPr>
+        <p:spPr>
+          <a:xfrm>
+            <a:off x="1740968" y="2781300"/>
+            <a:ext cx="6698019" cy="4003759"/>
+          </a:xfrm>
+          <a:prstGeom prst="rect">
+            <a:avLst/>
+          </a:prstGeom>
+          <a:solidFill>
+            <a:schemeClr val="bg2">
+              <a:lumMod val="90000"/>
+              <a:alpha val="36000"/>
+            </a:schemeClr>
+          </a:solidFill>
+          <a:ln>
+            <a:noFill/>
+          </a:ln>
+        </p:spPr>
+        <p:style>
+          <a:lnRef idx="2">
+            <a:schemeClr val="accent1">
+              <a:shade val="50000"/>
+            </a:schemeClr>
+          </a:lnRef>
+          <a:fillRef idx="1">
+            <a:schemeClr val="accent1"/>
+          </a:fillRef>
+          <a:effectRef idx="0">
+            <a:schemeClr val="accent1"/>
+          </a:effectRef>
+          <a:fontRef idx="minor">
+            <a:schemeClr val="lt1"/>
+          </a:fontRef>
+        </p:style>
+        <p:txBody>
+          <a:bodyPr rtlCol="0" anchor="ctr"/>
+          <a:lstStyle/>
+          <a:p>
+            <a:pPr algn="ctr"/>
+            <a:endParaRPr lang="de-CH"/>
+          </a:p>
+        </p:txBody>
+      </p:sp>
+      <p:sp>
+        <p:nvSpPr>
+          <p:cNvPr id="78" name="Rechteck 77"/>
+          <p:cNvSpPr/>
+          <p:nvPr/>
+        </p:nvSpPr>
+        <p:spPr>
+          <a:xfrm>
+            <a:off x="8878043" y="146550"/>
+            <a:ext cx="3188146" cy="6638509"/>
+          </a:xfrm>
+          <a:prstGeom prst="rect">
+            <a:avLst/>
+          </a:prstGeom>
+          <a:solidFill>
+            <a:schemeClr val="bg2">
+              <a:lumMod val="90000"/>
+              <a:alpha val="36000"/>
+            </a:schemeClr>
+          </a:solidFill>
+          <a:ln>
+            <a:noFill/>
+          </a:ln>
+        </p:spPr>
+        <p:style>
+          <a:lnRef idx="2">
+            <a:schemeClr val="accent1">
+              <a:shade val="50000"/>
+            </a:schemeClr>
+          </a:lnRef>
+          <a:fillRef idx="1">
+            <a:schemeClr val="accent1"/>
+          </a:fillRef>
+          <a:effectRef idx="0">
+            <a:schemeClr val="accent1"/>
+          </a:effectRef>
+          <a:fontRef idx="minor">
+            <a:schemeClr val="lt1"/>
+          </a:fontRef>
+        </p:style>
+        <p:txBody>
+          <a:bodyPr rtlCol="0" anchor="ctr"/>
+          <a:lstStyle/>
+          <a:p>
+            <a:pPr algn="ctr"/>
+            <a:endParaRPr lang="de-CH"/>
+          </a:p>
+        </p:txBody>
+      </p:sp>
+      <p:sp>
+        <p:nvSpPr>
+          <p:cNvPr id="68" name="Rechteck 67"/>
+          <p:cNvSpPr/>
+          <p:nvPr/>
+        </p:nvSpPr>
+        <p:spPr>
+          <a:xfrm flipH="1">
+            <a:off x="143750" y="2778952"/>
+            <a:ext cx="1175114" cy="3990893"/>
+          </a:xfrm>
+          <a:prstGeom prst="rect">
+            <a:avLst/>
+          </a:prstGeom>
+          <a:solidFill>
+            <a:schemeClr val="bg2">
+              <a:lumMod val="90000"/>
+              <a:alpha val="36000"/>
+            </a:schemeClr>
+          </a:solidFill>
+          <a:ln>
+            <a:noFill/>
+          </a:ln>
+        </p:spPr>
+        <p:style>
+          <a:lnRef idx="2">
+            <a:schemeClr val="accent1">
+              <a:shade val="50000"/>
+            </a:schemeClr>
+          </a:lnRef>
+          <a:fillRef idx="1">
+            <a:schemeClr val="accent1"/>
+          </a:fillRef>
+          <a:effectRef idx="0">
+            <a:schemeClr val="accent1"/>
+          </a:effectRef>
+          <a:fontRef idx="minor">
+            <a:schemeClr val="lt1"/>
+          </a:fontRef>
+        </p:style>
+        <p:txBody>
+          <a:bodyPr rtlCol="0" anchor="ctr"/>
+          <a:lstStyle/>
+          <a:p>
+            <a:pPr algn="ctr"/>
+            <a:endParaRPr lang="de-CH"/>
+          </a:p>
+        </p:txBody>
+      </p:sp>
+      <p:sp>
+        <p:nvSpPr>
+          <p:cNvPr id="30" name="Rechteck 29"/>
+          <p:cNvSpPr/>
+          <p:nvPr/>
+        </p:nvSpPr>
+        <p:spPr>
+          <a:xfrm>
+            <a:off x="143750" y="148987"/>
+            <a:ext cx="8261109" cy="2136093"/>
+          </a:xfrm>
+          <a:prstGeom prst="rect">
+            <a:avLst/>
+          </a:prstGeom>
+          <a:solidFill>
+            <a:schemeClr val="bg2">
+              <a:lumMod val="90000"/>
+              <a:alpha val="36000"/>
+            </a:schemeClr>
+          </a:solidFill>
+          <a:ln>
+            <a:noFill/>
+          </a:ln>
+        </p:spPr>
+        <p:style>
+          <a:lnRef idx="2">
+            <a:schemeClr val="accent1">
+              <a:shade val="50000"/>
+            </a:schemeClr>
+          </a:lnRef>
+          <a:fillRef idx="1">
+            <a:schemeClr val="accent1"/>
+          </a:fillRef>
+          <a:effectRef idx="0">
+            <a:schemeClr val="accent1"/>
+          </a:effectRef>
+          <a:fontRef idx="minor">
+            <a:schemeClr val="lt1"/>
+          </a:fontRef>
+        </p:style>
+        <p:txBody>
+          <a:bodyPr rtlCol="0" anchor="ctr"/>
+          <a:lstStyle/>
+          <a:p>
+            <a:pPr algn="ctr"/>
+            <a:endParaRPr lang="de-CH"/>
+          </a:p>
+        </p:txBody>
+      </p:sp>
+      <p:pic>
+        <p:nvPicPr>
+          <p:cNvPr id="5" name="Grafik 4"/>
+          <p:cNvPicPr>
+            <a:picLocks noChangeAspect="1"/>
+          </p:cNvPicPr>
+          <p:nvPr/>
+        </p:nvPicPr>
+        <p:blipFill>
+          <a:blip r:embed="rId3" cstate="print">
+            <a:extLst>
+              <a:ext uri="{28A0092B-C50C-407E-A947-70E740481C1C}">
+                <a14:useLocalDpi xmlns:a14="http://schemas.microsoft.com/office/drawing/2010/main" val="0"/>
+              </a:ext>
+            </a:extLst>
+          </a:blip>
+          <a:stretch>
+            <a:fillRect/>
+          </a:stretch>
+        </p:blipFill>
+        <p:spPr>
+          <a:xfrm>
+            <a:off x="767780" y="288071"/>
+            <a:ext cx="432000" cy="432000"/>
+          </a:xfrm>
+          <a:prstGeom prst="rect">
+            <a:avLst/>
+          </a:prstGeom>
+        </p:spPr>
+      </p:pic>
+      <p:sp>
+        <p:nvSpPr>
+          <p:cNvPr id="6" name="Rechteck 5"/>
+          <p:cNvSpPr/>
+          <p:nvPr/>
+        </p:nvSpPr>
+        <p:spPr>
+          <a:xfrm>
+            <a:off x="767780" y="720071"/>
+            <a:ext cx="432000" cy="1142007"/>
+          </a:xfrm>
+          <a:prstGeom prst="rect">
+            <a:avLst/>
+          </a:prstGeom>
+          <a:solidFill>
+            <a:srgbClr val="E21A00"/>
+          </a:solidFill>
+          <a:ln>
+            <a:noFill/>
+          </a:ln>
+        </p:spPr>
+        <p:style>
+          <a:lnRef idx="2">
+            <a:schemeClr val="accent1">
+              <a:shade val="50000"/>
+            </a:schemeClr>
+          </a:lnRef>
+          <a:fillRef idx="1">
+            <a:schemeClr val="accent1"/>
+          </a:fillRef>
+          <a:effectRef idx="0">
+            <a:schemeClr val="accent1"/>
+          </a:effectRef>
+          <a:fontRef idx="minor">
+            <a:schemeClr val="lt1"/>
+          </a:fontRef>
+        </p:style>
+        <p:txBody>
+          <a:bodyPr vert="vert270" rtlCol="0" anchor="ctr"/>
+          <a:lstStyle/>
+          <a:p>
+            <a:pPr algn="ctr"/>
+            <a:r>
+              <a:rPr lang="de-CH" sz="2000" dirty="0" err="1" smtClean="0"/>
+              <a:t>AddIn</a:t>
+            </a:r>
+            <a:endParaRPr lang="de-CH" sz="2000" dirty="0"/>
+          </a:p>
+        </p:txBody>
+      </p:sp>
+      <p:pic>
+        <p:nvPicPr>
+          <p:cNvPr id="7" name="Grafik 6"/>
+          <p:cNvPicPr>
+            <a:picLocks noChangeAspect="1"/>
+          </p:cNvPicPr>
+          <p:nvPr/>
+        </p:nvPicPr>
+        <p:blipFill>
+          <a:blip r:embed="rId4" cstate="print">
+            <a:extLst>
+              <a:ext uri="{28A0092B-C50C-407E-A947-70E740481C1C}">
+                <a14:useLocalDpi xmlns:a14="http://schemas.microsoft.com/office/drawing/2010/main" val="0"/>
+              </a:ext>
+            </a:extLst>
+          </a:blip>
+          <a:stretch>
+            <a:fillRect/>
+          </a:stretch>
+        </p:blipFill>
+        <p:spPr>
+          <a:xfrm>
+            <a:off x="347351" y="1095746"/>
+            <a:ext cx="360000" cy="360000"/>
+          </a:xfrm>
+          <a:prstGeom prst="rect">
+            <a:avLst/>
+          </a:prstGeom>
+        </p:spPr>
+      </p:pic>
+      <p:pic>
+        <p:nvPicPr>
+          <p:cNvPr id="8" name="Grafik 7"/>
+          <p:cNvPicPr>
+            <a:picLocks noChangeAspect="1"/>
+          </p:cNvPicPr>
+          <p:nvPr/>
+        </p:nvPicPr>
+        <p:blipFill>
+          <a:blip r:embed="rId5" cstate="print">
+            <a:extLst>
+              <a:ext uri="{28A0092B-C50C-407E-A947-70E740481C1C}">
+                <a14:useLocalDpi xmlns:a14="http://schemas.microsoft.com/office/drawing/2010/main" val="0"/>
+              </a:ext>
+            </a:extLst>
+          </a:blip>
+          <a:stretch>
+            <a:fillRect/>
+          </a:stretch>
+        </p:blipFill>
+        <p:spPr>
+          <a:xfrm>
+            <a:off x="347351" y="288071"/>
+            <a:ext cx="360000" cy="360000"/>
+          </a:xfrm>
+          <a:prstGeom prst="rect">
+            <a:avLst/>
+          </a:prstGeom>
+        </p:spPr>
+      </p:pic>
+      <p:pic>
+        <p:nvPicPr>
+          <p:cNvPr id="9" name="Grafik 8"/>
+          <p:cNvPicPr>
+            <a:picLocks noChangeAspect="1"/>
+          </p:cNvPicPr>
+          <p:nvPr/>
+        </p:nvPicPr>
+        <p:blipFill>
+          <a:blip r:embed="rId6" cstate="print">
+            <a:extLst>
+              <a:ext uri="{28A0092B-C50C-407E-A947-70E740481C1C}">
+                <a14:useLocalDpi xmlns:a14="http://schemas.microsoft.com/office/drawing/2010/main" val="0"/>
+              </a:ext>
+            </a:extLst>
+          </a:blip>
+          <a:stretch>
+            <a:fillRect/>
+          </a:stretch>
+        </p:blipFill>
+        <p:spPr>
+          <a:xfrm>
+            <a:off x="347351" y="1502078"/>
+            <a:ext cx="360000" cy="360000"/>
+          </a:xfrm>
+          <a:prstGeom prst="rect">
+            <a:avLst/>
+          </a:prstGeom>
+        </p:spPr>
+      </p:pic>
+      <p:pic>
+        <p:nvPicPr>
+          <p:cNvPr id="10" name="Grafik 9"/>
+          <p:cNvPicPr>
+            <a:picLocks noChangeAspect="1"/>
+          </p:cNvPicPr>
+          <p:nvPr/>
+        </p:nvPicPr>
+        <p:blipFill>
+          <a:blip r:embed="rId7" cstate="print">
+            <a:extLst>
+              <a:ext uri="{28A0092B-C50C-407E-A947-70E740481C1C}">
+                <a14:useLocalDpi xmlns:a14="http://schemas.microsoft.com/office/drawing/2010/main" val="0"/>
+              </a:ext>
+            </a:extLst>
+          </a:blip>
+          <a:stretch>
+            <a:fillRect/>
+          </a:stretch>
+        </p:blipFill>
+        <p:spPr>
+          <a:xfrm>
+            <a:off x="347351" y="688409"/>
+            <a:ext cx="360000" cy="360000"/>
+          </a:xfrm>
+          <a:prstGeom prst="rect">
+            <a:avLst/>
+          </a:prstGeom>
+        </p:spPr>
+      </p:pic>
+      <p:pic>
+        <p:nvPicPr>
+          <p:cNvPr id="16" name="Grafik 15"/>
+          <p:cNvPicPr>
+            <a:picLocks noChangeAspect="1"/>
+          </p:cNvPicPr>
+          <p:nvPr/>
+        </p:nvPicPr>
+        <p:blipFill>
+          <a:blip r:embed="rId3">
+            <a:extLst>
+              <a:ext uri="{28A0092B-C50C-407E-A947-70E740481C1C}">
+                <a14:useLocalDpi xmlns:a14="http://schemas.microsoft.com/office/drawing/2010/main" val="0"/>
+              </a:ext>
+            </a:extLst>
+          </a:blip>
+          <a:stretch>
+            <a:fillRect/>
+          </a:stretch>
+        </p:blipFill>
+        <p:spPr>
+          <a:xfrm>
+            <a:off x="3428015" y="643935"/>
+            <a:ext cx="1100550" cy="1100550"/>
+          </a:xfrm>
+          <a:prstGeom prst="rect">
+            <a:avLst/>
+          </a:prstGeom>
+        </p:spPr>
+      </p:pic>
+      <p:pic>
+        <p:nvPicPr>
+          <p:cNvPr id="17" name="Grafik 16"/>
+          <p:cNvPicPr>
+            <a:picLocks noChangeAspect="1"/>
+          </p:cNvPicPr>
+          <p:nvPr/>
+        </p:nvPicPr>
+        <p:blipFill>
+          <a:blip r:embed="rId8" cstate="print">
+            <a:extLst>
+              <a:ext uri="{28A0092B-C50C-407E-A947-70E740481C1C}">
+                <a14:useLocalDpi xmlns:a14="http://schemas.microsoft.com/office/drawing/2010/main" val="0"/>
+              </a:ext>
+            </a:extLst>
+          </a:blip>
+          <a:stretch>
+            <a:fillRect/>
+          </a:stretch>
+        </p:blipFill>
+        <p:spPr>
+          <a:xfrm>
+            <a:off x="4287438" y="1460143"/>
+            <a:ext cx="312238" cy="312238"/>
+          </a:xfrm>
+          <a:prstGeom prst="rect">
+            <a:avLst/>
+          </a:prstGeom>
+        </p:spPr>
+      </p:pic>
+      <p:sp>
+        <p:nvSpPr>
+          <p:cNvPr id="18" name="Textfeld 17"/>
+          <p:cNvSpPr txBox="1"/>
+          <p:nvPr/>
+        </p:nvSpPr>
+        <p:spPr>
+          <a:xfrm>
+            <a:off x="4535338" y="1408513"/>
+            <a:ext cx="584200" cy="415498"/>
+          </a:xfrm>
+          <a:prstGeom prst="rect">
+            <a:avLst/>
+          </a:prstGeom>
+          <a:noFill/>
+        </p:spPr>
+        <p:txBody>
+          <a:bodyPr wrap="square" rtlCol="0">
+            <a:spAutoFit/>
+          </a:bodyPr>
+          <a:lstStyle/>
+          <a:p>
+            <a:r>
+              <a:rPr lang="de-CH" sz="1050" dirty="0" smtClean="0"/>
+              <a:t>Offline Cache</a:t>
+            </a:r>
+            <a:endParaRPr lang="de-CH" sz="1050" dirty="0"/>
+          </a:p>
+        </p:txBody>
+      </p:sp>
+      <p:sp>
+        <p:nvSpPr>
+          <p:cNvPr id="20" name="Pfeil nach links und rechts 19"/>
+          <p:cNvSpPr/>
+          <p:nvPr/>
+        </p:nvSpPr>
+        <p:spPr>
+          <a:xfrm>
+            <a:off x="1318864" y="967781"/>
+            <a:ext cx="1898157" cy="164592"/>
+          </a:xfrm>
+          <a:prstGeom prst="leftRightArrow">
+            <a:avLst>
+              <a:gd name="adj1" fmla="val 40593"/>
+              <a:gd name="adj2" fmla="val 73519"/>
+            </a:avLst>
+          </a:prstGeom>
+          <a:solidFill>
+            <a:srgbClr val="00A864"/>
+          </a:solidFill>
+          <a:ln>
+            <a:noFill/>
+          </a:ln>
+        </p:spPr>
+        <p:style>
+          <a:lnRef idx="2">
+            <a:schemeClr val="accent1">
+              <a:shade val="50000"/>
+            </a:schemeClr>
+          </a:lnRef>
+          <a:fillRef idx="1">
+            <a:schemeClr val="accent1"/>
+          </a:fillRef>
+          <a:effectRef idx="0">
+            <a:schemeClr val="accent1"/>
+          </a:effectRef>
+          <a:fontRef idx="minor">
+            <a:schemeClr val="lt1"/>
+          </a:fontRef>
+        </p:style>
+        <p:txBody>
+          <a:bodyPr rtlCol="0" anchor="ctr"/>
+          <a:lstStyle/>
+          <a:p>
+            <a:pPr algn="ctr"/>
+            <a:endParaRPr lang="de-CH" dirty="0"/>
+          </a:p>
+        </p:txBody>
+      </p:sp>
+      <p:pic>
+        <p:nvPicPr>
+          <p:cNvPr id="22" name="Grafik 21"/>
+          <p:cNvPicPr>
+            <a:picLocks noChangeAspect="1"/>
+          </p:cNvPicPr>
+          <p:nvPr/>
+        </p:nvPicPr>
+        <p:blipFill>
+          <a:blip r:embed="rId8" cstate="print">
+            <a:extLst>
+              <a:ext uri="{28A0092B-C50C-407E-A947-70E740481C1C}">
+                <a14:useLocalDpi xmlns:a14="http://schemas.microsoft.com/office/drawing/2010/main" val="0"/>
+              </a:ext>
+            </a:extLst>
+          </a:blip>
+          <a:stretch>
+            <a:fillRect/>
+          </a:stretch>
+        </p:blipFill>
+        <p:spPr>
+          <a:xfrm>
+            <a:off x="3584371" y="5404448"/>
+            <a:ext cx="573168" cy="573168"/>
+          </a:xfrm>
+          <a:prstGeom prst="rect">
+            <a:avLst/>
+          </a:prstGeom>
+        </p:spPr>
+      </p:pic>
+      <p:pic>
+        <p:nvPicPr>
+          <p:cNvPr id="26" name="Grafik 25"/>
+          <p:cNvPicPr>
+            <a:picLocks noChangeAspect="1"/>
+          </p:cNvPicPr>
+          <p:nvPr/>
+        </p:nvPicPr>
+        <p:blipFill>
+          <a:blip r:embed="rId9" cstate="print">
+            <a:extLst>
+              <a:ext uri="{28A0092B-C50C-407E-A947-70E740481C1C}">
+                <a14:useLocalDpi xmlns:a14="http://schemas.microsoft.com/office/drawing/2010/main" val="0"/>
+              </a:ext>
+            </a:extLst>
+          </a:blip>
+          <a:stretch>
+            <a:fillRect/>
+          </a:stretch>
+        </p:blipFill>
+        <p:spPr>
+          <a:xfrm>
+            <a:off x="248680" y="3795392"/>
+            <a:ext cx="1015200" cy="1015200"/>
+          </a:xfrm>
+          <a:prstGeom prst="rect">
+            <a:avLst/>
+          </a:prstGeom>
+        </p:spPr>
+      </p:pic>
+      <p:pic>
+        <p:nvPicPr>
+          <p:cNvPr id="31" name="Grafik 30"/>
+          <p:cNvPicPr>
+            <a:picLocks noChangeAspect="1"/>
+          </p:cNvPicPr>
+          <p:nvPr/>
+        </p:nvPicPr>
+        <p:blipFill>
+          <a:blip r:embed="rId10" cstate="print">
+            <a:extLst>
+              <a:ext uri="{28A0092B-C50C-407E-A947-70E740481C1C}">
+                <a14:useLocalDpi xmlns:a14="http://schemas.microsoft.com/office/drawing/2010/main" val="0"/>
+              </a:ext>
+            </a:extLst>
+          </a:blip>
+          <a:stretch>
+            <a:fillRect/>
+          </a:stretch>
+        </p:blipFill>
+        <p:spPr>
+          <a:xfrm>
+            <a:off x="3450263" y="3480462"/>
+            <a:ext cx="1016183" cy="1016183"/>
+          </a:xfrm>
+          <a:prstGeom prst="rect">
+            <a:avLst/>
+          </a:prstGeom>
+        </p:spPr>
+      </p:pic>
+      <p:sp>
+        <p:nvSpPr>
+          <p:cNvPr id="32" name="Pfeil nach links und rechts 31"/>
+          <p:cNvSpPr/>
+          <p:nvPr/>
+        </p:nvSpPr>
+        <p:spPr>
+          <a:xfrm rot="16200000">
+            <a:off x="3252465" y="2630175"/>
+            <a:ext cx="1236980" cy="167630"/>
+          </a:xfrm>
+          <a:prstGeom prst="leftRightArrow">
+            <a:avLst>
+              <a:gd name="adj1" fmla="val 40593"/>
+              <a:gd name="adj2" fmla="val 73519"/>
+            </a:avLst>
+          </a:prstGeom>
+          <a:solidFill>
+            <a:srgbClr val="00A864"/>
+          </a:solidFill>
+          <a:ln>
+            <a:noFill/>
+          </a:ln>
+        </p:spPr>
+        <p:style>
+          <a:lnRef idx="2">
+            <a:schemeClr val="accent1">
+              <a:shade val="50000"/>
+            </a:schemeClr>
+          </a:lnRef>
+          <a:fillRef idx="1">
+            <a:schemeClr val="accent1"/>
+          </a:fillRef>
+          <a:effectRef idx="0">
+            <a:schemeClr val="accent1"/>
+          </a:effectRef>
+          <a:fontRef idx="minor">
+            <a:schemeClr val="lt1"/>
+          </a:fontRef>
+        </p:style>
+        <p:txBody>
+          <a:bodyPr rtlCol="0" anchor="ctr"/>
+          <a:lstStyle/>
+          <a:p>
+            <a:pPr algn="ctr"/>
+            <a:endParaRPr lang="de-CH"/>
+          </a:p>
+        </p:txBody>
+      </p:sp>
+      <p:sp>
+        <p:nvSpPr>
+          <p:cNvPr id="36" name="Pfeil nach links 35"/>
+          <p:cNvSpPr/>
+          <p:nvPr/>
+        </p:nvSpPr>
+        <p:spPr>
+          <a:xfrm>
+            <a:off x="1318863" y="417213"/>
+            <a:ext cx="8096887" cy="168045"/>
+          </a:xfrm>
+          <a:prstGeom prst="leftArrow">
+            <a:avLst>
+              <a:gd name="adj1" fmla="val 37260"/>
+              <a:gd name="adj2" fmla="val 79727"/>
+            </a:avLst>
+          </a:prstGeom>
+          <a:solidFill>
+            <a:srgbClr val="00A864"/>
+          </a:solidFill>
+          <a:ln>
+            <a:noFill/>
+          </a:ln>
+        </p:spPr>
+        <p:style>
+          <a:lnRef idx="2">
+            <a:schemeClr val="accent1">
+              <a:shade val="50000"/>
+            </a:schemeClr>
+          </a:lnRef>
+          <a:fillRef idx="1">
+            <a:schemeClr val="accent1"/>
+          </a:fillRef>
+          <a:effectRef idx="0">
+            <a:schemeClr val="accent1"/>
+          </a:effectRef>
+          <a:fontRef idx="minor">
+            <a:schemeClr val="lt1"/>
+          </a:fontRef>
+        </p:style>
+        <p:txBody>
+          <a:bodyPr rtlCol="0" anchor="ctr"/>
+          <a:lstStyle/>
+          <a:p>
+            <a:pPr algn="ctr"/>
+            <a:endParaRPr lang="de-CH"/>
+          </a:p>
+        </p:txBody>
+      </p:sp>
+      <p:sp>
+        <p:nvSpPr>
+          <p:cNvPr id="40" name="Textfeld 39"/>
+          <p:cNvSpPr txBox="1"/>
+          <p:nvPr/>
+        </p:nvSpPr>
+        <p:spPr>
+          <a:xfrm>
+            <a:off x="3267658" y="4532127"/>
+            <a:ext cx="1234440" cy="369332"/>
+          </a:xfrm>
+          <a:prstGeom prst="rect">
+            <a:avLst/>
+          </a:prstGeom>
+          <a:noFill/>
+        </p:spPr>
+        <p:txBody>
+          <a:bodyPr wrap="square" rtlCol="0">
+            <a:spAutoFit/>
+          </a:bodyPr>
+          <a:lstStyle/>
+          <a:p>
+            <a:pPr algn="ctr"/>
+            <a:r>
+              <a:rPr lang="de-CH" dirty="0" smtClean="0"/>
+              <a:t>Service</a:t>
+            </a:r>
+            <a:endParaRPr lang="de-CH" dirty="0"/>
+          </a:p>
+        </p:txBody>
+      </p:sp>
+      <p:sp>
+        <p:nvSpPr>
+          <p:cNvPr id="42" name="Pfeil nach links und rechts 41"/>
+          <p:cNvSpPr/>
+          <p:nvPr/>
+        </p:nvSpPr>
+        <p:spPr>
+          <a:xfrm>
+            <a:off x="7922809" y="5909826"/>
+            <a:ext cx="1492942" cy="164592"/>
+          </a:xfrm>
+          <a:prstGeom prst="leftRightArrow">
+            <a:avLst>
+              <a:gd name="adj1" fmla="val 40593"/>
+              <a:gd name="adj2" fmla="val 73519"/>
+            </a:avLst>
+          </a:prstGeom>
+          <a:solidFill>
+            <a:srgbClr val="00A864"/>
+          </a:solidFill>
+          <a:ln>
+            <a:noFill/>
+          </a:ln>
+        </p:spPr>
+        <p:style>
+          <a:lnRef idx="2">
+            <a:schemeClr val="accent1">
+              <a:shade val="50000"/>
+            </a:schemeClr>
+          </a:lnRef>
+          <a:fillRef idx="1">
+            <a:schemeClr val="accent1"/>
+          </a:fillRef>
+          <a:effectRef idx="0">
+            <a:schemeClr val="accent1"/>
+          </a:effectRef>
+          <a:fontRef idx="minor">
+            <a:schemeClr val="lt1"/>
+          </a:fontRef>
+        </p:style>
+        <p:txBody>
+          <a:bodyPr rtlCol="0" anchor="ctr"/>
+          <a:lstStyle/>
+          <a:p>
+            <a:pPr algn="ctr"/>
+            <a:endParaRPr lang="de-CH" dirty="0"/>
+          </a:p>
+        </p:txBody>
+      </p:sp>
+      <p:sp>
+        <p:nvSpPr>
+          <p:cNvPr id="43" name="Textfeld 42"/>
+          <p:cNvSpPr txBox="1"/>
+          <p:nvPr/>
+        </p:nvSpPr>
+        <p:spPr>
+          <a:xfrm>
+            <a:off x="5834557" y="5972791"/>
+            <a:ext cx="1234440" cy="369332"/>
+          </a:xfrm>
+          <a:prstGeom prst="rect">
+            <a:avLst/>
+          </a:prstGeom>
+          <a:noFill/>
+        </p:spPr>
+        <p:txBody>
+          <a:bodyPr wrap="square" rtlCol="0">
+            <a:spAutoFit/>
+          </a:bodyPr>
+          <a:lstStyle/>
+          <a:p>
+            <a:pPr algn="ctr"/>
+            <a:r>
+              <a:rPr lang="de-CH" dirty="0" smtClean="0"/>
+              <a:t>Web</a:t>
+            </a:r>
+            <a:endParaRPr lang="de-CH" dirty="0"/>
+          </a:p>
+        </p:txBody>
+      </p:sp>
+      <p:sp>
+        <p:nvSpPr>
+          <p:cNvPr id="45" name="Textfeld 44"/>
+          <p:cNvSpPr txBox="1"/>
+          <p:nvPr/>
+        </p:nvSpPr>
+        <p:spPr>
+          <a:xfrm>
+            <a:off x="3334904" y="6018957"/>
+            <a:ext cx="1212799" cy="646331"/>
+          </a:xfrm>
+          <a:prstGeom prst="rect">
+            <a:avLst/>
+          </a:prstGeom>
+          <a:noFill/>
+        </p:spPr>
+        <p:txBody>
+          <a:bodyPr wrap="square" rtlCol="0">
+            <a:spAutoFit/>
+          </a:bodyPr>
+          <a:lstStyle/>
+          <a:p>
+            <a:pPr algn="ctr"/>
+            <a:r>
+              <a:rPr lang="de-CH" dirty="0" smtClean="0"/>
+              <a:t>SQL </a:t>
+            </a:r>
+            <a:r>
+              <a:rPr lang="de-CH" dirty="0"/>
+              <a:t>Server</a:t>
+            </a:r>
+          </a:p>
+          <a:p>
+            <a:pPr algn="ctr"/>
+            <a:endParaRPr lang="de-CH" dirty="0"/>
+          </a:p>
+        </p:txBody>
+      </p:sp>
+      <p:sp>
+        <p:nvSpPr>
+          <p:cNvPr id="49" name="Textfeld 48"/>
+          <p:cNvSpPr txBox="1"/>
+          <p:nvPr/>
+        </p:nvSpPr>
+        <p:spPr>
+          <a:xfrm>
+            <a:off x="6571414" y="5974600"/>
+            <a:ext cx="1234440" cy="369332"/>
+          </a:xfrm>
+          <a:prstGeom prst="rect">
+            <a:avLst/>
+          </a:prstGeom>
+          <a:noFill/>
+        </p:spPr>
+        <p:txBody>
+          <a:bodyPr wrap="square" rtlCol="0">
+            <a:spAutoFit/>
+          </a:bodyPr>
+          <a:lstStyle/>
+          <a:p>
+            <a:pPr algn="ctr"/>
+            <a:r>
+              <a:rPr lang="de-CH" dirty="0" smtClean="0"/>
+              <a:t>Admin</a:t>
+            </a:r>
+            <a:endParaRPr lang="de-CH" dirty="0"/>
+          </a:p>
+        </p:txBody>
+      </p:sp>
+      <p:sp>
+        <p:nvSpPr>
+          <p:cNvPr id="54" name="Textfeld 53"/>
+          <p:cNvSpPr txBox="1"/>
+          <p:nvPr/>
+        </p:nvSpPr>
+        <p:spPr>
+          <a:xfrm>
+            <a:off x="1921394" y="1217033"/>
+            <a:ext cx="858929" cy="338554"/>
+          </a:xfrm>
+          <a:prstGeom prst="rect">
+            <a:avLst/>
+          </a:prstGeom>
+          <a:noFill/>
+        </p:spPr>
+        <p:txBody>
+          <a:bodyPr wrap="square" rtlCol="0">
+            <a:spAutoFit/>
+          </a:bodyPr>
+          <a:lstStyle/>
+          <a:p>
+            <a:pPr algn="ctr"/>
+            <a:r>
+              <a:rPr lang="de-CH" sz="1600" dirty="0" smtClean="0"/>
+              <a:t>NP</a:t>
+            </a:r>
+            <a:endParaRPr lang="de-CH" sz="1400" dirty="0"/>
+          </a:p>
+        </p:txBody>
+      </p:sp>
+      <p:sp>
+        <p:nvSpPr>
+          <p:cNvPr id="59" name="Textfeld 58"/>
+          <p:cNvSpPr txBox="1"/>
+          <p:nvPr/>
+        </p:nvSpPr>
+        <p:spPr>
+          <a:xfrm>
+            <a:off x="8042446" y="5282552"/>
+            <a:ext cx="1296500" cy="584775"/>
+          </a:xfrm>
+          <a:prstGeom prst="rect">
+            <a:avLst/>
+          </a:prstGeom>
+          <a:noFill/>
+        </p:spPr>
+        <p:txBody>
+          <a:bodyPr wrap="square" rtlCol="0">
+            <a:spAutoFit/>
+          </a:bodyPr>
+          <a:lstStyle/>
+          <a:p>
+            <a:pPr algn="ctr"/>
+            <a:r>
+              <a:rPr lang="de-CH" sz="1600" dirty="0" smtClean="0"/>
+              <a:t>HTTP API /</a:t>
+            </a:r>
+          </a:p>
+          <a:p>
+            <a:pPr algn="ctr"/>
+            <a:r>
+              <a:rPr lang="de-CH" sz="1600" dirty="0" smtClean="0"/>
+              <a:t>Via Browser</a:t>
+            </a:r>
+            <a:endParaRPr lang="de-CH" sz="1600" dirty="0"/>
+          </a:p>
+        </p:txBody>
+      </p:sp>
+      <p:sp>
+        <p:nvSpPr>
+          <p:cNvPr id="61" name="Textfeld 60"/>
+          <p:cNvSpPr txBox="1"/>
+          <p:nvPr/>
+        </p:nvSpPr>
+        <p:spPr>
+          <a:xfrm>
+            <a:off x="154672" y="1908584"/>
+            <a:ext cx="1766722" cy="369332"/>
+          </a:xfrm>
+          <a:prstGeom prst="rect">
+            <a:avLst/>
+          </a:prstGeom>
+          <a:noFill/>
+        </p:spPr>
+        <p:txBody>
+          <a:bodyPr wrap="square" rtlCol="0">
+            <a:spAutoFit/>
+          </a:bodyPr>
+          <a:lstStyle>
+            <a:defPPr>
+              <a:defRPr lang="en-US"/>
+            </a:defPPr>
+            <a:lvl1pPr algn="ctr">
+              <a:defRPr sz="2400" b="1"/>
+            </a:lvl1pPr>
+          </a:lstStyle>
+          <a:p>
+            <a:r>
+              <a:rPr lang="de-CH" sz="1800" dirty="0" smtClean="0"/>
+              <a:t>Windows Client</a:t>
+            </a:r>
+            <a:endParaRPr lang="de-CH" sz="1800" dirty="0"/>
+          </a:p>
+        </p:txBody>
+      </p:sp>
+      <p:sp>
+        <p:nvSpPr>
+          <p:cNvPr id="62" name="Textfeld 61"/>
+          <p:cNvSpPr txBox="1"/>
+          <p:nvPr/>
+        </p:nvSpPr>
+        <p:spPr>
+          <a:xfrm>
+            <a:off x="1748990" y="6414678"/>
+            <a:ext cx="1844152" cy="369332"/>
+          </a:xfrm>
+          <a:prstGeom prst="rect">
+            <a:avLst/>
+          </a:prstGeom>
+          <a:noFill/>
+        </p:spPr>
+        <p:txBody>
+          <a:bodyPr wrap="square" rtlCol="0">
+            <a:spAutoFit/>
+          </a:bodyPr>
+          <a:lstStyle>
+            <a:defPPr>
+              <a:defRPr lang="en-US"/>
+            </a:defPPr>
+            <a:lvl1pPr algn="ctr">
+              <a:defRPr sz="2400" b="1"/>
+            </a:lvl1pPr>
+          </a:lstStyle>
+          <a:p>
+            <a:r>
+              <a:rPr lang="de-CH" sz="1800" dirty="0" smtClean="0"/>
+              <a:t>Windows Server</a:t>
+            </a:r>
+            <a:endParaRPr lang="de-CH" sz="1800" dirty="0"/>
+          </a:p>
+        </p:txBody>
+      </p:sp>
+      <p:pic>
+        <p:nvPicPr>
+          <p:cNvPr id="64" name="Grafik 63"/>
+          <p:cNvPicPr>
+            <a:picLocks noChangeAspect="1"/>
+          </p:cNvPicPr>
+          <p:nvPr/>
+        </p:nvPicPr>
+        <p:blipFill>
+          <a:blip r:embed="rId11" cstate="print">
+            <a:extLst>
+              <a:ext uri="{28A0092B-C50C-407E-A947-70E740481C1C}">
+                <a14:useLocalDpi xmlns:a14="http://schemas.microsoft.com/office/drawing/2010/main" val="0"/>
+              </a:ext>
+            </a:extLst>
+          </a:blip>
+          <a:stretch>
+            <a:fillRect/>
+          </a:stretch>
+        </p:blipFill>
+        <p:spPr>
+          <a:xfrm>
+            <a:off x="6224452" y="5470287"/>
+            <a:ext cx="489774" cy="489774"/>
+          </a:xfrm>
+          <a:prstGeom prst="rect">
+            <a:avLst/>
+          </a:prstGeom>
+        </p:spPr>
+      </p:pic>
+      <p:pic>
+        <p:nvPicPr>
+          <p:cNvPr id="65" name="Grafik 64"/>
+          <p:cNvPicPr>
+            <a:picLocks noChangeAspect="1"/>
+          </p:cNvPicPr>
+          <p:nvPr/>
+        </p:nvPicPr>
+        <p:blipFill>
+          <a:blip r:embed="rId12" cstate="print">
+            <a:extLst>
+              <a:ext uri="{28A0092B-C50C-407E-A947-70E740481C1C}">
+                <a14:useLocalDpi xmlns:a14="http://schemas.microsoft.com/office/drawing/2010/main" val="0"/>
+              </a:ext>
+            </a:extLst>
+          </a:blip>
+          <a:stretch>
+            <a:fillRect/>
+          </a:stretch>
+        </p:blipFill>
+        <p:spPr>
+          <a:xfrm>
+            <a:off x="6948961" y="5502800"/>
+            <a:ext cx="424748" cy="424748"/>
+          </a:xfrm>
+          <a:prstGeom prst="rect">
+            <a:avLst/>
+          </a:prstGeom>
+        </p:spPr>
+      </p:pic>
+      <p:sp>
+        <p:nvSpPr>
+          <p:cNvPr id="66" name="Textfeld 65"/>
+          <p:cNvSpPr txBox="1"/>
+          <p:nvPr/>
+        </p:nvSpPr>
+        <p:spPr>
+          <a:xfrm>
+            <a:off x="5229706" y="4515163"/>
+            <a:ext cx="2824025" cy="369332"/>
+          </a:xfrm>
+          <a:prstGeom prst="rect">
+            <a:avLst/>
+          </a:prstGeom>
+          <a:noFill/>
+        </p:spPr>
+        <p:txBody>
+          <a:bodyPr wrap="square" rtlCol="0">
+            <a:spAutoFit/>
+          </a:bodyPr>
+          <a:lstStyle/>
+          <a:p>
+            <a:pPr algn="ctr"/>
+            <a:r>
+              <a:rPr lang="de-CH" dirty="0" err="1" smtClean="0"/>
+              <a:t>Document</a:t>
+            </a:r>
+            <a:r>
+              <a:rPr lang="de-CH" dirty="0" smtClean="0"/>
+              <a:t> </a:t>
+            </a:r>
+            <a:r>
+              <a:rPr lang="de-CH" dirty="0" err="1" smtClean="0"/>
+              <a:t>Creation</a:t>
+            </a:r>
+            <a:r>
+              <a:rPr lang="de-CH" dirty="0" smtClean="0"/>
+              <a:t> Server</a:t>
+            </a:r>
+            <a:endParaRPr lang="de-CH" dirty="0"/>
+          </a:p>
+        </p:txBody>
+      </p:sp>
+      <p:sp>
+        <p:nvSpPr>
+          <p:cNvPr id="69" name="Textfeld 68"/>
+          <p:cNvSpPr txBox="1"/>
+          <p:nvPr/>
+        </p:nvSpPr>
+        <p:spPr>
+          <a:xfrm>
+            <a:off x="154672" y="6392844"/>
+            <a:ext cx="733006" cy="369332"/>
+          </a:xfrm>
+          <a:prstGeom prst="rect">
+            <a:avLst/>
+          </a:prstGeom>
+          <a:noFill/>
+        </p:spPr>
+        <p:txBody>
+          <a:bodyPr wrap="square" rtlCol="0">
+            <a:spAutoFit/>
+          </a:bodyPr>
+          <a:lstStyle>
+            <a:defPPr>
+              <a:defRPr lang="en-US"/>
+            </a:defPPr>
+            <a:lvl1pPr algn="ctr">
+              <a:defRPr sz="2400" b="1"/>
+            </a:lvl1pPr>
+          </a:lstStyle>
+          <a:p>
+            <a:r>
+              <a:rPr lang="de-CH" sz="1800" dirty="0" err="1" smtClean="0"/>
+              <a:t>Auth</a:t>
+            </a:r>
+            <a:endParaRPr lang="de-CH" sz="1800" dirty="0"/>
+          </a:p>
+        </p:txBody>
+      </p:sp>
+      <p:sp>
+        <p:nvSpPr>
+          <p:cNvPr id="70" name="Textfeld 69"/>
+          <p:cNvSpPr txBox="1"/>
+          <p:nvPr/>
+        </p:nvSpPr>
+        <p:spPr>
+          <a:xfrm>
+            <a:off x="154672" y="4970019"/>
+            <a:ext cx="1059483" cy="646331"/>
+          </a:xfrm>
+          <a:prstGeom prst="rect">
+            <a:avLst/>
+          </a:prstGeom>
+          <a:noFill/>
+        </p:spPr>
+        <p:txBody>
+          <a:bodyPr wrap="square" rtlCol="0">
+            <a:spAutoFit/>
+          </a:bodyPr>
+          <a:lstStyle/>
+          <a:p>
+            <a:pPr algn="ctr"/>
+            <a:r>
+              <a:rPr lang="de-CH" dirty="0" err="1" smtClean="0"/>
+              <a:t>Active</a:t>
+            </a:r>
+            <a:r>
+              <a:rPr lang="de-CH" dirty="0" smtClean="0"/>
+              <a:t> Directory</a:t>
+            </a:r>
+            <a:endParaRPr lang="de-CH" dirty="0"/>
+          </a:p>
+        </p:txBody>
+      </p:sp>
+      <p:sp>
+        <p:nvSpPr>
+          <p:cNvPr id="76" name="Textfeld 75"/>
+          <p:cNvSpPr txBox="1"/>
+          <p:nvPr/>
+        </p:nvSpPr>
+        <p:spPr>
+          <a:xfrm>
+            <a:off x="3990759" y="2375449"/>
+            <a:ext cx="1459369" cy="338554"/>
+          </a:xfrm>
+          <a:prstGeom prst="rect">
+            <a:avLst/>
+          </a:prstGeom>
+          <a:noFill/>
+        </p:spPr>
+        <p:txBody>
+          <a:bodyPr wrap="square" rtlCol="0">
+            <a:spAutoFit/>
+          </a:bodyPr>
+          <a:lstStyle/>
+          <a:p>
+            <a:r>
+              <a:rPr lang="de-CH" sz="1600" dirty="0" smtClean="0"/>
+              <a:t>WS</a:t>
+            </a:r>
+            <a:endParaRPr lang="de-CH" dirty="0"/>
+          </a:p>
+        </p:txBody>
+      </p:sp>
+      <p:sp>
+        <p:nvSpPr>
+          <p:cNvPr id="81" name="Textfeld 80"/>
+          <p:cNvSpPr txBox="1"/>
+          <p:nvPr/>
+        </p:nvSpPr>
+        <p:spPr>
+          <a:xfrm>
+            <a:off x="1926705" y="4756191"/>
+            <a:ext cx="837263" cy="338554"/>
+          </a:xfrm>
+          <a:prstGeom prst="rect">
+            <a:avLst/>
+          </a:prstGeom>
+          <a:noFill/>
+        </p:spPr>
+        <p:txBody>
+          <a:bodyPr wrap="square" rtlCol="0">
+            <a:spAutoFit/>
+          </a:bodyPr>
+          <a:lstStyle/>
+          <a:p>
+            <a:pPr algn="ctr"/>
+            <a:r>
+              <a:rPr lang="de-CH" sz="1600" dirty="0" smtClean="0"/>
+              <a:t>LDAP</a:t>
+            </a:r>
+            <a:endParaRPr lang="de-CH" sz="1400" dirty="0"/>
+          </a:p>
+        </p:txBody>
+      </p:sp>
+      <p:sp>
+        <p:nvSpPr>
+          <p:cNvPr id="83" name="Pfeil nach links 82"/>
+          <p:cNvSpPr/>
+          <p:nvPr/>
+        </p:nvSpPr>
+        <p:spPr>
+          <a:xfrm>
+            <a:off x="1299872" y="4524302"/>
+            <a:ext cx="1913932" cy="164592"/>
+          </a:xfrm>
+          <a:prstGeom prst="leftArrow">
+            <a:avLst>
+              <a:gd name="adj1" fmla="val 37260"/>
+              <a:gd name="adj2" fmla="val 79727"/>
+            </a:avLst>
+          </a:prstGeom>
+          <a:solidFill>
+            <a:srgbClr val="00A864"/>
+          </a:solidFill>
+          <a:ln>
+            <a:noFill/>
+          </a:ln>
+        </p:spPr>
+        <p:style>
+          <a:lnRef idx="2">
+            <a:schemeClr val="accent1">
+              <a:shade val="50000"/>
+            </a:schemeClr>
+          </a:lnRef>
+          <a:fillRef idx="1">
+            <a:schemeClr val="accent1"/>
+          </a:fillRef>
+          <a:effectRef idx="0">
+            <a:schemeClr val="accent1"/>
+          </a:effectRef>
+          <a:fontRef idx="minor">
+            <a:schemeClr val="lt1"/>
+          </a:fontRef>
+        </p:style>
+        <p:txBody>
+          <a:bodyPr rtlCol="0" anchor="ctr"/>
+          <a:lstStyle/>
+          <a:p>
+            <a:pPr algn="ctr"/>
+            <a:endParaRPr lang="de-CH"/>
+          </a:p>
+        </p:txBody>
+      </p:sp>
+      <p:pic>
+        <p:nvPicPr>
+          <p:cNvPr id="82" name="Grafik 81"/>
+          <p:cNvPicPr>
+            <a:picLocks noChangeAspect="1"/>
+          </p:cNvPicPr>
+          <p:nvPr/>
+        </p:nvPicPr>
+        <p:blipFill>
+          <a:blip r:embed="rId13" cstate="print">
+            <a:extLst>
+              <a:ext uri="{28A0092B-C50C-407E-A947-70E740481C1C}">
+                <a14:useLocalDpi xmlns:a14="http://schemas.microsoft.com/office/drawing/2010/main" val="0"/>
+              </a:ext>
+            </a:extLst>
+          </a:blip>
+          <a:stretch>
+            <a:fillRect/>
+          </a:stretch>
+        </p:blipFill>
+        <p:spPr>
+          <a:xfrm>
+            <a:off x="10612444" y="4370243"/>
+            <a:ext cx="825871" cy="825871"/>
+          </a:xfrm>
+          <a:prstGeom prst="rect">
+            <a:avLst/>
+          </a:prstGeom>
+        </p:spPr>
+      </p:pic>
+      <p:pic>
+        <p:nvPicPr>
+          <p:cNvPr id="92" name="Grafik 91"/>
+          <p:cNvPicPr>
+            <a:picLocks noChangeAspect="1"/>
+          </p:cNvPicPr>
+          <p:nvPr/>
+        </p:nvPicPr>
+        <p:blipFill>
+          <a:blip r:embed="rId3" cstate="print">
+            <a:extLst>
+              <a:ext uri="{28A0092B-C50C-407E-A947-70E740481C1C}">
+                <a14:useLocalDpi xmlns:a14="http://schemas.microsoft.com/office/drawing/2010/main" val="0"/>
+              </a:ext>
+            </a:extLst>
+          </a:blip>
+          <a:stretch>
+            <a:fillRect/>
+          </a:stretch>
+        </p:blipFill>
+        <p:spPr>
+          <a:xfrm>
+            <a:off x="9851377" y="4435615"/>
+            <a:ext cx="476810" cy="528429"/>
+          </a:xfrm>
+          <a:prstGeom prst="rect">
+            <a:avLst/>
+          </a:prstGeom>
+        </p:spPr>
+      </p:pic>
+      <p:sp>
+        <p:nvSpPr>
+          <p:cNvPr id="93" name="Textfeld 92"/>
+          <p:cNvSpPr txBox="1"/>
+          <p:nvPr/>
+        </p:nvSpPr>
+        <p:spPr>
+          <a:xfrm>
+            <a:off x="9747289" y="4964044"/>
+            <a:ext cx="822026" cy="577081"/>
+          </a:xfrm>
+          <a:prstGeom prst="rect">
+            <a:avLst/>
+          </a:prstGeom>
+          <a:noFill/>
+        </p:spPr>
+        <p:txBody>
+          <a:bodyPr wrap="square" rtlCol="0">
+            <a:spAutoFit/>
+          </a:bodyPr>
+          <a:lstStyle/>
+          <a:p>
+            <a:r>
+              <a:rPr lang="de-CH" sz="1050" dirty="0" err="1" smtClean="0"/>
+              <a:t>OneOffixx</a:t>
+            </a:r>
+            <a:r>
+              <a:rPr lang="de-CH" sz="1050" dirty="0" smtClean="0"/>
+              <a:t> SharePoint Connector</a:t>
+            </a:r>
+            <a:endParaRPr lang="de-CH" sz="1050" dirty="0"/>
+          </a:p>
+        </p:txBody>
+      </p:sp>
+      <p:sp>
+        <p:nvSpPr>
+          <p:cNvPr id="94" name="Textfeld 93"/>
+          <p:cNvSpPr txBox="1"/>
+          <p:nvPr/>
+        </p:nvSpPr>
+        <p:spPr>
+          <a:xfrm>
+            <a:off x="9543433" y="615199"/>
+            <a:ext cx="1972292" cy="923330"/>
+          </a:xfrm>
+          <a:prstGeom prst="rect">
+            <a:avLst/>
+          </a:prstGeom>
+          <a:noFill/>
+        </p:spPr>
+        <p:txBody>
+          <a:bodyPr wrap="square" rtlCol="0">
+            <a:spAutoFit/>
+          </a:bodyPr>
+          <a:lstStyle/>
+          <a:p>
+            <a:pPr algn="ctr"/>
+            <a:r>
+              <a:rPr lang="de-CH" dirty="0" smtClean="0"/>
+              <a:t>Win32 App</a:t>
+            </a:r>
+          </a:p>
+          <a:p>
+            <a:pPr algn="ctr"/>
+            <a:r>
+              <a:rPr lang="de-CH" dirty="0" smtClean="0"/>
+              <a:t>Office Addin</a:t>
+            </a:r>
+          </a:p>
+          <a:p>
+            <a:pPr algn="ctr"/>
+            <a:r>
+              <a:rPr lang="de-CH" dirty="0" err="1" smtClean="0"/>
+              <a:t>Any</a:t>
+            </a:r>
+            <a:r>
+              <a:rPr lang="de-CH" dirty="0" smtClean="0"/>
+              <a:t> App </a:t>
+            </a:r>
+            <a:r>
+              <a:rPr lang="de-CH" dirty="0" err="1" smtClean="0"/>
+              <a:t>or</a:t>
+            </a:r>
+            <a:r>
+              <a:rPr lang="de-CH" dirty="0" smtClean="0"/>
+              <a:t> Service</a:t>
+            </a:r>
+            <a:endParaRPr lang="de-CH" dirty="0"/>
+          </a:p>
+        </p:txBody>
+      </p:sp>
+      <p:pic>
+        <p:nvPicPr>
+          <p:cNvPr id="97" name="Grafik 96"/>
+          <p:cNvPicPr>
+            <a:picLocks noChangeAspect="1"/>
+          </p:cNvPicPr>
+          <p:nvPr/>
+        </p:nvPicPr>
+        <p:blipFill>
+          <a:blip r:embed="rId14"/>
+          <a:stretch>
+            <a:fillRect/>
+          </a:stretch>
+        </p:blipFill>
+        <p:spPr>
+          <a:xfrm>
+            <a:off x="11088124" y="5815050"/>
+            <a:ext cx="565714" cy="577794"/>
+          </a:xfrm>
+          <a:prstGeom prst="rect">
+            <a:avLst/>
+          </a:prstGeom>
+        </p:spPr>
+      </p:pic>
+      <p:pic>
+        <p:nvPicPr>
+          <p:cNvPr id="98" name="Grafik 97"/>
+          <p:cNvPicPr>
+            <a:picLocks noChangeAspect="1"/>
+          </p:cNvPicPr>
+          <p:nvPr/>
+        </p:nvPicPr>
+        <p:blipFill>
+          <a:blip r:embed="rId15"/>
+          <a:stretch>
+            <a:fillRect/>
+          </a:stretch>
+        </p:blipFill>
+        <p:spPr>
+          <a:xfrm>
+            <a:off x="10351138" y="5737333"/>
+            <a:ext cx="552200" cy="622071"/>
+          </a:xfrm>
+          <a:prstGeom prst="rect">
+            <a:avLst/>
+          </a:prstGeom>
+        </p:spPr>
+      </p:pic>
+      <p:pic>
+        <p:nvPicPr>
+          <p:cNvPr id="99" name="Grafik 98"/>
+          <p:cNvPicPr>
+            <a:picLocks noChangeAspect="1"/>
+          </p:cNvPicPr>
+          <p:nvPr/>
+        </p:nvPicPr>
+        <p:blipFill>
+          <a:blip r:embed="rId16"/>
+          <a:stretch>
+            <a:fillRect/>
+          </a:stretch>
+        </p:blipFill>
+        <p:spPr>
+          <a:xfrm>
+            <a:off x="9649555" y="5773205"/>
+            <a:ext cx="504499" cy="580173"/>
+          </a:xfrm>
+          <a:prstGeom prst="rect">
+            <a:avLst/>
+          </a:prstGeom>
+        </p:spPr>
+      </p:pic>
+      <p:sp>
+        <p:nvSpPr>
+          <p:cNvPr id="100" name="Textfeld 99"/>
+          <p:cNvSpPr txBox="1"/>
+          <p:nvPr/>
+        </p:nvSpPr>
+        <p:spPr>
+          <a:xfrm>
+            <a:off x="8693257" y="109432"/>
+            <a:ext cx="3286816" cy="461665"/>
+          </a:xfrm>
+          <a:prstGeom prst="rect">
+            <a:avLst/>
+          </a:prstGeom>
+          <a:noFill/>
+        </p:spPr>
+        <p:txBody>
+          <a:bodyPr wrap="square" rtlCol="0">
+            <a:spAutoFit/>
+          </a:bodyPr>
+          <a:lstStyle>
+            <a:defPPr>
+              <a:defRPr lang="en-US"/>
+            </a:defPPr>
+            <a:lvl1pPr algn="ctr">
+              <a:defRPr sz="2400" b="1"/>
+            </a:lvl1pPr>
+          </a:lstStyle>
+          <a:p>
+            <a:r>
+              <a:rPr lang="de-CH" dirty="0" smtClean="0"/>
+              <a:t>LOB-Apps</a:t>
+            </a:r>
+            <a:endParaRPr lang="de-CH" dirty="0"/>
+          </a:p>
+        </p:txBody>
+      </p:sp>
+      <p:sp>
+        <p:nvSpPr>
+          <p:cNvPr id="55" name="Pfeil nach links 54"/>
+          <p:cNvSpPr/>
+          <p:nvPr/>
+        </p:nvSpPr>
+        <p:spPr>
+          <a:xfrm>
+            <a:off x="5387989" y="945063"/>
+            <a:ext cx="4027762" cy="164592"/>
+          </a:xfrm>
+          <a:prstGeom prst="leftArrow">
+            <a:avLst>
+              <a:gd name="adj1" fmla="val 37260"/>
+              <a:gd name="adj2" fmla="val 79727"/>
+            </a:avLst>
+          </a:prstGeom>
+          <a:solidFill>
+            <a:srgbClr val="00A864"/>
+          </a:solidFill>
+          <a:ln>
+            <a:noFill/>
+          </a:ln>
+        </p:spPr>
+        <p:style>
+          <a:lnRef idx="2">
+            <a:schemeClr val="accent1">
+              <a:shade val="50000"/>
+            </a:schemeClr>
+          </a:lnRef>
+          <a:fillRef idx="1">
+            <a:schemeClr val="accent1"/>
+          </a:fillRef>
+          <a:effectRef idx="0">
+            <a:schemeClr val="accent1"/>
+          </a:effectRef>
+          <a:fontRef idx="minor">
+            <a:schemeClr val="lt1"/>
+          </a:fontRef>
+        </p:style>
+        <p:txBody>
+          <a:bodyPr rtlCol="0" anchor="ctr"/>
+          <a:lstStyle/>
+          <a:p>
+            <a:pPr algn="ctr"/>
+            <a:endParaRPr lang="de-CH"/>
+          </a:p>
+        </p:txBody>
+      </p:sp>
+      <p:sp>
+        <p:nvSpPr>
+          <p:cNvPr id="56" name="Textfeld 55"/>
+          <p:cNvSpPr txBox="1"/>
+          <p:nvPr/>
+        </p:nvSpPr>
+        <p:spPr>
+          <a:xfrm>
+            <a:off x="5612005" y="1436598"/>
+            <a:ext cx="3138356" cy="338554"/>
+          </a:xfrm>
+          <a:prstGeom prst="rect">
+            <a:avLst/>
+          </a:prstGeom>
+          <a:noFill/>
+        </p:spPr>
+        <p:txBody>
+          <a:bodyPr wrap="square" rtlCol="0">
+            <a:spAutoFit/>
+          </a:bodyPr>
+          <a:lstStyle/>
+          <a:p>
+            <a:pPr algn="ctr"/>
+            <a:r>
+              <a:rPr lang="de-CH" sz="1600" b="1" dirty="0" smtClean="0"/>
+              <a:t>&lt;Connect /&gt;</a:t>
+            </a:r>
+            <a:endParaRPr lang="de-CH" sz="1600" b="1" dirty="0"/>
+          </a:p>
+        </p:txBody>
+      </p:sp>
+      <p:sp>
+        <p:nvSpPr>
+          <p:cNvPr id="57" name="Pfeil nach links und rechts 56"/>
+          <p:cNvSpPr/>
+          <p:nvPr/>
+        </p:nvSpPr>
+        <p:spPr>
+          <a:xfrm>
+            <a:off x="5387989" y="1271885"/>
+            <a:ext cx="4027762" cy="164592"/>
+          </a:xfrm>
+          <a:prstGeom prst="leftRightArrow">
+            <a:avLst>
+              <a:gd name="adj1" fmla="val 40593"/>
+              <a:gd name="adj2" fmla="val 73519"/>
+            </a:avLst>
+          </a:prstGeom>
+          <a:solidFill>
+            <a:srgbClr val="E21A00"/>
+          </a:solidFill>
+          <a:ln>
+            <a:noFill/>
+          </a:ln>
+        </p:spPr>
+        <p:style>
+          <a:lnRef idx="2">
+            <a:schemeClr val="accent1">
+              <a:shade val="50000"/>
+            </a:schemeClr>
+          </a:lnRef>
+          <a:fillRef idx="1">
+            <a:schemeClr val="accent1"/>
+          </a:fillRef>
+          <a:effectRef idx="0">
+            <a:schemeClr val="accent1"/>
+          </a:effectRef>
+          <a:fontRef idx="minor">
+            <a:schemeClr val="lt1"/>
+          </a:fontRef>
+        </p:style>
+        <p:txBody>
+          <a:bodyPr rtlCol="0" anchor="ctr"/>
+          <a:lstStyle/>
+          <a:p>
+            <a:pPr algn="ctr"/>
+            <a:endParaRPr lang="de-CH" dirty="0"/>
+          </a:p>
+        </p:txBody>
+      </p:sp>
+      <p:sp>
+        <p:nvSpPr>
+          <p:cNvPr id="58" name="Textfeld 57"/>
+          <p:cNvSpPr txBox="1"/>
+          <p:nvPr/>
+        </p:nvSpPr>
+        <p:spPr>
+          <a:xfrm>
+            <a:off x="5878116" y="593297"/>
+            <a:ext cx="2705115" cy="338554"/>
+          </a:xfrm>
+          <a:prstGeom prst="rect">
+            <a:avLst/>
+          </a:prstGeom>
+          <a:noFill/>
+        </p:spPr>
+        <p:txBody>
+          <a:bodyPr wrap="square" rtlCol="0">
+            <a:spAutoFit/>
+          </a:bodyPr>
+          <a:lstStyle/>
+          <a:p>
+            <a:pPr algn="ctr"/>
+            <a:r>
+              <a:rPr lang="de-CH" sz="1600" dirty="0" smtClean="0"/>
+              <a:t>WS/WML/Protocol/</a:t>
+            </a:r>
+            <a:r>
+              <a:rPr lang="de-CH" sz="1600" dirty="0" err="1"/>
+              <a:t>I</a:t>
+            </a:r>
+            <a:r>
+              <a:rPr lang="de-CH" sz="1600" dirty="0" err="1" smtClean="0"/>
+              <a:t>nProc</a:t>
+            </a:r>
+            <a:endParaRPr lang="de-CH" sz="1600" dirty="0"/>
+          </a:p>
+        </p:txBody>
+      </p:sp>
+      <p:pic>
+        <p:nvPicPr>
+          <p:cNvPr id="67" name="Grafik 66"/>
+          <p:cNvPicPr>
+            <a:picLocks noChangeAspect="1"/>
+          </p:cNvPicPr>
+          <p:nvPr/>
+        </p:nvPicPr>
+        <p:blipFill>
+          <a:blip r:embed="rId17" cstate="print">
+            <a:extLst>
+              <a:ext uri="{28A0092B-C50C-407E-A947-70E740481C1C}">
+                <a14:useLocalDpi xmlns:a14="http://schemas.microsoft.com/office/drawing/2010/main" val="0"/>
+              </a:ext>
+            </a:extLst>
+          </a:blip>
+          <a:stretch>
+            <a:fillRect/>
+          </a:stretch>
+        </p:blipFill>
+        <p:spPr>
+          <a:xfrm>
+            <a:off x="6289843" y="3465804"/>
+            <a:ext cx="1032356" cy="1016183"/>
+          </a:xfrm>
+          <a:prstGeom prst="rect">
+            <a:avLst/>
+          </a:prstGeom>
+        </p:spPr>
+      </p:pic>
+      <p:sp>
+        <p:nvSpPr>
+          <p:cNvPr id="75" name="Textfeld 74"/>
+          <p:cNvSpPr txBox="1"/>
+          <p:nvPr/>
+        </p:nvSpPr>
+        <p:spPr>
+          <a:xfrm>
+            <a:off x="7849012" y="3852568"/>
+            <a:ext cx="1704401" cy="338554"/>
+          </a:xfrm>
+          <a:prstGeom prst="rect">
+            <a:avLst/>
+          </a:prstGeom>
+          <a:noFill/>
+        </p:spPr>
+        <p:txBody>
+          <a:bodyPr wrap="square" rtlCol="0">
+            <a:spAutoFit/>
+          </a:bodyPr>
+          <a:lstStyle/>
+          <a:p>
+            <a:pPr algn="ctr"/>
+            <a:r>
+              <a:rPr lang="de-CH" sz="1600" b="1" dirty="0" smtClean="0"/>
+              <a:t>&lt;Connect /&gt;</a:t>
+            </a:r>
+            <a:endParaRPr lang="de-CH" sz="1600" b="1" dirty="0"/>
+          </a:p>
+        </p:txBody>
+      </p:sp>
+      <p:sp>
+        <p:nvSpPr>
+          <p:cNvPr id="77" name="Pfeil nach links und rechts 76"/>
+          <p:cNvSpPr/>
+          <p:nvPr/>
+        </p:nvSpPr>
+        <p:spPr>
+          <a:xfrm>
+            <a:off x="7822410" y="3649358"/>
+            <a:ext cx="1593341" cy="164592"/>
+          </a:xfrm>
+          <a:prstGeom prst="leftRightArrow">
+            <a:avLst>
+              <a:gd name="adj1" fmla="val 40593"/>
+              <a:gd name="adj2" fmla="val 73519"/>
+            </a:avLst>
+          </a:prstGeom>
+          <a:solidFill>
+            <a:srgbClr val="E21A00"/>
+          </a:solidFill>
+          <a:ln>
+            <a:noFill/>
+          </a:ln>
+        </p:spPr>
+        <p:style>
+          <a:lnRef idx="2">
+            <a:schemeClr val="accent1">
+              <a:shade val="50000"/>
+            </a:schemeClr>
+          </a:lnRef>
+          <a:fillRef idx="1">
+            <a:schemeClr val="accent1"/>
+          </a:fillRef>
+          <a:effectRef idx="0">
+            <a:schemeClr val="accent1"/>
+          </a:effectRef>
+          <a:fontRef idx="minor">
+            <a:schemeClr val="lt1"/>
+          </a:fontRef>
+        </p:style>
+        <p:txBody>
+          <a:bodyPr rtlCol="0" anchor="ctr"/>
+          <a:lstStyle/>
+          <a:p>
+            <a:pPr algn="ctr"/>
+            <a:endParaRPr lang="de-CH" dirty="0"/>
+          </a:p>
+        </p:txBody>
+      </p:sp>
+      <p:pic>
+        <p:nvPicPr>
+          <p:cNvPr id="4" name="Grafik 3"/>
+          <p:cNvPicPr>
+            <a:picLocks noChangeAspect="1"/>
+          </p:cNvPicPr>
+          <p:nvPr/>
+        </p:nvPicPr>
+        <p:blipFill>
+          <a:blip r:embed="rId18"/>
+          <a:stretch>
+            <a:fillRect/>
+          </a:stretch>
+        </p:blipFill>
+        <p:spPr>
+          <a:xfrm>
+            <a:off x="10076822" y="1851596"/>
+            <a:ext cx="1095168" cy="965878"/>
+          </a:xfrm>
+          <a:prstGeom prst="rect">
+            <a:avLst/>
+          </a:prstGeom>
+        </p:spPr>
+      </p:pic>
+      <p:pic>
+        <p:nvPicPr>
+          <p:cNvPr id="11" name="Grafik 10"/>
+          <p:cNvPicPr>
+            <a:picLocks noChangeAspect="1"/>
+          </p:cNvPicPr>
+          <p:nvPr/>
+        </p:nvPicPr>
+        <p:blipFill>
+          <a:blip r:embed="rId19"/>
+          <a:stretch>
+            <a:fillRect/>
+          </a:stretch>
+        </p:blipFill>
+        <p:spPr>
+          <a:xfrm>
+            <a:off x="9983539" y="3201394"/>
+            <a:ext cx="1057461" cy="741691"/>
+          </a:xfrm>
+          <a:prstGeom prst="rect">
+            <a:avLst/>
+          </a:prstGeom>
+        </p:spPr>
+      </p:pic>
+      <p:pic>
+        <p:nvPicPr>
+          <p:cNvPr id="13" name="Grafik 12"/>
+          <p:cNvPicPr>
+            <a:picLocks noChangeAspect="1"/>
+          </p:cNvPicPr>
+          <p:nvPr/>
+        </p:nvPicPr>
+        <p:blipFill>
+          <a:blip r:embed="rId20"/>
+          <a:stretch>
+            <a:fillRect/>
+          </a:stretch>
+        </p:blipFill>
+        <p:spPr>
+          <a:xfrm>
+            <a:off x="4134591" y="3467011"/>
+            <a:ext cx="351527" cy="333696"/>
+          </a:xfrm>
+          <a:prstGeom prst="rect">
+            <a:avLst/>
+          </a:prstGeom>
+        </p:spPr>
+      </p:pic>
+      <p:pic>
+        <p:nvPicPr>
+          <p:cNvPr id="90" name="Grafik 89"/>
+          <p:cNvPicPr>
+            <a:picLocks noChangeAspect="1"/>
+          </p:cNvPicPr>
+          <p:nvPr/>
+        </p:nvPicPr>
+        <p:blipFill>
+          <a:blip r:embed="rId20"/>
+          <a:stretch>
+            <a:fillRect/>
+          </a:stretch>
+        </p:blipFill>
+        <p:spPr>
+          <a:xfrm>
+            <a:off x="6976970" y="3467675"/>
+            <a:ext cx="345229" cy="327717"/>
+          </a:xfrm>
+          <a:prstGeom prst="rect">
+            <a:avLst/>
+          </a:prstGeom>
+        </p:spPr>
+      </p:pic>
+      <p:pic>
+        <p:nvPicPr>
+          <p:cNvPr id="91" name="Grafik 90"/>
+          <p:cNvPicPr>
+            <a:picLocks noChangeAspect="1"/>
+          </p:cNvPicPr>
+          <p:nvPr/>
+        </p:nvPicPr>
+        <p:blipFill>
+          <a:blip r:embed="rId20"/>
+          <a:stretch>
+            <a:fillRect/>
+          </a:stretch>
+        </p:blipFill>
+        <p:spPr>
+          <a:xfrm>
+            <a:off x="6602459" y="6353378"/>
+            <a:ext cx="345229" cy="327717"/>
+          </a:xfrm>
+          <a:prstGeom prst="rect">
+            <a:avLst/>
+          </a:prstGeom>
+        </p:spPr>
+      </p:pic>
+      <p:sp>
+        <p:nvSpPr>
+          <p:cNvPr id="95" name="Textfeld 94"/>
+          <p:cNvSpPr txBox="1"/>
+          <p:nvPr/>
+        </p:nvSpPr>
+        <p:spPr>
+          <a:xfrm>
+            <a:off x="3324084" y="1742424"/>
+            <a:ext cx="1234440" cy="369332"/>
+          </a:xfrm>
+          <a:prstGeom prst="rect">
+            <a:avLst/>
+          </a:prstGeom>
+          <a:noFill/>
+        </p:spPr>
+        <p:txBody>
+          <a:bodyPr wrap="square" rtlCol="0">
+            <a:spAutoFit/>
+          </a:bodyPr>
+          <a:lstStyle/>
+          <a:p>
+            <a:pPr algn="ctr"/>
+            <a:r>
+              <a:rPr lang="de-CH" dirty="0" smtClean="0"/>
+              <a:t>Client</a:t>
+            </a:r>
+            <a:endParaRPr lang="de-CH" dirty="0"/>
+          </a:p>
+        </p:txBody>
+      </p:sp>
+    </p:spTree>
+    <p:extLst>
+      <p:ext uri="{BB962C8B-B14F-4D97-AF65-F5344CB8AC3E}">
+        <p14:creationId xmlns:p14="http://schemas.microsoft.com/office/powerpoint/2010/main" val="4131358691"/>
+      </p:ext>
+    </p:extLst>
+  </p:cSld>
+  <p:clrMapOvr>
+    <a:masterClrMapping/>
+  </p:clrMapOvr>
+  <p:timing>
+    <p:tnLst>
+      <p:par>
+        <p:cTn id="1" dur="indefinite" restart="never" nodeType="tmRoot"/>
+      </p:par>
+    </p:tnLst>
+  </p:timing>
+</p:sld>
+</file>
+
 <file path=ppt/slides/slide2.xml><?xml version="1.0" encoding="utf-8"?>
 <p:sld xmlns:a="http://schemas.openxmlformats.org/drawingml/2006/main" xmlns:r="http://schemas.openxmlformats.org/officeDocument/2006/relationships" xmlns:p="http://schemas.openxmlformats.org/presentationml/2006/main">
   <p:cSld>
@@ -13851,21 +16138,21 @@
       </p:grpSpPr>
       <p:sp>
         <p:nvSpPr>
-          <p:cNvPr id="29" name="Rechteck 28"/>
+          <p:cNvPr id="89" name="Rechteck 88"/>
           <p:cNvSpPr/>
           <p:nvPr/>
         </p:nvSpPr>
         <p:spPr>
           <a:xfrm>
-            <a:off x="1740968" y="2781300"/>
-            <a:ext cx="6698019" cy="4003759"/>
+            <a:off x="4528565" y="643369"/>
+            <a:ext cx="1679673" cy="1099055"/>
           </a:xfrm>
           <a:prstGeom prst="rect">
             <a:avLst/>
           </a:prstGeom>
           <a:solidFill>
             <a:schemeClr val="bg2">
-              <a:lumMod val="90000"/>
+              <a:lumMod val="25000"/>
               <a:alpha val="36000"/>
             </a:schemeClr>
           </a:solidFill>
@@ -13894,20 +16181,20 @@
           <a:lstStyle/>
           <a:p>
             <a:pPr algn="ctr"/>
-            <a:endParaRPr lang="de-CH"/>
-          </a:p>
-        </p:txBody>
-      </p:sp>
-      <p:sp>
-        <p:nvSpPr>
-          <p:cNvPr id="78" name="Rechteck 77"/>
+            <a:endParaRPr lang="de-CH" sz="1100"/>
+          </a:p>
+        </p:txBody>
+      </p:sp>
+      <p:sp>
+        <p:nvSpPr>
+          <p:cNvPr id="63" name="Rechteck 62"/>
           <p:cNvSpPr/>
           <p:nvPr/>
         </p:nvSpPr>
         <p:spPr>
-          <a:xfrm>
-            <a:off x="8878043" y="146550"/>
-            <a:ext cx="3188146" cy="6638509"/>
+          <a:xfrm flipH="1">
+            <a:off x="97995" y="2806526"/>
+            <a:ext cx="2232869" cy="2191506"/>
           </a:xfrm>
           <a:prstGeom prst="rect">
             <a:avLst/>
@@ -13949,14 +16236,14 @@
       </p:sp>
       <p:sp>
         <p:nvSpPr>
-          <p:cNvPr id="68" name="Rechteck 67"/>
+          <p:cNvPr id="29" name="Rechteck 28"/>
           <p:cNvSpPr/>
           <p:nvPr/>
         </p:nvSpPr>
         <p:spPr>
-          <a:xfrm flipH="1">
-            <a:off x="143750" y="2778952"/>
-            <a:ext cx="1175114" cy="3990893"/>
+          <a:xfrm>
+            <a:off x="2718489" y="2781300"/>
+            <a:ext cx="5720498" cy="4003759"/>
           </a:xfrm>
           <a:prstGeom prst="rect">
             <a:avLst/>
@@ -13998,14 +16285,14 @@
       </p:sp>
       <p:sp>
         <p:nvSpPr>
-          <p:cNvPr id="30" name="Rechteck 29"/>
+          <p:cNvPr id="78" name="Rechteck 77"/>
           <p:cNvSpPr/>
           <p:nvPr/>
         </p:nvSpPr>
         <p:spPr>
           <a:xfrm>
-            <a:off x="143750" y="148987"/>
-            <a:ext cx="8261109" cy="2136093"/>
+            <a:off x="8878043" y="146550"/>
+            <a:ext cx="3188146" cy="6638509"/>
           </a:xfrm>
           <a:prstGeom prst="rect">
             <a:avLst/>
@@ -14045,52 +16332,25 @@
           </a:p>
         </p:txBody>
       </p:sp>
-      <p:pic>
-        <p:nvPicPr>
-          <p:cNvPr id="5" name="Grafik 4"/>
-          <p:cNvPicPr>
-            <a:picLocks noChangeAspect="1"/>
-          </p:cNvPicPr>
-          <p:nvPr/>
-        </p:nvPicPr>
-        <p:blipFill>
-          <a:blip r:embed="rId3" cstate="print">
-            <a:extLst>
-              <a:ext uri="{28A0092B-C50C-407E-A947-70E740481C1C}">
-                <a14:useLocalDpi xmlns:a14="http://schemas.microsoft.com/office/drawing/2010/main" val="0"/>
-              </a:ext>
-            </a:extLst>
-          </a:blip>
-          <a:stretch>
-            <a:fillRect/>
-          </a:stretch>
-        </p:blipFill>
-        <p:spPr>
-          <a:xfrm>
-            <a:off x="767780" y="288071"/>
-            <a:ext cx="432000" cy="432000"/>
-          </a:xfrm>
-          <a:prstGeom prst="rect">
-            <a:avLst/>
-          </a:prstGeom>
-        </p:spPr>
-      </p:pic>
-      <p:sp>
-        <p:nvSpPr>
-          <p:cNvPr id="6" name="Rechteck 5"/>
+      <p:sp>
+        <p:nvSpPr>
+          <p:cNvPr id="68" name="Rechteck 67"/>
           <p:cNvSpPr/>
           <p:nvPr/>
         </p:nvSpPr>
         <p:spPr>
-          <a:xfrm>
-            <a:off x="767780" y="720071"/>
-            <a:ext cx="432000" cy="1142007"/>
+          <a:xfrm flipH="1">
+            <a:off x="97995" y="5282551"/>
+            <a:ext cx="2232869" cy="1487293"/>
           </a:xfrm>
           <a:prstGeom prst="rect">
             <a:avLst/>
           </a:prstGeom>
           <a:solidFill>
-            <a:srgbClr val="E21A00"/>
+            <a:schemeClr val="bg2">
+              <a:lumMod val="90000"/>
+              <a:alpha val="36000"/>
+            </a:schemeClr>
           </a:solidFill>
           <a:ln>
             <a:noFill/>
@@ -14113,247 +16373,33 @@
           </a:fontRef>
         </p:style>
         <p:txBody>
-          <a:bodyPr vert="vert270" rtlCol="0" anchor="ctr"/>
+          <a:bodyPr rtlCol="0" anchor="ctr"/>
           <a:lstStyle/>
           <a:p>
             <a:pPr algn="ctr"/>
-            <a:r>
-              <a:rPr lang="de-CH" sz="2000" dirty="0" err="1" smtClean="0"/>
-              <a:t>AddIn</a:t>
-            </a:r>
-            <a:endParaRPr lang="de-CH" sz="2000" dirty="0"/>
-          </a:p>
-        </p:txBody>
-      </p:sp>
-      <p:pic>
-        <p:nvPicPr>
-          <p:cNvPr id="7" name="Grafik 6"/>
-          <p:cNvPicPr>
-            <a:picLocks noChangeAspect="1"/>
-          </p:cNvPicPr>
-          <p:nvPr/>
-        </p:nvPicPr>
-        <p:blipFill>
-          <a:blip r:embed="rId4" cstate="print">
-            <a:extLst>
-              <a:ext uri="{28A0092B-C50C-407E-A947-70E740481C1C}">
-                <a14:useLocalDpi xmlns:a14="http://schemas.microsoft.com/office/drawing/2010/main" val="0"/>
-              </a:ext>
-            </a:extLst>
-          </a:blip>
-          <a:stretch>
-            <a:fillRect/>
-          </a:stretch>
-        </p:blipFill>
-        <p:spPr>
-          <a:xfrm>
-            <a:off x="347351" y="1095746"/>
-            <a:ext cx="360000" cy="360000"/>
-          </a:xfrm>
-          <a:prstGeom prst="rect">
-            <a:avLst/>
-          </a:prstGeom>
-        </p:spPr>
-      </p:pic>
-      <p:pic>
-        <p:nvPicPr>
-          <p:cNvPr id="8" name="Grafik 7"/>
-          <p:cNvPicPr>
-            <a:picLocks noChangeAspect="1"/>
-          </p:cNvPicPr>
-          <p:nvPr/>
-        </p:nvPicPr>
-        <p:blipFill>
-          <a:blip r:embed="rId5" cstate="print">
-            <a:extLst>
-              <a:ext uri="{28A0092B-C50C-407E-A947-70E740481C1C}">
-                <a14:useLocalDpi xmlns:a14="http://schemas.microsoft.com/office/drawing/2010/main" val="0"/>
-              </a:ext>
-            </a:extLst>
-          </a:blip>
-          <a:stretch>
-            <a:fillRect/>
-          </a:stretch>
-        </p:blipFill>
-        <p:spPr>
-          <a:xfrm>
-            <a:off x="347351" y="288071"/>
-            <a:ext cx="360000" cy="360000"/>
-          </a:xfrm>
-          <a:prstGeom prst="rect">
-            <a:avLst/>
-          </a:prstGeom>
-        </p:spPr>
-      </p:pic>
-      <p:pic>
-        <p:nvPicPr>
-          <p:cNvPr id="9" name="Grafik 8"/>
-          <p:cNvPicPr>
-            <a:picLocks noChangeAspect="1"/>
-          </p:cNvPicPr>
-          <p:nvPr/>
-        </p:nvPicPr>
-        <p:blipFill>
-          <a:blip r:embed="rId6" cstate="print">
-            <a:extLst>
-              <a:ext uri="{28A0092B-C50C-407E-A947-70E740481C1C}">
-                <a14:useLocalDpi xmlns:a14="http://schemas.microsoft.com/office/drawing/2010/main" val="0"/>
-              </a:ext>
-            </a:extLst>
-          </a:blip>
-          <a:stretch>
-            <a:fillRect/>
-          </a:stretch>
-        </p:blipFill>
-        <p:spPr>
-          <a:xfrm>
-            <a:off x="347351" y="1502078"/>
-            <a:ext cx="360000" cy="360000"/>
-          </a:xfrm>
-          <a:prstGeom prst="rect">
-            <a:avLst/>
-          </a:prstGeom>
-        </p:spPr>
-      </p:pic>
-      <p:pic>
-        <p:nvPicPr>
-          <p:cNvPr id="10" name="Grafik 9"/>
-          <p:cNvPicPr>
-            <a:picLocks noChangeAspect="1"/>
-          </p:cNvPicPr>
-          <p:nvPr/>
-        </p:nvPicPr>
-        <p:blipFill>
-          <a:blip r:embed="rId7" cstate="print">
-            <a:extLst>
-              <a:ext uri="{28A0092B-C50C-407E-A947-70E740481C1C}">
-                <a14:useLocalDpi xmlns:a14="http://schemas.microsoft.com/office/drawing/2010/main" val="0"/>
-              </a:ext>
-            </a:extLst>
-          </a:blip>
-          <a:stretch>
-            <a:fillRect/>
-          </a:stretch>
-        </p:blipFill>
-        <p:spPr>
-          <a:xfrm>
-            <a:off x="347351" y="688409"/>
-            <a:ext cx="360000" cy="360000"/>
-          </a:xfrm>
-          <a:prstGeom prst="rect">
-            <a:avLst/>
-          </a:prstGeom>
-        </p:spPr>
-      </p:pic>
-      <p:pic>
-        <p:nvPicPr>
-          <p:cNvPr id="16" name="Grafik 15"/>
-          <p:cNvPicPr>
-            <a:picLocks noChangeAspect="1"/>
-          </p:cNvPicPr>
-          <p:nvPr/>
-        </p:nvPicPr>
-        <p:blipFill>
-          <a:blip r:embed="rId3">
-            <a:extLst>
-              <a:ext uri="{28A0092B-C50C-407E-A947-70E740481C1C}">
-                <a14:useLocalDpi xmlns:a14="http://schemas.microsoft.com/office/drawing/2010/main" val="0"/>
-              </a:ext>
-            </a:extLst>
-          </a:blip>
-          <a:stretch>
-            <a:fillRect/>
-          </a:stretch>
-        </p:blipFill>
-        <p:spPr>
-          <a:xfrm>
-            <a:off x="3428015" y="643935"/>
-            <a:ext cx="1100550" cy="1100550"/>
-          </a:xfrm>
-          <a:prstGeom prst="rect">
-            <a:avLst/>
-          </a:prstGeom>
-        </p:spPr>
-      </p:pic>
-      <p:pic>
-        <p:nvPicPr>
-          <p:cNvPr id="17" name="Grafik 16"/>
-          <p:cNvPicPr>
-            <a:picLocks noChangeAspect="1"/>
-          </p:cNvPicPr>
-          <p:nvPr/>
-        </p:nvPicPr>
-        <p:blipFill>
-          <a:blip r:embed="rId8" cstate="print">
-            <a:extLst>
-              <a:ext uri="{28A0092B-C50C-407E-A947-70E740481C1C}">
-                <a14:useLocalDpi xmlns:a14="http://schemas.microsoft.com/office/drawing/2010/main" val="0"/>
-              </a:ext>
-            </a:extLst>
-          </a:blip>
-          <a:stretch>
-            <a:fillRect/>
-          </a:stretch>
-        </p:blipFill>
-        <p:spPr>
-          <a:xfrm>
-            <a:off x="4287438" y="1460143"/>
-            <a:ext cx="312238" cy="312238"/>
-          </a:xfrm>
-          <a:prstGeom prst="rect">
-            <a:avLst/>
-          </a:prstGeom>
-        </p:spPr>
-      </p:pic>
-      <p:sp>
-        <p:nvSpPr>
-          <p:cNvPr id="18" name="Textfeld 17"/>
-          <p:cNvSpPr txBox="1"/>
-          <p:nvPr/>
-        </p:nvSpPr>
-        <p:spPr>
-          <a:xfrm>
-            <a:off x="4535338" y="1408513"/>
-            <a:ext cx="584200" cy="415498"/>
-          </a:xfrm>
-          <a:prstGeom prst="rect">
-            <a:avLst/>
-          </a:prstGeom>
-          <a:noFill/>
-        </p:spPr>
-        <p:txBody>
-          <a:bodyPr wrap="square" rtlCol="0">
-            <a:spAutoFit/>
-          </a:bodyPr>
-          <a:lstStyle/>
-          <a:p>
-            <a:r>
-              <a:rPr lang="de-CH" sz="1050" dirty="0" smtClean="0"/>
-              <a:t>Offline Cache</a:t>
-            </a:r>
-            <a:endParaRPr lang="de-CH" sz="1050" dirty="0"/>
-          </a:p>
-        </p:txBody>
-      </p:sp>
-      <p:sp>
-        <p:nvSpPr>
-          <p:cNvPr id="20" name="Pfeil nach links und rechts 19"/>
+            <a:endParaRPr lang="de-CH"/>
+          </a:p>
+        </p:txBody>
+      </p:sp>
+      <p:sp>
+        <p:nvSpPr>
+          <p:cNvPr id="30" name="Rechteck 29"/>
           <p:cNvSpPr/>
           <p:nvPr/>
         </p:nvSpPr>
         <p:spPr>
           <a:xfrm>
-            <a:off x="1318864" y="967781"/>
-            <a:ext cx="1898157" cy="164592"/>
-          </a:xfrm>
-          <a:prstGeom prst="leftRightArrow">
-            <a:avLst>
-              <a:gd name="adj1" fmla="val 40593"/>
-              <a:gd name="adj2" fmla="val 73519"/>
-            </a:avLst>
+            <a:off x="143750" y="148987"/>
+            <a:ext cx="8261109" cy="2136093"/>
+          </a:xfrm>
+          <a:prstGeom prst="rect">
+            <a:avLst/>
           </a:prstGeom>
           <a:solidFill>
-            <a:srgbClr val="00A864"/>
+            <a:schemeClr val="bg2">
+              <a:lumMod val="90000"/>
+              <a:alpha val="36000"/>
+            </a:schemeClr>
           </a:solidFill>
           <a:ln>
             <a:noFill/>
@@ -14380,20 +16426,20 @@
           <a:lstStyle/>
           <a:p>
             <a:pPr algn="ctr"/>
-            <a:endParaRPr lang="de-CH" dirty="0"/>
+            <a:endParaRPr lang="de-CH"/>
           </a:p>
         </p:txBody>
       </p:sp>
       <p:pic>
         <p:nvPicPr>
-          <p:cNvPr id="22" name="Grafik 21"/>
+          <p:cNvPr id="5" name="Grafik 4"/>
           <p:cNvPicPr>
             <a:picLocks noChangeAspect="1"/>
           </p:cNvPicPr>
           <p:nvPr/>
         </p:nvPicPr>
         <p:blipFill>
-          <a:blip r:embed="rId8" cstate="print">
+          <a:blip r:embed="rId3" cstate="print">
             <a:extLst>
               <a:ext uri="{28A0092B-C50C-407E-A947-70E740481C1C}">
                 <a14:useLocalDpi xmlns:a14="http://schemas.microsoft.com/office/drawing/2010/main" val="0"/>
@@ -14406,93 +16452,30 @@
         </p:blipFill>
         <p:spPr>
           <a:xfrm>
-            <a:off x="3584371" y="5404448"/>
-            <a:ext cx="573168" cy="573168"/>
+            <a:off x="767780" y="288071"/>
+            <a:ext cx="432000" cy="432000"/>
           </a:xfrm>
           <a:prstGeom prst="rect">
             <a:avLst/>
           </a:prstGeom>
         </p:spPr>
       </p:pic>
-      <p:pic>
-        <p:nvPicPr>
-          <p:cNvPr id="26" name="Grafik 25"/>
-          <p:cNvPicPr>
-            <a:picLocks noChangeAspect="1"/>
-          </p:cNvPicPr>
-          <p:nvPr/>
-        </p:nvPicPr>
-        <p:blipFill>
-          <a:blip r:embed="rId9" cstate="print">
-            <a:extLst>
-              <a:ext uri="{28A0092B-C50C-407E-A947-70E740481C1C}">
-                <a14:useLocalDpi xmlns:a14="http://schemas.microsoft.com/office/drawing/2010/main" val="0"/>
-              </a:ext>
-            </a:extLst>
-          </a:blip>
-          <a:stretch>
-            <a:fillRect/>
-          </a:stretch>
-        </p:blipFill>
-        <p:spPr>
-          <a:xfrm>
-            <a:off x="248680" y="3795392"/>
-            <a:ext cx="1015200" cy="1015200"/>
-          </a:xfrm>
-          <a:prstGeom prst="rect">
-            <a:avLst/>
-          </a:prstGeom>
-        </p:spPr>
-      </p:pic>
-      <p:pic>
-        <p:nvPicPr>
-          <p:cNvPr id="31" name="Grafik 30"/>
-          <p:cNvPicPr>
-            <a:picLocks noChangeAspect="1"/>
-          </p:cNvPicPr>
-          <p:nvPr/>
-        </p:nvPicPr>
-        <p:blipFill>
-          <a:blip r:embed="rId10" cstate="print">
-            <a:extLst>
-              <a:ext uri="{28A0092B-C50C-407E-A947-70E740481C1C}">
-                <a14:useLocalDpi xmlns:a14="http://schemas.microsoft.com/office/drawing/2010/main" val="0"/>
-              </a:ext>
-            </a:extLst>
-          </a:blip>
-          <a:stretch>
-            <a:fillRect/>
-          </a:stretch>
-        </p:blipFill>
-        <p:spPr>
-          <a:xfrm>
-            <a:off x="3450263" y="3480462"/>
-            <a:ext cx="1016183" cy="1016183"/>
-          </a:xfrm>
-          <a:prstGeom prst="rect">
-            <a:avLst/>
-          </a:prstGeom>
-        </p:spPr>
-      </p:pic>
-      <p:sp>
-        <p:nvSpPr>
-          <p:cNvPr id="32" name="Pfeil nach links und rechts 31"/>
+      <p:sp>
+        <p:nvSpPr>
+          <p:cNvPr id="6" name="Rechteck 5"/>
           <p:cNvSpPr/>
           <p:nvPr/>
         </p:nvSpPr>
         <p:spPr>
-          <a:xfrm rot="16200000">
-            <a:off x="3252465" y="2630175"/>
-            <a:ext cx="1236980" cy="167630"/>
-          </a:xfrm>
-          <a:prstGeom prst="leftRightArrow">
-            <a:avLst>
-              <a:gd name="adj1" fmla="val 40593"/>
-              <a:gd name="adj2" fmla="val 73519"/>
-            </a:avLst>
+          <a:xfrm>
+            <a:off x="767780" y="720071"/>
+            <a:ext cx="432000" cy="1142007"/>
+          </a:xfrm>
+          <a:prstGeom prst="rect">
+            <a:avLst/>
           </a:prstGeom>
           <a:solidFill>
-            <a:srgbClr val="00A864"/>
+            <a:srgbClr val="E21A00"/>
           </a:solidFill>
           <a:ln>
             <a:noFill/>
@@ -14515,63 +16498,288 @@
           </a:fontRef>
         </p:style>
         <p:txBody>
-          <a:bodyPr rtlCol="0" anchor="ctr"/>
+          <a:bodyPr vert="vert270" rtlCol="0" anchor="ctr"/>
           <a:lstStyle/>
           <a:p>
             <a:pPr algn="ctr"/>
-            <a:endParaRPr lang="de-CH"/>
-          </a:p>
-        </p:txBody>
-      </p:sp>
-      <p:sp>
-        <p:nvSpPr>
-          <p:cNvPr id="36" name="Pfeil nach links 35"/>
-          <p:cNvSpPr/>
-          <p:nvPr/>
-        </p:nvSpPr>
-        <p:spPr>
-          <a:xfrm>
-            <a:off x="1318863" y="417213"/>
-            <a:ext cx="8096887" cy="168045"/>
-          </a:xfrm>
-          <a:prstGeom prst="leftArrow">
-            <a:avLst>
-              <a:gd name="adj1" fmla="val 37260"/>
-              <a:gd name="adj2" fmla="val 79727"/>
-            </a:avLst>
-          </a:prstGeom>
-          <a:solidFill>
-            <a:srgbClr val="00A864"/>
-          </a:solidFill>
-          <a:ln>
-            <a:noFill/>
-          </a:ln>
-        </p:spPr>
-        <p:style>
-          <a:lnRef idx="2">
-            <a:schemeClr val="accent1">
-              <a:shade val="50000"/>
-            </a:schemeClr>
-          </a:lnRef>
-          <a:fillRef idx="1">
-            <a:schemeClr val="accent1"/>
-          </a:fillRef>
-          <a:effectRef idx="0">
-            <a:schemeClr val="accent1"/>
-          </a:effectRef>
-          <a:fontRef idx="minor">
-            <a:schemeClr val="lt1"/>
-          </a:fontRef>
-        </p:style>
-        <p:txBody>
-          <a:bodyPr rtlCol="0" anchor="ctr"/>
-          <a:lstStyle/>
-          <a:p>
-            <a:pPr algn="ctr"/>
-            <a:endParaRPr lang="de-CH"/>
-          </a:p>
-        </p:txBody>
-      </p:sp>
+            <a:r>
+              <a:rPr lang="de-CH" sz="2000" dirty="0" err="1" smtClean="0"/>
+              <a:t>AddIn</a:t>
+            </a:r>
+            <a:endParaRPr lang="de-CH" sz="2000" dirty="0"/>
+          </a:p>
+        </p:txBody>
+      </p:sp>
+      <p:pic>
+        <p:nvPicPr>
+          <p:cNvPr id="7" name="Grafik 6"/>
+          <p:cNvPicPr>
+            <a:picLocks noChangeAspect="1"/>
+          </p:cNvPicPr>
+          <p:nvPr/>
+        </p:nvPicPr>
+        <p:blipFill>
+          <a:blip r:embed="rId4" cstate="print">
+            <a:extLst>
+              <a:ext uri="{28A0092B-C50C-407E-A947-70E740481C1C}">
+                <a14:useLocalDpi xmlns:a14="http://schemas.microsoft.com/office/drawing/2010/main" val="0"/>
+              </a:ext>
+            </a:extLst>
+          </a:blip>
+          <a:stretch>
+            <a:fillRect/>
+          </a:stretch>
+        </p:blipFill>
+        <p:spPr>
+          <a:xfrm>
+            <a:off x="347351" y="1095746"/>
+            <a:ext cx="360000" cy="360000"/>
+          </a:xfrm>
+          <a:prstGeom prst="rect">
+            <a:avLst/>
+          </a:prstGeom>
+        </p:spPr>
+      </p:pic>
+      <p:pic>
+        <p:nvPicPr>
+          <p:cNvPr id="8" name="Grafik 7"/>
+          <p:cNvPicPr>
+            <a:picLocks noChangeAspect="1"/>
+          </p:cNvPicPr>
+          <p:nvPr/>
+        </p:nvPicPr>
+        <p:blipFill>
+          <a:blip r:embed="rId5" cstate="print">
+            <a:extLst>
+              <a:ext uri="{28A0092B-C50C-407E-A947-70E740481C1C}">
+                <a14:useLocalDpi xmlns:a14="http://schemas.microsoft.com/office/drawing/2010/main" val="0"/>
+              </a:ext>
+            </a:extLst>
+          </a:blip>
+          <a:stretch>
+            <a:fillRect/>
+          </a:stretch>
+        </p:blipFill>
+        <p:spPr>
+          <a:xfrm>
+            <a:off x="347351" y="288071"/>
+            <a:ext cx="360000" cy="360000"/>
+          </a:xfrm>
+          <a:prstGeom prst="rect">
+            <a:avLst/>
+          </a:prstGeom>
+        </p:spPr>
+      </p:pic>
+      <p:pic>
+        <p:nvPicPr>
+          <p:cNvPr id="9" name="Grafik 8"/>
+          <p:cNvPicPr>
+            <a:picLocks noChangeAspect="1"/>
+          </p:cNvPicPr>
+          <p:nvPr/>
+        </p:nvPicPr>
+        <p:blipFill>
+          <a:blip r:embed="rId6" cstate="print">
+            <a:extLst>
+              <a:ext uri="{28A0092B-C50C-407E-A947-70E740481C1C}">
+                <a14:useLocalDpi xmlns:a14="http://schemas.microsoft.com/office/drawing/2010/main" val="0"/>
+              </a:ext>
+            </a:extLst>
+          </a:blip>
+          <a:stretch>
+            <a:fillRect/>
+          </a:stretch>
+        </p:blipFill>
+        <p:spPr>
+          <a:xfrm>
+            <a:off x="347351" y="1502078"/>
+            <a:ext cx="360000" cy="360000"/>
+          </a:xfrm>
+          <a:prstGeom prst="rect">
+            <a:avLst/>
+          </a:prstGeom>
+        </p:spPr>
+      </p:pic>
+      <p:pic>
+        <p:nvPicPr>
+          <p:cNvPr id="10" name="Grafik 9"/>
+          <p:cNvPicPr>
+            <a:picLocks noChangeAspect="1"/>
+          </p:cNvPicPr>
+          <p:nvPr/>
+        </p:nvPicPr>
+        <p:blipFill>
+          <a:blip r:embed="rId7" cstate="print">
+            <a:extLst>
+              <a:ext uri="{28A0092B-C50C-407E-A947-70E740481C1C}">
+                <a14:useLocalDpi xmlns:a14="http://schemas.microsoft.com/office/drawing/2010/main" val="0"/>
+              </a:ext>
+            </a:extLst>
+          </a:blip>
+          <a:stretch>
+            <a:fillRect/>
+          </a:stretch>
+        </p:blipFill>
+        <p:spPr>
+          <a:xfrm>
+            <a:off x="347351" y="688409"/>
+            <a:ext cx="360000" cy="360000"/>
+          </a:xfrm>
+          <a:prstGeom prst="rect">
+            <a:avLst/>
+          </a:prstGeom>
+        </p:spPr>
+      </p:pic>
+      <p:pic>
+        <p:nvPicPr>
+          <p:cNvPr id="16" name="Grafik 15"/>
+          <p:cNvPicPr>
+            <a:picLocks noChangeAspect="1"/>
+          </p:cNvPicPr>
+          <p:nvPr/>
+        </p:nvPicPr>
+        <p:blipFill>
+          <a:blip r:embed="rId3">
+            <a:extLst>
+              <a:ext uri="{28A0092B-C50C-407E-A947-70E740481C1C}">
+                <a14:useLocalDpi xmlns:a14="http://schemas.microsoft.com/office/drawing/2010/main" val="0"/>
+              </a:ext>
+            </a:extLst>
+          </a:blip>
+          <a:stretch>
+            <a:fillRect/>
+          </a:stretch>
+        </p:blipFill>
+        <p:spPr>
+          <a:xfrm>
+            <a:off x="3428015" y="643935"/>
+            <a:ext cx="1100550" cy="1100550"/>
+          </a:xfrm>
+          <a:prstGeom prst="rect">
+            <a:avLst/>
+          </a:prstGeom>
+        </p:spPr>
+      </p:pic>
+      <p:pic>
+        <p:nvPicPr>
+          <p:cNvPr id="17" name="Grafik 16"/>
+          <p:cNvPicPr>
+            <a:picLocks noChangeAspect="1"/>
+          </p:cNvPicPr>
+          <p:nvPr/>
+        </p:nvPicPr>
+        <p:blipFill>
+          <a:blip r:embed="rId8" cstate="print">
+            <a:extLst>
+              <a:ext uri="{28A0092B-C50C-407E-A947-70E740481C1C}">
+                <a14:useLocalDpi xmlns:a14="http://schemas.microsoft.com/office/drawing/2010/main" val="0"/>
+              </a:ext>
+            </a:extLst>
+          </a:blip>
+          <a:stretch>
+            <a:fillRect/>
+          </a:stretch>
+        </p:blipFill>
+        <p:spPr>
+          <a:xfrm>
+            <a:off x="4545197" y="675088"/>
+            <a:ext cx="312238" cy="312238"/>
+          </a:xfrm>
+          <a:prstGeom prst="rect">
+            <a:avLst/>
+          </a:prstGeom>
+        </p:spPr>
+      </p:pic>
+      <p:pic>
+        <p:nvPicPr>
+          <p:cNvPr id="22" name="Grafik 21"/>
+          <p:cNvPicPr>
+            <a:picLocks noChangeAspect="1"/>
+          </p:cNvPicPr>
+          <p:nvPr/>
+        </p:nvPicPr>
+        <p:blipFill>
+          <a:blip r:embed="rId8" cstate="print">
+            <a:extLst>
+              <a:ext uri="{28A0092B-C50C-407E-A947-70E740481C1C}">
+                <a14:useLocalDpi xmlns:a14="http://schemas.microsoft.com/office/drawing/2010/main" val="0"/>
+              </a:ext>
+            </a:extLst>
+          </a:blip>
+          <a:stretch>
+            <a:fillRect/>
+          </a:stretch>
+        </p:blipFill>
+        <p:spPr>
+          <a:xfrm>
+            <a:off x="5289533" y="5386809"/>
+            <a:ext cx="573168" cy="573168"/>
+          </a:xfrm>
+          <a:prstGeom prst="rect">
+            <a:avLst/>
+          </a:prstGeom>
+        </p:spPr>
+      </p:pic>
+      <p:pic>
+        <p:nvPicPr>
+          <p:cNvPr id="26" name="Grafik 25"/>
+          <p:cNvPicPr>
+            <a:picLocks noChangeAspect="1"/>
+          </p:cNvPicPr>
+          <p:nvPr/>
+        </p:nvPicPr>
+        <p:blipFill>
+          <a:blip r:embed="rId9" cstate="print">
+            <a:extLst>
+              <a:ext uri="{28A0092B-C50C-407E-A947-70E740481C1C}">
+                <a14:useLocalDpi xmlns:a14="http://schemas.microsoft.com/office/drawing/2010/main" val="0"/>
+              </a:ext>
+            </a:extLst>
+          </a:blip>
+          <a:stretch>
+            <a:fillRect/>
+          </a:stretch>
+        </p:blipFill>
+        <p:spPr>
+          <a:xfrm>
+            <a:off x="279064" y="5541125"/>
+            <a:ext cx="499499" cy="499499"/>
+          </a:xfrm>
+          <a:prstGeom prst="rect">
+            <a:avLst/>
+          </a:prstGeom>
+        </p:spPr>
+      </p:pic>
+      <p:pic>
+        <p:nvPicPr>
+          <p:cNvPr id="31" name="Grafik 30"/>
+          <p:cNvPicPr>
+            <a:picLocks noChangeAspect="1"/>
+          </p:cNvPicPr>
+          <p:nvPr/>
+        </p:nvPicPr>
+        <p:blipFill>
+          <a:blip r:embed="rId10" cstate="print">
+            <a:extLst>
+              <a:ext uri="{28A0092B-C50C-407E-A947-70E740481C1C}">
+                <a14:useLocalDpi xmlns:a14="http://schemas.microsoft.com/office/drawing/2010/main" val="0"/>
+              </a:ext>
+            </a:extLst>
+          </a:blip>
+          <a:stretch>
+            <a:fillRect/>
+          </a:stretch>
+        </p:blipFill>
+        <p:spPr>
+          <a:xfrm>
+            <a:off x="3450263" y="3480462"/>
+            <a:ext cx="1016183" cy="1016183"/>
+          </a:xfrm>
+          <a:prstGeom prst="rect">
+            <a:avLst/>
+          </a:prstGeom>
+        </p:spPr>
+      </p:pic>
       <p:sp>
         <p:nvSpPr>
           <p:cNvPr id="40" name="Textfeld 39"/>
@@ -14605,62 +16813,13 @@
       </p:sp>
       <p:sp>
         <p:nvSpPr>
-          <p:cNvPr id="42" name="Pfeil nach links und rechts 41"/>
-          <p:cNvSpPr/>
-          <p:nvPr/>
-        </p:nvSpPr>
-        <p:spPr>
-          <a:xfrm>
-            <a:off x="7922809" y="5909826"/>
-            <a:ext cx="1492942" cy="164592"/>
-          </a:xfrm>
-          <a:prstGeom prst="leftRightArrow">
-            <a:avLst>
-              <a:gd name="adj1" fmla="val 40593"/>
-              <a:gd name="adj2" fmla="val 73519"/>
-            </a:avLst>
-          </a:prstGeom>
-          <a:solidFill>
-            <a:srgbClr val="00A864"/>
-          </a:solidFill>
-          <a:ln>
-            <a:noFill/>
-          </a:ln>
-        </p:spPr>
-        <p:style>
-          <a:lnRef idx="2">
-            <a:schemeClr val="accent1">
-              <a:shade val="50000"/>
-            </a:schemeClr>
-          </a:lnRef>
-          <a:fillRef idx="1">
-            <a:schemeClr val="accent1"/>
-          </a:fillRef>
-          <a:effectRef idx="0">
-            <a:schemeClr val="accent1"/>
-          </a:effectRef>
-          <a:fontRef idx="minor">
-            <a:schemeClr val="lt1"/>
-          </a:fontRef>
-        </p:style>
-        <p:txBody>
-          <a:bodyPr rtlCol="0" anchor="ctr"/>
-          <a:lstStyle/>
-          <a:p>
-            <a:pPr algn="ctr"/>
-            <a:endParaRPr lang="de-CH" dirty="0"/>
-          </a:p>
-        </p:txBody>
-      </p:sp>
-      <p:sp>
-        <p:nvSpPr>
           <p:cNvPr id="43" name="Textfeld 42"/>
           <p:cNvSpPr txBox="1"/>
           <p:nvPr/>
         </p:nvSpPr>
         <p:spPr>
           <a:xfrm>
-            <a:off x="5834557" y="5972791"/>
+            <a:off x="6383197" y="5972791"/>
             <a:ext cx="1234440" cy="369332"/>
           </a:xfrm>
           <a:prstGeom prst="rect">
@@ -14676,8 +16835,8 @@
           <a:p>
             <a:pPr algn="ctr"/>
             <a:r>
-              <a:rPr lang="de-CH" dirty="0" smtClean="0"/>
-              <a:t>Web</a:t>
+              <a:rPr lang="de-CH" dirty="0" err="1" smtClean="0"/>
+              <a:t>WebApp</a:t>
             </a:r>
             <a:endParaRPr lang="de-CH" dirty="0"/>
           </a:p>
@@ -14691,7 +16850,7 @@
         </p:nvSpPr>
         <p:spPr>
           <a:xfrm>
-            <a:off x="3334904" y="6018957"/>
+            <a:off x="5033329" y="5986520"/>
             <a:ext cx="1212799" cy="646331"/>
           </a:xfrm>
           <a:prstGeom prst="rect">
@@ -14729,7 +16888,7 @@
         </p:nvSpPr>
         <p:spPr>
           <a:xfrm>
-            <a:off x="6571414" y="5974600"/>
+            <a:off x="7120054" y="5974600"/>
             <a:ext cx="1234440" cy="369332"/>
           </a:xfrm>
           <a:prstGeom prst="rect">
@@ -14749,37 +16908,6 @@
               <a:t>Admin</a:t>
             </a:r>
             <a:endParaRPr lang="de-CH" dirty="0"/>
-          </a:p>
-        </p:txBody>
-      </p:sp>
-      <p:sp>
-        <p:nvSpPr>
-          <p:cNvPr id="54" name="Textfeld 53"/>
-          <p:cNvSpPr txBox="1"/>
-          <p:nvPr/>
-        </p:nvSpPr>
-        <p:spPr>
-          <a:xfrm>
-            <a:off x="1921394" y="1217033"/>
-            <a:ext cx="858929" cy="338554"/>
-          </a:xfrm>
-          <a:prstGeom prst="rect">
-            <a:avLst/>
-          </a:prstGeom>
-          <a:noFill/>
-        </p:spPr>
-        <p:txBody>
-          <a:bodyPr wrap="square" rtlCol="0">
-            <a:spAutoFit/>
-          </a:bodyPr>
-          <a:lstStyle/>
-          <a:p>
-            <a:pPr algn="ctr"/>
-            <a:r>
-              <a:rPr lang="de-CH" sz="1600" dirty="0" smtClean="0"/>
-              <a:t>NP</a:t>
-            </a:r>
-            <a:endParaRPr lang="de-CH" sz="1400" dirty="0"/>
           </a:p>
         </p:txBody>
       </p:sp>
@@ -14866,8 +16994,8 @@
         </p:nvSpPr>
         <p:spPr>
           <a:xfrm>
-            <a:off x="1748990" y="6414678"/>
-            <a:ext cx="1844152" cy="369332"/>
+            <a:off x="2763967" y="6392557"/>
+            <a:ext cx="2624021" cy="369332"/>
           </a:xfrm>
           <a:prstGeom prst="rect">
             <a:avLst/>
@@ -14889,7 +17017,7 @@
           <a:p>
             <a:r>
               <a:rPr lang="de-CH" sz="1800" dirty="0" smtClean="0"/>
-              <a:t>Windows Server</a:t>
+              <a:t>OneOffixx Server Apps</a:t>
             </a:r>
             <a:endParaRPr lang="de-CH" sz="1800" dirty="0"/>
           </a:p>
@@ -14917,7 +17045,7 @@
         </p:blipFill>
         <p:spPr>
           <a:xfrm>
-            <a:off x="6224452" y="5470287"/>
+            <a:off x="6773092" y="5470287"/>
             <a:ext cx="489774" cy="489774"/>
           </a:xfrm>
           <a:prstGeom prst="rect">
@@ -14947,7 +17075,7 @@
         </p:blipFill>
         <p:spPr>
           <a:xfrm>
-            <a:off x="6948961" y="5502800"/>
+            <a:off x="7497601" y="5502800"/>
             <a:ext cx="424748" cy="424748"/>
           </a:xfrm>
           <a:prstGeom prst="rect">
@@ -14963,8 +17091,8 @@
         </p:nvSpPr>
         <p:spPr>
           <a:xfrm>
-            <a:off x="5229706" y="4515163"/>
-            <a:ext cx="2824025" cy="369332"/>
+            <a:off x="6185081" y="4515163"/>
+            <a:ext cx="2042615" cy="646331"/>
           </a:xfrm>
           <a:prstGeom prst="rect">
             <a:avLst/>
@@ -14990,9 +17118,13 @@
               <a:rPr lang="de-CH" dirty="0" err="1" smtClean="0"/>
               <a:t>Creation</a:t>
             </a:r>
+            <a:endParaRPr lang="de-CH" dirty="0"/>
+          </a:p>
+          <a:p>
+            <a:pPr algn="ctr"/>
             <a:r>
               <a:rPr lang="de-CH" dirty="0" smtClean="0"/>
-              <a:t> Server</a:t>
+              <a:t>Server</a:t>
             </a:r>
             <a:endParaRPr lang="de-CH" dirty="0"/>
           </a:p>
@@ -15006,8 +17138,8 @@
         </p:nvSpPr>
         <p:spPr>
           <a:xfrm>
-            <a:off x="154672" y="6392844"/>
-            <a:ext cx="733006" cy="369332"/>
+            <a:off x="69851" y="6417031"/>
+            <a:ext cx="2122669" cy="369332"/>
           </a:xfrm>
           <a:prstGeom prst="rect">
             <a:avLst/>
@@ -15028,8 +17160,20 @@
           </a:lstStyle>
           <a:p>
             <a:r>
+              <a:rPr lang="de-CH" sz="1800" dirty="0" smtClean="0"/>
+              <a:t>User </a:t>
+            </a:r>
+            <a:r>
               <a:rPr lang="de-CH" sz="1800" dirty="0" err="1" smtClean="0"/>
-              <a:t>Auth</a:t>
+              <a:t>Sync</a:t>
+            </a:r>
+            <a:r>
+              <a:rPr lang="de-CH" sz="1800" dirty="0" smtClean="0"/>
+              <a:t> </a:t>
+            </a:r>
+            <a:r>
+              <a:rPr lang="de-CH" sz="1800" dirty="0" err="1" smtClean="0"/>
+              <a:t>Sources</a:t>
             </a:r>
             <a:endParaRPr lang="de-CH" sz="1800" dirty="0"/>
           </a:p>
@@ -15043,8 +17187,8 @@
         </p:nvSpPr>
         <p:spPr>
           <a:xfrm>
-            <a:off x="154672" y="4970019"/>
-            <a:ext cx="1059483" cy="646331"/>
+            <a:off x="-47825" y="6085391"/>
+            <a:ext cx="1059483" cy="338554"/>
           </a:xfrm>
           <a:prstGeom prst="rect">
             <a:avLst/>
@@ -15059,12 +17203,8 @@
           <a:p>
             <a:pPr algn="ctr"/>
             <a:r>
-              <a:rPr lang="de-CH" dirty="0" err="1" smtClean="0"/>
-              <a:t>Active</a:t>
-            </a:r>
-            <a:r>
-              <a:rPr lang="de-CH" dirty="0" smtClean="0"/>
-              <a:t> Directory</a:t>
+              <a:rPr lang="de-CH" sz="1600" dirty="0" smtClean="0"/>
+              <a:t>AD</a:t>
             </a:r>
             <a:endParaRPr lang="de-CH" dirty="0"/>
           </a:p>
@@ -15072,14 +17212,14 @@
       </p:sp>
       <p:sp>
         <p:nvSpPr>
-          <p:cNvPr id="76" name="Textfeld 75"/>
+          <p:cNvPr id="81" name="Textfeld 80"/>
           <p:cNvSpPr txBox="1"/>
           <p:nvPr/>
         </p:nvSpPr>
         <p:spPr>
           <a:xfrm>
-            <a:off x="3990759" y="2375449"/>
-            <a:ext cx="1459369" cy="338554"/>
+            <a:off x="2117784" y="5873125"/>
+            <a:ext cx="837263" cy="830997"/>
           </a:xfrm>
           <a:prstGeom prst="rect">
             <a:avLst/>
@@ -15092,91 +17232,12 @@
           </a:bodyPr>
           <a:lstStyle/>
           <a:p>
+            <a:pPr algn="ctr"/>
             <a:r>
               <a:rPr lang="de-CH" sz="1600" dirty="0" smtClean="0"/>
-              <a:t>WS</a:t>
-            </a:r>
-            <a:endParaRPr lang="de-CH" dirty="0"/>
-          </a:p>
-        </p:txBody>
-      </p:sp>
-      <p:sp>
-        <p:nvSpPr>
-          <p:cNvPr id="81" name="Textfeld 80"/>
-          <p:cNvSpPr txBox="1"/>
-          <p:nvPr/>
-        </p:nvSpPr>
-        <p:spPr>
-          <a:xfrm>
-            <a:off x="1926705" y="4756191"/>
-            <a:ext cx="837263" cy="338554"/>
-          </a:xfrm>
-          <a:prstGeom prst="rect">
-            <a:avLst/>
-          </a:prstGeom>
-          <a:noFill/>
-        </p:spPr>
-        <p:txBody>
-          <a:bodyPr wrap="square" rtlCol="0">
-            <a:spAutoFit/>
-          </a:bodyPr>
-          <a:lstStyle/>
-          <a:p>
-            <a:pPr algn="ctr"/>
-            <a:r>
-              <a:rPr lang="de-CH" sz="1600" dirty="0" smtClean="0"/>
-              <a:t>LDAP</a:t>
-            </a:r>
-            <a:endParaRPr lang="de-CH" sz="1400" dirty="0"/>
-          </a:p>
-        </p:txBody>
-      </p:sp>
-      <p:sp>
-        <p:nvSpPr>
-          <p:cNvPr id="83" name="Pfeil nach links 82"/>
-          <p:cNvSpPr/>
-          <p:nvPr/>
-        </p:nvSpPr>
-        <p:spPr>
-          <a:xfrm>
-            <a:off x="1299872" y="4524302"/>
-            <a:ext cx="1913932" cy="164592"/>
-          </a:xfrm>
-          <a:prstGeom prst="leftArrow">
-            <a:avLst>
-              <a:gd name="adj1" fmla="val 37260"/>
-              <a:gd name="adj2" fmla="val 79727"/>
-            </a:avLst>
-          </a:prstGeom>
-          <a:solidFill>
-            <a:srgbClr val="00A864"/>
-          </a:solidFill>
-          <a:ln>
-            <a:noFill/>
-          </a:ln>
-        </p:spPr>
-        <p:style>
-          <a:lnRef idx="2">
-            <a:schemeClr val="accent1">
-              <a:shade val="50000"/>
-            </a:schemeClr>
-          </a:lnRef>
-          <a:fillRef idx="1">
-            <a:schemeClr val="accent1"/>
-          </a:fillRef>
-          <a:effectRef idx="0">
-            <a:schemeClr val="accent1"/>
-          </a:effectRef>
-          <a:fontRef idx="minor">
-            <a:schemeClr val="lt1"/>
-          </a:fontRef>
-        </p:style>
-        <p:txBody>
-          <a:bodyPr rtlCol="0" anchor="ctr"/>
-          <a:lstStyle/>
-          <a:p>
-            <a:pPr algn="ctr"/>
-            <a:endParaRPr lang="de-CH"/>
+              <a:t>LDAP / SQL / HTTP</a:t>
+            </a:r>
+            <a:endParaRPr lang="de-CH" sz="1600" dirty="0"/>
           </a:p>
         </p:txBody>
       </p:sp>
@@ -15442,62 +17503,13 @@
       </p:sp>
       <p:sp>
         <p:nvSpPr>
-          <p:cNvPr id="55" name="Pfeil nach links 54"/>
-          <p:cNvSpPr/>
-          <p:nvPr/>
-        </p:nvSpPr>
-        <p:spPr>
-          <a:xfrm>
-            <a:off x="5387989" y="945063"/>
-            <a:ext cx="4027762" cy="164592"/>
-          </a:xfrm>
-          <a:prstGeom prst="leftArrow">
-            <a:avLst>
-              <a:gd name="adj1" fmla="val 37260"/>
-              <a:gd name="adj2" fmla="val 79727"/>
-            </a:avLst>
-          </a:prstGeom>
-          <a:solidFill>
-            <a:srgbClr val="00A864"/>
-          </a:solidFill>
-          <a:ln>
-            <a:noFill/>
-          </a:ln>
-        </p:spPr>
-        <p:style>
-          <a:lnRef idx="2">
-            <a:schemeClr val="accent1">
-              <a:shade val="50000"/>
-            </a:schemeClr>
-          </a:lnRef>
-          <a:fillRef idx="1">
-            <a:schemeClr val="accent1"/>
-          </a:fillRef>
-          <a:effectRef idx="0">
-            <a:schemeClr val="accent1"/>
-          </a:effectRef>
-          <a:fontRef idx="minor">
-            <a:schemeClr val="lt1"/>
-          </a:fontRef>
-        </p:style>
-        <p:txBody>
-          <a:bodyPr rtlCol="0" anchor="ctr"/>
-          <a:lstStyle/>
-          <a:p>
-            <a:pPr algn="ctr"/>
-            <a:endParaRPr lang="de-CH"/>
-          </a:p>
-        </p:txBody>
-      </p:sp>
-      <p:sp>
-        <p:nvSpPr>
           <p:cNvPr id="56" name="Textfeld 55"/>
           <p:cNvSpPr txBox="1"/>
           <p:nvPr/>
         </p:nvSpPr>
         <p:spPr>
           <a:xfrm>
-            <a:off x="5612005" y="1436598"/>
+            <a:off x="5737371" y="646492"/>
             <a:ext cx="3138356" cy="338554"/>
           </a:xfrm>
           <a:prstGeom prst="rect">
@@ -15509,102 +17521,19 @@
           <a:bodyPr wrap="square" rtlCol="0">
             <a:spAutoFit/>
           </a:bodyPr>
-          <a:lstStyle/>
-          <a:p>
-            <a:pPr algn="ctr"/>
-            <a:r>
-              <a:rPr lang="de-CH" sz="1600" b="1" dirty="0" smtClean="0"/>
+          <a:lstStyle>
+            <a:defPPr>
+              <a:defRPr lang="en-US"/>
+            </a:defPPr>
+            <a:lvl1pPr algn="ctr">
+              <a:defRPr sz="1600"/>
+            </a:lvl1pPr>
+          </a:lstStyle>
+          <a:p>
+            <a:r>
+              <a:rPr lang="de-CH" dirty="0"/>
               <a:t>&lt;Connect /&gt;</a:t>
             </a:r>
-            <a:endParaRPr lang="de-CH" sz="1600" b="1" dirty="0"/>
-          </a:p>
-        </p:txBody>
-      </p:sp>
-      <p:sp>
-        <p:nvSpPr>
-          <p:cNvPr id="57" name="Pfeil nach links und rechts 56"/>
-          <p:cNvSpPr/>
-          <p:nvPr/>
-        </p:nvSpPr>
-        <p:spPr>
-          <a:xfrm>
-            <a:off x="5387989" y="1271885"/>
-            <a:ext cx="4027762" cy="164592"/>
-          </a:xfrm>
-          <a:prstGeom prst="leftRightArrow">
-            <a:avLst>
-              <a:gd name="adj1" fmla="val 40593"/>
-              <a:gd name="adj2" fmla="val 73519"/>
-            </a:avLst>
-          </a:prstGeom>
-          <a:solidFill>
-            <a:srgbClr val="E21A00"/>
-          </a:solidFill>
-          <a:ln>
-            <a:noFill/>
-          </a:ln>
-        </p:spPr>
-        <p:style>
-          <a:lnRef idx="2">
-            <a:schemeClr val="accent1">
-              <a:shade val="50000"/>
-            </a:schemeClr>
-          </a:lnRef>
-          <a:fillRef idx="1">
-            <a:schemeClr val="accent1"/>
-          </a:fillRef>
-          <a:effectRef idx="0">
-            <a:schemeClr val="accent1"/>
-          </a:effectRef>
-          <a:fontRef idx="minor">
-            <a:schemeClr val="lt1"/>
-          </a:fontRef>
-        </p:style>
-        <p:txBody>
-          <a:bodyPr rtlCol="0" anchor="ctr"/>
-          <a:lstStyle/>
-          <a:p>
-            <a:pPr algn="ctr"/>
-            <a:endParaRPr lang="de-CH" dirty="0"/>
-          </a:p>
-        </p:txBody>
-      </p:sp>
-      <p:sp>
-        <p:nvSpPr>
-          <p:cNvPr id="58" name="Textfeld 57"/>
-          <p:cNvSpPr txBox="1"/>
-          <p:nvPr/>
-        </p:nvSpPr>
-        <p:spPr>
-          <a:xfrm>
-            <a:off x="5878116" y="593297"/>
-            <a:ext cx="2705115" cy="338554"/>
-          </a:xfrm>
-          <a:prstGeom prst="rect">
-            <a:avLst/>
-          </a:prstGeom>
-          <a:noFill/>
-        </p:spPr>
-        <p:txBody>
-          <a:bodyPr wrap="square" rtlCol="0">
-            <a:spAutoFit/>
-          </a:bodyPr>
-          <a:lstStyle/>
-          <a:p>
-            <a:pPr algn="ctr"/>
-            <a:r>
-              <a:rPr lang="de-CH" sz="1600" dirty="0" smtClean="0"/>
-              <a:t>WS/WML/Protocol/</a:t>
-            </a:r>
-            <a:r>
-              <a:rPr lang="de-CH" sz="1600" dirty="0" err="1"/>
-              <a:t>I</a:t>
-            </a:r>
-            <a:r>
-              <a:rPr lang="de-CH" sz="1600" dirty="0" err="1" smtClean="0"/>
-              <a:t>nProc</a:t>
-            </a:r>
-            <a:endParaRPr lang="de-CH" sz="1600" dirty="0"/>
           </a:p>
         </p:txBody>
       </p:sp>
@@ -15630,7 +17559,7 @@
         </p:blipFill>
         <p:spPr>
           <a:xfrm>
-            <a:off x="6289843" y="3465804"/>
+            <a:off x="6838483" y="3465804"/>
             <a:ext cx="1032356" cy="1016183"/>
           </a:xfrm>
           <a:prstGeom prst="rect">
@@ -15658,63 +17587,19 @@
           <a:bodyPr wrap="square" rtlCol="0">
             <a:spAutoFit/>
           </a:bodyPr>
-          <a:lstStyle/>
-          <a:p>
-            <a:pPr algn="ctr"/>
-            <a:r>
-              <a:rPr lang="de-CH" sz="1600" b="1" dirty="0" smtClean="0"/>
+          <a:lstStyle>
+            <a:defPPr>
+              <a:defRPr lang="en-US"/>
+            </a:defPPr>
+            <a:lvl1pPr algn="ctr">
+              <a:defRPr sz="1600"/>
+            </a:lvl1pPr>
+          </a:lstStyle>
+          <a:p>
+            <a:r>
+              <a:rPr lang="de-CH" dirty="0"/>
               <a:t>&lt;Connect /&gt;</a:t>
             </a:r>
-            <a:endParaRPr lang="de-CH" sz="1600" b="1" dirty="0"/>
-          </a:p>
-        </p:txBody>
-      </p:sp>
-      <p:sp>
-        <p:nvSpPr>
-          <p:cNvPr id="77" name="Pfeil nach links und rechts 76"/>
-          <p:cNvSpPr/>
-          <p:nvPr/>
-        </p:nvSpPr>
-        <p:spPr>
-          <a:xfrm>
-            <a:off x="7822410" y="3649358"/>
-            <a:ext cx="1593341" cy="164592"/>
-          </a:xfrm>
-          <a:prstGeom prst="leftRightArrow">
-            <a:avLst>
-              <a:gd name="adj1" fmla="val 40593"/>
-              <a:gd name="adj2" fmla="val 73519"/>
-            </a:avLst>
-          </a:prstGeom>
-          <a:solidFill>
-            <a:srgbClr val="E21A00"/>
-          </a:solidFill>
-          <a:ln>
-            <a:noFill/>
-          </a:ln>
-        </p:spPr>
-        <p:style>
-          <a:lnRef idx="2">
-            <a:schemeClr val="accent1">
-              <a:shade val="50000"/>
-            </a:schemeClr>
-          </a:lnRef>
-          <a:fillRef idx="1">
-            <a:schemeClr val="accent1"/>
-          </a:fillRef>
-          <a:effectRef idx="0">
-            <a:schemeClr val="accent1"/>
-          </a:effectRef>
-          <a:fontRef idx="minor">
-            <a:schemeClr val="lt1"/>
-          </a:fontRef>
-        </p:style>
-        <p:txBody>
-          <a:bodyPr rtlCol="0" anchor="ctr"/>
-          <a:lstStyle/>
-          <a:p>
-            <a:pPr algn="ctr"/>
-            <a:endParaRPr lang="de-CH" dirty="0"/>
           </a:p>
         </p:txBody>
       </p:sp>
@@ -15782,7 +17667,7 @@
         </p:blipFill>
         <p:spPr>
           <a:xfrm>
-            <a:off x="4134591" y="3467011"/>
+            <a:off x="4158683" y="3436401"/>
             <a:ext cx="351527" cy="333696"/>
           </a:xfrm>
           <a:prstGeom prst="rect">
@@ -15806,7 +17691,7 @@
         </p:blipFill>
         <p:spPr>
           <a:xfrm>
-            <a:off x="6976970" y="3467675"/>
+            <a:off x="7525610" y="3467675"/>
             <a:ext cx="345229" cy="327717"/>
           </a:xfrm>
           <a:prstGeom prst="rect">
@@ -15830,7 +17715,7 @@
         </p:blipFill>
         <p:spPr>
           <a:xfrm>
-            <a:off x="6602459" y="6353378"/>
+            <a:off x="7151099" y="6353378"/>
             <a:ext cx="345229" cy="327717"/>
           </a:xfrm>
           <a:prstGeom prst="rect">
@@ -15869,10 +17754,1218 @@
           </a:p>
         </p:txBody>
       </p:sp>
+      <p:pic>
+        <p:nvPicPr>
+          <p:cNvPr id="2" name="Grafik 1"/>
+          <p:cNvPicPr>
+            <a:picLocks noChangeAspect="1"/>
+          </p:cNvPicPr>
+          <p:nvPr/>
+        </p:nvPicPr>
+        <p:blipFill>
+          <a:blip r:embed="rId21" cstate="print">
+            <a:extLst>
+              <a:ext uri="{28A0092B-C50C-407E-A947-70E740481C1C}">
+                <a14:useLocalDpi xmlns:a14="http://schemas.microsoft.com/office/drawing/2010/main" val="0"/>
+              </a:ext>
+            </a:extLst>
+          </a:blip>
+          <a:stretch>
+            <a:fillRect/>
+          </a:stretch>
+        </p:blipFill>
+        <p:spPr>
+          <a:xfrm>
+            <a:off x="773190" y="3184334"/>
+            <a:ext cx="853179" cy="853179"/>
+          </a:xfrm>
+          <a:prstGeom prst="rect">
+            <a:avLst/>
+          </a:prstGeom>
+        </p:spPr>
+      </p:pic>
+      <p:sp>
+        <p:nvSpPr>
+          <p:cNvPr id="71" name="Textfeld 70"/>
+          <p:cNvSpPr txBox="1"/>
+          <p:nvPr/>
+        </p:nvSpPr>
+        <p:spPr>
+          <a:xfrm>
+            <a:off x="152607" y="4646490"/>
+            <a:ext cx="1713015" cy="369332"/>
+          </a:xfrm>
+          <a:prstGeom prst="rect">
+            <a:avLst/>
+          </a:prstGeom>
+          <a:noFill/>
+        </p:spPr>
+        <p:txBody>
+          <a:bodyPr wrap="square" rtlCol="0">
+            <a:spAutoFit/>
+          </a:bodyPr>
+          <a:lstStyle>
+            <a:defPPr>
+              <a:defRPr lang="en-US"/>
+            </a:defPPr>
+            <a:lvl1pPr algn="ctr">
+              <a:defRPr sz="2400" b="1"/>
+            </a:lvl1pPr>
+          </a:lstStyle>
+          <a:p>
+            <a:r>
+              <a:rPr lang="de-CH" sz="1800" dirty="0" smtClean="0"/>
+              <a:t>OneOffixx </a:t>
+            </a:r>
+            <a:r>
+              <a:rPr lang="de-CH" sz="1800" dirty="0" err="1" smtClean="0"/>
+              <a:t>Auth</a:t>
+            </a:r>
+            <a:endParaRPr lang="de-CH" sz="1800" dirty="0"/>
+          </a:p>
+        </p:txBody>
+      </p:sp>
+      <p:sp>
+        <p:nvSpPr>
+          <p:cNvPr id="73" name="Textfeld 72"/>
+          <p:cNvSpPr txBox="1"/>
+          <p:nvPr/>
+        </p:nvSpPr>
+        <p:spPr>
+          <a:xfrm>
+            <a:off x="547255" y="4002426"/>
+            <a:ext cx="1234440" cy="646331"/>
+          </a:xfrm>
+          <a:prstGeom prst="rect">
+            <a:avLst/>
+          </a:prstGeom>
+          <a:noFill/>
+        </p:spPr>
+        <p:txBody>
+          <a:bodyPr wrap="square" rtlCol="0">
+            <a:spAutoFit/>
+          </a:bodyPr>
+          <a:lstStyle/>
+          <a:p>
+            <a:pPr algn="ctr"/>
+            <a:r>
+              <a:rPr lang="de-CH" dirty="0" err="1" smtClean="0"/>
+              <a:t>Active</a:t>
+            </a:r>
+            <a:r>
+              <a:rPr lang="de-CH" dirty="0" smtClean="0"/>
+              <a:t> Directory</a:t>
+            </a:r>
+            <a:endParaRPr lang="de-CH" dirty="0"/>
+          </a:p>
+        </p:txBody>
+      </p:sp>
+      <p:sp>
+        <p:nvSpPr>
+          <p:cNvPr id="84" name="Textfeld 83"/>
+          <p:cNvSpPr txBox="1"/>
+          <p:nvPr/>
+        </p:nvSpPr>
+        <p:spPr>
+          <a:xfrm>
+            <a:off x="1937338" y="4029656"/>
+            <a:ext cx="1198153" cy="584775"/>
+          </a:xfrm>
+          <a:prstGeom prst="rect">
+            <a:avLst/>
+          </a:prstGeom>
+          <a:noFill/>
+        </p:spPr>
+        <p:txBody>
+          <a:bodyPr wrap="square" rtlCol="0">
+            <a:spAutoFit/>
+          </a:bodyPr>
+          <a:lstStyle/>
+          <a:p>
+            <a:pPr algn="ctr"/>
+            <a:r>
+              <a:rPr lang="de-CH" sz="1600" dirty="0" smtClean="0"/>
+              <a:t>Windows </a:t>
+            </a:r>
+            <a:r>
+              <a:rPr lang="de-CH" sz="1600" dirty="0" err="1" smtClean="0"/>
+              <a:t>Auth</a:t>
+            </a:r>
+            <a:endParaRPr lang="de-CH" sz="1400" dirty="0"/>
+          </a:p>
+        </p:txBody>
+      </p:sp>
+      <p:sp>
+        <p:nvSpPr>
+          <p:cNvPr id="85" name="Textfeld 84"/>
+          <p:cNvSpPr txBox="1"/>
+          <p:nvPr/>
+        </p:nvSpPr>
+        <p:spPr>
+          <a:xfrm>
+            <a:off x="898332" y="2350231"/>
+            <a:ext cx="1742564" cy="338554"/>
+          </a:xfrm>
+          <a:prstGeom prst="rect">
+            <a:avLst/>
+          </a:prstGeom>
+          <a:noFill/>
+        </p:spPr>
+        <p:txBody>
+          <a:bodyPr wrap="square" rtlCol="0">
+            <a:spAutoFit/>
+          </a:bodyPr>
+          <a:lstStyle/>
+          <a:p>
+            <a:pPr algn="ctr"/>
+            <a:r>
+              <a:rPr lang="de-CH" sz="1600" dirty="0" smtClean="0"/>
+              <a:t>Windows </a:t>
+            </a:r>
+            <a:r>
+              <a:rPr lang="de-CH" sz="1600" dirty="0" err="1" smtClean="0"/>
+              <a:t>Auth</a:t>
+            </a:r>
+            <a:endParaRPr lang="de-CH" sz="1400" dirty="0"/>
+          </a:p>
+        </p:txBody>
+      </p:sp>
+      <p:pic>
+        <p:nvPicPr>
+          <p:cNvPr id="19" name="Grafik 18"/>
+          <p:cNvPicPr>
+            <a:picLocks noChangeAspect="1"/>
+          </p:cNvPicPr>
+          <p:nvPr/>
+        </p:nvPicPr>
+        <p:blipFill>
+          <a:blip r:embed="rId22" cstate="print">
+            <a:extLst>
+              <a:ext uri="{28A0092B-C50C-407E-A947-70E740481C1C}">
+                <a14:useLocalDpi xmlns:a14="http://schemas.microsoft.com/office/drawing/2010/main" val="0"/>
+              </a:ext>
+            </a:extLst>
+          </a:blip>
+          <a:stretch>
+            <a:fillRect/>
+          </a:stretch>
+        </p:blipFill>
+        <p:spPr>
+          <a:xfrm>
+            <a:off x="3343251" y="5311124"/>
+            <a:ext cx="780290" cy="780290"/>
+          </a:xfrm>
+          <a:prstGeom prst="rect">
+            <a:avLst/>
+          </a:prstGeom>
+        </p:spPr>
+      </p:pic>
+      <p:sp>
+        <p:nvSpPr>
+          <p:cNvPr id="87" name="Textfeld 86"/>
+          <p:cNvSpPr txBox="1"/>
+          <p:nvPr/>
+        </p:nvSpPr>
+        <p:spPr>
+          <a:xfrm>
+            <a:off x="3154908" y="6000055"/>
+            <a:ext cx="1234440" cy="369332"/>
+          </a:xfrm>
+          <a:prstGeom prst="rect">
+            <a:avLst/>
+          </a:prstGeom>
+          <a:noFill/>
+        </p:spPr>
+        <p:txBody>
+          <a:bodyPr wrap="square" rtlCol="0">
+            <a:spAutoFit/>
+          </a:bodyPr>
+          <a:lstStyle/>
+          <a:p>
+            <a:pPr algn="ctr"/>
+            <a:r>
+              <a:rPr lang="de-CH" dirty="0" err="1" smtClean="0"/>
+              <a:t>JobHost</a:t>
+            </a:r>
+            <a:endParaRPr lang="de-CH" dirty="0"/>
+          </a:p>
+        </p:txBody>
+      </p:sp>
+      <p:pic>
+        <p:nvPicPr>
+          <p:cNvPr id="88" name="Grafik 87"/>
+          <p:cNvPicPr>
+            <a:picLocks noChangeAspect="1"/>
+          </p:cNvPicPr>
+          <p:nvPr/>
+        </p:nvPicPr>
+        <p:blipFill>
+          <a:blip r:embed="rId20"/>
+          <a:stretch>
+            <a:fillRect/>
+          </a:stretch>
+        </p:blipFill>
+        <p:spPr>
+          <a:xfrm>
+            <a:off x="4096937" y="5285150"/>
+            <a:ext cx="351527" cy="333696"/>
+          </a:xfrm>
+          <a:prstGeom prst="rect">
+            <a:avLst/>
+          </a:prstGeom>
+        </p:spPr>
+      </p:pic>
+      <p:sp>
+        <p:nvSpPr>
+          <p:cNvPr id="96" name="Textfeld 95"/>
+          <p:cNvSpPr txBox="1"/>
+          <p:nvPr/>
+        </p:nvSpPr>
+        <p:spPr>
+          <a:xfrm>
+            <a:off x="4848336" y="653562"/>
+            <a:ext cx="626412" cy="369332"/>
+          </a:xfrm>
+          <a:prstGeom prst="rect">
+            <a:avLst/>
+          </a:prstGeom>
+          <a:noFill/>
+        </p:spPr>
+        <p:txBody>
+          <a:bodyPr wrap="square" rtlCol="0">
+            <a:spAutoFit/>
+          </a:bodyPr>
+          <a:lstStyle/>
+          <a:p>
+            <a:r>
+              <a:rPr lang="de-CH" sz="900" dirty="0" smtClean="0"/>
+              <a:t>Offline Cache</a:t>
+            </a:r>
+            <a:endParaRPr lang="de-CH" sz="900" dirty="0"/>
+          </a:p>
+        </p:txBody>
+      </p:sp>
+      <p:pic>
+        <p:nvPicPr>
+          <p:cNvPr id="101" name="Grafik 100"/>
+          <p:cNvPicPr>
+            <a:picLocks noChangeAspect="1"/>
+          </p:cNvPicPr>
+          <p:nvPr/>
+        </p:nvPicPr>
+        <p:blipFill>
+          <a:blip r:embed="rId23" cstate="print">
+            <a:extLst>
+              <a:ext uri="{28A0092B-C50C-407E-A947-70E740481C1C}">
+                <a14:useLocalDpi xmlns:a14="http://schemas.microsoft.com/office/drawing/2010/main" val="0"/>
+              </a:ext>
+            </a:extLst>
+          </a:blip>
+          <a:stretch>
+            <a:fillRect/>
+          </a:stretch>
+        </p:blipFill>
+        <p:spPr>
+          <a:xfrm>
+            <a:off x="4553533" y="1095746"/>
+            <a:ext cx="334799" cy="334799"/>
+          </a:xfrm>
+          <a:prstGeom prst="rect">
+            <a:avLst/>
+          </a:prstGeom>
+        </p:spPr>
+      </p:pic>
+      <p:sp>
+        <p:nvSpPr>
+          <p:cNvPr id="102" name="Textfeld 101"/>
+          <p:cNvSpPr txBox="1"/>
+          <p:nvPr/>
+        </p:nvSpPr>
+        <p:spPr>
+          <a:xfrm>
+            <a:off x="4844794" y="1072664"/>
+            <a:ext cx="1307241" cy="369332"/>
+          </a:xfrm>
+          <a:prstGeom prst="rect">
+            <a:avLst/>
+          </a:prstGeom>
+          <a:noFill/>
+        </p:spPr>
+        <p:txBody>
+          <a:bodyPr wrap="square" rtlCol="0">
+            <a:spAutoFit/>
+          </a:bodyPr>
+          <a:lstStyle/>
+          <a:p>
+            <a:r>
+              <a:rPr lang="de-CH" sz="900" dirty="0" err="1" smtClean="0"/>
+              <a:t>Address</a:t>
+            </a:r>
+            <a:r>
+              <a:rPr lang="de-CH" sz="900" dirty="0" smtClean="0"/>
+              <a:t> Provider/</a:t>
+            </a:r>
+            <a:br>
+              <a:rPr lang="de-CH" sz="900" dirty="0" smtClean="0"/>
+            </a:br>
+            <a:r>
+              <a:rPr lang="de-CH" sz="900" dirty="0" smtClean="0"/>
+              <a:t>Data Providers</a:t>
+            </a:r>
+            <a:endParaRPr lang="de-CH" sz="900" dirty="0"/>
+          </a:p>
+        </p:txBody>
+      </p:sp>
+      <p:cxnSp>
+        <p:nvCxnSpPr>
+          <p:cNvPr id="23" name="Gerade Verbindung mit Pfeil 22"/>
+          <p:cNvCxnSpPr/>
+          <p:nvPr/>
+        </p:nvCxnSpPr>
+        <p:spPr>
+          <a:xfrm flipH="1">
+            <a:off x="1214429" y="340264"/>
+            <a:ext cx="7812618" cy="0"/>
+          </a:xfrm>
+          <a:prstGeom prst="straightConnector1">
+            <a:avLst/>
+          </a:prstGeom>
+          <a:ln w="38100">
+            <a:solidFill>
+              <a:srgbClr val="00A864"/>
+            </a:solidFill>
+            <a:headEnd type="triangle"/>
+            <a:tailEnd type="triangle"/>
+          </a:ln>
+        </p:spPr>
+        <p:style>
+          <a:lnRef idx="1">
+            <a:schemeClr val="accent1"/>
+          </a:lnRef>
+          <a:fillRef idx="0">
+            <a:schemeClr val="accent1"/>
+          </a:fillRef>
+          <a:effectRef idx="0">
+            <a:schemeClr val="accent1"/>
+          </a:effectRef>
+          <a:fontRef idx="minor">
+            <a:schemeClr val="tx1"/>
+          </a:fontRef>
+        </p:style>
+      </p:cxnSp>
+      <p:cxnSp>
+        <p:nvCxnSpPr>
+          <p:cNvPr id="103" name="Gerade Verbindung mit Pfeil 102"/>
+          <p:cNvCxnSpPr/>
+          <p:nvPr/>
+        </p:nvCxnSpPr>
+        <p:spPr>
+          <a:xfrm flipH="1">
+            <a:off x="1214429" y="1214397"/>
+            <a:ext cx="2109655" cy="0"/>
+          </a:xfrm>
+          <a:prstGeom prst="straightConnector1">
+            <a:avLst/>
+          </a:prstGeom>
+          <a:ln w="38100">
+            <a:solidFill>
+              <a:srgbClr val="00A864"/>
+            </a:solidFill>
+            <a:headEnd type="triangle"/>
+            <a:tailEnd type="triangle"/>
+          </a:ln>
+        </p:spPr>
+        <p:style>
+          <a:lnRef idx="1">
+            <a:schemeClr val="accent1"/>
+          </a:lnRef>
+          <a:fillRef idx="0">
+            <a:schemeClr val="accent1"/>
+          </a:fillRef>
+          <a:effectRef idx="0">
+            <a:schemeClr val="accent1"/>
+          </a:effectRef>
+          <a:fontRef idx="minor">
+            <a:schemeClr val="tx1"/>
+          </a:fontRef>
+        </p:style>
+      </p:cxnSp>
+      <p:cxnSp>
+        <p:nvCxnSpPr>
+          <p:cNvPr id="104" name="Gerade Verbindung mit Pfeil 103"/>
+          <p:cNvCxnSpPr/>
+          <p:nvPr/>
+        </p:nvCxnSpPr>
+        <p:spPr>
+          <a:xfrm flipH="1">
+            <a:off x="5763188" y="1321339"/>
+            <a:ext cx="3263859" cy="0"/>
+          </a:xfrm>
+          <a:prstGeom prst="straightConnector1">
+            <a:avLst/>
+          </a:prstGeom>
+          <a:ln w="38100">
+            <a:solidFill>
+              <a:srgbClr val="00A864"/>
+            </a:solidFill>
+            <a:headEnd type="triangle"/>
+            <a:tailEnd type="triangle"/>
+          </a:ln>
+        </p:spPr>
+        <p:style>
+          <a:lnRef idx="1">
+            <a:schemeClr val="accent1"/>
+          </a:lnRef>
+          <a:fillRef idx="0">
+            <a:schemeClr val="accent1"/>
+          </a:fillRef>
+          <a:effectRef idx="0">
+            <a:schemeClr val="accent1"/>
+          </a:effectRef>
+          <a:fontRef idx="minor">
+            <a:schemeClr val="tx1"/>
+          </a:fontRef>
+        </p:style>
+      </p:cxnSp>
+      <p:sp>
+        <p:nvSpPr>
+          <p:cNvPr id="105" name="Textfeld 104"/>
+          <p:cNvSpPr txBox="1"/>
+          <p:nvPr/>
+        </p:nvSpPr>
+        <p:spPr>
+          <a:xfrm>
+            <a:off x="5751584" y="1322489"/>
+            <a:ext cx="3138356" cy="584775"/>
+          </a:xfrm>
+          <a:prstGeom prst="rect">
+            <a:avLst/>
+          </a:prstGeom>
+          <a:noFill/>
+        </p:spPr>
+        <p:txBody>
+          <a:bodyPr wrap="square" rtlCol="0">
+            <a:spAutoFit/>
+          </a:bodyPr>
+          <a:lstStyle>
+            <a:defPPr>
+              <a:defRPr lang="en-US"/>
+            </a:defPPr>
+            <a:lvl1pPr algn="ctr">
+              <a:defRPr sz="1600"/>
+            </a:lvl1pPr>
+          </a:lstStyle>
+          <a:p>
+            <a:r>
+              <a:rPr lang="de-CH" dirty="0" err="1" smtClean="0"/>
+              <a:t>Address</a:t>
+            </a:r>
+            <a:r>
+              <a:rPr lang="de-CH" dirty="0" smtClean="0"/>
+              <a:t> Data</a:t>
+            </a:r>
+            <a:br>
+              <a:rPr lang="de-CH" dirty="0" smtClean="0"/>
+            </a:br>
+            <a:r>
+              <a:rPr lang="de-CH" dirty="0" smtClean="0"/>
+              <a:t>Rest/WS/WML/</a:t>
+            </a:r>
+            <a:r>
+              <a:rPr lang="de-CH" dirty="0" err="1" smtClean="0"/>
+              <a:t>InProc</a:t>
+            </a:r>
+            <a:endParaRPr lang="de-CH" dirty="0"/>
+          </a:p>
+        </p:txBody>
+      </p:sp>
+      <p:cxnSp>
+        <p:nvCxnSpPr>
+          <p:cNvPr id="106" name="Gerade Verbindung mit Pfeil 105"/>
+          <p:cNvCxnSpPr/>
+          <p:nvPr/>
+        </p:nvCxnSpPr>
+        <p:spPr>
+          <a:xfrm flipH="1">
+            <a:off x="5751584" y="963360"/>
+            <a:ext cx="3263859" cy="0"/>
+          </a:xfrm>
+          <a:prstGeom prst="straightConnector1">
+            <a:avLst/>
+          </a:prstGeom>
+          <a:ln w="38100">
+            <a:solidFill>
+              <a:srgbClr val="C00000"/>
+            </a:solidFill>
+            <a:headEnd type="triangle"/>
+            <a:tailEnd type="triangle"/>
+          </a:ln>
+        </p:spPr>
+        <p:style>
+          <a:lnRef idx="1">
+            <a:schemeClr val="accent1"/>
+          </a:lnRef>
+          <a:fillRef idx="0">
+            <a:schemeClr val="accent1"/>
+          </a:fillRef>
+          <a:effectRef idx="0">
+            <a:schemeClr val="accent1"/>
+          </a:effectRef>
+          <a:fontRef idx="minor">
+            <a:schemeClr val="tx1"/>
+          </a:fontRef>
+        </p:style>
+      </p:cxnSp>
+      <p:cxnSp>
+        <p:nvCxnSpPr>
+          <p:cNvPr id="109" name="Gerade Verbindung mit Pfeil 108"/>
+          <p:cNvCxnSpPr/>
+          <p:nvPr/>
+        </p:nvCxnSpPr>
+        <p:spPr>
+          <a:xfrm flipH="1">
+            <a:off x="8286750" y="4192457"/>
+            <a:ext cx="740298" cy="0"/>
+          </a:xfrm>
+          <a:prstGeom prst="straightConnector1">
+            <a:avLst/>
+          </a:prstGeom>
+          <a:ln w="38100">
+            <a:solidFill>
+              <a:srgbClr val="C00000"/>
+            </a:solidFill>
+            <a:headEnd type="triangle"/>
+            <a:tailEnd type="triangle"/>
+          </a:ln>
+        </p:spPr>
+        <p:style>
+          <a:lnRef idx="1">
+            <a:schemeClr val="accent1"/>
+          </a:lnRef>
+          <a:fillRef idx="0">
+            <a:schemeClr val="accent1"/>
+          </a:fillRef>
+          <a:effectRef idx="0">
+            <a:schemeClr val="accent1"/>
+          </a:effectRef>
+          <a:fontRef idx="minor">
+            <a:schemeClr val="tx1"/>
+          </a:fontRef>
+        </p:style>
+      </p:cxnSp>
+      <p:cxnSp>
+        <p:nvCxnSpPr>
+          <p:cNvPr id="110" name="Gerade Verbindung mit Pfeil 109"/>
+          <p:cNvCxnSpPr/>
+          <p:nvPr/>
+        </p:nvCxnSpPr>
+        <p:spPr>
+          <a:xfrm flipH="1">
+            <a:off x="8286750" y="5986520"/>
+            <a:ext cx="740297" cy="0"/>
+          </a:xfrm>
+          <a:prstGeom prst="straightConnector1">
+            <a:avLst/>
+          </a:prstGeom>
+          <a:ln w="38100">
+            <a:solidFill>
+              <a:srgbClr val="00A864"/>
+            </a:solidFill>
+            <a:headEnd type="triangle"/>
+            <a:tailEnd type="triangle"/>
+          </a:ln>
+        </p:spPr>
+        <p:style>
+          <a:lnRef idx="1">
+            <a:schemeClr val="accent1"/>
+          </a:lnRef>
+          <a:fillRef idx="0">
+            <a:schemeClr val="accent1"/>
+          </a:fillRef>
+          <a:effectRef idx="0">
+            <a:schemeClr val="accent1"/>
+          </a:effectRef>
+          <a:fontRef idx="minor">
+            <a:schemeClr val="tx1"/>
+          </a:fontRef>
+        </p:style>
+      </p:cxnSp>
+      <p:cxnSp>
+        <p:nvCxnSpPr>
+          <p:cNvPr id="111" name="Gerade Verbindung mit Pfeil 110"/>
+          <p:cNvCxnSpPr/>
+          <p:nvPr/>
+        </p:nvCxnSpPr>
+        <p:spPr>
+          <a:xfrm flipH="1">
+            <a:off x="1917288" y="3973895"/>
+            <a:ext cx="1237620" cy="10164"/>
+          </a:xfrm>
+          <a:prstGeom prst="straightConnector1">
+            <a:avLst/>
+          </a:prstGeom>
+          <a:ln w="38100">
+            <a:solidFill>
+              <a:srgbClr val="00A864"/>
+            </a:solidFill>
+            <a:headEnd type="triangle"/>
+            <a:tailEnd type="triangle"/>
+          </a:ln>
+        </p:spPr>
+        <p:style>
+          <a:lnRef idx="1">
+            <a:schemeClr val="accent1"/>
+          </a:lnRef>
+          <a:fillRef idx="0">
+            <a:schemeClr val="accent1"/>
+          </a:fillRef>
+          <a:effectRef idx="0">
+            <a:schemeClr val="accent1"/>
+          </a:effectRef>
+          <a:fontRef idx="minor">
+            <a:schemeClr val="tx1"/>
+          </a:fontRef>
+        </p:style>
+      </p:cxnSp>
+      <p:cxnSp>
+        <p:nvCxnSpPr>
+          <p:cNvPr id="112" name="Gerade Verbindung mit Pfeil 111"/>
+          <p:cNvCxnSpPr/>
+          <p:nvPr/>
+        </p:nvCxnSpPr>
+        <p:spPr>
+          <a:xfrm flipH="1">
+            <a:off x="2172431" y="5869080"/>
+            <a:ext cx="685069" cy="0"/>
+          </a:xfrm>
+          <a:prstGeom prst="straightConnector1">
+            <a:avLst/>
+          </a:prstGeom>
+          <a:ln w="38100">
+            <a:solidFill>
+              <a:srgbClr val="00A864"/>
+            </a:solidFill>
+            <a:headEnd type="triangle"/>
+            <a:tailEnd type="triangle"/>
+          </a:ln>
+        </p:spPr>
+        <p:style>
+          <a:lnRef idx="1">
+            <a:schemeClr val="accent1"/>
+          </a:lnRef>
+          <a:fillRef idx="0">
+            <a:schemeClr val="accent1"/>
+          </a:fillRef>
+          <a:effectRef idx="0">
+            <a:schemeClr val="accent1"/>
+          </a:effectRef>
+          <a:fontRef idx="minor">
+            <a:schemeClr val="tx1"/>
+          </a:fontRef>
+        </p:style>
+      </p:cxnSp>
+      <p:cxnSp>
+        <p:nvCxnSpPr>
+          <p:cNvPr id="113" name="Gerade Verbindung mit Pfeil 112"/>
+          <p:cNvCxnSpPr/>
+          <p:nvPr/>
+        </p:nvCxnSpPr>
+        <p:spPr>
+          <a:xfrm>
+            <a:off x="1090469" y="2276440"/>
+            <a:ext cx="0" cy="808914"/>
+          </a:xfrm>
+          <a:prstGeom prst="straightConnector1">
+            <a:avLst/>
+          </a:prstGeom>
+          <a:ln w="38100">
+            <a:solidFill>
+              <a:srgbClr val="00A864"/>
+            </a:solidFill>
+            <a:headEnd type="triangle"/>
+            <a:tailEnd type="triangle"/>
+          </a:ln>
+        </p:spPr>
+        <p:style>
+          <a:lnRef idx="1">
+            <a:schemeClr val="accent1"/>
+          </a:lnRef>
+          <a:fillRef idx="0">
+            <a:schemeClr val="accent1"/>
+          </a:fillRef>
+          <a:effectRef idx="0">
+            <a:schemeClr val="accent1"/>
+          </a:effectRef>
+          <a:fontRef idx="minor">
+            <a:schemeClr val="tx1"/>
+          </a:fontRef>
+        </p:style>
+      </p:cxnSp>
+      <p:cxnSp>
+        <p:nvCxnSpPr>
+          <p:cNvPr id="114" name="Gerade Verbindung mit Pfeil 113"/>
+          <p:cNvCxnSpPr/>
+          <p:nvPr/>
+        </p:nvCxnSpPr>
+        <p:spPr>
+          <a:xfrm>
+            <a:off x="3801286" y="2140269"/>
+            <a:ext cx="0" cy="1265122"/>
+          </a:xfrm>
+          <a:prstGeom prst="straightConnector1">
+            <a:avLst/>
+          </a:prstGeom>
+          <a:ln w="38100">
+            <a:solidFill>
+              <a:srgbClr val="00A864"/>
+            </a:solidFill>
+            <a:headEnd type="triangle"/>
+            <a:tailEnd type="triangle"/>
+          </a:ln>
+        </p:spPr>
+        <p:style>
+          <a:lnRef idx="1">
+            <a:schemeClr val="accent1"/>
+          </a:lnRef>
+          <a:fillRef idx="0">
+            <a:schemeClr val="accent1"/>
+          </a:fillRef>
+          <a:effectRef idx="0">
+            <a:schemeClr val="accent1"/>
+          </a:effectRef>
+          <a:fontRef idx="minor">
+            <a:schemeClr val="tx1"/>
+          </a:fontRef>
+        </p:style>
+      </p:cxnSp>
+      <p:cxnSp>
+        <p:nvCxnSpPr>
+          <p:cNvPr id="116" name="Gerade Verbindung mit Pfeil 115"/>
+          <p:cNvCxnSpPr/>
+          <p:nvPr/>
+        </p:nvCxnSpPr>
+        <p:spPr>
+          <a:xfrm flipH="1">
+            <a:off x="8286750" y="3363560"/>
+            <a:ext cx="740297" cy="0"/>
+          </a:xfrm>
+          <a:prstGeom prst="straightConnector1">
+            <a:avLst/>
+          </a:prstGeom>
+          <a:ln w="38100">
+            <a:solidFill>
+              <a:srgbClr val="00A864"/>
+            </a:solidFill>
+            <a:headEnd type="triangle"/>
+            <a:tailEnd type="triangle"/>
+          </a:ln>
+        </p:spPr>
+        <p:style>
+          <a:lnRef idx="1">
+            <a:schemeClr val="accent1"/>
+          </a:lnRef>
+          <a:fillRef idx="0">
+            <a:schemeClr val="accent1"/>
+          </a:fillRef>
+          <a:effectRef idx="0">
+            <a:schemeClr val="accent1"/>
+          </a:effectRef>
+          <a:fontRef idx="minor">
+            <a:schemeClr val="tx1"/>
+          </a:fontRef>
+        </p:style>
+      </p:cxnSp>
+      <p:sp>
+        <p:nvSpPr>
+          <p:cNvPr id="117" name="Textfeld 116"/>
+          <p:cNvSpPr txBox="1"/>
+          <p:nvPr/>
+        </p:nvSpPr>
+        <p:spPr>
+          <a:xfrm>
+            <a:off x="7120053" y="2792967"/>
+            <a:ext cx="3138356" cy="584775"/>
+          </a:xfrm>
+          <a:prstGeom prst="rect">
+            <a:avLst/>
+          </a:prstGeom>
+          <a:noFill/>
+        </p:spPr>
+        <p:txBody>
+          <a:bodyPr wrap="square" rtlCol="0">
+            <a:spAutoFit/>
+          </a:bodyPr>
+          <a:lstStyle>
+            <a:defPPr>
+              <a:defRPr lang="en-US"/>
+            </a:defPPr>
+            <a:lvl1pPr algn="ctr">
+              <a:defRPr sz="1600"/>
+            </a:lvl1pPr>
+          </a:lstStyle>
+          <a:p>
+            <a:r>
+              <a:rPr lang="de-CH" dirty="0" err="1"/>
+              <a:t>Address</a:t>
+            </a:r>
+            <a:r>
+              <a:rPr lang="de-CH" dirty="0"/>
+              <a:t> </a:t>
+            </a:r>
+            <a:r>
+              <a:rPr lang="de-CH" dirty="0" smtClean="0"/>
+              <a:t>Data</a:t>
+            </a:r>
+            <a:br>
+              <a:rPr lang="de-CH" dirty="0" smtClean="0"/>
+            </a:br>
+            <a:r>
+              <a:rPr lang="de-CH" dirty="0" smtClean="0"/>
+              <a:t>Rest/WS/WML/SQL etc..</a:t>
+            </a:r>
+            <a:endParaRPr lang="de-CH" dirty="0"/>
+          </a:p>
+        </p:txBody>
+      </p:sp>
+      <p:pic>
+        <p:nvPicPr>
+          <p:cNvPr id="120" name="Grafik 119"/>
+          <p:cNvPicPr>
+            <a:picLocks noChangeAspect="1"/>
+          </p:cNvPicPr>
+          <p:nvPr/>
+        </p:nvPicPr>
+        <p:blipFill>
+          <a:blip r:embed="rId10" cstate="print">
+            <a:extLst>
+              <a:ext uri="{28A0092B-C50C-407E-A947-70E740481C1C}">
+                <a14:useLocalDpi xmlns:a14="http://schemas.microsoft.com/office/drawing/2010/main" val="0"/>
+              </a:ext>
+            </a:extLst>
+          </a:blip>
+          <a:stretch>
+            <a:fillRect/>
+          </a:stretch>
+        </p:blipFill>
+        <p:spPr>
+          <a:xfrm>
+            <a:off x="5119064" y="3480462"/>
+            <a:ext cx="1016183" cy="1016183"/>
+          </a:xfrm>
+          <a:prstGeom prst="rect">
+            <a:avLst/>
+          </a:prstGeom>
+        </p:spPr>
+      </p:pic>
+      <p:sp>
+        <p:nvSpPr>
+          <p:cNvPr id="121" name="Textfeld 120"/>
+          <p:cNvSpPr txBox="1"/>
+          <p:nvPr/>
+        </p:nvSpPr>
+        <p:spPr>
+          <a:xfrm>
+            <a:off x="4936459" y="4532127"/>
+            <a:ext cx="1234440" cy="646331"/>
+          </a:xfrm>
+          <a:prstGeom prst="rect">
+            <a:avLst/>
+          </a:prstGeom>
+          <a:noFill/>
+        </p:spPr>
+        <p:txBody>
+          <a:bodyPr wrap="square" rtlCol="0">
+            <a:spAutoFit/>
+          </a:bodyPr>
+          <a:lstStyle/>
+          <a:p>
+            <a:pPr algn="ctr"/>
+            <a:r>
+              <a:rPr lang="de-CH" dirty="0" err="1" smtClean="0"/>
+              <a:t>Address</a:t>
+            </a:r>
+            <a:r>
+              <a:rPr lang="de-CH" dirty="0" smtClean="0"/>
+              <a:t> Service</a:t>
+            </a:r>
+            <a:endParaRPr lang="de-CH" dirty="0"/>
+          </a:p>
+        </p:txBody>
+      </p:sp>
+      <p:cxnSp>
+        <p:nvCxnSpPr>
+          <p:cNvPr id="124" name="Gerade Verbindung mit Pfeil 123"/>
+          <p:cNvCxnSpPr/>
+          <p:nvPr/>
+        </p:nvCxnSpPr>
+        <p:spPr>
+          <a:xfrm flipH="1" flipV="1">
+            <a:off x="5451485" y="1452190"/>
+            <a:ext cx="2395" cy="1876064"/>
+          </a:xfrm>
+          <a:prstGeom prst="straightConnector1">
+            <a:avLst/>
+          </a:prstGeom>
+          <a:ln w="38100">
+            <a:solidFill>
+              <a:srgbClr val="00A864"/>
+            </a:solidFill>
+            <a:headEnd type="triangle"/>
+            <a:tailEnd type="triangle"/>
+          </a:ln>
+        </p:spPr>
+        <p:style>
+          <a:lnRef idx="1">
+            <a:schemeClr val="accent1"/>
+          </a:lnRef>
+          <a:fillRef idx="0">
+            <a:schemeClr val="accent1"/>
+          </a:fillRef>
+          <a:effectRef idx="0">
+            <a:schemeClr val="accent1"/>
+          </a:effectRef>
+          <a:fontRef idx="minor">
+            <a:schemeClr val="tx1"/>
+          </a:fontRef>
+        </p:style>
+      </p:cxnSp>
+      <p:sp>
+        <p:nvSpPr>
+          <p:cNvPr id="135" name="Textfeld 134"/>
+          <p:cNvSpPr txBox="1"/>
+          <p:nvPr/>
+        </p:nvSpPr>
+        <p:spPr>
+          <a:xfrm>
+            <a:off x="5449959" y="2352144"/>
+            <a:ext cx="995483" cy="338554"/>
+          </a:xfrm>
+          <a:prstGeom prst="rect">
+            <a:avLst/>
+          </a:prstGeom>
+          <a:noFill/>
+        </p:spPr>
+        <p:txBody>
+          <a:bodyPr wrap="square" rtlCol="0">
+            <a:spAutoFit/>
+          </a:bodyPr>
+          <a:lstStyle/>
+          <a:p>
+            <a:r>
+              <a:rPr lang="de-CH" sz="1600" dirty="0" smtClean="0"/>
+              <a:t>WS/Rest</a:t>
+            </a:r>
+            <a:endParaRPr lang="de-CH" dirty="0"/>
+          </a:p>
+        </p:txBody>
+      </p:sp>
+      <p:pic>
+        <p:nvPicPr>
+          <p:cNvPr id="138" name="Grafik 137"/>
+          <p:cNvPicPr>
+            <a:picLocks noChangeAspect="1"/>
+          </p:cNvPicPr>
+          <p:nvPr/>
+        </p:nvPicPr>
+        <p:blipFill>
+          <a:blip r:embed="rId20"/>
+          <a:stretch>
+            <a:fillRect/>
+          </a:stretch>
+        </p:blipFill>
+        <p:spPr>
+          <a:xfrm>
+            <a:off x="5771936" y="3436401"/>
+            <a:ext cx="351527" cy="333696"/>
+          </a:xfrm>
+          <a:prstGeom prst="rect">
+            <a:avLst/>
+          </a:prstGeom>
+        </p:spPr>
+      </p:pic>
+      <p:pic>
+        <p:nvPicPr>
+          <p:cNvPr id="107" name="Grafik 106"/>
+          <p:cNvPicPr>
+            <a:picLocks noChangeAspect="1"/>
+          </p:cNvPicPr>
+          <p:nvPr/>
+        </p:nvPicPr>
+        <p:blipFill>
+          <a:blip r:embed="rId24"/>
+          <a:stretch>
+            <a:fillRect/>
+          </a:stretch>
+        </p:blipFill>
+        <p:spPr>
+          <a:xfrm>
+            <a:off x="805846" y="5518033"/>
+            <a:ext cx="571162" cy="571162"/>
+          </a:xfrm>
+          <a:prstGeom prst="rect">
+            <a:avLst/>
+          </a:prstGeom>
+        </p:spPr>
+      </p:pic>
+      <p:pic>
+        <p:nvPicPr>
+          <p:cNvPr id="108" name="Grafik 107"/>
+          <p:cNvPicPr>
+            <a:picLocks noChangeAspect="1"/>
+          </p:cNvPicPr>
+          <p:nvPr/>
+        </p:nvPicPr>
+        <p:blipFill>
+          <a:blip r:embed="rId25"/>
+          <a:stretch>
+            <a:fillRect/>
+          </a:stretch>
+        </p:blipFill>
+        <p:spPr>
+          <a:xfrm>
+            <a:off x="1459009" y="5531078"/>
+            <a:ext cx="558117" cy="558117"/>
+          </a:xfrm>
+          <a:prstGeom prst="rect">
+            <a:avLst/>
+          </a:prstGeom>
+        </p:spPr>
+      </p:pic>
+      <p:sp>
+        <p:nvSpPr>
+          <p:cNvPr id="115" name="Textfeld 114"/>
+          <p:cNvSpPr txBox="1"/>
+          <p:nvPr/>
+        </p:nvSpPr>
+        <p:spPr>
+          <a:xfrm>
+            <a:off x="560728" y="6085391"/>
+            <a:ext cx="1059483" cy="338554"/>
+          </a:xfrm>
+          <a:prstGeom prst="rect">
+            <a:avLst/>
+          </a:prstGeom>
+          <a:noFill/>
+        </p:spPr>
+        <p:txBody>
+          <a:bodyPr wrap="square" rtlCol="0">
+            <a:spAutoFit/>
+          </a:bodyPr>
+          <a:lstStyle/>
+          <a:p>
+            <a:pPr algn="ctr"/>
+            <a:r>
+              <a:rPr lang="de-CH" sz="1600" dirty="0" smtClean="0"/>
+              <a:t>SQL</a:t>
+            </a:r>
+            <a:endParaRPr lang="de-CH" dirty="0"/>
+          </a:p>
+        </p:txBody>
+      </p:sp>
+      <p:sp>
+        <p:nvSpPr>
+          <p:cNvPr id="118" name="Textfeld 117"/>
+          <p:cNvSpPr txBox="1"/>
+          <p:nvPr/>
+        </p:nvSpPr>
+        <p:spPr>
+          <a:xfrm>
+            <a:off x="1290330" y="6072479"/>
+            <a:ext cx="1059483" cy="338554"/>
+          </a:xfrm>
+          <a:prstGeom prst="rect">
+            <a:avLst/>
+          </a:prstGeom>
+          <a:noFill/>
+        </p:spPr>
+        <p:txBody>
+          <a:bodyPr wrap="square" rtlCol="0">
+            <a:spAutoFit/>
+          </a:bodyPr>
+          <a:lstStyle/>
+          <a:p>
+            <a:pPr algn="ctr"/>
+            <a:r>
+              <a:rPr lang="de-CH" sz="1600" dirty="0" smtClean="0"/>
+              <a:t>Custom</a:t>
+            </a:r>
+            <a:endParaRPr lang="de-CH" dirty="0"/>
+          </a:p>
+        </p:txBody>
+      </p:sp>
+      <p:sp>
+        <p:nvSpPr>
+          <p:cNvPr id="119" name="Textfeld 118"/>
+          <p:cNvSpPr txBox="1"/>
+          <p:nvPr/>
+        </p:nvSpPr>
+        <p:spPr>
+          <a:xfrm>
+            <a:off x="3772128" y="2800687"/>
+            <a:ext cx="1330935" cy="338554"/>
+          </a:xfrm>
+          <a:prstGeom prst="rect">
+            <a:avLst/>
+          </a:prstGeom>
+          <a:noFill/>
+        </p:spPr>
+        <p:txBody>
+          <a:bodyPr wrap="square" rtlCol="0">
+            <a:spAutoFit/>
+          </a:bodyPr>
+          <a:lstStyle/>
+          <a:p>
+            <a:pPr algn="ctr"/>
+            <a:r>
+              <a:rPr lang="de-CH" sz="1600" dirty="0" err="1" smtClean="0"/>
+              <a:t>Named</a:t>
+            </a:r>
+            <a:r>
+              <a:rPr lang="de-CH" sz="1600" dirty="0"/>
+              <a:t> </a:t>
+            </a:r>
+            <a:r>
+              <a:rPr lang="de-CH" sz="1600" dirty="0" smtClean="0"/>
+              <a:t>Pipe</a:t>
+            </a:r>
+            <a:endParaRPr lang="de-CH" sz="1400" dirty="0"/>
+          </a:p>
+        </p:txBody>
+      </p:sp>
+      <p:sp>
+        <p:nvSpPr>
+          <p:cNvPr id="122" name="Textfeld 121"/>
+          <p:cNvSpPr txBox="1"/>
+          <p:nvPr/>
+        </p:nvSpPr>
+        <p:spPr>
+          <a:xfrm>
+            <a:off x="3849311" y="2352144"/>
+            <a:ext cx="995483" cy="338554"/>
+          </a:xfrm>
+          <a:prstGeom prst="rect">
+            <a:avLst/>
+          </a:prstGeom>
+          <a:noFill/>
+        </p:spPr>
+        <p:txBody>
+          <a:bodyPr wrap="square" rtlCol="0">
+            <a:spAutoFit/>
+          </a:bodyPr>
+          <a:lstStyle/>
+          <a:p>
+            <a:r>
+              <a:rPr lang="de-CH" sz="1600" dirty="0" smtClean="0"/>
+              <a:t>WS/Rest</a:t>
+            </a:r>
+            <a:endParaRPr lang="de-CH" dirty="0"/>
+          </a:p>
+        </p:txBody>
+      </p:sp>
     </p:spTree>
     <p:extLst>
       <p:ext uri="{BB962C8B-B14F-4D97-AF65-F5344CB8AC3E}">
-        <p14:creationId xmlns:p14="http://schemas.microsoft.com/office/powerpoint/2010/main" val="4131358691"/>
+        <p14:creationId xmlns:p14="http://schemas.microsoft.com/office/powerpoint/2010/main" val="692427452"/>
       </p:ext>
     </p:extLst>
   </p:cSld>
@@ -15908,31 +19001,2936 @@
       </p:grpSpPr>
       <p:sp>
         <p:nvSpPr>
-          <p:cNvPr id="2" name="Titel 1"/>
-          <p:cNvSpPr>
-            <a:spLocks noGrp="1"/>
-          </p:cNvSpPr>
-          <p:nvPr>
-            <p:ph type="title"/>
-          </p:nvPr>
-        </p:nvSpPr>
-        <p:spPr/>
-        <p:txBody>
-          <a:bodyPr/>
-          <a:lstStyle/>
-          <a:p>
+          <p:cNvPr id="89" name="Rechteck 88"/>
+          <p:cNvSpPr/>
+          <p:nvPr/>
+        </p:nvSpPr>
+        <p:spPr>
+          <a:xfrm>
+            <a:off x="4528565" y="643369"/>
+            <a:ext cx="1679673" cy="1099055"/>
+          </a:xfrm>
+          <a:prstGeom prst="rect">
+            <a:avLst/>
+          </a:prstGeom>
+          <a:solidFill>
+            <a:schemeClr val="bg2">
+              <a:lumMod val="25000"/>
+              <a:alpha val="36000"/>
+            </a:schemeClr>
+          </a:solidFill>
+          <a:ln>
+            <a:noFill/>
+          </a:ln>
+        </p:spPr>
+        <p:style>
+          <a:lnRef idx="2">
+            <a:schemeClr val="accent1">
+              <a:shade val="50000"/>
+            </a:schemeClr>
+          </a:lnRef>
+          <a:fillRef idx="1">
+            <a:schemeClr val="accent1"/>
+          </a:fillRef>
+          <a:effectRef idx="0">
+            <a:schemeClr val="accent1"/>
+          </a:effectRef>
+          <a:fontRef idx="minor">
+            <a:schemeClr val="lt1"/>
+          </a:fontRef>
+        </p:style>
+        <p:txBody>
+          <a:bodyPr rtlCol="0" anchor="ctr"/>
+          <a:lstStyle/>
+          <a:p>
+            <a:pPr algn="ctr"/>
+            <a:endParaRPr lang="de-CH" sz="1100"/>
+          </a:p>
+        </p:txBody>
+      </p:sp>
+      <p:sp>
+        <p:nvSpPr>
+          <p:cNvPr id="63" name="Rechteck 62"/>
+          <p:cNvSpPr/>
+          <p:nvPr/>
+        </p:nvSpPr>
+        <p:spPr>
+          <a:xfrm flipH="1">
+            <a:off x="97995" y="2806526"/>
+            <a:ext cx="2232869" cy="2191506"/>
+          </a:xfrm>
+          <a:prstGeom prst="rect">
+            <a:avLst/>
+          </a:prstGeom>
+          <a:solidFill>
+            <a:schemeClr val="bg2">
+              <a:lumMod val="90000"/>
+              <a:alpha val="36000"/>
+            </a:schemeClr>
+          </a:solidFill>
+          <a:ln>
+            <a:noFill/>
+          </a:ln>
+        </p:spPr>
+        <p:style>
+          <a:lnRef idx="2">
+            <a:schemeClr val="accent1">
+              <a:shade val="50000"/>
+            </a:schemeClr>
+          </a:lnRef>
+          <a:fillRef idx="1">
+            <a:schemeClr val="accent1"/>
+          </a:fillRef>
+          <a:effectRef idx="0">
+            <a:schemeClr val="accent1"/>
+          </a:effectRef>
+          <a:fontRef idx="minor">
+            <a:schemeClr val="lt1"/>
+          </a:fontRef>
+        </p:style>
+        <p:txBody>
+          <a:bodyPr rtlCol="0" anchor="ctr"/>
+          <a:lstStyle/>
+          <a:p>
+            <a:pPr algn="ctr"/>
+            <a:endParaRPr lang="de-CH"/>
+          </a:p>
+        </p:txBody>
+      </p:sp>
+      <p:sp>
+        <p:nvSpPr>
+          <p:cNvPr id="29" name="Rechteck 28"/>
+          <p:cNvSpPr/>
+          <p:nvPr/>
+        </p:nvSpPr>
+        <p:spPr>
+          <a:xfrm>
+            <a:off x="2718489" y="2781300"/>
+            <a:ext cx="5720498" cy="4003759"/>
+          </a:xfrm>
+          <a:prstGeom prst="rect">
+            <a:avLst/>
+          </a:prstGeom>
+          <a:solidFill>
+            <a:schemeClr val="bg2">
+              <a:lumMod val="90000"/>
+              <a:alpha val="36000"/>
+            </a:schemeClr>
+          </a:solidFill>
+          <a:ln>
+            <a:noFill/>
+          </a:ln>
+        </p:spPr>
+        <p:style>
+          <a:lnRef idx="2">
+            <a:schemeClr val="accent1">
+              <a:shade val="50000"/>
+            </a:schemeClr>
+          </a:lnRef>
+          <a:fillRef idx="1">
+            <a:schemeClr val="accent1"/>
+          </a:fillRef>
+          <a:effectRef idx="0">
+            <a:schemeClr val="accent1"/>
+          </a:effectRef>
+          <a:fontRef idx="minor">
+            <a:schemeClr val="lt1"/>
+          </a:fontRef>
+        </p:style>
+        <p:txBody>
+          <a:bodyPr rtlCol="0" anchor="ctr"/>
+          <a:lstStyle/>
+          <a:p>
+            <a:pPr algn="ctr"/>
+            <a:endParaRPr lang="de-CH"/>
+          </a:p>
+        </p:txBody>
+      </p:sp>
+      <p:sp>
+        <p:nvSpPr>
+          <p:cNvPr id="78" name="Rechteck 77"/>
+          <p:cNvSpPr/>
+          <p:nvPr/>
+        </p:nvSpPr>
+        <p:spPr>
+          <a:xfrm>
+            <a:off x="8878043" y="146550"/>
+            <a:ext cx="3188146" cy="6638509"/>
+          </a:xfrm>
+          <a:prstGeom prst="rect">
+            <a:avLst/>
+          </a:prstGeom>
+          <a:solidFill>
+            <a:schemeClr val="bg2">
+              <a:lumMod val="90000"/>
+              <a:alpha val="36000"/>
+            </a:schemeClr>
+          </a:solidFill>
+          <a:ln>
+            <a:noFill/>
+          </a:ln>
+        </p:spPr>
+        <p:style>
+          <a:lnRef idx="2">
+            <a:schemeClr val="accent1">
+              <a:shade val="50000"/>
+            </a:schemeClr>
+          </a:lnRef>
+          <a:fillRef idx="1">
+            <a:schemeClr val="accent1"/>
+          </a:fillRef>
+          <a:effectRef idx="0">
+            <a:schemeClr val="accent1"/>
+          </a:effectRef>
+          <a:fontRef idx="minor">
+            <a:schemeClr val="lt1"/>
+          </a:fontRef>
+        </p:style>
+        <p:txBody>
+          <a:bodyPr rtlCol="0" anchor="ctr"/>
+          <a:lstStyle/>
+          <a:p>
+            <a:pPr algn="ctr"/>
+            <a:endParaRPr lang="de-CH"/>
+          </a:p>
+        </p:txBody>
+      </p:sp>
+      <p:sp>
+        <p:nvSpPr>
+          <p:cNvPr id="68" name="Rechteck 67"/>
+          <p:cNvSpPr/>
+          <p:nvPr/>
+        </p:nvSpPr>
+        <p:spPr>
+          <a:xfrm flipH="1">
+            <a:off x="97995" y="5282551"/>
+            <a:ext cx="2232869" cy="1487293"/>
+          </a:xfrm>
+          <a:prstGeom prst="rect">
+            <a:avLst/>
+          </a:prstGeom>
+          <a:solidFill>
+            <a:schemeClr val="bg2">
+              <a:lumMod val="90000"/>
+              <a:alpha val="36000"/>
+            </a:schemeClr>
+          </a:solidFill>
+          <a:ln>
+            <a:noFill/>
+          </a:ln>
+        </p:spPr>
+        <p:style>
+          <a:lnRef idx="2">
+            <a:schemeClr val="accent1">
+              <a:shade val="50000"/>
+            </a:schemeClr>
+          </a:lnRef>
+          <a:fillRef idx="1">
+            <a:schemeClr val="accent1"/>
+          </a:fillRef>
+          <a:effectRef idx="0">
+            <a:schemeClr val="accent1"/>
+          </a:effectRef>
+          <a:fontRef idx="minor">
+            <a:schemeClr val="lt1"/>
+          </a:fontRef>
+        </p:style>
+        <p:txBody>
+          <a:bodyPr rtlCol="0" anchor="ctr"/>
+          <a:lstStyle/>
+          <a:p>
+            <a:pPr algn="ctr"/>
+            <a:endParaRPr lang="de-CH"/>
+          </a:p>
+        </p:txBody>
+      </p:sp>
+      <p:sp>
+        <p:nvSpPr>
+          <p:cNvPr id="30" name="Rechteck 29"/>
+          <p:cNvSpPr/>
+          <p:nvPr/>
+        </p:nvSpPr>
+        <p:spPr>
+          <a:xfrm>
+            <a:off x="143750" y="148987"/>
+            <a:ext cx="8261109" cy="2136093"/>
+          </a:xfrm>
+          <a:prstGeom prst="rect">
+            <a:avLst/>
+          </a:prstGeom>
+          <a:solidFill>
+            <a:schemeClr val="bg2">
+              <a:lumMod val="90000"/>
+              <a:alpha val="36000"/>
+            </a:schemeClr>
+          </a:solidFill>
+          <a:ln>
+            <a:noFill/>
+          </a:ln>
+        </p:spPr>
+        <p:style>
+          <a:lnRef idx="2">
+            <a:schemeClr val="accent1">
+              <a:shade val="50000"/>
+            </a:schemeClr>
+          </a:lnRef>
+          <a:fillRef idx="1">
+            <a:schemeClr val="accent1"/>
+          </a:fillRef>
+          <a:effectRef idx="0">
+            <a:schemeClr val="accent1"/>
+          </a:effectRef>
+          <a:fontRef idx="minor">
+            <a:schemeClr val="lt1"/>
+          </a:fontRef>
+        </p:style>
+        <p:txBody>
+          <a:bodyPr rtlCol="0" anchor="ctr"/>
+          <a:lstStyle/>
+          <a:p>
+            <a:pPr algn="ctr"/>
+            <a:endParaRPr lang="de-CH"/>
+          </a:p>
+        </p:txBody>
+      </p:sp>
+      <p:pic>
+        <p:nvPicPr>
+          <p:cNvPr id="5" name="Grafik 4"/>
+          <p:cNvPicPr>
+            <a:picLocks noChangeAspect="1"/>
+          </p:cNvPicPr>
+          <p:nvPr/>
+        </p:nvPicPr>
+        <p:blipFill>
+          <a:blip r:embed="rId3" cstate="print">
+            <a:extLst>
+              <a:ext uri="{28A0092B-C50C-407E-A947-70E740481C1C}">
+                <a14:useLocalDpi xmlns:a14="http://schemas.microsoft.com/office/drawing/2010/main" val="0"/>
+              </a:ext>
+            </a:extLst>
+          </a:blip>
+          <a:stretch>
+            <a:fillRect/>
+          </a:stretch>
+        </p:blipFill>
+        <p:spPr>
+          <a:xfrm>
+            <a:off x="767780" y="288071"/>
+            <a:ext cx="432000" cy="432000"/>
+          </a:xfrm>
+          <a:prstGeom prst="rect">
+            <a:avLst/>
+          </a:prstGeom>
+        </p:spPr>
+      </p:pic>
+      <p:sp>
+        <p:nvSpPr>
+          <p:cNvPr id="6" name="Rechteck 5"/>
+          <p:cNvSpPr/>
+          <p:nvPr/>
+        </p:nvSpPr>
+        <p:spPr>
+          <a:xfrm>
+            <a:off x="767780" y="720071"/>
+            <a:ext cx="432000" cy="1142007"/>
+          </a:xfrm>
+          <a:prstGeom prst="rect">
+            <a:avLst/>
+          </a:prstGeom>
+          <a:solidFill>
+            <a:srgbClr val="E21A00"/>
+          </a:solidFill>
+          <a:ln>
+            <a:noFill/>
+          </a:ln>
+        </p:spPr>
+        <p:style>
+          <a:lnRef idx="2">
+            <a:schemeClr val="accent1">
+              <a:shade val="50000"/>
+            </a:schemeClr>
+          </a:lnRef>
+          <a:fillRef idx="1">
+            <a:schemeClr val="accent1"/>
+          </a:fillRef>
+          <a:effectRef idx="0">
+            <a:schemeClr val="accent1"/>
+          </a:effectRef>
+          <a:fontRef idx="minor">
+            <a:schemeClr val="lt1"/>
+          </a:fontRef>
+        </p:style>
+        <p:txBody>
+          <a:bodyPr vert="vert270" rtlCol="0" anchor="ctr"/>
+          <a:lstStyle/>
+          <a:p>
+            <a:pPr algn="ctr"/>
+            <a:r>
+              <a:rPr lang="de-CH" sz="2000" dirty="0" err="1" smtClean="0"/>
+              <a:t>AddIn</a:t>
+            </a:r>
+            <a:endParaRPr lang="de-CH" sz="2000" dirty="0"/>
+          </a:p>
+        </p:txBody>
+      </p:sp>
+      <p:pic>
+        <p:nvPicPr>
+          <p:cNvPr id="7" name="Grafik 6"/>
+          <p:cNvPicPr>
+            <a:picLocks noChangeAspect="1"/>
+          </p:cNvPicPr>
+          <p:nvPr/>
+        </p:nvPicPr>
+        <p:blipFill>
+          <a:blip r:embed="rId4" cstate="print">
+            <a:extLst>
+              <a:ext uri="{28A0092B-C50C-407E-A947-70E740481C1C}">
+                <a14:useLocalDpi xmlns:a14="http://schemas.microsoft.com/office/drawing/2010/main" val="0"/>
+              </a:ext>
+            </a:extLst>
+          </a:blip>
+          <a:stretch>
+            <a:fillRect/>
+          </a:stretch>
+        </p:blipFill>
+        <p:spPr>
+          <a:xfrm>
+            <a:off x="347351" y="1095746"/>
+            <a:ext cx="360000" cy="360000"/>
+          </a:xfrm>
+          <a:prstGeom prst="rect">
+            <a:avLst/>
+          </a:prstGeom>
+        </p:spPr>
+      </p:pic>
+      <p:pic>
+        <p:nvPicPr>
+          <p:cNvPr id="8" name="Grafik 7"/>
+          <p:cNvPicPr>
+            <a:picLocks noChangeAspect="1"/>
+          </p:cNvPicPr>
+          <p:nvPr/>
+        </p:nvPicPr>
+        <p:blipFill>
+          <a:blip r:embed="rId5" cstate="print">
+            <a:extLst>
+              <a:ext uri="{28A0092B-C50C-407E-A947-70E740481C1C}">
+                <a14:useLocalDpi xmlns:a14="http://schemas.microsoft.com/office/drawing/2010/main" val="0"/>
+              </a:ext>
+            </a:extLst>
+          </a:blip>
+          <a:stretch>
+            <a:fillRect/>
+          </a:stretch>
+        </p:blipFill>
+        <p:spPr>
+          <a:xfrm>
+            <a:off x="347351" y="288071"/>
+            <a:ext cx="360000" cy="360000"/>
+          </a:xfrm>
+          <a:prstGeom prst="rect">
+            <a:avLst/>
+          </a:prstGeom>
+        </p:spPr>
+      </p:pic>
+      <p:pic>
+        <p:nvPicPr>
+          <p:cNvPr id="9" name="Grafik 8"/>
+          <p:cNvPicPr>
+            <a:picLocks noChangeAspect="1"/>
+          </p:cNvPicPr>
+          <p:nvPr/>
+        </p:nvPicPr>
+        <p:blipFill>
+          <a:blip r:embed="rId6" cstate="print">
+            <a:extLst>
+              <a:ext uri="{28A0092B-C50C-407E-A947-70E740481C1C}">
+                <a14:useLocalDpi xmlns:a14="http://schemas.microsoft.com/office/drawing/2010/main" val="0"/>
+              </a:ext>
+            </a:extLst>
+          </a:blip>
+          <a:stretch>
+            <a:fillRect/>
+          </a:stretch>
+        </p:blipFill>
+        <p:spPr>
+          <a:xfrm>
+            <a:off x="347351" y="1502078"/>
+            <a:ext cx="360000" cy="360000"/>
+          </a:xfrm>
+          <a:prstGeom prst="rect">
+            <a:avLst/>
+          </a:prstGeom>
+        </p:spPr>
+      </p:pic>
+      <p:pic>
+        <p:nvPicPr>
+          <p:cNvPr id="10" name="Grafik 9"/>
+          <p:cNvPicPr>
+            <a:picLocks noChangeAspect="1"/>
+          </p:cNvPicPr>
+          <p:nvPr/>
+        </p:nvPicPr>
+        <p:blipFill>
+          <a:blip r:embed="rId7" cstate="print">
+            <a:extLst>
+              <a:ext uri="{28A0092B-C50C-407E-A947-70E740481C1C}">
+                <a14:useLocalDpi xmlns:a14="http://schemas.microsoft.com/office/drawing/2010/main" val="0"/>
+              </a:ext>
+            </a:extLst>
+          </a:blip>
+          <a:stretch>
+            <a:fillRect/>
+          </a:stretch>
+        </p:blipFill>
+        <p:spPr>
+          <a:xfrm>
+            <a:off x="347351" y="688409"/>
+            <a:ext cx="360000" cy="360000"/>
+          </a:xfrm>
+          <a:prstGeom prst="rect">
+            <a:avLst/>
+          </a:prstGeom>
+        </p:spPr>
+      </p:pic>
+      <p:pic>
+        <p:nvPicPr>
+          <p:cNvPr id="16" name="Grafik 15"/>
+          <p:cNvPicPr>
+            <a:picLocks noChangeAspect="1"/>
+          </p:cNvPicPr>
+          <p:nvPr/>
+        </p:nvPicPr>
+        <p:blipFill>
+          <a:blip r:embed="rId3">
+            <a:extLst>
+              <a:ext uri="{28A0092B-C50C-407E-A947-70E740481C1C}">
+                <a14:useLocalDpi xmlns:a14="http://schemas.microsoft.com/office/drawing/2010/main" val="0"/>
+              </a:ext>
+            </a:extLst>
+          </a:blip>
+          <a:stretch>
+            <a:fillRect/>
+          </a:stretch>
+        </p:blipFill>
+        <p:spPr>
+          <a:xfrm>
+            <a:off x="3428015" y="643935"/>
+            <a:ext cx="1100550" cy="1100550"/>
+          </a:xfrm>
+          <a:prstGeom prst="rect">
+            <a:avLst/>
+          </a:prstGeom>
+        </p:spPr>
+      </p:pic>
+      <p:pic>
+        <p:nvPicPr>
+          <p:cNvPr id="17" name="Grafik 16"/>
+          <p:cNvPicPr>
+            <a:picLocks noChangeAspect="1"/>
+          </p:cNvPicPr>
+          <p:nvPr/>
+        </p:nvPicPr>
+        <p:blipFill>
+          <a:blip r:embed="rId8" cstate="print">
+            <a:extLst>
+              <a:ext uri="{28A0092B-C50C-407E-A947-70E740481C1C}">
+                <a14:useLocalDpi xmlns:a14="http://schemas.microsoft.com/office/drawing/2010/main" val="0"/>
+              </a:ext>
+            </a:extLst>
+          </a:blip>
+          <a:stretch>
+            <a:fillRect/>
+          </a:stretch>
+        </p:blipFill>
+        <p:spPr>
+          <a:xfrm>
+            <a:off x="4545197" y="675088"/>
+            <a:ext cx="312238" cy="312238"/>
+          </a:xfrm>
+          <a:prstGeom prst="rect">
+            <a:avLst/>
+          </a:prstGeom>
+        </p:spPr>
+      </p:pic>
+      <p:pic>
+        <p:nvPicPr>
+          <p:cNvPr id="22" name="Grafik 21"/>
+          <p:cNvPicPr>
+            <a:picLocks noChangeAspect="1"/>
+          </p:cNvPicPr>
+          <p:nvPr/>
+        </p:nvPicPr>
+        <p:blipFill>
+          <a:blip r:embed="rId8" cstate="print">
+            <a:extLst>
+              <a:ext uri="{28A0092B-C50C-407E-A947-70E740481C1C}">
+                <a14:useLocalDpi xmlns:a14="http://schemas.microsoft.com/office/drawing/2010/main" val="0"/>
+              </a:ext>
+            </a:extLst>
+          </a:blip>
+          <a:stretch>
+            <a:fillRect/>
+          </a:stretch>
+        </p:blipFill>
+        <p:spPr>
+          <a:xfrm>
+            <a:off x="5289533" y="5386809"/>
+            <a:ext cx="573168" cy="573168"/>
+          </a:xfrm>
+          <a:prstGeom prst="rect">
+            <a:avLst/>
+          </a:prstGeom>
+        </p:spPr>
+      </p:pic>
+      <p:pic>
+        <p:nvPicPr>
+          <p:cNvPr id="26" name="Grafik 25"/>
+          <p:cNvPicPr>
+            <a:picLocks noChangeAspect="1"/>
+          </p:cNvPicPr>
+          <p:nvPr/>
+        </p:nvPicPr>
+        <p:blipFill>
+          <a:blip r:embed="rId9" cstate="print">
+            <a:extLst>
+              <a:ext uri="{28A0092B-C50C-407E-A947-70E740481C1C}">
+                <a14:useLocalDpi xmlns:a14="http://schemas.microsoft.com/office/drawing/2010/main" val="0"/>
+              </a:ext>
+            </a:extLst>
+          </a:blip>
+          <a:stretch>
+            <a:fillRect/>
+          </a:stretch>
+        </p:blipFill>
+        <p:spPr>
+          <a:xfrm>
+            <a:off x="279064" y="5541125"/>
+            <a:ext cx="499499" cy="499499"/>
+          </a:xfrm>
+          <a:prstGeom prst="rect">
+            <a:avLst/>
+          </a:prstGeom>
+        </p:spPr>
+      </p:pic>
+      <p:pic>
+        <p:nvPicPr>
+          <p:cNvPr id="31" name="Grafik 30"/>
+          <p:cNvPicPr>
+            <a:picLocks noChangeAspect="1"/>
+          </p:cNvPicPr>
+          <p:nvPr/>
+        </p:nvPicPr>
+        <p:blipFill>
+          <a:blip r:embed="rId10" cstate="print">
+            <a:extLst>
+              <a:ext uri="{28A0092B-C50C-407E-A947-70E740481C1C}">
+                <a14:useLocalDpi xmlns:a14="http://schemas.microsoft.com/office/drawing/2010/main" val="0"/>
+              </a:ext>
+            </a:extLst>
+          </a:blip>
+          <a:stretch>
+            <a:fillRect/>
+          </a:stretch>
+        </p:blipFill>
+        <p:spPr>
+          <a:xfrm>
+            <a:off x="3450263" y="3480462"/>
+            <a:ext cx="1016183" cy="1016183"/>
+          </a:xfrm>
+          <a:prstGeom prst="rect">
+            <a:avLst/>
+          </a:prstGeom>
+        </p:spPr>
+      </p:pic>
+      <p:sp>
+        <p:nvSpPr>
+          <p:cNvPr id="40" name="Textfeld 39"/>
+          <p:cNvSpPr txBox="1"/>
+          <p:nvPr/>
+        </p:nvSpPr>
+        <p:spPr>
+          <a:xfrm>
+            <a:off x="3267658" y="4532127"/>
+            <a:ext cx="1234440" cy="369332"/>
+          </a:xfrm>
+          <a:prstGeom prst="rect">
+            <a:avLst/>
+          </a:prstGeom>
+          <a:noFill/>
+        </p:spPr>
+        <p:txBody>
+          <a:bodyPr wrap="square" rtlCol="0">
+            <a:spAutoFit/>
+          </a:bodyPr>
+          <a:lstStyle/>
+          <a:p>
+            <a:pPr algn="ctr"/>
             <a:r>
               <a:rPr lang="de-CH" dirty="0" smtClean="0"/>
-              <a:t>Engine – Dokument Erzeugung</a:t>
+              <a:t>Service</a:t>
             </a:r>
             <a:endParaRPr lang="de-CH" dirty="0"/>
+          </a:p>
+        </p:txBody>
+      </p:sp>
+      <p:sp>
+        <p:nvSpPr>
+          <p:cNvPr id="43" name="Textfeld 42"/>
+          <p:cNvSpPr txBox="1"/>
+          <p:nvPr/>
+        </p:nvSpPr>
+        <p:spPr>
+          <a:xfrm>
+            <a:off x="6383197" y="5972791"/>
+            <a:ext cx="1234440" cy="369332"/>
+          </a:xfrm>
+          <a:prstGeom prst="rect">
+            <a:avLst/>
+          </a:prstGeom>
+          <a:noFill/>
+        </p:spPr>
+        <p:txBody>
+          <a:bodyPr wrap="square" rtlCol="0">
+            <a:spAutoFit/>
+          </a:bodyPr>
+          <a:lstStyle/>
+          <a:p>
+            <a:pPr algn="ctr"/>
+            <a:r>
+              <a:rPr lang="de-CH" dirty="0" err="1" smtClean="0"/>
+              <a:t>WebApp</a:t>
+            </a:r>
+            <a:endParaRPr lang="de-CH" dirty="0"/>
+          </a:p>
+        </p:txBody>
+      </p:sp>
+      <p:sp>
+        <p:nvSpPr>
+          <p:cNvPr id="45" name="Textfeld 44"/>
+          <p:cNvSpPr txBox="1"/>
+          <p:nvPr/>
+        </p:nvSpPr>
+        <p:spPr>
+          <a:xfrm>
+            <a:off x="5033329" y="5986520"/>
+            <a:ext cx="1212799" cy="646331"/>
+          </a:xfrm>
+          <a:prstGeom prst="rect">
+            <a:avLst/>
+          </a:prstGeom>
+          <a:noFill/>
+        </p:spPr>
+        <p:txBody>
+          <a:bodyPr wrap="square" rtlCol="0">
+            <a:spAutoFit/>
+          </a:bodyPr>
+          <a:lstStyle/>
+          <a:p>
+            <a:pPr algn="ctr"/>
+            <a:r>
+              <a:rPr lang="de-CH" dirty="0" smtClean="0"/>
+              <a:t>SQL </a:t>
+            </a:r>
+            <a:r>
+              <a:rPr lang="de-CH" dirty="0"/>
+              <a:t>Server</a:t>
+            </a:r>
+          </a:p>
+          <a:p>
+            <a:pPr algn="ctr"/>
+            <a:endParaRPr lang="de-CH" dirty="0"/>
+          </a:p>
+        </p:txBody>
+      </p:sp>
+      <p:sp>
+        <p:nvSpPr>
+          <p:cNvPr id="49" name="Textfeld 48"/>
+          <p:cNvSpPr txBox="1"/>
+          <p:nvPr/>
+        </p:nvSpPr>
+        <p:spPr>
+          <a:xfrm>
+            <a:off x="7120054" y="5974600"/>
+            <a:ext cx="1234440" cy="369332"/>
+          </a:xfrm>
+          <a:prstGeom prst="rect">
+            <a:avLst/>
+          </a:prstGeom>
+          <a:noFill/>
+        </p:spPr>
+        <p:txBody>
+          <a:bodyPr wrap="square" rtlCol="0">
+            <a:spAutoFit/>
+          </a:bodyPr>
+          <a:lstStyle/>
+          <a:p>
+            <a:pPr algn="ctr"/>
+            <a:r>
+              <a:rPr lang="de-CH" dirty="0" smtClean="0"/>
+              <a:t>Admin</a:t>
+            </a:r>
+            <a:endParaRPr lang="de-CH" dirty="0"/>
+          </a:p>
+        </p:txBody>
+      </p:sp>
+      <p:sp>
+        <p:nvSpPr>
+          <p:cNvPr id="54" name="Textfeld 53"/>
+          <p:cNvSpPr txBox="1"/>
+          <p:nvPr/>
+        </p:nvSpPr>
+        <p:spPr>
+          <a:xfrm>
+            <a:off x="3772128" y="2800687"/>
+            <a:ext cx="1330935" cy="338554"/>
+          </a:xfrm>
+          <a:prstGeom prst="rect">
+            <a:avLst/>
+          </a:prstGeom>
+          <a:noFill/>
+        </p:spPr>
+        <p:txBody>
+          <a:bodyPr wrap="square" rtlCol="0">
+            <a:spAutoFit/>
+          </a:bodyPr>
+          <a:lstStyle/>
+          <a:p>
+            <a:pPr algn="ctr"/>
+            <a:r>
+              <a:rPr lang="de-CH" sz="1600" dirty="0" err="1" smtClean="0"/>
+              <a:t>Named</a:t>
+            </a:r>
+            <a:r>
+              <a:rPr lang="de-CH" sz="1600" dirty="0"/>
+              <a:t> </a:t>
+            </a:r>
+            <a:r>
+              <a:rPr lang="de-CH" sz="1600" dirty="0" smtClean="0"/>
+              <a:t>Pipe</a:t>
+            </a:r>
+            <a:endParaRPr lang="de-CH" sz="1400" dirty="0"/>
+          </a:p>
+        </p:txBody>
+      </p:sp>
+      <p:sp>
+        <p:nvSpPr>
+          <p:cNvPr id="59" name="Textfeld 58"/>
+          <p:cNvSpPr txBox="1"/>
+          <p:nvPr/>
+        </p:nvSpPr>
+        <p:spPr>
+          <a:xfrm>
+            <a:off x="8042446" y="5282552"/>
+            <a:ext cx="1296500" cy="584775"/>
+          </a:xfrm>
+          <a:prstGeom prst="rect">
+            <a:avLst/>
+          </a:prstGeom>
+          <a:noFill/>
+        </p:spPr>
+        <p:txBody>
+          <a:bodyPr wrap="square" rtlCol="0">
+            <a:spAutoFit/>
+          </a:bodyPr>
+          <a:lstStyle/>
+          <a:p>
+            <a:pPr algn="ctr"/>
+            <a:r>
+              <a:rPr lang="de-CH" sz="1600" dirty="0" smtClean="0"/>
+              <a:t>HTTP API /</a:t>
+            </a:r>
+          </a:p>
+          <a:p>
+            <a:pPr algn="ctr"/>
+            <a:r>
+              <a:rPr lang="de-CH" sz="1600" dirty="0" smtClean="0"/>
+              <a:t>Via Browser</a:t>
+            </a:r>
+            <a:endParaRPr lang="de-CH" sz="1600" dirty="0"/>
+          </a:p>
+        </p:txBody>
+      </p:sp>
+      <p:sp>
+        <p:nvSpPr>
+          <p:cNvPr id="61" name="Textfeld 60"/>
+          <p:cNvSpPr txBox="1"/>
+          <p:nvPr/>
+        </p:nvSpPr>
+        <p:spPr>
+          <a:xfrm>
+            <a:off x="154672" y="1908584"/>
+            <a:ext cx="1766722" cy="369332"/>
+          </a:xfrm>
+          <a:prstGeom prst="rect">
+            <a:avLst/>
+          </a:prstGeom>
+          <a:noFill/>
+        </p:spPr>
+        <p:txBody>
+          <a:bodyPr wrap="square" rtlCol="0">
+            <a:spAutoFit/>
+          </a:bodyPr>
+          <a:lstStyle>
+            <a:defPPr>
+              <a:defRPr lang="en-US"/>
+            </a:defPPr>
+            <a:lvl1pPr algn="ctr">
+              <a:defRPr sz="2400" b="1"/>
+            </a:lvl1pPr>
+          </a:lstStyle>
+          <a:p>
+            <a:r>
+              <a:rPr lang="de-CH" sz="1800" dirty="0" smtClean="0"/>
+              <a:t>Windows Client</a:t>
+            </a:r>
+            <a:endParaRPr lang="de-CH" sz="1800" dirty="0"/>
+          </a:p>
+        </p:txBody>
+      </p:sp>
+      <p:sp>
+        <p:nvSpPr>
+          <p:cNvPr id="62" name="Textfeld 61"/>
+          <p:cNvSpPr txBox="1"/>
+          <p:nvPr/>
+        </p:nvSpPr>
+        <p:spPr>
+          <a:xfrm>
+            <a:off x="2763967" y="6392557"/>
+            <a:ext cx="2624021" cy="369332"/>
+          </a:xfrm>
+          <a:prstGeom prst="rect">
+            <a:avLst/>
+          </a:prstGeom>
+          <a:noFill/>
+        </p:spPr>
+        <p:txBody>
+          <a:bodyPr wrap="square" rtlCol="0">
+            <a:spAutoFit/>
+          </a:bodyPr>
+          <a:lstStyle>
+            <a:defPPr>
+              <a:defRPr lang="en-US"/>
+            </a:defPPr>
+            <a:lvl1pPr algn="ctr">
+              <a:defRPr sz="2400" b="1"/>
+            </a:lvl1pPr>
+          </a:lstStyle>
+          <a:p>
+            <a:r>
+              <a:rPr lang="de-CH" sz="1800" dirty="0" smtClean="0"/>
+              <a:t>OneOffixx Server Apps</a:t>
+            </a:r>
+            <a:endParaRPr lang="de-CH" sz="1800" dirty="0"/>
+          </a:p>
+        </p:txBody>
+      </p:sp>
+      <p:pic>
+        <p:nvPicPr>
+          <p:cNvPr id="64" name="Grafik 63"/>
+          <p:cNvPicPr>
+            <a:picLocks noChangeAspect="1"/>
+          </p:cNvPicPr>
+          <p:nvPr/>
+        </p:nvPicPr>
+        <p:blipFill>
+          <a:blip r:embed="rId11" cstate="print">
+            <a:extLst>
+              <a:ext uri="{28A0092B-C50C-407E-A947-70E740481C1C}">
+                <a14:useLocalDpi xmlns:a14="http://schemas.microsoft.com/office/drawing/2010/main" val="0"/>
+              </a:ext>
+            </a:extLst>
+          </a:blip>
+          <a:stretch>
+            <a:fillRect/>
+          </a:stretch>
+        </p:blipFill>
+        <p:spPr>
+          <a:xfrm>
+            <a:off x="6773092" y="5470287"/>
+            <a:ext cx="489774" cy="489774"/>
+          </a:xfrm>
+          <a:prstGeom prst="rect">
+            <a:avLst/>
+          </a:prstGeom>
+        </p:spPr>
+      </p:pic>
+      <p:pic>
+        <p:nvPicPr>
+          <p:cNvPr id="65" name="Grafik 64"/>
+          <p:cNvPicPr>
+            <a:picLocks noChangeAspect="1"/>
+          </p:cNvPicPr>
+          <p:nvPr/>
+        </p:nvPicPr>
+        <p:blipFill>
+          <a:blip r:embed="rId12" cstate="print">
+            <a:extLst>
+              <a:ext uri="{28A0092B-C50C-407E-A947-70E740481C1C}">
+                <a14:useLocalDpi xmlns:a14="http://schemas.microsoft.com/office/drawing/2010/main" val="0"/>
+              </a:ext>
+            </a:extLst>
+          </a:blip>
+          <a:stretch>
+            <a:fillRect/>
+          </a:stretch>
+        </p:blipFill>
+        <p:spPr>
+          <a:xfrm>
+            <a:off x="7497601" y="5502800"/>
+            <a:ext cx="424748" cy="424748"/>
+          </a:xfrm>
+          <a:prstGeom prst="rect">
+            <a:avLst/>
+          </a:prstGeom>
+        </p:spPr>
+      </p:pic>
+      <p:sp>
+        <p:nvSpPr>
+          <p:cNvPr id="66" name="Textfeld 65"/>
+          <p:cNvSpPr txBox="1"/>
+          <p:nvPr/>
+        </p:nvSpPr>
+        <p:spPr>
+          <a:xfrm>
+            <a:off x="6185081" y="4515163"/>
+            <a:ext cx="2042615" cy="646331"/>
+          </a:xfrm>
+          <a:prstGeom prst="rect">
+            <a:avLst/>
+          </a:prstGeom>
+          <a:noFill/>
+        </p:spPr>
+        <p:txBody>
+          <a:bodyPr wrap="square" rtlCol="0">
+            <a:spAutoFit/>
+          </a:bodyPr>
+          <a:lstStyle/>
+          <a:p>
+            <a:pPr algn="ctr"/>
+            <a:r>
+              <a:rPr lang="de-CH" dirty="0" err="1" smtClean="0"/>
+              <a:t>Document</a:t>
+            </a:r>
+            <a:r>
+              <a:rPr lang="de-CH" dirty="0" smtClean="0"/>
+              <a:t> </a:t>
+            </a:r>
+            <a:r>
+              <a:rPr lang="de-CH" dirty="0" err="1" smtClean="0"/>
+              <a:t>Creation</a:t>
+            </a:r>
+            <a:endParaRPr lang="de-CH" dirty="0"/>
+          </a:p>
+          <a:p>
+            <a:pPr algn="ctr"/>
+            <a:r>
+              <a:rPr lang="de-CH" dirty="0" smtClean="0"/>
+              <a:t>Server</a:t>
+            </a:r>
+            <a:endParaRPr lang="de-CH" dirty="0"/>
+          </a:p>
+        </p:txBody>
+      </p:sp>
+      <p:sp>
+        <p:nvSpPr>
+          <p:cNvPr id="70" name="Textfeld 69"/>
+          <p:cNvSpPr txBox="1"/>
+          <p:nvPr/>
+        </p:nvSpPr>
+        <p:spPr>
+          <a:xfrm>
+            <a:off x="-47825" y="6085391"/>
+            <a:ext cx="1059483" cy="338554"/>
+          </a:xfrm>
+          <a:prstGeom prst="rect">
+            <a:avLst/>
+          </a:prstGeom>
+          <a:noFill/>
+        </p:spPr>
+        <p:txBody>
+          <a:bodyPr wrap="square" rtlCol="0">
+            <a:spAutoFit/>
+          </a:bodyPr>
+          <a:lstStyle/>
+          <a:p>
+            <a:pPr algn="ctr"/>
+            <a:r>
+              <a:rPr lang="de-CH" sz="1600" dirty="0" smtClean="0"/>
+              <a:t>AD</a:t>
+            </a:r>
+            <a:endParaRPr lang="de-CH" dirty="0"/>
+          </a:p>
+        </p:txBody>
+      </p:sp>
+      <p:sp>
+        <p:nvSpPr>
+          <p:cNvPr id="76" name="Textfeld 75"/>
+          <p:cNvSpPr txBox="1"/>
+          <p:nvPr/>
+        </p:nvSpPr>
+        <p:spPr>
+          <a:xfrm>
+            <a:off x="3849311" y="2352144"/>
+            <a:ext cx="995483" cy="338554"/>
+          </a:xfrm>
+          <a:prstGeom prst="rect">
+            <a:avLst/>
+          </a:prstGeom>
+          <a:noFill/>
+        </p:spPr>
+        <p:txBody>
+          <a:bodyPr wrap="square" rtlCol="0">
+            <a:spAutoFit/>
+          </a:bodyPr>
+          <a:lstStyle/>
+          <a:p>
+            <a:r>
+              <a:rPr lang="de-CH" sz="1600" dirty="0" smtClean="0"/>
+              <a:t>WS/Rest</a:t>
+            </a:r>
+            <a:endParaRPr lang="de-CH" dirty="0"/>
+          </a:p>
+        </p:txBody>
+      </p:sp>
+      <p:sp>
+        <p:nvSpPr>
+          <p:cNvPr id="81" name="Textfeld 80"/>
+          <p:cNvSpPr txBox="1"/>
+          <p:nvPr/>
+        </p:nvSpPr>
+        <p:spPr>
+          <a:xfrm>
+            <a:off x="2117784" y="5873125"/>
+            <a:ext cx="837263" cy="830997"/>
+          </a:xfrm>
+          <a:prstGeom prst="rect">
+            <a:avLst/>
+          </a:prstGeom>
+          <a:noFill/>
+        </p:spPr>
+        <p:txBody>
+          <a:bodyPr wrap="square" rtlCol="0">
+            <a:spAutoFit/>
+          </a:bodyPr>
+          <a:lstStyle/>
+          <a:p>
+            <a:pPr algn="ctr"/>
+            <a:r>
+              <a:rPr lang="de-CH" sz="1600" dirty="0" smtClean="0"/>
+              <a:t>LDAP / SQL / HTTP</a:t>
+            </a:r>
+            <a:endParaRPr lang="de-CH" sz="1600" dirty="0"/>
+          </a:p>
+        </p:txBody>
+      </p:sp>
+      <p:pic>
+        <p:nvPicPr>
+          <p:cNvPr id="82" name="Grafik 81"/>
+          <p:cNvPicPr>
+            <a:picLocks noChangeAspect="1"/>
+          </p:cNvPicPr>
+          <p:nvPr/>
+        </p:nvPicPr>
+        <p:blipFill>
+          <a:blip r:embed="rId13" cstate="print">
+            <a:extLst>
+              <a:ext uri="{28A0092B-C50C-407E-A947-70E740481C1C}">
+                <a14:useLocalDpi xmlns:a14="http://schemas.microsoft.com/office/drawing/2010/main" val="0"/>
+              </a:ext>
+            </a:extLst>
+          </a:blip>
+          <a:stretch>
+            <a:fillRect/>
+          </a:stretch>
+        </p:blipFill>
+        <p:spPr>
+          <a:xfrm>
+            <a:off x="10612444" y="4370243"/>
+            <a:ext cx="825871" cy="825871"/>
+          </a:xfrm>
+          <a:prstGeom prst="rect">
+            <a:avLst/>
+          </a:prstGeom>
+        </p:spPr>
+      </p:pic>
+      <p:pic>
+        <p:nvPicPr>
+          <p:cNvPr id="92" name="Grafik 91"/>
+          <p:cNvPicPr>
+            <a:picLocks noChangeAspect="1"/>
+          </p:cNvPicPr>
+          <p:nvPr/>
+        </p:nvPicPr>
+        <p:blipFill>
+          <a:blip r:embed="rId3" cstate="print">
+            <a:extLst>
+              <a:ext uri="{28A0092B-C50C-407E-A947-70E740481C1C}">
+                <a14:useLocalDpi xmlns:a14="http://schemas.microsoft.com/office/drawing/2010/main" val="0"/>
+              </a:ext>
+            </a:extLst>
+          </a:blip>
+          <a:stretch>
+            <a:fillRect/>
+          </a:stretch>
+        </p:blipFill>
+        <p:spPr>
+          <a:xfrm>
+            <a:off x="9851377" y="4435615"/>
+            <a:ext cx="476810" cy="528429"/>
+          </a:xfrm>
+          <a:prstGeom prst="rect">
+            <a:avLst/>
+          </a:prstGeom>
+        </p:spPr>
+      </p:pic>
+      <p:sp>
+        <p:nvSpPr>
+          <p:cNvPr id="93" name="Textfeld 92"/>
+          <p:cNvSpPr txBox="1"/>
+          <p:nvPr/>
+        </p:nvSpPr>
+        <p:spPr>
+          <a:xfrm>
+            <a:off x="9747289" y="4964044"/>
+            <a:ext cx="822026" cy="577081"/>
+          </a:xfrm>
+          <a:prstGeom prst="rect">
+            <a:avLst/>
+          </a:prstGeom>
+          <a:noFill/>
+        </p:spPr>
+        <p:txBody>
+          <a:bodyPr wrap="square" rtlCol="0">
+            <a:spAutoFit/>
+          </a:bodyPr>
+          <a:lstStyle/>
+          <a:p>
+            <a:r>
+              <a:rPr lang="de-CH" sz="1050" dirty="0" err="1" smtClean="0"/>
+              <a:t>OneOffixx</a:t>
+            </a:r>
+            <a:r>
+              <a:rPr lang="de-CH" sz="1050" dirty="0" smtClean="0"/>
+              <a:t> SharePoint Connector</a:t>
+            </a:r>
+            <a:endParaRPr lang="de-CH" sz="1050" dirty="0"/>
+          </a:p>
+        </p:txBody>
+      </p:sp>
+      <p:sp>
+        <p:nvSpPr>
+          <p:cNvPr id="94" name="Textfeld 93"/>
+          <p:cNvSpPr txBox="1"/>
+          <p:nvPr/>
+        </p:nvSpPr>
+        <p:spPr>
+          <a:xfrm>
+            <a:off x="9543433" y="615199"/>
+            <a:ext cx="1972292" cy="923330"/>
+          </a:xfrm>
+          <a:prstGeom prst="rect">
+            <a:avLst/>
+          </a:prstGeom>
+          <a:noFill/>
+        </p:spPr>
+        <p:txBody>
+          <a:bodyPr wrap="square" rtlCol="0">
+            <a:spAutoFit/>
+          </a:bodyPr>
+          <a:lstStyle/>
+          <a:p>
+            <a:pPr algn="ctr"/>
+            <a:r>
+              <a:rPr lang="de-CH" dirty="0" smtClean="0"/>
+              <a:t>Win32 App</a:t>
+            </a:r>
+          </a:p>
+          <a:p>
+            <a:pPr algn="ctr"/>
+            <a:r>
+              <a:rPr lang="de-CH" dirty="0" smtClean="0"/>
+              <a:t>Office Addin</a:t>
+            </a:r>
+          </a:p>
+          <a:p>
+            <a:pPr algn="ctr"/>
+            <a:r>
+              <a:rPr lang="de-CH" dirty="0" err="1" smtClean="0"/>
+              <a:t>Any</a:t>
+            </a:r>
+            <a:r>
+              <a:rPr lang="de-CH" dirty="0" smtClean="0"/>
+              <a:t> App </a:t>
+            </a:r>
+            <a:r>
+              <a:rPr lang="de-CH" dirty="0" err="1" smtClean="0"/>
+              <a:t>or</a:t>
+            </a:r>
+            <a:r>
+              <a:rPr lang="de-CH" dirty="0" smtClean="0"/>
+              <a:t> Service</a:t>
+            </a:r>
+            <a:endParaRPr lang="de-CH" dirty="0"/>
+          </a:p>
+        </p:txBody>
+      </p:sp>
+      <p:pic>
+        <p:nvPicPr>
+          <p:cNvPr id="97" name="Grafik 96"/>
+          <p:cNvPicPr>
+            <a:picLocks noChangeAspect="1"/>
+          </p:cNvPicPr>
+          <p:nvPr/>
+        </p:nvPicPr>
+        <p:blipFill>
+          <a:blip r:embed="rId14"/>
+          <a:stretch>
+            <a:fillRect/>
+          </a:stretch>
+        </p:blipFill>
+        <p:spPr>
+          <a:xfrm>
+            <a:off x="11088124" y="5815050"/>
+            <a:ext cx="565714" cy="577794"/>
+          </a:xfrm>
+          <a:prstGeom prst="rect">
+            <a:avLst/>
+          </a:prstGeom>
+        </p:spPr>
+      </p:pic>
+      <p:pic>
+        <p:nvPicPr>
+          <p:cNvPr id="98" name="Grafik 97"/>
+          <p:cNvPicPr>
+            <a:picLocks noChangeAspect="1"/>
+          </p:cNvPicPr>
+          <p:nvPr/>
+        </p:nvPicPr>
+        <p:blipFill>
+          <a:blip r:embed="rId15"/>
+          <a:stretch>
+            <a:fillRect/>
+          </a:stretch>
+        </p:blipFill>
+        <p:spPr>
+          <a:xfrm>
+            <a:off x="10351138" y="5737333"/>
+            <a:ext cx="552200" cy="622071"/>
+          </a:xfrm>
+          <a:prstGeom prst="rect">
+            <a:avLst/>
+          </a:prstGeom>
+        </p:spPr>
+      </p:pic>
+      <p:pic>
+        <p:nvPicPr>
+          <p:cNvPr id="99" name="Grafik 98"/>
+          <p:cNvPicPr>
+            <a:picLocks noChangeAspect="1"/>
+          </p:cNvPicPr>
+          <p:nvPr/>
+        </p:nvPicPr>
+        <p:blipFill>
+          <a:blip r:embed="rId16"/>
+          <a:stretch>
+            <a:fillRect/>
+          </a:stretch>
+        </p:blipFill>
+        <p:spPr>
+          <a:xfrm>
+            <a:off x="9649555" y="5773205"/>
+            <a:ext cx="504499" cy="580173"/>
+          </a:xfrm>
+          <a:prstGeom prst="rect">
+            <a:avLst/>
+          </a:prstGeom>
+        </p:spPr>
+      </p:pic>
+      <p:sp>
+        <p:nvSpPr>
+          <p:cNvPr id="100" name="Textfeld 99"/>
+          <p:cNvSpPr txBox="1"/>
+          <p:nvPr/>
+        </p:nvSpPr>
+        <p:spPr>
+          <a:xfrm>
+            <a:off x="8693257" y="109432"/>
+            <a:ext cx="3286816" cy="461665"/>
+          </a:xfrm>
+          <a:prstGeom prst="rect">
+            <a:avLst/>
+          </a:prstGeom>
+          <a:noFill/>
+        </p:spPr>
+        <p:txBody>
+          <a:bodyPr wrap="square" rtlCol="0">
+            <a:spAutoFit/>
+          </a:bodyPr>
+          <a:lstStyle>
+            <a:defPPr>
+              <a:defRPr lang="en-US"/>
+            </a:defPPr>
+            <a:lvl1pPr algn="ctr">
+              <a:defRPr sz="2400" b="1"/>
+            </a:lvl1pPr>
+          </a:lstStyle>
+          <a:p>
+            <a:r>
+              <a:rPr lang="de-CH" dirty="0" smtClean="0"/>
+              <a:t>LOB-Apps</a:t>
+            </a:r>
+            <a:endParaRPr lang="de-CH" dirty="0"/>
+          </a:p>
+        </p:txBody>
+      </p:sp>
+      <p:sp>
+        <p:nvSpPr>
+          <p:cNvPr id="56" name="Textfeld 55"/>
+          <p:cNvSpPr txBox="1"/>
+          <p:nvPr/>
+        </p:nvSpPr>
+        <p:spPr>
+          <a:xfrm>
+            <a:off x="5737371" y="646492"/>
+            <a:ext cx="3138356" cy="338554"/>
+          </a:xfrm>
+          <a:prstGeom prst="rect">
+            <a:avLst/>
+          </a:prstGeom>
+          <a:noFill/>
+        </p:spPr>
+        <p:txBody>
+          <a:bodyPr wrap="square" rtlCol="0">
+            <a:spAutoFit/>
+          </a:bodyPr>
+          <a:lstStyle>
+            <a:defPPr>
+              <a:defRPr lang="en-US"/>
+            </a:defPPr>
+            <a:lvl1pPr algn="ctr">
+              <a:defRPr sz="1600"/>
+            </a:lvl1pPr>
+          </a:lstStyle>
+          <a:p>
+            <a:r>
+              <a:rPr lang="de-CH" dirty="0"/>
+              <a:t>&lt;Connect /&gt;</a:t>
+            </a:r>
+          </a:p>
+        </p:txBody>
+      </p:sp>
+      <p:pic>
+        <p:nvPicPr>
+          <p:cNvPr id="67" name="Grafik 66"/>
+          <p:cNvPicPr>
+            <a:picLocks noChangeAspect="1"/>
+          </p:cNvPicPr>
+          <p:nvPr/>
+        </p:nvPicPr>
+        <p:blipFill>
+          <a:blip r:embed="rId17" cstate="print">
+            <a:extLst>
+              <a:ext uri="{28A0092B-C50C-407E-A947-70E740481C1C}">
+                <a14:useLocalDpi xmlns:a14="http://schemas.microsoft.com/office/drawing/2010/main" val="0"/>
+              </a:ext>
+            </a:extLst>
+          </a:blip>
+          <a:stretch>
+            <a:fillRect/>
+          </a:stretch>
+        </p:blipFill>
+        <p:spPr>
+          <a:xfrm>
+            <a:off x="6838483" y="3465804"/>
+            <a:ext cx="1032356" cy="1016183"/>
+          </a:xfrm>
+          <a:prstGeom prst="rect">
+            <a:avLst/>
+          </a:prstGeom>
+        </p:spPr>
+      </p:pic>
+      <p:sp>
+        <p:nvSpPr>
+          <p:cNvPr id="75" name="Textfeld 74"/>
+          <p:cNvSpPr txBox="1"/>
+          <p:nvPr/>
+        </p:nvSpPr>
+        <p:spPr>
+          <a:xfrm>
+            <a:off x="7849012" y="3852568"/>
+            <a:ext cx="1704401" cy="338554"/>
+          </a:xfrm>
+          <a:prstGeom prst="rect">
+            <a:avLst/>
+          </a:prstGeom>
+          <a:noFill/>
+        </p:spPr>
+        <p:txBody>
+          <a:bodyPr wrap="square" rtlCol="0">
+            <a:spAutoFit/>
+          </a:bodyPr>
+          <a:lstStyle>
+            <a:defPPr>
+              <a:defRPr lang="en-US"/>
+            </a:defPPr>
+            <a:lvl1pPr algn="ctr">
+              <a:defRPr sz="1600"/>
+            </a:lvl1pPr>
+          </a:lstStyle>
+          <a:p>
+            <a:r>
+              <a:rPr lang="de-CH" dirty="0"/>
+              <a:t>&lt;Connect /&gt;</a:t>
+            </a:r>
+          </a:p>
+        </p:txBody>
+      </p:sp>
+      <p:pic>
+        <p:nvPicPr>
+          <p:cNvPr id="4" name="Grafik 3"/>
+          <p:cNvPicPr>
+            <a:picLocks noChangeAspect="1"/>
+          </p:cNvPicPr>
+          <p:nvPr/>
+        </p:nvPicPr>
+        <p:blipFill>
+          <a:blip r:embed="rId18"/>
+          <a:stretch>
+            <a:fillRect/>
+          </a:stretch>
+        </p:blipFill>
+        <p:spPr>
+          <a:xfrm>
+            <a:off x="10076822" y="1851596"/>
+            <a:ext cx="1095168" cy="965878"/>
+          </a:xfrm>
+          <a:prstGeom prst="rect">
+            <a:avLst/>
+          </a:prstGeom>
+        </p:spPr>
+      </p:pic>
+      <p:pic>
+        <p:nvPicPr>
+          <p:cNvPr id="11" name="Grafik 10"/>
+          <p:cNvPicPr>
+            <a:picLocks noChangeAspect="1"/>
+          </p:cNvPicPr>
+          <p:nvPr/>
+        </p:nvPicPr>
+        <p:blipFill>
+          <a:blip r:embed="rId19"/>
+          <a:stretch>
+            <a:fillRect/>
+          </a:stretch>
+        </p:blipFill>
+        <p:spPr>
+          <a:xfrm>
+            <a:off x="9983539" y="3201394"/>
+            <a:ext cx="1057461" cy="741691"/>
+          </a:xfrm>
+          <a:prstGeom prst="rect">
+            <a:avLst/>
+          </a:prstGeom>
+        </p:spPr>
+      </p:pic>
+      <p:pic>
+        <p:nvPicPr>
+          <p:cNvPr id="13" name="Grafik 12"/>
+          <p:cNvPicPr>
+            <a:picLocks noChangeAspect="1"/>
+          </p:cNvPicPr>
+          <p:nvPr/>
+        </p:nvPicPr>
+        <p:blipFill>
+          <a:blip r:embed="rId20"/>
+          <a:stretch>
+            <a:fillRect/>
+          </a:stretch>
+        </p:blipFill>
+        <p:spPr>
+          <a:xfrm>
+            <a:off x="4158683" y="3436401"/>
+            <a:ext cx="351527" cy="333696"/>
+          </a:xfrm>
+          <a:prstGeom prst="rect">
+            <a:avLst/>
+          </a:prstGeom>
+        </p:spPr>
+      </p:pic>
+      <p:pic>
+        <p:nvPicPr>
+          <p:cNvPr id="90" name="Grafik 89"/>
+          <p:cNvPicPr>
+            <a:picLocks noChangeAspect="1"/>
+          </p:cNvPicPr>
+          <p:nvPr/>
+        </p:nvPicPr>
+        <p:blipFill>
+          <a:blip r:embed="rId20"/>
+          <a:stretch>
+            <a:fillRect/>
+          </a:stretch>
+        </p:blipFill>
+        <p:spPr>
+          <a:xfrm>
+            <a:off x="7525610" y="3467675"/>
+            <a:ext cx="345229" cy="327717"/>
+          </a:xfrm>
+          <a:prstGeom prst="rect">
+            <a:avLst/>
+          </a:prstGeom>
+        </p:spPr>
+      </p:pic>
+      <p:pic>
+        <p:nvPicPr>
+          <p:cNvPr id="91" name="Grafik 90"/>
+          <p:cNvPicPr>
+            <a:picLocks noChangeAspect="1"/>
+          </p:cNvPicPr>
+          <p:nvPr/>
+        </p:nvPicPr>
+        <p:blipFill>
+          <a:blip r:embed="rId20"/>
+          <a:stretch>
+            <a:fillRect/>
+          </a:stretch>
+        </p:blipFill>
+        <p:spPr>
+          <a:xfrm>
+            <a:off x="7151099" y="6353378"/>
+            <a:ext cx="345229" cy="327717"/>
+          </a:xfrm>
+          <a:prstGeom prst="rect">
+            <a:avLst/>
+          </a:prstGeom>
+        </p:spPr>
+      </p:pic>
+      <p:sp>
+        <p:nvSpPr>
+          <p:cNvPr id="95" name="Textfeld 94"/>
+          <p:cNvSpPr txBox="1"/>
+          <p:nvPr/>
+        </p:nvSpPr>
+        <p:spPr>
+          <a:xfrm>
+            <a:off x="3324084" y="1742424"/>
+            <a:ext cx="1234440" cy="369332"/>
+          </a:xfrm>
+          <a:prstGeom prst="rect">
+            <a:avLst/>
+          </a:prstGeom>
+          <a:noFill/>
+        </p:spPr>
+        <p:txBody>
+          <a:bodyPr wrap="square" rtlCol="0">
+            <a:spAutoFit/>
+          </a:bodyPr>
+          <a:lstStyle/>
+          <a:p>
+            <a:pPr algn="ctr"/>
+            <a:r>
+              <a:rPr lang="de-CH" dirty="0" smtClean="0"/>
+              <a:t>Client</a:t>
+            </a:r>
+            <a:endParaRPr lang="de-CH" dirty="0"/>
+          </a:p>
+        </p:txBody>
+      </p:sp>
+      <p:pic>
+        <p:nvPicPr>
+          <p:cNvPr id="2" name="Grafik 1"/>
+          <p:cNvPicPr>
+            <a:picLocks noChangeAspect="1"/>
+          </p:cNvPicPr>
+          <p:nvPr/>
+        </p:nvPicPr>
+        <p:blipFill>
+          <a:blip r:embed="rId21" cstate="print">
+            <a:extLst>
+              <a:ext uri="{28A0092B-C50C-407E-A947-70E740481C1C}">
+                <a14:useLocalDpi xmlns:a14="http://schemas.microsoft.com/office/drawing/2010/main" val="0"/>
+              </a:ext>
+            </a:extLst>
+          </a:blip>
+          <a:stretch>
+            <a:fillRect/>
+          </a:stretch>
+        </p:blipFill>
+        <p:spPr>
+          <a:xfrm>
+            <a:off x="1365099" y="3152527"/>
+            <a:ext cx="853179" cy="853179"/>
+          </a:xfrm>
+          <a:prstGeom prst="rect">
+            <a:avLst/>
+          </a:prstGeom>
+        </p:spPr>
+      </p:pic>
+      <p:pic>
+        <p:nvPicPr>
+          <p:cNvPr id="72" name="Grafik 71"/>
+          <p:cNvPicPr>
+            <a:picLocks noChangeAspect="1"/>
+          </p:cNvPicPr>
+          <p:nvPr/>
+        </p:nvPicPr>
+        <p:blipFill>
+          <a:blip r:embed="rId22" cstate="print">
+            <a:extLst>
+              <a:ext uri="{28A0092B-C50C-407E-A947-70E740481C1C}">
+                <a14:useLocalDpi xmlns:a14="http://schemas.microsoft.com/office/drawing/2010/main" val="0"/>
+              </a:ext>
+            </a:extLst>
+          </a:blip>
+          <a:stretch>
+            <a:fillRect/>
+          </a:stretch>
+        </p:blipFill>
+        <p:spPr>
+          <a:xfrm>
+            <a:off x="398878" y="2984408"/>
+            <a:ext cx="481396" cy="481396"/>
+          </a:xfrm>
+          <a:prstGeom prst="rect">
+            <a:avLst/>
+          </a:prstGeom>
+        </p:spPr>
+      </p:pic>
+      <p:pic>
+        <p:nvPicPr>
+          <p:cNvPr id="14" name="Grafik 13"/>
+          <p:cNvPicPr>
+            <a:picLocks noChangeAspect="1"/>
+          </p:cNvPicPr>
+          <p:nvPr/>
+        </p:nvPicPr>
+        <p:blipFill>
+          <a:blip r:embed="rId23" cstate="print">
+            <a:extLst>
+              <a:ext uri="{28A0092B-C50C-407E-A947-70E740481C1C}">
+                <a14:useLocalDpi xmlns:a14="http://schemas.microsoft.com/office/drawing/2010/main" val="0"/>
+              </a:ext>
+            </a:extLst>
+          </a:blip>
+          <a:stretch>
+            <a:fillRect/>
+          </a:stretch>
+        </p:blipFill>
+        <p:spPr>
+          <a:xfrm>
+            <a:off x="297240" y="3451695"/>
+            <a:ext cx="582026" cy="582026"/>
+          </a:xfrm>
+          <a:prstGeom prst="rect">
+            <a:avLst/>
+          </a:prstGeom>
+        </p:spPr>
+      </p:pic>
+      <p:sp>
+        <p:nvSpPr>
+          <p:cNvPr id="73" name="Textfeld 72"/>
+          <p:cNvSpPr txBox="1"/>
+          <p:nvPr/>
+        </p:nvSpPr>
+        <p:spPr>
+          <a:xfrm>
+            <a:off x="1117328" y="4012053"/>
+            <a:ext cx="1234440" cy="646331"/>
+          </a:xfrm>
+          <a:prstGeom prst="rect">
+            <a:avLst/>
+          </a:prstGeom>
+          <a:noFill/>
+        </p:spPr>
+        <p:txBody>
+          <a:bodyPr wrap="square" rtlCol="0">
+            <a:spAutoFit/>
+          </a:bodyPr>
+          <a:lstStyle/>
+          <a:p>
+            <a:pPr algn="ctr"/>
+            <a:r>
+              <a:rPr lang="de-CH" dirty="0" smtClean="0"/>
+              <a:t>Identity Server</a:t>
+            </a:r>
+            <a:endParaRPr lang="de-CH" dirty="0"/>
+          </a:p>
+        </p:txBody>
+      </p:sp>
+      <p:pic>
+        <p:nvPicPr>
+          <p:cNvPr id="15" name="Grafik 14"/>
+          <p:cNvPicPr>
+            <a:picLocks noChangeAspect="1"/>
+          </p:cNvPicPr>
+          <p:nvPr/>
+        </p:nvPicPr>
+        <p:blipFill>
+          <a:blip r:embed="rId24" cstate="print">
+            <a:extLst>
+              <a:ext uri="{28A0092B-C50C-407E-A947-70E740481C1C}">
+                <a14:useLocalDpi xmlns:a14="http://schemas.microsoft.com/office/drawing/2010/main" val="0"/>
+              </a:ext>
+            </a:extLst>
+          </a:blip>
+          <a:stretch>
+            <a:fillRect/>
+          </a:stretch>
+        </p:blipFill>
+        <p:spPr>
+          <a:xfrm>
+            <a:off x="372347" y="4047216"/>
+            <a:ext cx="460220" cy="460220"/>
+          </a:xfrm>
+          <a:prstGeom prst="rect">
+            <a:avLst/>
+          </a:prstGeom>
+        </p:spPr>
+      </p:pic>
+      <p:sp>
+        <p:nvSpPr>
+          <p:cNvPr id="84" name="Textfeld 83"/>
+          <p:cNvSpPr txBox="1"/>
+          <p:nvPr/>
+        </p:nvSpPr>
+        <p:spPr>
+          <a:xfrm>
+            <a:off x="2106045" y="4054356"/>
+            <a:ext cx="837263" cy="338554"/>
+          </a:xfrm>
+          <a:prstGeom prst="rect">
+            <a:avLst/>
+          </a:prstGeom>
+          <a:noFill/>
+        </p:spPr>
+        <p:txBody>
+          <a:bodyPr wrap="square" rtlCol="0">
+            <a:spAutoFit/>
+          </a:bodyPr>
+          <a:lstStyle/>
+          <a:p>
+            <a:pPr algn="ctr"/>
+            <a:r>
+              <a:rPr lang="de-CH" sz="1600" dirty="0" smtClean="0"/>
+              <a:t>OIDC</a:t>
+            </a:r>
+            <a:endParaRPr lang="de-CH" sz="1400" dirty="0"/>
+          </a:p>
+        </p:txBody>
+      </p:sp>
+      <p:sp>
+        <p:nvSpPr>
+          <p:cNvPr id="85" name="Textfeld 84"/>
+          <p:cNvSpPr txBox="1"/>
+          <p:nvPr/>
+        </p:nvSpPr>
+        <p:spPr>
+          <a:xfrm>
+            <a:off x="1453557" y="2409764"/>
+            <a:ext cx="837263" cy="338554"/>
+          </a:xfrm>
+          <a:prstGeom prst="rect">
+            <a:avLst/>
+          </a:prstGeom>
+          <a:noFill/>
+        </p:spPr>
+        <p:txBody>
+          <a:bodyPr wrap="square" rtlCol="0">
+            <a:spAutoFit/>
+          </a:bodyPr>
+          <a:lstStyle/>
+          <a:p>
+            <a:pPr algn="ctr"/>
+            <a:r>
+              <a:rPr lang="de-CH" sz="1600" dirty="0" smtClean="0"/>
+              <a:t>OIDC</a:t>
+            </a:r>
+            <a:endParaRPr lang="de-CH" sz="1400" dirty="0"/>
+          </a:p>
+        </p:txBody>
+      </p:sp>
+      <p:pic>
+        <p:nvPicPr>
+          <p:cNvPr id="86" name="Grafik 85"/>
+          <p:cNvPicPr>
+            <a:picLocks noChangeAspect="1"/>
+          </p:cNvPicPr>
+          <p:nvPr/>
+        </p:nvPicPr>
+        <p:blipFill>
+          <a:blip r:embed="rId20"/>
+          <a:stretch>
+            <a:fillRect/>
+          </a:stretch>
+        </p:blipFill>
+        <p:spPr>
+          <a:xfrm>
+            <a:off x="1907305" y="3139153"/>
+            <a:ext cx="351527" cy="333696"/>
+          </a:xfrm>
+          <a:prstGeom prst="rect">
+            <a:avLst/>
+          </a:prstGeom>
+        </p:spPr>
+      </p:pic>
+      <p:pic>
+        <p:nvPicPr>
+          <p:cNvPr id="19" name="Grafik 18"/>
+          <p:cNvPicPr>
+            <a:picLocks noChangeAspect="1"/>
+          </p:cNvPicPr>
+          <p:nvPr/>
+        </p:nvPicPr>
+        <p:blipFill>
+          <a:blip r:embed="rId25" cstate="print">
+            <a:extLst>
+              <a:ext uri="{28A0092B-C50C-407E-A947-70E740481C1C}">
+                <a14:useLocalDpi xmlns:a14="http://schemas.microsoft.com/office/drawing/2010/main" val="0"/>
+              </a:ext>
+            </a:extLst>
+          </a:blip>
+          <a:stretch>
+            <a:fillRect/>
+          </a:stretch>
+        </p:blipFill>
+        <p:spPr>
+          <a:xfrm>
+            <a:off x="3343251" y="5311124"/>
+            <a:ext cx="780290" cy="780290"/>
+          </a:xfrm>
+          <a:prstGeom prst="rect">
+            <a:avLst/>
+          </a:prstGeom>
+        </p:spPr>
+      </p:pic>
+      <p:sp>
+        <p:nvSpPr>
+          <p:cNvPr id="87" name="Textfeld 86"/>
+          <p:cNvSpPr txBox="1"/>
+          <p:nvPr/>
+        </p:nvSpPr>
+        <p:spPr>
+          <a:xfrm>
+            <a:off x="3154908" y="6000055"/>
+            <a:ext cx="1234440" cy="369332"/>
+          </a:xfrm>
+          <a:prstGeom prst="rect">
+            <a:avLst/>
+          </a:prstGeom>
+          <a:noFill/>
+        </p:spPr>
+        <p:txBody>
+          <a:bodyPr wrap="square" rtlCol="0">
+            <a:spAutoFit/>
+          </a:bodyPr>
+          <a:lstStyle/>
+          <a:p>
+            <a:pPr algn="ctr"/>
+            <a:r>
+              <a:rPr lang="de-CH" dirty="0" err="1" smtClean="0"/>
+              <a:t>JobHost</a:t>
+            </a:r>
+            <a:endParaRPr lang="de-CH" dirty="0"/>
+          </a:p>
+        </p:txBody>
+      </p:sp>
+      <p:pic>
+        <p:nvPicPr>
+          <p:cNvPr id="88" name="Grafik 87"/>
+          <p:cNvPicPr>
+            <a:picLocks noChangeAspect="1"/>
+          </p:cNvPicPr>
+          <p:nvPr/>
+        </p:nvPicPr>
+        <p:blipFill>
+          <a:blip r:embed="rId20"/>
+          <a:stretch>
+            <a:fillRect/>
+          </a:stretch>
+        </p:blipFill>
+        <p:spPr>
+          <a:xfrm>
+            <a:off x="4096937" y="5285150"/>
+            <a:ext cx="351527" cy="333696"/>
+          </a:xfrm>
+          <a:prstGeom prst="rect">
+            <a:avLst/>
+          </a:prstGeom>
+        </p:spPr>
+      </p:pic>
+      <p:sp>
+        <p:nvSpPr>
+          <p:cNvPr id="96" name="Textfeld 95"/>
+          <p:cNvSpPr txBox="1"/>
+          <p:nvPr/>
+        </p:nvSpPr>
+        <p:spPr>
+          <a:xfrm>
+            <a:off x="4848336" y="653562"/>
+            <a:ext cx="626412" cy="369332"/>
+          </a:xfrm>
+          <a:prstGeom prst="rect">
+            <a:avLst/>
+          </a:prstGeom>
+          <a:noFill/>
+        </p:spPr>
+        <p:txBody>
+          <a:bodyPr wrap="square" rtlCol="0">
+            <a:spAutoFit/>
+          </a:bodyPr>
+          <a:lstStyle/>
+          <a:p>
+            <a:r>
+              <a:rPr lang="de-CH" sz="900" dirty="0" smtClean="0"/>
+              <a:t>Offline Cache</a:t>
+            </a:r>
+            <a:endParaRPr lang="de-CH" sz="900" dirty="0"/>
+          </a:p>
+        </p:txBody>
+      </p:sp>
+      <p:pic>
+        <p:nvPicPr>
+          <p:cNvPr id="101" name="Grafik 100"/>
+          <p:cNvPicPr>
+            <a:picLocks noChangeAspect="1"/>
+          </p:cNvPicPr>
+          <p:nvPr/>
+        </p:nvPicPr>
+        <p:blipFill>
+          <a:blip r:embed="rId26" cstate="print">
+            <a:extLst>
+              <a:ext uri="{28A0092B-C50C-407E-A947-70E740481C1C}">
+                <a14:useLocalDpi xmlns:a14="http://schemas.microsoft.com/office/drawing/2010/main" val="0"/>
+              </a:ext>
+            </a:extLst>
+          </a:blip>
+          <a:stretch>
+            <a:fillRect/>
+          </a:stretch>
+        </p:blipFill>
+        <p:spPr>
+          <a:xfrm>
+            <a:off x="4553533" y="1095746"/>
+            <a:ext cx="334799" cy="334799"/>
+          </a:xfrm>
+          <a:prstGeom prst="rect">
+            <a:avLst/>
+          </a:prstGeom>
+        </p:spPr>
+      </p:pic>
+      <p:sp>
+        <p:nvSpPr>
+          <p:cNvPr id="102" name="Textfeld 101"/>
+          <p:cNvSpPr txBox="1"/>
+          <p:nvPr/>
+        </p:nvSpPr>
+        <p:spPr>
+          <a:xfrm>
+            <a:off x="4844794" y="1072664"/>
+            <a:ext cx="1307241" cy="369332"/>
+          </a:xfrm>
+          <a:prstGeom prst="rect">
+            <a:avLst/>
+          </a:prstGeom>
+          <a:noFill/>
+        </p:spPr>
+        <p:txBody>
+          <a:bodyPr wrap="square" rtlCol="0">
+            <a:spAutoFit/>
+          </a:bodyPr>
+          <a:lstStyle/>
+          <a:p>
+            <a:r>
+              <a:rPr lang="de-CH" sz="900" dirty="0" err="1" smtClean="0"/>
+              <a:t>Address</a:t>
+            </a:r>
+            <a:r>
+              <a:rPr lang="de-CH" sz="900" dirty="0" smtClean="0"/>
+              <a:t> Provider/</a:t>
+            </a:r>
+            <a:br>
+              <a:rPr lang="de-CH" sz="900" dirty="0" smtClean="0"/>
+            </a:br>
+            <a:r>
+              <a:rPr lang="de-CH" sz="900" dirty="0" smtClean="0"/>
+              <a:t>Data Providers</a:t>
+            </a:r>
+            <a:endParaRPr lang="de-CH" sz="900" dirty="0"/>
+          </a:p>
+        </p:txBody>
+      </p:sp>
+      <p:cxnSp>
+        <p:nvCxnSpPr>
+          <p:cNvPr id="23" name="Gerade Verbindung mit Pfeil 22"/>
+          <p:cNvCxnSpPr/>
+          <p:nvPr/>
+        </p:nvCxnSpPr>
+        <p:spPr>
+          <a:xfrm flipH="1">
+            <a:off x="1214429" y="340264"/>
+            <a:ext cx="7812618" cy="0"/>
+          </a:xfrm>
+          <a:prstGeom prst="straightConnector1">
+            <a:avLst/>
+          </a:prstGeom>
+          <a:ln w="38100">
+            <a:solidFill>
+              <a:srgbClr val="00A864"/>
+            </a:solidFill>
+            <a:headEnd type="triangle"/>
+            <a:tailEnd type="triangle"/>
+          </a:ln>
+        </p:spPr>
+        <p:style>
+          <a:lnRef idx="1">
+            <a:schemeClr val="accent1"/>
+          </a:lnRef>
+          <a:fillRef idx="0">
+            <a:schemeClr val="accent1"/>
+          </a:fillRef>
+          <a:effectRef idx="0">
+            <a:schemeClr val="accent1"/>
+          </a:effectRef>
+          <a:fontRef idx="minor">
+            <a:schemeClr val="tx1"/>
+          </a:fontRef>
+        </p:style>
+      </p:cxnSp>
+      <p:cxnSp>
+        <p:nvCxnSpPr>
+          <p:cNvPr id="103" name="Gerade Verbindung mit Pfeil 102"/>
+          <p:cNvCxnSpPr/>
+          <p:nvPr/>
+        </p:nvCxnSpPr>
+        <p:spPr>
+          <a:xfrm flipH="1">
+            <a:off x="1214429" y="1214397"/>
+            <a:ext cx="2109655" cy="0"/>
+          </a:xfrm>
+          <a:prstGeom prst="straightConnector1">
+            <a:avLst/>
+          </a:prstGeom>
+          <a:ln w="38100">
+            <a:solidFill>
+              <a:srgbClr val="00A864"/>
+            </a:solidFill>
+            <a:headEnd type="triangle"/>
+            <a:tailEnd type="triangle"/>
+          </a:ln>
+        </p:spPr>
+        <p:style>
+          <a:lnRef idx="1">
+            <a:schemeClr val="accent1"/>
+          </a:lnRef>
+          <a:fillRef idx="0">
+            <a:schemeClr val="accent1"/>
+          </a:fillRef>
+          <a:effectRef idx="0">
+            <a:schemeClr val="accent1"/>
+          </a:effectRef>
+          <a:fontRef idx="minor">
+            <a:schemeClr val="tx1"/>
+          </a:fontRef>
+        </p:style>
+      </p:cxnSp>
+      <p:cxnSp>
+        <p:nvCxnSpPr>
+          <p:cNvPr id="104" name="Gerade Verbindung mit Pfeil 103"/>
+          <p:cNvCxnSpPr/>
+          <p:nvPr/>
+        </p:nvCxnSpPr>
+        <p:spPr>
+          <a:xfrm flipH="1">
+            <a:off x="5763188" y="1321339"/>
+            <a:ext cx="3263859" cy="0"/>
+          </a:xfrm>
+          <a:prstGeom prst="straightConnector1">
+            <a:avLst/>
+          </a:prstGeom>
+          <a:ln w="38100">
+            <a:solidFill>
+              <a:srgbClr val="00A864"/>
+            </a:solidFill>
+            <a:headEnd type="triangle"/>
+            <a:tailEnd type="triangle"/>
+          </a:ln>
+        </p:spPr>
+        <p:style>
+          <a:lnRef idx="1">
+            <a:schemeClr val="accent1"/>
+          </a:lnRef>
+          <a:fillRef idx="0">
+            <a:schemeClr val="accent1"/>
+          </a:fillRef>
+          <a:effectRef idx="0">
+            <a:schemeClr val="accent1"/>
+          </a:effectRef>
+          <a:fontRef idx="minor">
+            <a:schemeClr val="tx1"/>
+          </a:fontRef>
+        </p:style>
+      </p:cxnSp>
+      <p:sp>
+        <p:nvSpPr>
+          <p:cNvPr id="105" name="Textfeld 104"/>
+          <p:cNvSpPr txBox="1"/>
+          <p:nvPr/>
+        </p:nvSpPr>
+        <p:spPr>
+          <a:xfrm>
+            <a:off x="5751584" y="1322489"/>
+            <a:ext cx="3138356" cy="584775"/>
+          </a:xfrm>
+          <a:prstGeom prst="rect">
+            <a:avLst/>
+          </a:prstGeom>
+          <a:noFill/>
+        </p:spPr>
+        <p:txBody>
+          <a:bodyPr wrap="square" rtlCol="0">
+            <a:spAutoFit/>
+          </a:bodyPr>
+          <a:lstStyle>
+            <a:defPPr>
+              <a:defRPr lang="en-US"/>
+            </a:defPPr>
+            <a:lvl1pPr algn="ctr">
+              <a:defRPr sz="1600"/>
+            </a:lvl1pPr>
+          </a:lstStyle>
+          <a:p>
+            <a:r>
+              <a:rPr lang="de-CH" dirty="0" err="1" smtClean="0"/>
+              <a:t>Address</a:t>
+            </a:r>
+            <a:r>
+              <a:rPr lang="de-CH" dirty="0" smtClean="0"/>
+              <a:t> Data</a:t>
+            </a:r>
+            <a:br>
+              <a:rPr lang="de-CH" dirty="0" smtClean="0"/>
+            </a:br>
+            <a:r>
+              <a:rPr lang="de-CH" dirty="0" smtClean="0"/>
+              <a:t>Rest/WS/WML/</a:t>
+            </a:r>
+            <a:r>
+              <a:rPr lang="de-CH" dirty="0" err="1" smtClean="0"/>
+              <a:t>InProc</a:t>
+            </a:r>
+            <a:endParaRPr lang="de-CH" dirty="0"/>
+          </a:p>
+        </p:txBody>
+      </p:sp>
+      <p:cxnSp>
+        <p:nvCxnSpPr>
+          <p:cNvPr id="106" name="Gerade Verbindung mit Pfeil 105"/>
+          <p:cNvCxnSpPr/>
+          <p:nvPr/>
+        </p:nvCxnSpPr>
+        <p:spPr>
+          <a:xfrm flipH="1">
+            <a:off x="5751584" y="963360"/>
+            <a:ext cx="3263859" cy="0"/>
+          </a:xfrm>
+          <a:prstGeom prst="straightConnector1">
+            <a:avLst/>
+          </a:prstGeom>
+          <a:ln w="38100">
+            <a:solidFill>
+              <a:srgbClr val="C00000"/>
+            </a:solidFill>
+            <a:headEnd type="triangle"/>
+            <a:tailEnd type="triangle"/>
+          </a:ln>
+        </p:spPr>
+        <p:style>
+          <a:lnRef idx="1">
+            <a:schemeClr val="accent1"/>
+          </a:lnRef>
+          <a:fillRef idx="0">
+            <a:schemeClr val="accent1"/>
+          </a:fillRef>
+          <a:effectRef idx="0">
+            <a:schemeClr val="accent1"/>
+          </a:effectRef>
+          <a:fontRef idx="minor">
+            <a:schemeClr val="tx1"/>
+          </a:fontRef>
+        </p:style>
+      </p:cxnSp>
+      <p:cxnSp>
+        <p:nvCxnSpPr>
+          <p:cNvPr id="109" name="Gerade Verbindung mit Pfeil 108"/>
+          <p:cNvCxnSpPr/>
+          <p:nvPr/>
+        </p:nvCxnSpPr>
+        <p:spPr>
+          <a:xfrm flipH="1">
+            <a:off x="8286750" y="4192457"/>
+            <a:ext cx="740298" cy="0"/>
+          </a:xfrm>
+          <a:prstGeom prst="straightConnector1">
+            <a:avLst/>
+          </a:prstGeom>
+          <a:ln w="38100">
+            <a:solidFill>
+              <a:srgbClr val="C00000"/>
+            </a:solidFill>
+            <a:headEnd type="triangle"/>
+            <a:tailEnd type="triangle"/>
+          </a:ln>
+        </p:spPr>
+        <p:style>
+          <a:lnRef idx="1">
+            <a:schemeClr val="accent1"/>
+          </a:lnRef>
+          <a:fillRef idx="0">
+            <a:schemeClr val="accent1"/>
+          </a:fillRef>
+          <a:effectRef idx="0">
+            <a:schemeClr val="accent1"/>
+          </a:effectRef>
+          <a:fontRef idx="minor">
+            <a:schemeClr val="tx1"/>
+          </a:fontRef>
+        </p:style>
+      </p:cxnSp>
+      <p:cxnSp>
+        <p:nvCxnSpPr>
+          <p:cNvPr id="110" name="Gerade Verbindung mit Pfeil 109"/>
+          <p:cNvCxnSpPr/>
+          <p:nvPr/>
+        </p:nvCxnSpPr>
+        <p:spPr>
+          <a:xfrm flipH="1">
+            <a:off x="8286750" y="5986520"/>
+            <a:ext cx="740297" cy="0"/>
+          </a:xfrm>
+          <a:prstGeom prst="straightConnector1">
+            <a:avLst/>
+          </a:prstGeom>
+          <a:ln w="38100">
+            <a:solidFill>
+              <a:srgbClr val="00A864"/>
+            </a:solidFill>
+            <a:headEnd type="triangle"/>
+            <a:tailEnd type="triangle"/>
+          </a:ln>
+        </p:spPr>
+        <p:style>
+          <a:lnRef idx="1">
+            <a:schemeClr val="accent1"/>
+          </a:lnRef>
+          <a:fillRef idx="0">
+            <a:schemeClr val="accent1"/>
+          </a:fillRef>
+          <a:effectRef idx="0">
+            <a:schemeClr val="accent1"/>
+          </a:effectRef>
+          <a:fontRef idx="minor">
+            <a:schemeClr val="tx1"/>
+          </a:fontRef>
+        </p:style>
+      </p:cxnSp>
+      <p:cxnSp>
+        <p:nvCxnSpPr>
+          <p:cNvPr id="111" name="Gerade Verbindung mit Pfeil 110"/>
+          <p:cNvCxnSpPr/>
+          <p:nvPr/>
+        </p:nvCxnSpPr>
+        <p:spPr>
+          <a:xfrm flipH="1">
+            <a:off x="2172429" y="3974488"/>
+            <a:ext cx="685071" cy="0"/>
+          </a:xfrm>
+          <a:prstGeom prst="straightConnector1">
+            <a:avLst/>
+          </a:prstGeom>
+          <a:ln w="38100">
+            <a:solidFill>
+              <a:srgbClr val="00A864"/>
+            </a:solidFill>
+            <a:headEnd type="triangle"/>
+            <a:tailEnd type="triangle"/>
+          </a:ln>
+        </p:spPr>
+        <p:style>
+          <a:lnRef idx="1">
+            <a:schemeClr val="accent1"/>
+          </a:lnRef>
+          <a:fillRef idx="0">
+            <a:schemeClr val="accent1"/>
+          </a:fillRef>
+          <a:effectRef idx="0">
+            <a:schemeClr val="accent1"/>
+          </a:effectRef>
+          <a:fontRef idx="minor">
+            <a:schemeClr val="tx1"/>
+          </a:fontRef>
+        </p:style>
+      </p:cxnSp>
+      <p:cxnSp>
+        <p:nvCxnSpPr>
+          <p:cNvPr id="112" name="Gerade Verbindung mit Pfeil 111"/>
+          <p:cNvCxnSpPr/>
+          <p:nvPr/>
+        </p:nvCxnSpPr>
+        <p:spPr>
+          <a:xfrm flipH="1">
+            <a:off x="2172431" y="5869080"/>
+            <a:ext cx="685069" cy="0"/>
+          </a:xfrm>
+          <a:prstGeom prst="straightConnector1">
+            <a:avLst/>
+          </a:prstGeom>
+          <a:ln w="38100">
+            <a:solidFill>
+              <a:srgbClr val="00A864"/>
+            </a:solidFill>
+            <a:headEnd type="triangle"/>
+            <a:tailEnd type="triangle"/>
+          </a:ln>
+        </p:spPr>
+        <p:style>
+          <a:lnRef idx="1">
+            <a:schemeClr val="accent1"/>
+          </a:lnRef>
+          <a:fillRef idx="0">
+            <a:schemeClr val="accent1"/>
+          </a:fillRef>
+          <a:effectRef idx="0">
+            <a:schemeClr val="accent1"/>
+          </a:effectRef>
+          <a:fontRef idx="minor">
+            <a:schemeClr val="tx1"/>
+          </a:fontRef>
+        </p:style>
+      </p:cxnSp>
+      <p:cxnSp>
+        <p:nvCxnSpPr>
+          <p:cNvPr id="113" name="Gerade Verbindung mit Pfeil 112"/>
+          <p:cNvCxnSpPr/>
+          <p:nvPr/>
+        </p:nvCxnSpPr>
+        <p:spPr>
+          <a:xfrm>
+            <a:off x="1611999" y="2175494"/>
+            <a:ext cx="0" cy="808914"/>
+          </a:xfrm>
+          <a:prstGeom prst="straightConnector1">
+            <a:avLst/>
+          </a:prstGeom>
+          <a:ln w="38100">
+            <a:solidFill>
+              <a:srgbClr val="00A864"/>
+            </a:solidFill>
+            <a:headEnd type="triangle"/>
+            <a:tailEnd type="triangle"/>
+          </a:ln>
+        </p:spPr>
+        <p:style>
+          <a:lnRef idx="1">
+            <a:schemeClr val="accent1"/>
+          </a:lnRef>
+          <a:fillRef idx="0">
+            <a:schemeClr val="accent1"/>
+          </a:fillRef>
+          <a:effectRef idx="0">
+            <a:schemeClr val="accent1"/>
+          </a:effectRef>
+          <a:fontRef idx="minor">
+            <a:schemeClr val="tx1"/>
+          </a:fontRef>
+        </p:style>
+      </p:cxnSp>
+      <p:cxnSp>
+        <p:nvCxnSpPr>
+          <p:cNvPr id="114" name="Gerade Verbindung mit Pfeil 113"/>
+          <p:cNvCxnSpPr/>
+          <p:nvPr/>
+        </p:nvCxnSpPr>
+        <p:spPr>
+          <a:xfrm>
+            <a:off x="3801286" y="2140269"/>
+            <a:ext cx="0" cy="1265122"/>
+          </a:xfrm>
+          <a:prstGeom prst="straightConnector1">
+            <a:avLst/>
+          </a:prstGeom>
+          <a:ln w="38100">
+            <a:solidFill>
+              <a:srgbClr val="00A864"/>
+            </a:solidFill>
+            <a:headEnd type="triangle"/>
+            <a:tailEnd type="triangle"/>
+          </a:ln>
+        </p:spPr>
+        <p:style>
+          <a:lnRef idx="1">
+            <a:schemeClr val="accent1"/>
+          </a:lnRef>
+          <a:fillRef idx="0">
+            <a:schemeClr val="accent1"/>
+          </a:fillRef>
+          <a:effectRef idx="0">
+            <a:schemeClr val="accent1"/>
+          </a:effectRef>
+          <a:fontRef idx="minor">
+            <a:schemeClr val="tx1"/>
+          </a:fontRef>
+        </p:style>
+      </p:cxnSp>
+      <p:cxnSp>
+        <p:nvCxnSpPr>
+          <p:cNvPr id="116" name="Gerade Verbindung mit Pfeil 115"/>
+          <p:cNvCxnSpPr/>
+          <p:nvPr/>
+        </p:nvCxnSpPr>
+        <p:spPr>
+          <a:xfrm flipH="1">
+            <a:off x="8286750" y="3363560"/>
+            <a:ext cx="740297" cy="0"/>
+          </a:xfrm>
+          <a:prstGeom prst="straightConnector1">
+            <a:avLst/>
+          </a:prstGeom>
+          <a:ln w="38100">
+            <a:solidFill>
+              <a:srgbClr val="00A864"/>
+            </a:solidFill>
+            <a:headEnd type="triangle"/>
+            <a:tailEnd type="triangle"/>
+          </a:ln>
+        </p:spPr>
+        <p:style>
+          <a:lnRef idx="1">
+            <a:schemeClr val="accent1"/>
+          </a:lnRef>
+          <a:fillRef idx="0">
+            <a:schemeClr val="accent1"/>
+          </a:fillRef>
+          <a:effectRef idx="0">
+            <a:schemeClr val="accent1"/>
+          </a:effectRef>
+          <a:fontRef idx="minor">
+            <a:schemeClr val="tx1"/>
+          </a:fontRef>
+        </p:style>
+      </p:cxnSp>
+      <p:sp>
+        <p:nvSpPr>
+          <p:cNvPr id="117" name="Textfeld 116"/>
+          <p:cNvSpPr txBox="1"/>
+          <p:nvPr/>
+        </p:nvSpPr>
+        <p:spPr>
+          <a:xfrm>
+            <a:off x="7120053" y="2792967"/>
+            <a:ext cx="3138356" cy="584775"/>
+          </a:xfrm>
+          <a:prstGeom prst="rect">
+            <a:avLst/>
+          </a:prstGeom>
+          <a:noFill/>
+        </p:spPr>
+        <p:txBody>
+          <a:bodyPr wrap="square" rtlCol="0">
+            <a:spAutoFit/>
+          </a:bodyPr>
+          <a:lstStyle>
+            <a:defPPr>
+              <a:defRPr lang="en-US"/>
+            </a:defPPr>
+            <a:lvl1pPr algn="ctr">
+              <a:defRPr sz="1600"/>
+            </a:lvl1pPr>
+          </a:lstStyle>
+          <a:p>
+            <a:r>
+              <a:rPr lang="de-CH" dirty="0" err="1"/>
+              <a:t>Address</a:t>
+            </a:r>
+            <a:r>
+              <a:rPr lang="de-CH" dirty="0"/>
+              <a:t> </a:t>
+            </a:r>
+            <a:r>
+              <a:rPr lang="de-CH" dirty="0" smtClean="0"/>
+              <a:t>Data</a:t>
+            </a:r>
+            <a:br>
+              <a:rPr lang="de-CH" dirty="0" smtClean="0"/>
+            </a:br>
+            <a:r>
+              <a:rPr lang="de-CH" dirty="0" smtClean="0"/>
+              <a:t>Rest/WS/WML/SQL etc..</a:t>
+            </a:r>
+            <a:endParaRPr lang="de-CH" dirty="0"/>
+          </a:p>
+        </p:txBody>
+      </p:sp>
+      <p:pic>
+        <p:nvPicPr>
+          <p:cNvPr id="120" name="Grafik 119"/>
+          <p:cNvPicPr>
+            <a:picLocks noChangeAspect="1"/>
+          </p:cNvPicPr>
+          <p:nvPr/>
+        </p:nvPicPr>
+        <p:blipFill>
+          <a:blip r:embed="rId10" cstate="print">
+            <a:extLst>
+              <a:ext uri="{28A0092B-C50C-407E-A947-70E740481C1C}">
+                <a14:useLocalDpi xmlns:a14="http://schemas.microsoft.com/office/drawing/2010/main" val="0"/>
+              </a:ext>
+            </a:extLst>
+          </a:blip>
+          <a:stretch>
+            <a:fillRect/>
+          </a:stretch>
+        </p:blipFill>
+        <p:spPr>
+          <a:xfrm>
+            <a:off x="5119064" y="3480462"/>
+            <a:ext cx="1016183" cy="1016183"/>
+          </a:xfrm>
+          <a:prstGeom prst="rect">
+            <a:avLst/>
+          </a:prstGeom>
+        </p:spPr>
+      </p:pic>
+      <p:sp>
+        <p:nvSpPr>
+          <p:cNvPr id="121" name="Textfeld 120"/>
+          <p:cNvSpPr txBox="1"/>
+          <p:nvPr/>
+        </p:nvSpPr>
+        <p:spPr>
+          <a:xfrm>
+            <a:off x="4936459" y="4532127"/>
+            <a:ext cx="1234440" cy="646331"/>
+          </a:xfrm>
+          <a:prstGeom prst="rect">
+            <a:avLst/>
+          </a:prstGeom>
+          <a:noFill/>
+        </p:spPr>
+        <p:txBody>
+          <a:bodyPr wrap="square" rtlCol="0">
+            <a:spAutoFit/>
+          </a:bodyPr>
+          <a:lstStyle/>
+          <a:p>
+            <a:pPr algn="ctr"/>
+            <a:r>
+              <a:rPr lang="de-CH" dirty="0" err="1" smtClean="0"/>
+              <a:t>Address</a:t>
+            </a:r>
+            <a:r>
+              <a:rPr lang="de-CH" dirty="0" smtClean="0"/>
+              <a:t> Service</a:t>
+            </a:r>
+            <a:endParaRPr lang="de-CH" dirty="0"/>
+          </a:p>
+        </p:txBody>
+      </p:sp>
+      <p:cxnSp>
+        <p:nvCxnSpPr>
+          <p:cNvPr id="124" name="Gerade Verbindung mit Pfeil 123"/>
+          <p:cNvCxnSpPr/>
+          <p:nvPr/>
+        </p:nvCxnSpPr>
+        <p:spPr>
+          <a:xfrm flipH="1" flipV="1">
+            <a:off x="5451485" y="1452190"/>
+            <a:ext cx="2395" cy="1876064"/>
+          </a:xfrm>
+          <a:prstGeom prst="straightConnector1">
+            <a:avLst/>
+          </a:prstGeom>
+          <a:ln w="38100">
+            <a:solidFill>
+              <a:srgbClr val="00A864"/>
+            </a:solidFill>
+            <a:headEnd type="triangle"/>
+            <a:tailEnd type="triangle"/>
+          </a:ln>
+        </p:spPr>
+        <p:style>
+          <a:lnRef idx="1">
+            <a:schemeClr val="accent1"/>
+          </a:lnRef>
+          <a:fillRef idx="0">
+            <a:schemeClr val="accent1"/>
+          </a:fillRef>
+          <a:effectRef idx="0">
+            <a:schemeClr val="accent1"/>
+          </a:effectRef>
+          <a:fontRef idx="minor">
+            <a:schemeClr val="tx1"/>
+          </a:fontRef>
+        </p:style>
+      </p:cxnSp>
+      <p:sp>
+        <p:nvSpPr>
+          <p:cNvPr id="135" name="Textfeld 134"/>
+          <p:cNvSpPr txBox="1"/>
+          <p:nvPr/>
+        </p:nvSpPr>
+        <p:spPr>
+          <a:xfrm>
+            <a:off x="5449959" y="2352144"/>
+            <a:ext cx="995483" cy="338554"/>
+          </a:xfrm>
+          <a:prstGeom prst="rect">
+            <a:avLst/>
+          </a:prstGeom>
+          <a:noFill/>
+        </p:spPr>
+        <p:txBody>
+          <a:bodyPr wrap="square" rtlCol="0">
+            <a:spAutoFit/>
+          </a:bodyPr>
+          <a:lstStyle/>
+          <a:p>
+            <a:r>
+              <a:rPr lang="de-CH" sz="1600" dirty="0" smtClean="0"/>
+              <a:t>WS/Rest</a:t>
+            </a:r>
+            <a:endParaRPr lang="de-CH" dirty="0"/>
+          </a:p>
+        </p:txBody>
+      </p:sp>
+      <p:pic>
+        <p:nvPicPr>
+          <p:cNvPr id="138" name="Grafik 137"/>
+          <p:cNvPicPr>
+            <a:picLocks noChangeAspect="1"/>
+          </p:cNvPicPr>
+          <p:nvPr/>
+        </p:nvPicPr>
+        <p:blipFill>
+          <a:blip r:embed="rId20"/>
+          <a:stretch>
+            <a:fillRect/>
+          </a:stretch>
+        </p:blipFill>
+        <p:spPr>
+          <a:xfrm>
+            <a:off x="5771936" y="3436401"/>
+            <a:ext cx="351527" cy="333696"/>
+          </a:xfrm>
+          <a:prstGeom prst="rect">
+            <a:avLst/>
+          </a:prstGeom>
+        </p:spPr>
+      </p:pic>
+      <p:pic>
+        <p:nvPicPr>
+          <p:cNvPr id="107" name="Grafik 106"/>
+          <p:cNvPicPr>
+            <a:picLocks noChangeAspect="1"/>
+          </p:cNvPicPr>
+          <p:nvPr/>
+        </p:nvPicPr>
+        <p:blipFill>
+          <a:blip r:embed="rId27"/>
+          <a:stretch>
+            <a:fillRect/>
+          </a:stretch>
+        </p:blipFill>
+        <p:spPr>
+          <a:xfrm>
+            <a:off x="805846" y="5518033"/>
+            <a:ext cx="571162" cy="571162"/>
+          </a:xfrm>
+          <a:prstGeom prst="rect">
+            <a:avLst/>
+          </a:prstGeom>
+        </p:spPr>
+      </p:pic>
+      <p:pic>
+        <p:nvPicPr>
+          <p:cNvPr id="108" name="Grafik 107"/>
+          <p:cNvPicPr>
+            <a:picLocks noChangeAspect="1"/>
+          </p:cNvPicPr>
+          <p:nvPr/>
+        </p:nvPicPr>
+        <p:blipFill>
+          <a:blip r:embed="rId28"/>
+          <a:stretch>
+            <a:fillRect/>
+          </a:stretch>
+        </p:blipFill>
+        <p:spPr>
+          <a:xfrm>
+            <a:off x="1459009" y="5531078"/>
+            <a:ext cx="558117" cy="558117"/>
+          </a:xfrm>
+          <a:prstGeom prst="rect">
+            <a:avLst/>
+          </a:prstGeom>
+        </p:spPr>
+      </p:pic>
+      <p:sp>
+        <p:nvSpPr>
+          <p:cNvPr id="115" name="Textfeld 114"/>
+          <p:cNvSpPr txBox="1"/>
+          <p:nvPr/>
+        </p:nvSpPr>
+        <p:spPr>
+          <a:xfrm>
+            <a:off x="560728" y="6085391"/>
+            <a:ext cx="1059483" cy="338554"/>
+          </a:xfrm>
+          <a:prstGeom prst="rect">
+            <a:avLst/>
+          </a:prstGeom>
+          <a:noFill/>
+        </p:spPr>
+        <p:txBody>
+          <a:bodyPr wrap="square" rtlCol="0">
+            <a:spAutoFit/>
+          </a:bodyPr>
+          <a:lstStyle/>
+          <a:p>
+            <a:pPr algn="ctr"/>
+            <a:r>
+              <a:rPr lang="de-CH" sz="1600" dirty="0" smtClean="0"/>
+              <a:t>SQL</a:t>
+            </a:r>
+            <a:endParaRPr lang="de-CH" dirty="0"/>
+          </a:p>
+        </p:txBody>
+      </p:sp>
+      <p:sp>
+        <p:nvSpPr>
+          <p:cNvPr id="118" name="Textfeld 117"/>
+          <p:cNvSpPr txBox="1"/>
+          <p:nvPr/>
+        </p:nvSpPr>
+        <p:spPr>
+          <a:xfrm>
+            <a:off x="1290330" y="6072479"/>
+            <a:ext cx="1059483" cy="338554"/>
+          </a:xfrm>
+          <a:prstGeom prst="rect">
+            <a:avLst/>
+          </a:prstGeom>
+          <a:noFill/>
+        </p:spPr>
+        <p:txBody>
+          <a:bodyPr wrap="square" rtlCol="0">
+            <a:spAutoFit/>
+          </a:bodyPr>
+          <a:lstStyle/>
+          <a:p>
+            <a:pPr algn="ctr"/>
+            <a:r>
+              <a:rPr lang="de-CH" sz="1600" dirty="0" smtClean="0"/>
+              <a:t>Custom</a:t>
+            </a:r>
+            <a:endParaRPr lang="de-CH" dirty="0"/>
+          </a:p>
+        </p:txBody>
+      </p:sp>
+      <p:sp>
+        <p:nvSpPr>
+          <p:cNvPr id="119" name="Textfeld 118"/>
+          <p:cNvSpPr txBox="1"/>
+          <p:nvPr/>
+        </p:nvSpPr>
+        <p:spPr>
+          <a:xfrm>
+            <a:off x="69851" y="6417031"/>
+            <a:ext cx="2122669" cy="369332"/>
+          </a:xfrm>
+          <a:prstGeom prst="rect">
+            <a:avLst/>
+          </a:prstGeom>
+          <a:noFill/>
+        </p:spPr>
+        <p:txBody>
+          <a:bodyPr wrap="square" rtlCol="0">
+            <a:spAutoFit/>
+          </a:bodyPr>
+          <a:lstStyle>
+            <a:defPPr>
+              <a:defRPr lang="en-US"/>
+            </a:defPPr>
+            <a:lvl1pPr algn="ctr">
+              <a:defRPr sz="2400" b="1"/>
+            </a:lvl1pPr>
+          </a:lstStyle>
+          <a:p>
+            <a:r>
+              <a:rPr lang="de-CH" sz="1800" dirty="0" smtClean="0"/>
+              <a:t>User </a:t>
+            </a:r>
+            <a:r>
+              <a:rPr lang="de-CH" sz="1800" dirty="0" err="1" smtClean="0"/>
+              <a:t>Sync</a:t>
+            </a:r>
+            <a:r>
+              <a:rPr lang="de-CH" sz="1800" dirty="0" smtClean="0"/>
+              <a:t> </a:t>
+            </a:r>
+            <a:r>
+              <a:rPr lang="de-CH" sz="1800" dirty="0" err="1" smtClean="0"/>
+              <a:t>Sources</a:t>
+            </a:r>
+            <a:endParaRPr lang="de-CH" sz="1800" dirty="0"/>
+          </a:p>
+        </p:txBody>
+      </p:sp>
+      <p:sp>
+        <p:nvSpPr>
+          <p:cNvPr id="122" name="Textfeld 121"/>
+          <p:cNvSpPr txBox="1"/>
+          <p:nvPr/>
+        </p:nvSpPr>
+        <p:spPr>
+          <a:xfrm>
+            <a:off x="152607" y="4646490"/>
+            <a:ext cx="1713015" cy="369332"/>
+          </a:xfrm>
+          <a:prstGeom prst="rect">
+            <a:avLst/>
+          </a:prstGeom>
+          <a:noFill/>
+        </p:spPr>
+        <p:txBody>
+          <a:bodyPr wrap="square" rtlCol="0">
+            <a:spAutoFit/>
+          </a:bodyPr>
+          <a:lstStyle>
+            <a:defPPr>
+              <a:defRPr lang="en-US"/>
+            </a:defPPr>
+            <a:lvl1pPr algn="ctr">
+              <a:defRPr sz="2400" b="1"/>
+            </a:lvl1pPr>
+          </a:lstStyle>
+          <a:p>
+            <a:r>
+              <a:rPr lang="de-CH" sz="1800" dirty="0" smtClean="0"/>
+              <a:t>OneOffixx </a:t>
+            </a:r>
+            <a:r>
+              <a:rPr lang="de-CH" sz="1800" dirty="0" err="1" smtClean="0"/>
+              <a:t>Auth</a:t>
+            </a:r>
+            <a:endParaRPr lang="de-CH" sz="1800" dirty="0"/>
           </a:p>
         </p:txBody>
       </p:sp>
     </p:spTree>
     <p:extLst>
       <p:ext uri="{BB962C8B-B14F-4D97-AF65-F5344CB8AC3E}">
-        <p14:creationId xmlns:p14="http://schemas.microsoft.com/office/powerpoint/2010/main" val="2082900746"/>
+        <p14:creationId xmlns:p14="http://schemas.microsoft.com/office/powerpoint/2010/main" val="3090348359"/>
       </p:ext>
     </p:extLst>
   </p:cSld>
